--- a/Presentation.pptx
+++ b/Presentation.pptx
@@ -5,19 +5,25 @@
     <p:sldMasterId id="2147483648" r:id="rId1"/>
   </p:sldMasterIdLst>
   <p:notesMasterIdLst>
-    <p:notesMasterId r:id="rId9"/>
+    <p:notesMasterId r:id="rId15"/>
   </p:notesMasterIdLst>
   <p:handoutMasterIdLst>
-    <p:handoutMasterId r:id="rId10"/>
+    <p:handoutMasterId r:id="rId16"/>
   </p:handoutMasterIdLst>
   <p:sldIdLst>
     <p:sldId id="256" r:id="rId2"/>
-    <p:sldId id="259" r:id="rId3"/>
-    <p:sldId id="263" r:id="rId4"/>
-    <p:sldId id="257" r:id="rId5"/>
-    <p:sldId id="260" r:id="rId6"/>
-    <p:sldId id="261" r:id="rId7"/>
-    <p:sldId id="262" r:id="rId8"/>
+    <p:sldId id="263" r:id="rId3"/>
+    <p:sldId id="264" r:id="rId4"/>
+    <p:sldId id="260" r:id="rId5"/>
+    <p:sldId id="261" r:id="rId6"/>
+    <p:sldId id="262" r:id="rId7"/>
+    <p:sldId id="265" r:id="rId8"/>
+    <p:sldId id="266" r:id="rId9"/>
+    <p:sldId id="267" r:id="rId10"/>
+    <p:sldId id="268" r:id="rId11"/>
+    <p:sldId id="269" r:id="rId12"/>
+    <p:sldId id="271" r:id="rId13"/>
+    <p:sldId id="270" r:id="rId14"/>
   </p:sldIdLst>
   <p:sldSz cx="12192000" cy="6858000"/>
   <p:notesSz cx="6858000" cy="9144000"/>
@@ -126,12 +132,38 @@
         </p14:section>
         <p14:section name="PacketAnalysis" id="{5189F836-8D31-4CC0-A95E-37C2928C4300}">
           <p14:sldIdLst>
-            <p14:sldId id="259"/>
             <p14:sldId id="263"/>
-            <p14:sldId id="257"/>
+            <p14:sldId id="264"/>
             <p14:sldId id="260"/>
             <p14:sldId id="261"/>
             <p14:sldId id="262"/>
+          </p14:sldIdLst>
+        </p14:section>
+        <p14:section name="Customer" id="{697F119F-D884-47F0-B167-F4986B0ED2D7}">
+          <p14:sldIdLst>
+            <p14:sldId id="265"/>
+          </p14:sldIdLst>
+        </p14:section>
+        <p14:section name="DevConnListr" id="{D71CEDA0-42A9-4AB5-B8BE-BF908BCB44AB}">
+          <p14:sldIdLst>
+            <p14:sldId id="266"/>
+          </p14:sldIdLst>
+        </p14:section>
+        <p14:section name="NetCard" id="{5395182D-624E-40E7-AAB4-7540A8AEEDE0}">
+          <p14:sldIdLst>
+            <p14:sldId id="267"/>
+            <p14:sldId id="268"/>
+          </p14:sldIdLst>
+        </p14:section>
+        <p14:section name="GUI" id="{AE0C0CFD-E568-4BBF-BA2A-1A579FAEC903}">
+          <p14:sldIdLst>
+            <p14:sldId id="269"/>
+            <p14:sldId id="271"/>
+          </p14:sldIdLst>
+        </p14:section>
+        <p14:section name="END" id="{0A0765BE-1BC5-4656-B59C-D65139F996DF}">
+          <p14:sldIdLst>
+            <p14:sldId id="270"/>
           </p14:sldIdLst>
         </p14:section>
       </p14:sectionLst>
@@ -185,8 +217,8 @@
     <c:autoTitleDeleted val="1"/>
     <c:plotArea>
       <c:layout/>
-      <c:lineChart>
-        <c:grouping val="standard"/>
+      <c:scatterChart>
+        <c:scatterStyle val="smoothMarker"/>
         <c:varyColors val="0"/>
         <c:ser>
           <c:idx val="0"/>
@@ -197,18 +229,17 @@
               <c:strCache>
                 <c:ptCount val="1"/>
                 <c:pt idx="0">
-                  <c:v>Series 1</c:v>
+                  <c:v>Y-Values</c:v>
                 </c:pt>
               </c:strCache>
             </c:strRef>
           </c:tx>
           <c:spPr>
-            <a:ln w="28575" cap="rnd">
+            <a:ln w="22225" cap="rnd">
               <a:solidFill>
                 <a:schemeClr val="accent1"/>
               </a:solidFill>
               <a:round/>
-              <a:tailEnd type="stealth" w="lg" len="lg"/>
             </a:ln>
             <a:effectLst/>
           </c:spPr>
@@ -216,13 +247,13 @@
             <c:symbol val="none"/>
           </c:marker>
           <c:dPt>
-            <c:idx val="1"/>
+            <c:idx val="4"/>
             <c:marker>
               <c:symbol val="none"/>
             </c:marker>
             <c:bubble3D val="0"/>
             <c:spPr>
-              <a:ln w="28575" cap="rnd">
+              <a:ln w="22225" cap="rnd">
                 <a:solidFill>
                   <a:schemeClr val="accent1"/>
                 </a:solidFill>
@@ -232,36 +263,147 @@
               <a:effectLst/>
             </c:spPr>
           </c:dPt>
-          <c:cat>
+          <c:xVal>
             <c:numRef>
-              <c:f>Sheet1!$A$2:$A$3</c:f>
+              <c:f>Sheet1!$A$2:$A$6</c:f>
               <c:numCache>
                 <c:formatCode>General</c:formatCode>
-                <c:ptCount val="2"/>
+                <c:ptCount val="5"/>
                 <c:pt idx="0">
                   <c:v>0</c:v>
                 </c:pt>
                 <c:pt idx="1">
                   <c:v>1</c:v>
                 </c:pt>
+                <c:pt idx="2">
+                  <c:v>2</c:v>
+                </c:pt>
+                <c:pt idx="3">
+                  <c:v>3</c:v>
+                </c:pt>
+                <c:pt idx="4">
+                  <c:v>4</c:v>
+                </c:pt>
               </c:numCache>
             </c:numRef>
-          </c:cat>
-          <c:val>
+          </c:xVal>
+          <c:yVal>
             <c:numRef>
-              <c:f>Sheet1!$B$2:$B$3</c:f>
+              <c:f>Sheet1!$B$2:$B$6</c:f>
               <c:numCache>
                 <c:formatCode>General</c:formatCode>
-                <c:ptCount val="2"/>
+                <c:ptCount val="5"/>
                 <c:pt idx="0">
                   <c:v>0</c:v>
                 </c:pt>
                 <c:pt idx="1">
                   <c:v>1</c:v>
                 </c:pt>
+                <c:pt idx="2">
+                  <c:v>4</c:v>
+                </c:pt>
+                <c:pt idx="3">
+                  <c:v>9</c:v>
+                </c:pt>
+                <c:pt idx="4">
+                  <c:v>16</c:v>
+                </c:pt>
               </c:numCache>
             </c:numRef>
-          </c:val>
+          </c:yVal>
+          <c:smooth val="1"/>
+        </c:ser>
+        <c:ser>
+          <c:idx val="1"/>
+          <c:order val="1"/>
+          <c:tx>
+            <c:strRef>
+              <c:f>Sheet1!$C$1</c:f>
+              <c:strCache>
+                <c:ptCount val="1"/>
+                <c:pt idx="0">
+                  <c:v>Column1</c:v>
+                </c:pt>
+              </c:strCache>
+            </c:strRef>
+          </c:tx>
+          <c:spPr>
+            <a:ln w="22225" cap="rnd">
+              <a:solidFill>
+                <a:schemeClr val="accent1"/>
+              </a:solidFill>
+              <a:round/>
+            </a:ln>
+            <a:effectLst/>
+          </c:spPr>
+          <c:marker>
+            <c:symbol val="none"/>
+          </c:marker>
+          <c:dPt>
+            <c:idx val="4"/>
+            <c:marker>
+              <c:symbol val="none"/>
+            </c:marker>
+            <c:bubble3D val="0"/>
+            <c:spPr>
+              <a:ln w="22225" cap="rnd">
+                <a:solidFill>
+                  <a:schemeClr val="accent1"/>
+                </a:solidFill>
+                <a:round/>
+                <a:tailEnd type="stealth" w="lg" len="lg"/>
+              </a:ln>
+              <a:effectLst/>
+            </c:spPr>
+          </c:dPt>
+          <c:xVal>
+            <c:numRef>
+              <c:f>Sheet1!$A$2:$A$6</c:f>
+              <c:numCache>
+                <c:formatCode>General</c:formatCode>
+                <c:ptCount val="5"/>
+                <c:pt idx="0">
+                  <c:v>0</c:v>
+                </c:pt>
+                <c:pt idx="1">
+                  <c:v>1</c:v>
+                </c:pt>
+                <c:pt idx="2">
+                  <c:v>2</c:v>
+                </c:pt>
+                <c:pt idx="3">
+                  <c:v>3</c:v>
+                </c:pt>
+                <c:pt idx="4">
+                  <c:v>4</c:v>
+                </c:pt>
+              </c:numCache>
+            </c:numRef>
+          </c:xVal>
+          <c:yVal>
+            <c:numRef>
+              <c:f>Sheet1!$C$2:$C$6</c:f>
+              <c:numCache>
+                <c:formatCode>General</c:formatCode>
+                <c:ptCount val="5"/>
+                <c:pt idx="0">
+                  <c:v>8</c:v>
+                </c:pt>
+                <c:pt idx="1">
+                  <c:v>8</c:v>
+                </c:pt>
+                <c:pt idx="2">
+                  <c:v>8</c:v>
+                </c:pt>
+                <c:pt idx="3">
+                  <c:v>8</c:v>
+                </c:pt>
+                <c:pt idx="4">
+                  <c:v>8</c:v>
+                </c:pt>
+              </c:numCache>
+            </c:numRef>
+          </c:yVal>
           <c:smooth val="1"/>
         </c:ser>
         <c:dLbls>
@@ -272,12 +414,11 @@
           <c:showPercent val="0"/>
           <c:showBubbleSize val="0"/>
         </c:dLbls>
-        <c:smooth val="0"/>
-        <c:axId val="133285264"/>
-        <c:axId val="131234784"/>
-      </c:lineChart>
-      <c:catAx>
-        <c:axId val="133285264"/>
+        <c:axId val="161446552"/>
+        <c:axId val="161446944"/>
+      </c:scatterChart>
+      <c:valAx>
+        <c:axId val="161446552"/>
         <c:scaling>
           <c:orientation val="minMax"/>
         </c:scaling>
@@ -289,29 +430,15 @@
               <a:bodyPr rot="0" spcFirstLastPara="1" vertOverflow="ellipsis" vert="horz" wrap="square" anchor="ctr" anchorCtr="1"/>
               <a:lstStyle/>
               <a:p>
-                <a:pPr marL="0" marR="0" indent="0" algn="ctr" defTabSz="914400" rtl="0" eaLnBrk="1" fontAlgn="auto" latinLnBrk="0" hangingPunct="1">
-                  <a:lnSpc>
-                    <a:spcPct val="100000"/>
-                  </a:lnSpc>
-                  <a:spcBef>
-                    <a:spcPts val="0"/>
-                  </a:spcBef>
-                  <a:spcAft>
-                    <a:spcPts val="0"/>
-                  </a:spcAft>
-                  <a:buClrTx/>
-                  <a:buSzTx/>
-                  <a:buFontTx/>
-                  <a:buNone/>
-                  <a:tabLst/>
-                  <a:defRPr sz="2400" b="0" i="0" u="none" strike="noStrike" kern="1200" baseline="0">
+                <a:pPr>
+                  <a:defRPr sz="1330" b="0" i="0" u="none" strike="noStrike" kern="1200" baseline="0">
                     <a:solidFill>
-                      <a:prstClr val="black">
+                      <a:schemeClr val="tx1">
                         <a:lumMod val="65000"/>
                         <a:lumOff val="35000"/>
-                      </a:prstClr>
+                      </a:schemeClr>
                     </a:solidFill>
-                    <a:latin typeface="+mn-lt"/>
+                    <a:latin typeface="+mj-lt"/>
                     <a:ea typeface="+mn-ea"/>
                     <a:cs typeface="+mn-cs"/>
                   </a:defRPr>
@@ -319,11 +446,13 @@
                 <a:r>
                   <a:rPr lang="uk-UA" sz="2400" b="0" i="0" baseline="0" dirty="0" smtClean="0">
                     <a:effectLst/>
+                    <a:latin typeface="+mj-lt"/>
                   </a:rPr>
                   <a:t>Кількість даних</a:t>
                 </a:r>
-                <a:endParaRPr lang="uk-UA" sz="2400" dirty="0" smtClean="0">
+                <a:endParaRPr lang="uk-UA" sz="1600" dirty="0">
                   <a:effectLst/>
+                  <a:latin typeface="+mj-lt"/>
                 </a:endParaRPr>
               </a:p>
             </c:rich>
@@ -341,29 +470,15 @@
             <a:bodyPr rot="0" spcFirstLastPara="1" vertOverflow="ellipsis" vert="horz" wrap="square" anchor="ctr" anchorCtr="1"/>
             <a:lstStyle/>
             <a:p>
-              <a:pPr marL="0" marR="0" indent="0" algn="ctr" defTabSz="914400" rtl="0" eaLnBrk="1" fontAlgn="auto" latinLnBrk="0" hangingPunct="1">
-                <a:lnSpc>
-                  <a:spcPct val="100000"/>
-                </a:lnSpc>
-                <a:spcBef>
-                  <a:spcPts val="0"/>
-                </a:spcBef>
-                <a:spcAft>
-                  <a:spcPts val="0"/>
-                </a:spcAft>
-                <a:buClrTx/>
-                <a:buSzTx/>
-                <a:buFontTx/>
-                <a:buNone/>
-                <a:tabLst/>
-                <a:defRPr sz="2400" b="0" i="0" u="none" strike="noStrike" kern="1200" baseline="0">
+              <a:pPr>
+                <a:defRPr sz="1330" b="0" i="0" u="none" strike="noStrike" kern="1200" baseline="0">
                   <a:solidFill>
-                    <a:prstClr val="black">
+                    <a:schemeClr val="tx1">
                       <a:lumMod val="65000"/>
                       <a:lumOff val="35000"/>
-                    </a:prstClr>
+                    </a:schemeClr>
                   </a:solidFill>
-                  <a:latin typeface="+mn-lt"/>
+                  <a:latin typeface="+mj-lt"/>
                   <a:ea typeface="+mn-ea"/>
                   <a:cs typeface="+mn-cs"/>
                 </a:defRPr>
@@ -372,20 +487,20 @@
             </a:p>
           </c:txPr>
         </c:title>
-        <c:numFmt formatCode="General" sourceLinked="0"/>
+        <c:numFmt formatCode="General" sourceLinked="1"/>
         <c:majorTickMark val="none"/>
         <c:minorTickMark val="none"/>
         <c:tickLblPos val="nextTo"/>
         <c:spPr>
           <a:noFill/>
-          <a:ln w="9525" cap="flat" cmpd="sng" algn="ctr">
+          <a:ln w="12700" cap="flat" cmpd="sng" algn="ctr">
             <a:solidFill>
               <a:schemeClr val="bg1">
                 <a:lumMod val="50000"/>
               </a:schemeClr>
             </a:solidFill>
             <a:round/>
-            <a:tailEnd type="stealth" w="lg" len="lg"/>
+            <a:tailEnd type="stealth"/>
           </a:ln>
           <a:effectLst/>
         </c:spPr>
@@ -394,7 +509,7 @@
           <a:lstStyle/>
           <a:p>
             <a:pPr>
-              <a:defRPr sz="1600" b="0" i="0" u="none" strike="noStrike" kern="1200" baseline="0">
+              <a:defRPr sz="1197" b="0" i="0" u="none" strike="noStrike" kern="1200" baseline="0">
                 <a:noFill/>
                 <a:latin typeface="+mn-lt"/>
                 <a:ea typeface="+mn-ea"/>
@@ -404,15 +519,12 @@
             <a:endParaRPr lang="uk-UA"/>
           </a:p>
         </c:txPr>
-        <c:crossAx val="131234784"/>
+        <c:crossAx val="161446944"/>
         <c:crosses val="autoZero"/>
-        <c:auto val="1"/>
-        <c:lblAlgn val="ctr"/>
-        <c:lblOffset val="100"/>
-        <c:noMultiLvlLbl val="0"/>
-      </c:catAx>
+        <c:crossBetween val="midCat"/>
+      </c:valAx>
       <c:valAx>
-        <c:axId val="131234784"/>
+        <c:axId val="161446944"/>
         <c:scaling>
           <c:orientation val="minMax"/>
         </c:scaling>
@@ -425,31 +537,28 @@
               <a:lstStyle/>
               <a:p>
                 <a:pPr>
-                  <a:defRPr sz="2000" b="0" i="0" u="none" strike="noStrike" kern="1200" baseline="0">
+                  <a:defRPr sz="1330" b="0" i="0" u="none" strike="noStrike" kern="1200" baseline="0">
                     <a:solidFill>
-                      <a:prstClr val="black">
+                      <a:schemeClr val="tx1">
                         <a:lumMod val="65000"/>
                         <a:lumOff val="35000"/>
-                      </a:prstClr>
+                      </a:schemeClr>
                     </a:solidFill>
-                    <a:latin typeface="+mn-lt"/>
+                    <a:latin typeface="+mj-lt"/>
                     <a:ea typeface="+mn-ea"/>
                     <a:cs typeface="+mn-cs"/>
                   </a:defRPr>
                 </a:pPr>
                 <a:r>
-                  <a:rPr lang="uk-UA" sz="2000" b="0" i="0" u="none" strike="noStrike" baseline="0" dirty="0" smtClean="0">
+                  <a:rPr lang="uk-UA" sz="2400" b="0" i="0" baseline="0" dirty="0" smtClean="0">
                     <a:effectLst/>
+                    <a:latin typeface="+mj-lt"/>
                   </a:rPr>
                   <a:t>Час розрахунку</a:t>
                 </a:r>
-                <a:endParaRPr lang="en-US" sz="2000" dirty="0">
-                  <a:solidFill>
-                    <a:prstClr val="black">
-                      <a:lumMod val="65000"/>
-                      <a:lumOff val="35000"/>
-                    </a:prstClr>
-                  </a:solidFill>
+                <a:endParaRPr lang="uk-UA" sz="1600" dirty="0">
+                  <a:effectLst/>
+                  <a:latin typeface="+mj-lt"/>
                 </a:endParaRPr>
               </a:p>
             </c:rich>
@@ -468,14 +577,14 @@
             <a:lstStyle/>
             <a:p>
               <a:pPr>
-                <a:defRPr sz="2000" b="0" i="0" u="none" strike="noStrike" kern="1200" baseline="0">
+                <a:defRPr sz="1330" b="0" i="0" u="none" strike="noStrike" kern="1200" baseline="0">
                   <a:solidFill>
-                    <a:prstClr val="black">
+                    <a:schemeClr val="tx1">
                       <a:lumMod val="65000"/>
                       <a:lumOff val="35000"/>
-                    </a:prstClr>
+                    </a:schemeClr>
                   </a:solidFill>
-                  <a:latin typeface="+mn-lt"/>
+                  <a:latin typeface="+mj-lt"/>
                   <a:ea typeface="+mn-ea"/>
                   <a:cs typeface="+mn-cs"/>
                 </a:defRPr>
@@ -490,13 +599,14 @@
         <c:tickLblPos val="nextTo"/>
         <c:spPr>
           <a:noFill/>
-          <a:ln>
+          <a:ln w="12700" cap="flat" cmpd="sng" algn="ctr">
             <a:solidFill>
               <a:schemeClr val="bg1">
                 <a:lumMod val="50000"/>
               </a:schemeClr>
             </a:solidFill>
-            <a:tailEnd type="stealth" w="lg" len="lg"/>
+            <a:round/>
+            <a:tailEnd type="stealth"/>
           </a:ln>
           <a:effectLst/>
         </c:spPr>
@@ -505,7 +615,7 @@
           <a:lstStyle/>
           <a:p>
             <a:pPr>
-              <a:defRPr sz="1600" b="0" i="0" u="none" strike="noStrike" kern="1200" baseline="0">
+              <a:defRPr sz="1197" b="0" i="0" u="none" strike="noStrike" kern="1200" baseline="0">
                 <a:noFill/>
                 <a:latin typeface="+mn-lt"/>
                 <a:ea typeface="+mn-ea"/>
@@ -515,7 +625,7 @@
             <a:endParaRPr lang="uk-UA"/>
           </a:p>
         </c:txPr>
-        <c:crossAx val="133285264"/>
+        <c:crossAx val="161446552"/>
         <c:crosses val="autoZero"/>
         <c:crossBetween val="midCat"/>
       </c:valAx>
@@ -543,7 +653,7 @@
     <a:lstStyle/>
     <a:p>
       <a:pPr>
-        <a:defRPr sz="1600"/>
+        <a:defRPr/>
       </a:pPr>
       <a:endParaRPr lang="uk-UA"/>
     </a:p>
@@ -595,7 +705,7 @@
 </file>
 
 <file path=ppt/charts/style1.xml><?xml version="1.0" encoding="utf-8"?>
-<cs:chartStyle xmlns:cs="http://schemas.microsoft.com/office/drawing/2012/chartStyle" xmlns:a="http://schemas.openxmlformats.org/drawingml/2006/main" id="227">
+<cs:chartStyle xmlns:cs="http://schemas.microsoft.com/office/drawing/2012/chartStyle" xmlns:a="http://schemas.openxmlformats.org/drawingml/2006/main" id="240">
   <cs:axisTitle>
     <cs:lnRef idx="0"/>
     <cs:fillRef idx="0"/>
@@ -622,8 +732,8 @@
       <a:ln w="9525" cap="flat" cmpd="sng" algn="ctr">
         <a:solidFill>
           <a:schemeClr val="tx1">
-            <a:lumMod val="15000"/>
-            <a:lumOff val="85000"/>
+            <a:lumMod val="25000"/>
+            <a:lumOff val="75000"/>
           </a:schemeClr>
         </a:solidFill>
         <a:round/>
@@ -703,11 +813,6 @@
     <cs:fontRef idx="minor">
       <a:schemeClr val="tx1"/>
     </cs:fontRef>
-    <cs:spPr>
-      <a:solidFill>
-        <a:schemeClr val="phClr"/>
-      </a:solidFill>
-    </cs:spPr>
   </cs:dataPoint>
   <cs:dataPoint3D>
     <cs:lnRef idx="0"/>
@@ -718,11 +823,6 @@
     <cs:fontRef idx="minor">
       <a:schemeClr val="tx1"/>
     </cs:fontRef>
-    <cs:spPr>
-      <a:solidFill>
-        <a:schemeClr val="phClr"/>
-      </a:solidFill>
-    </cs:spPr>
   </cs:dataPoint3D>
   <cs:dataPointLine>
     <cs:lnRef idx="0">
@@ -734,7 +834,7 @@
       <a:schemeClr val="tx1"/>
     </cs:fontRef>
     <cs:spPr>
-      <a:ln w="28575" cap="rnd">
+      <a:ln w="19050" cap="rnd">
         <a:solidFill>
           <a:schemeClr val="phClr"/>
         </a:solidFill>
@@ -754,9 +854,6 @@
       <a:schemeClr val="tx1"/>
     </cs:fontRef>
     <cs:spPr>
-      <a:solidFill>
-        <a:schemeClr val="phClr"/>
-      </a:solidFill>
       <a:ln w="9525">
         <a:solidFill>
           <a:schemeClr val="phClr"/>
@@ -769,10 +866,10 @@
     <cs:lnRef idx="0">
       <cs:styleClr val="auto"/>
     </cs:lnRef>
-    <cs:fillRef idx="1"/>
+    <cs:fillRef idx="0"/>
     <cs:effectRef idx="0"/>
     <cs:fontRef idx="minor">
-      <a:schemeClr val="tx1"/>
+      <a:schemeClr val="dk1"/>
     </cs:fontRef>
     <cs:spPr>
       <a:ln w="9525" cap="rnd">
@@ -812,22 +909,23 @@
     <cs:fillRef idx="0"/>
     <cs:effectRef idx="0"/>
     <cs:fontRef idx="minor">
-      <a:schemeClr val="dk1"/>
+      <a:schemeClr val="tx1"/>
     </cs:fontRef>
     <cs:spPr>
       <a:solidFill>
         <a:schemeClr val="dk1">
-          <a:lumMod val="65000"/>
-          <a:lumOff val="35000"/>
+          <a:lumMod val="75000"/>
+          <a:lumOff val="25000"/>
         </a:schemeClr>
       </a:solidFill>
-      <a:ln w="9525">
+      <a:ln w="9525" cap="flat" cmpd="sng" algn="ctr">
         <a:solidFill>
           <a:schemeClr val="tx1">
             <a:lumMod val="65000"/>
             <a:lumOff val="35000"/>
           </a:schemeClr>
         </a:solidFill>
+        <a:round/>
       </a:ln>
     </cs:spPr>
   </cs:downBar>
@@ -932,8 +1030,8 @@
       <a:ln w="9525" cap="flat" cmpd="sng" algn="ctr">
         <a:solidFill>
           <a:schemeClr val="tx1">
-            <a:lumMod val="75000"/>
-            <a:lumOff val="25000"/>
+            <a:lumMod val="50000"/>
+            <a:lumOff val="50000"/>
           </a:schemeClr>
         </a:solidFill>
         <a:round/>
@@ -1065,19 +1163,20 @@
     <cs:fillRef idx="0"/>
     <cs:effectRef idx="0"/>
     <cs:fontRef idx="minor">
-      <a:schemeClr val="dk1"/>
+      <a:schemeClr val="tx1"/>
     </cs:fontRef>
     <cs:spPr>
       <a:solidFill>
         <a:schemeClr val="lt1"/>
       </a:solidFill>
-      <a:ln w="9525">
+      <a:ln w="9525" cap="flat" cmpd="sng" algn="ctr">
         <a:solidFill>
           <a:schemeClr val="tx1">
-            <a:lumMod val="15000"/>
-            <a:lumOff val="85000"/>
+            <a:lumMod val="65000"/>
+            <a:lumOff val="35000"/>
           </a:schemeClr>
         </a:solidFill>
+        <a:round/>
       </a:ln>
     </cs:spPr>
   </cs:upBar>
@@ -1091,6 +1190,17 @@
         <a:lumOff val="35000"/>
       </a:schemeClr>
     </cs:fontRef>
+    <cs:spPr>
+      <a:ln w="9525" cap="flat" cmpd="sng" algn="ctr">
+        <a:solidFill>
+          <a:schemeClr val="tx1">
+            <a:lumMod val="25000"/>
+            <a:lumOff val="75000"/>
+          </a:schemeClr>
+        </a:solidFill>
+        <a:round/>
+      </a:ln>
+    </cs:spPr>
     <cs:defRPr sz="1197" kern="1200"/>
   </cs:valueAxis>
   <cs:wall>
@@ -1192,7 +1302,7 @@
           <a:p>
             <a:fld id="{AF540B8D-410A-4478-BECA-94BC9C67F289}" type="datetimeFigureOut">
               <a:rPr lang="uk-UA" smtClean="0"/>
-              <a:t>08.04.2015</a:t>
+              <a:t>11.04.2015</a:t>
             </a:fld>
             <a:endParaRPr lang="uk-UA"/>
           </a:p>
@@ -1357,7 +1467,7 @@
           <a:p>
             <a:fld id="{69190D90-451E-4BE2-A181-68566B6D9411}" type="datetimeFigureOut">
               <a:rPr lang="uk-UA" smtClean="0"/>
-              <a:t>08.04.2015</a:t>
+              <a:t>11.04.2015</a:t>
             </a:fld>
             <a:endParaRPr lang="uk-UA" dirty="0"/>
           </a:p>
@@ -1749,6 +1859,414 @@
 </p:notes>
 </file>
 
+<file path=ppt/notesSlides/notesSlide10.xml><?xml version="1.0" encoding="utf-8"?>
+<p:notes xmlns:a="http://schemas.openxmlformats.org/drawingml/2006/main" xmlns:r="http://schemas.openxmlformats.org/officeDocument/2006/relationships" xmlns:p="http://schemas.openxmlformats.org/presentationml/2006/main">
+  <p:cSld>
+    <p:spTree>
+      <p:nvGrpSpPr>
+        <p:cNvPr id="1" name=""/>
+        <p:cNvGrpSpPr/>
+        <p:nvPr/>
+      </p:nvGrpSpPr>
+      <p:grpSpPr>
+        <a:xfrm>
+          <a:off x="0" y="0"/>
+          <a:ext cx="0" cy="0"/>
+          <a:chOff x="0" y="0"/>
+          <a:chExt cx="0" cy="0"/>
+        </a:xfrm>
+      </p:grpSpPr>
+      <p:sp>
+        <p:nvSpPr>
+          <p:cNvPr id="2" name="Slide Image Placeholder 1"/>
+          <p:cNvSpPr>
+            <a:spLocks noGrp="1" noRot="1" noChangeAspect="1"/>
+          </p:cNvSpPr>
+          <p:nvPr>
+            <p:ph type="sldImg"/>
+          </p:nvPr>
+        </p:nvSpPr>
+        <p:spPr>
+          <a:xfrm>
+            <a:off x="685800" y="1143000"/>
+            <a:ext cx="5486400" cy="3086100"/>
+          </a:xfrm>
+        </p:spPr>
+      </p:sp>
+      <p:sp>
+        <p:nvSpPr>
+          <p:cNvPr id="3" name="Notes Placeholder 2"/>
+          <p:cNvSpPr>
+            <a:spLocks noGrp="1"/>
+          </p:cNvSpPr>
+          <p:nvPr>
+            <p:ph type="body" idx="1"/>
+          </p:nvPr>
+        </p:nvSpPr>
+        <p:spPr/>
+        <p:txBody>
+          <a:bodyPr/>
+          <a:lstStyle/>
+          <a:p>
+            <a:r>
+              <a:rPr lang="ru-RU" dirty="0" err="1" smtClean="0"/>
+              <a:t>DeviceConnectionListener</a:t>
+            </a:r>
+            <a:r>
+              <a:rPr lang="ru-RU" dirty="0" smtClean="0"/>
+              <a:t> - класс, задача которого сканировать систему на предмет подключений устройств через заданные промежутки времени.</a:t>
+            </a:r>
+            <a:endParaRPr lang="en-US" dirty="0" smtClean="0"/>
+          </a:p>
+          <a:p>
+            <a:r>
+              <a:rPr lang="ru-RU" dirty="0" smtClean="0"/>
+              <a:t>Класс реализует паттерн программирования </a:t>
+            </a:r>
+            <a:r>
+              <a:rPr lang="ru-RU" dirty="0" err="1" smtClean="0"/>
+              <a:t>Singleton</a:t>
+            </a:r>
+            <a:r>
+              <a:rPr lang="ru-RU" dirty="0" smtClean="0"/>
+              <a:t>, потому что нет смысла запускать в одной программе несколько экземпляров этого класса. Также реализует </a:t>
+            </a:r>
+            <a:r>
+              <a:rPr lang="ru-RU" dirty="0" err="1" smtClean="0"/>
+              <a:t>Observer</a:t>
+            </a:r>
+            <a:r>
+              <a:rPr lang="ru-RU" dirty="0" smtClean="0"/>
+              <a:t>, с помощью которого происходит нотификация подписчиков на событие подключения устройства. Класс </a:t>
+            </a:r>
+            <a:r>
+              <a:rPr lang="ru-RU" dirty="0" err="1" smtClean="0"/>
+              <a:t>DeviceConnectionHandler</a:t>
+            </a:r>
+            <a:r>
+              <a:rPr lang="ru-RU" dirty="0" smtClean="0"/>
+              <a:t> (см. Приложение 2) подписывается на событие подключения устройства, вызывает стать-</a:t>
+            </a:r>
+            <a:r>
+              <a:rPr lang="ru-RU" dirty="0" err="1" smtClean="0"/>
+              <a:t>ческий</a:t>
+            </a:r>
+            <a:r>
+              <a:rPr lang="ru-RU" dirty="0" smtClean="0"/>
+              <a:t> метод для поиска конкретного устройства, которое поддерживает программа и, в случае успеха, запускает поток для работы с устройством.</a:t>
+            </a:r>
+            <a:endParaRPr lang="uk-UA" dirty="0"/>
+          </a:p>
+        </p:txBody>
+      </p:sp>
+      <p:sp>
+        <p:nvSpPr>
+          <p:cNvPr id="4" name="Slide Number Placeholder 3"/>
+          <p:cNvSpPr>
+            <a:spLocks noGrp="1"/>
+          </p:cNvSpPr>
+          <p:nvPr>
+            <p:ph type="sldNum" sz="quarter" idx="10"/>
+          </p:nvPr>
+        </p:nvSpPr>
+        <p:spPr/>
+        <p:txBody>
+          <a:bodyPr/>
+          <a:lstStyle/>
+          <a:p>
+            <a:fld id="{B730E3BF-72D6-4816-BF16-513E75DD0D9E}" type="slidenum">
+              <a:rPr lang="uk-UA" smtClean="0"/>
+              <a:t>10</a:t>
+            </a:fld>
+            <a:endParaRPr lang="uk-UA" dirty="0"/>
+          </a:p>
+        </p:txBody>
+      </p:sp>
+    </p:spTree>
+    <p:extLst>
+      <p:ext uri="{BB962C8B-B14F-4D97-AF65-F5344CB8AC3E}">
+        <p14:creationId xmlns:p14="http://schemas.microsoft.com/office/powerpoint/2010/main" val="2679478294"/>
+      </p:ext>
+    </p:extLst>
+  </p:cSld>
+  <p:clrMapOvr>
+    <a:masterClrMapping/>
+  </p:clrMapOvr>
+</p:notes>
+</file>
+
+<file path=ppt/notesSlides/notesSlide11.xml><?xml version="1.0" encoding="utf-8"?>
+<p:notes xmlns:a="http://schemas.openxmlformats.org/drawingml/2006/main" xmlns:r="http://schemas.openxmlformats.org/officeDocument/2006/relationships" xmlns:p="http://schemas.openxmlformats.org/presentationml/2006/main">
+  <p:cSld>
+    <p:spTree>
+      <p:nvGrpSpPr>
+        <p:cNvPr id="1" name=""/>
+        <p:cNvGrpSpPr/>
+        <p:nvPr/>
+      </p:nvGrpSpPr>
+      <p:grpSpPr>
+        <a:xfrm>
+          <a:off x="0" y="0"/>
+          <a:ext cx="0" cy="0"/>
+          <a:chOff x="0" y="0"/>
+          <a:chExt cx="0" cy="0"/>
+        </a:xfrm>
+      </p:grpSpPr>
+      <p:sp>
+        <p:nvSpPr>
+          <p:cNvPr id="2" name="Slide Image Placeholder 1"/>
+          <p:cNvSpPr>
+            <a:spLocks noGrp="1" noRot="1" noChangeAspect="1"/>
+          </p:cNvSpPr>
+          <p:nvPr>
+            <p:ph type="sldImg"/>
+          </p:nvPr>
+        </p:nvSpPr>
+        <p:spPr>
+          <a:xfrm>
+            <a:off x="685800" y="1143000"/>
+            <a:ext cx="5486400" cy="3086100"/>
+          </a:xfrm>
+        </p:spPr>
+      </p:sp>
+      <p:sp>
+        <p:nvSpPr>
+          <p:cNvPr id="3" name="Notes Placeholder 2"/>
+          <p:cNvSpPr>
+            <a:spLocks noGrp="1"/>
+          </p:cNvSpPr>
+          <p:nvPr>
+            <p:ph type="body" idx="1"/>
+          </p:nvPr>
+        </p:nvSpPr>
+        <p:spPr/>
+        <p:txBody>
+          <a:bodyPr/>
+          <a:lstStyle/>
+          <a:p>
+            <a:r>
+              <a:rPr lang="ru-RU" dirty="0" err="1" smtClean="0"/>
+              <a:t>DeviceConnectionListener</a:t>
+            </a:r>
+            <a:r>
+              <a:rPr lang="ru-RU" dirty="0" smtClean="0"/>
+              <a:t> - класс, задача которого сканировать систему на предмет подключений устройств через заданные промежутки времени.</a:t>
+            </a:r>
+            <a:endParaRPr lang="en-US" dirty="0" smtClean="0"/>
+          </a:p>
+          <a:p>
+            <a:r>
+              <a:rPr lang="ru-RU" dirty="0" smtClean="0"/>
+              <a:t>Класс реализует паттерн программирования </a:t>
+            </a:r>
+            <a:r>
+              <a:rPr lang="ru-RU" dirty="0" err="1" smtClean="0"/>
+              <a:t>Singleton</a:t>
+            </a:r>
+            <a:r>
+              <a:rPr lang="ru-RU" dirty="0" smtClean="0"/>
+              <a:t>, потому что нет смысла запускать в одной программе несколько экземпляров этого класса. Также реализует </a:t>
+            </a:r>
+            <a:r>
+              <a:rPr lang="ru-RU" dirty="0" err="1" smtClean="0"/>
+              <a:t>Observer</a:t>
+            </a:r>
+            <a:r>
+              <a:rPr lang="ru-RU" dirty="0" smtClean="0"/>
+              <a:t>, с помощью которого происходит нотификация подписчиков на событие подключения устройства. Класс </a:t>
+            </a:r>
+            <a:r>
+              <a:rPr lang="ru-RU" dirty="0" err="1" smtClean="0"/>
+              <a:t>DeviceConnectionHandler</a:t>
+            </a:r>
+            <a:r>
+              <a:rPr lang="ru-RU" dirty="0" smtClean="0"/>
+              <a:t> (см. Приложение 2) подписывается на событие подключения устройства, вызывает стать-</a:t>
+            </a:r>
+            <a:r>
+              <a:rPr lang="ru-RU" dirty="0" err="1" smtClean="0"/>
+              <a:t>ческий</a:t>
+            </a:r>
+            <a:r>
+              <a:rPr lang="ru-RU" dirty="0" smtClean="0"/>
+              <a:t> метод для поиска конкретного устройства, которое поддерживает программа и, в случае успеха, запускает поток для работы с устройством.</a:t>
+            </a:r>
+            <a:endParaRPr lang="uk-UA" dirty="0"/>
+          </a:p>
+        </p:txBody>
+      </p:sp>
+      <p:sp>
+        <p:nvSpPr>
+          <p:cNvPr id="4" name="Slide Number Placeholder 3"/>
+          <p:cNvSpPr>
+            <a:spLocks noGrp="1"/>
+          </p:cNvSpPr>
+          <p:nvPr>
+            <p:ph type="sldNum" sz="quarter" idx="10"/>
+          </p:nvPr>
+        </p:nvSpPr>
+        <p:spPr/>
+        <p:txBody>
+          <a:bodyPr/>
+          <a:lstStyle/>
+          <a:p>
+            <a:fld id="{B730E3BF-72D6-4816-BF16-513E75DD0D9E}" type="slidenum">
+              <a:rPr lang="uk-UA" smtClean="0"/>
+              <a:t>11</a:t>
+            </a:fld>
+            <a:endParaRPr lang="uk-UA" dirty="0"/>
+          </a:p>
+        </p:txBody>
+      </p:sp>
+    </p:spTree>
+    <p:extLst>
+      <p:ext uri="{BB962C8B-B14F-4D97-AF65-F5344CB8AC3E}">
+        <p14:creationId xmlns:p14="http://schemas.microsoft.com/office/powerpoint/2010/main" val="1699580199"/>
+      </p:ext>
+    </p:extLst>
+  </p:cSld>
+  <p:clrMapOvr>
+    <a:masterClrMapping/>
+  </p:clrMapOvr>
+</p:notes>
+</file>
+
+<file path=ppt/notesSlides/notesSlide12.xml><?xml version="1.0" encoding="utf-8"?>
+<p:notes xmlns:a="http://schemas.openxmlformats.org/drawingml/2006/main" xmlns:r="http://schemas.openxmlformats.org/officeDocument/2006/relationships" xmlns:p="http://schemas.openxmlformats.org/presentationml/2006/main">
+  <p:cSld>
+    <p:spTree>
+      <p:nvGrpSpPr>
+        <p:cNvPr id="1" name=""/>
+        <p:cNvGrpSpPr/>
+        <p:nvPr/>
+      </p:nvGrpSpPr>
+      <p:grpSpPr>
+        <a:xfrm>
+          <a:off x="0" y="0"/>
+          <a:ext cx="0" cy="0"/>
+          <a:chOff x="0" y="0"/>
+          <a:chExt cx="0" cy="0"/>
+        </a:xfrm>
+      </p:grpSpPr>
+      <p:sp>
+        <p:nvSpPr>
+          <p:cNvPr id="2" name="Slide Image Placeholder 1"/>
+          <p:cNvSpPr>
+            <a:spLocks noGrp="1" noRot="1" noChangeAspect="1"/>
+          </p:cNvSpPr>
+          <p:nvPr>
+            <p:ph type="sldImg"/>
+          </p:nvPr>
+        </p:nvSpPr>
+        <p:spPr>
+          <a:xfrm>
+            <a:off x="685800" y="1143000"/>
+            <a:ext cx="5486400" cy="3086100"/>
+          </a:xfrm>
+        </p:spPr>
+      </p:sp>
+      <p:sp>
+        <p:nvSpPr>
+          <p:cNvPr id="3" name="Notes Placeholder 2"/>
+          <p:cNvSpPr>
+            <a:spLocks noGrp="1"/>
+          </p:cNvSpPr>
+          <p:nvPr>
+            <p:ph type="body" idx="1"/>
+          </p:nvPr>
+        </p:nvSpPr>
+        <p:spPr/>
+        <p:txBody>
+          <a:bodyPr/>
+          <a:lstStyle/>
+          <a:p>
+            <a:r>
+              <a:rPr lang="ru-RU" dirty="0" err="1" smtClean="0"/>
+              <a:t>DeviceConnectionListener</a:t>
+            </a:r>
+            <a:r>
+              <a:rPr lang="ru-RU" dirty="0" smtClean="0"/>
+              <a:t> - класс, задача которого сканировать систему на предмет подключений устройств через заданные промежутки времени.</a:t>
+            </a:r>
+            <a:endParaRPr lang="en-US" dirty="0" smtClean="0"/>
+          </a:p>
+          <a:p>
+            <a:r>
+              <a:rPr lang="ru-RU" dirty="0" smtClean="0"/>
+              <a:t>Класс реализует паттерн программирования </a:t>
+            </a:r>
+            <a:r>
+              <a:rPr lang="ru-RU" dirty="0" err="1" smtClean="0"/>
+              <a:t>Singleton</a:t>
+            </a:r>
+            <a:r>
+              <a:rPr lang="ru-RU" dirty="0" smtClean="0"/>
+              <a:t>, потому что нет смысла запускать в одной программе несколько экземпляров этого класса. Также реализует </a:t>
+            </a:r>
+            <a:r>
+              <a:rPr lang="ru-RU" dirty="0" err="1" smtClean="0"/>
+              <a:t>Observer</a:t>
+            </a:r>
+            <a:r>
+              <a:rPr lang="ru-RU" dirty="0" smtClean="0"/>
+              <a:t>, с помощью которого происходит нотификация подписчиков на событие подключения устройства. Класс </a:t>
+            </a:r>
+            <a:r>
+              <a:rPr lang="ru-RU" dirty="0" err="1" smtClean="0"/>
+              <a:t>DeviceConnectionHandler</a:t>
+            </a:r>
+            <a:r>
+              <a:rPr lang="ru-RU" dirty="0" smtClean="0"/>
+              <a:t> (см. Приложение 2) подписывается на событие подключения устройства, вызывает стать-</a:t>
+            </a:r>
+            <a:r>
+              <a:rPr lang="ru-RU" dirty="0" err="1" smtClean="0"/>
+              <a:t>ческий</a:t>
+            </a:r>
+            <a:r>
+              <a:rPr lang="ru-RU" dirty="0" smtClean="0"/>
+              <a:t> метод для поиска конкретного устройства, которое поддерживает программа и, в случае успеха, запускает поток для работы с устройством.</a:t>
+            </a:r>
+            <a:endParaRPr lang="uk-UA" dirty="0"/>
+          </a:p>
+        </p:txBody>
+      </p:sp>
+      <p:sp>
+        <p:nvSpPr>
+          <p:cNvPr id="4" name="Slide Number Placeholder 3"/>
+          <p:cNvSpPr>
+            <a:spLocks noGrp="1"/>
+          </p:cNvSpPr>
+          <p:nvPr>
+            <p:ph type="sldNum" sz="quarter" idx="10"/>
+          </p:nvPr>
+        </p:nvSpPr>
+        <p:spPr/>
+        <p:txBody>
+          <a:bodyPr/>
+          <a:lstStyle/>
+          <a:p>
+            <a:fld id="{B730E3BF-72D6-4816-BF16-513E75DD0D9E}" type="slidenum">
+              <a:rPr lang="uk-UA" smtClean="0"/>
+              <a:t>12</a:t>
+            </a:fld>
+            <a:endParaRPr lang="uk-UA" dirty="0"/>
+          </a:p>
+        </p:txBody>
+      </p:sp>
+    </p:spTree>
+    <p:extLst>
+      <p:ext uri="{BB962C8B-B14F-4D97-AF65-F5344CB8AC3E}">
+        <p14:creationId xmlns:p14="http://schemas.microsoft.com/office/powerpoint/2010/main" val="3960074699"/>
+      </p:ext>
+    </p:extLst>
+  </p:cSld>
+  <p:clrMapOvr>
+    <a:masterClrMapping/>
+  </p:clrMapOvr>
+</p:notes>
+</file>
+
 <file path=ppt/notesSlides/notesSlide2.xml><?xml version="1.0" encoding="utf-8"?>
 <p:notes xmlns:a="http://schemas.openxmlformats.org/drawingml/2006/main" xmlns:r="http://schemas.openxmlformats.org/officeDocument/2006/relationships" xmlns:p="http://schemas.openxmlformats.org/presentationml/2006/main">
   <p:cSld>
@@ -1798,10 +2316,6 @@
           <a:bodyPr/>
           <a:lstStyle/>
           <a:p>
-            <a:r>
-              <a:rPr lang="ru-RU" dirty="0" smtClean="0"/>
-              <a:t>Зачем каждое из значений?</a:t>
-            </a:r>
             <a:endParaRPr lang="uk-UA" dirty="0"/>
           </a:p>
         </p:txBody>
@@ -1832,7 +2346,7 @@
     </p:spTree>
     <p:extLst>
       <p:ext uri="{BB962C8B-B14F-4D97-AF65-F5344CB8AC3E}">
-        <p14:creationId xmlns:p14="http://schemas.microsoft.com/office/powerpoint/2010/main" val="3124686913"/>
+        <p14:creationId xmlns:p14="http://schemas.microsoft.com/office/powerpoint/2010/main" val="1171698748"/>
       </p:ext>
     </p:extLst>
   </p:cSld>
@@ -1892,10 +2406,68 @@
           <a:lstStyle/>
           <a:p>
             <a:r>
-              <a:rPr lang="ru-RU" dirty="0" smtClean="0"/>
-              <a:t>Зачем каждое из значений?</a:t>
-            </a:r>
-            <a:endParaRPr lang="uk-UA" dirty="0"/>
+              <a:rPr lang="ru-RU" sz="1400" b="1" dirty="0" smtClean="0"/>
+              <a:t>Проблематика:</a:t>
+            </a:r>
+          </a:p>
+          <a:p>
+            <a:r>
+              <a:rPr lang="ru-RU" sz="1400" b="0" dirty="0" smtClean="0"/>
+              <a:t>	Используя стандартные формулы мы получаем Линейное увеличение времени при расчете</a:t>
+            </a:r>
+            <a:r>
+              <a:rPr lang="ru-RU" sz="1400" b="0" baseline="0" dirty="0" smtClean="0"/>
+              <a:t> (моды, медианы, среднего и максимального значений) из за того, что объём данных постоянно увеличивается. В этом случае, на определенном этапе своей работы, программа просто захлебнется значениями, которые нужно обработать.</a:t>
+            </a:r>
+          </a:p>
+          <a:p>
+            <a:endParaRPr lang="ru-RU" sz="1400" b="0" baseline="0" dirty="0" smtClean="0"/>
+          </a:p>
+          <a:p>
+            <a:r>
+              <a:rPr lang="ru-RU" sz="1600" b="1" dirty="0" smtClean="0"/>
+              <a:t>АНИМАЦИЯ</a:t>
+            </a:r>
+          </a:p>
+          <a:p>
+            <a:r>
+              <a:rPr lang="ru-RU" sz="1600" b="1" dirty="0" smtClean="0"/>
+              <a:t>Что</a:t>
+            </a:r>
+            <a:r>
+              <a:rPr lang="ru-RU" sz="1600" b="1" baseline="0" dirty="0" smtClean="0"/>
+              <a:t> нужно достичь:</a:t>
+            </a:r>
+          </a:p>
+          <a:p>
+            <a:r>
+              <a:rPr lang="ru-RU" sz="1600" b="0" baseline="0" dirty="0" smtClean="0"/>
+              <a:t>	В идеале нужно достичь </a:t>
+            </a:r>
+            <a:r>
+              <a:rPr lang="ru-RU" sz="1600" b="1" baseline="0" dirty="0" smtClean="0"/>
+              <a:t>константного </a:t>
+            </a:r>
+            <a:r>
+              <a:rPr lang="ru-RU" sz="1600" b="0" baseline="0" dirty="0" smtClean="0"/>
+              <a:t>времени расчета моды, медианы, среднего и максимального значений в условии прироста данных.</a:t>
+            </a:r>
+          </a:p>
+          <a:p>
+            <a:endParaRPr lang="ru-RU" sz="1600" b="0" baseline="0" dirty="0" smtClean="0"/>
+          </a:p>
+          <a:p>
+            <a:r>
+              <a:rPr lang="ru-RU" sz="1600" b="1" baseline="0" dirty="0" smtClean="0"/>
+              <a:t>Решение:</a:t>
+            </a:r>
+          </a:p>
+          <a:p>
+            <a:r>
+              <a:rPr lang="ru-RU" sz="1600" b="0" baseline="0" dirty="0" smtClean="0"/>
+              <a:t>	Для решения проблемы было использовано </a:t>
+            </a:r>
+            <a:endParaRPr lang="uk-UA" sz="1600" b="0" dirty="0"/>
           </a:p>
         </p:txBody>
       </p:sp>
@@ -1925,7 +2497,7 @@
     </p:spTree>
     <p:extLst>
       <p:ext uri="{BB962C8B-B14F-4D97-AF65-F5344CB8AC3E}">
-        <p14:creationId xmlns:p14="http://schemas.microsoft.com/office/powerpoint/2010/main" val="1171698748"/>
+        <p14:creationId xmlns:p14="http://schemas.microsoft.com/office/powerpoint/2010/main" val="660375725"/>
       </p:ext>
     </p:extLst>
   </p:cSld>
@@ -1984,69 +2556,31 @@
           <a:bodyPr/>
           <a:lstStyle/>
           <a:p>
-            <a:r>
-              <a:rPr lang="ru-RU" sz="1400" b="1" dirty="0" smtClean="0"/>
-              <a:t>Проблематика:</a:t>
-            </a:r>
-          </a:p>
-          <a:p>
-            <a:r>
-              <a:rPr lang="ru-RU" sz="1400" b="0" dirty="0" smtClean="0"/>
-              <a:t>	Используя стандартные формулы мы получаем Линейное увеличение времени при расчете</a:t>
-            </a:r>
-            <a:r>
-              <a:rPr lang="ru-RU" sz="1400" b="0" baseline="0" dirty="0" smtClean="0"/>
-              <a:t> (моды, медианы, среднего и максимального значений) из за того, что объём данных постоянно увеличивается. В этом случае, на определенном этапе своей работы, программа просто захлебнется значениями, которые нужно обработать.</a:t>
-            </a:r>
-          </a:p>
-          <a:p>
-            <a:endParaRPr lang="ru-RU" sz="1400" b="0" baseline="0" dirty="0" smtClean="0"/>
-          </a:p>
-          <a:p>
-            <a:r>
-              <a:rPr lang="ru-RU" sz="1600" b="1" dirty="0" smtClean="0"/>
-              <a:t>АНИМАЦИЯ</a:t>
-            </a:r>
-          </a:p>
-          <a:p>
-            <a:r>
-              <a:rPr lang="ru-RU" sz="1600" b="1" dirty="0" smtClean="0"/>
-              <a:t>Что</a:t>
-            </a:r>
-            <a:r>
-              <a:rPr lang="ru-RU" sz="1600" b="1" baseline="0" dirty="0" smtClean="0"/>
-              <a:t> нужно достичь:</a:t>
-            </a:r>
-          </a:p>
-          <a:p>
-            <a:r>
-              <a:rPr lang="ru-RU" sz="1600" b="0" baseline="0" dirty="0" smtClean="0"/>
-              <a:t>	В идеале нужно достичь </a:t>
-            </a:r>
-            <a:r>
-              <a:rPr lang="ru-RU" sz="1600" b="1" baseline="0" dirty="0" smtClean="0"/>
-              <a:t>константного </a:t>
-            </a:r>
-            <a:r>
-              <a:rPr lang="ru-RU" sz="1600" b="0" baseline="0" dirty="0" smtClean="0"/>
-              <a:t>времени расчета моды, медианы, среднего и максимального значений в условии прироста данных.</a:t>
-            </a:r>
-          </a:p>
-          <a:p>
-            <a:endParaRPr lang="ru-RU" sz="1600" b="0" baseline="0" dirty="0" smtClean="0"/>
-          </a:p>
-          <a:p>
-            <a:r>
-              <a:rPr lang="ru-RU" sz="1600" b="1" baseline="0" dirty="0" smtClean="0"/>
-              <a:t>Решение:</a:t>
-            </a:r>
-          </a:p>
-          <a:p>
-            <a:r>
-              <a:rPr lang="ru-RU" sz="1600" b="0" baseline="0" dirty="0" smtClean="0"/>
-              <a:t>	Для решения проблемы было использовано </a:t>
-            </a:r>
-            <a:endParaRPr lang="uk-UA" sz="1600" b="0" dirty="0"/>
+            <a:pPr marL="0" marR="0" indent="0" algn="l" defTabSz="914400" rtl="0" eaLnBrk="1" fontAlgn="auto" latinLnBrk="0" hangingPunct="1">
+              <a:lnSpc>
+                <a:spcPct val="100000"/>
+              </a:lnSpc>
+              <a:spcBef>
+                <a:spcPts val="0"/>
+              </a:spcBef>
+              <a:spcAft>
+                <a:spcPts val="0"/>
+              </a:spcAft>
+              <a:buClrTx/>
+              <a:buSzTx/>
+              <a:buFontTx/>
+              <a:buNone/>
+              <a:tabLst/>
+              <a:defRPr/>
+            </a:pPr>
+            <a:r>
+              <a:rPr lang="ru-RU" dirty="0" smtClean="0"/>
+              <a:t>Зачем каждое из значений?</a:t>
+            </a:r>
+            <a:endParaRPr lang="uk-UA" dirty="0" smtClean="0"/>
+          </a:p>
+          <a:p>
+            <a:endParaRPr lang="uk-UA" dirty="0"/>
           </a:p>
         </p:txBody>
       </p:sp>
@@ -2076,7 +2610,7 @@
     </p:spTree>
     <p:extLst>
       <p:ext uri="{BB962C8B-B14F-4D97-AF65-F5344CB8AC3E}">
-        <p14:creationId xmlns:p14="http://schemas.microsoft.com/office/powerpoint/2010/main" val="2029495473"/>
+        <p14:creationId xmlns:p14="http://schemas.microsoft.com/office/powerpoint/2010/main" val="3283955315"/>
       </p:ext>
     </p:extLst>
   </p:cSld>
@@ -2165,7 +2699,7 @@
     </p:spTree>
     <p:extLst>
       <p:ext uri="{BB962C8B-B14F-4D97-AF65-F5344CB8AC3E}">
-        <p14:creationId xmlns:p14="http://schemas.microsoft.com/office/powerpoint/2010/main" val="3283955315"/>
+        <p14:creationId xmlns:p14="http://schemas.microsoft.com/office/powerpoint/2010/main" val="2429625256"/>
       </p:ext>
     </p:extLst>
   </p:cSld>
@@ -2254,7 +2788,7 @@
     </p:spTree>
     <p:extLst>
       <p:ext uri="{BB962C8B-B14F-4D97-AF65-F5344CB8AC3E}">
-        <p14:creationId xmlns:p14="http://schemas.microsoft.com/office/powerpoint/2010/main" val="2429625256"/>
+        <p14:creationId xmlns:p14="http://schemas.microsoft.com/office/powerpoint/2010/main" val="2924510712"/>
       </p:ext>
     </p:extLst>
   </p:cSld>
@@ -2313,7 +2847,7 @@
           <a:bodyPr/>
           <a:lstStyle/>
           <a:p>
-            <a:endParaRPr lang="uk-UA"/>
+            <a:endParaRPr lang="uk-UA" dirty="0"/>
           </a:p>
         </p:txBody>
       </p:sp>
@@ -2343,7 +2877,279 @@
     </p:spTree>
     <p:extLst>
       <p:ext uri="{BB962C8B-B14F-4D97-AF65-F5344CB8AC3E}">
-        <p14:creationId xmlns:p14="http://schemas.microsoft.com/office/powerpoint/2010/main" val="2924510712"/>
+        <p14:creationId xmlns:p14="http://schemas.microsoft.com/office/powerpoint/2010/main" val="2317171516"/>
+      </p:ext>
+    </p:extLst>
+  </p:cSld>
+  <p:clrMapOvr>
+    <a:masterClrMapping/>
+  </p:clrMapOvr>
+</p:notes>
+</file>
+
+<file path=ppt/notesSlides/notesSlide8.xml><?xml version="1.0" encoding="utf-8"?>
+<p:notes xmlns:a="http://schemas.openxmlformats.org/drawingml/2006/main" xmlns:r="http://schemas.openxmlformats.org/officeDocument/2006/relationships" xmlns:p="http://schemas.openxmlformats.org/presentationml/2006/main">
+  <p:cSld>
+    <p:spTree>
+      <p:nvGrpSpPr>
+        <p:cNvPr id="1" name=""/>
+        <p:cNvGrpSpPr/>
+        <p:nvPr/>
+      </p:nvGrpSpPr>
+      <p:grpSpPr>
+        <a:xfrm>
+          <a:off x="0" y="0"/>
+          <a:ext cx="0" cy="0"/>
+          <a:chOff x="0" y="0"/>
+          <a:chExt cx="0" cy="0"/>
+        </a:xfrm>
+      </p:grpSpPr>
+      <p:sp>
+        <p:nvSpPr>
+          <p:cNvPr id="2" name="Slide Image Placeholder 1"/>
+          <p:cNvSpPr>
+            <a:spLocks noGrp="1" noRot="1" noChangeAspect="1"/>
+          </p:cNvSpPr>
+          <p:nvPr>
+            <p:ph type="sldImg"/>
+          </p:nvPr>
+        </p:nvSpPr>
+        <p:spPr>
+          <a:xfrm>
+            <a:off x="685800" y="1143000"/>
+            <a:ext cx="5486400" cy="3086100"/>
+          </a:xfrm>
+        </p:spPr>
+      </p:sp>
+      <p:sp>
+        <p:nvSpPr>
+          <p:cNvPr id="3" name="Notes Placeholder 2"/>
+          <p:cNvSpPr>
+            <a:spLocks noGrp="1"/>
+          </p:cNvSpPr>
+          <p:nvPr>
+            <p:ph type="body" idx="1"/>
+          </p:nvPr>
+        </p:nvSpPr>
+        <p:spPr/>
+        <p:txBody>
+          <a:bodyPr/>
+          <a:lstStyle/>
+          <a:p>
+            <a:r>
+              <a:rPr lang="ru-RU" dirty="0" err="1" smtClean="0"/>
+              <a:t>DeviceConnectionListener</a:t>
+            </a:r>
+            <a:r>
+              <a:rPr lang="ru-RU" dirty="0" smtClean="0"/>
+              <a:t> - класс, задача которого сканировать систему на предмет подключений устройств через заданные промежутки времени.</a:t>
+            </a:r>
+            <a:endParaRPr lang="en-US" dirty="0" smtClean="0"/>
+          </a:p>
+          <a:p>
+            <a:r>
+              <a:rPr lang="ru-RU" dirty="0" smtClean="0"/>
+              <a:t>Класс реализует паттерн программирования </a:t>
+            </a:r>
+            <a:r>
+              <a:rPr lang="ru-RU" dirty="0" err="1" smtClean="0"/>
+              <a:t>Singleton</a:t>
+            </a:r>
+            <a:r>
+              <a:rPr lang="ru-RU" dirty="0" smtClean="0"/>
+              <a:t>, потому что нет смысла запускать в одной программе несколько экземпляров этого класса. Также реализует </a:t>
+            </a:r>
+            <a:r>
+              <a:rPr lang="ru-RU" dirty="0" err="1" smtClean="0"/>
+              <a:t>Observer</a:t>
+            </a:r>
+            <a:r>
+              <a:rPr lang="ru-RU" dirty="0" smtClean="0"/>
+              <a:t>, с помощью которого происходит нотификация подписчиков на событие подключения устройства. Класс </a:t>
+            </a:r>
+            <a:r>
+              <a:rPr lang="ru-RU" dirty="0" err="1" smtClean="0"/>
+              <a:t>DeviceConnectionHandler</a:t>
+            </a:r>
+            <a:r>
+              <a:rPr lang="ru-RU" dirty="0" smtClean="0"/>
+              <a:t> (см. Приложение 2) подписывается на событие подключения устройства, вызывает стать-</a:t>
+            </a:r>
+            <a:r>
+              <a:rPr lang="ru-RU" dirty="0" err="1" smtClean="0"/>
+              <a:t>ческий</a:t>
+            </a:r>
+            <a:r>
+              <a:rPr lang="ru-RU" dirty="0" smtClean="0"/>
+              <a:t> метод для поиска конкретного устройства, которое поддерживает программа и, в случае успеха, запускает поток для работы с устройством.</a:t>
+            </a:r>
+            <a:endParaRPr lang="uk-UA" dirty="0"/>
+          </a:p>
+        </p:txBody>
+      </p:sp>
+      <p:sp>
+        <p:nvSpPr>
+          <p:cNvPr id="4" name="Slide Number Placeholder 3"/>
+          <p:cNvSpPr>
+            <a:spLocks noGrp="1"/>
+          </p:cNvSpPr>
+          <p:nvPr>
+            <p:ph type="sldNum" sz="quarter" idx="10"/>
+          </p:nvPr>
+        </p:nvSpPr>
+        <p:spPr/>
+        <p:txBody>
+          <a:bodyPr/>
+          <a:lstStyle/>
+          <a:p>
+            <a:fld id="{B730E3BF-72D6-4816-BF16-513E75DD0D9E}" type="slidenum">
+              <a:rPr lang="uk-UA" smtClean="0"/>
+              <a:t>8</a:t>
+            </a:fld>
+            <a:endParaRPr lang="uk-UA" dirty="0"/>
+          </a:p>
+        </p:txBody>
+      </p:sp>
+    </p:spTree>
+    <p:extLst>
+      <p:ext uri="{BB962C8B-B14F-4D97-AF65-F5344CB8AC3E}">
+        <p14:creationId xmlns:p14="http://schemas.microsoft.com/office/powerpoint/2010/main" val="208238952"/>
+      </p:ext>
+    </p:extLst>
+  </p:cSld>
+  <p:clrMapOvr>
+    <a:masterClrMapping/>
+  </p:clrMapOvr>
+</p:notes>
+</file>
+
+<file path=ppt/notesSlides/notesSlide9.xml><?xml version="1.0" encoding="utf-8"?>
+<p:notes xmlns:a="http://schemas.openxmlformats.org/drawingml/2006/main" xmlns:r="http://schemas.openxmlformats.org/officeDocument/2006/relationships" xmlns:p="http://schemas.openxmlformats.org/presentationml/2006/main">
+  <p:cSld>
+    <p:spTree>
+      <p:nvGrpSpPr>
+        <p:cNvPr id="1" name=""/>
+        <p:cNvGrpSpPr/>
+        <p:nvPr/>
+      </p:nvGrpSpPr>
+      <p:grpSpPr>
+        <a:xfrm>
+          <a:off x="0" y="0"/>
+          <a:ext cx="0" cy="0"/>
+          <a:chOff x="0" y="0"/>
+          <a:chExt cx="0" cy="0"/>
+        </a:xfrm>
+      </p:grpSpPr>
+      <p:sp>
+        <p:nvSpPr>
+          <p:cNvPr id="2" name="Slide Image Placeholder 1"/>
+          <p:cNvSpPr>
+            <a:spLocks noGrp="1" noRot="1" noChangeAspect="1"/>
+          </p:cNvSpPr>
+          <p:nvPr>
+            <p:ph type="sldImg"/>
+          </p:nvPr>
+        </p:nvSpPr>
+        <p:spPr>
+          <a:xfrm>
+            <a:off x="685800" y="1143000"/>
+            <a:ext cx="5486400" cy="3086100"/>
+          </a:xfrm>
+        </p:spPr>
+      </p:sp>
+      <p:sp>
+        <p:nvSpPr>
+          <p:cNvPr id="3" name="Notes Placeholder 2"/>
+          <p:cNvSpPr>
+            <a:spLocks noGrp="1"/>
+          </p:cNvSpPr>
+          <p:nvPr>
+            <p:ph type="body" idx="1"/>
+          </p:nvPr>
+        </p:nvSpPr>
+        <p:spPr/>
+        <p:txBody>
+          <a:bodyPr/>
+          <a:lstStyle/>
+          <a:p>
+            <a:r>
+              <a:rPr lang="ru-RU" dirty="0" err="1" smtClean="0"/>
+              <a:t>DeviceConnectionListener</a:t>
+            </a:r>
+            <a:r>
+              <a:rPr lang="ru-RU" dirty="0" smtClean="0"/>
+              <a:t> - класс, задача которого сканировать систему на предмет подключений устройств через заданные промежутки времени.</a:t>
+            </a:r>
+            <a:endParaRPr lang="en-US" dirty="0" smtClean="0"/>
+          </a:p>
+          <a:p>
+            <a:r>
+              <a:rPr lang="ru-RU" dirty="0" smtClean="0"/>
+              <a:t>Класс реализует паттерн программирования </a:t>
+            </a:r>
+            <a:r>
+              <a:rPr lang="ru-RU" dirty="0" err="1" smtClean="0"/>
+              <a:t>Singleton</a:t>
+            </a:r>
+            <a:r>
+              <a:rPr lang="ru-RU" dirty="0" smtClean="0"/>
+              <a:t>, потому что нет смысла запускать в одной программе несколько экземпляров этого класса. Также реализует </a:t>
+            </a:r>
+            <a:r>
+              <a:rPr lang="ru-RU" dirty="0" err="1" smtClean="0"/>
+              <a:t>Observer</a:t>
+            </a:r>
+            <a:r>
+              <a:rPr lang="ru-RU" dirty="0" smtClean="0"/>
+              <a:t>, с помощью которого происходит нотификация подписчиков на событие подключения устройства. Класс </a:t>
+            </a:r>
+            <a:r>
+              <a:rPr lang="ru-RU" dirty="0" err="1" smtClean="0"/>
+              <a:t>DeviceConnectionHandler</a:t>
+            </a:r>
+            <a:r>
+              <a:rPr lang="ru-RU" dirty="0" smtClean="0"/>
+              <a:t> (см. Приложение 2) подписывается на событие подключения устройства, вызывает стать-</a:t>
+            </a:r>
+            <a:r>
+              <a:rPr lang="ru-RU" dirty="0" err="1" smtClean="0"/>
+              <a:t>ческий</a:t>
+            </a:r>
+            <a:r>
+              <a:rPr lang="ru-RU" dirty="0" smtClean="0"/>
+              <a:t> метод для поиска конкретного устройства, которое поддерживает программа и, в случае успеха, запускает поток для работы с устройством.</a:t>
+            </a:r>
+            <a:endParaRPr lang="uk-UA" dirty="0"/>
+          </a:p>
+        </p:txBody>
+      </p:sp>
+      <p:sp>
+        <p:nvSpPr>
+          <p:cNvPr id="4" name="Slide Number Placeholder 3"/>
+          <p:cNvSpPr>
+            <a:spLocks noGrp="1"/>
+          </p:cNvSpPr>
+          <p:nvPr>
+            <p:ph type="sldNum" sz="quarter" idx="10"/>
+          </p:nvPr>
+        </p:nvSpPr>
+        <p:spPr/>
+        <p:txBody>
+          <a:bodyPr/>
+          <a:lstStyle/>
+          <a:p>
+            <a:fld id="{B730E3BF-72D6-4816-BF16-513E75DD0D9E}" type="slidenum">
+              <a:rPr lang="uk-UA" smtClean="0"/>
+              <a:t>9</a:t>
+            </a:fld>
+            <a:endParaRPr lang="uk-UA" dirty="0"/>
+          </a:p>
+        </p:txBody>
+      </p:sp>
+    </p:spTree>
+    <p:extLst>
+      <p:ext uri="{BB962C8B-B14F-4D97-AF65-F5344CB8AC3E}">
+        <p14:creationId xmlns:p14="http://schemas.microsoft.com/office/powerpoint/2010/main" val="2353773462"/>
       </p:ext>
     </p:extLst>
   </p:cSld>
@@ -2484,7 +3290,7 @@
           <a:p>
             <a:fld id="{4B3FEE5C-4EFA-4EBD-A460-680EAB01F724}" type="datetimeFigureOut">
               <a:rPr lang="uk-UA" smtClean="0"/>
-              <a:t>08.04.2015</a:t>
+              <a:t>11.04.2015</a:t>
             </a:fld>
             <a:endParaRPr lang="uk-UA" dirty="0"/>
           </a:p>
@@ -2542,14 +3348,14 @@
   <p:clrMapOvr>
     <a:masterClrMapping/>
   </p:clrMapOvr>
-  <mc:AlternateContent xmlns:mc="http://schemas.openxmlformats.org/markup-compatibility/2006">
-    <mc:Choice xmlns:p14="http://schemas.microsoft.com/office/powerpoint/2010/main" Requires="p14">
-      <p:transition spd="slow">
-        <p14:reveal/>
+  <mc:AlternateContent xmlns:mc="http://schemas.openxmlformats.org/markup-compatibility/2006" xmlns:p14="http://schemas.microsoft.com/office/powerpoint/2010/main">
+    <mc:Choice Requires="p14">
+      <p:transition spd="med" p14:dur="700">
+        <p:fade/>
       </p:transition>
     </mc:Choice>
-    <mc:Fallback>
-      <p:transition spd="slow">
+    <mc:Fallback xmlns="">
+      <p:transition spd="med">
         <p:fade/>
       </p:transition>
     </mc:Fallback>
@@ -2673,7 +3479,7 @@
           <a:p>
             <a:fld id="{4B3FEE5C-4EFA-4EBD-A460-680EAB01F724}" type="datetimeFigureOut">
               <a:rPr lang="uk-UA" smtClean="0"/>
-              <a:t>08.04.2015</a:t>
+              <a:t>11.04.2015</a:t>
             </a:fld>
             <a:endParaRPr lang="uk-UA" dirty="0"/>
           </a:p>
@@ -2731,14 +3537,14 @@
   <p:clrMapOvr>
     <a:masterClrMapping/>
   </p:clrMapOvr>
-  <mc:AlternateContent xmlns:mc="http://schemas.openxmlformats.org/markup-compatibility/2006">
-    <mc:Choice xmlns:p14="http://schemas.microsoft.com/office/powerpoint/2010/main" Requires="p14">
-      <p:transition spd="slow">
-        <p14:reveal/>
+  <mc:AlternateContent xmlns:mc="http://schemas.openxmlformats.org/markup-compatibility/2006" xmlns:p14="http://schemas.microsoft.com/office/powerpoint/2010/main">
+    <mc:Choice Requires="p14">
+      <p:transition spd="med" p14:dur="700">
+        <p:fade/>
       </p:transition>
     </mc:Choice>
-    <mc:Fallback>
-      <p:transition spd="slow">
+    <mc:Fallback xmlns="">
+      <p:transition spd="med">
         <p:fade/>
       </p:transition>
     </mc:Fallback>
@@ -2865,7 +3671,7 @@
           <a:p>
             <a:fld id="{4B3FEE5C-4EFA-4EBD-A460-680EAB01F724}" type="datetimeFigureOut">
               <a:rPr lang="uk-UA" smtClean="0"/>
-              <a:t>08.04.2015</a:t>
+              <a:t>11.04.2015</a:t>
             </a:fld>
             <a:endParaRPr lang="uk-UA" dirty="0"/>
           </a:p>
@@ -2923,14 +3729,14 @@
   <p:clrMapOvr>
     <a:masterClrMapping/>
   </p:clrMapOvr>
-  <mc:AlternateContent xmlns:mc="http://schemas.openxmlformats.org/markup-compatibility/2006">
-    <mc:Choice xmlns:p14="http://schemas.microsoft.com/office/powerpoint/2010/main" Requires="p14">
-      <p:transition spd="slow">
-        <p14:reveal/>
+  <mc:AlternateContent xmlns:mc="http://schemas.openxmlformats.org/markup-compatibility/2006" xmlns:p14="http://schemas.microsoft.com/office/powerpoint/2010/main">
+    <mc:Choice Requires="p14">
+      <p:transition spd="med" p14:dur="700">
+        <p:fade/>
       </p:transition>
     </mc:Choice>
-    <mc:Fallback>
-      <p:transition spd="slow">
+    <mc:Fallback xmlns="">
+      <p:transition spd="med">
         <p:fade/>
       </p:transition>
     </mc:Fallback>
@@ -3047,7 +3853,7 @@
           <a:p>
             <a:fld id="{4B3FEE5C-4EFA-4EBD-A460-680EAB01F724}" type="datetimeFigureOut">
               <a:rPr lang="uk-UA" smtClean="0"/>
-              <a:t>08.04.2015</a:t>
+              <a:t>11.04.2015</a:t>
             </a:fld>
             <a:endParaRPr lang="uk-UA" dirty="0"/>
           </a:p>
@@ -3105,14 +3911,14 @@
   <p:clrMapOvr>
     <a:masterClrMapping/>
   </p:clrMapOvr>
-  <mc:AlternateContent xmlns:mc="http://schemas.openxmlformats.org/markup-compatibility/2006">
-    <mc:Choice xmlns:p14="http://schemas.microsoft.com/office/powerpoint/2010/main" Requires="p14">
-      <p:transition spd="slow">
-        <p14:reveal/>
+  <mc:AlternateContent xmlns:mc="http://schemas.openxmlformats.org/markup-compatibility/2006" xmlns:p14="http://schemas.microsoft.com/office/powerpoint/2010/main">
+    <mc:Choice Requires="p14">
+      <p:transition spd="med" p14:dur="700">
+        <p:fade/>
       </p:transition>
     </mc:Choice>
-    <mc:Fallback>
-      <p:transition spd="slow">
+    <mc:Fallback xmlns="">
+      <p:transition spd="med">
         <p:fade/>
       </p:transition>
     </mc:Fallback>
@@ -3312,7 +4118,7 @@
           <a:p>
             <a:fld id="{4B3FEE5C-4EFA-4EBD-A460-680EAB01F724}" type="datetimeFigureOut">
               <a:rPr lang="uk-UA" smtClean="0"/>
-              <a:t>08.04.2015</a:t>
+              <a:t>11.04.2015</a:t>
             </a:fld>
             <a:endParaRPr lang="uk-UA" dirty="0"/>
           </a:p>
@@ -3370,14 +4176,14 @@
   <p:clrMapOvr>
     <a:masterClrMapping/>
   </p:clrMapOvr>
-  <mc:AlternateContent xmlns:mc="http://schemas.openxmlformats.org/markup-compatibility/2006">
-    <mc:Choice xmlns:p14="http://schemas.microsoft.com/office/powerpoint/2010/main" Requires="p14">
-      <p:transition spd="slow">
-        <p14:reveal/>
+  <mc:AlternateContent xmlns:mc="http://schemas.openxmlformats.org/markup-compatibility/2006" xmlns:p14="http://schemas.microsoft.com/office/powerpoint/2010/main">
+    <mc:Choice Requires="p14">
+      <p:transition spd="med" p14:dur="700">
+        <p:fade/>
       </p:transition>
     </mc:Choice>
-    <mc:Fallback>
-      <p:transition spd="slow">
+    <mc:Fallback xmlns="">
+      <p:transition spd="med">
         <p:fade/>
       </p:transition>
     </mc:Fallback>
@@ -3556,7 +4362,7 @@
           <a:p>
             <a:fld id="{4B3FEE5C-4EFA-4EBD-A460-680EAB01F724}" type="datetimeFigureOut">
               <a:rPr lang="uk-UA" smtClean="0"/>
-              <a:t>08.04.2015</a:t>
+              <a:t>11.04.2015</a:t>
             </a:fld>
             <a:endParaRPr lang="uk-UA" dirty="0"/>
           </a:p>
@@ -3614,14 +4420,14 @@
   <p:clrMapOvr>
     <a:masterClrMapping/>
   </p:clrMapOvr>
-  <mc:AlternateContent xmlns:mc="http://schemas.openxmlformats.org/markup-compatibility/2006">
-    <mc:Choice xmlns:p14="http://schemas.microsoft.com/office/powerpoint/2010/main" Requires="p14">
-      <p:transition spd="slow">
-        <p14:reveal/>
+  <mc:AlternateContent xmlns:mc="http://schemas.openxmlformats.org/markup-compatibility/2006" xmlns:p14="http://schemas.microsoft.com/office/powerpoint/2010/main">
+    <mc:Choice Requires="p14">
+      <p:transition spd="med" p14:dur="700">
+        <p:fade/>
       </p:transition>
     </mc:Choice>
-    <mc:Fallback>
-      <p:transition spd="slow">
+    <mc:Fallback xmlns="">
+      <p:transition spd="med">
         <p:fade/>
       </p:transition>
     </mc:Fallback>
@@ -3935,7 +4741,7 @@
           <a:p>
             <a:fld id="{4B3FEE5C-4EFA-4EBD-A460-680EAB01F724}" type="datetimeFigureOut">
               <a:rPr lang="uk-UA" smtClean="0"/>
-              <a:t>08.04.2015</a:t>
+              <a:t>11.04.2015</a:t>
             </a:fld>
             <a:endParaRPr lang="uk-UA" dirty="0"/>
           </a:p>
@@ -3993,14 +4799,14 @@
   <p:clrMapOvr>
     <a:masterClrMapping/>
   </p:clrMapOvr>
-  <mc:AlternateContent xmlns:mc="http://schemas.openxmlformats.org/markup-compatibility/2006">
-    <mc:Choice xmlns:p14="http://schemas.microsoft.com/office/powerpoint/2010/main" Requires="p14">
-      <p:transition spd="slow">
-        <p14:reveal/>
+  <mc:AlternateContent xmlns:mc="http://schemas.openxmlformats.org/markup-compatibility/2006" xmlns:p14="http://schemas.microsoft.com/office/powerpoint/2010/main">
+    <mc:Choice Requires="p14">
+      <p:transition spd="med" p14:dur="700">
+        <p:fade/>
       </p:transition>
     </mc:Choice>
-    <mc:Fallback>
-      <p:transition spd="slow">
+    <mc:Fallback xmlns="">
+      <p:transition spd="med">
         <p:fade/>
       </p:transition>
     </mc:Fallback>
@@ -4065,7 +4871,7 @@
           <a:p>
             <a:fld id="{4B3FEE5C-4EFA-4EBD-A460-680EAB01F724}" type="datetimeFigureOut">
               <a:rPr lang="uk-UA" smtClean="0"/>
-              <a:t>08.04.2015</a:t>
+              <a:t>11.04.2015</a:t>
             </a:fld>
             <a:endParaRPr lang="uk-UA" dirty="0"/>
           </a:p>
@@ -4123,14 +4929,14 @@
   <p:clrMapOvr>
     <a:masterClrMapping/>
   </p:clrMapOvr>
-  <mc:AlternateContent xmlns:mc="http://schemas.openxmlformats.org/markup-compatibility/2006">
-    <mc:Choice xmlns:p14="http://schemas.microsoft.com/office/powerpoint/2010/main" Requires="p14">
-      <p:transition spd="slow">
-        <p14:reveal/>
+  <mc:AlternateContent xmlns:mc="http://schemas.openxmlformats.org/markup-compatibility/2006" xmlns:p14="http://schemas.microsoft.com/office/powerpoint/2010/main">
+    <mc:Choice Requires="p14">
+      <p:transition spd="med" p14:dur="700">
+        <p:fade/>
       </p:transition>
     </mc:Choice>
-    <mc:Fallback>
-      <p:transition spd="slow">
+    <mc:Fallback xmlns="">
+      <p:transition spd="med">
         <p:fade/>
       </p:transition>
     </mc:Fallback>
@@ -4179,7 +4985,7 @@
           <a:p>
             <a:fld id="{4B3FEE5C-4EFA-4EBD-A460-680EAB01F724}" type="datetimeFigureOut">
               <a:rPr lang="uk-UA" smtClean="0"/>
-              <a:t>08.04.2015</a:t>
+              <a:t>11.04.2015</a:t>
             </a:fld>
             <a:endParaRPr lang="uk-UA" dirty="0"/>
           </a:p>
@@ -4237,14 +5043,14 @@
   <p:clrMapOvr>
     <a:masterClrMapping/>
   </p:clrMapOvr>
-  <mc:AlternateContent xmlns:mc="http://schemas.openxmlformats.org/markup-compatibility/2006">
-    <mc:Choice xmlns:p14="http://schemas.microsoft.com/office/powerpoint/2010/main" Requires="p14">
-      <p:transition spd="slow">
-        <p14:reveal/>
+  <mc:AlternateContent xmlns:mc="http://schemas.openxmlformats.org/markup-compatibility/2006" xmlns:p14="http://schemas.microsoft.com/office/powerpoint/2010/main">
+    <mc:Choice Requires="p14">
+      <p:transition spd="med" p14:dur="700">
+        <p:fade/>
       </p:transition>
     </mc:Choice>
-    <mc:Fallback>
-      <p:transition spd="slow">
+    <mc:Fallback xmlns="">
+      <p:transition spd="med">
         <p:fade/>
       </p:transition>
     </mc:Fallback>
@@ -4468,7 +5274,7 @@
           <a:p>
             <a:fld id="{4B3FEE5C-4EFA-4EBD-A460-680EAB01F724}" type="datetimeFigureOut">
               <a:rPr lang="uk-UA" smtClean="0"/>
-              <a:t>08.04.2015</a:t>
+              <a:t>11.04.2015</a:t>
             </a:fld>
             <a:endParaRPr lang="uk-UA" dirty="0"/>
           </a:p>
@@ -4526,14 +5332,14 @@
   <p:clrMapOvr>
     <a:masterClrMapping/>
   </p:clrMapOvr>
-  <mc:AlternateContent xmlns:mc="http://schemas.openxmlformats.org/markup-compatibility/2006">
-    <mc:Choice xmlns:p14="http://schemas.microsoft.com/office/powerpoint/2010/main" Requires="p14">
-      <p:transition spd="slow">
-        <p14:reveal/>
+  <mc:AlternateContent xmlns:mc="http://schemas.openxmlformats.org/markup-compatibility/2006" xmlns:p14="http://schemas.microsoft.com/office/powerpoint/2010/main">
+    <mc:Choice Requires="p14">
+      <p:transition spd="med" p14:dur="700">
+        <p:fade/>
       </p:transition>
     </mc:Choice>
-    <mc:Fallback>
-      <p:transition spd="slow">
+    <mc:Fallback xmlns="">
+      <p:transition spd="med">
         <p:fade/>
       </p:transition>
     </mc:Fallback>
@@ -4733,7 +5539,7 @@
           <a:p>
             <a:fld id="{4B3FEE5C-4EFA-4EBD-A460-680EAB01F724}" type="datetimeFigureOut">
               <a:rPr lang="uk-UA" smtClean="0"/>
-              <a:t>08.04.2015</a:t>
+              <a:t>11.04.2015</a:t>
             </a:fld>
             <a:endParaRPr lang="uk-UA" dirty="0"/>
           </a:p>
@@ -4791,14 +5597,14 @@
   <p:clrMapOvr>
     <a:masterClrMapping/>
   </p:clrMapOvr>
-  <mc:AlternateContent xmlns:mc="http://schemas.openxmlformats.org/markup-compatibility/2006">
-    <mc:Choice xmlns:p14="http://schemas.microsoft.com/office/powerpoint/2010/main" Requires="p14">
-      <p:transition spd="slow">
-        <p14:reveal/>
+  <mc:AlternateContent xmlns:mc="http://schemas.openxmlformats.org/markup-compatibility/2006" xmlns:p14="http://schemas.microsoft.com/office/powerpoint/2010/main">
+    <mc:Choice Requires="p14">
+      <p:transition spd="med" p14:dur="700">
+        <p:fade/>
       </p:transition>
     </mc:Choice>
-    <mc:Fallback>
-      <p:transition spd="slow">
+    <mc:Fallback xmlns="">
+      <p:transition spd="med">
         <p:fade/>
       </p:transition>
     </mc:Fallback>
@@ -4958,7 +5764,7 @@
           <a:p>
             <a:fld id="{4B3FEE5C-4EFA-4EBD-A460-680EAB01F724}" type="datetimeFigureOut">
               <a:rPr lang="uk-UA" smtClean="0"/>
-              <a:t>08.04.2015</a:t>
+              <a:t>11.04.2015</a:t>
             </a:fld>
             <a:endParaRPr lang="uk-UA" dirty="0"/>
           </a:p>
@@ -5063,14 +5869,14 @@
     <p:sldLayoutId id="2147483658" r:id="rId10"/>
     <p:sldLayoutId id="2147483659" r:id="rId11"/>
   </p:sldLayoutIdLst>
-  <mc:AlternateContent xmlns:mc="http://schemas.openxmlformats.org/markup-compatibility/2006">
-    <mc:Choice xmlns:p14="http://schemas.microsoft.com/office/powerpoint/2010/main" Requires="p14">
-      <p:transition spd="slow">
-        <p14:reveal/>
+  <mc:AlternateContent xmlns:mc="http://schemas.openxmlformats.org/markup-compatibility/2006" xmlns:p14="http://schemas.microsoft.com/office/powerpoint/2010/main">
+    <mc:Choice Requires="p14">
+      <p:transition spd="med" p14:dur="700">
+        <p:fade/>
       </p:transition>
     </mc:Choice>
-    <mc:Fallback>
-      <p:transition spd="slow">
+    <mc:Fallback xmlns="">
+      <p:transition spd="med">
         <p:fade/>
       </p:transition>
     </mc:Fallback>
@@ -5392,36 +6198,105 @@
             <p:ph type="ctrTitle"/>
           </p:nvPr>
         </p:nvSpPr>
-        <p:spPr/>
-        <p:txBody>
-          <a:bodyPr>
-            <a:noAutofit/>
+        <p:spPr>
+          <a:xfrm>
+            <a:off x="1524000" y="971210"/>
+            <a:ext cx="9144000" cy="4915580"/>
+          </a:xfrm>
+        </p:spPr>
+        <p:txBody>
+          <a:bodyPr anchor="ctr">
+            <a:normAutofit/>
           </a:bodyPr>
           <a:lstStyle/>
           <a:p>
             <a:r>
-              <a:rPr lang="ru-RU" sz="4400" dirty="0"/>
-              <a:t>Один из основных слайдов будет со структурой модулей программы. Из него буду рассматривать каждый модуль и его проблематику.</a:t>
-            </a:r>
-            <a:endParaRPr lang="uk-UA" sz="4400" dirty="0"/>
-          </a:p>
-        </p:txBody>
-      </p:sp>
-      <p:sp>
-        <p:nvSpPr>
-          <p:cNvPr id="3" name="Subtitle 2"/>
-          <p:cNvSpPr>
-            <a:spLocks noGrp="1"/>
-          </p:cNvSpPr>
-          <p:nvPr>
-            <p:ph type="subTitle" idx="1"/>
-          </p:nvPr>
-        </p:nvSpPr>
-        <p:spPr/>
-        <p:txBody>
-          <a:bodyPr/>
+              <a:rPr lang="ru-RU" dirty="0" err="1" smtClean="0"/>
+              <a:t>Програмний</a:t>
+            </a:r>
+            <a:r>
+              <a:rPr lang="ru-RU" dirty="0" smtClean="0"/>
+              <a:t> комплекс для </a:t>
+            </a:r>
+            <a:r>
+              <a:rPr lang="ru-RU" dirty="0" err="1" smtClean="0"/>
+              <a:t>порівняльного</a:t>
+            </a:r>
+            <a:r>
+              <a:rPr lang="ru-RU" dirty="0" smtClean="0"/>
+              <a:t> </a:t>
+            </a:r>
+            <a:r>
+              <a:rPr lang="ru-RU" dirty="0" err="1" smtClean="0"/>
+              <a:t>аналізу</a:t>
+            </a:r>
+            <a:r>
+              <a:rPr lang="ru-RU" dirty="0" smtClean="0"/>
+              <a:t> </a:t>
+            </a:r>
+            <a:r>
+              <a:rPr lang="ru-RU" dirty="0" err="1" smtClean="0"/>
+              <a:t>цілісності</a:t>
+            </a:r>
+            <a:r>
+              <a:rPr lang="ru-RU" dirty="0" smtClean="0"/>
+              <a:t> </a:t>
+            </a:r>
+            <a:r>
+              <a:rPr lang="ru-RU" dirty="0" err="1" smtClean="0"/>
+              <a:t>передавання</a:t>
+            </a:r>
+            <a:r>
+              <a:rPr lang="ru-RU" dirty="0" smtClean="0"/>
+              <a:t> </a:t>
+            </a:r>
+            <a:r>
+              <a:rPr lang="ru-RU" dirty="0" err="1" smtClean="0"/>
+              <a:t>даних</a:t>
+            </a:r>
+            <a:r>
+              <a:rPr lang="ru-RU" dirty="0" smtClean="0"/>
+              <a:t> у безпроводових каналах </a:t>
+            </a:r>
+            <a:r>
+              <a:rPr lang="ru-RU" dirty="0" err="1" smtClean="0"/>
+              <a:t>зв'язку</a:t>
+            </a:r>
+            <a:r>
+              <a:rPr lang="ru-RU" dirty="0" smtClean="0"/>
+              <a:t> 2,4-2,5 ГГц</a:t>
+            </a:r>
+            <a:endParaRPr lang="uk-UA" dirty="0"/>
+          </a:p>
+        </p:txBody>
+      </p:sp>
+      <p:sp>
+        <p:nvSpPr>
+          <p:cNvPr id="7" name="TextBox 6"/>
+          <p:cNvSpPr txBox="1"/>
+          <p:nvPr/>
+        </p:nvSpPr>
+        <p:spPr>
+          <a:xfrm>
+            <a:off x="3672114" y="5886790"/>
+            <a:ext cx="4847771" cy="369332"/>
+          </a:xfrm>
+          <a:prstGeom prst="rect">
+            <a:avLst/>
+          </a:prstGeom>
+          <a:noFill/>
+        </p:spPr>
+        <p:txBody>
+          <a:bodyPr wrap="square" rtlCol="0" anchor="ctr">
+            <a:spAutoFit/>
+          </a:bodyPr>
           <a:lstStyle/>
           <a:p>
+            <a:pPr algn="ctr"/>
+            <a:r>
+              <a:rPr lang="en-US" dirty="0" smtClean="0"/>
+              <a:t>Wall of text</a:t>
+            </a:r>
             <a:endParaRPr lang="uk-UA" dirty="0"/>
           </a:p>
         </p:txBody>
@@ -5436,12 +6311,541 @@
   <p:clrMapOvr>
     <a:masterClrMapping/>
   </p:clrMapOvr>
+  <mc:AlternateContent xmlns:mc="http://schemas.openxmlformats.org/markup-compatibility/2006" xmlns:p14="http://schemas.microsoft.com/office/powerpoint/2010/main">
+    <mc:Choice Requires="p14">
+      <p:transition spd="med" p14:dur="700">
+        <p:fade/>
+      </p:transition>
+    </mc:Choice>
+    <mc:Fallback xmlns="">
+      <p:transition spd="med">
+        <p:fade/>
+      </p:transition>
+    </mc:Fallback>
+  </mc:AlternateContent>
+  <p:timing>
+    <p:tnLst>
+      <p:par>
+        <p:cTn id="1" dur="indefinite" restart="never" nodeType="tmRoot"/>
+      </p:par>
+    </p:tnLst>
+  </p:timing>
+</p:sld>
+</file>
+
+<file path=ppt/slides/slide10.xml><?xml version="1.0" encoding="utf-8"?>
+<p:sld xmlns:a="http://schemas.openxmlformats.org/drawingml/2006/main" xmlns:r="http://schemas.openxmlformats.org/officeDocument/2006/relationships" xmlns:p="http://schemas.openxmlformats.org/presentationml/2006/main">
+  <p:cSld>
+    <p:spTree>
+      <p:nvGrpSpPr>
+        <p:cNvPr id="1" name=""/>
+        <p:cNvGrpSpPr/>
+        <p:nvPr/>
+      </p:nvGrpSpPr>
+      <p:grpSpPr>
+        <a:xfrm>
+          <a:off x="0" y="0"/>
+          <a:ext cx="0" cy="0"/>
+          <a:chOff x="0" y="0"/>
+          <a:chExt cx="0" cy="0"/>
+        </a:xfrm>
+      </p:grpSpPr>
+      <p:graphicFrame>
+        <p:nvGraphicFramePr>
+          <p:cNvPr id="3" name="Object 2"/>
+          <p:cNvGraphicFramePr>
+            <a:graphicFrameLocks noChangeAspect="1"/>
+          </p:cNvGraphicFramePr>
+          <p:nvPr>
+            <p:extLst/>
+          </p:nvPr>
+        </p:nvGraphicFramePr>
+        <p:xfrm>
+          <a:off x="159657" y="1922920"/>
+          <a:ext cx="11872686" cy="4633132"/>
+        </p:xfrm>
+        <a:graphic>
+          <a:graphicData uri="http://schemas.openxmlformats.org/presentationml/2006/ole">
+            <mc:AlternateContent xmlns:mc="http://schemas.openxmlformats.org/markup-compatibility/2006">
+              <mc:Choice xmlns:v="urn:schemas-microsoft-com:vml" Requires="v">
+                <p:oleObj spid="_x0000_s10249" name="Visio" r:id="rId4" imgW="13496857" imgH="5267235" progId="Visio.Drawing.15">
+                  <p:embed/>
+                </p:oleObj>
+              </mc:Choice>
+              <mc:Fallback>
+                <p:oleObj name="Visio" r:id="rId4" imgW="13496857" imgH="5267235" progId="Visio.Drawing.15">
+                  <p:embed/>
+                  <p:pic>
+                    <p:nvPicPr>
+                      <p:cNvPr id="0" name=""/>
+                      <p:cNvPicPr/>
+                      <p:nvPr/>
+                    </p:nvPicPr>
+                    <p:blipFill>
+                      <a:blip r:embed="rId5"/>
+                      <a:stretch>
+                        <a:fillRect/>
+                      </a:stretch>
+                    </p:blipFill>
+                    <p:spPr>
+                      <a:xfrm>
+                        <a:off x="159657" y="1922920"/>
+                        <a:ext cx="11872686" cy="4633132"/>
+                      </a:xfrm>
+                      <a:prstGeom prst="rect">
+                        <a:avLst/>
+                      </a:prstGeom>
+                    </p:spPr>
+                  </p:pic>
+                </p:oleObj>
+              </mc:Fallback>
+            </mc:AlternateContent>
+          </a:graphicData>
+        </a:graphic>
+      </p:graphicFrame>
+      <p:sp>
+        <p:nvSpPr>
+          <p:cNvPr id="4" name="Title 3"/>
+          <p:cNvSpPr>
+            <a:spLocks noGrp="1"/>
+          </p:cNvSpPr>
+          <p:nvPr>
+            <p:ph type="title"/>
+          </p:nvPr>
+        </p:nvSpPr>
+        <p:spPr/>
+        <p:txBody>
+          <a:bodyPr/>
+          <a:lstStyle/>
+          <a:p>
+            <a:pPr algn="ctr"/>
+            <a:r>
+              <a:rPr lang="uk-UA" dirty="0" smtClean="0"/>
+              <a:t>Схема роботи програми</a:t>
+            </a:r>
+            <a:endParaRPr lang="uk-UA" dirty="0"/>
+          </a:p>
+        </p:txBody>
+      </p:sp>
+      <p:pic>
+        <p:nvPicPr>
+          <p:cNvPr id="6" name="Picture 5"/>
+          <p:cNvPicPr>
+            <a:picLocks noChangeAspect="1"/>
+          </p:cNvPicPr>
+          <p:nvPr/>
+        </p:nvPicPr>
+        <p:blipFill>
+          <a:blip r:embed="rId6">
+            <a:extLst>
+              <a:ext uri="{28A0092B-C50C-407E-A947-70E740481C1C}">
+                <a14:useLocalDpi xmlns:a14="http://schemas.microsoft.com/office/drawing/2010/main" val="0"/>
+              </a:ext>
+            </a:extLst>
+          </a:blip>
+          <a:stretch>
+            <a:fillRect/>
+          </a:stretch>
+        </p:blipFill>
+        <p:spPr>
+          <a:xfrm>
+            <a:off x="-5781750" y="-168103"/>
+            <a:ext cx="23622150" cy="8512637"/>
+          </a:xfrm>
+          <a:prstGeom prst="rect">
+            <a:avLst/>
+          </a:prstGeom>
+          <a:noFill/>
+          <a:ln>
+            <a:noFill/>
+          </a:ln>
+        </p:spPr>
+      </p:pic>
+    </p:spTree>
+    <p:extLst>
+      <p:ext uri="{BB962C8B-B14F-4D97-AF65-F5344CB8AC3E}">
+        <p14:creationId xmlns:p14="http://schemas.microsoft.com/office/powerpoint/2010/main" val="353111281"/>
+      </p:ext>
+    </p:extLst>
+  </p:cSld>
+  <p:clrMapOvr>
+    <a:masterClrMapping/>
+  </p:clrMapOvr>
+  <p:transition spd="med">
+    <p:fade/>
+  </p:transition>
+  <p:timing>
+    <p:tnLst>
+      <p:par>
+        <p:cTn id="1" dur="indefinite" restart="never" nodeType="tmRoot"/>
+      </p:par>
+    </p:tnLst>
+  </p:timing>
+</p:sld>
+</file>
+
+<file path=ppt/slides/slide11.xml><?xml version="1.0" encoding="utf-8"?>
+<p:sld xmlns:a="http://schemas.openxmlformats.org/drawingml/2006/main" xmlns:r="http://schemas.openxmlformats.org/officeDocument/2006/relationships" xmlns:p="http://schemas.openxmlformats.org/presentationml/2006/main">
+  <p:cSld>
+    <p:spTree>
+      <p:nvGrpSpPr>
+        <p:cNvPr id="1" name=""/>
+        <p:cNvGrpSpPr/>
+        <p:nvPr/>
+      </p:nvGrpSpPr>
+      <p:grpSpPr>
+        <a:xfrm>
+          <a:off x="0" y="0"/>
+          <a:ext cx="0" cy="0"/>
+          <a:chOff x="0" y="0"/>
+          <a:chExt cx="0" cy="0"/>
+        </a:xfrm>
+      </p:grpSpPr>
+      <p:graphicFrame>
+        <p:nvGraphicFramePr>
+          <p:cNvPr id="3" name="Object 2"/>
+          <p:cNvGraphicFramePr>
+            <a:graphicFrameLocks noChangeAspect="1"/>
+          </p:cNvGraphicFramePr>
+          <p:nvPr>
+            <p:extLst/>
+          </p:nvPr>
+        </p:nvGraphicFramePr>
+        <p:xfrm>
+          <a:off x="159657" y="1922920"/>
+          <a:ext cx="11872686" cy="4633132"/>
+        </p:xfrm>
+        <a:graphic>
+          <a:graphicData uri="http://schemas.openxmlformats.org/presentationml/2006/ole">
+            <mc:AlternateContent xmlns:mc="http://schemas.openxmlformats.org/markup-compatibility/2006">
+              <mc:Choice xmlns:v="urn:schemas-microsoft-com:vml" Requires="v">
+                <p:oleObj spid="_x0000_s11271" name="Visio" r:id="rId4" imgW="13496857" imgH="5267235" progId="Visio.Drawing.15">
+                  <p:embed/>
+                </p:oleObj>
+              </mc:Choice>
+              <mc:Fallback>
+                <p:oleObj name="Visio" r:id="rId4" imgW="13496857" imgH="5267235" progId="Visio.Drawing.15">
+                  <p:embed/>
+                  <p:pic>
+                    <p:nvPicPr>
+                      <p:cNvPr id="0" name=""/>
+                      <p:cNvPicPr/>
+                      <p:nvPr/>
+                    </p:nvPicPr>
+                    <p:blipFill>
+                      <a:blip r:embed="rId5"/>
+                      <a:stretch>
+                        <a:fillRect/>
+                      </a:stretch>
+                    </p:blipFill>
+                    <p:spPr>
+                      <a:xfrm>
+                        <a:off x="159657" y="1922920"/>
+                        <a:ext cx="11872686" cy="4633132"/>
+                      </a:xfrm>
+                      <a:prstGeom prst="rect">
+                        <a:avLst/>
+                      </a:prstGeom>
+                    </p:spPr>
+                  </p:pic>
+                </p:oleObj>
+              </mc:Fallback>
+            </mc:AlternateContent>
+          </a:graphicData>
+        </a:graphic>
+      </p:graphicFrame>
+      <p:sp>
+        <p:nvSpPr>
+          <p:cNvPr id="4" name="Title 3"/>
+          <p:cNvSpPr>
+            <a:spLocks noGrp="1"/>
+          </p:cNvSpPr>
+          <p:nvPr>
+            <p:ph type="title"/>
+          </p:nvPr>
+        </p:nvSpPr>
+        <p:spPr/>
+        <p:txBody>
+          <a:bodyPr/>
+          <a:lstStyle/>
+          <a:p>
+            <a:pPr algn="ctr"/>
+            <a:r>
+              <a:rPr lang="uk-UA" dirty="0" smtClean="0"/>
+              <a:t>Схема роботи програми</a:t>
+            </a:r>
+            <a:endParaRPr lang="uk-UA" dirty="0"/>
+          </a:p>
+        </p:txBody>
+      </p:sp>
+      <p:pic>
+        <p:nvPicPr>
+          <p:cNvPr id="6" name="Picture 5"/>
+          <p:cNvPicPr>
+            <a:picLocks noChangeAspect="1"/>
+          </p:cNvPicPr>
+          <p:nvPr/>
+        </p:nvPicPr>
+        <p:blipFill>
+          <a:blip r:embed="rId6">
+            <a:extLst>
+              <a:ext uri="{28A0092B-C50C-407E-A947-70E740481C1C}">
+                <a14:useLocalDpi xmlns:a14="http://schemas.microsoft.com/office/drawing/2010/main" val="0"/>
+              </a:ext>
+            </a:extLst>
+          </a:blip>
+          <a:stretch>
+            <a:fillRect/>
+          </a:stretch>
+        </p:blipFill>
+        <p:spPr>
+          <a:xfrm>
+            <a:off x="-5676975" y="-182391"/>
+            <a:ext cx="23622150" cy="8512636"/>
+          </a:xfrm>
+          <a:prstGeom prst="rect">
+            <a:avLst/>
+          </a:prstGeom>
+          <a:noFill/>
+          <a:ln>
+            <a:noFill/>
+          </a:ln>
+        </p:spPr>
+      </p:pic>
+    </p:spTree>
+    <p:extLst>
+      <p:ext uri="{BB962C8B-B14F-4D97-AF65-F5344CB8AC3E}">
+        <p14:creationId xmlns:p14="http://schemas.microsoft.com/office/powerpoint/2010/main" val="3111252702"/>
+      </p:ext>
+    </p:extLst>
+  </p:cSld>
+  <p:clrMapOvr>
+    <a:masterClrMapping/>
+  </p:clrMapOvr>
+  <p:transition spd="med">
+    <p:fade/>
+  </p:transition>
+  <p:timing>
+    <p:tnLst>
+      <p:par>
+        <p:cTn id="1" dur="indefinite" restart="never" nodeType="tmRoot"/>
+      </p:par>
+    </p:tnLst>
+  </p:timing>
+</p:sld>
+</file>
+
+<file path=ppt/slides/slide12.xml><?xml version="1.0" encoding="utf-8"?>
+<p:sld xmlns:a="http://schemas.openxmlformats.org/drawingml/2006/main" xmlns:r="http://schemas.openxmlformats.org/officeDocument/2006/relationships" xmlns:p="http://schemas.openxmlformats.org/presentationml/2006/main">
+  <p:cSld>
+    <p:spTree>
+      <p:nvGrpSpPr>
+        <p:cNvPr id="1" name=""/>
+        <p:cNvGrpSpPr/>
+        <p:nvPr/>
+      </p:nvGrpSpPr>
+      <p:grpSpPr>
+        <a:xfrm>
+          <a:off x="0" y="0"/>
+          <a:ext cx="0" cy="0"/>
+          <a:chOff x="0" y="0"/>
+          <a:chExt cx="0" cy="0"/>
+        </a:xfrm>
+      </p:grpSpPr>
+      <p:graphicFrame>
+        <p:nvGraphicFramePr>
+          <p:cNvPr id="3" name="Object 2"/>
+          <p:cNvGraphicFramePr>
+            <a:graphicFrameLocks noChangeAspect="1"/>
+          </p:cNvGraphicFramePr>
+          <p:nvPr>
+            <p:extLst/>
+          </p:nvPr>
+        </p:nvGraphicFramePr>
+        <p:xfrm>
+          <a:off x="159657" y="1922920"/>
+          <a:ext cx="11872686" cy="4633132"/>
+        </p:xfrm>
+        <a:graphic>
+          <a:graphicData uri="http://schemas.openxmlformats.org/presentationml/2006/ole">
+            <mc:AlternateContent xmlns:mc="http://schemas.openxmlformats.org/markup-compatibility/2006">
+              <mc:Choice xmlns:v="urn:schemas-microsoft-com:vml" Requires="v">
+                <p:oleObj spid="_x0000_s12291" name="Visio" r:id="rId4" imgW="13496857" imgH="5267235" progId="Visio.Drawing.15">
+                  <p:embed/>
+                </p:oleObj>
+              </mc:Choice>
+              <mc:Fallback>
+                <p:oleObj name="Visio" r:id="rId4" imgW="13496857" imgH="5267235" progId="Visio.Drawing.15">
+                  <p:embed/>
+                  <p:pic>
+                    <p:nvPicPr>
+                      <p:cNvPr id="0" name=""/>
+                      <p:cNvPicPr/>
+                      <p:nvPr/>
+                    </p:nvPicPr>
+                    <p:blipFill>
+                      <a:blip r:embed="rId5"/>
+                      <a:stretch>
+                        <a:fillRect/>
+                      </a:stretch>
+                    </p:blipFill>
+                    <p:spPr>
+                      <a:xfrm>
+                        <a:off x="159657" y="1922920"/>
+                        <a:ext cx="11872686" cy="4633132"/>
+                      </a:xfrm>
+                      <a:prstGeom prst="rect">
+                        <a:avLst/>
+                      </a:prstGeom>
+                    </p:spPr>
+                  </p:pic>
+                </p:oleObj>
+              </mc:Fallback>
+            </mc:AlternateContent>
+          </a:graphicData>
+        </a:graphic>
+      </p:graphicFrame>
+      <p:sp>
+        <p:nvSpPr>
+          <p:cNvPr id="4" name="Title 3"/>
+          <p:cNvSpPr>
+            <a:spLocks noGrp="1"/>
+          </p:cNvSpPr>
+          <p:nvPr>
+            <p:ph type="title"/>
+          </p:nvPr>
+        </p:nvSpPr>
+        <p:spPr/>
+        <p:txBody>
+          <a:bodyPr/>
+          <a:lstStyle/>
+          <a:p>
+            <a:pPr algn="ctr"/>
+            <a:r>
+              <a:rPr lang="uk-UA" dirty="0" smtClean="0"/>
+              <a:t>Схема роботи програми</a:t>
+            </a:r>
+            <a:endParaRPr lang="uk-UA" dirty="0"/>
+          </a:p>
+        </p:txBody>
+      </p:sp>
+      <p:pic>
+        <p:nvPicPr>
+          <p:cNvPr id="6" name="Picture 5"/>
+          <p:cNvPicPr>
+            <a:picLocks noChangeAspect="1"/>
+          </p:cNvPicPr>
+          <p:nvPr/>
+        </p:nvPicPr>
+        <p:blipFill>
+          <a:blip r:embed="rId6">
+            <a:extLst>
+              <a:ext uri="{28A0092B-C50C-407E-A947-70E740481C1C}">
+                <a14:useLocalDpi xmlns:a14="http://schemas.microsoft.com/office/drawing/2010/main" val="0"/>
+              </a:ext>
+            </a:extLst>
+          </a:blip>
+          <a:stretch>
+            <a:fillRect/>
+          </a:stretch>
+        </p:blipFill>
+        <p:spPr>
+          <a:xfrm>
+            <a:off x="-5676974" y="-182391"/>
+            <a:ext cx="23622147" cy="8512636"/>
+          </a:xfrm>
+          <a:prstGeom prst="rect">
+            <a:avLst/>
+          </a:prstGeom>
+          <a:noFill/>
+          <a:ln>
+            <a:noFill/>
+          </a:ln>
+        </p:spPr>
+      </p:pic>
+    </p:spTree>
+    <p:extLst>
+      <p:ext uri="{BB962C8B-B14F-4D97-AF65-F5344CB8AC3E}">
+        <p14:creationId xmlns:p14="http://schemas.microsoft.com/office/powerpoint/2010/main" val="3340711927"/>
+      </p:ext>
+    </p:extLst>
+  </p:cSld>
+  <p:clrMapOvr>
+    <a:masterClrMapping/>
+  </p:clrMapOvr>
+  <p:transition spd="med">
+    <p:fade/>
+  </p:transition>
+  <p:timing>
+    <p:tnLst>
+      <p:par>
+        <p:cTn id="1" dur="indefinite" restart="never" nodeType="tmRoot"/>
+      </p:par>
+    </p:tnLst>
+  </p:timing>
+</p:sld>
+</file>
+
+<file path=ppt/slides/slide13.xml><?xml version="1.0" encoding="utf-8"?>
+<p:sld xmlns:a="http://schemas.openxmlformats.org/drawingml/2006/main" xmlns:r="http://schemas.openxmlformats.org/officeDocument/2006/relationships" xmlns:p="http://schemas.openxmlformats.org/presentationml/2006/main">
+  <p:cSld>
+    <p:spTree>
+      <p:nvGrpSpPr>
+        <p:cNvPr id="1" name=""/>
+        <p:cNvGrpSpPr/>
+        <p:nvPr/>
+      </p:nvGrpSpPr>
+      <p:grpSpPr>
+        <a:xfrm>
+          <a:off x="0" y="0"/>
+          <a:ext cx="0" cy="0"/>
+          <a:chOff x="0" y="0"/>
+          <a:chExt cx="0" cy="0"/>
+        </a:xfrm>
+      </p:grpSpPr>
+      <p:sp>
+        <p:nvSpPr>
+          <p:cNvPr id="2" name="Title 1"/>
+          <p:cNvSpPr>
+            <a:spLocks noGrp="1"/>
+          </p:cNvSpPr>
+          <p:nvPr>
+            <p:ph type="title"/>
+          </p:nvPr>
+        </p:nvSpPr>
+        <p:spPr/>
+        <p:txBody>
+          <a:bodyPr/>
+          <a:lstStyle/>
+          <a:p>
+            <a:r>
+              <a:rPr lang="en-US" dirty="0" smtClean="0"/>
+              <a:t>END</a:t>
+            </a:r>
+            <a:endParaRPr lang="uk-UA" dirty="0"/>
+          </a:p>
+        </p:txBody>
+      </p:sp>
+    </p:spTree>
+    <p:extLst>
+      <p:ext uri="{BB962C8B-B14F-4D97-AF65-F5344CB8AC3E}">
+        <p14:creationId xmlns:p14="http://schemas.microsoft.com/office/powerpoint/2010/main" val="1097746435"/>
+      </p:ext>
+    </p:extLst>
+  </p:cSld>
+  <p:clrMapOvr>
+    <a:masterClrMapping/>
+  </p:clrMapOvr>
   <mc:AlternateContent xmlns:mc="http://schemas.openxmlformats.org/markup-compatibility/2006">
     <mc:Choice xmlns:p14="http://schemas.microsoft.com/office/powerpoint/2010/main" Requires="p14">
-      <p:transition p14:dur="10"/>
+      <p:transition spd="med" p14:dur="700">
+        <p:fade/>
+      </p:transition>
     </mc:Choice>
     <mc:Fallback>
-      <p:transition/>
+      <p:transition spd="med">
+        <p:fade/>
+      </p:transition>
     </mc:Fallback>
   </mc:AlternateContent>
   <p:timing>
@@ -5473,32 +6877,32 @@
       </p:grpSpPr>
       <p:graphicFrame>
         <p:nvGraphicFramePr>
-          <p:cNvPr id="2" name="Object 1"/>
+          <p:cNvPr id="3" name="Object 2"/>
           <p:cNvGraphicFramePr>
             <a:graphicFrameLocks noChangeAspect="1"/>
           </p:cNvGraphicFramePr>
           <p:nvPr>
             <p:extLst>
               <p:ext uri="{D42A27DB-BD31-4B8C-83A1-F6EECF244321}">
-                <p14:modId xmlns:p14="http://schemas.microsoft.com/office/powerpoint/2010/main" val="1921821280"/>
+                <p14:modId xmlns:p14="http://schemas.microsoft.com/office/powerpoint/2010/main" val="3094184098"/>
               </p:ext>
             </p:extLst>
           </p:nvPr>
         </p:nvGraphicFramePr>
         <p:xfrm>
-          <a:off x="278834" y="1212340"/>
-          <a:ext cx="11634343" cy="4433320"/>
+          <a:off x="159657" y="1922920"/>
+          <a:ext cx="11872686" cy="4633132"/>
         </p:xfrm>
         <a:graphic>
           <a:graphicData uri="http://schemas.openxmlformats.org/presentationml/2006/ole">
             <mc:AlternateContent xmlns:mc="http://schemas.openxmlformats.org/markup-compatibility/2006">
               <mc:Choice xmlns:v="urn:schemas-microsoft-com:vml" Requires="v">
-                <p:oleObj spid="_x0000_s2078" name="Visio" r:id="rId4" imgW="13496857" imgH="5143500" progId="Visio.Drawing.15">
+                <p:oleObj spid="_x0000_s6193" name="Visio" r:id="rId4" imgW="13496857" imgH="5267235" progId="Visio.Drawing.15">
                   <p:embed/>
                 </p:oleObj>
               </mc:Choice>
               <mc:Fallback>
-                <p:oleObj name="Visio" r:id="rId4" imgW="13496857" imgH="5143500" progId="Visio.Drawing.15">
+                <p:oleObj name="Visio" r:id="rId4" imgW="13496857" imgH="5267235" progId="Visio.Drawing.15">
                   <p:embed/>
                   <p:pic>
                     <p:nvPicPr>
@@ -5514,8 +6918,8 @@
                     </p:blipFill>
                     <p:spPr>
                       <a:xfrm>
-                        <a:off x="278834" y="1212340"/>
-                        <a:ext cx="11634343" cy="4433320"/>
+                        <a:off x="159657" y="1922920"/>
+                        <a:ext cx="11872686" cy="4633132"/>
                       </a:xfrm>
                       <a:prstGeom prst="rect">
                         <a:avLst/>
@@ -5528,9 +6932,33 @@
           </a:graphicData>
         </a:graphic>
       </p:graphicFrame>
+      <p:sp>
+        <p:nvSpPr>
+          <p:cNvPr id="4" name="Title 3"/>
+          <p:cNvSpPr>
+            <a:spLocks noGrp="1"/>
+          </p:cNvSpPr>
+          <p:nvPr>
+            <p:ph type="title"/>
+          </p:nvPr>
+        </p:nvSpPr>
+        <p:spPr/>
+        <p:txBody>
+          <a:bodyPr/>
+          <a:lstStyle/>
+          <a:p>
+            <a:pPr algn="ctr"/>
+            <a:r>
+              <a:rPr lang="uk-UA" dirty="0" smtClean="0"/>
+              <a:t>Схема роботи програми</a:t>
+            </a:r>
+            <a:endParaRPr lang="uk-UA" dirty="0"/>
+          </a:p>
+        </p:txBody>
+      </p:sp>
       <p:pic>
         <p:nvPicPr>
-          <p:cNvPr id="3" name="Picture 2"/>
+          <p:cNvPr id="6" name="Picture 5"/>
           <p:cNvPicPr>
             <a:picLocks noChangeAspect="1"/>
           </p:cNvPicPr>
@@ -5550,35 +6978,36 @@
         </p:blipFill>
         <p:spPr>
           <a:xfrm>
-            <a:off x="0" y="1128526"/>
-            <a:ext cx="12192000" cy="4324865"/>
+            <a:off x="-5715077" y="-171279"/>
+            <a:ext cx="23622154" cy="8512640"/>
           </a:xfrm>
           <a:prstGeom prst="rect">
             <a:avLst/>
           </a:prstGeom>
-          <a:effectLst>
-            <a:softEdge rad="63500"/>
-          </a:effectLst>
+          <a:noFill/>
+          <a:ln>
+            <a:noFill/>
+          </a:ln>
         </p:spPr>
       </p:pic>
     </p:spTree>
     <p:extLst>
       <p:ext uri="{BB962C8B-B14F-4D97-AF65-F5344CB8AC3E}">
-        <p14:creationId xmlns:p14="http://schemas.microsoft.com/office/powerpoint/2010/main" val="4180317515"/>
+        <p14:creationId xmlns:p14="http://schemas.microsoft.com/office/powerpoint/2010/main" val="2361192849"/>
       </p:ext>
     </p:extLst>
   </p:cSld>
   <p:clrMapOvr>
     <a:masterClrMapping/>
   </p:clrMapOvr>
-  <mc:AlternateContent xmlns:mc="http://schemas.openxmlformats.org/markup-compatibility/2006">
-    <mc:Choice xmlns:p14="http://schemas.microsoft.com/office/powerpoint/2010/main" Requires="p14">
-      <p:transition spd="slow">
-        <p14:reveal/>
+  <mc:AlternateContent xmlns:mc="http://schemas.openxmlformats.org/markup-compatibility/2006" xmlns:p14="http://schemas.microsoft.com/office/powerpoint/2010/main">
+    <mc:Choice Requires="p14">
+      <p:transition spd="med" p14:dur="700">
+        <p:fade/>
       </p:transition>
     </mc:Choice>
-    <mc:Fallback>
-      <p:transition spd="slow">
+    <mc:Fallback xmlns="">
+      <p:transition spd="med">
         <p:fade/>
       </p:transition>
     </mc:Fallback>
@@ -5617,7 +7046,7 @@
                                           </p:stCondLst>
                                         </p:cTn>
                                         <p:tgtEl>
-                                          <p:spTgt spid="3"/>
+                                          <p:spTgt spid="6"/>
                                         </p:tgtEl>
                                         <p:attrNameLst>
                                           <p:attrName>style.visibility</p:attrName>
@@ -5629,9 +7058,9 @@
                                     </p:set>
                                     <p:animEffect transition="in" filter="fade">
                                       <p:cBhvr>
-                                        <p:cTn id="7" dur="1000"/>
+                                        <p:cTn id="7" dur="750"/>
                                         <p:tgtEl>
-                                          <p:spTgt spid="3"/>
+                                          <p:spTgt spid="6"/>
                                         </p:tgtEl>
                                       </p:cBhvr>
                                     </p:animEffect>
@@ -5686,111 +7115,89 @@
           <a:chExt cx="0" cy="0"/>
         </a:xfrm>
       </p:grpSpPr>
+      <p:sp>
+        <p:nvSpPr>
+          <p:cNvPr id="2" name="Title 1"/>
+          <p:cNvSpPr>
+            <a:spLocks noGrp="1"/>
+          </p:cNvSpPr>
+          <p:nvPr>
+            <p:ph type="title"/>
+          </p:nvPr>
+        </p:nvSpPr>
+        <p:spPr/>
+        <p:txBody>
+          <a:bodyPr/>
+          <a:lstStyle/>
+          <a:p>
+            <a:pPr algn="ctr"/>
+            <a:r>
+              <a:rPr lang="uk-UA" dirty="0" smtClean="0">
+                <a:solidFill>
+                  <a:srgbClr val="FF0000"/>
+                </a:solidFill>
+              </a:rPr>
+              <a:t>Занадто багато</a:t>
+            </a:r>
+            <a:r>
+              <a:rPr lang="ru-RU" dirty="0" smtClean="0">
+                <a:solidFill>
+                  <a:srgbClr val="FF0000"/>
+                </a:solidFill>
+              </a:rPr>
+              <a:t> </a:t>
+            </a:r>
+            <a:r>
+              <a:rPr lang="uk-UA" dirty="0" smtClean="0"/>
+              <a:t>даних</a:t>
+            </a:r>
+            <a:endParaRPr lang="uk-UA" dirty="0"/>
+          </a:p>
+        </p:txBody>
+      </p:sp>
       <p:graphicFrame>
         <p:nvGraphicFramePr>
-          <p:cNvPr id="2" name="Object 1"/>
+          <p:cNvPr id="7" name="Content Placeholder 8"/>
           <p:cNvGraphicFramePr>
-            <a:graphicFrameLocks noChangeAspect="1"/>
+            <a:graphicFrameLocks noGrp="1"/>
           </p:cNvGraphicFramePr>
           <p:nvPr>
+            <p:ph idx="1"/>
             <p:extLst>
               <p:ext uri="{D42A27DB-BD31-4B8C-83A1-F6EECF244321}">
-                <p14:modId xmlns:p14="http://schemas.microsoft.com/office/powerpoint/2010/main" val="1921821280"/>
+                <p14:modId xmlns:p14="http://schemas.microsoft.com/office/powerpoint/2010/main" val="2248160762"/>
               </p:ext>
             </p:extLst>
           </p:nvPr>
         </p:nvGraphicFramePr>
         <p:xfrm>
-          <a:off x="278834" y="1212340"/>
-          <a:ext cx="11634343" cy="4433320"/>
+          <a:off x="838200" y="1825625"/>
+          <a:ext cx="10515600" cy="4351338"/>
         </p:xfrm>
         <a:graphic>
-          <a:graphicData uri="http://schemas.openxmlformats.org/presentationml/2006/ole">
-            <mc:AlternateContent xmlns:mc="http://schemas.openxmlformats.org/markup-compatibility/2006">
-              <mc:Choice xmlns:v="urn:schemas-microsoft-com:vml" Requires="v">
-                <p:oleObj spid="_x0000_s6152" name="Visio" r:id="rId4" imgW="13496857" imgH="5143500" progId="Visio.Drawing.15">
-                  <p:embed/>
-                </p:oleObj>
-              </mc:Choice>
-              <mc:Fallback>
-                <p:oleObj name="Visio" r:id="rId4" imgW="13496857" imgH="5143500" progId="Visio.Drawing.15">
-                  <p:embed/>
-                  <p:pic>
-                    <p:nvPicPr>
-                      <p:cNvPr id="0" name=""/>
-                      <p:cNvPicPr/>
-                      <p:nvPr/>
-                    </p:nvPicPr>
-                    <p:blipFill>
-                      <a:blip r:embed="rId5"/>
-                      <a:stretch>
-                        <a:fillRect/>
-                      </a:stretch>
-                    </p:blipFill>
-                    <p:spPr>
-                      <a:xfrm>
-                        <a:off x="278834" y="1212340"/>
-                        <a:ext cx="11634343" cy="4433320"/>
-                      </a:xfrm>
-                      <a:prstGeom prst="rect">
-                        <a:avLst/>
-                      </a:prstGeom>
-                    </p:spPr>
-                  </p:pic>
-                </p:oleObj>
-              </mc:Fallback>
-            </mc:AlternateContent>
+          <a:graphicData uri="http://schemas.openxmlformats.org/drawingml/2006/chart">
+            <c:chart xmlns:c="http://schemas.openxmlformats.org/drawingml/2006/chart" xmlns:r="http://schemas.openxmlformats.org/officeDocument/2006/relationships" r:id="rId3"/>
           </a:graphicData>
         </a:graphic>
       </p:graphicFrame>
-      <p:pic>
-        <p:nvPicPr>
-          <p:cNvPr id="8" name="Picture 7"/>
-          <p:cNvPicPr>
-            <a:picLocks noChangeAspect="1"/>
-          </p:cNvPicPr>
-          <p:nvPr/>
-        </p:nvPicPr>
-        <p:blipFill>
-          <a:blip r:embed="rId6" cstate="print">
-            <a:extLst>
-              <a:ext uri="{28A0092B-C50C-407E-A947-70E740481C1C}">
-                <a14:useLocalDpi xmlns:a14="http://schemas.microsoft.com/office/drawing/2010/main" val="0"/>
-              </a:ext>
-            </a:extLst>
-          </a:blip>
-          <a:stretch>
-            <a:fillRect/>
-          </a:stretch>
-        </p:blipFill>
-        <p:spPr>
-          <a:xfrm>
-            <a:off x="-6629395" y="-1248580"/>
-            <a:ext cx="25450800" cy="9030404"/>
-          </a:xfrm>
-          <a:prstGeom prst="rect">
-            <a:avLst/>
-          </a:prstGeom>
-        </p:spPr>
-      </p:pic>
     </p:spTree>
     <p:extLst>
       <p:ext uri="{BB962C8B-B14F-4D97-AF65-F5344CB8AC3E}">
-        <p14:creationId xmlns:p14="http://schemas.microsoft.com/office/powerpoint/2010/main" val="2361192849"/>
+        <p14:creationId xmlns:p14="http://schemas.microsoft.com/office/powerpoint/2010/main" val="2367452766"/>
       </p:ext>
     </p:extLst>
   </p:cSld>
   <p:clrMapOvr>
     <a:masterClrMapping/>
   </p:clrMapOvr>
-  <mc:AlternateContent xmlns:mc="http://schemas.openxmlformats.org/markup-compatibility/2006">
-    <mc:Choice xmlns:p14="http://schemas.microsoft.com/office/powerpoint/2010/main" Requires="p14">
-      <p:transition spd="slow">
-        <p14:reveal/>
+  <mc:AlternateContent xmlns:mc="http://schemas.openxmlformats.org/markup-compatibility/2006" xmlns:p14="http://schemas.microsoft.com/office/powerpoint/2010/main">
+    <mc:Choice Requires="p14">
+      <p:transition spd="med" p14:dur="700">
+        <p:fade/>
       </p:transition>
     </mc:Choice>
-    <mc:Fallback>
-      <p:transition spd="slow">
+    <mc:Fallback xmlns="">
+      <p:transition spd="med">
         <p:fade/>
       </p:transition>
     </mc:Fallback>
@@ -5816,7 +7223,7 @@
                             </p:stCondLst>
                             <p:childTnLst>
                               <p:par>
-                                <p:cTn id="5" presetID="10" presetClass="entr" presetSubtype="0" fill="hold" nodeType="clickEffect">
+                                <p:cTn id="5" presetID="22" presetClass="entr" presetSubtype="8" fill="hold" grpId="0" nodeType="clickEffect">
                                   <p:stCondLst>
                                     <p:cond delay="0"/>
                                   </p:stCondLst>
@@ -5829,7 +7236,11 @@
                                           </p:stCondLst>
                                         </p:cTn>
                                         <p:tgtEl>
-                                          <p:spTgt spid="8"/>
+                                          <p:spTgt spid="7">
+                                            <p:graphicEl>
+                                              <a:chart seriesIdx="0" categoryIdx="-4" bldStep="series"/>
+                                            </p:graphicEl>
+                                          </p:spTgt>
                                         </p:tgtEl>
                                         <p:attrNameLst>
                                           <p:attrName>style.visibility</p:attrName>
@@ -5839,11 +7250,119 @@
                                         <p:strVal val="visible"/>
                                       </p:to>
                                     </p:set>
-                                    <p:animEffect transition="in" filter="fade">
+                                    <p:animEffect transition="in" filter="wipe(left)">
                                       <p:cBhvr>
-                                        <p:cTn id="7" dur="1000"/>
+                                        <p:cTn id="7" dur="750"/>
                                         <p:tgtEl>
-                                          <p:spTgt spid="8"/>
+                                          <p:spTgt spid="7">
+                                            <p:graphicEl>
+                                              <a:chart seriesIdx="0" categoryIdx="-4" bldStep="series"/>
+                                            </p:graphicEl>
+                                          </p:spTgt>
+                                        </p:tgtEl>
+                                      </p:cBhvr>
+                                    </p:animEffect>
+                                  </p:childTnLst>
+                                </p:cTn>
+                              </p:par>
+                            </p:childTnLst>
+                          </p:cTn>
+                        </p:par>
+                      </p:childTnLst>
+                    </p:cTn>
+                  </p:par>
+                  <p:par>
+                    <p:cTn id="8" fill="hold">
+                      <p:stCondLst>
+                        <p:cond delay="indefinite"/>
+                      </p:stCondLst>
+                      <p:childTnLst>
+                        <p:par>
+                          <p:cTn id="9" fill="hold">
+                            <p:stCondLst>
+                              <p:cond delay="0"/>
+                            </p:stCondLst>
+                            <p:childTnLst>
+                              <p:par>
+                                <p:cTn id="10" presetID="10" presetClass="exit" presetSubtype="0" fill="hold" grpId="1" nodeType="clickEffect">
+                                  <p:stCondLst>
+                                    <p:cond delay="0"/>
+                                  </p:stCondLst>
+                                  <p:childTnLst>
+                                    <p:animEffect transition="out" filter="fade">
+                                      <p:cBhvr>
+                                        <p:cTn id="11" dur="750"/>
+                                        <p:tgtEl>
+                                          <p:spTgt spid="7">
+                                            <p:graphicEl>
+                                              <a:chart seriesIdx="0" categoryIdx="-4" bldStep="series"/>
+                                            </p:graphicEl>
+                                          </p:spTgt>
+                                        </p:tgtEl>
+                                      </p:cBhvr>
+                                    </p:animEffect>
+                                    <p:set>
+                                      <p:cBhvr>
+                                        <p:cTn id="12" dur="1" fill="hold">
+                                          <p:stCondLst>
+                                            <p:cond delay="749"/>
+                                          </p:stCondLst>
+                                        </p:cTn>
+                                        <p:tgtEl>
+                                          <p:spTgt spid="7">
+                                            <p:graphicEl>
+                                              <a:chart seriesIdx="0" categoryIdx="-4" bldStep="series"/>
+                                            </p:graphicEl>
+                                          </p:spTgt>
+                                        </p:tgtEl>
+                                        <p:attrNameLst>
+                                          <p:attrName>style.visibility</p:attrName>
+                                        </p:attrNameLst>
+                                      </p:cBhvr>
+                                      <p:to>
+                                        <p:strVal val="hidden"/>
+                                      </p:to>
+                                    </p:set>
+                                  </p:childTnLst>
+                                </p:cTn>
+                              </p:par>
+                              <p:par>
+                                <p:cTn id="13" presetID="22" presetClass="entr" presetSubtype="8" fill="hold" grpId="0" nodeType="withEffect">
+                                  <p:stCondLst>
+                                    <p:cond delay="0"/>
+                                  </p:stCondLst>
+                                  <p:childTnLst>
+                                    <p:set>
+                                      <p:cBhvr>
+                                        <p:cTn id="14" dur="1" fill="hold">
+                                          <p:stCondLst>
+                                            <p:cond delay="0"/>
+                                          </p:stCondLst>
+                                        </p:cTn>
+                                        <p:tgtEl>
+                                          <p:spTgt spid="7">
+                                            <p:graphicEl>
+                                              <a:chart seriesIdx="1" categoryIdx="-4" bldStep="series"/>
+                                            </p:graphicEl>
+                                          </p:spTgt>
+                                        </p:tgtEl>
+                                        <p:attrNameLst>
+                                          <p:attrName>style.visibility</p:attrName>
+                                        </p:attrNameLst>
+                                      </p:cBhvr>
+                                      <p:to>
+                                        <p:strVal val="visible"/>
+                                      </p:to>
+                                    </p:set>
+                                    <p:animEffect transition="in" filter="wipe(left)">
+                                      <p:cBhvr>
+                                        <p:cTn id="15" dur="750"/>
+                                        <p:tgtEl>
+                                          <p:spTgt spid="7">
+                                            <p:graphicEl>
+                                              <a:chart seriesIdx="1" categoryIdx="-4" bldStep="series"/>
+                                            </p:graphicEl>
+                                          </p:spTgt>
                                         </p:tgtEl>
                                       </p:cBhvr>
                                     </p:animEffect>
@@ -5877,272 +7396,13 @@
         </p:cTn>
       </p:par>
     </p:tnLst>
-  </p:timing>
-</p:sld>
-</file>
-
-<file path=ppt/slides/slide4.xml><?xml version="1.0" encoding="utf-8"?>
-<p:sld xmlns:a="http://schemas.openxmlformats.org/drawingml/2006/main" xmlns:r="http://schemas.openxmlformats.org/officeDocument/2006/relationships" xmlns:p="http://schemas.openxmlformats.org/presentationml/2006/main">
-  <p:cSld>
-    <p:spTree>
-      <p:nvGrpSpPr>
-        <p:cNvPr id="1" name=""/>
-        <p:cNvGrpSpPr/>
-        <p:nvPr/>
-      </p:nvGrpSpPr>
-      <p:grpSpPr>
-        <a:xfrm>
-          <a:off x="0" y="0"/>
-          <a:ext cx="0" cy="0"/>
-          <a:chOff x="0" y="0"/>
-          <a:chExt cx="0" cy="0"/>
-        </a:xfrm>
-      </p:grpSpPr>
-      <p:sp>
-        <p:nvSpPr>
-          <p:cNvPr id="2" name="Title 1"/>
-          <p:cNvSpPr>
-            <a:spLocks noGrp="1"/>
-          </p:cNvSpPr>
-          <p:nvPr>
-            <p:ph type="title"/>
-          </p:nvPr>
-        </p:nvSpPr>
-        <p:spPr/>
-        <p:txBody>
-          <a:bodyPr/>
-          <a:lstStyle/>
-          <a:p>
-            <a:pPr algn="ctr"/>
-            <a:r>
-              <a:rPr lang="uk-UA" dirty="0" smtClean="0"/>
-              <a:t>Занадто багато</a:t>
-            </a:r>
-            <a:r>
-              <a:rPr lang="ru-RU" dirty="0" smtClean="0"/>
-              <a:t> </a:t>
-            </a:r>
-            <a:r>
-              <a:rPr lang="uk-UA" dirty="0" smtClean="0"/>
-              <a:t>даних</a:t>
-            </a:r>
-            <a:endParaRPr lang="uk-UA" dirty="0"/>
-          </a:p>
-        </p:txBody>
-      </p:sp>
-      <p:graphicFrame>
-        <p:nvGraphicFramePr>
-          <p:cNvPr id="30" name="Content Placeholder 29"/>
-          <p:cNvGraphicFramePr>
-            <a:graphicFrameLocks noGrp="1"/>
-          </p:cNvGraphicFramePr>
-          <p:nvPr>
-            <p:ph idx="1"/>
-            <p:extLst>
-              <p:ext uri="{D42A27DB-BD31-4B8C-83A1-F6EECF244321}">
-                <p14:modId xmlns:p14="http://schemas.microsoft.com/office/powerpoint/2010/main" val="3138732143"/>
-              </p:ext>
-            </p:extLst>
-          </p:nvPr>
-        </p:nvGraphicFramePr>
-        <p:xfrm>
-          <a:off x="838200" y="1825629"/>
-          <a:ext cx="10515600" cy="4351339"/>
-        </p:xfrm>
-        <a:graphic>
-          <a:graphicData uri="http://schemas.openxmlformats.org/drawingml/2006/chart">
-            <c:chart xmlns:c="http://schemas.openxmlformats.org/drawingml/2006/chart" xmlns:r="http://schemas.openxmlformats.org/officeDocument/2006/relationships" r:id="rId3"/>
-          </a:graphicData>
-        </a:graphic>
-      </p:graphicFrame>
-    </p:spTree>
-    <p:extLst>
-      <p:ext uri="{BB962C8B-B14F-4D97-AF65-F5344CB8AC3E}">
-        <p14:creationId xmlns:p14="http://schemas.microsoft.com/office/powerpoint/2010/main" val="1152643731"/>
-      </p:ext>
-    </p:extLst>
-  </p:cSld>
-  <p:clrMapOvr>
-    <a:masterClrMapping/>
-  </p:clrMapOvr>
-  <mc:AlternateContent xmlns:mc="http://schemas.openxmlformats.org/markup-compatibility/2006">
-    <mc:Choice xmlns:p14="http://schemas.microsoft.com/office/powerpoint/2010/main" Requires="p14">
-      <p:transition spd="slow" p14:dur="1250">
-        <p14:reveal/>
-      </p:transition>
-    </mc:Choice>
-    <mc:Fallback>
-      <p:transition spd="slow">
-        <p:fade/>
-      </p:transition>
-    </mc:Fallback>
-  </mc:AlternateContent>
-  <p:timing>
-    <p:tnLst>
-      <p:par>
-        <p:cTn id="1" dur="indefinite" restart="never" nodeType="tmRoot">
-          <p:childTnLst>
-            <p:seq concurrent="1" nextAc="seek">
-              <p:cTn id="2" dur="indefinite" nodeType="mainSeq">
-                <p:childTnLst>
-                  <p:par>
-                    <p:cTn id="3" fill="hold">
-                      <p:stCondLst>
-                        <p:cond delay="indefinite"/>
-                      </p:stCondLst>
-                      <p:childTnLst>
-                        <p:par>
-                          <p:cTn id="4" fill="hold">
-                            <p:stCondLst>
-                              <p:cond delay="0"/>
-                            </p:stCondLst>
-                            <p:childTnLst>
-                              <p:par>
-                                <p:cTn id="5" presetID="22" presetClass="entr" presetSubtype="8" fill="hold" grpId="2" nodeType="clickEffect">
-                                  <p:stCondLst>
-                                    <p:cond delay="0"/>
-                                  </p:stCondLst>
-                                  <p:childTnLst>
-                                    <p:set>
-                                      <p:cBhvr>
-                                        <p:cTn id="6" dur="1" fill="hold">
-                                          <p:stCondLst>
-                                            <p:cond delay="0"/>
-                                          </p:stCondLst>
-                                        </p:cTn>
-                                        <p:tgtEl>
-                                          <p:spTgt spid="30">
-                                            <p:graphicEl>
-                                              <a:chart seriesIdx="0" categoryIdx="-4" bldStep="series"/>
-                                            </p:graphicEl>
-                                          </p:spTgt>
-                                        </p:tgtEl>
-                                        <p:attrNameLst>
-                                          <p:attrName>style.visibility</p:attrName>
-                                        </p:attrNameLst>
-                                      </p:cBhvr>
-                                      <p:to>
-                                        <p:strVal val="visible"/>
-                                      </p:to>
-                                    </p:set>
-                                    <p:animEffect transition="in" filter="wipe(left)">
-                                      <p:cBhvr>
-                                        <p:cTn id="7" dur="1000"/>
-                                        <p:tgtEl>
-                                          <p:spTgt spid="30">
-                                            <p:graphicEl>
-                                              <a:chart seriesIdx="0" categoryIdx="-4" bldStep="series"/>
-                                            </p:graphicEl>
-                                          </p:spTgt>
-                                        </p:tgtEl>
-                                      </p:cBhvr>
-                                    </p:animEffect>
-                                  </p:childTnLst>
-                                </p:cTn>
-                              </p:par>
-                            </p:childTnLst>
-                          </p:cTn>
-                        </p:par>
-                      </p:childTnLst>
-                    </p:cTn>
-                  </p:par>
-                  <p:par>
-                    <p:cTn id="8" fill="hold">
-                      <p:stCondLst>
-                        <p:cond delay="indefinite"/>
-                      </p:stCondLst>
-                      <p:childTnLst>
-                        <p:par>
-                          <p:cTn id="9" fill="hold">
-                            <p:stCondLst>
-                              <p:cond delay="0"/>
-                            </p:stCondLst>
-                            <p:childTnLst>
-                              <p:par>
-                                <p:cTn id="10" presetID="8" presetClass="emph" presetSubtype="0" accel="40000" decel="40000" fill="hold" grpId="0" nodeType="clickEffect">
-                                  <p:stCondLst>
-                                    <p:cond delay="0"/>
-                                  </p:stCondLst>
-                                  <p:childTnLst>
-                                    <p:animRot by="960000">
-                                      <p:cBhvr>
-                                        <p:cTn id="11" dur="2000" fill="hold"/>
-                                        <p:tgtEl>
-                                          <p:spTgt spid="30">
-                                            <p:graphicEl>
-                                              <a:chart seriesIdx="0" categoryIdx="-4" bldStep="series"/>
-                                            </p:graphicEl>
-                                          </p:spTgt>
-                                        </p:tgtEl>
-                                        <p:attrNameLst>
-                                          <p:attrName>r</p:attrName>
-                                        </p:attrNameLst>
-                                      </p:cBhvr>
-                                    </p:animRot>
-                                  </p:childTnLst>
-                                </p:cTn>
-                              </p:par>
-                              <p:par>
-                                <p:cTn id="12" presetID="6" presetClass="emph" presetSubtype="0" accel="40000" decel="40000" fill="hold" grpId="1" nodeType="withEffect">
-                                  <p:stCondLst>
-                                    <p:cond delay="0"/>
-                                  </p:stCondLst>
-                                  <p:childTnLst>
-                                    <p:animScale>
-                                      <p:cBhvr>
-                                        <p:cTn id="13" dur="2000" fill="hold"/>
-                                        <p:tgtEl>
-                                          <p:spTgt spid="30">
-                                            <p:graphicEl>
-                                              <a:chart seriesIdx="0" categoryIdx="-4" bldStep="series"/>
-                                            </p:graphicEl>
-                                          </p:spTgt>
-                                        </p:tgtEl>
-                                      </p:cBhvr>
-                                      <p:by x="95000" y="95000"/>
-                                    </p:animScale>
-                                  </p:childTnLst>
-                                </p:cTn>
-                              </p:par>
-                            </p:childTnLst>
-                          </p:cTn>
-                        </p:par>
-                      </p:childTnLst>
-                    </p:cTn>
-                  </p:par>
-                </p:childTnLst>
-              </p:cTn>
-              <p:prevCondLst>
-                <p:cond evt="onPrev" delay="0">
-                  <p:tgtEl>
-                    <p:sldTgt/>
-                  </p:tgtEl>
-                </p:cond>
-              </p:prevCondLst>
-              <p:nextCondLst>
-                <p:cond evt="onNext" delay="0">
-                  <p:tgtEl>
-                    <p:sldTgt/>
-                  </p:tgtEl>
-                </p:cond>
-              </p:nextCondLst>
-            </p:seq>
-          </p:childTnLst>
-        </p:cTn>
-      </p:par>
-    </p:tnLst>
     <p:bldLst>
-      <p:bldGraphic spid="30" grpId="0" uiExpand="1">
+      <p:bldGraphic spid="7" grpId="0" uiExpand="1">
         <p:bldSub>
           <a:bldChart bld="series"/>
         </p:bldSub>
       </p:bldGraphic>
-      <p:bldGraphic spid="30" grpId="1" uiExpand="1">
-        <p:bldSub>
-          <a:bldChart bld="series"/>
-        </p:bldSub>
-      </p:bldGraphic>
-      <p:bldGraphic spid="30" grpId="2" uiExpand="1">
+      <p:bldGraphic spid="7" grpId="1" uiExpand="1">
         <p:bldSub>
           <a:bldChart bld="series"/>
         </p:bldSub>
@@ -6152,7 +7412,7 @@
 </p:sld>
 </file>
 
-<file path=ppt/slides/slide5.xml><?xml version="1.0" encoding="utf-8"?>
+<file path=ppt/slides/slide4.xml><?xml version="1.0" encoding="utf-8"?>
 <p:sld xmlns:a="http://schemas.openxmlformats.org/drawingml/2006/main" xmlns:r="http://schemas.openxmlformats.org/officeDocument/2006/relationships" xmlns:p="http://schemas.openxmlformats.org/presentationml/2006/main">
   <p:cSld>
     <p:spTree>
@@ -6240,7 +7500,7 @@
           <a:graphicData uri="http://schemas.openxmlformats.org/presentationml/2006/ole">
             <mc:AlternateContent xmlns:mc="http://schemas.openxmlformats.org/markup-compatibility/2006">
               <mc:Choice xmlns:v="urn:schemas-microsoft-com:vml" Requires="v">
-                <p:oleObj spid="_x0000_s3112" name="Visio" r:id="rId4" imgW="12039600" imgH="10124985" progId="Visio.Drawing.15">
+                <p:oleObj spid="_x0000_s3153" name="Visio" r:id="rId4" imgW="12039600" imgH="10124985" progId="Visio.Drawing.15">
                   <p:embed/>
                 </p:oleObj>
               </mc:Choice>
@@ -6285,8 +7545,8 @@
           </a:graphicData>
         </a:graphic>
       </p:graphicFrame>
-      <mc:AlternateContent xmlns:mc="http://schemas.openxmlformats.org/markup-compatibility/2006">
-        <mc:Choice xmlns:a14="http://schemas.microsoft.com/office/drawing/2010/main" Requires="a14">
+      <mc:AlternateContent xmlns:mc="http://schemas.openxmlformats.org/markup-compatibility/2006" xmlns:a14="http://schemas.microsoft.com/office/drawing/2010/main">
+        <mc:Choice Requires="a14">
           <p:sp>
             <p:nvSpPr>
               <p:cNvPr id="29" name="TextBox 28"/>
@@ -6309,6 +7569,7 @@
               </a:bodyPr>
               <a:lstStyle/>
               <a:p>
+                <a:pPr/>
                 <a14:m>
                   <m:oMathPara xmlns:m="http://schemas.openxmlformats.org/officeDocument/2006/math">
                     <m:oMathParaPr>
@@ -6391,7 +7652,7 @@
             </p:txBody>
           </p:sp>
         </mc:Choice>
-        <mc:Fallback>
+        <mc:Fallback xmlns="">
           <p:sp>
             <p:nvSpPr>
               <p:cNvPr id="29" name="TextBox 28"/>
@@ -6459,8 +7720,8 @@
           </a:p>
         </p:txBody>
       </p:sp>
-      <mc:AlternateContent xmlns:mc="http://schemas.openxmlformats.org/markup-compatibility/2006">
-        <mc:Choice xmlns:a14="http://schemas.microsoft.com/office/drawing/2010/main" Requires="a14">
+      <mc:AlternateContent xmlns:mc="http://schemas.openxmlformats.org/markup-compatibility/2006" xmlns:a14="http://schemas.microsoft.com/office/drawing/2010/main">
+        <mc:Choice Requires="a14">
           <p:sp>
             <p:nvSpPr>
               <p:cNvPr id="31" name="TextBox 30"/>
@@ -6483,6 +7744,7 @@
               </a:bodyPr>
               <a:lstStyle/>
               <a:p>
+                <a:pPr/>
                 <a14:m>
                   <m:oMathPara xmlns:m="http://schemas.openxmlformats.org/officeDocument/2006/math">
                     <m:oMathParaPr>
@@ -6522,7 +7784,7 @@
             </p:txBody>
           </p:sp>
         </mc:Choice>
-        <mc:Fallback>
+        <mc:Fallback xmlns="">
           <p:sp>
             <p:nvSpPr>
               <p:cNvPr id="31" name="TextBox 30"/>
@@ -6672,14 +7934,14 @@
   <p:clrMapOvr>
     <a:masterClrMapping/>
   </p:clrMapOvr>
-  <mc:AlternateContent xmlns:mc="http://schemas.openxmlformats.org/markup-compatibility/2006">
-    <mc:Choice xmlns:p14="http://schemas.microsoft.com/office/powerpoint/2010/main" Requires="p14">
-      <p:transition spd="slow">
-        <p14:reveal/>
+  <mc:AlternateContent xmlns:mc="http://schemas.openxmlformats.org/markup-compatibility/2006" xmlns:p14="http://schemas.microsoft.com/office/powerpoint/2010/main">
+    <mc:Choice Requires="p14">
+      <p:transition spd="med" p14:dur="700">
+        <p:fade/>
       </p:transition>
     </mc:Choice>
-    <mc:Fallback>
-      <p:transition spd="slow">
+    <mc:Fallback xmlns="">
+      <p:transition spd="med">
         <p:fade/>
       </p:transition>
     </mc:Fallback>
@@ -6757,7 +8019,7 @@
 </p:sld>
 </file>
 
-<file path=ppt/slides/slide6.xml><?xml version="1.0" encoding="utf-8"?>
+<file path=ppt/slides/slide5.xml><?xml version="1.0" encoding="utf-8"?>
 <p:sld xmlns:a="http://schemas.openxmlformats.org/drawingml/2006/main" xmlns:r="http://schemas.openxmlformats.org/officeDocument/2006/relationships" xmlns:p="http://schemas.openxmlformats.org/presentationml/2006/main">
   <p:cSld>
     <p:spTree>
@@ -6840,7 +8102,7 @@
           <a:graphicData uri="http://schemas.openxmlformats.org/presentationml/2006/ole">
             <mc:AlternateContent xmlns:mc="http://schemas.openxmlformats.org/markup-compatibility/2006">
               <mc:Choice xmlns:v="urn:schemas-microsoft-com:vml" Requires="v">
-                <p:oleObj spid="_x0000_s4113" name="Visio" r:id="rId4" imgW="12039600" imgH="10124985" progId="Visio.Drawing.15">
+                <p:oleObj spid="_x0000_s4154" name="Visio" r:id="rId4" imgW="12039600" imgH="10124985" progId="Visio.Drawing.15">
                   <p:embed/>
                 </p:oleObj>
               </mc:Choice>
@@ -6895,13 +8157,300 @@
   <p:clrMapOvr>
     <a:masterClrMapping/>
   </p:clrMapOvr>
-  <mc:AlternateContent xmlns:mc="http://schemas.openxmlformats.org/markup-compatibility/2006">
-    <mc:Choice xmlns:p14="http://schemas.microsoft.com/office/powerpoint/2010/main" Requires="p14">
+  <mc:AlternateContent xmlns:mc="http://schemas.openxmlformats.org/markup-compatibility/2006" xmlns:p14="http://schemas.microsoft.com/office/powerpoint/2010/main">
+    <mc:Choice Requires="p14">
       <p:transition spd="med" p14:dur="700">
         <p:fade/>
       </p:transition>
     </mc:Choice>
-    <mc:Fallback>
+    <mc:Fallback xmlns="">
+      <p:transition spd="med">
+        <p:fade/>
+      </p:transition>
+    </mc:Fallback>
+  </mc:AlternateContent>
+  <p:timing>
+    <p:tnLst>
+      <p:par>
+        <p:cTn id="1" dur="indefinite" restart="never" nodeType="tmRoot">
+          <p:childTnLst>
+            <p:seq concurrent="1" nextAc="seek">
+              <p:cTn id="2" dur="indefinite" nodeType="mainSeq">
+                <p:childTnLst>
+                  <p:par>
+                    <p:cTn id="3" fill="hold">
+                      <p:stCondLst>
+                        <p:cond delay="indefinite"/>
+                        <p:cond evt="onBegin" delay="0">
+                          <p:tn val="2"/>
+                        </p:cond>
+                      </p:stCondLst>
+                      <p:childTnLst>
+                        <p:par>
+                          <p:cTn id="4" fill="hold">
+                            <p:stCondLst>
+                              <p:cond delay="0"/>
+                            </p:stCondLst>
+                            <p:childTnLst>
+                              <p:par>
+                                <p:cTn id="5" presetID="47" presetClass="entr" presetSubtype="0" fill="hold" grpId="0" nodeType="withEffect">
+                                  <p:stCondLst>
+                                    <p:cond delay="0"/>
+                                  </p:stCondLst>
+                                  <p:childTnLst>
+                                    <p:set>
+                                      <p:cBhvr>
+                                        <p:cTn id="6" dur="1" fill="hold">
+                                          <p:stCondLst>
+                                            <p:cond delay="0"/>
+                                          </p:stCondLst>
+                                        </p:cTn>
+                                        <p:tgtEl>
+                                          <p:spTgt spid="19"/>
+                                        </p:tgtEl>
+                                        <p:attrNameLst>
+                                          <p:attrName>style.visibility</p:attrName>
+                                        </p:attrNameLst>
+                                      </p:cBhvr>
+                                      <p:to>
+                                        <p:strVal val="visible"/>
+                                      </p:to>
+                                    </p:set>
+                                    <p:animEffect transition="in" filter="fade">
+                                      <p:cBhvr>
+                                        <p:cTn id="7" dur="1000"/>
+                                        <p:tgtEl>
+                                          <p:spTgt spid="19"/>
+                                        </p:tgtEl>
+                                      </p:cBhvr>
+                                    </p:animEffect>
+                                    <p:anim calcmode="lin" valueType="num">
+                                      <p:cBhvr>
+                                        <p:cTn id="8" dur="1000" fill="hold"/>
+                                        <p:tgtEl>
+                                          <p:spTgt spid="19"/>
+                                        </p:tgtEl>
+                                        <p:attrNameLst>
+                                          <p:attrName>ppt_x</p:attrName>
+                                        </p:attrNameLst>
+                                      </p:cBhvr>
+                                      <p:tavLst>
+                                        <p:tav tm="0">
+                                          <p:val>
+                                            <p:strVal val="#ppt_x"/>
+                                          </p:val>
+                                        </p:tav>
+                                        <p:tav tm="100000">
+                                          <p:val>
+                                            <p:strVal val="#ppt_x"/>
+                                          </p:val>
+                                        </p:tav>
+                                      </p:tavLst>
+                                    </p:anim>
+                                    <p:anim calcmode="lin" valueType="num">
+                                      <p:cBhvr>
+                                        <p:cTn id="9" dur="1000" fill="hold"/>
+                                        <p:tgtEl>
+                                          <p:spTgt spid="19"/>
+                                        </p:tgtEl>
+                                        <p:attrNameLst>
+                                          <p:attrName>ppt_y</p:attrName>
+                                        </p:attrNameLst>
+                                      </p:cBhvr>
+                                      <p:tavLst>
+                                        <p:tav tm="0">
+                                          <p:val>
+                                            <p:strVal val="#ppt_y-.1"/>
+                                          </p:val>
+                                        </p:tav>
+                                        <p:tav tm="100000">
+                                          <p:val>
+                                            <p:strVal val="#ppt_y"/>
+                                          </p:val>
+                                        </p:tav>
+                                      </p:tavLst>
+                                    </p:anim>
+                                  </p:childTnLst>
+                                </p:cTn>
+                              </p:par>
+                            </p:childTnLst>
+                          </p:cTn>
+                        </p:par>
+                      </p:childTnLst>
+                    </p:cTn>
+                  </p:par>
+                </p:childTnLst>
+              </p:cTn>
+              <p:prevCondLst>
+                <p:cond evt="onPrev" delay="0">
+                  <p:tgtEl>
+                    <p:sldTgt/>
+                  </p:tgtEl>
+                </p:cond>
+              </p:prevCondLst>
+              <p:nextCondLst>
+                <p:cond evt="onNext" delay="0">
+                  <p:tgtEl>
+                    <p:sldTgt/>
+                  </p:tgtEl>
+                </p:cond>
+              </p:nextCondLst>
+            </p:seq>
+          </p:childTnLst>
+        </p:cTn>
+      </p:par>
+    </p:tnLst>
+    <p:bldLst>
+      <p:bldP spid="19" grpId="0"/>
+    </p:bldLst>
+  </p:timing>
+</p:sld>
+</file>
+
+<file path=ppt/slides/slide6.xml><?xml version="1.0" encoding="utf-8"?>
+<p:sld xmlns:a="http://schemas.openxmlformats.org/drawingml/2006/main" xmlns:r="http://schemas.openxmlformats.org/officeDocument/2006/relationships" xmlns:p="http://schemas.openxmlformats.org/presentationml/2006/main">
+  <p:cSld>
+    <p:spTree>
+      <p:nvGrpSpPr>
+        <p:cNvPr id="1" name=""/>
+        <p:cNvGrpSpPr/>
+        <p:nvPr/>
+      </p:nvGrpSpPr>
+      <p:grpSpPr>
+        <a:xfrm>
+          <a:off x="0" y="0"/>
+          <a:ext cx="0" cy="0"/>
+          <a:chOff x="0" y="0"/>
+          <a:chExt cx="0" cy="0"/>
+        </a:xfrm>
+      </p:grpSpPr>
+      <p:sp>
+        <p:nvSpPr>
+          <p:cNvPr id="19" name="Title 12"/>
+          <p:cNvSpPr txBox="1">
+            <a:spLocks/>
+          </p:cNvSpPr>
+          <p:nvPr/>
+        </p:nvSpPr>
+        <p:spPr>
+          <a:xfrm>
+            <a:off x="838202" y="0"/>
+            <a:ext cx="10515600" cy="1005711"/>
+          </a:xfrm>
+          <a:prstGeom prst="rect">
+            <a:avLst/>
+          </a:prstGeom>
+        </p:spPr>
+        <p:txBody>
+          <a:bodyPr vert="horz" lIns="91440" tIns="45720" rIns="91440" bIns="45720" rtlCol="0" anchor="ctr">
+            <a:normAutofit/>
+          </a:bodyPr>
+          <a:lstStyle>
+            <a:lvl1pPr algn="l" defTabSz="914400" rtl="0" eaLnBrk="1" latinLnBrk="0" hangingPunct="1">
+              <a:lnSpc>
+                <a:spcPct val="90000"/>
+              </a:lnSpc>
+              <a:spcBef>
+                <a:spcPct val="0"/>
+              </a:spcBef>
+              <a:buNone/>
+              <a:defRPr sz="4400" kern="1200">
+                <a:solidFill>
+                  <a:schemeClr val="tx1"/>
+                </a:solidFill>
+                <a:latin typeface="+mj-lt"/>
+                <a:ea typeface="+mj-ea"/>
+                <a:cs typeface="+mj-cs"/>
+              </a:defRPr>
+            </a:lvl1pPr>
+          </a:lstStyle>
+          <a:p>
+            <a:pPr algn="ctr"/>
+            <a:r>
+              <a:rPr lang="uk-UA" dirty="0"/>
+              <a:t>Медіана</a:t>
+            </a:r>
+          </a:p>
+        </p:txBody>
+      </p:sp>
+      <p:graphicFrame>
+        <p:nvGraphicFramePr>
+          <p:cNvPr id="24" name="Object 23"/>
+          <p:cNvGraphicFramePr>
+            <a:graphicFrameLocks noChangeAspect="1"/>
+          </p:cNvGraphicFramePr>
+          <p:nvPr/>
+        </p:nvGraphicFramePr>
+        <p:xfrm>
+          <a:off x="2055845" y="1370837"/>
+          <a:ext cx="8080315" cy="5353523"/>
+        </p:xfrm>
+        <a:graphic>
+          <a:graphicData uri="http://schemas.openxmlformats.org/presentationml/2006/ole">
+            <mc:AlternateContent xmlns:mc="http://schemas.openxmlformats.org/markup-compatibility/2006">
+              <mc:Choice xmlns:v="urn:schemas-microsoft-com:vml" Requires="v">
+                <p:oleObj spid="_x0000_s5178" name="Visio" r:id="rId4" imgW="12039600" imgH="10124985" progId="Visio.Drawing.15">
+                  <p:embed/>
+                </p:oleObj>
+              </mc:Choice>
+              <mc:Fallback>
+                <p:oleObj name="Visio" r:id="rId4" imgW="12039600" imgH="10124985" progId="Visio.Drawing.15">
+                  <p:embed/>
+                  <p:pic>
+                    <p:nvPicPr>
+                      <p:cNvPr id="0" name=""/>
+                      <p:cNvPicPr>
+                        <a:picLocks noChangeAspect="1" noChangeArrowheads="1"/>
+                      </p:cNvPicPr>
+                      <p:nvPr/>
+                    </p:nvPicPr>
+                    <p:blipFill>
+                      <a:blip r:embed="rId5">
+                        <a:extLst>
+                          <a:ext uri="{28A0092B-C50C-407E-A947-70E740481C1C}">
+                            <a14:useLocalDpi xmlns:a14="http://schemas.microsoft.com/office/drawing/2010/main" val="0"/>
+                          </a:ext>
+                        </a:extLst>
+                      </a:blip>
+                      <a:srcRect t="21144"/>
+                      <a:stretch>
+                        <a:fillRect/>
+                      </a:stretch>
+                    </p:blipFill>
+                    <p:spPr bwMode="auto">
+                      <a:xfrm>
+                        <a:off x="2055845" y="1370837"/>
+                        <a:ext cx="8080315" cy="5353523"/>
+                      </a:xfrm>
+                      <a:prstGeom prst="rect">
+                        <a:avLst/>
+                      </a:prstGeom>
+                      <a:noFill/>
+                    </p:spPr>
+                  </p:pic>
+                </p:oleObj>
+              </mc:Fallback>
+            </mc:AlternateContent>
+          </a:graphicData>
+        </a:graphic>
+      </p:graphicFrame>
+    </p:spTree>
+    <p:extLst>
+      <p:ext uri="{BB962C8B-B14F-4D97-AF65-F5344CB8AC3E}">
+        <p14:creationId xmlns:p14="http://schemas.microsoft.com/office/powerpoint/2010/main" val="2646627634"/>
+      </p:ext>
+    </p:extLst>
+  </p:cSld>
+  <p:clrMapOvr>
+    <a:masterClrMapping/>
+  </p:clrMapOvr>
+  <mc:AlternateContent xmlns:mc="http://schemas.openxmlformats.org/markup-compatibility/2006" xmlns:p14="http://schemas.microsoft.com/office/powerpoint/2010/main">
+    <mc:Choice Requires="p14">
+      <p:transition spd="med" p14:dur="700">
+        <p:fade/>
+      </p:transition>
+    </mc:Choice>
+    <mc:Fallback xmlns="">
       <p:transition spd="med">
         <p:fade/>
       </p:transition>
@@ -7062,108 +8611,51 @@
           <a:chExt cx="0" cy="0"/>
         </a:xfrm>
       </p:grpSpPr>
-      <p:sp>
-        <p:nvSpPr>
-          <p:cNvPr id="19" name="Title 12"/>
-          <p:cNvSpPr txBox="1">
-            <a:spLocks/>
-          </p:cNvSpPr>
-          <p:nvPr/>
-        </p:nvSpPr>
-        <p:spPr>
-          <a:xfrm>
-            <a:off x="838202" y="0"/>
-            <a:ext cx="10515600" cy="1005711"/>
-          </a:xfrm>
-          <a:prstGeom prst="rect">
-            <a:avLst/>
-          </a:prstGeom>
-        </p:spPr>
-        <p:txBody>
-          <a:bodyPr vert="horz" lIns="91440" tIns="45720" rIns="91440" bIns="45720" rtlCol="0" anchor="ctr">
-            <a:normAutofit/>
-          </a:bodyPr>
-          <a:lstStyle>
-            <a:lvl1pPr algn="l" defTabSz="914400" rtl="0" eaLnBrk="1" latinLnBrk="0" hangingPunct="1">
-              <a:lnSpc>
-                <a:spcPct val="90000"/>
-              </a:lnSpc>
-              <a:spcBef>
-                <a:spcPct val="0"/>
-              </a:spcBef>
-              <a:buNone/>
-              <a:defRPr sz="4400" kern="1200">
-                <a:solidFill>
-                  <a:schemeClr val="tx1"/>
-                </a:solidFill>
-                <a:latin typeface="+mj-lt"/>
-                <a:ea typeface="+mj-ea"/>
-                <a:cs typeface="+mj-cs"/>
-              </a:defRPr>
-            </a:lvl1pPr>
-          </a:lstStyle>
-          <a:p>
-            <a:pPr algn="ctr"/>
-            <a:r>
-              <a:rPr lang="uk-UA" dirty="0"/>
-              <a:t>Медіана</a:t>
-            </a:r>
-          </a:p>
-        </p:txBody>
-      </p:sp>
       <p:graphicFrame>
         <p:nvGraphicFramePr>
-          <p:cNvPr id="24" name="Object 23"/>
+          <p:cNvPr id="3" name="Object 2"/>
           <p:cNvGraphicFramePr>
             <a:graphicFrameLocks noChangeAspect="1"/>
           </p:cNvGraphicFramePr>
-          <p:nvPr/>
+          <p:nvPr>
+            <p:extLst/>
+          </p:nvPr>
         </p:nvGraphicFramePr>
         <p:xfrm>
-          <a:off x="2055845" y="1370837"/>
-          <a:ext cx="8080315" cy="5353523"/>
+          <a:off x="159657" y="1922920"/>
+          <a:ext cx="11872686" cy="4633132"/>
         </p:xfrm>
         <a:graphic>
           <a:graphicData uri="http://schemas.openxmlformats.org/presentationml/2006/ole">
             <mc:AlternateContent xmlns:mc="http://schemas.openxmlformats.org/markup-compatibility/2006">
               <mc:Choice xmlns:v="urn:schemas-microsoft-com:vml" Requires="v">
-                <p:oleObj spid="_x0000_s5137" name="Visio" r:id="rId4" imgW="12039600" imgH="10124985" progId="Visio.Drawing.15">
+                <p:oleObj spid="_x0000_s7184" name="Visio" r:id="rId4" imgW="13496857" imgH="5267235" progId="Visio.Drawing.15">
                   <p:embed/>
                 </p:oleObj>
               </mc:Choice>
               <mc:Fallback>
-                <p:oleObj name="Visio" r:id="rId4" imgW="12039600" imgH="10124985" progId="Visio.Drawing.15">
+                <p:oleObj name="Visio" r:id="rId4" imgW="13496857" imgH="5267235" progId="Visio.Drawing.15">
                   <p:embed/>
                   <p:pic>
                     <p:nvPicPr>
                       <p:cNvPr id="0" name=""/>
-                      <p:cNvPicPr>
-                        <a:picLocks noChangeAspect="1" noChangeArrowheads="1"/>
-                      </p:cNvPicPr>
+                      <p:cNvPicPr/>
                       <p:nvPr/>
                     </p:nvPicPr>
                     <p:blipFill>
-                      <a:blip r:embed="rId5">
-                        <a:extLst>
-                          <a:ext uri="{28A0092B-C50C-407E-A947-70E740481C1C}">
-                            <a14:useLocalDpi xmlns:a14="http://schemas.microsoft.com/office/drawing/2010/main" val="0"/>
-                          </a:ext>
-                        </a:extLst>
-                      </a:blip>
-                      <a:srcRect t="21144"/>
+                      <a:blip r:embed="rId5"/>
                       <a:stretch>
                         <a:fillRect/>
                       </a:stretch>
                     </p:blipFill>
-                    <p:spPr bwMode="auto">
+                    <p:spPr>
                       <a:xfrm>
-                        <a:off x="2055845" y="1370837"/>
-                        <a:ext cx="8080315" cy="5353523"/>
+                        <a:off x="159657" y="1922920"/>
+                        <a:ext cx="11872686" cy="4633132"/>
                       </a:xfrm>
                       <a:prstGeom prst="rect">
                         <a:avLst/>
                       </a:prstGeom>
-                      <a:noFill/>
                     </p:spPr>
                   </p:pic>
                 </p:oleObj>
@@ -7172,23 +8664,81 @@
           </a:graphicData>
         </a:graphic>
       </p:graphicFrame>
+      <p:sp>
+        <p:nvSpPr>
+          <p:cNvPr id="4" name="Title 3"/>
+          <p:cNvSpPr>
+            <a:spLocks noGrp="1"/>
+          </p:cNvSpPr>
+          <p:nvPr>
+            <p:ph type="title"/>
+          </p:nvPr>
+        </p:nvSpPr>
+        <p:spPr/>
+        <p:txBody>
+          <a:bodyPr/>
+          <a:lstStyle/>
+          <a:p>
+            <a:pPr algn="ctr"/>
+            <a:r>
+              <a:rPr lang="uk-UA" dirty="0" smtClean="0"/>
+              <a:t>Схема роботи програми</a:t>
+            </a:r>
+            <a:endParaRPr lang="uk-UA" dirty="0"/>
+          </a:p>
+        </p:txBody>
+      </p:sp>
+      <p:pic>
+        <p:nvPicPr>
+          <p:cNvPr id="6" name="Picture 5"/>
+          <p:cNvPicPr>
+            <a:picLocks noChangeAspect="1"/>
+          </p:cNvPicPr>
+          <p:nvPr/>
+        </p:nvPicPr>
+        <p:blipFill>
+          <a:blip r:embed="rId6">
+            <a:extLst>
+              <a:ext uri="{28A0092B-C50C-407E-A947-70E740481C1C}">
+                <a14:useLocalDpi xmlns:a14="http://schemas.microsoft.com/office/drawing/2010/main" val="0"/>
+              </a:ext>
+            </a:extLst>
+          </a:blip>
+          <a:stretch>
+            <a:fillRect/>
+          </a:stretch>
+        </p:blipFill>
+        <p:spPr>
+          <a:xfrm>
+            <a:off x="-5781752" y="-168103"/>
+            <a:ext cx="23622154" cy="8512638"/>
+          </a:xfrm>
+          <a:prstGeom prst="rect">
+            <a:avLst/>
+          </a:prstGeom>
+          <a:noFill/>
+          <a:ln>
+            <a:noFill/>
+          </a:ln>
+        </p:spPr>
+      </p:pic>
     </p:spTree>
     <p:extLst>
       <p:ext uri="{BB962C8B-B14F-4D97-AF65-F5344CB8AC3E}">
-        <p14:creationId xmlns:p14="http://schemas.microsoft.com/office/powerpoint/2010/main" val="2646627634"/>
+        <p14:creationId xmlns:p14="http://schemas.microsoft.com/office/powerpoint/2010/main" val="2357001992"/>
       </p:ext>
     </p:extLst>
   </p:cSld>
   <p:clrMapOvr>
     <a:masterClrMapping/>
   </p:clrMapOvr>
-  <mc:AlternateContent xmlns:mc="http://schemas.openxmlformats.org/markup-compatibility/2006">
-    <mc:Choice xmlns:p14="http://schemas.microsoft.com/office/powerpoint/2010/main" Requires="p14">
+  <mc:AlternateContent xmlns:mc="http://schemas.openxmlformats.org/markup-compatibility/2006" xmlns:p14="http://schemas.microsoft.com/office/powerpoint/2010/main">
+    <mc:Choice Requires="p14">
       <p:transition spd="med" p14:dur="700">
         <p:fade/>
       </p:transition>
     </mc:Choice>
-    <mc:Fallback>
+    <mc:Fallback xmlns="">
       <p:transition spd="med">
         <p:fade/>
       </p:transition>
@@ -7206,9 +8756,6 @@
                     <p:cTn id="3" fill="hold">
                       <p:stCondLst>
                         <p:cond delay="indefinite"/>
-                        <p:cond evt="onBegin" delay="0">
-                          <p:tn val="2"/>
-                        </p:cond>
                       </p:stCondLst>
                       <p:childTnLst>
                         <p:par>
@@ -7218,7 +8765,7 @@
                             </p:stCondLst>
                             <p:childTnLst>
                               <p:par>
-                                <p:cTn id="5" presetID="47" presetClass="entr" presetSubtype="0" fill="hold" grpId="0" nodeType="withEffect">
+                                <p:cTn id="5" presetID="10" presetClass="entr" presetSubtype="0" fill="hold" nodeType="clickEffect">
                                   <p:stCondLst>
                                     <p:cond delay="0"/>
                                   </p:stCondLst>
@@ -7231,7 +8778,7 @@
                                           </p:stCondLst>
                                         </p:cTn>
                                         <p:tgtEl>
-                                          <p:spTgt spid="19"/>
+                                          <p:spTgt spid="6"/>
                                         </p:tgtEl>
                                         <p:attrNameLst>
                                           <p:attrName>style.visibility</p:attrName>
@@ -7243,58 +8790,12 @@
                                     </p:set>
                                     <p:animEffect transition="in" filter="fade">
                                       <p:cBhvr>
-                                        <p:cTn id="7" dur="1000"/>
+                                        <p:cTn id="7" dur="750"/>
                                         <p:tgtEl>
-                                          <p:spTgt spid="19"/>
+                                          <p:spTgt spid="6"/>
                                         </p:tgtEl>
                                       </p:cBhvr>
                                     </p:animEffect>
-                                    <p:anim calcmode="lin" valueType="num">
-                                      <p:cBhvr>
-                                        <p:cTn id="8" dur="1000" fill="hold"/>
-                                        <p:tgtEl>
-                                          <p:spTgt spid="19"/>
-                                        </p:tgtEl>
-                                        <p:attrNameLst>
-                                          <p:attrName>ppt_x</p:attrName>
-                                        </p:attrNameLst>
-                                      </p:cBhvr>
-                                      <p:tavLst>
-                                        <p:tav tm="0">
-                                          <p:val>
-                                            <p:strVal val="#ppt_x"/>
-                                          </p:val>
-                                        </p:tav>
-                                        <p:tav tm="100000">
-                                          <p:val>
-                                            <p:strVal val="#ppt_x"/>
-                                          </p:val>
-                                        </p:tav>
-                                      </p:tavLst>
-                                    </p:anim>
-                                    <p:anim calcmode="lin" valueType="num">
-                                      <p:cBhvr>
-                                        <p:cTn id="9" dur="1000" fill="hold"/>
-                                        <p:tgtEl>
-                                          <p:spTgt spid="19"/>
-                                        </p:tgtEl>
-                                        <p:attrNameLst>
-                                          <p:attrName>ppt_y</p:attrName>
-                                        </p:attrNameLst>
-                                      </p:cBhvr>
-                                      <p:tavLst>
-                                        <p:tav tm="0">
-                                          <p:val>
-                                            <p:strVal val="#ppt_y-.1"/>
-                                          </p:val>
-                                        </p:tav>
-                                        <p:tav tm="100000">
-                                          <p:val>
-                                            <p:strVal val="#ppt_y"/>
-                                          </p:val>
-                                        </p:tav>
-                                      </p:tavLst>
-                                    </p:anim>
                                   </p:childTnLst>
                                 </p:cTn>
                               </p:par>
@@ -7325,9 +8826,308 @@
         </p:cTn>
       </p:par>
     </p:tnLst>
-    <p:bldLst>
-      <p:bldP spid="19" grpId="0"/>
-    </p:bldLst>
+  </p:timing>
+</p:sld>
+</file>
+
+<file path=ppt/slides/slide8.xml><?xml version="1.0" encoding="utf-8"?>
+<p:sld xmlns:a="http://schemas.openxmlformats.org/drawingml/2006/main" xmlns:r="http://schemas.openxmlformats.org/officeDocument/2006/relationships" xmlns:p="http://schemas.openxmlformats.org/presentationml/2006/main">
+  <p:cSld>
+    <p:spTree>
+      <p:nvGrpSpPr>
+        <p:cNvPr id="1" name=""/>
+        <p:cNvGrpSpPr/>
+        <p:nvPr/>
+      </p:nvGrpSpPr>
+      <p:grpSpPr>
+        <a:xfrm>
+          <a:off x="0" y="0"/>
+          <a:ext cx="0" cy="0"/>
+          <a:chOff x="0" y="0"/>
+          <a:chExt cx="0" cy="0"/>
+        </a:xfrm>
+      </p:grpSpPr>
+      <p:graphicFrame>
+        <p:nvGraphicFramePr>
+          <p:cNvPr id="3" name="Object 2"/>
+          <p:cNvGraphicFramePr>
+            <a:graphicFrameLocks noChangeAspect="1"/>
+          </p:cNvGraphicFramePr>
+          <p:nvPr>
+            <p:extLst/>
+          </p:nvPr>
+        </p:nvGraphicFramePr>
+        <p:xfrm>
+          <a:off x="159657" y="1922920"/>
+          <a:ext cx="11872686" cy="4633132"/>
+        </p:xfrm>
+        <a:graphic>
+          <a:graphicData uri="http://schemas.openxmlformats.org/presentationml/2006/ole">
+            <mc:AlternateContent xmlns:mc="http://schemas.openxmlformats.org/markup-compatibility/2006">
+              <mc:Choice xmlns:v="urn:schemas-microsoft-com:vml" Requires="v">
+                <p:oleObj spid="_x0000_s8206" name="Visio" r:id="rId4" imgW="13496857" imgH="5267235" progId="Visio.Drawing.15">
+                  <p:embed/>
+                </p:oleObj>
+              </mc:Choice>
+              <mc:Fallback>
+                <p:oleObj name="Visio" r:id="rId4" imgW="13496857" imgH="5267235" progId="Visio.Drawing.15">
+                  <p:embed/>
+                  <p:pic>
+                    <p:nvPicPr>
+                      <p:cNvPr id="0" name=""/>
+                      <p:cNvPicPr/>
+                      <p:nvPr/>
+                    </p:nvPicPr>
+                    <p:blipFill>
+                      <a:blip r:embed="rId5"/>
+                      <a:stretch>
+                        <a:fillRect/>
+                      </a:stretch>
+                    </p:blipFill>
+                    <p:spPr>
+                      <a:xfrm>
+                        <a:off x="159657" y="1922920"/>
+                        <a:ext cx="11872686" cy="4633132"/>
+                      </a:xfrm>
+                      <a:prstGeom prst="rect">
+                        <a:avLst/>
+                      </a:prstGeom>
+                    </p:spPr>
+                  </p:pic>
+                </p:oleObj>
+              </mc:Fallback>
+            </mc:AlternateContent>
+          </a:graphicData>
+        </a:graphic>
+      </p:graphicFrame>
+      <p:sp>
+        <p:nvSpPr>
+          <p:cNvPr id="4" name="Title 3"/>
+          <p:cNvSpPr>
+            <a:spLocks noGrp="1"/>
+          </p:cNvSpPr>
+          <p:nvPr>
+            <p:ph type="title"/>
+          </p:nvPr>
+        </p:nvSpPr>
+        <p:spPr/>
+        <p:txBody>
+          <a:bodyPr/>
+          <a:lstStyle/>
+          <a:p>
+            <a:pPr algn="ctr"/>
+            <a:r>
+              <a:rPr lang="uk-UA" dirty="0" smtClean="0"/>
+              <a:t>Схема роботи програми</a:t>
+            </a:r>
+            <a:endParaRPr lang="uk-UA" dirty="0"/>
+          </a:p>
+        </p:txBody>
+      </p:sp>
+      <p:pic>
+        <p:nvPicPr>
+          <p:cNvPr id="6" name="Picture 5"/>
+          <p:cNvPicPr>
+            <a:picLocks noChangeAspect="1"/>
+          </p:cNvPicPr>
+          <p:nvPr/>
+        </p:nvPicPr>
+        <p:blipFill>
+          <a:blip r:embed="rId6">
+            <a:extLst>
+              <a:ext uri="{28A0092B-C50C-407E-A947-70E740481C1C}">
+                <a14:useLocalDpi xmlns:a14="http://schemas.microsoft.com/office/drawing/2010/main" val="0"/>
+              </a:ext>
+            </a:extLst>
+          </a:blip>
+          <a:stretch>
+            <a:fillRect/>
+          </a:stretch>
+        </p:blipFill>
+        <p:spPr>
+          <a:xfrm>
+            <a:off x="-5781751" y="-168103"/>
+            <a:ext cx="23622152" cy="8512638"/>
+          </a:xfrm>
+          <a:prstGeom prst="rect">
+            <a:avLst/>
+          </a:prstGeom>
+          <a:noFill/>
+          <a:ln>
+            <a:noFill/>
+          </a:ln>
+        </p:spPr>
+      </p:pic>
+    </p:spTree>
+    <p:extLst>
+      <p:ext uri="{BB962C8B-B14F-4D97-AF65-F5344CB8AC3E}">
+        <p14:creationId xmlns:p14="http://schemas.microsoft.com/office/powerpoint/2010/main" val="3214066695"/>
+      </p:ext>
+    </p:extLst>
+  </p:cSld>
+  <p:clrMapOvr>
+    <a:masterClrMapping/>
+  </p:clrMapOvr>
+  <p:transition spd="med">
+    <p:fade/>
+  </p:transition>
+  <p:timing>
+    <p:tnLst>
+      <p:par>
+        <p:cTn id="1" dur="indefinite" restart="never" nodeType="tmRoot"/>
+      </p:par>
+    </p:tnLst>
+  </p:timing>
+</p:sld>
+</file>
+
+<file path=ppt/slides/slide9.xml><?xml version="1.0" encoding="utf-8"?>
+<p:sld xmlns:a="http://schemas.openxmlformats.org/drawingml/2006/main" xmlns:r="http://schemas.openxmlformats.org/officeDocument/2006/relationships" xmlns:p="http://schemas.openxmlformats.org/presentationml/2006/main">
+  <p:cSld>
+    <p:spTree>
+      <p:nvGrpSpPr>
+        <p:cNvPr id="1" name=""/>
+        <p:cNvGrpSpPr/>
+        <p:nvPr/>
+      </p:nvGrpSpPr>
+      <p:grpSpPr>
+        <a:xfrm>
+          <a:off x="0" y="0"/>
+          <a:ext cx="0" cy="0"/>
+          <a:chOff x="0" y="0"/>
+          <a:chExt cx="0" cy="0"/>
+        </a:xfrm>
+      </p:grpSpPr>
+      <p:graphicFrame>
+        <p:nvGraphicFramePr>
+          <p:cNvPr id="3" name="Object 2"/>
+          <p:cNvGraphicFramePr>
+            <a:graphicFrameLocks noChangeAspect="1"/>
+          </p:cNvGraphicFramePr>
+          <p:nvPr>
+            <p:extLst/>
+          </p:nvPr>
+        </p:nvGraphicFramePr>
+        <p:xfrm>
+          <a:off x="159657" y="1922920"/>
+          <a:ext cx="11872686" cy="4633132"/>
+        </p:xfrm>
+        <a:graphic>
+          <a:graphicData uri="http://schemas.openxmlformats.org/presentationml/2006/ole">
+            <mc:AlternateContent xmlns:mc="http://schemas.openxmlformats.org/markup-compatibility/2006">
+              <mc:Choice xmlns:v="urn:schemas-microsoft-com:vml" Requires="v">
+                <p:oleObj spid="_x0000_s9225" name="Visio" r:id="rId4" imgW="13496857" imgH="5267235" progId="Visio.Drawing.15">
+                  <p:embed/>
+                </p:oleObj>
+              </mc:Choice>
+              <mc:Fallback>
+                <p:oleObj name="Visio" r:id="rId4" imgW="13496857" imgH="5267235" progId="Visio.Drawing.15">
+                  <p:embed/>
+                  <p:pic>
+                    <p:nvPicPr>
+                      <p:cNvPr id="0" name=""/>
+                      <p:cNvPicPr/>
+                      <p:nvPr/>
+                    </p:nvPicPr>
+                    <p:blipFill>
+                      <a:blip r:embed="rId5"/>
+                      <a:stretch>
+                        <a:fillRect/>
+                      </a:stretch>
+                    </p:blipFill>
+                    <p:spPr>
+                      <a:xfrm>
+                        <a:off x="159657" y="1922920"/>
+                        <a:ext cx="11872686" cy="4633132"/>
+                      </a:xfrm>
+                      <a:prstGeom prst="rect">
+                        <a:avLst/>
+                      </a:prstGeom>
+                    </p:spPr>
+                  </p:pic>
+                </p:oleObj>
+              </mc:Fallback>
+            </mc:AlternateContent>
+          </a:graphicData>
+        </a:graphic>
+      </p:graphicFrame>
+      <p:sp>
+        <p:nvSpPr>
+          <p:cNvPr id="4" name="Title 3"/>
+          <p:cNvSpPr>
+            <a:spLocks noGrp="1"/>
+          </p:cNvSpPr>
+          <p:nvPr>
+            <p:ph type="title"/>
+          </p:nvPr>
+        </p:nvSpPr>
+        <p:spPr/>
+        <p:txBody>
+          <a:bodyPr/>
+          <a:lstStyle/>
+          <a:p>
+            <a:pPr algn="ctr"/>
+            <a:r>
+              <a:rPr lang="uk-UA" dirty="0" smtClean="0"/>
+              <a:t>Схема роботи програми</a:t>
+            </a:r>
+            <a:endParaRPr lang="uk-UA" dirty="0"/>
+          </a:p>
+        </p:txBody>
+      </p:sp>
+      <p:pic>
+        <p:nvPicPr>
+          <p:cNvPr id="6" name="Picture 5"/>
+          <p:cNvPicPr>
+            <a:picLocks noChangeAspect="1"/>
+          </p:cNvPicPr>
+          <p:nvPr/>
+        </p:nvPicPr>
+        <p:blipFill>
+          <a:blip r:embed="rId6">
+            <a:extLst>
+              <a:ext uri="{28A0092B-C50C-407E-A947-70E740481C1C}">
+                <a14:useLocalDpi xmlns:a14="http://schemas.microsoft.com/office/drawing/2010/main" val="0"/>
+              </a:ext>
+            </a:extLst>
+          </a:blip>
+          <a:stretch>
+            <a:fillRect/>
+          </a:stretch>
+        </p:blipFill>
+        <p:spPr>
+          <a:xfrm>
+            <a:off x="-5781751" y="-168103"/>
+            <a:ext cx="23622152" cy="8512637"/>
+          </a:xfrm>
+          <a:prstGeom prst="rect">
+            <a:avLst/>
+          </a:prstGeom>
+          <a:noFill/>
+          <a:ln>
+            <a:noFill/>
+          </a:ln>
+        </p:spPr>
+      </p:pic>
+    </p:spTree>
+    <p:extLst>
+      <p:ext uri="{BB962C8B-B14F-4D97-AF65-F5344CB8AC3E}">
+        <p14:creationId xmlns:p14="http://schemas.microsoft.com/office/powerpoint/2010/main" val="692297819"/>
+      </p:ext>
+    </p:extLst>
+  </p:cSld>
+  <p:clrMapOvr>
+    <a:masterClrMapping/>
+  </p:clrMapOvr>
+  <p:transition spd="med">
+    <p:fade/>
+  </p:transition>
+  <p:timing>
+    <p:tnLst>
+      <p:par>
+        <p:cTn id="1" dur="indefinite" restart="never" nodeType="tmRoot"/>
+      </p:par>
+    </p:tnLst>
   </p:timing>
 </p:sld>
 </file>

--- a/Presentation.pptx
+++ b/Presentation.pptx
@@ -5,25 +5,26 @@
     <p:sldMasterId id="2147483648" r:id="rId1"/>
   </p:sldMasterIdLst>
   <p:notesMasterIdLst>
-    <p:notesMasterId r:id="rId15"/>
+    <p:notesMasterId r:id="rId16"/>
   </p:notesMasterIdLst>
   <p:handoutMasterIdLst>
-    <p:handoutMasterId r:id="rId16"/>
+    <p:handoutMasterId r:id="rId17"/>
   </p:handoutMasterIdLst>
   <p:sldIdLst>
     <p:sldId id="256" r:id="rId2"/>
     <p:sldId id="263" r:id="rId3"/>
     <p:sldId id="264" r:id="rId4"/>
-    <p:sldId id="260" r:id="rId5"/>
-    <p:sldId id="261" r:id="rId6"/>
-    <p:sldId id="262" r:id="rId7"/>
-    <p:sldId id="265" r:id="rId8"/>
-    <p:sldId id="266" r:id="rId9"/>
-    <p:sldId id="267" r:id="rId10"/>
-    <p:sldId id="268" r:id="rId11"/>
-    <p:sldId id="269" r:id="rId12"/>
-    <p:sldId id="271" r:id="rId13"/>
-    <p:sldId id="270" r:id="rId14"/>
+    <p:sldId id="272" r:id="rId5"/>
+    <p:sldId id="260" r:id="rId6"/>
+    <p:sldId id="261" r:id="rId7"/>
+    <p:sldId id="262" r:id="rId8"/>
+    <p:sldId id="265" r:id="rId9"/>
+    <p:sldId id="266" r:id="rId10"/>
+    <p:sldId id="267" r:id="rId11"/>
+    <p:sldId id="268" r:id="rId12"/>
+    <p:sldId id="269" r:id="rId13"/>
+    <p:sldId id="271" r:id="rId14"/>
+    <p:sldId id="270" r:id="rId15"/>
   </p:sldIdLst>
   <p:sldSz cx="12192000" cy="6858000"/>
   <p:notesSz cx="6858000" cy="9144000"/>
@@ -134,6 +135,7 @@
           <p14:sldIdLst>
             <p14:sldId id="263"/>
             <p14:sldId id="264"/>
+            <p14:sldId id="272"/>
             <p14:sldId id="260"/>
             <p14:sldId id="261"/>
             <p14:sldId id="262"/>
@@ -664,6 +666,470 @@
 </c:chartSpace>
 </file>
 
+<file path=ppt/charts/chart2.xml><?xml version="1.0" encoding="utf-8"?>
+<c:chartSpace xmlns:c="http://schemas.openxmlformats.org/drawingml/2006/chart" xmlns:a="http://schemas.openxmlformats.org/drawingml/2006/main" xmlns:r="http://schemas.openxmlformats.org/officeDocument/2006/relationships">
+  <c:date1904 val="0"/>
+  <c:lang val="en-US"/>
+  <c:roundedCorners val="0"/>
+  <mc:AlternateContent xmlns:mc="http://schemas.openxmlformats.org/markup-compatibility/2006">
+    <mc:Choice xmlns:c14="http://schemas.microsoft.com/office/drawing/2007/8/2/chart" Requires="c14">
+      <c14:style val="102"/>
+    </mc:Choice>
+    <mc:Fallback>
+      <c:style val="2"/>
+    </mc:Fallback>
+  </mc:AlternateContent>
+  <c:chart>
+    <c:autoTitleDeleted val="1"/>
+    <c:plotArea>
+      <c:layout/>
+      <c:scatterChart>
+        <c:scatterStyle val="smoothMarker"/>
+        <c:varyColors val="0"/>
+        <c:ser>
+          <c:idx val="0"/>
+          <c:order val="0"/>
+          <c:tx>
+            <c:strRef>
+              <c:f>Sheet1!$B$1</c:f>
+              <c:strCache>
+                <c:ptCount val="1"/>
+                <c:pt idx="0">
+                  <c:v>Y-Values</c:v>
+                </c:pt>
+              </c:strCache>
+            </c:strRef>
+          </c:tx>
+          <c:spPr>
+            <a:ln w="22225" cap="rnd">
+              <a:solidFill>
+                <a:schemeClr val="accent1"/>
+              </a:solidFill>
+              <a:round/>
+            </a:ln>
+            <a:effectLst/>
+          </c:spPr>
+          <c:marker>
+            <c:symbol val="none"/>
+          </c:marker>
+          <c:dPt>
+            <c:idx val="4"/>
+            <c:marker>
+              <c:symbol val="none"/>
+            </c:marker>
+            <c:bubble3D val="0"/>
+            <c:spPr>
+              <a:ln w="22225" cap="rnd">
+                <a:solidFill>
+                  <a:schemeClr val="accent1"/>
+                </a:solidFill>
+                <a:round/>
+                <a:tailEnd type="stealth" w="lg" len="lg"/>
+              </a:ln>
+              <a:effectLst/>
+            </c:spPr>
+          </c:dPt>
+          <c:xVal>
+            <c:numRef>
+              <c:f>Sheet1!$A$2:$A$6</c:f>
+              <c:numCache>
+                <c:formatCode>General</c:formatCode>
+                <c:ptCount val="5"/>
+                <c:pt idx="0">
+                  <c:v>0</c:v>
+                </c:pt>
+                <c:pt idx="1">
+                  <c:v>1</c:v>
+                </c:pt>
+                <c:pt idx="2">
+                  <c:v>2</c:v>
+                </c:pt>
+                <c:pt idx="3">
+                  <c:v>3</c:v>
+                </c:pt>
+                <c:pt idx="4">
+                  <c:v>4</c:v>
+                </c:pt>
+              </c:numCache>
+            </c:numRef>
+          </c:xVal>
+          <c:yVal>
+            <c:numRef>
+              <c:f>Sheet1!$B$2:$B$6</c:f>
+              <c:numCache>
+                <c:formatCode>General</c:formatCode>
+                <c:ptCount val="5"/>
+                <c:pt idx="0">
+                  <c:v>0</c:v>
+                </c:pt>
+                <c:pt idx="1">
+                  <c:v>1</c:v>
+                </c:pt>
+                <c:pt idx="2">
+                  <c:v>4</c:v>
+                </c:pt>
+                <c:pt idx="3">
+                  <c:v>9</c:v>
+                </c:pt>
+                <c:pt idx="4">
+                  <c:v>16</c:v>
+                </c:pt>
+              </c:numCache>
+            </c:numRef>
+          </c:yVal>
+          <c:smooth val="1"/>
+        </c:ser>
+        <c:ser>
+          <c:idx val="1"/>
+          <c:order val="1"/>
+          <c:tx>
+            <c:strRef>
+              <c:f>Sheet1!$C$1</c:f>
+              <c:strCache>
+                <c:ptCount val="1"/>
+                <c:pt idx="0">
+                  <c:v>Column1</c:v>
+                </c:pt>
+              </c:strCache>
+            </c:strRef>
+          </c:tx>
+          <c:spPr>
+            <a:ln w="22225" cap="rnd">
+              <a:solidFill>
+                <a:schemeClr val="accent1"/>
+              </a:solidFill>
+              <a:round/>
+            </a:ln>
+            <a:effectLst/>
+          </c:spPr>
+          <c:marker>
+            <c:symbol val="none"/>
+          </c:marker>
+          <c:dPt>
+            <c:idx val="4"/>
+            <c:marker>
+              <c:symbol val="none"/>
+            </c:marker>
+            <c:bubble3D val="0"/>
+            <c:spPr>
+              <a:ln w="22225" cap="rnd">
+                <a:solidFill>
+                  <a:schemeClr val="accent1"/>
+                </a:solidFill>
+                <a:round/>
+                <a:tailEnd type="stealth" w="lg" len="lg"/>
+              </a:ln>
+              <a:effectLst/>
+            </c:spPr>
+          </c:dPt>
+          <c:xVal>
+            <c:numRef>
+              <c:f>Sheet1!$A$2:$A$6</c:f>
+              <c:numCache>
+                <c:formatCode>General</c:formatCode>
+                <c:ptCount val="5"/>
+                <c:pt idx="0">
+                  <c:v>0</c:v>
+                </c:pt>
+                <c:pt idx="1">
+                  <c:v>1</c:v>
+                </c:pt>
+                <c:pt idx="2">
+                  <c:v>2</c:v>
+                </c:pt>
+                <c:pt idx="3">
+                  <c:v>3</c:v>
+                </c:pt>
+                <c:pt idx="4">
+                  <c:v>4</c:v>
+                </c:pt>
+              </c:numCache>
+            </c:numRef>
+          </c:xVal>
+          <c:yVal>
+            <c:numRef>
+              <c:f>Sheet1!$C$2:$C$6</c:f>
+              <c:numCache>
+                <c:formatCode>General</c:formatCode>
+                <c:ptCount val="5"/>
+                <c:pt idx="0">
+                  <c:v>8</c:v>
+                </c:pt>
+                <c:pt idx="1">
+                  <c:v>8</c:v>
+                </c:pt>
+                <c:pt idx="2">
+                  <c:v>8</c:v>
+                </c:pt>
+                <c:pt idx="3">
+                  <c:v>8</c:v>
+                </c:pt>
+                <c:pt idx="4">
+                  <c:v>8</c:v>
+                </c:pt>
+              </c:numCache>
+            </c:numRef>
+          </c:yVal>
+          <c:smooth val="1"/>
+        </c:ser>
+        <c:dLbls>
+          <c:showLegendKey val="0"/>
+          <c:showVal val="0"/>
+          <c:showCatName val="0"/>
+          <c:showSerName val="0"/>
+          <c:showPercent val="0"/>
+          <c:showBubbleSize val="0"/>
+        </c:dLbls>
+        <c:axId val="274204768"/>
+        <c:axId val="274206728"/>
+      </c:scatterChart>
+      <c:valAx>
+        <c:axId val="274204768"/>
+        <c:scaling>
+          <c:orientation val="minMax"/>
+        </c:scaling>
+        <c:delete val="0"/>
+        <c:axPos val="b"/>
+        <c:title>
+          <c:tx>
+            <c:rich>
+              <a:bodyPr rot="0" spcFirstLastPara="1" vertOverflow="ellipsis" vert="horz" wrap="square" anchor="ctr" anchorCtr="1"/>
+              <a:lstStyle/>
+              <a:p>
+                <a:pPr>
+                  <a:defRPr sz="1330" b="0" i="0" u="none" strike="noStrike" kern="1200" baseline="0">
+                    <a:solidFill>
+                      <a:schemeClr val="tx1">
+                        <a:lumMod val="65000"/>
+                        <a:lumOff val="35000"/>
+                      </a:schemeClr>
+                    </a:solidFill>
+                    <a:latin typeface="+mj-lt"/>
+                    <a:ea typeface="+mn-ea"/>
+                    <a:cs typeface="+mn-cs"/>
+                  </a:defRPr>
+                </a:pPr>
+                <a:r>
+                  <a:rPr lang="uk-UA" sz="2400" b="0" i="0" baseline="0" dirty="0" smtClean="0">
+                    <a:effectLst/>
+                    <a:latin typeface="+mj-lt"/>
+                  </a:rPr>
+                  <a:t>Кількість даних</a:t>
+                </a:r>
+                <a:endParaRPr lang="uk-UA" sz="1600" dirty="0">
+                  <a:effectLst/>
+                  <a:latin typeface="+mj-lt"/>
+                </a:endParaRPr>
+              </a:p>
+            </c:rich>
+          </c:tx>
+          <c:layout/>
+          <c:overlay val="0"/>
+          <c:spPr>
+            <a:noFill/>
+            <a:ln>
+              <a:noFill/>
+            </a:ln>
+            <a:effectLst/>
+          </c:spPr>
+          <c:txPr>
+            <a:bodyPr rot="0" spcFirstLastPara="1" vertOverflow="ellipsis" vert="horz" wrap="square" anchor="ctr" anchorCtr="1"/>
+            <a:lstStyle/>
+            <a:p>
+              <a:pPr>
+                <a:defRPr sz="1330" b="0" i="0" u="none" strike="noStrike" kern="1200" baseline="0">
+                  <a:solidFill>
+                    <a:schemeClr val="tx1">
+                      <a:lumMod val="65000"/>
+                      <a:lumOff val="35000"/>
+                    </a:schemeClr>
+                  </a:solidFill>
+                  <a:latin typeface="+mj-lt"/>
+                  <a:ea typeface="+mn-ea"/>
+                  <a:cs typeface="+mn-cs"/>
+                </a:defRPr>
+              </a:pPr>
+              <a:endParaRPr lang="uk-UA"/>
+            </a:p>
+          </c:txPr>
+        </c:title>
+        <c:numFmt formatCode="General" sourceLinked="1"/>
+        <c:majorTickMark val="none"/>
+        <c:minorTickMark val="none"/>
+        <c:tickLblPos val="nextTo"/>
+        <c:spPr>
+          <a:noFill/>
+          <a:ln w="12700" cap="flat" cmpd="sng" algn="ctr">
+            <a:solidFill>
+              <a:schemeClr val="bg1">
+                <a:lumMod val="50000"/>
+              </a:schemeClr>
+            </a:solidFill>
+            <a:round/>
+            <a:tailEnd type="stealth"/>
+          </a:ln>
+          <a:effectLst/>
+        </c:spPr>
+        <c:txPr>
+          <a:bodyPr rot="-60000000" spcFirstLastPara="1" vertOverflow="ellipsis" vert="horz" wrap="square" anchor="ctr" anchorCtr="1"/>
+          <a:lstStyle/>
+          <a:p>
+            <a:pPr>
+              <a:defRPr sz="1197" b="0" i="0" u="none" strike="noStrike" kern="1200" baseline="0">
+                <a:noFill/>
+                <a:latin typeface="+mn-lt"/>
+                <a:ea typeface="+mn-ea"/>
+                <a:cs typeface="+mn-cs"/>
+              </a:defRPr>
+            </a:pPr>
+            <a:endParaRPr lang="uk-UA"/>
+          </a:p>
+        </c:txPr>
+        <c:crossAx val="274206728"/>
+        <c:crosses val="autoZero"/>
+        <c:crossBetween val="midCat"/>
+      </c:valAx>
+      <c:valAx>
+        <c:axId val="274206728"/>
+        <c:scaling>
+          <c:orientation val="minMax"/>
+        </c:scaling>
+        <c:delete val="0"/>
+        <c:axPos val="l"/>
+        <c:title>
+          <c:tx>
+            <c:rich>
+              <a:bodyPr rot="-5400000" spcFirstLastPara="1" vertOverflow="ellipsis" vert="horz" wrap="square" anchor="ctr" anchorCtr="1"/>
+              <a:lstStyle/>
+              <a:p>
+                <a:pPr>
+                  <a:defRPr sz="1330" b="0" i="0" u="none" strike="noStrike" kern="1200" baseline="0">
+                    <a:solidFill>
+                      <a:schemeClr val="tx1">
+                        <a:lumMod val="65000"/>
+                        <a:lumOff val="35000"/>
+                      </a:schemeClr>
+                    </a:solidFill>
+                    <a:latin typeface="+mj-lt"/>
+                    <a:ea typeface="+mn-ea"/>
+                    <a:cs typeface="+mn-cs"/>
+                  </a:defRPr>
+                </a:pPr>
+                <a:r>
+                  <a:rPr lang="uk-UA" sz="2400" b="0" i="0" baseline="0" dirty="0" smtClean="0">
+                    <a:effectLst/>
+                    <a:latin typeface="+mj-lt"/>
+                  </a:rPr>
+                  <a:t>Час розрахунку</a:t>
+                </a:r>
+                <a:endParaRPr lang="uk-UA" sz="1600" dirty="0">
+                  <a:effectLst/>
+                  <a:latin typeface="+mj-lt"/>
+                </a:endParaRPr>
+              </a:p>
+            </c:rich>
+          </c:tx>
+          <c:layout/>
+          <c:overlay val="0"/>
+          <c:spPr>
+            <a:noFill/>
+            <a:ln>
+              <a:noFill/>
+            </a:ln>
+            <a:effectLst/>
+          </c:spPr>
+          <c:txPr>
+            <a:bodyPr rot="-5400000" spcFirstLastPara="1" vertOverflow="ellipsis" vert="horz" wrap="square" anchor="ctr" anchorCtr="1"/>
+            <a:lstStyle/>
+            <a:p>
+              <a:pPr>
+                <a:defRPr sz="1330" b="0" i="0" u="none" strike="noStrike" kern="1200" baseline="0">
+                  <a:solidFill>
+                    <a:schemeClr val="tx1">
+                      <a:lumMod val="65000"/>
+                      <a:lumOff val="35000"/>
+                    </a:schemeClr>
+                  </a:solidFill>
+                  <a:latin typeface="+mj-lt"/>
+                  <a:ea typeface="+mn-ea"/>
+                  <a:cs typeface="+mn-cs"/>
+                </a:defRPr>
+              </a:pPr>
+              <a:endParaRPr lang="uk-UA"/>
+            </a:p>
+          </c:txPr>
+        </c:title>
+        <c:numFmt formatCode="General" sourceLinked="1"/>
+        <c:majorTickMark val="none"/>
+        <c:minorTickMark val="none"/>
+        <c:tickLblPos val="nextTo"/>
+        <c:spPr>
+          <a:noFill/>
+          <a:ln w="12700" cap="flat" cmpd="sng" algn="ctr">
+            <a:solidFill>
+              <a:schemeClr val="bg1">
+                <a:lumMod val="50000"/>
+              </a:schemeClr>
+            </a:solidFill>
+            <a:round/>
+            <a:tailEnd type="stealth"/>
+          </a:ln>
+          <a:effectLst/>
+        </c:spPr>
+        <c:txPr>
+          <a:bodyPr rot="-60000000" spcFirstLastPara="1" vertOverflow="ellipsis" vert="horz" wrap="square" anchor="ctr" anchorCtr="1"/>
+          <a:lstStyle/>
+          <a:p>
+            <a:pPr>
+              <a:defRPr sz="1197" b="0" i="0" u="none" strike="noStrike" kern="1200" baseline="0">
+                <a:noFill/>
+                <a:latin typeface="+mn-lt"/>
+                <a:ea typeface="+mn-ea"/>
+                <a:cs typeface="+mn-cs"/>
+              </a:defRPr>
+            </a:pPr>
+            <a:endParaRPr lang="uk-UA"/>
+          </a:p>
+        </c:txPr>
+        <c:crossAx val="274204768"/>
+        <c:crosses val="autoZero"/>
+        <c:crossBetween val="midCat"/>
+      </c:valAx>
+      <c:spPr>
+        <a:noFill/>
+        <a:ln>
+          <a:noFill/>
+        </a:ln>
+        <a:effectLst/>
+      </c:spPr>
+    </c:plotArea>
+    <c:plotVisOnly val="1"/>
+    <c:dispBlanksAs val="gap"/>
+    <c:showDLblsOverMax val="0"/>
+  </c:chart>
+  <c:spPr>
+    <a:noFill/>
+    <a:ln>
+      <a:noFill/>
+    </a:ln>
+    <a:effectLst/>
+  </c:spPr>
+  <c:txPr>
+    <a:bodyPr/>
+    <a:lstStyle/>
+    <a:p>
+      <a:pPr>
+        <a:defRPr/>
+      </a:pPr>
+      <a:endParaRPr lang="uk-UA"/>
+    </a:p>
+  </c:txPr>
+  <c:externalData r:id="rId3">
+    <c:autoUpdate val="0"/>
+  </c:externalData>
+</c:chartSpace>
+</file>
+
 <file path=ppt/charts/colors1.xml><?xml version="1.0" encoding="utf-8"?>
 <cs:colorStyle xmlns:cs="http://schemas.microsoft.com/office/drawing/2012/chartStyle" xmlns:a="http://schemas.openxmlformats.org/drawingml/2006/main" meth="cycle" id="10">
   <a:schemeClr val="accent1"/>
@@ -704,7 +1170,563 @@
 </cs:colorStyle>
 </file>
 
+<file path=ppt/charts/colors2.xml><?xml version="1.0" encoding="utf-8"?>
+<cs:colorStyle xmlns:cs="http://schemas.microsoft.com/office/drawing/2012/chartStyle" xmlns:a="http://schemas.openxmlformats.org/drawingml/2006/main" meth="cycle" id="10">
+  <a:schemeClr val="accent1"/>
+  <a:schemeClr val="accent2"/>
+  <a:schemeClr val="accent3"/>
+  <a:schemeClr val="accent4"/>
+  <a:schemeClr val="accent5"/>
+  <a:schemeClr val="accent6"/>
+  <cs:variation/>
+  <cs:variation>
+    <a:lumMod val="60000"/>
+  </cs:variation>
+  <cs:variation>
+    <a:lumMod val="80000"/>
+    <a:lumOff val="20000"/>
+  </cs:variation>
+  <cs:variation>
+    <a:lumMod val="80000"/>
+  </cs:variation>
+  <cs:variation>
+    <a:lumMod val="60000"/>
+    <a:lumOff val="40000"/>
+  </cs:variation>
+  <cs:variation>
+    <a:lumMod val="50000"/>
+  </cs:variation>
+  <cs:variation>
+    <a:lumMod val="70000"/>
+    <a:lumOff val="30000"/>
+  </cs:variation>
+  <cs:variation>
+    <a:lumMod val="70000"/>
+  </cs:variation>
+  <cs:variation>
+    <a:lumMod val="50000"/>
+    <a:lumOff val="50000"/>
+  </cs:variation>
+</cs:colorStyle>
+</file>
+
 <file path=ppt/charts/style1.xml><?xml version="1.0" encoding="utf-8"?>
+<cs:chartStyle xmlns:cs="http://schemas.microsoft.com/office/drawing/2012/chartStyle" xmlns:a="http://schemas.openxmlformats.org/drawingml/2006/main" id="240">
+  <cs:axisTitle>
+    <cs:lnRef idx="0"/>
+    <cs:fillRef idx="0"/>
+    <cs:effectRef idx="0"/>
+    <cs:fontRef idx="minor">
+      <a:schemeClr val="tx1">
+        <a:lumMod val="65000"/>
+        <a:lumOff val="35000"/>
+      </a:schemeClr>
+    </cs:fontRef>
+    <cs:defRPr sz="1330" kern="1200"/>
+  </cs:axisTitle>
+  <cs:categoryAxis>
+    <cs:lnRef idx="0"/>
+    <cs:fillRef idx="0"/>
+    <cs:effectRef idx="0"/>
+    <cs:fontRef idx="minor">
+      <a:schemeClr val="tx1">
+        <a:lumMod val="65000"/>
+        <a:lumOff val="35000"/>
+      </a:schemeClr>
+    </cs:fontRef>
+    <cs:spPr>
+      <a:ln w="9525" cap="flat" cmpd="sng" algn="ctr">
+        <a:solidFill>
+          <a:schemeClr val="tx1">
+            <a:lumMod val="25000"/>
+            <a:lumOff val="75000"/>
+          </a:schemeClr>
+        </a:solidFill>
+        <a:round/>
+      </a:ln>
+    </cs:spPr>
+    <cs:defRPr sz="1197" kern="1200"/>
+  </cs:categoryAxis>
+  <cs:chartArea mods="allowNoFillOverride allowNoLineOverride">
+    <cs:lnRef idx="0"/>
+    <cs:fillRef idx="0"/>
+    <cs:effectRef idx="0"/>
+    <cs:fontRef idx="minor">
+      <a:schemeClr val="tx1"/>
+    </cs:fontRef>
+    <cs:spPr>
+      <a:solidFill>
+        <a:schemeClr val="bg1"/>
+      </a:solidFill>
+      <a:ln w="9525" cap="flat" cmpd="sng" algn="ctr">
+        <a:solidFill>
+          <a:schemeClr val="tx1">
+            <a:lumMod val="15000"/>
+            <a:lumOff val="85000"/>
+          </a:schemeClr>
+        </a:solidFill>
+        <a:round/>
+      </a:ln>
+    </cs:spPr>
+    <cs:defRPr sz="1330" kern="1200"/>
+  </cs:chartArea>
+  <cs:dataLabel>
+    <cs:lnRef idx="0"/>
+    <cs:fillRef idx="0"/>
+    <cs:effectRef idx="0"/>
+    <cs:fontRef idx="minor">
+      <a:schemeClr val="tx1">
+        <a:lumMod val="75000"/>
+        <a:lumOff val="25000"/>
+      </a:schemeClr>
+    </cs:fontRef>
+    <cs:defRPr sz="1197" kern="1200"/>
+  </cs:dataLabel>
+  <cs:dataLabelCallout>
+    <cs:lnRef idx="0"/>
+    <cs:fillRef idx="0"/>
+    <cs:effectRef idx="0"/>
+    <cs:fontRef idx="minor">
+      <a:schemeClr val="dk1">
+        <a:lumMod val="65000"/>
+        <a:lumOff val="35000"/>
+      </a:schemeClr>
+    </cs:fontRef>
+    <cs:spPr>
+      <a:solidFill>
+        <a:schemeClr val="lt1"/>
+      </a:solidFill>
+      <a:ln>
+        <a:solidFill>
+          <a:schemeClr val="dk1">
+            <a:lumMod val="25000"/>
+            <a:lumOff val="75000"/>
+          </a:schemeClr>
+        </a:solidFill>
+      </a:ln>
+    </cs:spPr>
+    <cs:defRPr sz="1197" kern="1200"/>
+    <cs:bodyPr rot="0" spcFirstLastPara="1" vertOverflow="clip" horzOverflow="clip" vert="horz" wrap="square" lIns="36576" tIns="18288" rIns="36576" bIns="18288" anchor="ctr" anchorCtr="1">
+      <a:spAutoFit/>
+    </cs:bodyPr>
+  </cs:dataLabelCallout>
+  <cs:dataPoint>
+    <cs:lnRef idx="0"/>
+    <cs:fillRef idx="1">
+      <cs:styleClr val="auto"/>
+    </cs:fillRef>
+    <cs:effectRef idx="0"/>
+    <cs:fontRef idx="minor">
+      <a:schemeClr val="tx1"/>
+    </cs:fontRef>
+  </cs:dataPoint>
+  <cs:dataPoint3D>
+    <cs:lnRef idx="0"/>
+    <cs:fillRef idx="1">
+      <cs:styleClr val="auto"/>
+    </cs:fillRef>
+    <cs:effectRef idx="0"/>
+    <cs:fontRef idx="minor">
+      <a:schemeClr val="tx1"/>
+    </cs:fontRef>
+  </cs:dataPoint3D>
+  <cs:dataPointLine>
+    <cs:lnRef idx="0">
+      <cs:styleClr val="auto"/>
+    </cs:lnRef>
+    <cs:fillRef idx="1"/>
+    <cs:effectRef idx="0"/>
+    <cs:fontRef idx="minor">
+      <a:schemeClr val="tx1"/>
+    </cs:fontRef>
+    <cs:spPr>
+      <a:ln w="19050" cap="rnd">
+        <a:solidFill>
+          <a:schemeClr val="phClr"/>
+        </a:solidFill>
+        <a:round/>
+      </a:ln>
+    </cs:spPr>
+  </cs:dataPointLine>
+  <cs:dataPointMarker>
+    <cs:lnRef idx="0">
+      <cs:styleClr val="auto"/>
+    </cs:lnRef>
+    <cs:fillRef idx="1">
+      <cs:styleClr val="auto"/>
+    </cs:fillRef>
+    <cs:effectRef idx="0"/>
+    <cs:fontRef idx="minor">
+      <a:schemeClr val="tx1"/>
+    </cs:fontRef>
+    <cs:spPr>
+      <a:ln w="9525">
+        <a:solidFill>
+          <a:schemeClr val="phClr"/>
+        </a:solidFill>
+      </a:ln>
+    </cs:spPr>
+  </cs:dataPointMarker>
+  <cs:dataPointMarkerLayout symbol="circle" size="5"/>
+  <cs:dataPointWireframe>
+    <cs:lnRef idx="0">
+      <cs:styleClr val="auto"/>
+    </cs:lnRef>
+    <cs:fillRef idx="0"/>
+    <cs:effectRef idx="0"/>
+    <cs:fontRef idx="minor">
+      <a:schemeClr val="dk1"/>
+    </cs:fontRef>
+    <cs:spPr>
+      <a:ln w="9525" cap="rnd">
+        <a:solidFill>
+          <a:schemeClr val="phClr"/>
+        </a:solidFill>
+        <a:round/>
+      </a:ln>
+    </cs:spPr>
+  </cs:dataPointWireframe>
+  <cs:dataTable>
+    <cs:lnRef idx="0"/>
+    <cs:fillRef idx="0"/>
+    <cs:effectRef idx="0"/>
+    <cs:fontRef idx="minor">
+      <a:schemeClr val="tx1">
+        <a:lumMod val="65000"/>
+        <a:lumOff val="35000"/>
+      </a:schemeClr>
+    </cs:fontRef>
+    <cs:spPr>
+      <a:noFill/>
+      <a:ln w="9525" cap="flat" cmpd="sng" algn="ctr">
+        <a:solidFill>
+          <a:schemeClr val="tx1">
+            <a:lumMod val="15000"/>
+            <a:lumOff val="85000"/>
+          </a:schemeClr>
+        </a:solidFill>
+        <a:round/>
+      </a:ln>
+    </cs:spPr>
+    <cs:defRPr sz="1197" kern="1200"/>
+  </cs:dataTable>
+  <cs:downBar>
+    <cs:lnRef idx="0"/>
+    <cs:fillRef idx="0"/>
+    <cs:effectRef idx="0"/>
+    <cs:fontRef idx="minor">
+      <a:schemeClr val="tx1"/>
+    </cs:fontRef>
+    <cs:spPr>
+      <a:solidFill>
+        <a:schemeClr val="dk1">
+          <a:lumMod val="75000"/>
+          <a:lumOff val="25000"/>
+        </a:schemeClr>
+      </a:solidFill>
+      <a:ln w="9525" cap="flat" cmpd="sng" algn="ctr">
+        <a:solidFill>
+          <a:schemeClr val="tx1">
+            <a:lumMod val="65000"/>
+            <a:lumOff val="35000"/>
+          </a:schemeClr>
+        </a:solidFill>
+        <a:round/>
+      </a:ln>
+    </cs:spPr>
+  </cs:downBar>
+  <cs:dropLine>
+    <cs:lnRef idx="0"/>
+    <cs:fillRef idx="0"/>
+    <cs:effectRef idx="0"/>
+    <cs:fontRef idx="minor">
+      <a:schemeClr val="tx1"/>
+    </cs:fontRef>
+    <cs:spPr>
+      <a:ln w="9525" cap="flat" cmpd="sng" algn="ctr">
+        <a:solidFill>
+          <a:schemeClr val="tx1">
+            <a:lumMod val="35000"/>
+            <a:lumOff val="65000"/>
+          </a:schemeClr>
+        </a:solidFill>
+        <a:round/>
+      </a:ln>
+    </cs:spPr>
+  </cs:dropLine>
+  <cs:errorBar>
+    <cs:lnRef idx="0"/>
+    <cs:fillRef idx="0"/>
+    <cs:effectRef idx="0"/>
+    <cs:fontRef idx="minor">
+      <a:schemeClr val="tx1"/>
+    </cs:fontRef>
+    <cs:spPr>
+      <a:ln w="9525" cap="flat" cmpd="sng" algn="ctr">
+        <a:solidFill>
+          <a:schemeClr val="tx1">
+            <a:lumMod val="65000"/>
+            <a:lumOff val="35000"/>
+          </a:schemeClr>
+        </a:solidFill>
+        <a:round/>
+      </a:ln>
+    </cs:spPr>
+  </cs:errorBar>
+  <cs:floor>
+    <cs:lnRef idx="0"/>
+    <cs:fillRef idx="0"/>
+    <cs:effectRef idx="0"/>
+    <cs:fontRef idx="minor">
+      <a:schemeClr val="tx1"/>
+    </cs:fontRef>
+    <cs:spPr>
+      <a:noFill/>
+      <a:ln>
+        <a:noFill/>
+      </a:ln>
+    </cs:spPr>
+  </cs:floor>
+  <cs:gridlineMajor>
+    <cs:lnRef idx="0"/>
+    <cs:fillRef idx="0"/>
+    <cs:effectRef idx="0"/>
+    <cs:fontRef idx="minor">
+      <a:schemeClr val="tx1"/>
+    </cs:fontRef>
+    <cs:spPr>
+      <a:ln w="9525" cap="flat" cmpd="sng" algn="ctr">
+        <a:solidFill>
+          <a:schemeClr val="tx1">
+            <a:lumMod val="15000"/>
+            <a:lumOff val="85000"/>
+          </a:schemeClr>
+        </a:solidFill>
+        <a:round/>
+      </a:ln>
+    </cs:spPr>
+  </cs:gridlineMajor>
+  <cs:gridlineMinor>
+    <cs:lnRef idx="0"/>
+    <cs:fillRef idx="0"/>
+    <cs:effectRef idx="0"/>
+    <cs:fontRef idx="minor">
+      <a:schemeClr val="tx1"/>
+    </cs:fontRef>
+    <cs:spPr>
+      <a:ln w="9525" cap="flat" cmpd="sng" algn="ctr">
+        <a:solidFill>
+          <a:schemeClr val="tx1">
+            <a:lumMod val="5000"/>
+            <a:lumOff val="95000"/>
+          </a:schemeClr>
+        </a:solidFill>
+        <a:round/>
+      </a:ln>
+    </cs:spPr>
+  </cs:gridlineMinor>
+  <cs:hiLoLine>
+    <cs:lnRef idx="0"/>
+    <cs:fillRef idx="0"/>
+    <cs:effectRef idx="0"/>
+    <cs:fontRef idx="minor">
+      <a:schemeClr val="tx1"/>
+    </cs:fontRef>
+    <cs:spPr>
+      <a:ln w="9525" cap="flat" cmpd="sng" algn="ctr">
+        <a:solidFill>
+          <a:schemeClr val="tx1">
+            <a:lumMod val="50000"/>
+            <a:lumOff val="50000"/>
+          </a:schemeClr>
+        </a:solidFill>
+        <a:round/>
+      </a:ln>
+    </cs:spPr>
+  </cs:hiLoLine>
+  <cs:leaderLine>
+    <cs:lnRef idx="0"/>
+    <cs:fillRef idx="0"/>
+    <cs:effectRef idx="0"/>
+    <cs:fontRef idx="minor">
+      <a:schemeClr val="tx1"/>
+    </cs:fontRef>
+    <cs:spPr>
+      <a:ln w="9525" cap="flat" cmpd="sng" algn="ctr">
+        <a:solidFill>
+          <a:schemeClr val="tx1">
+            <a:lumMod val="35000"/>
+            <a:lumOff val="65000"/>
+          </a:schemeClr>
+        </a:solidFill>
+        <a:round/>
+      </a:ln>
+    </cs:spPr>
+  </cs:leaderLine>
+  <cs:legend>
+    <cs:lnRef idx="0"/>
+    <cs:fillRef idx="0"/>
+    <cs:effectRef idx="0"/>
+    <cs:fontRef idx="minor">
+      <a:schemeClr val="tx1">
+        <a:lumMod val="65000"/>
+        <a:lumOff val="35000"/>
+      </a:schemeClr>
+    </cs:fontRef>
+    <cs:defRPr sz="1197" kern="1200"/>
+  </cs:legend>
+  <cs:plotArea mods="allowNoFillOverride allowNoLineOverride">
+    <cs:lnRef idx="0"/>
+    <cs:fillRef idx="0"/>
+    <cs:effectRef idx="0"/>
+    <cs:fontRef idx="minor">
+      <a:schemeClr val="tx1"/>
+    </cs:fontRef>
+  </cs:plotArea>
+  <cs:plotArea3D mods="allowNoFillOverride allowNoLineOverride">
+    <cs:lnRef idx="0"/>
+    <cs:fillRef idx="0"/>
+    <cs:effectRef idx="0"/>
+    <cs:fontRef idx="minor">
+      <a:schemeClr val="tx1"/>
+    </cs:fontRef>
+  </cs:plotArea3D>
+  <cs:seriesAxis>
+    <cs:lnRef idx="0"/>
+    <cs:fillRef idx="0"/>
+    <cs:effectRef idx="0"/>
+    <cs:fontRef idx="minor">
+      <a:schemeClr val="tx1">
+        <a:lumMod val="65000"/>
+        <a:lumOff val="35000"/>
+      </a:schemeClr>
+    </cs:fontRef>
+    <cs:defRPr sz="1197" kern="1200"/>
+  </cs:seriesAxis>
+  <cs:seriesLine>
+    <cs:lnRef idx="0"/>
+    <cs:fillRef idx="0"/>
+    <cs:effectRef idx="0"/>
+    <cs:fontRef idx="minor">
+      <a:schemeClr val="tx1"/>
+    </cs:fontRef>
+    <cs:spPr>
+      <a:ln w="9525" cap="flat" cmpd="sng" algn="ctr">
+        <a:solidFill>
+          <a:schemeClr val="tx1">
+            <a:lumMod val="35000"/>
+            <a:lumOff val="65000"/>
+          </a:schemeClr>
+        </a:solidFill>
+        <a:round/>
+      </a:ln>
+    </cs:spPr>
+  </cs:seriesLine>
+  <cs:title>
+    <cs:lnRef idx="0"/>
+    <cs:fillRef idx="0"/>
+    <cs:effectRef idx="0"/>
+    <cs:fontRef idx="minor">
+      <a:schemeClr val="tx1">
+        <a:lumMod val="65000"/>
+        <a:lumOff val="35000"/>
+      </a:schemeClr>
+    </cs:fontRef>
+    <cs:defRPr sz="1862" b="0" kern="1200" spc="0" baseline="0"/>
+  </cs:title>
+  <cs:trendline>
+    <cs:lnRef idx="0">
+      <cs:styleClr val="auto"/>
+    </cs:lnRef>
+    <cs:fillRef idx="0"/>
+    <cs:effectRef idx="0"/>
+    <cs:fontRef idx="minor">
+      <a:schemeClr val="tx1"/>
+    </cs:fontRef>
+    <cs:spPr>
+      <a:ln w="19050" cap="rnd">
+        <a:solidFill>
+          <a:schemeClr val="phClr"/>
+        </a:solidFill>
+        <a:prstDash val="sysDot"/>
+      </a:ln>
+    </cs:spPr>
+  </cs:trendline>
+  <cs:trendlineLabel>
+    <cs:lnRef idx="0"/>
+    <cs:fillRef idx="0"/>
+    <cs:effectRef idx="0"/>
+    <cs:fontRef idx="minor">
+      <a:schemeClr val="tx1">
+        <a:lumMod val="65000"/>
+        <a:lumOff val="35000"/>
+      </a:schemeClr>
+    </cs:fontRef>
+    <cs:defRPr sz="1197" kern="1200"/>
+  </cs:trendlineLabel>
+  <cs:upBar>
+    <cs:lnRef idx="0"/>
+    <cs:fillRef idx="0"/>
+    <cs:effectRef idx="0"/>
+    <cs:fontRef idx="minor">
+      <a:schemeClr val="tx1"/>
+    </cs:fontRef>
+    <cs:spPr>
+      <a:solidFill>
+        <a:schemeClr val="lt1"/>
+      </a:solidFill>
+      <a:ln w="9525" cap="flat" cmpd="sng" algn="ctr">
+        <a:solidFill>
+          <a:schemeClr val="tx1">
+            <a:lumMod val="65000"/>
+            <a:lumOff val="35000"/>
+          </a:schemeClr>
+        </a:solidFill>
+        <a:round/>
+      </a:ln>
+    </cs:spPr>
+  </cs:upBar>
+  <cs:valueAxis>
+    <cs:lnRef idx="0"/>
+    <cs:fillRef idx="0"/>
+    <cs:effectRef idx="0"/>
+    <cs:fontRef idx="minor">
+      <a:schemeClr val="tx1">
+        <a:lumMod val="65000"/>
+        <a:lumOff val="35000"/>
+      </a:schemeClr>
+    </cs:fontRef>
+    <cs:spPr>
+      <a:ln w="9525" cap="flat" cmpd="sng" algn="ctr">
+        <a:solidFill>
+          <a:schemeClr val="tx1">
+            <a:lumMod val="25000"/>
+            <a:lumOff val="75000"/>
+          </a:schemeClr>
+        </a:solidFill>
+        <a:round/>
+      </a:ln>
+    </cs:spPr>
+    <cs:defRPr sz="1197" kern="1200"/>
+  </cs:valueAxis>
+  <cs:wall>
+    <cs:lnRef idx="0"/>
+    <cs:fillRef idx="0"/>
+    <cs:effectRef idx="0"/>
+    <cs:fontRef idx="minor">
+      <a:schemeClr val="tx1"/>
+    </cs:fontRef>
+    <cs:spPr>
+      <a:noFill/>
+      <a:ln>
+        <a:noFill/>
+      </a:ln>
+    </cs:spPr>
+  </cs:wall>
+</cs:chartStyle>
+</file>
+
+<file path=ppt/charts/style2.xml><?xml version="1.0" encoding="utf-8"?>
 <cs:chartStyle xmlns:cs="http://schemas.microsoft.com/office/drawing/2012/chartStyle" xmlns:a="http://schemas.openxmlformats.org/drawingml/2006/main" id="240">
   <cs:axisTitle>
     <cs:lnRef idx="0"/>
@@ -1908,53 +2930,6 @@
           <a:bodyPr/>
           <a:lstStyle/>
           <a:p>
-            <a:r>
-              <a:rPr lang="ru-RU" dirty="0" err="1" smtClean="0"/>
-              <a:t>DeviceConnectionListener</a:t>
-            </a:r>
-            <a:r>
-              <a:rPr lang="ru-RU" dirty="0" smtClean="0"/>
-              <a:t> - класс, задача которого сканировать систему на предмет подключений устройств через заданные промежутки времени.</a:t>
-            </a:r>
-            <a:endParaRPr lang="en-US" dirty="0" smtClean="0"/>
-          </a:p>
-          <a:p>
-            <a:r>
-              <a:rPr lang="ru-RU" dirty="0" smtClean="0"/>
-              <a:t>Класс реализует паттерн программирования </a:t>
-            </a:r>
-            <a:r>
-              <a:rPr lang="ru-RU" dirty="0" err="1" smtClean="0"/>
-              <a:t>Singleton</a:t>
-            </a:r>
-            <a:r>
-              <a:rPr lang="ru-RU" dirty="0" smtClean="0"/>
-              <a:t>, потому что нет смысла запускать в одной программе несколько экземпляров этого класса. Также реализует </a:t>
-            </a:r>
-            <a:r>
-              <a:rPr lang="ru-RU" dirty="0" err="1" smtClean="0"/>
-              <a:t>Observer</a:t>
-            </a:r>
-            <a:r>
-              <a:rPr lang="ru-RU" dirty="0" smtClean="0"/>
-              <a:t>, с помощью которого происходит нотификация подписчиков на событие подключения устройства. Класс </a:t>
-            </a:r>
-            <a:r>
-              <a:rPr lang="ru-RU" dirty="0" err="1" smtClean="0"/>
-              <a:t>DeviceConnectionHandler</a:t>
-            </a:r>
-            <a:r>
-              <a:rPr lang="ru-RU" dirty="0" smtClean="0"/>
-              <a:t> (см. Приложение 2) подписывается на событие подключения устройства, вызывает стать-</a:t>
-            </a:r>
-            <a:r>
-              <a:rPr lang="ru-RU" dirty="0" err="1" smtClean="0"/>
-              <a:t>ческий</a:t>
-            </a:r>
-            <a:r>
-              <a:rPr lang="ru-RU" dirty="0" smtClean="0"/>
-              <a:t> метод для поиска конкретного устройства, которое поддерживает программа и, в случае успеха, запускает поток для работы с устройством.</a:t>
-            </a:r>
             <a:endParaRPr lang="uk-UA" dirty="0"/>
           </a:p>
         </p:txBody>
@@ -1985,7 +2960,7 @@
     </p:spTree>
     <p:extLst>
       <p:ext uri="{BB962C8B-B14F-4D97-AF65-F5344CB8AC3E}">
-        <p14:creationId xmlns:p14="http://schemas.microsoft.com/office/powerpoint/2010/main" val="2679478294"/>
+        <p14:creationId xmlns:p14="http://schemas.microsoft.com/office/powerpoint/2010/main" val="2353773462"/>
       </p:ext>
     </p:extLst>
   </p:cSld>
@@ -2044,53 +3019,6 @@
           <a:bodyPr/>
           <a:lstStyle/>
           <a:p>
-            <a:r>
-              <a:rPr lang="ru-RU" dirty="0" err="1" smtClean="0"/>
-              <a:t>DeviceConnectionListener</a:t>
-            </a:r>
-            <a:r>
-              <a:rPr lang="ru-RU" dirty="0" smtClean="0"/>
-              <a:t> - класс, задача которого сканировать систему на предмет подключений устройств через заданные промежутки времени.</a:t>
-            </a:r>
-            <a:endParaRPr lang="en-US" dirty="0" smtClean="0"/>
-          </a:p>
-          <a:p>
-            <a:r>
-              <a:rPr lang="ru-RU" dirty="0" smtClean="0"/>
-              <a:t>Класс реализует паттерн программирования </a:t>
-            </a:r>
-            <a:r>
-              <a:rPr lang="ru-RU" dirty="0" err="1" smtClean="0"/>
-              <a:t>Singleton</a:t>
-            </a:r>
-            <a:r>
-              <a:rPr lang="ru-RU" dirty="0" smtClean="0"/>
-              <a:t>, потому что нет смысла запускать в одной программе несколько экземпляров этого класса. Также реализует </a:t>
-            </a:r>
-            <a:r>
-              <a:rPr lang="ru-RU" dirty="0" err="1" smtClean="0"/>
-              <a:t>Observer</a:t>
-            </a:r>
-            <a:r>
-              <a:rPr lang="ru-RU" dirty="0" smtClean="0"/>
-              <a:t>, с помощью которого происходит нотификация подписчиков на событие подключения устройства. Класс </a:t>
-            </a:r>
-            <a:r>
-              <a:rPr lang="ru-RU" dirty="0" err="1" smtClean="0"/>
-              <a:t>DeviceConnectionHandler</a:t>
-            </a:r>
-            <a:r>
-              <a:rPr lang="ru-RU" dirty="0" smtClean="0"/>
-              <a:t> (см. Приложение 2) подписывается на событие подключения устройства, вызывает стать-</a:t>
-            </a:r>
-            <a:r>
-              <a:rPr lang="ru-RU" dirty="0" err="1" smtClean="0"/>
-              <a:t>ческий</a:t>
-            </a:r>
-            <a:r>
-              <a:rPr lang="ru-RU" dirty="0" smtClean="0"/>
-              <a:t> метод для поиска конкретного устройства, которое поддерживает программа и, в случае успеха, запускает поток для работы с устройством.</a:t>
-            </a:r>
             <a:endParaRPr lang="uk-UA" dirty="0"/>
           </a:p>
         </p:txBody>
@@ -2121,7 +3049,7 @@
     </p:spTree>
     <p:extLst>
       <p:ext uri="{BB962C8B-B14F-4D97-AF65-F5344CB8AC3E}">
-        <p14:creationId xmlns:p14="http://schemas.microsoft.com/office/powerpoint/2010/main" val="1699580199"/>
+        <p14:creationId xmlns:p14="http://schemas.microsoft.com/office/powerpoint/2010/main" val="2679478294"/>
       </p:ext>
     </p:extLst>
   </p:cSld>
@@ -2180,53 +3108,6 @@
           <a:bodyPr/>
           <a:lstStyle/>
           <a:p>
-            <a:r>
-              <a:rPr lang="ru-RU" dirty="0" err="1" smtClean="0"/>
-              <a:t>DeviceConnectionListener</a:t>
-            </a:r>
-            <a:r>
-              <a:rPr lang="ru-RU" dirty="0" smtClean="0"/>
-              <a:t> - класс, задача которого сканировать систему на предмет подключений устройств через заданные промежутки времени.</a:t>
-            </a:r>
-            <a:endParaRPr lang="en-US" dirty="0" smtClean="0"/>
-          </a:p>
-          <a:p>
-            <a:r>
-              <a:rPr lang="ru-RU" dirty="0" smtClean="0"/>
-              <a:t>Класс реализует паттерн программирования </a:t>
-            </a:r>
-            <a:r>
-              <a:rPr lang="ru-RU" dirty="0" err="1" smtClean="0"/>
-              <a:t>Singleton</a:t>
-            </a:r>
-            <a:r>
-              <a:rPr lang="ru-RU" dirty="0" smtClean="0"/>
-              <a:t>, потому что нет смысла запускать в одной программе несколько экземпляров этого класса. Также реализует </a:t>
-            </a:r>
-            <a:r>
-              <a:rPr lang="ru-RU" dirty="0" err="1" smtClean="0"/>
-              <a:t>Observer</a:t>
-            </a:r>
-            <a:r>
-              <a:rPr lang="ru-RU" dirty="0" smtClean="0"/>
-              <a:t>, с помощью которого происходит нотификация подписчиков на событие подключения устройства. Класс </a:t>
-            </a:r>
-            <a:r>
-              <a:rPr lang="ru-RU" dirty="0" err="1" smtClean="0"/>
-              <a:t>DeviceConnectionHandler</a:t>
-            </a:r>
-            <a:r>
-              <a:rPr lang="ru-RU" dirty="0" smtClean="0"/>
-              <a:t> (см. Приложение 2) подписывается на событие подключения устройства, вызывает стать-</a:t>
-            </a:r>
-            <a:r>
-              <a:rPr lang="ru-RU" dirty="0" err="1" smtClean="0"/>
-              <a:t>ческий</a:t>
-            </a:r>
-            <a:r>
-              <a:rPr lang="ru-RU" dirty="0" smtClean="0"/>
-              <a:t> метод для поиска конкретного устройства, которое поддерживает программа и, в случае успеха, запускает поток для работы с устройством.</a:t>
-            </a:r>
             <a:endParaRPr lang="uk-UA" dirty="0"/>
           </a:p>
         </p:txBody>
@@ -2249,6 +3130,95 @@
             <a:fld id="{B730E3BF-72D6-4816-BF16-513E75DD0D9E}" type="slidenum">
               <a:rPr lang="uk-UA" smtClean="0"/>
               <a:t>12</a:t>
+            </a:fld>
+            <a:endParaRPr lang="uk-UA" dirty="0"/>
+          </a:p>
+        </p:txBody>
+      </p:sp>
+    </p:spTree>
+    <p:extLst>
+      <p:ext uri="{BB962C8B-B14F-4D97-AF65-F5344CB8AC3E}">
+        <p14:creationId xmlns:p14="http://schemas.microsoft.com/office/powerpoint/2010/main" val="1699580199"/>
+      </p:ext>
+    </p:extLst>
+  </p:cSld>
+  <p:clrMapOvr>
+    <a:masterClrMapping/>
+  </p:clrMapOvr>
+</p:notes>
+</file>
+
+<file path=ppt/notesSlides/notesSlide13.xml><?xml version="1.0" encoding="utf-8"?>
+<p:notes xmlns:a="http://schemas.openxmlformats.org/drawingml/2006/main" xmlns:r="http://schemas.openxmlformats.org/officeDocument/2006/relationships" xmlns:p="http://schemas.openxmlformats.org/presentationml/2006/main">
+  <p:cSld>
+    <p:spTree>
+      <p:nvGrpSpPr>
+        <p:cNvPr id="1" name=""/>
+        <p:cNvGrpSpPr/>
+        <p:nvPr/>
+      </p:nvGrpSpPr>
+      <p:grpSpPr>
+        <a:xfrm>
+          <a:off x="0" y="0"/>
+          <a:ext cx="0" cy="0"/>
+          <a:chOff x="0" y="0"/>
+          <a:chExt cx="0" cy="0"/>
+        </a:xfrm>
+      </p:grpSpPr>
+      <p:sp>
+        <p:nvSpPr>
+          <p:cNvPr id="2" name="Slide Image Placeholder 1"/>
+          <p:cNvSpPr>
+            <a:spLocks noGrp="1" noRot="1" noChangeAspect="1"/>
+          </p:cNvSpPr>
+          <p:nvPr>
+            <p:ph type="sldImg"/>
+          </p:nvPr>
+        </p:nvSpPr>
+        <p:spPr>
+          <a:xfrm>
+            <a:off x="685800" y="1143000"/>
+            <a:ext cx="5486400" cy="3086100"/>
+          </a:xfrm>
+        </p:spPr>
+      </p:sp>
+      <p:sp>
+        <p:nvSpPr>
+          <p:cNvPr id="3" name="Notes Placeholder 2"/>
+          <p:cNvSpPr>
+            <a:spLocks noGrp="1"/>
+          </p:cNvSpPr>
+          <p:nvPr>
+            <p:ph type="body" idx="1"/>
+          </p:nvPr>
+        </p:nvSpPr>
+        <p:spPr/>
+        <p:txBody>
+          <a:bodyPr/>
+          <a:lstStyle/>
+          <a:p>
+            <a:endParaRPr lang="uk-UA" dirty="0"/>
+          </a:p>
+        </p:txBody>
+      </p:sp>
+      <p:sp>
+        <p:nvSpPr>
+          <p:cNvPr id="4" name="Slide Number Placeholder 3"/>
+          <p:cNvSpPr>
+            <a:spLocks noGrp="1"/>
+          </p:cNvSpPr>
+          <p:nvPr>
+            <p:ph type="sldNum" sz="quarter" idx="10"/>
+          </p:nvPr>
+        </p:nvSpPr>
+        <p:spPr/>
+        <p:txBody>
+          <a:bodyPr/>
+          <a:lstStyle/>
+          <a:p>
+            <a:fld id="{B730E3BF-72D6-4816-BF16-513E75DD0D9E}" type="slidenum">
+              <a:rPr lang="uk-UA" smtClean="0"/>
+              <a:t>13</a:t>
             </a:fld>
             <a:endParaRPr lang="uk-UA" dirty="0"/>
           </a:p>
@@ -2556,31 +3526,69 @@
           <a:bodyPr/>
           <a:lstStyle/>
           <a:p>
-            <a:pPr marL="0" marR="0" indent="0" algn="l" defTabSz="914400" rtl="0" eaLnBrk="1" fontAlgn="auto" latinLnBrk="0" hangingPunct="1">
-              <a:lnSpc>
-                <a:spcPct val="100000"/>
-              </a:lnSpc>
-              <a:spcBef>
-                <a:spcPts val="0"/>
-              </a:spcBef>
-              <a:spcAft>
-                <a:spcPts val="0"/>
-              </a:spcAft>
-              <a:buClrTx/>
-              <a:buSzTx/>
-              <a:buFontTx/>
-              <a:buNone/>
-              <a:tabLst/>
-              <a:defRPr/>
-            </a:pPr>
-            <a:r>
-              <a:rPr lang="ru-RU" dirty="0" smtClean="0"/>
-              <a:t>Зачем каждое из значений?</a:t>
-            </a:r>
-            <a:endParaRPr lang="uk-UA" dirty="0" smtClean="0"/>
-          </a:p>
-          <a:p>
-            <a:endParaRPr lang="uk-UA" dirty="0"/>
+            <a:r>
+              <a:rPr lang="ru-RU" sz="1400" b="1" dirty="0" smtClean="0"/>
+              <a:t>Проблематика:</a:t>
+            </a:r>
+          </a:p>
+          <a:p>
+            <a:r>
+              <a:rPr lang="ru-RU" sz="1400" b="0" dirty="0" smtClean="0"/>
+              <a:t>	Используя стандартные формулы мы получаем Линейное увеличение времени при расчете</a:t>
+            </a:r>
+            <a:r>
+              <a:rPr lang="ru-RU" sz="1400" b="0" baseline="0" dirty="0" smtClean="0"/>
+              <a:t> (моды, медианы, среднего и максимального значений) из за того, что объём данных постоянно увеличивается. В этом случае, на определенном этапе своей работы, программа просто захлебнется значениями, которые нужно обработать.</a:t>
+            </a:r>
+          </a:p>
+          <a:p>
+            <a:endParaRPr lang="ru-RU" sz="1400" b="0" baseline="0" dirty="0" smtClean="0"/>
+          </a:p>
+          <a:p>
+            <a:r>
+              <a:rPr lang="ru-RU" sz="1600" b="1" dirty="0" smtClean="0"/>
+              <a:t>АНИМАЦИЯ</a:t>
+            </a:r>
+          </a:p>
+          <a:p>
+            <a:r>
+              <a:rPr lang="ru-RU" sz="1600" b="1" dirty="0" smtClean="0"/>
+              <a:t>Что</a:t>
+            </a:r>
+            <a:r>
+              <a:rPr lang="ru-RU" sz="1600" b="1" baseline="0" dirty="0" smtClean="0"/>
+              <a:t> нужно достичь:</a:t>
+            </a:r>
+          </a:p>
+          <a:p>
+            <a:r>
+              <a:rPr lang="ru-RU" sz="1600" b="0" baseline="0" dirty="0" smtClean="0"/>
+              <a:t>	В идеале нужно достичь </a:t>
+            </a:r>
+            <a:r>
+              <a:rPr lang="ru-RU" sz="1600" b="1" baseline="0" dirty="0" smtClean="0"/>
+              <a:t>константного </a:t>
+            </a:r>
+            <a:r>
+              <a:rPr lang="ru-RU" sz="1600" b="0" baseline="0" dirty="0" smtClean="0"/>
+              <a:t>времени расчета моды, медианы, среднего и максимального значений в условии прироста данных.</a:t>
+            </a:r>
+          </a:p>
+          <a:p>
+            <a:endParaRPr lang="ru-RU" sz="1600" b="0" baseline="0" dirty="0" smtClean="0"/>
+          </a:p>
+          <a:p>
+            <a:r>
+              <a:rPr lang="ru-RU" sz="1600" b="1" baseline="0" dirty="0" smtClean="0"/>
+              <a:t>Решение:</a:t>
+            </a:r>
+          </a:p>
+          <a:p>
+            <a:r>
+              <a:rPr lang="ru-RU" sz="1600" b="0" baseline="0" dirty="0" smtClean="0"/>
+              <a:t>	Для решения проблемы было использовано </a:t>
+            </a:r>
+            <a:endParaRPr lang="uk-UA" sz="1600" b="0" dirty="0"/>
           </a:p>
         </p:txBody>
       </p:sp>
@@ -2610,7 +3618,7 @@
     </p:spTree>
     <p:extLst>
       <p:ext uri="{BB962C8B-B14F-4D97-AF65-F5344CB8AC3E}">
-        <p14:creationId xmlns:p14="http://schemas.microsoft.com/office/powerpoint/2010/main" val="3283955315"/>
+        <p14:creationId xmlns:p14="http://schemas.microsoft.com/office/powerpoint/2010/main" val="1779894229"/>
       </p:ext>
     </p:extLst>
   </p:cSld>
@@ -2669,7 +3677,225 @@
           <a:bodyPr/>
           <a:lstStyle/>
           <a:p>
-            <a:endParaRPr lang="uk-UA"/>
+            <a:pPr marL="0" marR="0" indent="0" algn="l" defTabSz="914400" rtl="0" eaLnBrk="1" fontAlgn="auto" latinLnBrk="0" hangingPunct="1">
+              <a:lnSpc>
+                <a:spcPct val="100000"/>
+              </a:lnSpc>
+              <a:spcBef>
+                <a:spcPts val="0"/>
+              </a:spcBef>
+              <a:spcAft>
+                <a:spcPts val="0"/>
+              </a:spcAft>
+              <a:buClrTx/>
+              <a:buSzTx/>
+              <a:buFontTx/>
+              <a:buNone/>
+              <a:tabLst/>
+              <a:defRPr/>
+            </a:pPr>
+            <a:r>
+              <a:rPr lang="ru-RU" b="1" dirty="0" smtClean="0"/>
+              <a:t>Зачем</a:t>
+            </a:r>
+            <a:r>
+              <a:rPr lang="ru-RU" b="1" baseline="0" dirty="0" smtClean="0"/>
+              <a:t> нужно</a:t>
+            </a:r>
+            <a:r>
+              <a:rPr lang="ru-RU" b="1" dirty="0" smtClean="0"/>
+              <a:t>?</a:t>
+            </a:r>
+            <a:endParaRPr lang="uk-UA" b="1" dirty="0" smtClean="0"/>
+          </a:p>
+          <a:p>
+            <a:pPr marL="0" marR="0" indent="0" algn="l" defTabSz="914400" rtl="0" eaLnBrk="1" fontAlgn="auto" latinLnBrk="0" hangingPunct="1">
+              <a:lnSpc>
+                <a:spcPct val="100000"/>
+              </a:lnSpc>
+              <a:spcBef>
+                <a:spcPts val="0"/>
+              </a:spcBef>
+              <a:spcAft>
+                <a:spcPts val="0"/>
+              </a:spcAft>
+              <a:buClrTx/>
+              <a:buSzTx/>
+              <a:buFontTx/>
+              <a:buNone/>
+              <a:tabLst/>
+              <a:defRPr/>
+            </a:pPr>
+            <a:r>
+              <a:rPr lang="ru-RU" dirty="0" smtClean="0"/>
+              <a:t>	</a:t>
+            </a:r>
+          </a:p>
+          <a:p>
+            <a:pPr marL="0" marR="0" indent="0" algn="l" defTabSz="914400" rtl="0" eaLnBrk="1" fontAlgn="auto" latinLnBrk="0" hangingPunct="1">
+              <a:lnSpc>
+                <a:spcPct val="100000"/>
+              </a:lnSpc>
+              <a:spcBef>
+                <a:spcPts val="0"/>
+              </a:spcBef>
+              <a:spcAft>
+                <a:spcPts val="0"/>
+              </a:spcAft>
+              <a:buClrTx/>
+              <a:buSzTx/>
+              <a:buFontTx/>
+              <a:buNone/>
+              <a:tabLst/>
+              <a:defRPr/>
+            </a:pPr>
+            <a:endParaRPr lang="ru-RU" dirty="0" smtClean="0"/>
+          </a:p>
+          <a:p>
+            <a:pPr marL="0" marR="0" indent="0" algn="l" defTabSz="914400" rtl="0" eaLnBrk="1" fontAlgn="auto" latinLnBrk="0" hangingPunct="1">
+              <a:lnSpc>
+                <a:spcPct val="100000"/>
+              </a:lnSpc>
+              <a:spcBef>
+                <a:spcPts val="0"/>
+              </a:spcBef>
+              <a:spcAft>
+                <a:spcPts val="0"/>
+              </a:spcAft>
+              <a:buClrTx/>
+              <a:buSzTx/>
+              <a:buFontTx/>
+              <a:buNone/>
+              <a:tabLst/>
+              <a:defRPr/>
+            </a:pPr>
+            <a:r>
+              <a:rPr lang="ru-RU" b="1" dirty="0" smtClean="0"/>
+              <a:t>Алгоритм:</a:t>
+            </a:r>
+          </a:p>
+          <a:p>
+            <a:pPr marL="0" marR="0" indent="0" algn="l" defTabSz="914400" rtl="0" eaLnBrk="1" fontAlgn="auto" latinLnBrk="0" hangingPunct="1">
+              <a:lnSpc>
+                <a:spcPct val="100000"/>
+              </a:lnSpc>
+              <a:spcBef>
+                <a:spcPts val="0"/>
+              </a:spcBef>
+              <a:spcAft>
+                <a:spcPts val="0"/>
+              </a:spcAft>
+              <a:buClrTx/>
+              <a:buSzTx/>
+              <a:buFontTx/>
+              <a:buNone/>
+              <a:tabLst/>
+              <a:defRPr/>
+            </a:pPr>
+            <a:r>
+              <a:rPr lang="ru-RU" dirty="0" smtClean="0"/>
+              <a:t>	На</a:t>
+            </a:r>
+            <a:r>
+              <a:rPr lang="ru-RU" baseline="0" dirty="0" smtClean="0"/>
+              <a:t> примере массивов </a:t>
+            </a:r>
+            <a:r>
+              <a:rPr lang="en-US" baseline="0" dirty="0" err="1" smtClean="0"/>
+              <a:t>L1</a:t>
+            </a:r>
+            <a:r>
+              <a:rPr lang="ru-RU" baseline="0" dirty="0" smtClean="0"/>
+              <a:t>,</a:t>
+            </a:r>
+            <a:r>
+              <a:rPr lang="en-US" baseline="0" dirty="0" smtClean="0"/>
+              <a:t> </a:t>
+            </a:r>
+            <a:r>
+              <a:rPr lang="en-US" baseline="0" dirty="0" err="1" smtClean="0"/>
+              <a:t>L2</a:t>
+            </a:r>
+            <a:r>
+              <a:rPr lang="ru-RU" baseline="0" dirty="0" smtClean="0"/>
+              <a:t> и </a:t>
+            </a:r>
+            <a:r>
+              <a:rPr lang="en-US" baseline="0" dirty="0" err="1" smtClean="0"/>
+              <a:t>L3</a:t>
+            </a:r>
+            <a:r>
+              <a:rPr lang="ru-RU" baseline="0" dirty="0" smtClean="0"/>
+              <a:t>, которые распределены по временной шкале (</a:t>
+            </a:r>
+            <a:r>
+              <a:rPr lang="en-US" baseline="0" dirty="0" err="1" smtClean="0"/>
+              <a:t>L1</a:t>
+            </a:r>
+            <a:r>
+              <a:rPr lang="ru-RU" baseline="0" dirty="0" smtClean="0"/>
+              <a:t> сформирован первым, </a:t>
+            </a:r>
+            <a:r>
+              <a:rPr lang="en-US" baseline="0" dirty="0" err="1" smtClean="0"/>
+              <a:t>L2</a:t>
+            </a:r>
+            <a:r>
+              <a:rPr lang="ru-RU" baseline="0" dirty="0" smtClean="0"/>
+              <a:t>  вторым) рассмотрим алгоритмы нахождения среднего арифметического, медианного и модального значений.</a:t>
+            </a:r>
+            <a:endParaRPr lang="en-US" dirty="0" smtClean="0"/>
+          </a:p>
+          <a:p>
+            <a:pPr marL="0" marR="0" indent="0" algn="l" defTabSz="914400" rtl="0" eaLnBrk="1" fontAlgn="auto" latinLnBrk="0" hangingPunct="1">
+              <a:lnSpc>
+                <a:spcPct val="100000"/>
+              </a:lnSpc>
+              <a:spcBef>
+                <a:spcPts val="0"/>
+              </a:spcBef>
+              <a:spcAft>
+                <a:spcPts val="0"/>
+              </a:spcAft>
+              <a:buClrTx/>
+              <a:buSzTx/>
+              <a:buFontTx/>
+              <a:buNone/>
+              <a:tabLst/>
+              <a:defRPr/>
+            </a:pPr>
+            <a:r>
+              <a:rPr lang="ru-RU" dirty="0" smtClean="0"/>
+              <a:t>	Основная идея: </a:t>
+            </a:r>
+            <a:r>
+              <a:rPr lang="ru-RU" baseline="0" dirty="0" smtClean="0"/>
+              <a:t>сохранять последнее подсчитанное среднее арифметическое во вспомогательную структуру данных, что бы потом просто прибавлять новые значения и делить на количество элементов в базе.</a:t>
+            </a:r>
+            <a:endParaRPr lang="ru-RU" dirty="0" smtClean="0"/>
+          </a:p>
+          <a:p>
+            <a:pPr marL="0" marR="0" indent="0" algn="l" defTabSz="914400" rtl="0" eaLnBrk="1" fontAlgn="auto" latinLnBrk="0" hangingPunct="1">
+              <a:lnSpc>
+                <a:spcPct val="100000"/>
+              </a:lnSpc>
+              <a:spcBef>
+                <a:spcPts val="0"/>
+              </a:spcBef>
+              <a:spcAft>
+                <a:spcPts val="0"/>
+              </a:spcAft>
+              <a:buClrTx/>
+              <a:buSzTx/>
+              <a:buFontTx/>
+              <a:buNone/>
+              <a:tabLst/>
+              <a:defRPr/>
+            </a:pPr>
+            <a:endParaRPr lang="en-US" dirty="0" smtClean="0"/>
+          </a:p>
+          <a:p>
+            <a:endParaRPr lang="uk-UA" dirty="0"/>
           </a:p>
         </p:txBody>
       </p:sp>
@@ -2699,7 +3925,7 @@
     </p:spTree>
     <p:extLst>
       <p:ext uri="{BB962C8B-B14F-4D97-AF65-F5344CB8AC3E}">
-        <p14:creationId xmlns:p14="http://schemas.microsoft.com/office/powerpoint/2010/main" val="2429625256"/>
+        <p14:creationId xmlns:p14="http://schemas.microsoft.com/office/powerpoint/2010/main" val="3283955315"/>
       </p:ext>
     </p:extLst>
   </p:cSld>
@@ -2758,7 +3984,109 @@
           <a:bodyPr/>
           <a:lstStyle/>
           <a:p>
-            <a:endParaRPr lang="uk-UA"/>
+            <a:pPr marL="0" marR="0" indent="0" algn="l" defTabSz="914400" rtl="0" eaLnBrk="1" fontAlgn="auto" latinLnBrk="0" hangingPunct="1">
+              <a:lnSpc>
+                <a:spcPct val="100000"/>
+              </a:lnSpc>
+              <a:spcBef>
+                <a:spcPts val="0"/>
+              </a:spcBef>
+              <a:spcAft>
+                <a:spcPts val="0"/>
+              </a:spcAft>
+              <a:buClrTx/>
+              <a:buSzTx/>
+              <a:buFontTx/>
+              <a:buNone/>
+              <a:tabLst/>
+              <a:defRPr/>
+            </a:pPr>
+            <a:r>
+              <a:rPr lang="ru-RU" b="1" dirty="0" smtClean="0"/>
+              <a:t>Зачем</a:t>
+            </a:r>
+            <a:r>
+              <a:rPr lang="ru-RU" b="1" baseline="0" dirty="0" smtClean="0"/>
+              <a:t> нужно</a:t>
+            </a:r>
+            <a:r>
+              <a:rPr lang="ru-RU" b="1" dirty="0" smtClean="0"/>
+              <a:t>?</a:t>
+            </a:r>
+            <a:endParaRPr lang="uk-UA" b="1" dirty="0" smtClean="0"/>
+          </a:p>
+          <a:p>
+            <a:pPr marL="0" marR="0" indent="0" algn="l" defTabSz="914400" rtl="0" eaLnBrk="1" fontAlgn="auto" latinLnBrk="0" hangingPunct="1">
+              <a:lnSpc>
+                <a:spcPct val="100000"/>
+              </a:lnSpc>
+              <a:spcBef>
+                <a:spcPts val="0"/>
+              </a:spcBef>
+              <a:spcAft>
+                <a:spcPts val="0"/>
+              </a:spcAft>
+              <a:buClrTx/>
+              <a:buSzTx/>
+              <a:buFontTx/>
+              <a:buNone/>
+              <a:tabLst/>
+              <a:defRPr/>
+            </a:pPr>
+            <a:r>
+              <a:rPr lang="ru-RU" dirty="0" smtClean="0"/>
+              <a:t>	</a:t>
+            </a:r>
+          </a:p>
+          <a:p>
+            <a:pPr marL="0" marR="0" indent="0" algn="l" defTabSz="914400" rtl="0" eaLnBrk="1" fontAlgn="auto" latinLnBrk="0" hangingPunct="1">
+              <a:lnSpc>
+                <a:spcPct val="100000"/>
+              </a:lnSpc>
+              <a:spcBef>
+                <a:spcPts val="0"/>
+              </a:spcBef>
+              <a:spcAft>
+                <a:spcPts val="0"/>
+              </a:spcAft>
+              <a:buClrTx/>
+              <a:buSzTx/>
+              <a:buFontTx/>
+              <a:buNone/>
+              <a:tabLst/>
+              <a:defRPr/>
+            </a:pPr>
+            <a:endParaRPr lang="ru-RU" dirty="0" smtClean="0"/>
+          </a:p>
+          <a:p>
+            <a:pPr marL="0" marR="0" indent="0" algn="l" defTabSz="914400" rtl="0" eaLnBrk="1" fontAlgn="auto" latinLnBrk="0" hangingPunct="1">
+              <a:lnSpc>
+                <a:spcPct val="100000"/>
+              </a:lnSpc>
+              <a:spcBef>
+                <a:spcPts val="0"/>
+              </a:spcBef>
+              <a:spcAft>
+                <a:spcPts val="0"/>
+              </a:spcAft>
+              <a:buClrTx/>
+              <a:buSzTx/>
+              <a:buFontTx/>
+              <a:buNone/>
+              <a:tabLst/>
+              <a:defRPr/>
+            </a:pPr>
+            <a:r>
+              <a:rPr lang="ru-RU" b="1" dirty="0" smtClean="0"/>
+              <a:t>Алгоритм:</a:t>
+            </a:r>
+          </a:p>
+          <a:p>
+            <a:r>
+              <a:rPr lang="uk-UA" dirty="0" smtClean="0"/>
+              <a:t>	</a:t>
+            </a:r>
+            <a:endParaRPr lang="uk-UA" dirty="0"/>
           </a:p>
         </p:txBody>
       </p:sp>
@@ -2788,7 +4116,7 @@
     </p:spTree>
     <p:extLst>
       <p:ext uri="{BB962C8B-B14F-4D97-AF65-F5344CB8AC3E}">
-        <p14:creationId xmlns:p14="http://schemas.microsoft.com/office/powerpoint/2010/main" val="2924510712"/>
+        <p14:creationId xmlns:p14="http://schemas.microsoft.com/office/powerpoint/2010/main" val="2429625256"/>
       </p:ext>
     </p:extLst>
   </p:cSld>
@@ -2847,6 +4175,88 @@
           <a:bodyPr/>
           <a:lstStyle/>
           <a:p>
+            <a:pPr marL="0" marR="0" indent="0" algn="l" defTabSz="914400" rtl="0" eaLnBrk="1" fontAlgn="auto" latinLnBrk="0" hangingPunct="1">
+              <a:lnSpc>
+                <a:spcPct val="100000"/>
+              </a:lnSpc>
+              <a:spcBef>
+                <a:spcPts val="0"/>
+              </a:spcBef>
+              <a:spcAft>
+                <a:spcPts val="0"/>
+              </a:spcAft>
+              <a:buClrTx/>
+              <a:buSzTx/>
+              <a:buFontTx/>
+              <a:buNone/>
+              <a:tabLst/>
+              <a:defRPr/>
+            </a:pPr>
+            <a:r>
+              <a:rPr lang="ru-RU" b="1" dirty="0" smtClean="0"/>
+              <a:t>Зачем</a:t>
+            </a:r>
+            <a:r>
+              <a:rPr lang="ru-RU" b="1" baseline="0" dirty="0" smtClean="0"/>
+              <a:t> нужно</a:t>
+            </a:r>
+            <a:r>
+              <a:rPr lang="ru-RU" b="1" dirty="0" smtClean="0"/>
+              <a:t>?</a:t>
+            </a:r>
+            <a:endParaRPr lang="uk-UA" b="1" dirty="0" smtClean="0"/>
+          </a:p>
+          <a:p>
+            <a:pPr marL="0" marR="0" indent="0" algn="l" defTabSz="914400" rtl="0" eaLnBrk="1" fontAlgn="auto" latinLnBrk="0" hangingPunct="1">
+              <a:lnSpc>
+                <a:spcPct val="100000"/>
+              </a:lnSpc>
+              <a:spcBef>
+                <a:spcPts val="0"/>
+              </a:spcBef>
+              <a:spcAft>
+                <a:spcPts val="0"/>
+              </a:spcAft>
+              <a:buClrTx/>
+              <a:buSzTx/>
+              <a:buFontTx/>
+              <a:buNone/>
+              <a:tabLst/>
+              <a:defRPr/>
+            </a:pPr>
+            <a:r>
+              <a:rPr lang="ru-RU" dirty="0" smtClean="0"/>
+              <a:t>	</a:t>
+            </a:r>
+          </a:p>
+          <a:p>
+            <a:pPr marL="0" marR="0" indent="0" algn="l" defTabSz="914400" rtl="0" eaLnBrk="1" fontAlgn="auto" latinLnBrk="0" hangingPunct="1">
+              <a:lnSpc>
+                <a:spcPct val="100000"/>
+              </a:lnSpc>
+              <a:spcBef>
+                <a:spcPts val="0"/>
+              </a:spcBef>
+              <a:spcAft>
+                <a:spcPts val="0"/>
+              </a:spcAft>
+              <a:buClrTx/>
+              <a:buSzTx/>
+              <a:buFontTx/>
+              <a:buNone/>
+              <a:tabLst/>
+              <a:defRPr/>
+            </a:pPr>
+            <a:r>
+              <a:rPr lang="ru-RU" b="1" dirty="0" smtClean="0"/>
+              <a:t>Алгоритм:</a:t>
+            </a:r>
+          </a:p>
+          <a:p>
+            <a:r>
+              <a:rPr lang="uk-UA" dirty="0" smtClean="0"/>
+              <a:t>	</a:t>
+            </a:r>
             <a:endParaRPr lang="uk-UA" dirty="0"/>
           </a:p>
         </p:txBody>
@@ -2877,7 +4287,7 @@
     </p:spTree>
     <p:extLst>
       <p:ext uri="{BB962C8B-B14F-4D97-AF65-F5344CB8AC3E}">
-        <p14:creationId xmlns:p14="http://schemas.microsoft.com/office/powerpoint/2010/main" val="2317171516"/>
+        <p14:creationId xmlns:p14="http://schemas.microsoft.com/office/powerpoint/2010/main" val="2924510712"/>
       </p:ext>
     </p:extLst>
   </p:cSld>
@@ -2936,53 +4346,6 @@
           <a:bodyPr/>
           <a:lstStyle/>
           <a:p>
-            <a:r>
-              <a:rPr lang="ru-RU" dirty="0" err="1" smtClean="0"/>
-              <a:t>DeviceConnectionListener</a:t>
-            </a:r>
-            <a:r>
-              <a:rPr lang="ru-RU" dirty="0" smtClean="0"/>
-              <a:t> - класс, задача которого сканировать систему на предмет подключений устройств через заданные промежутки времени.</a:t>
-            </a:r>
-            <a:endParaRPr lang="en-US" dirty="0" smtClean="0"/>
-          </a:p>
-          <a:p>
-            <a:r>
-              <a:rPr lang="ru-RU" dirty="0" smtClean="0"/>
-              <a:t>Класс реализует паттерн программирования </a:t>
-            </a:r>
-            <a:r>
-              <a:rPr lang="ru-RU" dirty="0" err="1" smtClean="0"/>
-              <a:t>Singleton</a:t>
-            </a:r>
-            <a:r>
-              <a:rPr lang="ru-RU" dirty="0" smtClean="0"/>
-              <a:t>, потому что нет смысла запускать в одной программе несколько экземпляров этого класса. Также реализует </a:t>
-            </a:r>
-            <a:r>
-              <a:rPr lang="ru-RU" dirty="0" err="1" smtClean="0"/>
-              <a:t>Observer</a:t>
-            </a:r>
-            <a:r>
-              <a:rPr lang="ru-RU" dirty="0" smtClean="0"/>
-              <a:t>, с помощью которого происходит нотификация подписчиков на событие подключения устройства. Класс </a:t>
-            </a:r>
-            <a:r>
-              <a:rPr lang="ru-RU" dirty="0" err="1" smtClean="0"/>
-              <a:t>DeviceConnectionHandler</a:t>
-            </a:r>
-            <a:r>
-              <a:rPr lang="ru-RU" dirty="0" smtClean="0"/>
-              <a:t> (см. Приложение 2) подписывается на событие подключения устройства, вызывает стать-</a:t>
-            </a:r>
-            <a:r>
-              <a:rPr lang="ru-RU" dirty="0" err="1" smtClean="0"/>
-              <a:t>ческий</a:t>
-            </a:r>
-            <a:r>
-              <a:rPr lang="ru-RU" dirty="0" smtClean="0"/>
-              <a:t> метод для поиска конкретного устройства, которое поддерживает программа и, в случае успеха, запускает поток для работы с устройством.</a:t>
-            </a:r>
             <a:endParaRPr lang="uk-UA" dirty="0"/>
           </a:p>
         </p:txBody>
@@ -3013,7 +4376,7 @@
     </p:spTree>
     <p:extLst>
       <p:ext uri="{BB962C8B-B14F-4D97-AF65-F5344CB8AC3E}">
-        <p14:creationId xmlns:p14="http://schemas.microsoft.com/office/powerpoint/2010/main" val="208238952"/>
+        <p14:creationId xmlns:p14="http://schemas.microsoft.com/office/powerpoint/2010/main" val="2317171516"/>
       </p:ext>
     </p:extLst>
   </p:cSld>
@@ -3149,7 +4512,7 @@
     </p:spTree>
     <p:extLst>
       <p:ext uri="{BB962C8B-B14F-4D97-AF65-F5344CB8AC3E}">
-        <p14:creationId xmlns:p14="http://schemas.microsoft.com/office/powerpoint/2010/main" val="2353773462"/>
+        <p14:creationId xmlns:p14="http://schemas.microsoft.com/office/powerpoint/2010/main" val="208238952"/>
       </p:ext>
     </p:extLst>
   </p:cSld>
@@ -6368,7 +7731,158 @@
           <a:graphicData uri="http://schemas.openxmlformats.org/presentationml/2006/ole">
             <mc:AlternateContent xmlns:mc="http://schemas.openxmlformats.org/markup-compatibility/2006">
               <mc:Choice xmlns:v="urn:schemas-microsoft-com:vml" Requires="v">
-                <p:oleObj spid="_x0000_s10249" name="Visio" r:id="rId4" imgW="13496857" imgH="5267235" progId="Visio.Drawing.15">
+                <p:oleObj spid="_x0000_s9322" name="Visio" r:id="rId4" imgW="13496857" imgH="5267235" progId="Visio.Drawing.15">
+                  <p:embed/>
+                </p:oleObj>
+              </mc:Choice>
+              <mc:Fallback>
+                <p:oleObj name="Visio" r:id="rId4" imgW="13496857" imgH="5267235" progId="Visio.Drawing.15">
+                  <p:embed/>
+                  <p:pic>
+                    <p:nvPicPr>
+                      <p:cNvPr id="0" name=""/>
+                      <p:cNvPicPr/>
+                      <p:nvPr/>
+                    </p:nvPicPr>
+                    <p:blipFill>
+                      <a:blip r:embed="rId5"/>
+                      <a:stretch>
+                        <a:fillRect/>
+                      </a:stretch>
+                    </p:blipFill>
+                    <p:spPr>
+                      <a:xfrm>
+                        <a:off x="159657" y="1922920"/>
+                        <a:ext cx="11872686" cy="4633132"/>
+                      </a:xfrm>
+                      <a:prstGeom prst="rect">
+                        <a:avLst/>
+                      </a:prstGeom>
+                    </p:spPr>
+                  </p:pic>
+                </p:oleObj>
+              </mc:Fallback>
+            </mc:AlternateContent>
+          </a:graphicData>
+        </a:graphic>
+      </p:graphicFrame>
+      <p:sp>
+        <p:nvSpPr>
+          <p:cNvPr id="4" name="Title 3"/>
+          <p:cNvSpPr>
+            <a:spLocks noGrp="1"/>
+          </p:cNvSpPr>
+          <p:nvPr>
+            <p:ph type="title"/>
+          </p:nvPr>
+        </p:nvSpPr>
+        <p:spPr/>
+        <p:txBody>
+          <a:bodyPr/>
+          <a:lstStyle/>
+          <a:p>
+            <a:pPr algn="ctr"/>
+            <a:r>
+              <a:rPr lang="uk-UA" dirty="0" smtClean="0"/>
+              <a:t>Схема роботи програми</a:t>
+            </a:r>
+            <a:endParaRPr lang="uk-UA" dirty="0"/>
+          </a:p>
+        </p:txBody>
+      </p:sp>
+      <p:pic>
+        <p:nvPicPr>
+          <p:cNvPr id="6" name="Picture 5"/>
+          <p:cNvPicPr>
+            <a:picLocks noChangeAspect="1"/>
+          </p:cNvPicPr>
+          <p:nvPr/>
+        </p:nvPicPr>
+        <p:blipFill>
+          <a:blip r:embed="rId6">
+            <a:extLst>
+              <a:ext uri="{28A0092B-C50C-407E-A947-70E740481C1C}">
+                <a14:useLocalDpi xmlns:a14="http://schemas.microsoft.com/office/drawing/2010/main" val="0"/>
+              </a:ext>
+            </a:extLst>
+          </a:blip>
+          <a:stretch>
+            <a:fillRect/>
+          </a:stretch>
+        </p:blipFill>
+        <p:spPr>
+          <a:xfrm>
+            <a:off x="-5781751" y="-168103"/>
+            <a:ext cx="23622152" cy="8512637"/>
+          </a:xfrm>
+          <a:prstGeom prst="rect">
+            <a:avLst/>
+          </a:prstGeom>
+          <a:noFill/>
+          <a:ln>
+            <a:noFill/>
+          </a:ln>
+        </p:spPr>
+      </p:pic>
+    </p:spTree>
+    <p:extLst>
+      <p:ext uri="{BB962C8B-B14F-4D97-AF65-F5344CB8AC3E}">
+        <p14:creationId xmlns:p14="http://schemas.microsoft.com/office/powerpoint/2010/main" val="692297819"/>
+      </p:ext>
+    </p:extLst>
+  </p:cSld>
+  <p:clrMapOvr>
+    <a:masterClrMapping/>
+  </p:clrMapOvr>
+  <p:transition spd="med">
+    <p:fade/>
+  </p:transition>
+  <p:timing>
+    <p:tnLst>
+      <p:par>
+        <p:cTn id="1" dur="indefinite" restart="never" nodeType="tmRoot"/>
+      </p:par>
+    </p:tnLst>
+  </p:timing>
+</p:sld>
+</file>
+
+<file path=ppt/slides/slide11.xml><?xml version="1.0" encoding="utf-8"?>
+<p:sld xmlns:a="http://schemas.openxmlformats.org/drawingml/2006/main" xmlns:r="http://schemas.openxmlformats.org/officeDocument/2006/relationships" xmlns:p="http://schemas.openxmlformats.org/presentationml/2006/main">
+  <p:cSld>
+    <p:spTree>
+      <p:nvGrpSpPr>
+        <p:cNvPr id="1" name=""/>
+        <p:cNvGrpSpPr/>
+        <p:nvPr/>
+      </p:nvGrpSpPr>
+      <p:grpSpPr>
+        <a:xfrm>
+          <a:off x="0" y="0"/>
+          <a:ext cx="0" cy="0"/>
+          <a:chOff x="0" y="0"/>
+          <a:chExt cx="0" cy="0"/>
+        </a:xfrm>
+      </p:grpSpPr>
+      <p:graphicFrame>
+        <p:nvGraphicFramePr>
+          <p:cNvPr id="3" name="Object 2"/>
+          <p:cNvGraphicFramePr>
+            <a:graphicFrameLocks noChangeAspect="1"/>
+          </p:cNvGraphicFramePr>
+          <p:nvPr>
+            <p:extLst/>
+          </p:nvPr>
+        </p:nvGraphicFramePr>
+        <p:xfrm>
+          <a:off x="159657" y="1922920"/>
+          <a:ext cx="11872686" cy="4633132"/>
+        </p:xfrm>
+        <a:graphic>
+          <a:graphicData uri="http://schemas.openxmlformats.org/presentationml/2006/ole">
+            <mc:AlternateContent xmlns:mc="http://schemas.openxmlformats.org/markup-compatibility/2006">
+              <mc:Choice xmlns:v="urn:schemas-microsoft-com:vml" Requires="v">
+                <p:oleObj spid="_x0000_s10346" name="Visio" r:id="rId4" imgW="13496857" imgH="5267235" progId="Visio.Drawing.15">
                   <p:embed/>
                 </p:oleObj>
               </mc:Choice>
@@ -6484,7 +7998,7 @@
 </p:sld>
 </file>
 
-<file path=ppt/slides/slide11.xml><?xml version="1.0" encoding="utf-8"?>
+<file path=ppt/slides/slide12.xml><?xml version="1.0" encoding="utf-8"?>
 <p:sld xmlns:a="http://schemas.openxmlformats.org/drawingml/2006/main" xmlns:r="http://schemas.openxmlformats.org/officeDocument/2006/relationships" xmlns:p="http://schemas.openxmlformats.org/presentationml/2006/main">
   <p:cSld>
     <p:spTree>
@@ -6519,7 +8033,7 @@
           <a:graphicData uri="http://schemas.openxmlformats.org/presentationml/2006/ole">
             <mc:AlternateContent xmlns:mc="http://schemas.openxmlformats.org/markup-compatibility/2006">
               <mc:Choice xmlns:v="urn:schemas-microsoft-com:vml" Requires="v">
-                <p:oleObj spid="_x0000_s11271" name="Visio" r:id="rId4" imgW="13496857" imgH="5267235" progId="Visio.Drawing.15">
+                <p:oleObj spid="_x0000_s11368" name="Visio" r:id="rId4" imgW="13496857" imgH="5267235" progId="Visio.Drawing.15">
                   <p:embed/>
                 </p:oleObj>
               </mc:Choice>
@@ -6635,7 +8149,7 @@
 </p:sld>
 </file>
 
-<file path=ppt/slides/slide12.xml><?xml version="1.0" encoding="utf-8"?>
+<file path=ppt/slides/slide13.xml><?xml version="1.0" encoding="utf-8"?>
 <p:sld xmlns:a="http://schemas.openxmlformats.org/drawingml/2006/main" xmlns:r="http://schemas.openxmlformats.org/officeDocument/2006/relationships" xmlns:p="http://schemas.openxmlformats.org/presentationml/2006/main">
   <p:cSld>
     <p:spTree>
@@ -6670,7 +8184,7 @@
           <a:graphicData uri="http://schemas.openxmlformats.org/presentationml/2006/ole">
             <mc:AlternateContent xmlns:mc="http://schemas.openxmlformats.org/markup-compatibility/2006">
               <mc:Choice xmlns:v="urn:schemas-microsoft-com:vml" Requires="v">
-                <p:oleObj spid="_x0000_s12291" name="Visio" r:id="rId4" imgW="13496857" imgH="5267235" progId="Visio.Drawing.15">
+                <p:oleObj spid="_x0000_s12388" name="Visio" r:id="rId4" imgW="13496857" imgH="5267235" progId="Visio.Drawing.15">
                   <p:embed/>
                 </p:oleObj>
               </mc:Choice>
@@ -6786,7 +8300,7 @@
 </p:sld>
 </file>
 
-<file path=ppt/slides/slide13.xml><?xml version="1.0" encoding="utf-8"?>
+<file path=ppt/slides/slide14.xml><?xml version="1.0" encoding="utf-8"?>
 <p:sld xmlns:a="http://schemas.openxmlformats.org/drawingml/2006/main" xmlns:r="http://schemas.openxmlformats.org/officeDocument/2006/relationships" xmlns:p="http://schemas.openxmlformats.org/presentationml/2006/main">
   <p:cSld>
     <p:spTree>
@@ -6897,7 +8411,7 @@
           <a:graphicData uri="http://schemas.openxmlformats.org/presentationml/2006/ole">
             <mc:AlternateContent xmlns:mc="http://schemas.openxmlformats.org/markup-compatibility/2006">
               <mc:Choice xmlns:v="urn:schemas-microsoft-com:vml" Requires="v">
-                <p:oleObj spid="_x0000_s6193" name="Visio" r:id="rId4" imgW="13496857" imgH="5267235" progId="Visio.Drawing.15">
+                <p:oleObj spid="_x0000_s6289" name="Visio" r:id="rId4" imgW="13496857" imgH="5267235" progId="Visio.Drawing.15">
                   <p:embed/>
                 </p:oleObj>
               </mc:Choice>
@@ -7099,6 +8613,904 @@
 </file>
 
 <file path=ppt/slides/slide3.xml><?xml version="1.0" encoding="utf-8"?>
+<p:sld xmlns:a="http://schemas.openxmlformats.org/drawingml/2006/main" xmlns:r="http://schemas.openxmlformats.org/officeDocument/2006/relationships" xmlns:p="http://schemas.openxmlformats.org/presentationml/2006/main" show="0">
+  <p:cSld>
+    <p:spTree>
+      <p:nvGrpSpPr>
+        <p:cNvPr id="1" name=""/>
+        <p:cNvGrpSpPr/>
+        <p:nvPr/>
+      </p:nvGrpSpPr>
+      <p:grpSpPr>
+        <a:xfrm>
+          <a:off x="0" y="0"/>
+          <a:ext cx="0" cy="0"/>
+          <a:chOff x="0" y="0"/>
+          <a:chExt cx="0" cy="0"/>
+        </a:xfrm>
+      </p:grpSpPr>
+      <p:sp>
+        <p:nvSpPr>
+          <p:cNvPr id="2" name="Title 1"/>
+          <p:cNvSpPr>
+            <a:spLocks noGrp="1"/>
+          </p:cNvSpPr>
+          <p:nvPr>
+            <p:ph type="title"/>
+          </p:nvPr>
+        </p:nvSpPr>
+        <p:spPr/>
+        <p:txBody>
+          <a:bodyPr/>
+          <a:lstStyle/>
+          <a:p>
+            <a:pPr algn="ctr"/>
+            <a:r>
+              <a:rPr lang="uk-UA" dirty="0" smtClean="0">
+                <a:solidFill>
+                  <a:srgbClr val="FF0000"/>
+                </a:solidFill>
+              </a:rPr>
+              <a:t>Занадто багато</a:t>
+            </a:r>
+            <a:r>
+              <a:rPr lang="ru-RU" dirty="0" smtClean="0">
+                <a:solidFill>
+                  <a:srgbClr val="FF0000"/>
+                </a:solidFill>
+              </a:rPr>
+              <a:t> </a:t>
+            </a:r>
+            <a:r>
+              <a:rPr lang="uk-UA" dirty="0" smtClean="0"/>
+              <a:t>даних</a:t>
+            </a:r>
+            <a:endParaRPr lang="uk-UA" dirty="0"/>
+          </a:p>
+        </p:txBody>
+      </p:sp>
+      <p:graphicFrame>
+        <p:nvGraphicFramePr>
+          <p:cNvPr id="7" name="Content Placeholder 8"/>
+          <p:cNvGraphicFramePr>
+            <a:graphicFrameLocks noGrp="1"/>
+          </p:cNvGraphicFramePr>
+          <p:nvPr>
+            <p:ph idx="1"/>
+            <p:extLst>
+              <p:ext uri="{D42A27DB-BD31-4B8C-83A1-F6EECF244321}">
+                <p14:modId xmlns:p14="http://schemas.microsoft.com/office/powerpoint/2010/main" val="2248160762"/>
+              </p:ext>
+            </p:extLst>
+          </p:nvPr>
+        </p:nvGraphicFramePr>
+        <p:xfrm>
+          <a:off x="838200" y="1825625"/>
+          <a:ext cx="10515600" cy="4351338"/>
+        </p:xfrm>
+        <a:graphic>
+          <a:graphicData uri="http://schemas.openxmlformats.org/drawingml/2006/chart">
+            <c:chart xmlns:c="http://schemas.openxmlformats.org/drawingml/2006/chart" xmlns:r="http://schemas.openxmlformats.org/officeDocument/2006/relationships" r:id="rId3"/>
+          </a:graphicData>
+        </a:graphic>
+      </p:graphicFrame>
+      <mc:AlternateContent xmlns:mc="http://schemas.openxmlformats.org/markup-compatibility/2006">
+        <mc:Choice xmlns:a14="http://schemas.microsoft.com/office/drawing/2010/main" Requires="a14">
+          <p:sp>
+            <p:nvSpPr>
+              <p:cNvPr id="3" name="Rectangle 2"/>
+              <p:cNvSpPr/>
+              <p:nvPr/>
+            </p:nvSpPr>
+            <p:spPr>
+              <a:xfrm>
+                <a:off x="4084459" y="3759460"/>
+                <a:ext cx="1205266" cy="1100558"/>
+              </a:xfrm>
+              <a:prstGeom prst="rect">
+                <a:avLst/>
+              </a:prstGeom>
+            </p:spPr>
+            <p:txBody>
+              <a:bodyPr wrap="none">
+                <a:spAutoFit/>
+              </a:bodyPr>
+              <a:lstStyle/>
+              <a:p>
+                <a14:m>
+                  <m:oMathPara xmlns:m="http://schemas.openxmlformats.org/officeDocument/2006/math">
+                    <m:oMathParaPr>
+                      <m:jc m:val="centerGroup"/>
+                    </m:oMathParaPr>
+                    <m:oMath xmlns:m="http://schemas.openxmlformats.org/officeDocument/2006/math">
+                      <m:f>
+                        <m:fPr>
+                          <m:ctrlPr>
+                            <a:rPr lang="uk-UA" sz="2400">
+                              <a:latin typeface="Cambria Math" panose="02040503050406030204" pitchFamily="18" charset="0"/>
+                            </a:rPr>
+                          </m:ctrlPr>
+                        </m:fPr>
+                        <m:num>
+                          <m:r>
+                            <a:rPr lang="uk-UA" sz="2400">
+                              <a:latin typeface="Cambria Math" panose="02040503050406030204" pitchFamily="18" charset="0"/>
+                            </a:rPr>
+                            <m:t>1</m:t>
+                          </m:r>
+                        </m:num>
+                        <m:den>
+                          <m:r>
+                            <a:rPr lang="uk-UA" sz="2400" i="1">
+                              <a:latin typeface="Cambria Math" panose="02040503050406030204" pitchFamily="18" charset="0"/>
+                            </a:rPr>
+                            <m:t>𝑛</m:t>
+                          </m:r>
+                        </m:den>
+                      </m:f>
+                      <m:nary>
+                        <m:naryPr>
+                          <m:chr m:val="∑"/>
+                          <m:limLoc m:val="undOvr"/>
+                          <m:ctrlPr>
+                            <a:rPr lang="uk-UA" sz="2400" i="1">
+                              <a:latin typeface="Cambria Math" panose="02040503050406030204" pitchFamily="18" charset="0"/>
+                            </a:rPr>
+                          </m:ctrlPr>
+                        </m:naryPr>
+                        <m:sub>
+                          <m:r>
+                            <a:rPr lang="uk-UA" sz="2400" i="1">
+                              <a:latin typeface="Cambria Math" panose="02040503050406030204" pitchFamily="18" charset="0"/>
+                            </a:rPr>
+                            <m:t>𝑖</m:t>
+                          </m:r>
+                          <m:r>
+                            <a:rPr lang="uk-UA" sz="2400" i="0">
+                              <a:latin typeface="Cambria Math" panose="02040503050406030204" pitchFamily="18" charset="0"/>
+                            </a:rPr>
+                            <m:t>=1</m:t>
+                          </m:r>
+                        </m:sub>
+                        <m:sup>
+                          <m:r>
+                            <a:rPr lang="uk-UA" sz="2400" i="1">
+                              <a:latin typeface="Cambria Math" panose="02040503050406030204" pitchFamily="18" charset="0"/>
+                            </a:rPr>
+                            <m:t>𝑛</m:t>
+                          </m:r>
+                        </m:sup>
+                        <m:e>
+                          <m:sSub>
+                            <m:sSubPr>
+                              <m:ctrlPr>
+                                <a:rPr lang="uk-UA" sz="2400" i="1">
+                                  <a:latin typeface="Cambria Math" panose="02040503050406030204" pitchFamily="18" charset="0"/>
+                                </a:rPr>
+                              </m:ctrlPr>
+                            </m:sSubPr>
+                            <m:e>
+                              <m:r>
+                                <a:rPr lang="uk-UA" sz="2400" i="1">
+                                  <a:latin typeface="Cambria Math" panose="02040503050406030204" pitchFamily="18" charset="0"/>
+                                </a:rPr>
+                                <m:t>𝑥</m:t>
+                              </m:r>
+                            </m:e>
+                            <m:sub>
+                              <m:r>
+                                <a:rPr lang="uk-UA" sz="2400" i="1">
+                                  <a:latin typeface="Cambria Math" panose="02040503050406030204" pitchFamily="18" charset="0"/>
+                                </a:rPr>
+                                <m:t>𝑖</m:t>
+                              </m:r>
+                            </m:sub>
+                          </m:sSub>
+                        </m:e>
+                      </m:nary>
+                    </m:oMath>
+                  </m:oMathPara>
+                </a14:m>
+                <a:endParaRPr lang="uk-UA" sz="2400" dirty="0"/>
+              </a:p>
+            </p:txBody>
+          </p:sp>
+        </mc:Choice>
+        <mc:Fallback>
+          <p:sp>
+            <p:nvSpPr>
+              <p:cNvPr id="3" name="Rectangle 2"/>
+              <p:cNvSpPr>
+                <a:spLocks noRot="1" noChangeAspect="1" noMove="1" noResize="1" noEditPoints="1" noAdjustHandles="1" noChangeArrowheads="1" noChangeShapeType="1" noTextEdit="1"/>
+              </p:cNvSpPr>
+              <p:nvPr/>
+            </p:nvSpPr>
+            <p:spPr>
+              <a:xfrm>
+                <a:off x="4084459" y="3759460"/>
+                <a:ext cx="1205266" cy="1100558"/>
+              </a:xfrm>
+              <a:prstGeom prst="rect">
+                <a:avLst/>
+              </a:prstGeom>
+              <a:blipFill rotWithShape="0">
+                <a:blip r:embed="rId4"/>
+                <a:stretch>
+                  <a:fillRect/>
+                </a:stretch>
+              </a:blipFill>
+            </p:spPr>
+            <p:txBody>
+              <a:bodyPr/>
+              <a:lstStyle/>
+              <a:p>
+                <a:r>
+                  <a:rPr lang="uk-UA">
+                    <a:noFill/>
+                  </a:rPr>
+                  <a:t> </a:t>
+                </a:r>
+              </a:p>
+            </p:txBody>
+          </p:sp>
+        </mc:Fallback>
+      </mc:AlternateContent>
+      <mc:AlternateContent xmlns:mc="http://schemas.openxmlformats.org/markup-compatibility/2006">
+        <mc:Choice xmlns:a14="http://schemas.microsoft.com/office/drawing/2010/main" Requires="a14">
+          <p:sp>
+            <p:nvSpPr>
+              <p:cNvPr id="6" name="Rectangle 5"/>
+              <p:cNvSpPr/>
+              <p:nvPr/>
+            </p:nvSpPr>
+            <p:spPr>
+              <a:xfrm>
+                <a:off x="6631715" y="3574473"/>
+                <a:ext cx="4011033" cy="1285545"/>
+              </a:xfrm>
+              <a:prstGeom prst="rect">
+                <a:avLst/>
+              </a:prstGeom>
+            </p:spPr>
+            <p:txBody>
+              <a:bodyPr wrap="none">
+                <a:spAutoFit/>
+              </a:bodyPr>
+              <a:lstStyle/>
+              <a:p>
+                <a14:m>
+                  <m:oMathPara xmlns:m="http://schemas.openxmlformats.org/officeDocument/2006/math">
+                    <m:oMathParaPr>
+                      <m:jc m:val="centerGroup"/>
+                    </m:oMathParaPr>
+                    <m:oMath xmlns:m="http://schemas.openxmlformats.org/officeDocument/2006/math">
+                      <m:sSub>
+                        <m:sSubPr>
+                          <m:ctrlPr>
+                            <a:rPr lang="uk-UA" sz="2800" i="1" smtClean="0">
+                              <a:latin typeface="Cambria Math" panose="02040503050406030204" pitchFamily="18" charset="0"/>
+                            </a:rPr>
+                          </m:ctrlPr>
+                        </m:sSubPr>
+                        <m:e>
+                          <m:r>
+                            <a:rPr lang="en-US" sz="2800" b="0" i="1" smtClean="0">
+                              <a:latin typeface="Cambria Math" panose="02040503050406030204" pitchFamily="18" charset="0"/>
+                            </a:rPr>
+                            <m:t>𝑀</m:t>
+                          </m:r>
+                        </m:e>
+                        <m:sub>
+                          <m:r>
+                            <a:rPr lang="en-US" sz="2800" b="0" i="1" smtClean="0">
+                              <a:latin typeface="Cambria Math" panose="02040503050406030204" pitchFamily="18" charset="0"/>
+                            </a:rPr>
+                            <m:t>𝑒</m:t>
+                          </m:r>
+                        </m:sub>
+                      </m:sSub>
+                      <m:r>
+                        <a:rPr lang="en-US" sz="2800" b="0" i="1" smtClean="0">
+                          <a:latin typeface="Cambria Math" panose="02040503050406030204" pitchFamily="18" charset="0"/>
+                        </a:rPr>
+                        <m:t>=</m:t>
+                      </m:r>
+                      <m:sSub>
+                        <m:sSubPr>
+                          <m:ctrlPr>
+                            <a:rPr lang="uk-UA" sz="2800" i="1" smtClean="0">
+                              <a:latin typeface="Cambria Math" panose="02040503050406030204" pitchFamily="18" charset="0"/>
+                            </a:rPr>
+                          </m:ctrlPr>
+                        </m:sSubPr>
+                        <m:e>
+                          <m:r>
+                            <a:rPr lang="en-US" sz="2800" b="0" i="1" smtClean="0">
+                              <a:latin typeface="Cambria Math" panose="02040503050406030204" pitchFamily="18" charset="0"/>
+                            </a:rPr>
+                            <m:t>𝑥</m:t>
+                          </m:r>
+                        </m:e>
+                        <m:sub>
+                          <m:r>
+                            <a:rPr lang="en-US" sz="2800" b="0" i="1" smtClean="0">
+                              <a:latin typeface="Cambria Math" panose="02040503050406030204" pitchFamily="18" charset="0"/>
+                            </a:rPr>
+                            <m:t>0</m:t>
+                          </m:r>
+                        </m:sub>
+                      </m:sSub>
+                      <m:r>
+                        <a:rPr lang="en-US" sz="2800" b="0" i="1" smtClean="0">
+                          <a:latin typeface="Cambria Math" panose="02040503050406030204" pitchFamily="18" charset="0"/>
+                        </a:rPr>
+                        <m:t>+</m:t>
+                      </m:r>
+                      <m:r>
+                        <a:rPr lang="en-US" sz="2800" b="0" i="1" smtClean="0">
+                          <a:latin typeface="Cambria Math" panose="02040503050406030204" pitchFamily="18" charset="0"/>
+                        </a:rPr>
+                        <m:t>h</m:t>
+                      </m:r>
+                      <m:f>
+                        <m:fPr>
+                          <m:ctrlPr>
+                            <a:rPr lang="uk-UA" sz="2800" i="1" smtClean="0">
+                              <a:latin typeface="Cambria Math" panose="02040503050406030204" pitchFamily="18" charset="0"/>
+                            </a:rPr>
+                          </m:ctrlPr>
+                        </m:fPr>
+                        <m:num>
+                          <m:f>
+                            <m:fPr>
+                              <m:ctrlPr>
+                                <a:rPr lang="uk-UA" sz="2800" i="1" smtClean="0">
+                                  <a:latin typeface="Cambria Math" panose="02040503050406030204" pitchFamily="18" charset="0"/>
+                                </a:rPr>
+                              </m:ctrlPr>
+                            </m:fPr>
+                            <m:num>
+                              <m:nary>
+                                <m:naryPr>
+                                  <m:chr m:val="∑"/>
+                                  <m:subHide m:val="on"/>
+                                  <m:supHide m:val="on"/>
+                                  <m:ctrlPr>
+                                    <a:rPr lang="uk-UA" sz="2800" i="1" smtClean="0">
+                                      <a:latin typeface="Cambria Math" panose="02040503050406030204" pitchFamily="18" charset="0"/>
+                                    </a:rPr>
+                                  </m:ctrlPr>
+                                </m:naryPr>
+                                <m:sub/>
+                                <m:sup/>
+                                <m:e>
+                                  <m:sSub>
+                                    <m:sSubPr>
+                                      <m:ctrlPr>
+                                        <a:rPr lang="en-US" sz="2800" i="1">
+                                          <a:latin typeface="Cambria Math" panose="02040503050406030204" pitchFamily="18" charset="0"/>
+                                        </a:rPr>
+                                      </m:ctrlPr>
+                                    </m:sSubPr>
+                                    <m:e>
+                                      <m:r>
+                                        <a:rPr lang="en-US" sz="2800" i="1">
+                                          <a:latin typeface="Cambria Math" panose="02040503050406030204" pitchFamily="18" charset="0"/>
+                                        </a:rPr>
+                                        <m:t>𝑓</m:t>
+                                      </m:r>
+                                    </m:e>
+                                    <m:sub>
+                                      <m:r>
+                                        <a:rPr lang="en-US" sz="2800" i="1">
+                                          <a:latin typeface="Cambria Math" panose="02040503050406030204" pitchFamily="18" charset="0"/>
+                                        </a:rPr>
+                                        <m:t>𝑖</m:t>
+                                      </m:r>
+                                    </m:sub>
+                                  </m:sSub>
+                                </m:e>
+                              </m:nary>
+                            </m:num>
+                            <m:den>
+                              <m:r>
+                                <a:rPr lang="en-US" sz="2800" b="0" i="1" smtClean="0">
+                                  <a:latin typeface="Cambria Math" panose="02040503050406030204" pitchFamily="18" charset="0"/>
+                                </a:rPr>
+                                <m:t>2</m:t>
+                              </m:r>
+                            </m:den>
+                          </m:f>
+                          <m:r>
+                            <a:rPr lang="en-US" sz="2800" b="0" i="1" smtClean="0">
+                              <a:latin typeface="Cambria Math" panose="02040503050406030204" pitchFamily="18" charset="0"/>
+                            </a:rPr>
+                            <m:t>−</m:t>
+                          </m:r>
+                          <m:sSub>
+                            <m:sSubPr>
+                              <m:ctrlPr>
+                                <a:rPr lang="en-US" sz="2800" i="1">
+                                  <a:latin typeface="Cambria Math" panose="02040503050406030204" pitchFamily="18" charset="0"/>
+                                </a:rPr>
+                              </m:ctrlPr>
+                            </m:sSubPr>
+                            <m:e>
+                              <m:r>
+                                <a:rPr lang="en-US" sz="2800" i="1">
+                                  <a:latin typeface="Cambria Math" panose="02040503050406030204" pitchFamily="18" charset="0"/>
+                                </a:rPr>
+                                <m:t>𝑆</m:t>
+                              </m:r>
+                            </m:e>
+                            <m:sub>
+                              <m:r>
+                                <a:rPr lang="en-US" sz="2800" i="1">
+                                  <a:latin typeface="Cambria Math" panose="02040503050406030204" pitchFamily="18" charset="0"/>
+                                </a:rPr>
+                                <m:t>𝑚</m:t>
+                              </m:r>
+                              <m:r>
+                                <a:rPr lang="en-US" sz="2800" i="1">
+                                  <a:latin typeface="Cambria Math" panose="02040503050406030204" pitchFamily="18" charset="0"/>
+                                </a:rPr>
+                                <m:t>−1</m:t>
+                              </m:r>
+                            </m:sub>
+                          </m:sSub>
+                        </m:num>
+                        <m:den>
+                          <m:sSub>
+                            <m:sSubPr>
+                              <m:ctrlPr>
+                                <a:rPr lang="en-US" sz="2800" i="1">
+                                  <a:latin typeface="Cambria Math" panose="02040503050406030204" pitchFamily="18" charset="0"/>
+                                </a:rPr>
+                              </m:ctrlPr>
+                            </m:sSubPr>
+                            <m:e>
+                              <m:r>
+                                <a:rPr lang="en-US" sz="2800" i="1">
+                                  <a:latin typeface="Cambria Math" panose="02040503050406030204" pitchFamily="18" charset="0"/>
+                                </a:rPr>
+                                <m:t>𝑓</m:t>
+                              </m:r>
+                            </m:e>
+                            <m:sub>
+                              <m:r>
+                                <a:rPr lang="en-US" sz="2800" b="0" i="1" smtClean="0">
+                                  <a:latin typeface="Cambria Math" panose="02040503050406030204" pitchFamily="18" charset="0"/>
+                                </a:rPr>
+                                <m:t>𝑚</m:t>
+                              </m:r>
+                            </m:sub>
+                          </m:sSub>
+                        </m:den>
+                      </m:f>
+                    </m:oMath>
+                  </m:oMathPara>
+                </a14:m>
+                <a:endParaRPr lang="uk-UA" sz="2800" dirty="0"/>
+              </a:p>
+            </p:txBody>
+          </p:sp>
+        </mc:Choice>
+        <mc:Fallback>
+          <p:sp>
+            <p:nvSpPr>
+              <p:cNvPr id="6" name="Rectangle 5"/>
+              <p:cNvSpPr>
+                <a:spLocks noRot="1" noChangeAspect="1" noMove="1" noResize="1" noEditPoints="1" noAdjustHandles="1" noChangeArrowheads="1" noChangeShapeType="1" noTextEdit="1"/>
+              </p:cNvSpPr>
+              <p:nvPr/>
+            </p:nvSpPr>
+            <p:spPr>
+              <a:xfrm>
+                <a:off x="6631715" y="3574473"/>
+                <a:ext cx="4011033" cy="1285545"/>
+              </a:xfrm>
+              <a:prstGeom prst="rect">
+                <a:avLst/>
+              </a:prstGeom>
+              <a:blipFill rotWithShape="0">
+                <a:blip r:embed="rId5"/>
+                <a:stretch>
+                  <a:fillRect/>
+                </a:stretch>
+              </a:blipFill>
+            </p:spPr>
+            <p:txBody>
+              <a:bodyPr/>
+              <a:lstStyle/>
+              <a:p>
+                <a:r>
+                  <a:rPr lang="uk-UA">
+                    <a:noFill/>
+                  </a:rPr>
+                  <a:t> </a:t>
+                </a:r>
+              </a:p>
+            </p:txBody>
+          </p:sp>
+        </mc:Fallback>
+      </mc:AlternateContent>
+    </p:spTree>
+    <p:extLst>
+      <p:ext uri="{BB962C8B-B14F-4D97-AF65-F5344CB8AC3E}">
+        <p14:creationId xmlns:p14="http://schemas.microsoft.com/office/powerpoint/2010/main" val="2367452766"/>
+      </p:ext>
+    </p:extLst>
+  </p:cSld>
+  <p:clrMapOvr>
+    <a:masterClrMapping/>
+  </p:clrMapOvr>
+  <mc:AlternateContent xmlns:mc="http://schemas.openxmlformats.org/markup-compatibility/2006">
+    <mc:Choice xmlns:p14="http://schemas.microsoft.com/office/powerpoint/2010/main" Requires="p14">
+      <p:transition spd="med" p14:dur="700">
+        <p:fade/>
+      </p:transition>
+    </mc:Choice>
+    <mc:Fallback>
+      <p:transition spd="med">
+        <p:fade/>
+      </p:transition>
+    </mc:Fallback>
+  </mc:AlternateContent>
+  <p:timing>
+    <p:tnLst>
+      <p:par>
+        <p:cTn id="1" dur="indefinite" restart="never" nodeType="tmRoot">
+          <p:childTnLst>
+            <p:seq concurrent="1" nextAc="seek">
+              <p:cTn id="2" dur="indefinite" nodeType="mainSeq">
+                <p:childTnLst>
+                  <p:par>
+                    <p:cTn id="3" fill="hold">
+                      <p:stCondLst>
+                        <p:cond delay="indefinite"/>
+                      </p:stCondLst>
+                      <p:childTnLst>
+                        <p:par>
+                          <p:cTn id="4" fill="hold">
+                            <p:stCondLst>
+                              <p:cond delay="0"/>
+                            </p:stCondLst>
+                            <p:childTnLst>
+                              <p:par>
+                                <p:cTn id="5" presetID="22" presetClass="entr" presetSubtype="8" fill="hold" grpId="0" nodeType="clickEffect">
+                                  <p:stCondLst>
+                                    <p:cond delay="0"/>
+                                  </p:stCondLst>
+                                  <p:childTnLst>
+                                    <p:set>
+                                      <p:cBhvr>
+                                        <p:cTn id="6" dur="1" fill="hold">
+                                          <p:stCondLst>
+                                            <p:cond delay="0"/>
+                                          </p:stCondLst>
+                                        </p:cTn>
+                                        <p:tgtEl>
+                                          <p:spTgt spid="7">
+                                            <p:graphicEl>
+                                              <a:chart seriesIdx="0" categoryIdx="-4" bldStep="series"/>
+                                            </p:graphicEl>
+                                          </p:spTgt>
+                                        </p:tgtEl>
+                                        <p:attrNameLst>
+                                          <p:attrName>style.visibility</p:attrName>
+                                        </p:attrNameLst>
+                                      </p:cBhvr>
+                                      <p:to>
+                                        <p:strVal val="visible"/>
+                                      </p:to>
+                                    </p:set>
+                                    <p:animEffect transition="in" filter="wipe(left)">
+                                      <p:cBhvr>
+                                        <p:cTn id="7" dur="750"/>
+                                        <p:tgtEl>
+                                          <p:spTgt spid="7">
+                                            <p:graphicEl>
+                                              <a:chart seriesIdx="0" categoryIdx="-4" bldStep="series"/>
+                                            </p:graphicEl>
+                                          </p:spTgt>
+                                        </p:tgtEl>
+                                      </p:cBhvr>
+                                    </p:animEffect>
+                                  </p:childTnLst>
+                                </p:cTn>
+                              </p:par>
+                              <p:par>
+                                <p:cTn id="8" presetID="10" presetClass="entr" presetSubtype="0" fill="hold" grpId="0" nodeType="withEffect">
+                                  <p:stCondLst>
+                                    <p:cond delay="0"/>
+                                  </p:stCondLst>
+                                  <p:childTnLst>
+                                    <p:set>
+                                      <p:cBhvr>
+                                        <p:cTn id="9" dur="1" fill="hold">
+                                          <p:stCondLst>
+                                            <p:cond delay="0"/>
+                                          </p:stCondLst>
+                                        </p:cTn>
+                                        <p:tgtEl>
+                                          <p:spTgt spid="3"/>
+                                        </p:tgtEl>
+                                        <p:attrNameLst>
+                                          <p:attrName>style.visibility</p:attrName>
+                                        </p:attrNameLst>
+                                      </p:cBhvr>
+                                      <p:to>
+                                        <p:strVal val="visible"/>
+                                      </p:to>
+                                    </p:set>
+                                    <p:animEffect transition="in" filter="fade">
+                                      <p:cBhvr>
+                                        <p:cTn id="10" dur="500"/>
+                                        <p:tgtEl>
+                                          <p:spTgt spid="3"/>
+                                        </p:tgtEl>
+                                      </p:cBhvr>
+                                    </p:animEffect>
+                                  </p:childTnLst>
+                                </p:cTn>
+                              </p:par>
+                              <p:par>
+                                <p:cTn id="11" presetID="10" presetClass="entr" presetSubtype="0" fill="hold" grpId="2" nodeType="withEffect">
+                                  <p:stCondLst>
+                                    <p:cond delay="500"/>
+                                  </p:stCondLst>
+                                  <p:childTnLst>
+                                    <p:set>
+                                      <p:cBhvr>
+                                        <p:cTn id="12" dur="1" fill="hold">
+                                          <p:stCondLst>
+                                            <p:cond delay="0"/>
+                                          </p:stCondLst>
+                                        </p:cTn>
+                                        <p:tgtEl>
+                                          <p:spTgt spid="6"/>
+                                        </p:tgtEl>
+                                        <p:attrNameLst>
+                                          <p:attrName>style.visibility</p:attrName>
+                                        </p:attrNameLst>
+                                      </p:cBhvr>
+                                      <p:to>
+                                        <p:strVal val="visible"/>
+                                      </p:to>
+                                    </p:set>
+                                    <p:animEffect transition="in" filter="fade">
+                                      <p:cBhvr>
+                                        <p:cTn id="13" dur="500"/>
+                                        <p:tgtEl>
+                                          <p:spTgt spid="6"/>
+                                        </p:tgtEl>
+                                      </p:cBhvr>
+                                    </p:animEffect>
+                                  </p:childTnLst>
+                                </p:cTn>
+                              </p:par>
+                            </p:childTnLst>
+                          </p:cTn>
+                        </p:par>
+                      </p:childTnLst>
+                    </p:cTn>
+                  </p:par>
+                  <p:par>
+                    <p:cTn id="14" fill="hold">
+                      <p:stCondLst>
+                        <p:cond delay="indefinite"/>
+                      </p:stCondLst>
+                      <p:childTnLst>
+                        <p:par>
+                          <p:cTn id="15" fill="hold">
+                            <p:stCondLst>
+                              <p:cond delay="0"/>
+                            </p:stCondLst>
+                            <p:childTnLst>
+                              <p:par>
+                                <p:cTn id="16" presetID="10" presetClass="exit" presetSubtype="0" fill="hold" grpId="1" nodeType="clickEffect">
+                                  <p:stCondLst>
+                                    <p:cond delay="0"/>
+                                  </p:stCondLst>
+                                  <p:childTnLst>
+                                    <p:animEffect transition="out" filter="fade">
+                                      <p:cBhvr>
+                                        <p:cTn id="17" dur="500"/>
+                                        <p:tgtEl>
+                                          <p:spTgt spid="7">
+                                            <p:graphicEl>
+                                              <a:chart seriesIdx="0" categoryIdx="-4" bldStep="series"/>
+                                            </p:graphicEl>
+                                          </p:spTgt>
+                                        </p:tgtEl>
+                                      </p:cBhvr>
+                                    </p:animEffect>
+                                    <p:set>
+                                      <p:cBhvr>
+                                        <p:cTn id="18" dur="1" fill="hold">
+                                          <p:stCondLst>
+                                            <p:cond delay="499"/>
+                                          </p:stCondLst>
+                                        </p:cTn>
+                                        <p:tgtEl>
+                                          <p:spTgt spid="7">
+                                            <p:graphicEl>
+                                              <a:chart seriesIdx="0" categoryIdx="-4" bldStep="series"/>
+                                            </p:graphicEl>
+                                          </p:spTgt>
+                                        </p:tgtEl>
+                                        <p:attrNameLst>
+                                          <p:attrName>style.visibility</p:attrName>
+                                        </p:attrNameLst>
+                                      </p:cBhvr>
+                                      <p:to>
+                                        <p:strVal val="hidden"/>
+                                      </p:to>
+                                    </p:set>
+                                  </p:childTnLst>
+                                </p:cTn>
+                              </p:par>
+                              <p:par>
+                                <p:cTn id="19" presetID="10" presetClass="exit" presetSubtype="0" fill="hold" grpId="1" nodeType="withEffect">
+                                  <p:stCondLst>
+                                    <p:cond delay="0"/>
+                                  </p:stCondLst>
+                                  <p:childTnLst>
+                                    <p:animEffect transition="out" filter="fade">
+                                      <p:cBhvr>
+                                        <p:cTn id="20" dur="500"/>
+                                        <p:tgtEl>
+                                          <p:spTgt spid="3"/>
+                                        </p:tgtEl>
+                                      </p:cBhvr>
+                                    </p:animEffect>
+                                    <p:set>
+                                      <p:cBhvr>
+                                        <p:cTn id="21" dur="1" fill="hold">
+                                          <p:stCondLst>
+                                            <p:cond delay="499"/>
+                                          </p:stCondLst>
+                                        </p:cTn>
+                                        <p:tgtEl>
+                                          <p:spTgt spid="3"/>
+                                        </p:tgtEl>
+                                        <p:attrNameLst>
+                                          <p:attrName>style.visibility</p:attrName>
+                                        </p:attrNameLst>
+                                      </p:cBhvr>
+                                      <p:to>
+                                        <p:strVal val="hidden"/>
+                                      </p:to>
+                                    </p:set>
+                                  </p:childTnLst>
+                                </p:cTn>
+                              </p:par>
+                              <p:par>
+                                <p:cTn id="22" presetID="10" presetClass="exit" presetSubtype="0" fill="hold" grpId="3" nodeType="withEffect">
+                                  <p:stCondLst>
+                                    <p:cond delay="0"/>
+                                  </p:stCondLst>
+                                  <p:childTnLst>
+                                    <p:animEffect transition="out" filter="fade">
+                                      <p:cBhvr>
+                                        <p:cTn id="23" dur="500"/>
+                                        <p:tgtEl>
+                                          <p:spTgt spid="6"/>
+                                        </p:tgtEl>
+                                      </p:cBhvr>
+                                    </p:animEffect>
+                                    <p:set>
+                                      <p:cBhvr>
+                                        <p:cTn id="24" dur="1" fill="hold">
+                                          <p:stCondLst>
+                                            <p:cond delay="499"/>
+                                          </p:stCondLst>
+                                        </p:cTn>
+                                        <p:tgtEl>
+                                          <p:spTgt spid="6"/>
+                                        </p:tgtEl>
+                                        <p:attrNameLst>
+                                          <p:attrName>style.visibility</p:attrName>
+                                        </p:attrNameLst>
+                                      </p:cBhvr>
+                                      <p:to>
+                                        <p:strVal val="hidden"/>
+                                      </p:to>
+                                    </p:set>
+                                  </p:childTnLst>
+                                </p:cTn>
+                              </p:par>
+                              <p:par>
+                                <p:cTn id="25" presetID="22" presetClass="entr" presetSubtype="8" fill="hold" grpId="0" nodeType="withEffect">
+                                  <p:stCondLst>
+                                    <p:cond delay="0"/>
+                                  </p:stCondLst>
+                                  <p:childTnLst>
+                                    <p:set>
+                                      <p:cBhvr>
+                                        <p:cTn id="26" dur="1" fill="hold">
+                                          <p:stCondLst>
+                                            <p:cond delay="0"/>
+                                          </p:stCondLst>
+                                        </p:cTn>
+                                        <p:tgtEl>
+                                          <p:spTgt spid="7">
+                                            <p:graphicEl>
+                                              <a:chart seriesIdx="1" categoryIdx="-4" bldStep="series"/>
+                                            </p:graphicEl>
+                                          </p:spTgt>
+                                        </p:tgtEl>
+                                        <p:attrNameLst>
+                                          <p:attrName>style.visibility</p:attrName>
+                                        </p:attrNameLst>
+                                      </p:cBhvr>
+                                      <p:to>
+                                        <p:strVal val="visible"/>
+                                      </p:to>
+                                    </p:set>
+                                    <p:animEffect transition="in" filter="wipe(left)">
+                                      <p:cBhvr>
+                                        <p:cTn id="27" dur="750"/>
+                                        <p:tgtEl>
+                                          <p:spTgt spid="7">
+                                            <p:graphicEl>
+                                              <a:chart seriesIdx="1" categoryIdx="-4" bldStep="series"/>
+                                            </p:graphicEl>
+                                          </p:spTgt>
+                                        </p:tgtEl>
+                                      </p:cBhvr>
+                                    </p:animEffect>
+                                  </p:childTnLst>
+                                </p:cTn>
+                              </p:par>
+                            </p:childTnLst>
+                          </p:cTn>
+                        </p:par>
+                      </p:childTnLst>
+                    </p:cTn>
+                  </p:par>
+                </p:childTnLst>
+              </p:cTn>
+              <p:prevCondLst>
+                <p:cond evt="onPrev" delay="0">
+                  <p:tgtEl>
+                    <p:sldTgt/>
+                  </p:tgtEl>
+                </p:cond>
+              </p:prevCondLst>
+              <p:nextCondLst>
+                <p:cond evt="onNext" delay="0">
+                  <p:tgtEl>
+                    <p:sldTgt/>
+                  </p:tgtEl>
+                </p:cond>
+              </p:nextCondLst>
+            </p:seq>
+          </p:childTnLst>
+        </p:cTn>
+      </p:par>
+    </p:tnLst>
+    <p:bldLst>
+      <p:bldGraphic spid="7" grpId="0" uiExpand="1">
+        <p:bldSub>
+          <a:bldChart bld="series"/>
+        </p:bldSub>
+      </p:bldGraphic>
+      <p:bldGraphic spid="7" grpId="1" uiExpand="1">
+        <p:bldSub>
+          <a:bldChart bld="series"/>
+        </p:bldSub>
+      </p:bldGraphic>
+      <p:bldP spid="3" grpId="0"/>
+      <p:bldP spid="3" grpId="1"/>
+      <p:bldP spid="6" grpId="2"/>
+      <p:bldP spid="6" grpId="3"/>
+    </p:bldLst>
+  </p:timing>
+</p:sld>
+</file>
+
+<file path=ppt/slides/slide4.xml><?xml version="1.0" encoding="utf-8"?>
 <p:sld xmlns:a="http://schemas.openxmlformats.org/drawingml/2006/main" xmlns:r="http://schemas.openxmlformats.org/officeDocument/2006/relationships" xmlns:p="http://schemas.openxmlformats.org/presentationml/2006/main">
   <p:cSld>
     <p:spTree>
@@ -7132,19 +9544,11 @@
           <a:p>
             <a:pPr algn="ctr"/>
             <a:r>
-              <a:rPr lang="uk-UA" dirty="0" smtClean="0">
-                <a:solidFill>
-                  <a:srgbClr val="FF0000"/>
-                </a:solidFill>
-              </a:rPr>
-              <a:t>Занадто багато</a:t>
-            </a:r>
-            <a:r>
-              <a:rPr lang="ru-RU" dirty="0" smtClean="0">
-                <a:solidFill>
-                  <a:srgbClr val="FF0000"/>
-                </a:solidFill>
-              </a:rPr>
+              <a:rPr lang="uk-UA" dirty="0" smtClean="0"/>
+              <a:t>Забагато</a:t>
+            </a:r>
+            <a:r>
+              <a:rPr lang="ru-RU" dirty="0" smtClean="0"/>
               <a:t> </a:t>
             </a:r>
             <a:r>
@@ -7183,20 +9587,20 @@
     </p:spTree>
     <p:extLst>
       <p:ext uri="{BB962C8B-B14F-4D97-AF65-F5344CB8AC3E}">
-        <p14:creationId xmlns:p14="http://schemas.microsoft.com/office/powerpoint/2010/main" val="2367452766"/>
+        <p14:creationId xmlns:p14="http://schemas.microsoft.com/office/powerpoint/2010/main" val="2670860261"/>
       </p:ext>
     </p:extLst>
   </p:cSld>
   <p:clrMapOvr>
     <a:masterClrMapping/>
   </p:clrMapOvr>
-  <mc:AlternateContent xmlns:mc="http://schemas.openxmlformats.org/markup-compatibility/2006" xmlns:p14="http://schemas.microsoft.com/office/powerpoint/2010/main">
-    <mc:Choice Requires="p14">
+  <mc:AlternateContent xmlns:mc="http://schemas.openxmlformats.org/markup-compatibility/2006">
+    <mc:Choice xmlns:p14="http://schemas.microsoft.com/office/powerpoint/2010/main" Requires="p14">
       <p:transition spd="med" p14:dur="700">
         <p:fade/>
       </p:transition>
     </mc:Choice>
-    <mc:Fallback xmlns="">
+    <mc:Fallback>
       <p:transition spd="med">
         <p:fade/>
       </p:transition>
@@ -7291,7 +9695,7 @@
                                   <p:childTnLst>
                                     <p:animEffect transition="out" filter="fade">
                                       <p:cBhvr>
-                                        <p:cTn id="11" dur="750"/>
+                                        <p:cTn id="11" dur="500"/>
                                         <p:tgtEl>
                                           <p:spTgt spid="7">
                                             <p:graphicEl>
@@ -7305,7 +9709,7 @@
                                       <p:cBhvr>
                                         <p:cTn id="12" dur="1" fill="hold">
                                           <p:stCondLst>
-                                            <p:cond delay="749"/>
+                                            <p:cond delay="499"/>
                                           </p:stCondLst>
                                         </p:cTn>
                                         <p:tgtEl>
@@ -7397,12 +9801,12 @@
       </p:par>
     </p:tnLst>
     <p:bldLst>
-      <p:bldGraphic spid="7" grpId="0" uiExpand="1">
+      <p:bldGraphic spid="7" grpId="0">
         <p:bldSub>
           <a:bldChart bld="series"/>
         </p:bldSub>
       </p:bldGraphic>
-      <p:bldGraphic spid="7" grpId="1" uiExpand="1">
+      <p:bldGraphic spid="7" grpId="1">
         <p:bldSub>
           <a:bldChart bld="series"/>
         </p:bldSub>
@@ -7412,7 +9816,7 @@
 </p:sld>
 </file>
 
-<file path=ppt/slides/slide4.xml><?xml version="1.0" encoding="utf-8"?>
+<file path=ppt/slides/slide5.xml><?xml version="1.0" encoding="utf-8"?>
 <p:sld xmlns:a="http://schemas.openxmlformats.org/drawingml/2006/main" xmlns:r="http://schemas.openxmlformats.org/officeDocument/2006/relationships" xmlns:p="http://schemas.openxmlformats.org/presentationml/2006/main">
   <p:cSld>
     <p:spTree>
@@ -7482,25 +9886,25 @@
         <p:nvGraphicFramePr>
           <p:cNvPr id="24" name="Object 23"/>
           <p:cNvGraphicFramePr>
-            <a:graphicFrameLocks noChangeAspect="1"/>
+            <a:graphicFrameLocks/>
           </p:cNvGraphicFramePr>
           <p:nvPr>
             <p:extLst>
               <p:ext uri="{D42A27DB-BD31-4B8C-83A1-F6EECF244321}">
-                <p14:modId xmlns:p14="http://schemas.microsoft.com/office/powerpoint/2010/main" val="2586209491"/>
+                <p14:modId xmlns:p14="http://schemas.microsoft.com/office/powerpoint/2010/main" val="2330371525"/>
               </p:ext>
             </p:extLst>
           </p:nvPr>
         </p:nvGraphicFramePr>
         <p:xfrm>
-          <a:off x="2055843" y="1504477"/>
-          <a:ext cx="8080315" cy="5353523"/>
+          <a:off x="365760" y="1208928"/>
+          <a:ext cx="8083296" cy="5349240"/>
         </p:xfrm>
         <a:graphic>
           <a:graphicData uri="http://schemas.openxmlformats.org/presentationml/2006/ole">
             <mc:AlternateContent xmlns:mc="http://schemas.openxmlformats.org/markup-compatibility/2006">
               <mc:Choice xmlns:v="urn:schemas-microsoft-com:vml" Requires="v">
-                <p:oleObj spid="_x0000_s3153" name="Visio" r:id="rId4" imgW="12039600" imgH="10124985" progId="Visio.Drawing.15">
+                <p:oleObj spid="_x0000_s3439" name="Visio" r:id="rId4" imgW="12039600" imgH="10124985" progId="Visio.Drawing.15">
                   <p:embed/>
                 </p:oleObj>
               </mc:Choice>
@@ -7516,13 +9920,7 @@
                       <p:nvPr/>
                     </p:nvPicPr>
                     <p:blipFill>
-                      <a:blip r:embed="rId5">
-                        <a:extLst>
-                          <a:ext uri="{28A0092B-C50C-407E-A947-70E740481C1C}">
-                            <a14:useLocalDpi xmlns:a14="http://schemas.microsoft.com/office/drawing/2010/main" val="0"/>
-                          </a:ext>
-                        </a:extLst>
-                      </a:blip>
+                      <a:blip r:embed="rId5"/>
                       <a:srcRect t="21144"/>
                       <a:stretch>
                         <a:fillRect/>
@@ -7530,8 +9928,8 @@
                     </p:blipFill>
                     <p:spPr bwMode="auto">
                       <a:xfrm>
-                        <a:off x="2055843" y="1504477"/>
-                        <a:ext cx="8080315" cy="5353523"/>
+                        <a:off x="365760" y="1208928"/>
+                        <a:ext cx="8083296" cy="5349240"/>
                       </a:xfrm>
                       <a:prstGeom prst="rect">
                         <a:avLst/>
@@ -7545,8 +9943,8 @@
           </a:graphicData>
         </a:graphic>
       </p:graphicFrame>
-      <mc:AlternateContent xmlns:mc="http://schemas.openxmlformats.org/markup-compatibility/2006" xmlns:a14="http://schemas.microsoft.com/office/drawing/2010/main">
-        <mc:Choice Requires="a14">
+      <mc:AlternateContent xmlns:mc="http://schemas.openxmlformats.org/markup-compatibility/2006">
+        <mc:Choice xmlns:a14="http://schemas.microsoft.com/office/drawing/2010/main" Requires="a14">
           <p:sp>
             <p:nvSpPr>
               <p:cNvPr id="29" name="TextBox 28"/>
@@ -7555,8 +9953,8 @@
             </p:nvSpPr>
             <p:spPr>
               <a:xfrm>
-                <a:off x="721503" y="4181239"/>
-                <a:ext cx="1428916" cy="430887"/>
+                <a:off x="9069362" y="4002509"/>
+                <a:ext cx="599971" cy="553998"/>
               </a:xfrm>
               <a:prstGeom prst="rect">
                 <a:avLst/>
@@ -7579,20 +9977,14 @@
                       <m:sSub>
                         <m:sSubPr>
                           <m:ctrlPr>
-                            <a:rPr lang="uk-UA" sz="2800" i="1">
+                            <a:rPr lang="uk-UA" sz="3600" i="1" smtClean="0">
                               <a:latin typeface="Cambria Math" panose="02040503050406030204" pitchFamily="18" charset="0"/>
                             </a:rPr>
                           </m:ctrlPr>
                         </m:sSubPr>
                         <m:e>
                           <m:r>
-                            <a:rPr lang="en-US" sz="2800" i="1">
-                              <a:latin typeface="Cambria Math" panose="02040503050406030204" pitchFamily="18" charset="0"/>
-                            </a:rPr>
-                            <m:t>(</m:t>
-                          </m:r>
-                          <m:r>
-                            <a:rPr lang="en-US" sz="2800" i="1">
+                            <a:rPr lang="en-US" sz="3600" i="1">
                               <a:latin typeface="Cambria Math" panose="02040503050406030204" pitchFamily="18" charset="0"/>
                             </a:rPr>
                             <m:t>𝐴</m:t>
@@ -7600,59 +9992,22 @@
                         </m:e>
                         <m:sub>
                           <m:r>
-                            <a:rPr lang="en-US" sz="2800" i="1">
+                            <a:rPr lang="en-US" sz="3600" i="1">
                               <a:latin typeface="Cambria Math" panose="02040503050406030204" pitchFamily="18" charset="0"/>
                             </a:rPr>
                             <m:t>1</m:t>
                           </m:r>
                         </m:sub>
                       </m:sSub>
-                      <m:r>
-                        <a:rPr lang="en-US" sz="2800" i="1">
-                          <a:latin typeface="Cambria Math" panose="02040503050406030204" pitchFamily="18" charset="0"/>
-                        </a:rPr>
-                        <m:t>+</m:t>
-                      </m:r>
-                      <m:sSub>
-                        <m:sSubPr>
-                          <m:ctrlPr>
-                            <a:rPr lang="uk-UA" sz="2800" i="1">
-                              <a:latin typeface="Cambria Math" panose="02040503050406030204" pitchFamily="18" charset="0"/>
-                            </a:rPr>
-                          </m:ctrlPr>
-                        </m:sSubPr>
-                        <m:e>
-                          <m:r>
-                            <a:rPr lang="en-US" sz="2800" i="1">
-                              <a:latin typeface="Cambria Math" panose="02040503050406030204" pitchFamily="18" charset="0"/>
-                            </a:rPr>
-                            <m:t>𝐴</m:t>
-                          </m:r>
-                        </m:e>
-                        <m:sub>
-                          <m:r>
-                            <a:rPr lang="en-US" sz="2800" i="1">
-                              <a:latin typeface="Cambria Math" panose="02040503050406030204" pitchFamily="18" charset="0"/>
-                            </a:rPr>
-                            <m:t>2</m:t>
-                          </m:r>
-                        </m:sub>
-                      </m:sSub>
-                      <m:r>
-                        <a:rPr lang="en-US" sz="2800" i="1">
-                          <a:latin typeface="Cambria Math" panose="02040503050406030204" pitchFamily="18" charset="0"/>
-                        </a:rPr>
-                        <m:t>)</m:t>
-                      </m:r>
                     </m:oMath>
                   </m:oMathPara>
                 </a14:m>
-                <a:endParaRPr lang="uk-UA" sz="2800" dirty="0"/>
+                <a:endParaRPr lang="uk-UA" sz="3600" dirty="0"/>
               </a:p>
             </p:txBody>
           </p:sp>
         </mc:Choice>
-        <mc:Fallback xmlns="">
+        <mc:Fallback>
           <p:sp>
             <p:nvSpPr>
               <p:cNvPr id="29" name="TextBox 28"/>
@@ -7663,8 +10018,8 @@
             </p:nvSpPr>
             <p:spPr>
               <a:xfrm>
-                <a:off x="721503" y="4181239"/>
-                <a:ext cx="1428916" cy="430887"/>
+                <a:off x="9069362" y="4002509"/>
+                <a:ext cx="599971" cy="553998"/>
               </a:xfrm>
               <a:prstGeom prst="rect">
                 <a:avLst/>
@@ -7699,7 +10054,7 @@
         </p:nvSpPr>
         <p:spPr>
           <a:xfrm>
-            <a:off x="674053" y="4612125"/>
+            <a:off x="9345300" y="4675470"/>
             <a:ext cx="1523815" cy="523220"/>
           </a:xfrm>
           <a:prstGeom prst="rect">
@@ -7720,8 +10075,8 @@
           </a:p>
         </p:txBody>
       </p:sp>
-      <mc:AlternateContent xmlns:mc="http://schemas.openxmlformats.org/markup-compatibility/2006" xmlns:a14="http://schemas.microsoft.com/office/drawing/2010/main">
-        <mc:Choice Requires="a14">
+      <mc:AlternateContent xmlns:mc="http://schemas.openxmlformats.org/markup-compatibility/2006">
+        <mc:Choice xmlns:a14="http://schemas.microsoft.com/office/drawing/2010/main" Requires="a14">
           <p:sp>
             <p:nvSpPr>
               <p:cNvPr id="31" name="TextBox 30"/>
@@ -7730,8 +10085,8 @@
             </p:nvSpPr>
             <p:spPr>
               <a:xfrm>
-                <a:off x="1200786" y="2378035"/>
-                <a:ext cx="476541" cy="430887"/>
+                <a:off x="9345300" y="1905308"/>
+                <a:ext cx="1580561" cy="846642"/>
               </a:xfrm>
               <a:prstGeom prst="rect">
                 <a:avLst/>
@@ -7751,31 +10106,31 @@
                       <m:jc m:val="centerGroup"/>
                     </m:oMathParaPr>
                     <m:oMath xmlns:m="http://schemas.openxmlformats.org/officeDocument/2006/math">
-                      <m:sSub>
-                        <m:sSubPr>
+                      <m:f>
+                        <m:fPr>
                           <m:ctrlPr>
-                            <a:rPr lang="uk-UA" sz="2800" i="1">
+                            <a:rPr lang="uk-UA" sz="2800" i="1" smtClean="0">
                               <a:latin typeface="Cambria Math" panose="02040503050406030204" pitchFamily="18" charset="0"/>
                             </a:rPr>
                           </m:ctrlPr>
-                        </m:sSubPr>
-                        <m:e>
-                          <m:r>
-                            <a:rPr lang="en-US" sz="2800" i="1">
-                              <a:latin typeface="Cambria Math" panose="02040503050406030204" pitchFamily="18" charset="0"/>
-                            </a:rPr>
-                            <m:t>𝐴</m:t>
-                          </m:r>
-                        </m:e>
-                        <m:sub>
+                        </m:fPr>
+                        <m:num>
                           <m:r>
                             <a:rPr lang="uk-UA" sz="2800" i="1">
                               <a:latin typeface="Cambria Math" panose="02040503050406030204" pitchFamily="18" charset="0"/>
                             </a:rPr>
-                            <m:t>3</m:t>
+                            <m:t>∑</m:t>
                           </m:r>
-                        </m:sub>
-                      </m:sSub>
+                        </m:num>
+                        <m:den>
+                          <m:r>
+                            <a:rPr lang="uk-UA" sz="2800" b="0" i="1" smtClean="0">
+                              <a:latin typeface="Cambria Math" panose="02040503050406030204" pitchFamily="18" charset="0"/>
+                            </a:rPr>
+                            <m:t>кількість</m:t>
+                          </m:r>
+                        </m:den>
+                      </m:f>
                     </m:oMath>
                   </m:oMathPara>
                 </a14:m>
@@ -7784,7 +10139,7 @@
             </p:txBody>
           </p:sp>
         </mc:Choice>
-        <mc:Fallback xmlns="">
+        <mc:Fallback>
           <p:sp>
             <p:nvSpPr>
               <p:cNvPr id="31" name="TextBox 30"/>
@@ -7795,8 +10150,8 @@
             </p:nvSpPr>
             <p:spPr>
               <a:xfrm>
-                <a:off x="1200786" y="2378035"/>
-                <a:ext cx="476541" cy="430887"/>
+                <a:off x="9345300" y="1905308"/>
+                <a:ext cx="1580561" cy="846642"/>
               </a:xfrm>
               <a:prstGeom prst="rect">
                 <a:avLst/>
@@ -7831,10 +10186,10 @@
         </p:nvGrpSpPr>
         <p:grpSpPr>
           <a:xfrm>
-            <a:off x="755339" y="3725892"/>
-            <a:ext cx="1395080" cy="455347"/>
+            <a:off x="9069362" y="3124200"/>
+            <a:ext cx="2109534" cy="1551270"/>
             <a:chOff x="755339" y="3725891"/>
-            <a:chExt cx="1395080" cy="455347"/>
+            <a:chExt cx="1395080" cy="930230"/>
           </a:xfrm>
         </p:grpSpPr>
         <p:sp>
@@ -7845,8 +10200,8 @@
           </p:nvSpPr>
           <p:spPr>
             <a:xfrm>
-              <a:off x="1293180" y="3725891"/>
-              <a:ext cx="285557" cy="455347"/>
+              <a:off x="1305028" y="3725891"/>
+              <a:ext cx="261861" cy="455347"/>
             </a:xfrm>
             <a:prstGeom prst="upArrow">
               <a:avLst/>
@@ -7923,7 +10278,441 @@
             </a:fontRef>
           </p:style>
         </p:cxnSp>
+        <p:cxnSp>
+          <p:nvCxnSpPr>
+            <p:cNvPr id="13" name="Straight Connector 12"/>
+            <p:cNvCxnSpPr/>
+            <p:nvPr/>
+          </p:nvCxnSpPr>
+          <p:spPr>
+            <a:xfrm>
+              <a:off x="755339" y="4656121"/>
+              <a:ext cx="1395080" cy="0"/>
+            </a:xfrm>
+            <a:prstGeom prst="line">
+              <a:avLst/>
+            </a:prstGeom>
+            <a:ln w="28575"/>
+          </p:spPr>
+          <p:style>
+            <a:lnRef idx="2">
+              <a:schemeClr val="dk1"/>
+            </a:lnRef>
+            <a:fillRef idx="1">
+              <a:schemeClr val="lt1"/>
+            </a:fillRef>
+            <a:effectRef idx="0">
+              <a:schemeClr val="dk1"/>
+            </a:effectRef>
+            <a:fontRef idx="minor">
+              <a:schemeClr val="dk1"/>
+            </a:fontRef>
+          </p:style>
+        </p:cxnSp>
       </p:grpSp>
+      <mc:AlternateContent xmlns:mc="http://schemas.openxmlformats.org/markup-compatibility/2006">
+        <mc:Choice xmlns:a14="http://schemas.microsoft.com/office/drawing/2010/main" Requires="a14">
+          <p:sp>
+            <p:nvSpPr>
+              <p:cNvPr id="2" name="Rectangle 1"/>
+              <p:cNvSpPr/>
+              <p:nvPr/>
+            </p:nvSpPr>
+            <p:spPr>
+              <a:xfrm>
+                <a:off x="9414717" y="3956342"/>
+                <a:ext cx="1139992" cy="646331"/>
+              </a:xfrm>
+              <a:prstGeom prst="rect">
+                <a:avLst/>
+              </a:prstGeom>
+            </p:spPr>
+            <p:txBody>
+              <a:bodyPr wrap="none">
+                <a:spAutoFit/>
+              </a:bodyPr>
+              <a:lstStyle/>
+              <a:p>
+                <a14:m>
+                  <m:oMathPara xmlns:m="http://schemas.openxmlformats.org/officeDocument/2006/math">
+                    <m:oMathParaPr>
+                      <m:jc m:val="centerGroup"/>
+                    </m:oMathParaPr>
+                    <m:oMath xmlns:m="http://schemas.openxmlformats.org/officeDocument/2006/math">
+                      <m:r>
+                        <a:rPr lang="en-US" sz="3600" i="1">
+                          <a:latin typeface="Cambria Math" panose="02040503050406030204" pitchFamily="18" charset="0"/>
+                        </a:rPr>
+                        <m:t>+</m:t>
+                      </m:r>
+                      <m:sSub>
+                        <m:sSubPr>
+                          <m:ctrlPr>
+                            <a:rPr lang="uk-UA" sz="3600" i="1">
+                              <a:latin typeface="Cambria Math" panose="02040503050406030204" pitchFamily="18" charset="0"/>
+                            </a:rPr>
+                          </m:ctrlPr>
+                        </m:sSubPr>
+                        <m:e>
+                          <m:r>
+                            <a:rPr lang="en-US" sz="3600" i="1">
+                              <a:latin typeface="Cambria Math" panose="02040503050406030204" pitchFamily="18" charset="0"/>
+                            </a:rPr>
+                            <m:t>𝐴</m:t>
+                          </m:r>
+                        </m:e>
+                        <m:sub>
+                          <m:r>
+                            <a:rPr lang="en-US" sz="3600" i="1">
+                              <a:latin typeface="Cambria Math" panose="02040503050406030204" pitchFamily="18" charset="0"/>
+                            </a:rPr>
+                            <m:t>2</m:t>
+                          </m:r>
+                        </m:sub>
+                      </m:sSub>
+                    </m:oMath>
+                  </m:oMathPara>
+                </a14:m>
+                <a:endParaRPr lang="uk-UA" sz="3600" dirty="0"/>
+              </a:p>
+            </p:txBody>
+          </p:sp>
+        </mc:Choice>
+        <mc:Fallback>
+          <p:sp>
+            <p:nvSpPr>
+              <p:cNvPr id="2" name="Rectangle 1"/>
+              <p:cNvSpPr>
+                <a:spLocks noRot="1" noChangeAspect="1" noMove="1" noResize="1" noEditPoints="1" noAdjustHandles="1" noChangeArrowheads="1" noChangeShapeType="1" noTextEdit="1"/>
+              </p:cNvSpPr>
+              <p:nvPr/>
+            </p:nvSpPr>
+            <p:spPr>
+              <a:xfrm>
+                <a:off x="9414717" y="3956342"/>
+                <a:ext cx="1139992" cy="646331"/>
+              </a:xfrm>
+              <a:prstGeom prst="rect">
+                <a:avLst/>
+              </a:prstGeom>
+              <a:blipFill rotWithShape="0">
+                <a:blip r:embed="rId8"/>
+                <a:stretch>
+                  <a:fillRect/>
+                </a:stretch>
+              </a:blipFill>
+            </p:spPr>
+            <p:txBody>
+              <a:bodyPr/>
+              <a:lstStyle/>
+              <a:p>
+                <a:r>
+                  <a:rPr lang="uk-UA">
+                    <a:noFill/>
+                  </a:rPr>
+                  <a:t> </a:t>
+                </a:r>
+              </a:p>
+            </p:txBody>
+          </p:sp>
+        </mc:Fallback>
+      </mc:AlternateContent>
+      <mc:AlternateContent xmlns:mc="http://schemas.openxmlformats.org/markup-compatibility/2006">
+        <mc:Choice xmlns:a14="http://schemas.microsoft.com/office/drawing/2010/main" Requires="a14">
+          <p:sp>
+            <p:nvSpPr>
+              <p:cNvPr id="12" name="Rectangle 11"/>
+              <p:cNvSpPr/>
+              <p:nvPr/>
+            </p:nvSpPr>
+            <p:spPr>
+              <a:xfrm>
+                <a:off x="10213808" y="3956341"/>
+                <a:ext cx="1139992" cy="646331"/>
+              </a:xfrm>
+              <a:prstGeom prst="rect">
+                <a:avLst/>
+              </a:prstGeom>
+            </p:spPr>
+            <p:txBody>
+              <a:bodyPr wrap="none">
+                <a:spAutoFit/>
+              </a:bodyPr>
+              <a:lstStyle/>
+              <a:p>
+                <a14:m>
+                  <m:oMathPara xmlns:m="http://schemas.openxmlformats.org/officeDocument/2006/math">
+                    <m:oMathParaPr>
+                      <m:jc m:val="centerGroup"/>
+                    </m:oMathParaPr>
+                    <m:oMath xmlns:m="http://schemas.openxmlformats.org/officeDocument/2006/math">
+                      <m:r>
+                        <a:rPr lang="en-US" sz="3600" i="1" smtClean="0">
+                          <a:latin typeface="Cambria Math" panose="02040503050406030204" pitchFamily="18" charset="0"/>
+                        </a:rPr>
+                        <m:t>+</m:t>
+                      </m:r>
+                      <m:sSub>
+                        <m:sSubPr>
+                          <m:ctrlPr>
+                            <a:rPr lang="uk-UA" sz="3600" i="1">
+                              <a:latin typeface="Cambria Math" panose="02040503050406030204" pitchFamily="18" charset="0"/>
+                            </a:rPr>
+                          </m:ctrlPr>
+                        </m:sSubPr>
+                        <m:e>
+                          <m:r>
+                            <a:rPr lang="en-US" sz="3600" i="1">
+                              <a:latin typeface="Cambria Math" panose="02040503050406030204" pitchFamily="18" charset="0"/>
+                            </a:rPr>
+                            <m:t>𝐴</m:t>
+                          </m:r>
+                        </m:e>
+                        <m:sub>
+                          <m:r>
+                            <a:rPr lang="ru-RU" sz="3600" b="0" i="1" smtClean="0">
+                              <a:latin typeface="Cambria Math" panose="02040503050406030204" pitchFamily="18" charset="0"/>
+                            </a:rPr>
+                            <m:t>3</m:t>
+                          </m:r>
+                        </m:sub>
+                      </m:sSub>
+                    </m:oMath>
+                  </m:oMathPara>
+                </a14:m>
+                <a:endParaRPr lang="uk-UA" sz="3600" dirty="0"/>
+              </a:p>
+            </p:txBody>
+          </p:sp>
+        </mc:Choice>
+        <mc:Fallback>
+          <p:sp>
+            <p:nvSpPr>
+              <p:cNvPr id="12" name="Rectangle 11"/>
+              <p:cNvSpPr>
+                <a:spLocks noRot="1" noChangeAspect="1" noMove="1" noResize="1" noEditPoints="1" noAdjustHandles="1" noChangeArrowheads="1" noChangeShapeType="1" noTextEdit="1"/>
+              </p:cNvSpPr>
+              <p:nvPr/>
+            </p:nvSpPr>
+            <p:spPr>
+              <a:xfrm>
+                <a:off x="10213808" y="3956341"/>
+                <a:ext cx="1139992" cy="646331"/>
+              </a:xfrm>
+              <a:prstGeom prst="rect">
+                <a:avLst/>
+              </a:prstGeom>
+              <a:blipFill rotWithShape="0">
+                <a:blip r:embed="rId9"/>
+                <a:stretch>
+                  <a:fillRect/>
+                </a:stretch>
+              </a:blipFill>
+            </p:spPr>
+            <p:txBody>
+              <a:bodyPr/>
+              <a:lstStyle/>
+              <a:p>
+                <a:r>
+                  <a:rPr lang="uk-UA">
+                    <a:noFill/>
+                  </a:rPr>
+                  <a:t> </a:t>
+                </a:r>
+              </a:p>
+            </p:txBody>
+          </p:sp>
+        </mc:Fallback>
+      </mc:AlternateContent>
+      <p:graphicFrame>
+        <p:nvGraphicFramePr>
+          <p:cNvPr id="23" name="Object 22"/>
+          <p:cNvGraphicFramePr>
+            <a:graphicFrameLocks/>
+          </p:cNvGraphicFramePr>
+          <p:nvPr>
+            <p:extLst>
+              <p:ext uri="{D42A27DB-BD31-4B8C-83A1-F6EECF244321}">
+                <p14:modId xmlns:p14="http://schemas.microsoft.com/office/powerpoint/2010/main" val="620057835"/>
+              </p:ext>
+            </p:extLst>
+          </p:nvPr>
+        </p:nvGraphicFramePr>
+        <p:xfrm>
+          <a:off x="365760" y="1212525"/>
+          <a:ext cx="8083296" cy="5349240"/>
+        </p:xfrm>
+        <a:graphic>
+          <a:graphicData uri="http://schemas.openxmlformats.org/presentationml/2006/ole">
+            <mc:AlternateContent xmlns:mc="http://schemas.openxmlformats.org/markup-compatibility/2006">
+              <mc:Choice xmlns:v="urn:schemas-microsoft-com:vml" Requires="v">
+                <p:oleObj spid="_x0000_s3440" name="Visio" r:id="rId10" imgW="12039600" imgH="10124985" progId="Visio.Drawing.15">
+                  <p:embed/>
+                </p:oleObj>
+              </mc:Choice>
+              <mc:Fallback>
+                <p:oleObj name="Visio" r:id="rId10" imgW="12039600" imgH="10124985" progId="Visio.Drawing.15">
+                  <p:embed/>
+                  <p:pic>
+                    <p:nvPicPr>
+                      <p:cNvPr id="0" name=""/>
+                      <p:cNvPicPr>
+                        <a:picLocks noChangeAspect="1" noChangeArrowheads="1"/>
+                      </p:cNvPicPr>
+                      <p:nvPr/>
+                    </p:nvPicPr>
+                    <p:blipFill>
+                      <a:blip r:embed="rId11">
+                        <a:extLst>
+                          <a:ext uri="{28A0092B-C50C-407E-A947-70E740481C1C}">
+                            <a14:useLocalDpi xmlns:a14="http://schemas.microsoft.com/office/drawing/2010/main" val="0"/>
+                          </a:ext>
+                        </a:extLst>
+                      </a:blip>
+                      <a:srcRect t="21144"/>
+                      <a:stretch>
+                        <a:fillRect/>
+                      </a:stretch>
+                    </p:blipFill>
+                    <p:spPr bwMode="auto">
+                      <a:xfrm>
+                        <a:off x="365760" y="1212525"/>
+                        <a:ext cx="8083296" cy="5349240"/>
+                      </a:xfrm>
+                      <a:prstGeom prst="rect">
+                        <a:avLst/>
+                      </a:prstGeom>
+                      <a:noFill/>
+                    </p:spPr>
+                  </p:pic>
+                </p:oleObj>
+              </mc:Fallback>
+            </mc:AlternateContent>
+          </a:graphicData>
+        </a:graphic>
+      </p:graphicFrame>
+      <p:graphicFrame>
+        <p:nvGraphicFramePr>
+          <p:cNvPr id="25" name="Object 24"/>
+          <p:cNvGraphicFramePr>
+            <a:graphicFrameLocks/>
+          </p:cNvGraphicFramePr>
+          <p:nvPr>
+            <p:extLst>
+              <p:ext uri="{D42A27DB-BD31-4B8C-83A1-F6EECF244321}">
+                <p14:modId xmlns:p14="http://schemas.microsoft.com/office/powerpoint/2010/main" val="2569813681"/>
+              </p:ext>
+            </p:extLst>
+          </p:nvPr>
+        </p:nvGraphicFramePr>
+        <p:xfrm>
+          <a:off x="365760" y="1208926"/>
+          <a:ext cx="8083296" cy="5349240"/>
+        </p:xfrm>
+        <a:graphic>
+          <a:graphicData uri="http://schemas.openxmlformats.org/presentationml/2006/ole">
+            <mc:AlternateContent xmlns:mc="http://schemas.openxmlformats.org/markup-compatibility/2006">
+              <mc:Choice xmlns:v="urn:schemas-microsoft-com:vml" Requires="v">
+                <p:oleObj spid="_x0000_s3441" name="Visio" r:id="rId12" imgW="12039600" imgH="10124985" progId="Visio.Drawing.15">
+                  <p:embed/>
+                </p:oleObj>
+              </mc:Choice>
+              <mc:Fallback>
+                <p:oleObj name="Visio" r:id="rId12" imgW="12039600" imgH="10124985" progId="Visio.Drawing.15">
+                  <p:embed/>
+                  <p:pic>
+                    <p:nvPicPr>
+                      <p:cNvPr id="0" name=""/>
+                      <p:cNvPicPr>
+                        <a:picLocks noChangeAspect="1" noChangeArrowheads="1"/>
+                      </p:cNvPicPr>
+                      <p:nvPr/>
+                    </p:nvPicPr>
+                    <p:blipFill>
+                      <a:blip r:embed="rId13"/>
+                      <a:srcRect t="21144"/>
+                      <a:stretch>
+                        <a:fillRect/>
+                      </a:stretch>
+                    </p:blipFill>
+                    <p:spPr bwMode="auto">
+                      <a:xfrm>
+                        <a:off x="365760" y="1208926"/>
+                        <a:ext cx="8083296" cy="5349240"/>
+                      </a:xfrm>
+                      <a:prstGeom prst="rect">
+                        <a:avLst/>
+                      </a:prstGeom>
+                      <a:noFill/>
+                    </p:spPr>
+                  </p:pic>
+                </p:oleObj>
+              </mc:Fallback>
+            </mc:AlternateContent>
+          </a:graphicData>
+        </a:graphic>
+      </p:graphicFrame>
+      <p:graphicFrame>
+        <p:nvGraphicFramePr>
+          <p:cNvPr id="26" name="Object 25"/>
+          <p:cNvGraphicFramePr>
+            <a:graphicFrameLocks/>
+          </p:cNvGraphicFramePr>
+          <p:nvPr>
+            <p:extLst>
+              <p:ext uri="{D42A27DB-BD31-4B8C-83A1-F6EECF244321}">
+                <p14:modId xmlns:p14="http://schemas.microsoft.com/office/powerpoint/2010/main" val="3280996536"/>
+              </p:ext>
+            </p:extLst>
+          </p:nvPr>
+        </p:nvGraphicFramePr>
+        <p:xfrm>
+          <a:off x="365760" y="1208926"/>
+          <a:ext cx="8083296" cy="5349240"/>
+        </p:xfrm>
+        <a:graphic>
+          <a:graphicData uri="http://schemas.openxmlformats.org/presentationml/2006/ole">
+            <mc:AlternateContent xmlns:mc="http://schemas.openxmlformats.org/markup-compatibility/2006">
+              <mc:Choice xmlns:v="urn:schemas-microsoft-com:vml" Requires="v">
+                <p:oleObj spid="_x0000_s3442" name="Visio" r:id="rId14" imgW="12039600" imgH="10124985" progId="Visio.Drawing.15">
+                  <p:embed/>
+                </p:oleObj>
+              </mc:Choice>
+              <mc:Fallback>
+                <p:oleObj name="Visio" r:id="rId14" imgW="12039600" imgH="10124985" progId="Visio.Drawing.15">
+                  <p:embed/>
+                  <p:pic>
+                    <p:nvPicPr>
+                      <p:cNvPr id="0" name=""/>
+                      <p:cNvPicPr>
+                        <a:picLocks noChangeAspect="1" noChangeArrowheads="1"/>
+                      </p:cNvPicPr>
+                      <p:nvPr/>
+                    </p:nvPicPr>
+                    <p:blipFill>
+                      <a:blip r:embed="rId15"/>
+                      <a:srcRect t="21144"/>
+                      <a:stretch>
+                        <a:fillRect/>
+                      </a:stretch>
+                    </p:blipFill>
+                    <p:spPr bwMode="auto">
+                      <a:xfrm>
+                        <a:off x="365760" y="1208926"/>
+                        <a:ext cx="8083296" cy="5349240"/>
+                      </a:xfrm>
+                      <a:prstGeom prst="rect">
+                        <a:avLst/>
+                      </a:prstGeom>
+                      <a:noFill/>
+                    </p:spPr>
+                  </p:pic>
+                </p:oleObj>
+              </mc:Fallback>
+            </mc:AlternateContent>
+          </a:graphicData>
+        </a:graphic>
+      </p:graphicFrame>
     </p:spTree>
     <p:extLst>
       <p:ext uri="{BB962C8B-B14F-4D97-AF65-F5344CB8AC3E}">
@@ -7967,24 +10756,230 @@
                             </p:stCondLst>
                             <p:childTnLst>
                               <p:par>
-                                <p:cTn id="5" presetID="63" presetClass="path" presetSubtype="0" accel="50000" decel="50000" fill="hold" nodeType="clickEffect">
+                                <p:cTn id="5" presetID="10" presetClass="entr" presetSubtype="0" fill="hold" grpId="0" nodeType="clickEffect">
                                   <p:stCondLst>
                                     <p:cond delay="0"/>
                                   </p:stCondLst>
                                   <p:childTnLst>
-                                    <p:animMotion origin="layout" path="M 0 -2.22222E-6 L 0.20391 -2.22222E-6 " pathEditMode="relative" rAng="0" ptsTypes="AA">
+                                    <p:set>
                                       <p:cBhvr>
-                                        <p:cTn id="6" dur="1000" fill="hold"/>
+                                        <p:cTn id="6" dur="1" fill="hold">
+                                          <p:stCondLst>
+                                            <p:cond delay="0"/>
+                                          </p:stCondLst>
+                                        </p:cTn>
+                                        <p:tgtEl>
+                                          <p:spTgt spid="29"/>
+                                        </p:tgtEl>
+                                        <p:attrNameLst>
+                                          <p:attrName>style.visibility</p:attrName>
+                                        </p:attrNameLst>
+                                      </p:cBhvr>
+                                      <p:to>
+                                        <p:strVal val="visible"/>
+                                      </p:to>
+                                    </p:set>
+                                    <p:animEffect transition="in" filter="fade">
+                                      <p:cBhvr>
+                                        <p:cTn id="7" dur="1000"/>
+                                        <p:tgtEl>
+                                          <p:spTgt spid="29"/>
+                                        </p:tgtEl>
+                                      </p:cBhvr>
+                                    </p:animEffect>
+                                  </p:childTnLst>
+                                </p:cTn>
+                              </p:par>
+                              <p:par>
+                                <p:cTn id="8" presetID="10" presetClass="entr" presetSubtype="0" fill="hold" nodeType="withEffect">
+                                  <p:stCondLst>
+                                    <p:cond delay="0"/>
+                                  </p:stCondLst>
+                                  <p:childTnLst>
+                                    <p:set>
+                                      <p:cBhvr>
+                                        <p:cTn id="9" dur="1" fill="hold">
+                                          <p:stCondLst>
+                                            <p:cond delay="0"/>
+                                          </p:stCondLst>
+                                        </p:cTn>
+                                        <p:tgtEl>
+                                          <p:spTgt spid="25"/>
+                                        </p:tgtEl>
+                                        <p:attrNameLst>
+                                          <p:attrName>style.visibility</p:attrName>
+                                        </p:attrNameLst>
+                                      </p:cBhvr>
+                                      <p:to>
+                                        <p:strVal val="visible"/>
+                                      </p:to>
+                                    </p:set>
+                                    <p:animEffect transition="in" filter="fade">
+                                      <p:cBhvr>
+                                        <p:cTn id="10" dur="1000"/>
+                                        <p:tgtEl>
+                                          <p:spTgt spid="25"/>
+                                        </p:tgtEl>
+                                      </p:cBhvr>
+                                    </p:animEffect>
+                                  </p:childTnLst>
+                                </p:cTn>
+                              </p:par>
+                            </p:childTnLst>
+                          </p:cTn>
+                        </p:par>
+                        <p:par>
+                          <p:cTn id="11" fill="hold">
+                            <p:stCondLst>
+                              <p:cond delay="1000"/>
+                            </p:stCondLst>
+                            <p:childTnLst>
+                              <p:par>
+                                <p:cTn id="12" presetID="10" presetClass="entr" presetSubtype="0" fill="hold" grpId="0" nodeType="afterEffect">
+                                  <p:stCondLst>
+                                    <p:cond delay="1000"/>
+                                  </p:stCondLst>
+                                  <p:childTnLst>
+                                    <p:set>
+                                      <p:cBhvr>
+                                        <p:cTn id="13" dur="1" fill="hold">
+                                          <p:stCondLst>
+                                            <p:cond delay="0"/>
+                                          </p:stCondLst>
+                                        </p:cTn>
+                                        <p:tgtEl>
+                                          <p:spTgt spid="2"/>
+                                        </p:tgtEl>
+                                        <p:attrNameLst>
+                                          <p:attrName>style.visibility</p:attrName>
+                                        </p:attrNameLst>
+                                      </p:cBhvr>
+                                      <p:to>
+                                        <p:strVal val="visible"/>
+                                      </p:to>
+                                    </p:set>
+                                    <p:animEffect transition="in" filter="fade">
+                                      <p:cBhvr>
+                                        <p:cTn id="14" dur="1000"/>
+                                        <p:tgtEl>
+                                          <p:spTgt spid="2"/>
+                                        </p:tgtEl>
+                                      </p:cBhvr>
+                                    </p:animEffect>
+                                  </p:childTnLst>
+                                </p:cTn>
+                              </p:par>
+                              <p:par>
+                                <p:cTn id="15" presetID="10" presetClass="entr" presetSubtype="0" fill="hold" nodeType="withEffect">
+                                  <p:stCondLst>
+                                    <p:cond delay="1000"/>
+                                  </p:stCondLst>
+                                  <p:childTnLst>
+                                    <p:set>
+                                      <p:cBhvr>
+                                        <p:cTn id="16" dur="1" fill="hold">
+                                          <p:stCondLst>
+                                            <p:cond delay="0"/>
+                                          </p:stCondLst>
+                                        </p:cTn>
                                         <p:tgtEl>
                                           <p:spTgt spid="24"/>
                                         </p:tgtEl>
                                         <p:attrNameLst>
-                                          <p:attrName>ppt_x</p:attrName>
-                                          <p:attrName>ppt_y</p:attrName>
+                                          <p:attrName>style.visibility</p:attrName>
                                         </p:attrNameLst>
                                       </p:cBhvr>
-                                      <p:rCtr x="10195" y="0"/>
-                                    </p:animMotion>
+                                      <p:to>
+                                        <p:strVal val="visible"/>
+                                      </p:to>
+                                    </p:set>
+                                    <p:animEffect transition="in" filter="fade">
+                                      <p:cBhvr>
+                                        <p:cTn id="17" dur="1000"/>
+                                        <p:tgtEl>
+                                          <p:spTgt spid="24"/>
+                                        </p:tgtEl>
+                                      </p:cBhvr>
+                                    </p:animEffect>
+                                  </p:childTnLst>
+                                </p:cTn>
+                              </p:par>
+                            </p:childTnLst>
+                          </p:cTn>
+                        </p:par>
+                        <p:par>
+                          <p:cTn id="18" fill="hold">
+                            <p:stCondLst>
+                              <p:cond delay="3000"/>
+                            </p:stCondLst>
+                            <p:childTnLst>
+                              <p:par>
+                                <p:cTn id="19" presetID="10" presetClass="entr" presetSubtype="0" fill="hold" grpId="0" nodeType="afterEffect">
+                                  <p:stCondLst>
+                                    <p:cond delay="1000"/>
+                                  </p:stCondLst>
+                                  <p:childTnLst>
+                                    <p:set>
+                                      <p:cBhvr>
+                                        <p:cTn id="20" dur="1" fill="hold">
+                                          <p:stCondLst>
+                                            <p:cond delay="0"/>
+                                          </p:stCondLst>
+                                        </p:cTn>
+                                        <p:tgtEl>
+                                          <p:spTgt spid="12"/>
+                                        </p:tgtEl>
+                                        <p:attrNameLst>
+                                          <p:attrName>style.visibility</p:attrName>
+                                        </p:attrNameLst>
+                                      </p:cBhvr>
+                                      <p:to>
+                                        <p:strVal val="visible"/>
+                                      </p:to>
+                                    </p:set>
+                                    <p:animEffect transition="in" filter="fade">
+                                      <p:cBhvr>
+                                        <p:cTn id="21" dur="1000"/>
+                                        <p:tgtEl>
+                                          <p:spTgt spid="12"/>
+                                        </p:tgtEl>
+                                      </p:cBhvr>
+                                    </p:animEffect>
+                                  </p:childTnLst>
+                                </p:cTn>
+                              </p:par>
+                              <p:par>
+                                <p:cTn id="22" presetID="10" presetClass="entr" presetSubtype="0" fill="hold" nodeType="withEffect">
+                                  <p:stCondLst>
+                                    <p:cond delay="1000"/>
+                                  </p:stCondLst>
+                                  <p:childTnLst>
+                                    <p:set>
+                                      <p:cBhvr>
+                                        <p:cTn id="23" dur="1" fill="hold">
+                                          <p:stCondLst>
+                                            <p:cond delay="0"/>
+                                          </p:stCondLst>
+                                        </p:cTn>
+                                        <p:tgtEl>
+                                          <p:spTgt spid="23"/>
+                                        </p:tgtEl>
+                                        <p:attrNameLst>
+                                          <p:attrName>style.visibility</p:attrName>
+                                        </p:attrNameLst>
+                                      </p:cBhvr>
+                                      <p:to>
+                                        <p:strVal val="visible"/>
+                                      </p:to>
+                                    </p:set>
+                                    <p:animEffect transition="in" filter="fade">
+                                      <p:cBhvr>
+                                        <p:cTn id="24" dur="1000"/>
+                                        <p:tgtEl>
+                                          <p:spTgt spid="23"/>
+                                        </p:tgtEl>
+                                      </p:cBhvr>
+                                    </p:animEffect>
                                   </p:childTnLst>
                                 </p:cTn>
                               </p:par>
@@ -8015,11 +11010,16 @@
         </p:cTn>
       </p:par>
     </p:tnLst>
+    <p:bldLst>
+      <p:bldP spid="29" grpId="0"/>
+      <p:bldP spid="2" grpId="0"/>
+      <p:bldP spid="12" grpId="0"/>
+    </p:bldLst>
   </p:timing>
 </p:sld>
 </file>
 
-<file path=ppt/slides/slide5.xml><?xml version="1.0" encoding="utf-8"?>
+<file path=ppt/slides/slide6.xml><?xml version="1.0" encoding="utf-8"?>
 <p:sld xmlns:a="http://schemas.openxmlformats.org/drawingml/2006/main" xmlns:r="http://schemas.openxmlformats.org/officeDocument/2006/relationships" xmlns:p="http://schemas.openxmlformats.org/presentationml/2006/main">
   <p:cSld>
     <p:spTree>
@@ -8092,17 +11092,23 @@
           <p:cNvGraphicFramePr>
             <a:graphicFrameLocks noChangeAspect="1"/>
           </p:cNvGraphicFramePr>
-          <p:nvPr/>
+          <p:nvPr>
+            <p:extLst>
+              <p:ext uri="{D42A27DB-BD31-4B8C-83A1-F6EECF244321}">
+                <p14:modId xmlns:p14="http://schemas.microsoft.com/office/powerpoint/2010/main" val="3594999234"/>
+              </p:ext>
+            </p:extLst>
+          </p:nvPr>
         </p:nvGraphicFramePr>
         <p:xfrm>
-          <a:off x="2055845" y="1370837"/>
-          <a:ext cx="8080315" cy="5353523"/>
+          <a:off x="365760" y="1207008"/>
+          <a:ext cx="8080375" cy="5353050"/>
         </p:xfrm>
         <a:graphic>
           <a:graphicData uri="http://schemas.openxmlformats.org/presentationml/2006/ole">
             <mc:AlternateContent xmlns:mc="http://schemas.openxmlformats.org/markup-compatibility/2006">
               <mc:Choice xmlns:v="urn:schemas-microsoft-com:vml" Requires="v">
-                <p:oleObj spid="_x0000_s4154" name="Visio" r:id="rId4" imgW="12039600" imgH="10124985" progId="Visio.Drawing.15">
+                <p:oleObj spid="_x0000_s4253" name="Visio" r:id="rId4" imgW="12039600" imgH="10124985" progId="Visio.Drawing.15">
                   <p:embed/>
                 </p:oleObj>
               </mc:Choice>
@@ -8132,8 +11138,8 @@
                     </p:blipFill>
                     <p:spPr bwMode="auto">
                       <a:xfrm>
-                        <a:off x="2055845" y="1370837"/>
-                        <a:ext cx="8080315" cy="5353523"/>
+                        <a:off x="365760" y="1207008"/>
+                        <a:ext cx="8080375" cy="5353050"/>
                       </a:xfrm>
                       <a:prstGeom prst="rect">
                         <a:avLst/>
@@ -8147,6 +11153,963 @@
           </a:graphicData>
         </a:graphic>
       </p:graphicFrame>
+      <p:grpSp>
+        <p:nvGrpSpPr>
+          <p:cNvPr id="130" name="Group 129"/>
+          <p:cNvGrpSpPr/>
+          <p:nvPr/>
+        </p:nvGrpSpPr>
+        <p:grpSpPr>
+          <a:xfrm>
+            <a:off x="8975218" y="1819551"/>
+            <a:ext cx="1216505" cy="1471560"/>
+            <a:chOff x="8975218" y="1819551"/>
+            <a:chExt cx="1216505" cy="1471560"/>
+          </a:xfrm>
+        </p:grpSpPr>
+        <p:grpSp>
+          <p:nvGrpSpPr>
+            <p:cNvPr id="10" name="Group 9"/>
+            <p:cNvGrpSpPr/>
+            <p:nvPr/>
+          </p:nvGrpSpPr>
+          <p:grpSpPr>
+            <a:xfrm>
+              <a:off x="8992601" y="2434154"/>
+              <a:ext cx="1181734" cy="315932"/>
+              <a:chOff x="9920665" y="1892593"/>
+              <a:chExt cx="1181734" cy="315932"/>
+            </a:xfrm>
+          </p:grpSpPr>
+          <p:pic>
+            <p:nvPicPr>
+              <p:cNvPr id="9" name="Picture 8"/>
+              <p:cNvPicPr>
+                <a:picLocks noChangeAspect="1"/>
+              </p:cNvPicPr>
+              <p:nvPr/>
+            </p:nvPicPr>
+            <p:blipFill>
+              <a:blip r:embed="rId6" cstate="print">
+                <a:extLst>
+                  <a:ext uri="{28A0092B-C50C-407E-A947-70E740481C1C}">
+                    <a14:useLocalDpi xmlns:a14="http://schemas.microsoft.com/office/drawing/2010/main" val="0"/>
+                  </a:ext>
+                </a:extLst>
+              </a:blip>
+              <a:stretch>
+                <a:fillRect/>
+              </a:stretch>
+            </p:blipFill>
+            <p:spPr>
+              <a:xfrm>
+                <a:off x="9920665" y="1892594"/>
+                <a:ext cx="315931" cy="315931"/>
+              </a:xfrm>
+              <a:prstGeom prst="rect">
+                <a:avLst/>
+              </a:prstGeom>
+            </p:spPr>
+          </p:pic>
+          <p:pic>
+            <p:nvPicPr>
+              <p:cNvPr id="12" name="Picture 11"/>
+              <p:cNvPicPr>
+                <a:picLocks noChangeAspect="1"/>
+              </p:cNvPicPr>
+              <p:nvPr/>
+            </p:nvPicPr>
+            <p:blipFill>
+              <a:blip r:embed="rId6" cstate="print">
+                <a:extLst>
+                  <a:ext uri="{28A0092B-C50C-407E-A947-70E740481C1C}">
+                    <a14:useLocalDpi xmlns:a14="http://schemas.microsoft.com/office/drawing/2010/main" val="0"/>
+                  </a:ext>
+                </a:extLst>
+              </a:blip>
+              <a:stretch>
+                <a:fillRect/>
+              </a:stretch>
+            </p:blipFill>
+            <p:spPr>
+              <a:xfrm>
+                <a:off x="10353566" y="1892593"/>
+                <a:ext cx="315931" cy="315931"/>
+              </a:xfrm>
+              <a:prstGeom prst="rect">
+                <a:avLst/>
+              </a:prstGeom>
+            </p:spPr>
+          </p:pic>
+          <p:pic>
+            <p:nvPicPr>
+              <p:cNvPr id="13" name="Picture 12"/>
+              <p:cNvPicPr>
+                <a:picLocks noChangeAspect="1"/>
+              </p:cNvPicPr>
+              <p:nvPr/>
+            </p:nvPicPr>
+            <p:blipFill>
+              <a:blip r:embed="rId6" cstate="print">
+                <a:extLst>
+                  <a:ext uri="{28A0092B-C50C-407E-A947-70E740481C1C}">
+                    <a14:useLocalDpi xmlns:a14="http://schemas.microsoft.com/office/drawing/2010/main" val="0"/>
+                  </a:ext>
+                </a:extLst>
+              </a:blip>
+              <a:stretch>
+                <a:fillRect/>
+              </a:stretch>
+            </p:blipFill>
+            <p:spPr>
+              <a:xfrm>
+                <a:off x="10786468" y="1892593"/>
+                <a:ext cx="315931" cy="315931"/>
+              </a:xfrm>
+              <a:prstGeom prst="rect">
+                <a:avLst/>
+              </a:prstGeom>
+            </p:spPr>
+          </p:pic>
+        </p:grpSp>
+        <p:cxnSp>
+          <p:nvCxnSpPr>
+            <p:cNvPr id="18" name="Straight Arrow Connector 17"/>
+            <p:cNvCxnSpPr/>
+            <p:nvPr/>
+          </p:nvCxnSpPr>
+          <p:spPr>
+            <a:xfrm>
+              <a:off x="9583468" y="2750086"/>
+              <a:ext cx="0" cy="541025"/>
+            </a:xfrm>
+            <a:prstGeom prst="straightConnector1">
+              <a:avLst/>
+            </a:prstGeom>
+            <a:ln>
+              <a:tailEnd type="triangle"/>
+            </a:ln>
+          </p:spPr>
+          <p:style>
+            <a:lnRef idx="2">
+              <a:schemeClr val="dk1"/>
+            </a:lnRef>
+            <a:fillRef idx="0">
+              <a:schemeClr val="dk1"/>
+            </a:fillRef>
+            <a:effectRef idx="1">
+              <a:schemeClr val="dk1"/>
+            </a:effectRef>
+            <a:fontRef idx="minor">
+              <a:schemeClr val="tx1"/>
+            </a:fontRef>
+          </p:style>
+        </p:cxnSp>
+        <p:cxnSp>
+          <p:nvCxnSpPr>
+            <p:cNvPr id="21" name="Straight Arrow Connector 20"/>
+            <p:cNvCxnSpPr>
+              <a:stCxn id="9" idx="2"/>
+            </p:cNvCxnSpPr>
+            <p:nvPr/>
+          </p:nvCxnSpPr>
+          <p:spPr>
+            <a:xfrm flipH="1">
+              <a:off x="9150566" y="2750086"/>
+              <a:ext cx="1" cy="270512"/>
+            </a:xfrm>
+            <a:prstGeom prst="straightConnector1">
+              <a:avLst/>
+            </a:prstGeom>
+            <a:ln>
+              <a:tailEnd type="triangle"/>
+            </a:ln>
+          </p:spPr>
+          <p:style>
+            <a:lnRef idx="2">
+              <a:schemeClr val="dk1"/>
+            </a:lnRef>
+            <a:fillRef idx="0">
+              <a:schemeClr val="dk1"/>
+            </a:fillRef>
+            <a:effectRef idx="1">
+              <a:schemeClr val="dk1"/>
+            </a:effectRef>
+            <a:fontRef idx="minor">
+              <a:schemeClr val="tx1"/>
+            </a:fontRef>
+          </p:style>
+        </p:cxnSp>
+        <p:cxnSp>
+          <p:nvCxnSpPr>
+            <p:cNvPr id="25" name="Straight Arrow Connector 24"/>
+            <p:cNvCxnSpPr>
+              <a:stCxn id="13" idx="2"/>
+            </p:cNvCxnSpPr>
+            <p:nvPr/>
+          </p:nvCxnSpPr>
+          <p:spPr>
+            <a:xfrm flipH="1">
+              <a:off x="10016369" y="2750085"/>
+              <a:ext cx="1" cy="270513"/>
+            </a:xfrm>
+            <a:prstGeom prst="straightConnector1">
+              <a:avLst/>
+            </a:prstGeom>
+            <a:ln>
+              <a:tailEnd type="triangle"/>
+            </a:ln>
+          </p:spPr>
+          <p:style>
+            <a:lnRef idx="2">
+              <a:schemeClr val="dk1"/>
+            </a:lnRef>
+            <a:fillRef idx="0">
+              <a:schemeClr val="dk1"/>
+            </a:fillRef>
+            <a:effectRef idx="1">
+              <a:schemeClr val="dk1"/>
+            </a:effectRef>
+            <a:fontRef idx="minor">
+              <a:schemeClr val="tx1"/>
+            </a:fontRef>
+          </p:style>
+        </p:cxnSp>
+        <p:grpSp>
+          <p:nvGrpSpPr>
+            <p:cNvPr id="44" name="Group 43"/>
+            <p:cNvGrpSpPr/>
+            <p:nvPr/>
+          </p:nvGrpSpPr>
+          <p:grpSpPr>
+            <a:xfrm>
+              <a:off x="8975218" y="1819551"/>
+              <a:ext cx="1216505" cy="610701"/>
+              <a:chOff x="9177534" y="1495079"/>
+              <a:chExt cx="914400" cy="610701"/>
+            </a:xfrm>
+          </p:grpSpPr>
+          <p:sp>
+            <p:nvSpPr>
+              <p:cNvPr id="7" name="TextBox 6"/>
+              <p:cNvSpPr txBox="1"/>
+              <p:nvPr/>
+            </p:nvSpPr>
+            <p:spPr>
+              <a:xfrm>
+                <a:off x="9190602" y="1495079"/>
+                <a:ext cx="888264" cy="400110"/>
+              </a:xfrm>
+              <a:prstGeom prst="rect">
+                <a:avLst/>
+              </a:prstGeom>
+              <a:noFill/>
+            </p:spPr>
+            <p:txBody>
+              <a:bodyPr wrap="none" rtlCol="0" anchor="ctr">
+                <a:spAutoFit/>
+              </a:bodyPr>
+              <a:lstStyle/>
+              <a:p>
+                <a:pPr algn="ctr"/>
+                <a:r>
+                  <a:rPr lang="en-US" sz="2000" dirty="0" smtClean="0"/>
+                  <a:t>HashMap</a:t>
+                </a:r>
+                <a:endParaRPr lang="uk-UA" sz="2000" dirty="0"/>
+              </a:p>
+            </p:txBody>
+          </p:sp>
+          <p:sp>
+            <p:nvSpPr>
+              <p:cNvPr id="43" name="Left Brace 42"/>
+              <p:cNvSpPr/>
+              <p:nvPr/>
+            </p:nvSpPr>
+            <p:spPr>
+              <a:xfrm rot="5400000">
+                <a:off x="9557010" y="1570856"/>
+                <a:ext cx="155448" cy="914400"/>
+              </a:xfrm>
+              <a:prstGeom prst="leftBrace">
+                <a:avLst/>
+              </a:prstGeom>
+            </p:spPr>
+            <p:style>
+              <a:lnRef idx="2">
+                <a:schemeClr val="dk1"/>
+              </a:lnRef>
+              <a:fillRef idx="0">
+                <a:schemeClr val="dk1"/>
+              </a:fillRef>
+              <a:effectRef idx="1">
+                <a:schemeClr val="dk1"/>
+              </a:effectRef>
+              <a:fontRef idx="minor">
+                <a:schemeClr val="tx1"/>
+              </a:fontRef>
+            </p:style>
+            <p:txBody>
+              <a:bodyPr rtlCol="0" anchor="ctr"/>
+              <a:lstStyle/>
+              <a:p>
+                <a:pPr algn="ctr"/>
+                <a:endParaRPr lang="uk-UA"/>
+              </a:p>
+            </p:txBody>
+          </p:sp>
+        </p:grpSp>
+      </p:grpSp>
+      <p:grpSp>
+        <p:nvGrpSpPr>
+          <p:cNvPr id="45" name="Group 44"/>
+          <p:cNvGrpSpPr/>
+          <p:nvPr/>
+        </p:nvGrpSpPr>
+        <p:grpSpPr>
+          <a:xfrm>
+            <a:off x="7505700" y="3287893"/>
+            <a:ext cx="4190306" cy="610701"/>
+            <a:chOff x="9177534" y="1495079"/>
+            <a:chExt cx="914400" cy="610701"/>
+          </a:xfrm>
+        </p:grpSpPr>
+        <p:sp>
+          <p:nvSpPr>
+            <p:cNvPr id="46" name="TextBox 45"/>
+            <p:cNvSpPr txBox="1"/>
+            <p:nvPr/>
+          </p:nvSpPr>
+          <p:spPr>
+            <a:xfrm>
+              <a:off x="9483358" y="1495079"/>
+              <a:ext cx="302753" cy="400110"/>
+            </a:xfrm>
+            <a:prstGeom prst="rect">
+              <a:avLst/>
+            </a:prstGeom>
+            <a:noFill/>
+          </p:spPr>
+          <p:txBody>
+            <a:bodyPr wrap="none" rtlCol="0" anchor="ctr">
+              <a:spAutoFit/>
+            </a:bodyPr>
+            <a:lstStyle/>
+            <a:p>
+              <a:pPr algn="ctr"/>
+              <a:r>
+                <a:rPr lang="en-US" sz="2000" dirty="0" smtClean="0"/>
+                <a:t>ArrayList</a:t>
+              </a:r>
+              <a:endParaRPr lang="uk-UA" sz="2000" dirty="0"/>
+            </a:p>
+          </p:txBody>
+        </p:sp>
+        <p:sp>
+          <p:nvSpPr>
+            <p:cNvPr id="47" name="Left Brace 46"/>
+            <p:cNvSpPr/>
+            <p:nvPr/>
+          </p:nvSpPr>
+          <p:spPr>
+            <a:xfrm rot="5400000">
+              <a:off x="9557010" y="1570856"/>
+              <a:ext cx="155448" cy="914400"/>
+            </a:xfrm>
+            <a:prstGeom prst="leftBrace">
+              <a:avLst/>
+            </a:prstGeom>
+          </p:spPr>
+          <p:style>
+            <a:lnRef idx="2">
+              <a:schemeClr val="dk1"/>
+            </a:lnRef>
+            <a:fillRef idx="0">
+              <a:schemeClr val="dk1"/>
+            </a:fillRef>
+            <a:effectRef idx="1">
+              <a:schemeClr val="dk1"/>
+            </a:effectRef>
+            <a:fontRef idx="minor">
+              <a:schemeClr val="tx1"/>
+            </a:fontRef>
+          </p:style>
+          <p:txBody>
+            <a:bodyPr rtlCol="0" anchor="ctr"/>
+            <a:lstStyle/>
+            <a:p>
+              <a:pPr algn="ctr"/>
+              <a:endParaRPr lang="uk-UA"/>
+            </a:p>
+          </p:txBody>
+        </p:sp>
+      </p:grpSp>
+      <p:grpSp>
+        <p:nvGrpSpPr>
+          <p:cNvPr id="55" name="Group 54"/>
+          <p:cNvGrpSpPr/>
+          <p:nvPr/>
+        </p:nvGrpSpPr>
+        <p:grpSpPr>
+          <a:xfrm>
+            <a:off x="8634945" y="3898594"/>
+            <a:ext cx="1897044" cy="610701"/>
+            <a:chOff x="9177534" y="1495079"/>
+            <a:chExt cx="914400" cy="610701"/>
+          </a:xfrm>
+        </p:grpSpPr>
+        <p:sp>
+          <p:nvSpPr>
+            <p:cNvPr id="56" name="TextBox 55"/>
+            <p:cNvSpPr txBox="1"/>
+            <p:nvPr/>
+          </p:nvSpPr>
+          <p:spPr>
+            <a:xfrm>
+              <a:off x="9190600" y="1495079"/>
+              <a:ext cx="888264" cy="400110"/>
+            </a:xfrm>
+            <a:prstGeom prst="rect">
+              <a:avLst/>
+            </a:prstGeom>
+            <a:noFill/>
+          </p:spPr>
+          <p:txBody>
+            <a:bodyPr wrap="none" rtlCol="0" anchor="ctr">
+              <a:spAutoFit/>
+            </a:bodyPr>
+            <a:lstStyle/>
+            <a:p>
+              <a:pPr algn="ctr"/>
+              <a:r>
+                <a:rPr lang="en-US" sz="2000" dirty="0" smtClean="0"/>
+                <a:t>HashMap</a:t>
+              </a:r>
+              <a:endParaRPr lang="uk-UA" sz="2000" dirty="0"/>
+            </a:p>
+          </p:txBody>
+        </p:sp>
+        <p:sp>
+          <p:nvSpPr>
+            <p:cNvPr id="57" name="Left Brace 56"/>
+            <p:cNvSpPr/>
+            <p:nvPr/>
+          </p:nvSpPr>
+          <p:spPr>
+            <a:xfrm rot="5400000">
+              <a:off x="9557010" y="1570856"/>
+              <a:ext cx="155448" cy="914400"/>
+            </a:xfrm>
+            <a:prstGeom prst="leftBrace">
+              <a:avLst/>
+            </a:prstGeom>
+          </p:spPr>
+          <p:style>
+            <a:lnRef idx="2">
+              <a:schemeClr val="dk1"/>
+            </a:lnRef>
+            <a:fillRef idx="0">
+              <a:schemeClr val="dk1"/>
+            </a:fillRef>
+            <a:effectRef idx="1">
+              <a:schemeClr val="dk1"/>
+            </a:effectRef>
+            <a:fontRef idx="minor">
+              <a:schemeClr val="tx1"/>
+            </a:fontRef>
+          </p:style>
+          <p:txBody>
+            <a:bodyPr rtlCol="0" anchor="ctr"/>
+            <a:lstStyle/>
+            <a:p>
+              <a:pPr algn="ctr"/>
+              <a:endParaRPr lang="uk-UA"/>
+            </a:p>
+          </p:txBody>
+        </p:sp>
+      </p:grpSp>
+      <p:grpSp>
+        <p:nvGrpSpPr>
+          <p:cNvPr id="115" name="Group 114"/>
+          <p:cNvGrpSpPr/>
+          <p:nvPr/>
+        </p:nvGrpSpPr>
+        <p:grpSpPr>
+          <a:xfrm>
+            <a:off x="7585475" y="4153636"/>
+            <a:ext cx="541188" cy="325040"/>
+            <a:chOff x="9333532" y="1369115"/>
+            <a:chExt cx="602409" cy="750618"/>
+          </a:xfrm>
+        </p:grpSpPr>
+        <p:sp>
+          <p:nvSpPr>
+            <p:cNvPr id="116" name="TextBox 115"/>
+            <p:cNvSpPr txBox="1"/>
+            <p:nvPr/>
+          </p:nvSpPr>
+          <p:spPr>
+            <a:xfrm>
+              <a:off x="9333535" y="1369115"/>
+              <a:ext cx="602406" cy="452532"/>
+            </a:xfrm>
+            <a:prstGeom prst="rect">
+              <a:avLst/>
+            </a:prstGeom>
+            <a:noFill/>
+          </p:spPr>
+          <p:txBody>
+            <a:bodyPr wrap="none" rtlCol="0" anchor="ctr">
+              <a:spAutoFit/>
+            </a:bodyPr>
+            <a:lstStyle/>
+            <a:p>
+              <a:pPr algn="ctr"/>
+              <a:r>
+                <a:rPr lang="en-US" sz="1000" dirty="0" smtClean="0"/>
+                <a:t>HashMap</a:t>
+              </a:r>
+              <a:endParaRPr lang="uk-UA" sz="1000" dirty="0"/>
+            </a:p>
+          </p:txBody>
+        </p:sp>
+        <p:sp>
+          <p:nvSpPr>
+            <p:cNvPr id="117" name="Left Brace 116"/>
+            <p:cNvSpPr/>
+            <p:nvPr/>
+          </p:nvSpPr>
+          <p:spPr>
+            <a:xfrm rot="5400000">
+              <a:off x="9543059" y="1726856"/>
+              <a:ext cx="183350" cy="602403"/>
+            </a:xfrm>
+            <a:prstGeom prst="leftBrace">
+              <a:avLst/>
+            </a:prstGeom>
+          </p:spPr>
+          <p:style>
+            <a:lnRef idx="2">
+              <a:schemeClr val="dk1"/>
+            </a:lnRef>
+            <a:fillRef idx="0">
+              <a:schemeClr val="dk1"/>
+            </a:fillRef>
+            <a:effectRef idx="1">
+              <a:schemeClr val="dk1"/>
+            </a:effectRef>
+            <a:fontRef idx="minor">
+              <a:schemeClr val="tx1"/>
+            </a:fontRef>
+          </p:style>
+          <p:txBody>
+            <a:bodyPr rtlCol="0" anchor="ctr"/>
+            <a:lstStyle/>
+            <a:p>
+              <a:pPr algn="ctr"/>
+              <a:endParaRPr lang="uk-UA" sz="900"/>
+            </a:p>
+          </p:txBody>
+        </p:sp>
+      </p:grpSp>
+      <p:sp>
+        <p:nvSpPr>
+          <p:cNvPr id="119" name="Rectangle 118"/>
+          <p:cNvSpPr/>
+          <p:nvPr/>
+        </p:nvSpPr>
+        <p:spPr>
+          <a:xfrm>
+            <a:off x="7641917" y="4478673"/>
+            <a:ext cx="428322" cy="230832"/>
+          </a:xfrm>
+          <a:prstGeom prst="rect">
+            <a:avLst/>
+          </a:prstGeom>
+        </p:spPr>
+        <p:txBody>
+          <a:bodyPr wrap="none" anchor="ctr">
+            <a:spAutoFit/>
+          </a:bodyPr>
+          <a:lstStyle/>
+          <a:p>
+            <a:pPr algn="ctr"/>
+            <a:r>
+              <a:rPr lang="uk-UA" sz="900" dirty="0">
+                <a:latin typeface="Times New Roman" panose="02020603050405020304" pitchFamily="18" charset="0"/>
+                <a:ea typeface="Calibri" panose="020F0502020204030204" pitchFamily="34" charset="0"/>
+              </a:rPr>
+              <a:t>RSSI</a:t>
+            </a:r>
+            <a:endParaRPr lang="uk-UA" sz="900" dirty="0"/>
+          </a:p>
+        </p:txBody>
+      </p:sp>
+      <p:grpSp>
+        <p:nvGrpSpPr>
+          <p:cNvPr id="123" name="Group 122"/>
+          <p:cNvGrpSpPr/>
+          <p:nvPr/>
+        </p:nvGrpSpPr>
+        <p:grpSpPr>
+          <a:xfrm>
+            <a:off x="11043288" y="4161043"/>
+            <a:ext cx="541186" cy="325041"/>
+            <a:chOff x="9333530" y="1369113"/>
+            <a:chExt cx="602406" cy="750620"/>
+          </a:xfrm>
+        </p:grpSpPr>
+        <p:sp>
+          <p:nvSpPr>
+            <p:cNvPr id="125" name="TextBox 124"/>
+            <p:cNvSpPr txBox="1"/>
+            <p:nvPr/>
+          </p:nvSpPr>
+          <p:spPr>
+            <a:xfrm>
+              <a:off x="9333530" y="1369113"/>
+              <a:ext cx="602406" cy="452531"/>
+            </a:xfrm>
+            <a:prstGeom prst="rect">
+              <a:avLst/>
+            </a:prstGeom>
+            <a:noFill/>
+          </p:spPr>
+          <p:txBody>
+            <a:bodyPr wrap="none" rtlCol="0" anchor="ctr">
+              <a:spAutoFit/>
+            </a:bodyPr>
+            <a:lstStyle/>
+            <a:p>
+              <a:pPr algn="ctr"/>
+              <a:r>
+                <a:rPr lang="en-US" sz="1000" dirty="0" smtClean="0"/>
+                <a:t>HashMap</a:t>
+              </a:r>
+              <a:endParaRPr lang="uk-UA" sz="1000" dirty="0"/>
+            </a:p>
+          </p:txBody>
+        </p:sp>
+        <p:sp>
+          <p:nvSpPr>
+            <p:cNvPr id="126" name="Left Brace 125"/>
+            <p:cNvSpPr/>
+            <p:nvPr/>
+          </p:nvSpPr>
+          <p:spPr>
+            <a:xfrm rot="5400000">
+              <a:off x="9543059" y="1726856"/>
+              <a:ext cx="183350" cy="602403"/>
+            </a:xfrm>
+            <a:prstGeom prst="leftBrace">
+              <a:avLst/>
+            </a:prstGeom>
+          </p:spPr>
+          <p:style>
+            <a:lnRef idx="2">
+              <a:schemeClr val="dk1"/>
+            </a:lnRef>
+            <a:fillRef idx="0">
+              <a:schemeClr val="dk1"/>
+            </a:fillRef>
+            <a:effectRef idx="1">
+              <a:schemeClr val="dk1"/>
+            </a:effectRef>
+            <a:fontRef idx="minor">
+              <a:schemeClr val="tx1"/>
+            </a:fontRef>
+          </p:style>
+          <p:txBody>
+            <a:bodyPr rtlCol="0" anchor="ctr"/>
+            <a:lstStyle/>
+            <a:p>
+              <a:pPr algn="ctr"/>
+              <a:endParaRPr lang="uk-UA" sz="900"/>
+            </a:p>
+          </p:txBody>
+        </p:sp>
+      </p:grpSp>
+      <p:sp>
+        <p:nvSpPr>
+          <p:cNvPr id="124" name="Rectangle 123"/>
+          <p:cNvSpPr/>
+          <p:nvPr/>
+        </p:nvSpPr>
+        <p:spPr>
+          <a:xfrm>
+            <a:off x="11099721" y="4486080"/>
+            <a:ext cx="428322" cy="230832"/>
+          </a:xfrm>
+          <a:prstGeom prst="rect">
+            <a:avLst/>
+          </a:prstGeom>
+        </p:spPr>
+        <p:txBody>
+          <a:bodyPr wrap="none" anchor="ctr">
+            <a:spAutoFit/>
+          </a:bodyPr>
+          <a:lstStyle/>
+          <a:p>
+            <a:pPr algn="ctr"/>
+            <a:r>
+              <a:rPr lang="uk-UA" sz="900" dirty="0">
+                <a:latin typeface="Times New Roman" panose="02020603050405020304" pitchFamily="18" charset="0"/>
+                <a:ea typeface="Calibri" panose="020F0502020204030204" pitchFamily="34" charset="0"/>
+              </a:rPr>
+              <a:t>RSSI</a:t>
+            </a:r>
+            <a:endParaRPr lang="uk-UA" sz="900" dirty="0"/>
+          </a:p>
+        </p:txBody>
+      </p:sp>
+      <p:grpSp>
+        <p:nvGrpSpPr>
+          <p:cNvPr id="132" name="Group 131"/>
+          <p:cNvGrpSpPr/>
+          <p:nvPr/>
+        </p:nvGrpSpPr>
+        <p:grpSpPr>
+          <a:xfrm>
+            <a:off x="8634945" y="4506527"/>
+            <a:ext cx="1895438" cy="1440987"/>
+            <a:chOff x="8634945" y="4506527"/>
+            <a:chExt cx="1895438" cy="1440987"/>
+          </a:xfrm>
+        </p:grpSpPr>
+        <p:cxnSp>
+          <p:nvCxnSpPr>
+            <p:cNvPr id="52" name="Straight Arrow Connector 51"/>
+            <p:cNvCxnSpPr>
+              <a:stCxn id="96" idx="2"/>
+            </p:cNvCxnSpPr>
+            <p:nvPr/>
+          </p:nvCxnSpPr>
+          <p:spPr>
+            <a:xfrm>
+              <a:off x="9583462" y="4875859"/>
+              <a:ext cx="6" cy="700654"/>
+            </a:xfrm>
+            <a:prstGeom prst="straightConnector1">
+              <a:avLst/>
+            </a:prstGeom>
+            <a:ln>
+              <a:tailEnd type="triangle"/>
+            </a:ln>
+          </p:spPr>
+          <p:style>
+            <a:lnRef idx="2">
+              <a:schemeClr val="dk1"/>
+            </a:lnRef>
+            <a:fillRef idx="0">
+              <a:schemeClr val="dk1"/>
+            </a:fillRef>
+            <a:effectRef idx="1">
+              <a:schemeClr val="dk1"/>
+            </a:effectRef>
+            <a:fontRef idx="minor">
+              <a:schemeClr val="tx1"/>
+            </a:fontRef>
+          </p:style>
+        </p:cxnSp>
+        <p:cxnSp>
+          <p:nvCxnSpPr>
+            <p:cNvPr id="53" name="Straight Arrow Connector 52"/>
+            <p:cNvCxnSpPr>
+              <a:stCxn id="95" idx="2"/>
+            </p:cNvCxnSpPr>
+            <p:nvPr/>
+          </p:nvCxnSpPr>
+          <p:spPr>
+            <a:xfrm flipH="1">
+              <a:off x="8969591" y="4875859"/>
+              <a:ext cx="1344" cy="350327"/>
+            </a:xfrm>
+            <a:prstGeom prst="straightConnector1">
+              <a:avLst/>
+            </a:prstGeom>
+            <a:ln>
+              <a:tailEnd type="triangle"/>
+            </a:ln>
+          </p:spPr>
+          <p:style>
+            <a:lnRef idx="2">
+              <a:schemeClr val="dk1"/>
+            </a:lnRef>
+            <a:fillRef idx="0">
+              <a:schemeClr val="dk1"/>
+            </a:fillRef>
+            <a:effectRef idx="1">
+              <a:schemeClr val="dk1"/>
+            </a:effectRef>
+            <a:fontRef idx="minor">
+              <a:schemeClr val="tx1"/>
+            </a:fontRef>
+          </p:style>
+        </p:cxnSp>
+        <p:cxnSp>
+          <p:nvCxnSpPr>
+            <p:cNvPr id="54" name="Straight Arrow Connector 53"/>
+            <p:cNvCxnSpPr>
+              <a:stCxn id="97" idx="2"/>
+            </p:cNvCxnSpPr>
+            <p:nvPr/>
+          </p:nvCxnSpPr>
+          <p:spPr>
+            <a:xfrm flipH="1">
+              <a:off x="10191724" y="4875859"/>
+              <a:ext cx="2670" cy="350327"/>
+            </a:xfrm>
+            <a:prstGeom prst="straightConnector1">
+              <a:avLst/>
+            </a:prstGeom>
+            <a:ln>
+              <a:tailEnd type="triangle"/>
+            </a:ln>
+          </p:spPr>
+          <p:style>
+            <a:lnRef idx="2">
+              <a:schemeClr val="dk1"/>
+            </a:lnRef>
+            <a:fillRef idx="0">
+              <a:schemeClr val="dk1"/>
+            </a:fillRef>
+            <a:effectRef idx="1">
+              <a:schemeClr val="dk1"/>
+            </a:effectRef>
+            <a:fontRef idx="minor">
+              <a:schemeClr val="tx1"/>
+            </a:fontRef>
+          </p:style>
+        </p:cxnSp>
+        <p:sp>
+          <p:nvSpPr>
+            <p:cNvPr id="95" name="Rectangle 94"/>
+            <p:cNvSpPr/>
+            <p:nvPr/>
+          </p:nvSpPr>
+          <p:spPr>
+            <a:xfrm>
+              <a:off x="8634945" y="4506527"/>
+              <a:ext cx="671979" cy="369332"/>
+            </a:xfrm>
+            <a:prstGeom prst="rect">
+              <a:avLst/>
+            </a:prstGeom>
+          </p:spPr>
+          <p:txBody>
+            <a:bodyPr wrap="none">
+              <a:spAutoFit/>
+            </a:bodyPr>
+            <a:lstStyle/>
+            <a:p>
+              <a:r>
+                <a:rPr lang="uk-UA" dirty="0">
+                  <a:latin typeface="Times New Roman" panose="02020603050405020304" pitchFamily="18" charset="0"/>
+                  <a:ea typeface="Calibri" panose="020F0502020204030204" pitchFamily="34" charset="0"/>
+                </a:rPr>
+                <a:t>RSSI</a:t>
+              </a:r>
+              <a:endParaRPr lang="uk-UA" dirty="0"/>
+            </a:p>
+          </p:txBody>
+        </p:sp>
+        <p:sp>
+          <p:nvSpPr>
+            <p:cNvPr id="96" name="Rectangle 95"/>
+            <p:cNvSpPr/>
+            <p:nvPr/>
+          </p:nvSpPr>
+          <p:spPr>
+            <a:xfrm>
+              <a:off x="9247472" y="4506527"/>
+              <a:ext cx="671979" cy="369332"/>
+            </a:xfrm>
+            <a:prstGeom prst="rect">
+              <a:avLst/>
+            </a:prstGeom>
+          </p:spPr>
+          <p:txBody>
+            <a:bodyPr wrap="none">
+              <a:spAutoFit/>
+            </a:bodyPr>
+            <a:lstStyle/>
+            <a:p>
+              <a:r>
+                <a:rPr lang="uk-UA" dirty="0">
+                  <a:latin typeface="Times New Roman" panose="02020603050405020304" pitchFamily="18" charset="0"/>
+                  <a:ea typeface="Calibri" panose="020F0502020204030204" pitchFamily="34" charset="0"/>
+                </a:rPr>
+                <a:t>RSSI</a:t>
+              </a:r>
+              <a:endParaRPr lang="uk-UA" dirty="0"/>
+            </a:p>
+          </p:txBody>
+        </p:sp>
+        <p:sp>
+          <p:nvSpPr>
+            <p:cNvPr id="97" name="Rectangle 96"/>
+            <p:cNvSpPr/>
+            <p:nvPr/>
+          </p:nvSpPr>
+          <p:spPr>
+            <a:xfrm>
+              <a:off x="9858404" y="4506527"/>
+              <a:ext cx="671979" cy="369332"/>
+            </a:xfrm>
+            <a:prstGeom prst="rect">
+              <a:avLst/>
+            </a:prstGeom>
+          </p:spPr>
+          <p:txBody>
+            <a:bodyPr wrap="none">
+              <a:spAutoFit/>
+            </a:bodyPr>
+            <a:lstStyle/>
+            <a:p>
+              <a:r>
+                <a:rPr lang="uk-UA" dirty="0">
+                  <a:latin typeface="Times New Roman" panose="02020603050405020304" pitchFamily="18" charset="0"/>
+                  <a:ea typeface="Calibri" panose="020F0502020204030204" pitchFamily="34" charset="0"/>
+                </a:rPr>
+                <a:t>RSSI</a:t>
+              </a:r>
+              <a:endParaRPr lang="uk-UA" dirty="0"/>
+            </a:p>
+          </p:txBody>
+        </p:sp>
+        <p:sp>
+          <p:nvSpPr>
+            <p:cNvPr id="127" name="Rectangle 126"/>
+            <p:cNvSpPr/>
+            <p:nvPr/>
+          </p:nvSpPr>
+          <p:spPr>
+            <a:xfrm>
+              <a:off x="9028661" y="5578182"/>
+              <a:ext cx="1109599" cy="369332"/>
+            </a:xfrm>
+            <a:prstGeom prst="rect">
+              <a:avLst/>
+            </a:prstGeom>
+          </p:spPr>
+          <p:txBody>
+            <a:bodyPr wrap="none">
+              <a:spAutoFit/>
+            </a:bodyPr>
+            <a:lstStyle/>
+            <a:p>
+              <a:r>
+                <a:rPr lang="uk-UA" dirty="0">
+                  <a:latin typeface="Times New Roman" panose="02020603050405020304" pitchFamily="18" charset="0"/>
+                  <a:ea typeface="Calibri" panose="020F0502020204030204" pitchFamily="34" charset="0"/>
+                </a:rPr>
+                <a:t>Кількість</a:t>
+              </a:r>
+              <a:endParaRPr lang="uk-UA" dirty="0"/>
+            </a:p>
+          </p:txBody>
+        </p:sp>
+      </p:grpSp>
     </p:spTree>
     <p:extLst>
       <p:ext uri="{BB962C8B-B14F-4D97-AF65-F5344CB8AC3E}">
@@ -8279,6 +12242,349 @@
                       </p:childTnLst>
                     </p:cTn>
                   </p:par>
+                  <p:par>
+                    <p:cTn id="10" fill="hold">
+                      <p:stCondLst>
+                        <p:cond delay="indefinite"/>
+                      </p:stCondLst>
+                      <p:childTnLst>
+                        <p:par>
+                          <p:cTn id="11" fill="hold">
+                            <p:stCondLst>
+                              <p:cond delay="0"/>
+                            </p:stCondLst>
+                            <p:childTnLst>
+                              <p:par>
+                                <p:cTn id="12" presetID="10" presetClass="entr" presetSubtype="0" fill="hold" nodeType="clickEffect">
+                                  <p:stCondLst>
+                                    <p:cond delay="0"/>
+                                  </p:stCondLst>
+                                  <p:childTnLst>
+                                    <p:set>
+                                      <p:cBhvr>
+                                        <p:cTn id="13" dur="1" fill="hold">
+                                          <p:stCondLst>
+                                            <p:cond delay="0"/>
+                                          </p:stCondLst>
+                                        </p:cTn>
+                                        <p:tgtEl>
+                                          <p:spTgt spid="130"/>
+                                        </p:tgtEl>
+                                        <p:attrNameLst>
+                                          <p:attrName>style.visibility</p:attrName>
+                                        </p:attrNameLst>
+                                      </p:cBhvr>
+                                      <p:to>
+                                        <p:strVal val="visible"/>
+                                      </p:to>
+                                    </p:set>
+                                    <p:animEffect transition="in" filter="fade">
+                                      <p:cBhvr>
+                                        <p:cTn id="14" dur="500"/>
+                                        <p:tgtEl>
+                                          <p:spTgt spid="130"/>
+                                        </p:tgtEl>
+                                      </p:cBhvr>
+                                    </p:animEffect>
+                                  </p:childTnLst>
+                                </p:cTn>
+                              </p:par>
+                            </p:childTnLst>
+                          </p:cTn>
+                        </p:par>
+                        <p:par>
+                          <p:cTn id="15" fill="hold">
+                            <p:stCondLst>
+                              <p:cond delay="500"/>
+                            </p:stCondLst>
+                            <p:childTnLst>
+                              <p:par>
+                                <p:cTn id="16" presetID="10" presetClass="entr" presetSubtype="0" fill="hold" nodeType="afterEffect">
+                                  <p:stCondLst>
+                                    <p:cond delay="0"/>
+                                  </p:stCondLst>
+                                  <p:childTnLst>
+                                    <p:set>
+                                      <p:cBhvr>
+                                        <p:cTn id="17" dur="1" fill="hold">
+                                          <p:stCondLst>
+                                            <p:cond delay="0"/>
+                                          </p:stCondLst>
+                                        </p:cTn>
+                                        <p:tgtEl>
+                                          <p:spTgt spid="45"/>
+                                        </p:tgtEl>
+                                        <p:attrNameLst>
+                                          <p:attrName>style.visibility</p:attrName>
+                                        </p:attrNameLst>
+                                      </p:cBhvr>
+                                      <p:to>
+                                        <p:strVal val="visible"/>
+                                      </p:to>
+                                    </p:set>
+                                    <p:animEffect transition="in" filter="fade">
+                                      <p:cBhvr>
+                                        <p:cTn id="18" dur="500"/>
+                                        <p:tgtEl>
+                                          <p:spTgt spid="45"/>
+                                        </p:tgtEl>
+                                      </p:cBhvr>
+                                    </p:animEffect>
+                                  </p:childTnLst>
+                                </p:cTn>
+                              </p:par>
+                            </p:childTnLst>
+                          </p:cTn>
+                        </p:par>
+                      </p:childTnLst>
+                    </p:cTn>
+                  </p:par>
+                  <p:par>
+                    <p:cTn id="19" fill="hold">
+                      <p:stCondLst>
+                        <p:cond delay="indefinite"/>
+                      </p:stCondLst>
+                      <p:childTnLst>
+                        <p:par>
+                          <p:cTn id="20" fill="hold">
+                            <p:stCondLst>
+                              <p:cond delay="0"/>
+                            </p:stCondLst>
+                            <p:childTnLst>
+                              <p:par>
+                                <p:cTn id="21" presetID="10" presetClass="entr" presetSubtype="0" fill="hold" nodeType="clickEffect">
+                                  <p:stCondLst>
+                                    <p:cond delay="0"/>
+                                  </p:stCondLst>
+                                  <p:childTnLst>
+                                    <p:set>
+                                      <p:cBhvr>
+                                        <p:cTn id="22" dur="1" fill="hold">
+                                          <p:stCondLst>
+                                            <p:cond delay="0"/>
+                                          </p:stCondLst>
+                                        </p:cTn>
+                                        <p:tgtEl>
+                                          <p:spTgt spid="123"/>
+                                        </p:tgtEl>
+                                        <p:attrNameLst>
+                                          <p:attrName>style.visibility</p:attrName>
+                                        </p:attrNameLst>
+                                      </p:cBhvr>
+                                      <p:to>
+                                        <p:strVal val="visible"/>
+                                      </p:to>
+                                    </p:set>
+                                    <p:animEffect transition="in" filter="fade">
+                                      <p:cBhvr>
+                                        <p:cTn id="23" dur="500"/>
+                                        <p:tgtEl>
+                                          <p:spTgt spid="123"/>
+                                        </p:tgtEl>
+                                      </p:cBhvr>
+                                    </p:animEffect>
+                                  </p:childTnLst>
+                                </p:cTn>
+                              </p:par>
+                              <p:par>
+                                <p:cTn id="24" presetID="10" presetClass="entr" presetSubtype="0" fill="hold" nodeType="withEffect">
+                                  <p:stCondLst>
+                                    <p:cond delay="0"/>
+                                  </p:stCondLst>
+                                  <p:childTnLst>
+                                    <p:set>
+                                      <p:cBhvr>
+                                        <p:cTn id="25" dur="1" fill="hold">
+                                          <p:stCondLst>
+                                            <p:cond delay="0"/>
+                                          </p:stCondLst>
+                                        </p:cTn>
+                                        <p:tgtEl>
+                                          <p:spTgt spid="55"/>
+                                        </p:tgtEl>
+                                        <p:attrNameLst>
+                                          <p:attrName>style.visibility</p:attrName>
+                                        </p:attrNameLst>
+                                      </p:cBhvr>
+                                      <p:to>
+                                        <p:strVal val="visible"/>
+                                      </p:to>
+                                    </p:set>
+                                    <p:animEffect transition="in" filter="fade">
+                                      <p:cBhvr>
+                                        <p:cTn id="26" dur="500"/>
+                                        <p:tgtEl>
+                                          <p:spTgt spid="55"/>
+                                        </p:tgtEl>
+                                      </p:cBhvr>
+                                    </p:animEffect>
+                                  </p:childTnLst>
+                                </p:cTn>
+                              </p:par>
+                              <p:par>
+                                <p:cTn id="27" presetID="10" presetClass="entr" presetSubtype="0" fill="hold" nodeType="withEffect">
+                                  <p:stCondLst>
+                                    <p:cond delay="0"/>
+                                  </p:stCondLst>
+                                  <p:childTnLst>
+                                    <p:set>
+                                      <p:cBhvr>
+                                        <p:cTn id="28" dur="1" fill="hold">
+                                          <p:stCondLst>
+                                            <p:cond delay="0"/>
+                                          </p:stCondLst>
+                                        </p:cTn>
+                                        <p:tgtEl>
+                                          <p:spTgt spid="115"/>
+                                        </p:tgtEl>
+                                        <p:attrNameLst>
+                                          <p:attrName>style.visibility</p:attrName>
+                                        </p:attrNameLst>
+                                      </p:cBhvr>
+                                      <p:to>
+                                        <p:strVal val="visible"/>
+                                      </p:to>
+                                    </p:set>
+                                    <p:animEffect transition="in" filter="fade">
+                                      <p:cBhvr>
+                                        <p:cTn id="29" dur="500"/>
+                                        <p:tgtEl>
+                                          <p:spTgt spid="115"/>
+                                        </p:tgtEl>
+                                      </p:cBhvr>
+                                    </p:animEffect>
+                                  </p:childTnLst>
+                                </p:cTn>
+                              </p:par>
+                            </p:childTnLst>
+                          </p:cTn>
+                        </p:par>
+                      </p:childTnLst>
+                    </p:cTn>
+                  </p:par>
+                  <p:par>
+                    <p:cTn id="30" fill="hold">
+                      <p:stCondLst>
+                        <p:cond delay="indefinite"/>
+                      </p:stCondLst>
+                      <p:childTnLst>
+                        <p:par>
+                          <p:cTn id="31" fill="hold">
+                            <p:stCondLst>
+                              <p:cond delay="0"/>
+                            </p:stCondLst>
+                            <p:childTnLst>
+                              <p:par>
+                                <p:cTn id="32" presetID="10" presetClass="entr" presetSubtype="0" fill="hold" nodeType="clickEffect">
+                                  <p:stCondLst>
+                                    <p:cond delay="0"/>
+                                  </p:stCondLst>
+                                  <p:childTnLst>
+                                    <p:set>
+                                      <p:cBhvr>
+                                        <p:cTn id="33" dur="1" fill="hold">
+                                          <p:stCondLst>
+                                            <p:cond delay="0"/>
+                                          </p:stCondLst>
+                                        </p:cTn>
+                                        <p:tgtEl>
+                                          <p:spTgt spid="132"/>
+                                        </p:tgtEl>
+                                        <p:attrNameLst>
+                                          <p:attrName>style.visibility</p:attrName>
+                                        </p:attrNameLst>
+                                      </p:cBhvr>
+                                      <p:to>
+                                        <p:strVal val="visible"/>
+                                      </p:to>
+                                    </p:set>
+                                    <p:animEffect transition="in" filter="fade">
+                                      <p:cBhvr>
+                                        <p:cTn id="34" dur="500"/>
+                                        <p:tgtEl>
+                                          <p:spTgt spid="132"/>
+                                        </p:tgtEl>
+                                      </p:cBhvr>
+                                    </p:animEffect>
+                                  </p:childTnLst>
+                                </p:cTn>
+                              </p:par>
+                              <p:par>
+                                <p:cTn id="35" presetID="10" presetClass="entr" presetSubtype="0" fill="hold" grpId="0" nodeType="withEffect">
+                                  <p:stCondLst>
+                                    <p:cond delay="0"/>
+                                  </p:stCondLst>
+                                  <p:childTnLst>
+                                    <p:set>
+                                      <p:cBhvr>
+                                        <p:cTn id="36" dur="1" fill="hold">
+                                          <p:stCondLst>
+                                            <p:cond delay="0"/>
+                                          </p:stCondLst>
+                                        </p:cTn>
+                                        <p:tgtEl>
+                                          <p:spTgt spid="124"/>
+                                        </p:tgtEl>
+                                        <p:attrNameLst>
+                                          <p:attrName>style.visibility</p:attrName>
+                                        </p:attrNameLst>
+                                      </p:cBhvr>
+                                      <p:to>
+                                        <p:strVal val="visible"/>
+                                      </p:to>
+                                    </p:set>
+                                    <p:animEffect transition="in" filter="fade">
+                                      <p:cBhvr>
+                                        <p:cTn id="37" dur="500"/>
+                                        <p:tgtEl>
+                                          <p:spTgt spid="124"/>
+                                        </p:tgtEl>
+                                      </p:cBhvr>
+                                    </p:animEffect>
+                                  </p:childTnLst>
+                                </p:cTn>
+                              </p:par>
+                              <p:par>
+                                <p:cTn id="38" presetID="10" presetClass="entr" presetSubtype="0" fill="hold" grpId="0" nodeType="withEffect">
+                                  <p:stCondLst>
+                                    <p:cond delay="0"/>
+                                  </p:stCondLst>
+                                  <p:childTnLst>
+                                    <p:set>
+                                      <p:cBhvr>
+                                        <p:cTn id="39" dur="1" fill="hold">
+                                          <p:stCondLst>
+                                            <p:cond delay="0"/>
+                                          </p:stCondLst>
+                                        </p:cTn>
+                                        <p:tgtEl>
+                                          <p:spTgt spid="119"/>
+                                        </p:tgtEl>
+                                        <p:attrNameLst>
+                                          <p:attrName>style.visibility</p:attrName>
+                                        </p:attrNameLst>
+                                      </p:cBhvr>
+                                      <p:to>
+                                        <p:strVal val="visible"/>
+                                      </p:to>
+                                    </p:set>
+                                    <p:animEffect transition="in" filter="fade">
+                                      <p:cBhvr>
+                                        <p:cTn id="40" dur="500"/>
+                                        <p:tgtEl>
+                                          <p:spTgt spid="119"/>
+                                        </p:tgtEl>
+                                      </p:cBhvr>
+                                    </p:animEffect>
+                                  </p:childTnLst>
+                                </p:cTn>
+                              </p:par>
+                            </p:childTnLst>
+                          </p:cTn>
+                        </p:par>
+                      </p:childTnLst>
+                    </p:cTn>
+                  </p:par>
                 </p:childTnLst>
               </p:cTn>
               <p:prevCondLst>
@@ -8302,12 +12608,14 @@
     </p:tnLst>
     <p:bldLst>
       <p:bldP spid="19" grpId="0"/>
+      <p:bldP spid="119" grpId="0"/>
+      <p:bldP spid="124" grpId="0"/>
     </p:bldLst>
   </p:timing>
 </p:sld>
 </file>
 
-<file path=ppt/slides/slide6.xml><?xml version="1.0" encoding="utf-8"?>
+<file path=ppt/slides/slide7.xml><?xml version="1.0" encoding="utf-8"?>
 <p:sld xmlns:a="http://schemas.openxmlformats.org/drawingml/2006/main" xmlns:r="http://schemas.openxmlformats.org/officeDocument/2006/relationships" xmlns:p="http://schemas.openxmlformats.org/presentationml/2006/main">
   <p:cSld>
     <p:spTree>
@@ -8379,17 +12687,23 @@
           <p:cNvGraphicFramePr>
             <a:graphicFrameLocks noChangeAspect="1"/>
           </p:cNvGraphicFramePr>
-          <p:nvPr/>
+          <p:nvPr>
+            <p:extLst>
+              <p:ext uri="{D42A27DB-BD31-4B8C-83A1-F6EECF244321}">
+                <p14:modId xmlns:p14="http://schemas.microsoft.com/office/powerpoint/2010/main" val="2106694571"/>
+              </p:ext>
+            </p:extLst>
+          </p:nvPr>
         </p:nvGraphicFramePr>
         <p:xfrm>
-          <a:off x="2055845" y="1370837"/>
+          <a:off x="2055842" y="1504477"/>
           <a:ext cx="8080315" cy="5353523"/>
         </p:xfrm>
         <a:graphic>
           <a:graphicData uri="http://schemas.openxmlformats.org/presentationml/2006/ole">
             <mc:AlternateContent xmlns:mc="http://schemas.openxmlformats.org/markup-compatibility/2006">
               <mc:Choice xmlns:v="urn:schemas-microsoft-com:vml" Requires="v">
-                <p:oleObj spid="_x0000_s5178" name="Visio" r:id="rId4" imgW="12039600" imgH="10124985" progId="Visio.Drawing.15">
+                <p:oleObj spid="_x0000_s5277" name="Visio" r:id="rId4" imgW="12039600" imgH="10124985" progId="Visio.Drawing.15">
                   <p:embed/>
                 </p:oleObj>
               </mc:Choice>
@@ -8419,7 +12733,7 @@
                     </p:blipFill>
                     <p:spPr bwMode="auto">
                       <a:xfrm>
-                        <a:off x="2055845" y="1370837"/>
+                        <a:off x="2055842" y="1504477"/>
                         <a:ext cx="8080315" cy="5353523"/>
                       </a:xfrm>
                       <a:prstGeom prst="rect">
@@ -8594,7 +12908,7 @@
 </p:sld>
 </file>
 
-<file path=ppt/slides/slide7.xml><?xml version="1.0" encoding="utf-8"?>
+<file path=ppt/slides/slide8.xml><?xml version="1.0" encoding="utf-8"?>
 <p:sld xmlns:a="http://schemas.openxmlformats.org/drawingml/2006/main" xmlns:r="http://schemas.openxmlformats.org/officeDocument/2006/relationships" xmlns:p="http://schemas.openxmlformats.org/presentationml/2006/main">
   <p:cSld>
     <p:spTree>
@@ -8629,7 +12943,7 @@
           <a:graphicData uri="http://schemas.openxmlformats.org/presentationml/2006/ole">
             <mc:AlternateContent xmlns:mc="http://schemas.openxmlformats.org/markup-compatibility/2006">
               <mc:Choice xmlns:v="urn:schemas-microsoft-com:vml" Requires="v">
-                <p:oleObj spid="_x0000_s7184" name="Visio" r:id="rId4" imgW="13496857" imgH="5267235" progId="Visio.Drawing.15">
+                <p:oleObj spid="_x0000_s7280" name="Visio" r:id="rId4" imgW="13496857" imgH="5267235" progId="Visio.Drawing.15">
                   <p:embed/>
                 </p:oleObj>
               </mc:Choice>
@@ -8830,7 +13144,7 @@
 </p:sld>
 </file>
 
-<file path=ppt/slides/slide8.xml><?xml version="1.0" encoding="utf-8"?>
+<file path=ppt/slides/slide9.xml><?xml version="1.0" encoding="utf-8"?>
 <p:sld xmlns:a="http://schemas.openxmlformats.org/drawingml/2006/main" xmlns:r="http://schemas.openxmlformats.org/officeDocument/2006/relationships" xmlns:p="http://schemas.openxmlformats.org/presentationml/2006/main">
   <p:cSld>
     <p:spTree>
@@ -8865,7 +13179,7 @@
           <a:graphicData uri="http://schemas.openxmlformats.org/presentationml/2006/ole">
             <mc:AlternateContent xmlns:mc="http://schemas.openxmlformats.org/markup-compatibility/2006">
               <mc:Choice xmlns:v="urn:schemas-microsoft-com:vml" Requires="v">
-                <p:oleObj spid="_x0000_s8206" name="Visio" r:id="rId4" imgW="13496857" imgH="5267235" progId="Visio.Drawing.15">
+                <p:oleObj spid="_x0000_s8302" name="Visio" r:id="rId4" imgW="13496857" imgH="5267235" progId="Visio.Drawing.15">
                   <p:embed/>
                 </p:oleObj>
               </mc:Choice>
@@ -8962,157 +13276,6 @@
     <p:extLst>
       <p:ext uri="{BB962C8B-B14F-4D97-AF65-F5344CB8AC3E}">
         <p14:creationId xmlns:p14="http://schemas.microsoft.com/office/powerpoint/2010/main" val="3214066695"/>
-      </p:ext>
-    </p:extLst>
-  </p:cSld>
-  <p:clrMapOvr>
-    <a:masterClrMapping/>
-  </p:clrMapOvr>
-  <p:transition spd="med">
-    <p:fade/>
-  </p:transition>
-  <p:timing>
-    <p:tnLst>
-      <p:par>
-        <p:cTn id="1" dur="indefinite" restart="never" nodeType="tmRoot"/>
-      </p:par>
-    </p:tnLst>
-  </p:timing>
-</p:sld>
-</file>
-
-<file path=ppt/slides/slide9.xml><?xml version="1.0" encoding="utf-8"?>
-<p:sld xmlns:a="http://schemas.openxmlformats.org/drawingml/2006/main" xmlns:r="http://schemas.openxmlformats.org/officeDocument/2006/relationships" xmlns:p="http://schemas.openxmlformats.org/presentationml/2006/main">
-  <p:cSld>
-    <p:spTree>
-      <p:nvGrpSpPr>
-        <p:cNvPr id="1" name=""/>
-        <p:cNvGrpSpPr/>
-        <p:nvPr/>
-      </p:nvGrpSpPr>
-      <p:grpSpPr>
-        <a:xfrm>
-          <a:off x="0" y="0"/>
-          <a:ext cx="0" cy="0"/>
-          <a:chOff x="0" y="0"/>
-          <a:chExt cx="0" cy="0"/>
-        </a:xfrm>
-      </p:grpSpPr>
-      <p:graphicFrame>
-        <p:nvGraphicFramePr>
-          <p:cNvPr id="3" name="Object 2"/>
-          <p:cNvGraphicFramePr>
-            <a:graphicFrameLocks noChangeAspect="1"/>
-          </p:cNvGraphicFramePr>
-          <p:nvPr>
-            <p:extLst/>
-          </p:nvPr>
-        </p:nvGraphicFramePr>
-        <p:xfrm>
-          <a:off x="159657" y="1922920"/>
-          <a:ext cx="11872686" cy="4633132"/>
-        </p:xfrm>
-        <a:graphic>
-          <a:graphicData uri="http://schemas.openxmlformats.org/presentationml/2006/ole">
-            <mc:AlternateContent xmlns:mc="http://schemas.openxmlformats.org/markup-compatibility/2006">
-              <mc:Choice xmlns:v="urn:schemas-microsoft-com:vml" Requires="v">
-                <p:oleObj spid="_x0000_s9225" name="Visio" r:id="rId4" imgW="13496857" imgH="5267235" progId="Visio.Drawing.15">
-                  <p:embed/>
-                </p:oleObj>
-              </mc:Choice>
-              <mc:Fallback>
-                <p:oleObj name="Visio" r:id="rId4" imgW="13496857" imgH="5267235" progId="Visio.Drawing.15">
-                  <p:embed/>
-                  <p:pic>
-                    <p:nvPicPr>
-                      <p:cNvPr id="0" name=""/>
-                      <p:cNvPicPr/>
-                      <p:nvPr/>
-                    </p:nvPicPr>
-                    <p:blipFill>
-                      <a:blip r:embed="rId5"/>
-                      <a:stretch>
-                        <a:fillRect/>
-                      </a:stretch>
-                    </p:blipFill>
-                    <p:spPr>
-                      <a:xfrm>
-                        <a:off x="159657" y="1922920"/>
-                        <a:ext cx="11872686" cy="4633132"/>
-                      </a:xfrm>
-                      <a:prstGeom prst="rect">
-                        <a:avLst/>
-                      </a:prstGeom>
-                    </p:spPr>
-                  </p:pic>
-                </p:oleObj>
-              </mc:Fallback>
-            </mc:AlternateContent>
-          </a:graphicData>
-        </a:graphic>
-      </p:graphicFrame>
-      <p:sp>
-        <p:nvSpPr>
-          <p:cNvPr id="4" name="Title 3"/>
-          <p:cNvSpPr>
-            <a:spLocks noGrp="1"/>
-          </p:cNvSpPr>
-          <p:nvPr>
-            <p:ph type="title"/>
-          </p:nvPr>
-        </p:nvSpPr>
-        <p:spPr/>
-        <p:txBody>
-          <a:bodyPr/>
-          <a:lstStyle/>
-          <a:p>
-            <a:pPr algn="ctr"/>
-            <a:r>
-              <a:rPr lang="uk-UA" dirty="0" smtClean="0"/>
-              <a:t>Схема роботи програми</a:t>
-            </a:r>
-            <a:endParaRPr lang="uk-UA" dirty="0"/>
-          </a:p>
-        </p:txBody>
-      </p:sp>
-      <p:pic>
-        <p:nvPicPr>
-          <p:cNvPr id="6" name="Picture 5"/>
-          <p:cNvPicPr>
-            <a:picLocks noChangeAspect="1"/>
-          </p:cNvPicPr>
-          <p:nvPr/>
-        </p:nvPicPr>
-        <p:blipFill>
-          <a:blip r:embed="rId6">
-            <a:extLst>
-              <a:ext uri="{28A0092B-C50C-407E-A947-70E740481C1C}">
-                <a14:useLocalDpi xmlns:a14="http://schemas.microsoft.com/office/drawing/2010/main" val="0"/>
-              </a:ext>
-            </a:extLst>
-          </a:blip>
-          <a:stretch>
-            <a:fillRect/>
-          </a:stretch>
-        </p:blipFill>
-        <p:spPr>
-          <a:xfrm>
-            <a:off x="-5781751" y="-168103"/>
-            <a:ext cx="23622152" cy="8512637"/>
-          </a:xfrm>
-          <a:prstGeom prst="rect">
-            <a:avLst/>
-          </a:prstGeom>
-          <a:noFill/>
-          <a:ln>
-            <a:noFill/>
-          </a:ln>
-        </p:spPr>
-      </p:pic>
-    </p:spTree>
-    <p:extLst>
-      <p:ext uri="{BB962C8B-B14F-4D97-AF65-F5344CB8AC3E}">
-        <p14:creationId xmlns:p14="http://schemas.microsoft.com/office/powerpoint/2010/main" val="692297819"/>
       </p:ext>
     </p:extLst>
   </p:cSld>

--- a/Presentation.pptx
+++ b/Presentation.pptx
@@ -5,26 +5,25 @@
     <p:sldMasterId id="2147483648" r:id="rId1"/>
   </p:sldMasterIdLst>
   <p:notesMasterIdLst>
-    <p:notesMasterId r:id="rId16"/>
+    <p:notesMasterId r:id="rId15"/>
   </p:notesMasterIdLst>
   <p:handoutMasterIdLst>
-    <p:handoutMasterId r:id="rId17"/>
+    <p:handoutMasterId r:id="rId16"/>
   </p:handoutMasterIdLst>
   <p:sldIdLst>
     <p:sldId id="256" r:id="rId2"/>
-    <p:sldId id="263" r:id="rId3"/>
-    <p:sldId id="264" r:id="rId4"/>
-    <p:sldId id="272" r:id="rId5"/>
-    <p:sldId id="260" r:id="rId6"/>
-    <p:sldId id="261" r:id="rId7"/>
-    <p:sldId id="262" r:id="rId8"/>
-    <p:sldId id="265" r:id="rId9"/>
-    <p:sldId id="266" r:id="rId10"/>
-    <p:sldId id="267" r:id="rId11"/>
-    <p:sldId id="268" r:id="rId12"/>
-    <p:sldId id="269" r:id="rId13"/>
-    <p:sldId id="271" r:id="rId14"/>
-    <p:sldId id="270" r:id="rId15"/>
+    <p:sldId id="265" r:id="rId3"/>
+    <p:sldId id="266" r:id="rId4"/>
+    <p:sldId id="263" r:id="rId5"/>
+    <p:sldId id="264" r:id="rId6"/>
+    <p:sldId id="272" r:id="rId7"/>
+    <p:sldId id="260" r:id="rId8"/>
+    <p:sldId id="261" r:id="rId9"/>
+    <p:sldId id="267" r:id="rId10"/>
+    <p:sldId id="268" r:id="rId11"/>
+    <p:sldId id="269" r:id="rId12"/>
+    <p:sldId id="271" r:id="rId13"/>
+    <p:sldId id="270" r:id="rId14"/>
   </p:sldIdLst>
   <p:sldSz cx="12192000" cy="6858000"/>
   <p:notesSz cx="6858000" cy="9144000"/>
@@ -126,9 +125,19 @@
   <p:extLst>
     <p:ext uri="{521415D9-36F7-43E2-AB2F-B90AF26B5E84}">
       <p14:sectionLst xmlns:p14="http://schemas.microsoft.com/office/powerpoint/2010/main">
-        <p14:section name="Default Section" id="{65FA0318-691E-4DE3-8752-493821A98772}">
+        <p14:section name="Start" id="{65FA0318-691E-4DE3-8752-493821A98772}">
           <p14:sldIdLst>
             <p14:sldId id="256"/>
+          </p14:sldIdLst>
+        </p14:section>
+        <p14:section name="Customer" id="{9C7CD03C-3DF0-4F8F-A320-2BD38E055EC2}">
+          <p14:sldIdLst>
+            <p14:sldId id="265"/>
+          </p14:sldIdLst>
+        </p14:section>
+        <p14:section name="DevConnListr" id="{99C6B153-6052-4C7B-9895-7249EED57C16}">
+          <p14:sldIdLst>
+            <p14:sldId id="266"/>
           </p14:sldIdLst>
         </p14:section>
         <p14:section name="PacketAnalysis" id="{5189F836-8D31-4CC0-A95E-37C2928C4300}">
@@ -138,17 +147,6 @@
             <p14:sldId id="272"/>
             <p14:sldId id="260"/>
             <p14:sldId id="261"/>
-            <p14:sldId id="262"/>
-          </p14:sldIdLst>
-        </p14:section>
-        <p14:section name="Customer" id="{697F119F-D884-47F0-B167-F4986B0ED2D7}">
-          <p14:sldIdLst>
-            <p14:sldId id="265"/>
-          </p14:sldIdLst>
-        </p14:section>
-        <p14:section name="DevConnListr" id="{D71CEDA0-42A9-4AB5-B8BE-BF908BCB44AB}">
-          <p14:sldIdLst>
-            <p14:sldId id="266"/>
           </p14:sldIdLst>
         </p14:section>
         <p14:section name="NetCard" id="{5395182D-624E-40E7-AAB4-7540A8AEEDE0}">
@@ -416,11 +414,11 @@
           <c:showPercent val="0"/>
           <c:showBubbleSize val="0"/>
         </c:dLbls>
-        <c:axId val="161446552"/>
-        <c:axId val="161446944"/>
+        <c:axId val="168639776"/>
+        <c:axId val="168640168"/>
       </c:scatterChart>
       <c:valAx>
-        <c:axId val="161446552"/>
+        <c:axId val="168639776"/>
         <c:scaling>
           <c:orientation val="minMax"/>
         </c:scaling>
@@ -521,12 +519,12 @@
             <a:endParaRPr lang="uk-UA"/>
           </a:p>
         </c:txPr>
-        <c:crossAx val="161446944"/>
+        <c:crossAx val="168640168"/>
         <c:crosses val="autoZero"/>
         <c:crossBetween val="midCat"/>
       </c:valAx>
       <c:valAx>
-        <c:axId val="161446944"/>
+        <c:axId val="168640168"/>
         <c:scaling>
           <c:orientation val="minMax"/>
         </c:scaling>
@@ -627,7 +625,7 @@
             <a:endParaRPr lang="uk-UA"/>
           </a:p>
         </c:txPr>
-        <c:crossAx val="161446552"/>
+        <c:crossAx val="168639776"/>
         <c:crosses val="autoZero"/>
         <c:crossBetween val="midCat"/>
       </c:valAx>
@@ -880,11 +878,11 @@
           <c:showPercent val="0"/>
           <c:showBubbleSize val="0"/>
         </c:dLbls>
-        <c:axId val="274204768"/>
-        <c:axId val="274206728"/>
+        <c:axId val="168640952"/>
+        <c:axId val="168641344"/>
       </c:scatterChart>
       <c:valAx>
-        <c:axId val="274204768"/>
+        <c:axId val="168640952"/>
         <c:scaling>
           <c:orientation val="minMax"/>
         </c:scaling>
@@ -985,12 +983,12 @@
             <a:endParaRPr lang="uk-UA"/>
           </a:p>
         </c:txPr>
-        <c:crossAx val="274206728"/>
+        <c:crossAx val="168641344"/>
         <c:crosses val="autoZero"/>
         <c:crossBetween val="midCat"/>
       </c:valAx>
       <c:valAx>
-        <c:axId val="274206728"/>
+        <c:axId val="168641344"/>
         <c:scaling>
           <c:orientation val="minMax"/>
         </c:scaling>
@@ -1091,7 +1089,7 @@
             <a:endParaRPr lang="uk-UA"/>
           </a:p>
         </c:txPr>
-        <c:crossAx val="274204768"/>
+        <c:crossAx val="168640952"/>
         <c:crosses val="autoZero"/>
         <c:crossBetween val="midCat"/>
       </c:valAx>
@@ -2324,7 +2322,7 @@
           <a:p>
             <a:fld id="{AF540B8D-410A-4478-BECA-94BC9C67F289}" type="datetimeFigureOut">
               <a:rPr lang="uk-UA" smtClean="0"/>
-              <a:t>11.04.2015</a:t>
+              <a:t>13.04.2015</a:t>
             </a:fld>
             <a:endParaRPr lang="uk-UA"/>
           </a:p>
@@ -2489,7 +2487,7 @@
           <a:p>
             <a:fld id="{69190D90-451E-4BE2-A181-68566B6D9411}" type="datetimeFigureOut">
               <a:rPr lang="uk-UA" smtClean="0"/>
-              <a:t>11.04.2015</a:t>
+              <a:t>13.04.2015</a:t>
             </a:fld>
             <a:endParaRPr lang="uk-UA" dirty="0"/>
           </a:p>
@@ -2960,7 +2958,7 @@
     </p:spTree>
     <p:extLst>
       <p:ext uri="{BB962C8B-B14F-4D97-AF65-F5344CB8AC3E}">
-        <p14:creationId xmlns:p14="http://schemas.microsoft.com/office/powerpoint/2010/main" val="2353773462"/>
+        <p14:creationId xmlns:p14="http://schemas.microsoft.com/office/powerpoint/2010/main" val="2679478294"/>
       </p:ext>
     </p:extLst>
   </p:cSld>
@@ -3049,7 +3047,7 @@
     </p:spTree>
     <p:extLst>
       <p:ext uri="{BB962C8B-B14F-4D97-AF65-F5344CB8AC3E}">
-        <p14:creationId xmlns:p14="http://schemas.microsoft.com/office/powerpoint/2010/main" val="2679478294"/>
+        <p14:creationId xmlns:p14="http://schemas.microsoft.com/office/powerpoint/2010/main" val="1699580199"/>
       </p:ext>
     </p:extLst>
   </p:cSld>
@@ -3130,95 +3128,6 @@
             <a:fld id="{B730E3BF-72D6-4816-BF16-513E75DD0D9E}" type="slidenum">
               <a:rPr lang="uk-UA" smtClean="0"/>
               <a:t>12</a:t>
-            </a:fld>
-            <a:endParaRPr lang="uk-UA" dirty="0"/>
-          </a:p>
-        </p:txBody>
-      </p:sp>
-    </p:spTree>
-    <p:extLst>
-      <p:ext uri="{BB962C8B-B14F-4D97-AF65-F5344CB8AC3E}">
-        <p14:creationId xmlns:p14="http://schemas.microsoft.com/office/powerpoint/2010/main" val="1699580199"/>
-      </p:ext>
-    </p:extLst>
-  </p:cSld>
-  <p:clrMapOvr>
-    <a:masterClrMapping/>
-  </p:clrMapOvr>
-</p:notes>
-</file>
-
-<file path=ppt/notesSlides/notesSlide13.xml><?xml version="1.0" encoding="utf-8"?>
-<p:notes xmlns:a="http://schemas.openxmlformats.org/drawingml/2006/main" xmlns:r="http://schemas.openxmlformats.org/officeDocument/2006/relationships" xmlns:p="http://schemas.openxmlformats.org/presentationml/2006/main">
-  <p:cSld>
-    <p:spTree>
-      <p:nvGrpSpPr>
-        <p:cNvPr id="1" name=""/>
-        <p:cNvGrpSpPr/>
-        <p:nvPr/>
-      </p:nvGrpSpPr>
-      <p:grpSpPr>
-        <a:xfrm>
-          <a:off x="0" y="0"/>
-          <a:ext cx="0" cy="0"/>
-          <a:chOff x="0" y="0"/>
-          <a:chExt cx="0" cy="0"/>
-        </a:xfrm>
-      </p:grpSpPr>
-      <p:sp>
-        <p:nvSpPr>
-          <p:cNvPr id="2" name="Slide Image Placeholder 1"/>
-          <p:cNvSpPr>
-            <a:spLocks noGrp="1" noRot="1" noChangeAspect="1"/>
-          </p:cNvSpPr>
-          <p:nvPr>
-            <p:ph type="sldImg"/>
-          </p:nvPr>
-        </p:nvSpPr>
-        <p:spPr>
-          <a:xfrm>
-            <a:off x="685800" y="1143000"/>
-            <a:ext cx="5486400" cy="3086100"/>
-          </a:xfrm>
-        </p:spPr>
-      </p:sp>
-      <p:sp>
-        <p:nvSpPr>
-          <p:cNvPr id="3" name="Notes Placeholder 2"/>
-          <p:cNvSpPr>
-            <a:spLocks noGrp="1"/>
-          </p:cNvSpPr>
-          <p:nvPr>
-            <p:ph type="body" idx="1"/>
-          </p:nvPr>
-        </p:nvSpPr>
-        <p:spPr/>
-        <p:txBody>
-          <a:bodyPr/>
-          <a:lstStyle/>
-          <a:p>
-            <a:endParaRPr lang="uk-UA" dirty="0"/>
-          </a:p>
-        </p:txBody>
-      </p:sp>
-      <p:sp>
-        <p:nvSpPr>
-          <p:cNvPr id="4" name="Slide Number Placeholder 3"/>
-          <p:cNvSpPr>
-            <a:spLocks noGrp="1"/>
-          </p:cNvSpPr>
-          <p:nvPr>
-            <p:ph type="sldNum" sz="quarter" idx="10"/>
-          </p:nvPr>
-        </p:nvSpPr>
-        <p:spPr/>
-        <p:txBody>
-          <a:bodyPr/>
-          <a:lstStyle/>
-          <a:p>
-            <a:fld id="{B730E3BF-72D6-4816-BF16-513E75DD0D9E}" type="slidenum">
-              <a:rPr lang="uk-UA" smtClean="0"/>
-              <a:t>13</a:t>
             </a:fld>
             <a:endParaRPr lang="uk-UA" dirty="0"/>
           </a:p>
@@ -3286,7 +3195,145 @@
           <a:bodyPr/>
           <a:lstStyle/>
           <a:p>
-            <a:endParaRPr lang="uk-UA" dirty="0"/>
+            <a:pPr lvl="0"/>
+            <a:r>
+              <a:rPr lang="ru-RU" dirty="0" smtClean="0"/>
+              <a:t>	Выбрана</a:t>
+            </a:r>
+            <a:r>
+              <a:rPr lang="ru-RU" baseline="0" dirty="0" smtClean="0"/>
+              <a:t> </a:t>
+            </a:r>
+            <a:r>
+              <a:rPr lang="ru-RU" dirty="0" smtClean="0"/>
+              <a:t>Диаграмма последовательности </a:t>
+            </a:r>
+            <a:r>
+              <a:rPr lang="ru-RU" baseline="0" dirty="0" smtClean="0"/>
+              <a:t>так как она хорошо показывает </a:t>
+            </a:r>
+            <a:r>
+              <a:rPr lang="ru-RU" sz="1200" b="0" i="0" kern="1200" noProof="0" dirty="0" smtClean="0">
+                <a:solidFill>
+                  <a:schemeClr val="tx1"/>
+                </a:solidFill>
+                <a:effectLst/>
+                <a:latin typeface="+mn-lt"/>
+                <a:ea typeface="+mn-ea"/>
+                <a:cs typeface="+mn-cs"/>
+              </a:rPr>
+              <a:t>линии жизни каждого модуля</a:t>
+            </a:r>
+            <a:r>
+              <a:rPr lang="uk-UA" sz="1200" b="0" i="0" kern="1200" dirty="0" smtClean="0">
+                <a:solidFill>
+                  <a:schemeClr val="tx1"/>
+                </a:solidFill>
+                <a:effectLst/>
+                <a:latin typeface="+mn-lt"/>
+                <a:ea typeface="+mn-ea"/>
+                <a:cs typeface="+mn-cs"/>
+              </a:rPr>
+              <a:t>.</a:t>
+            </a:r>
+          </a:p>
+          <a:p>
+            <a:pPr lvl="0"/>
+            <a:r>
+              <a:rPr lang="ru-RU" sz="1200" b="0" i="0" kern="1200" dirty="0" smtClean="0">
+                <a:solidFill>
+                  <a:schemeClr val="tx1"/>
+                </a:solidFill>
+                <a:effectLst/>
+                <a:latin typeface="+mn-lt"/>
+                <a:ea typeface="+mn-ea"/>
+                <a:cs typeface="+mn-cs"/>
+              </a:rPr>
+              <a:t>	Из диаграммы</a:t>
+            </a:r>
+            <a:r>
+              <a:rPr lang="ru-RU" sz="1200" b="0" i="0" kern="1200" baseline="0" dirty="0" smtClean="0">
+                <a:solidFill>
+                  <a:schemeClr val="tx1"/>
+                </a:solidFill>
+                <a:effectLst/>
+                <a:latin typeface="+mn-lt"/>
+                <a:ea typeface="+mn-ea"/>
+                <a:cs typeface="+mn-cs"/>
+              </a:rPr>
+              <a:t> видно, что п</a:t>
+            </a:r>
+            <a:r>
+              <a:rPr lang="ru-RU" sz="1200" b="0" i="0" kern="1200" dirty="0" smtClean="0">
+                <a:solidFill>
+                  <a:schemeClr val="tx1"/>
+                </a:solidFill>
+                <a:effectLst/>
+                <a:latin typeface="+mn-lt"/>
+                <a:ea typeface="+mn-ea"/>
+                <a:cs typeface="+mn-cs"/>
+              </a:rPr>
+              <a:t>рограмма реализована модульной. Это сделано для</a:t>
+            </a:r>
+            <a:r>
+              <a:rPr lang="ru-RU" sz="1200" b="0" i="0" kern="1200" baseline="0" dirty="0" smtClean="0">
+                <a:solidFill>
+                  <a:schemeClr val="tx1"/>
+                </a:solidFill>
+                <a:effectLst/>
+                <a:latin typeface="+mn-lt"/>
+                <a:ea typeface="+mn-ea"/>
+                <a:cs typeface="+mn-cs"/>
+              </a:rPr>
+              <a:t> легкости доработки, сопровождения и повторного использования.</a:t>
+            </a:r>
+            <a:endParaRPr lang="ru-RU" dirty="0" smtClean="0"/>
+          </a:p>
+          <a:p>
+            <a:pPr lvl="0"/>
+            <a:endParaRPr lang="ru-RU" dirty="0" smtClean="0"/>
+          </a:p>
+          <a:p>
+            <a:pPr lvl="0"/>
+            <a:r>
+              <a:rPr lang="ru-RU" dirty="0" smtClean="0"/>
+              <a:t>	</a:t>
+            </a:r>
+            <a:r>
+              <a:rPr lang="ru-RU" b="1" dirty="0" smtClean="0"/>
+              <a:t>АНИМАЦИЯ:</a:t>
+            </a:r>
+            <a:r>
+              <a:rPr lang="ru-RU" b="1" baseline="0" dirty="0" smtClean="0"/>
+              <a:t> </a:t>
+            </a:r>
+            <a:r>
+              <a:rPr lang="ru-RU" dirty="0" smtClean="0"/>
+              <a:t>Точкой входа в программу</a:t>
+            </a:r>
+            <a:r>
+              <a:rPr lang="ru-RU" baseline="0" dirty="0" smtClean="0"/>
+              <a:t> является пользователь, который может осуществить 2 действия: подключить устройство и активировать сетевую карту.</a:t>
+            </a:r>
+          </a:p>
+          <a:p>
+            <a:pPr lvl="0"/>
+            <a:endParaRPr lang="ru-RU" baseline="0" dirty="0" smtClean="0"/>
+          </a:p>
+          <a:p>
+            <a:pPr lvl="0"/>
+            <a:r>
+              <a:rPr lang="ru-RU" baseline="0" dirty="0" smtClean="0"/>
+              <a:t>	Рассмотрим</a:t>
+            </a:r>
+            <a:r>
+              <a:rPr lang="uk-UA" baseline="0" dirty="0" smtClean="0"/>
+              <a:t> </a:t>
+            </a:r>
+            <a:r>
+              <a:rPr lang="ru-RU" baseline="0" noProof="0" dirty="0" smtClean="0"/>
+              <a:t>действия программы при подключении устройства.</a:t>
+            </a:r>
           </a:p>
         </p:txBody>
       </p:sp>
@@ -3316,7 +3363,7 @@
     </p:spTree>
     <p:extLst>
       <p:ext uri="{BB962C8B-B14F-4D97-AF65-F5344CB8AC3E}">
-        <p14:creationId xmlns:p14="http://schemas.microsoft.com/office/powerpoint/2010/main" val="1171698748"/>
+        <p14:creationId xmlns:p14="http://schemas.microsoft.com/office/powerpoint/2010/main" val="2317171516"/>
       </p:ext>
     </p:extLst>
   </p:cSld>
@@ -3376,68 +3423,106 @@
           <a:lstStyle/>
           <a:p>
             <a:r>
-              <a:rPr lang="ru-RU" sz="1400" b="1" dirty="0" smtClean="0"/>
-              <a:t>Проблематика:</a:t>
-            </a:r>
-          </a:p>
-          <a:p>
-            <a:r>
-              <a:rPr lang="ru-RU" sz="1400" b="0" dirty="0" smtClean="0"/>
-              <a:t>	Используя стандартные формулы мы получаем Линейное увеличение времени при расчете</a:t>
-            </a:r>
-            <a:r>
-              <a:rPr lang="ru-RU" sz="1400" b="0" baseline="0" dirty="0" smtClean="0"/>
-              <a:t> (моды, медианы, среднего и максимального значений) из за того, что объём данных постоянно увеличивается. В этом случае, на определенном этапе своей работы, программа просто захлебнется значениями, которые нужно обработать.</a:t>
-            </a:r>
-          </a:p>
-          <a:p>
-            <a:endParaRPr lang="ru-RU" sz="1400" b="0" baseline="0" dirty="0" smtClean="0"/>
-          </a:p>
-          <a:p>
-            <a:r>
-              <a:rPr lang="ru-RU" sz="1600" b="1" dirty="0" smtClean="0"/>
-              <a:t>АНИМАЦИЯ</a:t>
-            </a:r>
-          </a:p>
-          <a:p>
-            <a:r>
-              <a:rPr lang="ru-RU" sz="1600" b="1" dirty="0" smtClean="0"/>
-              <a:t>Что</a:t>
-            </a:r>
-            <a:r>
-              <a:rPr lang="ru-RU" sz="1600" b="1" baseline="0" dirty="0" smtClean="0"/>
-              <a:t> нужно достичь:</a:t>
-            </a:r>
-          </a:p>
-          <a:p>
-            <a:r>
-              <a:rPr lang="ru-RU" sz="1600" b="0" baseline="0" dirty="0" smtClean="0"/>
-              <a:t>	В идеале нужно достичь </a:t>
-            </a:r>
-            <a:r>
-              <a:rPr lang="ru-RU" sz="1600" b="1" baseline="0" dirty="0" smtClean="0"/>
-              <a:t>константного </a:t>
-            </a:r>
-            <a:r>
-              <a:rPr lang="ru-RU" sz="1600" b="0" baseline="0" dirty="0" smtClean="0"/>
-              <a:t>времени расчета моды, медианы, среднего и максимального значений в условии прироста данных.</a:t>
-            </a:r>
-          </a:p>
-          <a:p>
-            <a:endParaRPr lang="ru-RU" sz="1600" b="0" baseline="0" dirty="0" smtClean="0"/>
-          </a:p>
-          <a:p>
-            <a:r>
-              <a:rPr lang="ru-RU" sz="1600" b="1" baseline="0" dirty="0" smtClean="0"/>
-              <a:t>Решение:</a:t>
-            </a:r>
-          </a:p>
-          <a:p>
-            <a:r>
-              <a:rPr lang="ru-RU" sz="1600" b="0" baseline="0" dirty="0" smtClean="0"/>
-              <a:t>	Для решения проблемы было использовано </a:t>
-            </a:r>
-            <a:endParaRPr lang="uk-UA" sz="1600" b="0" dirty="0"/>
+              <a:rPr lang="ru-RU" dirty="0" smtClean="0"/>
+              <a:t>	</a:t>
+            </a:r>
+          </a:p>
+          <a:p>
+            <a:r>
+              <a:rPr lang="ru-RU" dirty="0" smtClean="0"/>
+              <a:t>	Модуль сканирует </a:t>
+            </a:r>
+            <a:r>
+              <a:rPr lang="ru-RU" dirty="0" smtClean="0"/>
+              <a:t>систему на предмет подключений </a:t>
+            </a:r>
+            <a:r>
+              <a:rPr lang="ru-RU" dirty="0" smtClean="0"/>
+              <a:t>устройств.</a:t>
+            </a:r>
+            <a:r>
+              <a:rPr lang="ru-RU" baseline="0" dirty="0" smtClean="0"/>
+              <a:t> </a:t>
+            </a:r>
+            <a:r>
+              <a:rPr lang="ru-RU" dirty="0" smtClean="0"/>
+              <a:t>Класс </a:t>
+            </a:r>
+            <a:r>
+              <a:rPr lang="ru-RU" dirty="0" smtClean="0"/>
+              <a:t>реализует паттерн программирования </a:t>
+            </a:r>
+            <a:r>
+              <a:rPr lang="ru-RU" dirty="0" err="1" smtClean="0"/>
+              <a:t>Singleton</a:t>
+            </a:r>
+            <a:r>
+              <a:rPr lang="ru-RU" dirty="0" smtClean="0"/>
+              <a:t>, потому что нет смысла запускать в одной программе несколько экземпляров этого класса. Также реализует </a:t>
+            </a:r>
+            <a:r>
+              <a:rPr lang="ru-RU" dirty="0" err="1" smtClean="0"/>
+              <a:t>Observer</a:t>
+            </a:r>
+            <a:r>
+              <a:rPr lang="ru-RU" dirty="0" smtClean="0"/>
+              <a:t>, с помощью которого происходит нотификация подписчиков на событие подключения устройства</a:t>
+            </a:r>
+            <a:r>
+              <a:rPr lang="ru-RU" dirty="0" smtClean="0"/>
+              <a:t>.</a:t>
+            </a:r>
+          </a:p>
+          <a:p>
+            <a:r>
+              <a:rPr lang="ru-RU" dirty="0" smtClean="0"/>
+              <a:t>	</a:t>
+            </a:r>
+          </a:p>
+          <a:p>
+            <a:r>
+              <a:rPr lang="ru-RU" dirty="0" smtClean="0"/>
+              <a:t>	Поскольку программа</a:t>
+            </a:r>
+            <a:r>
+              <a:rPr lang="ru-RU" baseline="0" dirty="0" smtClean="0"/>
+              <a:t> поддерживает как </a:t>
+            </a:r>
+            <a:r>
+              <a:rPr lang="en-US" baseline="0" dirty="0" err="1" smtClean="0"/>
+              <a:t>HIDUSB</a:t>
+            </a:r>
+            <a:r>
+              <a:rPr lang="en-US" baseline="0" dirty="0" smtClean="0"/>
+              <a:t> </a:t>
+            </a:r>
+            <a:r>
+              <a:rPr lang="uk-UA" baseline="0" dirty="0" smtClean="0"/>
+              <a:t>так и </a:t>
+            </a:r>
+            <a:r>
+              <a:rPr lang="en-US" baseline="0" dirty="0" smtClean="0"/>
+              <a:t>COM</a:t>
+            </a:r>
+            <a:r>
+              <a:rPr lang="ru-RU" baseline="0" dirty="0" smtClean="0"/>
+              <a:t> устройства, но поиск устройств реализован с использованием двух разных библиотек.</a:t>
+            </a:r>
+            <a:endParaRPr lang="ru-RU" dirty="0" smtClean="0"/>
+          </a:p>
+          <a:p>
+            <a:endParaRPr lang="ru-RU" dirty="0" smtClean="0"/>
+          </a:p>
+          <a:p>
+            <a:r>
+              <a:rPr lang="ru-RU" dirty="0" smtClean="0"/>
+              <a:t>	Также модуль – инициализирует</a:t>
+            </a:r>
+            <a:r>
+              <a:rPr lang="ru-RU" baseline="0" dirty="0" smtClean="0"/>
+              <a:t> класс конкретного устройства, и запускает его в отдельный поток.</a:t>
+            </a:r>
+            <a:endParaRPr lang="uk-UA" dirty="0"/>
           </a:p>
         </p:txBody>
       </p:sp>
@@ -3467,7 +3552,7 @@
     </p:spTree>
     <p:extLst>
       <p:ext uri="{BB962C8B-B14F-4D97-AF65-F5344CB8AC3E}">
-        <p14:creationId xmlns:p14="http://schemas.microsoft.com/office/powerpoint/2010/main" val="660375725"/>
+        <p14:creationId xmlns:p14="http://schemas.microsoft.com/office/powerpoint/2010/main" val="208238952"/>
       </p:ext>
     </p:extLst>
   </p:cSld>
@@ -3526,69 +3611,149 @@
           <a:bodyPr/>
           <a:lstStyle/>
           <a:p>
-            <a:r>
-              <a:rPr lang="ru-RU" sz="1400" b="1" dirty="0" smtClean="0"/>
+            <a:pPr marL="0" marR="0" indent="0" algn="l" defTabSz="914400" rtl="0" eaLnBrk="1" fontAlgn="auto" latinLnBrk="0" hangingPunct="1">
+              <a:lnSpc>
+                <a:spcPct val="100000"/>
+              </a:lnSpc>
+              <a:spcBef>
+                <a:spcPts val="0"/>
+              </a:spcBef>
+              <a:spcAft>
+                <a:spcPts val="0"/>
+              </a:spcAft>
+              <a:buClrTx/>
+              <a:buSzTx/>
+              <a:buFontTx/>
+              <a:buNone/>
+              <a:tabLst/>
+              <a:defRPr/>
+            </a:pPr>
+            <a:r>
+              <a:rPr lang="ru-RU" b="1" dirty="0" smtClean="0"/>
+              <a:t>Зачем</a:t>
+            </a:r>
+            <a:r>
+              <a:rPr lang="ru-RU" b="1" baseline="0" dirty="0" smtClean="0"/>
+              <a:t> нужно</a:t>
+            </a:r>
+            <a:r>
+              <a:rPr lang="ru-RU" b="1" dirty="0" smtClean="0"/>
+              <a:t>?</a:t>
+            </a:r>
+            <a:endParaRPr lang="uk-UA" b="1" dirty="0" smtClean="0"/>
+          </a:p>
+          <a:p>
+            <a:pPr marL="0" marR="0" indent="0" algn="l" defTabSz="914400" rtl="0" eaLnBrk="1" fontAlgn="auto" latinLnBrk="0" hangingPunct="1">
+              <a:lnSpc>
+                <a:spcPct val="100000"/>
+              </a:lnSpc>
+              <a:spcBef>
+                <a:spcPts val="0"/>
+              </a:spcBef>
+              <a:spcAft>
+                <a:spcPts val="0"/>
+              </a:spcAft>
+              <a:buClrTx/>
+              <a:buSzTx/>
+              <a:buFontTx/>
+              <a:buNone/>
+              <a:tabLst/>
+              <a:defRPr/>
+            </a:pPr>
+            <a:r>
+              <a:rPr lang="ru-RU" dirty="0" smtClean="0"/>
+              <a:t>	За анализ данных отвечает класс PacketAnalysis. Он принимает</a:t>
+            </a:r>
+            <a:r>
+              <a:rPr lang="ru-RU" baseline="0" dirty="0" smtClean="0"/>
+              <a:t> </a:t>
+            </a:r>
+            <a:r>
+              <a:rPr lang="en-US" baseline="0" dirty="0" smtClean="0"/>
+              <a:t>RSSI </a:t>
+            </a:r>
+            <a:r>
+              <a:rPr lang="ru-RU" baseline="0" dirty="0" smtClean="0"/>
+              <a:t>и генерирует массивы с модой, медианой, средним и максимальными значениями. С помощью паттерна проектирования</a:t>
+            </a:r>
+            <a:r>
+              <a:rPr lang="en-US" baseline="0" dirty="0" smtClean="0"/>
+              <a:t> Observer</a:t>
+            </a:r>
+            <a:r>
+              <a:rPr lang="ru-RU" baseline="0" dirty="0" smtClean="0"/>
+              <a:t> данные рассылаются всем подписчикам.</a:t>
+            </a:r>
+          </a:p>
+          <a:p>
+            <a:pPr marL="0" marR="0" indent="0" algn="l" defTabSz="914400" rtl="0" eaLnBrk="1" fontAlgn="auto" latinLnBrk="0" hangingPunct="1">
+              <a:lnSpc>
+                <a:spcPct val="100000"/>
+              </a:lnSpc>
+              <a:spcBef>
+                <a:spcPts val="0"/>
+              </a:spcBef>
+              <a:spcAft>
+                <a:spcPts val="0"/>
+              </a:spcAft>
+              <a:buClrTx/>
+              <a:buSzTx/>
+              <a:buFontTx/>
+              <a:buNone/>
+              <a:tabLst/>
+              <a:defRPr/>
+            </a:pPr>
+            <a:endParaRPr lang="ru-RU" baseline="0" dirty="0" smtClean="0"/>
+          </a:p>
+          <a:p>
+            <a:pPr marL="0" marR="0" indent="0" algn="l" defTabSz="914400" rtl="0" eaLnBrk="1" fontAlgn="auto" latinLnBrk="0" hangingPunct="1">
+              <a:lnSpc>
+                <a:spcPct val="100000"/>
+              </a:lnSpc>
+              <a:spcBef>
+                <a:spcPts val="0"/>
+              </a:spcBef>
+              <a:spcAft>
+                <a:spcPts val="0"/>
+              </a:spcAft>
+              <a:buClrTx/>
+              <a:buSzTx/>
+              <a:buFontTx/>
+              <a:buNone/>
+              <a:tabLst/>
+              <a:defRPr/>
+            </a:pPr>
+            <a:r>
+              <a:rPr lang="ru-RU" b="1" baseline="0" dirty="0" smtClean="0"/>
               <a:t>Проблематика:</a:t>
             </a:r>
           </a:p>
           <a:p>
-            <a:r>
-              <a:rPr lang="ru-RU" sz="1400" b="0" dirty="0" smtClean="0"/>
-              <a:t>	Используя стандартные формулы мы получаем Линейное увеличение времени при расчете</a:t>
-            </a:r>
-            <a:r>
-              <a:rPr lang="ru-RU" sz="1400" b="0" baseline="0" dirty="0" smtClean="0"/>
-              <a:t> (моды, медианы, среднего и максимального значений) из за того, что объём данных постоянно увеличивается. В этом случае, на определенном этапе своей работы, программа просто захлебнется значениями, которые нужно обработать.</a:t>
-            </a:r>
-          </a:p>
-          <a:p>
-            <a:endParaRPr lang="ru-RU" sz="1400" b="0" baseline="0" dirty="0" smtClean="0"/>
-          </a:p>
-          <a:p>
-            <a:r>
-              <a:rPr lang="ru-RU" sz="1600" b="1" dirty="0" smtClean="0"/>
-              <a:t>АНИМАЦИЯ</a:t>
-            </a:r>
-          </a:p>
-          <a:p>
-            <a:r>
-              <a:rPr lang="ru-RU" sz="1600" b="1" dirty="0" smtClean="0"/>
-              <a:t>Что</a:t>
-            </a:r>
-            <a:r>
-              <a:rPr lang="ru-RU" sz="1600" b="1" baseline="0" dirty="0" smtClean="0"/>
-              <a:t> нужно достичь:</a:t>
-            </a:r>
-          </a:p>
-          <a:p>
-            <a:r>
-              <a:rPr lang="ru-RU" sz="1600" b="0" baseline="0" dirty="0" smtClean="0"/>
-              <a:t>	В идеале нужно достичь </a:t>
-            </a:r>
-            <a:r>
-              <a:rPr lang="ru-RU" sz="1600" b="1" baseline="0" dirty="0" smtClean="0"/>
-              <a:t>константного </a:t>
-            </a:r>
-            <a:r>
-              <a:rPr lang="ru-RU" sz="1600" b="0" baseline="0" dirty="0" smtClean="0"/>
-              <a:t>времени расчета моды, медианы, среднего и максимального значений в условии прироста данных.</a:t>
-            </a:r>
-          </a:p>
-          <a:p>
-            <a:endParaRPr lang="ru-RU" sz="1600" b="0" baseline="0" dirty="0" smtClean="0"/>
-          </a:p>
-          <a:p>
-            <a:r>
-              <a:rPr lang="ru-RU" sz="1600" b="1" baseline="0" dirty="0" smtClean="0"/>
-              <a:t>Решение:</a:t>
-            </a:r>
-          </a:p>
-          <a:p>
-            <a:r>
-              <a:rPr lang="ru-RU" sz="1600" b="0" baseline="0" dirty="0" smtClean="0"/>
-              <a:t>	Для решения проблемы было использовано </a:t>
-            </a:r>
-            <a:endParaRPr lang="uk-UA" sz="1600" b="0" dirty="0"/>
+            <a:pPr marL="0" marR="0" indent="0" algn="l" defTabSz="914400" rtl="0" eaLnBrk="1" fontAlgn="auto" latinLnBrk="0" hangingPunct="1">
+              <a:lnSpc>
+                <a:spcPct val="100000"/>
+              </a:lnSpc>
+              <a:spcBef>
+                <a:spcPts val="0"/>
+              </a:spcBef>
+              <a:spcAft>
+                <a:spcPts val="0"/>
+              </a:spcAft>
+              <a:buClrTx/>
+              <a:buSzTx/>
+              <a:buFontTx/>
+              <a:buNone/>
+              <a:tabLst/>
+              <a:defRPr/>
+            </a:pPr>
+            <a:r>
+              <a:rPr lang="ru-RU" b="0" baseline="0" dirty="0" smtClean="0"/>
+              <a:t>	Основная проблема на данном этапе – выбор корректного алгоритма расчета. Дело в том, что …</a:t>
+            </a:r>
+            <a:r>
+              <a:rPr lang="en-US" b="0" baseline="0" dirty="0" smtClean="0"/>
+              <a:t> -&gt;</a:t>
+            </a:r>
           </a:p>
         </p:txBody>
       </p:sp>
@@ -3618,7 +3783,7 @@
     </p:spTree>
     <p:extLst>
       <p:ext uri="{BB962C8B-B14F-4D97-AF65-F5344CB8AC3E}">
-        <p14:creationId xmlns:p14="http://schemas.microsoft.com/office/powerpoint/2010/main" val="1779894229"/>
+        <p14:creationId xmlns:p14="http://schemas.microsoft.com/office/powerpoint/2010/main" val="1171698748"/>
       </p:ext>
     </p:extLst>
   </p:cSld>
@@ -3677,225 +3842,69 @@
           <a:bodyPr/>
           <a:lstStyle/>
           <a:p>
-            <a:pPr marL="0" marR="0" indent="0" algn="l" defTabSz="914400" rtl="0" eaLnBrk="1" fontAlgn="auto" latinLnBrk="0" hangingPunct="1">
-              <a:lnSpc>
-                <a:spcPct val="100000"/>
-              </a:lnSpc>
-              <a:spcBef>
-                <a:spcPts val="0"/>
-              </a:spcBef>
-              <a:spcAft>
-                <a:spcPts val="0"/>
-              </a:spcAft>
-              <a:buClrTx/>
-              <a:buSzTx/>
-              <a:buFontTx/>
-              <a:buNone/>
-              <a:tabLst/>
-              <a:defRPr/>
-            </a:pPr>
-            <a:r>
-              <a:rPr lang="ru-RU" b="1" dirty="0" smtClean="0"/>
-              <a:t>Зачем</a:t>
-            </a:r>
-            <a:r>
-              <a:rPr lang="ru-RU" b="1" baseline="0" dirty="0" smtClean="0"/>
-              <a:t> нужно</a:t>
-            </a:r>
-            <a:r>
-              <a:rPr lang="ru-RU" b="1" dirty="0" smtClean="0"/>
-              <a:t>?</a:t>
-            </a:r>
-            <a:endParaRPr lang="uk-UA" b="1" dirty="0" smtClean="0"/>
-          </a:p>
-          <a:p>
-            <a:pPr marL="0" marR="0" indent="0" algn="l" defTabSz="914400" rtl="0" eaLnBrk="1" fontAlgn="auto" latinLnBrk="0" hangingPunct="1">
-              <a:lnSpc>
-                <a:spcPct val="100000"/>
-              </a:lnSpc>
-              <a:spcBef>
-                <a:spcPts val="0"/>
-              </a:spcBef>
-              <a:spcAft>
-                <a:spcPts val="0"/>
-              </a:spcAft>
-              <a:buClrTx/>
-              <a:buSzTx/>
-              <a:buFontTx/>
-              <a:buNone/>
-              <a:tabLst/>
-              <a:defRPr/>
-            </a:pPr>
-            <a:r>
-              <a:rPr lang="ru-RU" dirty="0" smtClean="0"/>
-              <a:t>	</a:t>
-            </a:r>
-          </a:p>
-          <a:p>
-            <a:pPr marL="0" marR="0" indent="0" algn="l" defTabSz="914400" rtl="0" eaLnBrk="1" fontAlgn="auto" latinLnBrk="0" hangingPunct="1">
-              <a:lnSpc>
-                <a:spcPct val="100000"/>
-              </a:lnSpc>
-              <a:spcBef>
-                <a:spcPts val="0"/>
-              </a:spcBef>
-              <a:spcAft>
-                <a:spcPts val="0"/>
-              </a:spcAft>
-              <a:buClrTx/>
-              <a:buSzTx/>
-              <a:buFontTx/>
-              <a:buNone/>
-              <a:tabLst/>
-              <a:defRPr/>
-            </a:pPr>
-            <a:endParaRPr lang="ru-RU" dirty="0" smtClean="0"/>
-          </a:p>
-          <a:p>
-            <a:pPr marL="0" marR="0" indent="0" algn="l" defTabSz="914400" rtl="0" eaLnBrk="1" fontAlgn="auto" latinLnBrk="0" hangingPunct="1">
-              <a:lnSpc>
-                <a:spcPct val="100000"/>
-              </a:lnSpc>
-              <a:spcBef>
-                <a:spcPts val="0"/>
-              </a:spcBef>
-              <a:spcAft>
-                <a:spcPts val="0"/>
-              </a:spcAft>
-              <a:buClrTx/>
-              <a:buSzTx/>
-              <a:buFontTx/>
-              <a:buNone/>
-              <a:tabLst/>
-              <a:defRPr/>
-            </a:pPr>
-            <a:r>
-              <a:rPr lang="ru-RU" b="1" dirty="0" smtClean="0"/>
-              <a:t>Алгоритм:</a:t>
-            </a:r>
-          </a:p>
-          <a:p>
-            <a:pPr marL="0" marR="0" indent="0" algn="l" defTabSz="914400" rtl="0" eaLnBrk="1" fontAlgn="auto" latinLnBrk="0" hangingPunct="1">
-              <a:lnSpc>
-                <a:spcPct val="100000"/>
-              </a:lnSpc>
-              <a:spcBef>
-                <a:spcPts val="0"/>
-              </a:spcBef>
-              <a:spcAft>
-                <a:spcPts val="0"/>
-              </a:spcAft>
-              <a:buClrTx/>
-              <a:buSzTx/>
-              <a:buFontTx/>
-              <a:buNone/>
-              <a:tabLst/>
-              <a:defRPr/>
-            </a:pPr>
-            <a:r>
-              <a:rPr lang="ru-RU" dirty="0" smtClean="0"/>
-              <a:t>	На</a:t>
-            </a:r>
-            <a:r>
-              <a:rPr lang="ru-RU" baseline="0" dirty="0" smtClean="0"/>
-              <a:t> примере массивов </a:t>
-            </a:r>
-            <a:r>
-              <a:rPr lang="en-US" baseline="0" dirty="0" err="1" smtClean="0"/>
-              <a:t>L1</a:t>
-            </a:r>
-            <a:r>
-              <a:rPr lang="ru-RU" baseline="0" dirty="0" smtClean="0"/>
-              <a:t>,</a:t>
-            </a:r>
-            <a:r>
-              <a:rPr lang="en-US" baseline="0" dirty="0" smtClean="0"/>
-              <a:t> </a:t>
-            </a:r>
-            <a:r>
-              <a:rPr lang="en-US" baseline="0" dirty="0" err="1" smtClean="0"/>
-              <a:t>L2</a:t>
-            </a:r>
-            <a:r>
-              <a:rPr lang="ru-RU" baseline="0" dirty="0" smtClean="0"/>
-              <a:t> и </a:t>
-            </a:r>
-            <a:r>
-              <a:rPr lang="en-US" baseline="0" dirty="0" err="1" smtClean="0"/>
-              <a:t>L3</a:t>
-            </a:r>
-            <a:r>
-              <a:rPr lang="ru-RU" baseline="0" dirty="0" smtClean="0"/>
-              <a:t>, которые распределены по временной шкале (</a:t>
-            </a:r>
-            <a:r>
-              <a:rPr lang="en-US" baseline="0" dirty="0" err="1" smtClean="0"/>
-              <a:t>L1</a:t>
-            </a:r>
-            <a:r>
-              <a:rPr lang="ru-RU" baseline="0" dirty="0" smtClean="0"/>
-              <a:t> сформирован первым, </a:t>
-            </a:r>
-            <a:r>
-              <a:rPr lang="en-US" baseline="0" dirty="0" err="1" smtClean="0"/>
-              <a:t>L2</a:t>
-            </a:r>
-            <a:r>
-              <a:rPr lang="ru-RU" baseline="0" dirty="0" smtClean="0"/>
-              <a:t>  вторым) рассмотрим алгоритмы нахождения среднего арифметического, медианного и модального значений.</a:t>
-            </a:r>
-            <a:endParaRPr lang="en-US" dirty="0" smtClean="0"/>
-          </a:p>
-          <a:p>
-            <a:pPr marL="0" marR="0" indent="0" algn="l" defTabSz="914400" rtl="0" eaLnBrk="1" fontAlgn="auto" latinLnBrk="0" hangingPunct="1">
-              <a:lnSpc>
-                <a:spcPct val="100000"/>
-              </a:lnSpc>
-              <a:spcBef>
-                <a:spcPts val="0"/>
-              </a:spcBef>
-              <a:spcAft>
-                <a:spcPts val="0"/>
-              </a:spcAft>
-              <a:buClrTx/>
-              <a:buSzTx/>
-              <a:buFontTx/>
-              <a:buNone/>
-              <a:tabLst/>
-              <a:defRPr/>
-            </a:pPr>
-            <a:r>
-              <a:rPr lang="ru-RU" dirty="0" smtClean="0"/>
-              <a:t>	Основная идея: </a:t>
-            </a:r>
-            <a:r>
-              <a:rPr lang="ru-RU" baseline="0" dirty="0" smtClean="0"/>
-              <a:t>сохранять последнее подсчитанное среднее арифметическое во вспомогательную структуру данных, что бы потом просто прибавлять новые значения и делить на количество элементов в базе.</a:t>
-            </a:r>
-            <a:endParaRPr lang="ru-RU" dirty="0" smtClean="0"/>
-          </a:p>
-          <a:p>
-            <a:pPr marL="0" marR="0" indent="0" algn="l" defTabSz="914400" rtl="0" eaLnBrk="1" fontAlgn="auto" latinLnBrk="0" hangingPunct="1">
-              <a:lnSpc>
-                <a:spcPct val="100000"/>
-              </a:lnSpc>
-              <a:spcBef>
-                <a:spcPts val="0"/>
-              </a:spcBef>
-              <a:spcAft>
-                <a:spcPts val="0"/>
-              </a:spcAft>
-              <a:buClrTx/>
-              <a:buSzTx/>
-              <a:buFontTx/>
-              <a:buNone/>
-              <a:tabLst/>
-              <a:defRPr/>
-            </a:pPr>
-            <a:endParaRPr lang="en-US" dirty="0" smtClean="0"/>
-          </a:p>
-          <a:p>
-            <a:endParaRPr lang="uk-UA" dirty="0"/>
+            <a:r>
+              <a:rPr lang="ru-RU" sz="1400" b="1" dirty="0" smtClean="0"/>
+              <a:t>Проблематика:</a:t>
+            </a:r>
+          </a:p>
+          <a:p>
+            <a:r>
+              <a:rPr lang="ru-RU" sz="1400" b="0" dirty="0" smtClean="0"/>
+              <a:t>	Используя стандартные формулы мы получаем Линейное увеличение времени при расчете</a:t>
+            </a:r>
+            <a:r>
+              <a:rPr lang="ru-RU" sz="1400" b="0" baseline="0" dirty="0" smtClean="0"/>
+              <a:t> (моды, медианы, среднего и максимального значений) из за того, что объём данных постоянно увеличивается. В этом случае, на определенном этапе своей работы, программа просто захлебнется значениями, которые нужно обработать.</a:t>
+            </a:r>
+          </a:p>
+          <a:p>
+            <a:endParaRPr lang="ru-RU" sz="1400" b="0" baseline="0" dirty="0" smtClean="0"/>
+          </a:p>
+          <a:p>
+            <a:r>
+              <a:rPr lang="ru-RU" sz="1600" b="1" dirty="0" smtClean="0"/>
+              <a:t>АНИМАЦИЯ</a:t>
+            </a:r>
+          </a:p>
+          <a:p>
+            <a:r>
+              <a:rPr lang="ru-RU" sz="1600" b="1" dirty="0" smtClean="0"/>
+              <a:t>Что</a:t>
+            </a:r>
+            <a:r>
+              <a:rPr lang="ru-RU" sz="1600" b="1" baseline="0" dirty="0" smtClean="0"/>
+              <a:t> нужно достичь:</a:t>
+            </a:r>
+          </a:p>
+          <a:p>
+            <a:r>
+              <a:rPr lang="ru-RU" sz="1600" b="0" baseline="0" dirty="0" smtClean="0"/>
+              <a:t>	В идеале нужно достичь </a:t>
+            </a:r>
+            <a:r>
+              <a:rPr lang="ru-RU" sz="1600" b="1" baseline="0" dirty="0" smtClean="0"/>
+              <a:t>константного </a:t>
+            </a:r>
+            <a:r>
+              <a:rPr lang="ru-RU" sz="1600" b="0" baseline="0" dirty="0" smtClean="0"/>
+              <a:t>времени расчета моды, медианы, среднего и максимального значений в условии прироста данных.</a:t>
+            </a:r>
+          </a:p>
+          <a:p>
+            <a:endParaRPr lang="ru-RU" sz="1600" b="0" baseline="0" dirty="0" smtClean="0"/>
+          </a:p>
+          <a:p>
+            <a:r>
+              <a:rPr lang="ru-RU" sz="1600" b="1" baseline="0" dirty="0" smtClean="0"/>
+              <a:t>Решение:</a:t>
+            </a:r>
+          </a:p>
+          <a:p>
+            <a:r>
+              <a:rPr lang="ru-RU" sz="1600" b="0" baseline="0" dirty="0" smtClean="0"/>
+              <a:t>	Для решения проблемы было использовано </a:t>
+            </a:r>
+            <a:endParaRPr lang="uk-UA" sz="1600" b="0" dirty="0"/>
           </a:p>
         </p:txBody>
       </p:sp>
@@ -3925,7 +3934,7 @@
     </p:spTree>
     <p:extLst>
       <p:ext uri="{BB962C8B-B14F-4D97-AF65-F5344CB8AC3E}">
-        <p14:creationId xmlns:p14="http://schemas.microsoft.com/office/powerpoint/2010/main" val="3283955315"/>
+        <p14:creationId xmlns:p14="http://schemas.microsoft.com/office/powerpoint/2010/main" val="660375725"/>
       </p:ext>
     </p:extLst>
   </p:cSld>
@@ -3984,109 +3993,69 @@
           <a:bodyPr/>
           <a:lstStyle/>
           <a:p>
-            <a:pPr marL="0" marR="0" indent="0" algn="l" defTabSz="914400" rtl="0" eaLnBrk="1" fontAlgn="auto" latinLnBrk="0" hangingPunct="1">
-              <a:lnSpc>
-                <a:spcPct val="100000"/>
-              </a:lnSpc>
-              <a:spcBef>
-                <a:spcPts val="0"/>
-              </a:spcBef>
-              <a:spcAft>
-                <a:spcPts val="0"/>
-              </a:spcAft>
-              <a:buClrTx/>
-              <a:buSzTx/>
-              <a:buFontTx/>
-              <a:buNone/>
-              <a:tabLst/>
-              <a:defRPr/>
-            </a:pPr>
-            <a:r>
-              <a:rPr lang="ru-RU" b="1" dirty="0" smtClean="0"/>
-              <a:t>Зачем</a:t>
-            </a:r>
-            <a:r>
-              <a:rPr lang="ru-RU" b="1" baseline="0" dirty="0" smtClean="0"/>
-              <a:t> нужно</a:t>
-            </a:r>
-            <a:r>
-              <a:rPr lang="ru-RU" b="1" dirty="0" smtClean="0"/>
-              <a:t>?</a:t>
-            </a:r>
-            <a:endParaRPr lang="uk-UA" b="1" dirty="0" smtClean="0"/>
-          </a:p>
-          <a:p>
-            <a:pPr marL="0" marR="0" indent="0" algn="l" defTabSz="914400" rtl="0" eaLnBrk="1" fontAlgn="auto" latinLnBrk="0" hangingPunct="1">
-              <a:lnSpc>
-                <a:spcPct val="100000"/>
-              </a:lnSpc>
-              <a:spcBef>
-                <a:spcPts val="0"/>
-              </a:spcBef>
-              <a:spcAft>
-                <a:spcPts val="0"/>
-              </a:spcAft>
-              <a:buClrTx/>
-              <a:buSzTx/>
-              <a:buFontTx/>
-              <a:buNone/>
-              <a:tabLst/>
-              <a:defRPr/>
-            </a:pPr>
-            <a:r>
-              <a:rPr lang="ru-RU" dirty="0" smtClean="0"/>
-              <a:t>	</a:t>
-            </a:r>
-          </a:p>
-          <a:p>
-            <a:pPr marL="0" marR="0" indent="0" algn="l" defTabSz="914400" rtl="0" eaLnBrk="1" fontAlgn="auto" latinLnBrk="0" hangingPunct="1">
-              <a:lnSpc>
-                <a:spcPct val="100000"/>
-              </a:lnSpc>
-              <a:spcBef>
-                <a:spcPts val="0"/>
-              </a:spcBef>
-              <a:spcAft>
-                <a:spcPts val="0"/>
-              </a:spcAft>
-              <a:buClrTx/>
-              <a:buSzTx/>
-              <a:buFontTx/>
-              <a:buNone/>
-              <a:tabLst/>
-              <a:defRPr/>
-            </a:pPr>
-            <a:endParaRPr lang="ru-RU" dirty="0" smtClean="0"/>
-          </a:p>
-          <a:p>
-            <a:pPr marL="0" marR="0" indent="0" algn="l" defTabSz="914400" rtl="0" eaLnBrk="1" fontAlgn="auto" latinLnBrk="0" hangingPunct="1">
-              <a:lnSpc>
-                <a:spcPct val="100000"/>
-              </a:lnSpc>
-              <a:spcBef>
-                <a:spcPts val="0"/>
-              </a:spcBef>
-              <a:spcAft>
-                <a:spcPts val="0"/>
-              </a:spcAft>
-              <a:buClrTx/>
-              <a:buSzTx/>
-              <a:buFontTx/>
-              <a:buNone/>
-              <a:tabLst/>
-              <a:defRPr/>
-            </a:pPr>
-            <a:r>
-              <a:rPr lang="ru-RU" b="1" dirty="0" smtClean="0"/>
-              <a:t>Алгоритм:</a:t>
-            </a:r>
-          </a:p>
-          <a:p>
-            <a:r>
-              <a:rPr lang="uk-UA" dirty="0" smtClean="0"/>
-              <a:t>	</a:t>
-            </a:r>
-            <a:endParaRPr lang="uk-UA" dirty="0"/>
+            <a:r>
+              <a:rPr lang="ru-RU" sz="1400" b="1" dirty="0" smtClean="0"/>
+              <a:t>Проблематика:</a:t>
+            </a:r>
+          </a:p>
+          <a:p>
+            <a:r>
+              <a:rPr lang="ru-RU" sz="1400" b="0" dirty="0" smtClean="0"/>
+              <a:t>	Используя стандартные формулы мы получаем Линейное увеличение времени при расчете</a:t>
+            </a:r>
+            <a:r>
+              <a:rPr lang="ru-RU" sz="1400" b="0" baseline="0" dirty="0" smtClean="0"/>
+              <a:t> (моды, медианы, среднего и максимального значений) из за того, что объём данных постоянно увеличивается. В этом случае, на определенном этапе своей работы, программа просто захлебнется значениями, которые нужно обработать.</a:t>
+            </a:r>
+          </a:p>
+          <a:p>
+            <a:endParaRPr lang="ru-RU" sz="1400" b="0" baseline="0" dirty="0" smtClean="0"/>
+          </a:p>
+          <a:p>
+            <a:r>
+              <a:rPr lang="ru-RU" sz="1600" b="1" dirty="0" smtClean="0"/>
+              <a:t>АНИМАЦИЯ</a:t>
+            </a:r>
+          </a:p>
+          <a:p>
+            <a:r>
+              <a:rPr lang="ru-RU" sz="1600" b="1" dirty="0" smtClean="0"/>
+              <a:t>Что</a:t>
+            </a:r>
+            <a:r>
+              <a:rPr lang="ru-RU" sz="1600" b="1" baseline="0" dirty="0" smtClean="0"/>
+              <a:t> нужно достичь:</a:t>
+            </a:r>
+          </a:p>
+          <a:p>
+            <a:r>
+              <a:rPr lang="ru-RU" sz="1600" b="0" baseline="0" dirty="0" smtClean="0"/>
+              <a:t>	В идеале нужно достичь </a:t>
+            </a:r>
+            <a:r>
+              <a:rPr lang="ru-RU" sz="1600" b="1" baseline="0" dirty="0" smtClean="0"/>
+              <a:t>константного </a:t>
+            </a:r>
+            <a:r>
+              <a:rPr lang="ru-RU" sz="1600" b="0" baseline="0" dirty="0" smtClean="0"/>
+              <a:t>времени расчета моды, медианы, среднего и максимального значений в условии прироста данных.</a:t>
+            </a:r>
+          </a:p>
+          <a:p>
+            <a:endParaRPr lang="ru-RU" sz="1600" b="0" baseline="0" dirty="0" smtClean="0"/>
+          </a:p>
+          <a:p>
+            <a:r>
+              <a:rPr lang="ru-RU" sz="1600" b="1" baseline="0" dirty="0" smtClean="0"/>
+              <a:t>Решение:</a:t>
+            </a:r>
+          </a:p>
+          <a:p>
+            <a:r>
+              <a:rPr lang="ru-RU" sz="1600" b="0" baseline="0" dirty="0" smtClean="0"/>
+              <a:t>	Для решения проблемы было использовано </a:t>
+            </a:r>
+            <a:endParaRPr lang="uk-UA" sz="1600" b="0" dirty="0"/>
           </a:p>
         </p:txBody>
       </p:sp>
@@ -4116,7 +4085,7 @@
     </p:spTree>
     <p:extLst>
       <p:ext uri="{BB962C8B-B14F-4D97-AF65-F5344CB8AC3E}">
-        <p14:creationId xmlns:p14="http://schemas.microsoft.com/office/powerpoint/2010/main" val="2429625256"/>
+        <p14:creationId xmlns:p14="http://schemas.microsoft.com/office/powerpoint/2010/main" val="1779894229"/>
       </p:ext>
     </p:extLst>
   </p:cSld>
@@ -4228,6 +4197,15 @@
               <a:rPr lang="ru-RU" dirty="0" smtClean="0"/>
               <a:t>	</a:t>
             </a:r>
+            <a:r>
+              <a:rPr lang="ru-RU" dirty="0" smtClean="0"/>
+              <a:t>Среднее</a:t>
+            </a:r>
+            <a:r>
+              <a:rPr lang="ru-RU" baseline="0" dirty="0" smtClean="0"/>
+              <a:t> значение показывает интенсивность сигнала за определенный временной интервал.</a:t>
+            </a:r>
+            <a:endParaRPr lang="ru-RU" dirty="0" smtClean="0"/>
           </a:p>
           <a:p>
             <a:pPr marL="0" marR="0" indent="0" algn="l" defTabSz="914400" rtl="0" eaLnBrk="1" fontAlgn="auto" latinLnBrk="0" hangingPunct="1">
@@ -4247,16 +4225,136 @@
               <a:tabLst/>
               <a:defRPr/>
             </a:pPr>
+            <a:endParaRPr lang="ru-RU" dirty="0" smtClean="0"/>
+          </a:p>
+          <a:p>
+            <a:pPr marL="0" marR="0" indent="0" algn="l" defTabSz="914400" rtl="0" eaLnBrk="1" fontAlgn="auto" latinLnBrk="0" hangingPunct="1">
+              <a:lnSpc>
+                <a:spcPct val="100000"/>
+              </a:lnSpc>
+              <a:spcBef>
+                <a:spcPts val="0"/>
+              </a:spcBef>
+              <a:spcAft>
+                <a:spcPts val="0"/>
+              </a:spcAft>
+              <a:buClrTx/>
+              <a:buSzTx/>
+              <a:buFontTx/>
+              <a:buNone/>
+              <a:tabLst/>
+              <a:defRPr/>
+            </a:pPr>
             <a:r>
               <a:rPr lang="ru-RU" b="1" dirty="0" smtClean="0"/>
               <a:t>Алгоритм:</a:t>
             </a:r>
           </a:p>
           <a:p>
-            <a:r>
-              <a:rPr lang="uk-UA" dirty="0" smtClean="0"/>
-              <a:t>	</a:t>
-            </a:r>
+            <a:pPr marL="0" marR="0" indent="0" algn="l" defTabSz="914400" rtl="0" eaLnBrk="1" fontAlgn="auto" latinLnBrk="0" hangingPunct="1">
+              <a:lnSpc>
+                <a:spcPct val="100000"/>
+              </a:lnSpc>
+              <a:spcBef>
+                <a:spcPts val="0"/>
+              </a:spcBef>
+              <a:spcAft>
+                <a:spcPts val="0"/>
+              </a:spcAft>
+              <a:buClrTx/>
+              <a:buSzTx/>
+              <a:buFontTx/>
+              <a:buNone/>
+              <a:tabLst/>
+              <a:defRPr/>
+            </a:pPr>
+            <a:r>
+              <a:rPr lang="ru-RU" dirty="0" smtClean="0"/>
+              <a:t>	На</a:t>
+            </a:r>
+            <a:r>
+              <a:rPr lang="ru-RU" baseline="0" dirty="0" smtClean="0"/>
+              <a:t> примере массивов </a:t>
+            </a:r>
+            <a:r>
+              <a:rPr lang="en-US" baseline="0" dirty="0" err="1" smtClean="0"/>
+              <a:t>L1</a:t>
+            </a:r>
+            <a:r>
+              <a:rPr lang="ru-RU" baseline="0" dirty="0" smtClean="0"/>
+              <a:t>,</a:t>
+            </a:r>
+            <a:r>
+              <a:rPr lang="en-US" baseline="0" dirty="0" smtClean="0"/>
+              <a:t> </a:t>
+            </a:r>
+            <a:r>
+              <a:rPr lang="en-US" baseline="0" dirty="0" err="1" smtClean="0"/>
+              <a:t>L2</a:t>
+            </a:r>
+            <a:r>
+              <a:rPr lang="ru-RU" baseline="0" dirty="0" smtClean="0"/>
+              <a:t> и </a:t>
+            </a:r>
+            <a:r>
+              <a:rPr lang="en-US" baseline="0" dirty="0" err="1" smtClean="0"/>
+              <a:t>L3</a:t>
+            </a:r>
+            <a:r>
+              <a:rPr lang="ru-RU" baseline="0" dirty="0" smtClean="0"/>
+              <a:t>, которые распределены по временной шкале (</a:t>
+            </a:r>
+            <a:r>
+              <a:rPr lang="en-US" baseline="0" dirty="0" err="1" smtClean="0"/>
+              <a:t>L1</a:t>
+            </a:r>
+            <a:r>
+              <a:rPr lang="ru-RU" baseline="0" dirty="0" smtClean="0"/>
+              <a:t> сформирован первым, </a:t>
+            </a:r>
+            <a:r>
+              <a:rPr lang="en-US" baseline="0" dirty="0" err="1" smtClean="0"/>
+              <a:t>L2</a:t>
+            </a:r>
+            <a:r>
+              <a:rPr lang="ru-RU" baseline="0" dirty="0" smtClean="0"/>
+              <a:t>  вторым) рассмотрим алгоритмы нахождения среднего арифметического, медианного и модального значений.</a:t>
+            </a:r>
+            <a:endParaRPr lang="en-US" dirty="0" smtClean="0"/>
+          </a:p>
+          <a:p>
+            <a:pPr marL="0" marR="0" indent="0" algn="l" defTabSz="914400" rtl="0" eaLnBrk="1" fontAlgn="auto" latinLnBrk="0" hangingPunct="1">
+              <a:lnSpc>
+                <a:spcPct val="100000"/>
+              </a:lnSpc>
+              <a:spcBef>
+                <a:spcPts val="0"/>
+              </a:spcBef>
+              <a:spcAft>
+                <a:spcPts val="0"/>
+              </a:spcAft>
+              <a:buClrTx/>
+              <a:buSzTx/>
+              <a:buFontTx/>
+              <a:buNone/>
+              <a:tabLst/>
+              <a:defRPr/>
+            </a:pPr>
+            <a:r>
+              <a:rPr lang="ru-RU" dirty="0" smtClean="0"/>
+              <a:t>	Основная идея: </a:t>
+            </a:r>
+            <a:r>
+              <a:rPr lang="ru-RU" baseline="0" dirty="0" smtClean="0"/>
+              <a:t>сохранять последнее подсчитанное среднее арифметическое во вспомогательную структуру данных, что бы потом просто прибавлять новые значения и делить на количество элементов в </a:t>
+            </a:r>
+            <a:r>
+              <a:rPr lang="ru-RU" baseline="0" dirty="0" smtClean="0"/>
+              <a:t>базе.</a:t>
+            </a:r>
+            <a:endParaRPr lang="en-US" dirty="0" smtClean="0"/>
+          </a:p>
+          <a:p>
             <a:endParaRPr lang="uk-UA" dirty="0"/>
           </a:p>
         </p:txBody>
@@ -4287,7 +4385,7 @@
     </p:spTree>
     <p:extLst>
       <p:ext uri="{BB962C8B-B14F-4D97-AF65-F5344CB8AC3E}">
-        <p14:creationId xmlns:p14="http://schemas.microsoft.com/office/powerpoint/2010/main" val="2924510712"/>
+        <p14:creationId xmlns:p14="http://schemas.microsoft.com/office/powerpoint/2010/main" val="3283955315"/>
       </p:ext>
     </p:extLst>
   </p:cSld>
@@ -4346,7 +4444,269 @@
           <a:bodyPr/>
           <a:lstStyle/>
           <a:p>
-            <a:endParaRPr lang="uk-UA" dirty="0"/>
+            <a:pPr marL="0" marR="0" indent="0" algn="l" defTabSz="914400" rtl="0" eaLnBrk="1" fontAlgn="auto" latinLnBrk="0" hangingPunct="1">
+              <a:lnSpc>
+                <a:spcPct val="100000"/>
+              </a:lnSpc>
+              <a:spcBef>
+                <a:spcPts val="0"/>
+              </a:spcBef>
+              <a:spcAft>
+                <a:spcPts val="0"/>
+              </a:spcAft>
+              <a:buClrTx/>
+              <a:buSzTx/>
+              <a:buFontTx/>
+              <a:buNone/>
+              <a:tabLst/>
+              <a:defRPr/>
+            </a:pPr>
+            <a:r>
+              <a:rPr lang="ru-RU" b="1" dirty="0" smtClean="0"/>
+              <a:t>Зачем</a:t>
+            </a:r>
+            <a:r>
+              <a:rPr lang="ru-RU" b="1" baseline="0" dirty="0" smtClean="0"/>
+              <a:t> нужно</a:t>
+            </a:r>
+            <a:r>
+              <a:rPr lang="ru-RU" b="1" dirty="0" smtClean="0"/>
+              <a:t>?</a:t>
+            </a:r>
+            <a:endParaRPr lang="uk-UA" b="1" dirty="0" smtClean="0"/>
+          </a:p>
+          <a:p>
+            <a:pPr marL="0" marR="0" indent="0" algn="l" defTabSz="914400" rtl="0" eaLnBrk="1" fontAlgn="auto" latinLnBrk="0" hangingPunct="1">
+              <a:lnSpc>
+                <a:spcPct val="100000"/>
+              </a:lnSpc>
+              <a:spcBef>
+                <a:spcPts val="0"/>
+              </a:spcBef>
+              <a:spcAft>
+                <a:spcPts val="0"/>
+              </a:spcAft>
+              <a:buClrTx/>
+              <a:buSzTx/>
+              <a:buFontTx/>
+              <a:buNone/>
+              <a:tabLst/>
+              <a:defRPr/>
+            </a:pPr>
+            <a:r>
+              <a:rPr lang="ru-RU" dirty="0" smtClean="0"/>
+              <a:t>	</a:t>
+            </a:r>
+            <a:r>
+              <a:rPr lang="ru-RU" dirty="0" smtClean="0"/>
+              <a:t>Мода нужна для обнаружения регулярных помех.</a:t>
+            </a:r>
+          </a:p>
+          <a:p>
+            <a:pPr marL="0" marR="0" indent="0" algn="l" defTabSz="914400" rtl="0" eaLnBrk="1" fontAlgn="auto" latinLnBrk="0" hangingPunct="1">
+              <a:lnSpc>
+                <a:spcPct val="100000"/>
+              </a:lnSpc>
+              <a:spcBef>
+                <a:spcPts val="0"/>
+              </a:spcBef>
+              <a:spcAft>
+                <a:spcPts val="0"/>
+              </a:spcAft>
+              <a:buClrTx/>
+              <a:buSzTx/>
+              <a:buFontTx/>
+              <a:buNone/>
+              <a:tabLst/>
+              <a:defRPr/>
+            </a:pPr>
+            <a:r>
+              <a:rPr lang="ru-RU" dirty="0" smtClean="0"/>
+              <a:t>	</a:t>
+            </a:r>
+            <a:r>
+              <a:rPr lang="ru-RU" b="1" dirty="0" smtClean="0"/>
+              <a:t>Медиана</a:t>
+            </a:r>
+            <a:r>
+              <a:rPr lang="ru-RU" dirty="0" smtClean="0"/>
+              <a:t> используется для обнаружения </a:t>
+            </a:r>
+            <a:r>
+              <a:rPr lang="ru-RU" b="1" dirty="0" smtClean="0"/>
+              <a:t>спонтанных помех? ЧТО,</a:t>
+            </a:r>
+            <a:r>
+              <a:rPr lang="ru-RU" b="1" baseline="0" dirty="0" smtClean="0"/>
+              <a:t> СЕРЬЕЗНО? -90 -89 -88 -87 -86 = -88 и тут БАХ -50 = -87.5</a:t>
+            </a:r>
+            <a:endParaRPr lang="ru-RU" b="1" dirty="0" smtClean="0"/>
+          </a:p>
+          <a:p>
+            <a:pPr marL="0" marR="0" indent="0" algn="l" defTabSz="914400" rtl="0" eaLnBrk="1" fontAlgn="auto" latinLnBrk="0" hangingPunct="1">
+              <a:lnSpc>
+                <a:spcPct val="100000"/>
+              </a:lnSpc>
+              <a:spcBef>
+                <a:spcPts val="0"/>
+              </a:spcBef>
+              <a:spcAft>
+                <a:spcPts val="0"/>
+              </a:spcAft>
+              <a:buClrTx/>
+              <a:buSzTx/>
+              <a:buFontTx/>
+              <a:buNone/>
+              <a:tabLst/>
+              <a:defRPr/>
+            </a:pPr>
+            <a:endParaRPr lang="ru-RU" dirty="0" smtClean="0"/>
+          </a:p>
+          <a:p>
+            <a:pPr marL="0" marR="0" indent="0" algn="l" defTabSz="914400" rtl="0" eaLnBrk="1" fontAlgn="auto" latinLnBrk="0" hangingPunct="1">
+              <a:lnSpc>
+                <a:spcPct val="100000"/>
+              </a:lnSpc>
+              <a:spcBef>
+                <a:spcPts val="0"/>
+              </a:spcBef>
+              <a:spcAft>
+                <a:spcPts val="0"/>
+              </a:spcAft>
+              <a:buClrTx/>
+              <a:buSzTx/>
+              <a:buFontTx/>
+              <a:buNone/>
+              <a:tabLst/>
+              <a:defRPr/>
+            </a:pPr>
+            <a:r>
+              <a:rPr lang="ru-RU" b="1" dirty="0" smtClean="0"/>
+              <a:t>Алгоритм:</a:t>
+            </a:r>
+          </a:p>
+          <a:p>
+            <a:r>
+              <a:rPr lang="uk-UA" dirty="0" smtClean="0"/>
+              <a:t>	</a:t>
+            </a:r>
+            <a:r>
+              <a:rPr lang="ru-RU" b="1" dirty="0" smtClean="0"/>
+              <a:t>АНИМАЦИЯ:</a:t>
+            </a:r>
+            <a:r>
+              <a:rPr lang="ru-RU" b="1" baseline="0" dirty="0" smtClean="0"/>
+              <a:t> </a:t>
+            </a:r>
+            <a:r>
+              <a:rPr lang="ru-RU" dirty="0" smtClean="0"/>
+              <a:t>Каждому конкретному устройству соответствует массив карт с RSSI в качестве ключа и количеством значений RSSI в качестве значения.</a:t>
+            </a:r>
+          </a:p>
+          <a:p>
+            <a:r>
+              <a:rPr lang="ru-RU" dirty="0" smtClean="0"/>
+              <a:t>	</a:t>
+            </a:r>
+            <a:r>
+              <a:rPr lang="ru-RU" b="1" dirty="0" smtClean="0"/>
+              <a:t>АНИМАЦИЯ:</a:t>
+            </a:r>
+            <a:r>
+              <a:rPr lang="ru-RU" b="1" baseline="0" dirty="0" smtClean="0"/>
+              <a:t> </a:t>
+            </a:r>
+            <a:r>
+              <a:rPr lang="ru-RU" dirty="0" smtClean="0"/>
+              <a:t>При этом каждая</a:t>
+            </a:r>
+            <a:r>
+              <a:rPr lang="ru-RU" baseline="0" dirty="0" smtClean="0"/>
+              <a:t> </a:t>
+            </a:r>
+            <a:r>
+              <a:rPr lang="en-US" baseline="0" dirty="0" smtClean="0"/>
+              <a:t>HashMap</a:t>
+            </a:r>
+            <a:r>
+              <a:rPr lang="ru-RU" baseline="0" dirty="0" smtClean="0"/>
+              <a:t> отвечает за точки на одной конкретной частоте. То есть количество </a:t>
+            </a:r>
+            <a:r>
+              <a:rPr lang="en-US" baseline="0" dirty="0" smtClean="0"/>
+              <a:t>HashMap</a:t>
+            </a:r>
+            <a:r>
+              <a:rPr lang="ru-RU" baseline="0" dirty="0" smtClean="0"/>
+              <a:t> равно количеству дискрет.</a:t>
+            </a:r>
+          </a:p>
+          <a:p>
+            <a:r>
+              <a:rPr lang="ru-RU" baseline="0" dirty="0" smtClean="0"/>
+              <a:t>	Может показаться, что в структуре слишком много значений, но расчеты таковы: 256 дискрет, от -100 до -50, при максимально возможном заполнении: 256 </a:t>
+            </a:r>
+            <a:r>
+              <a:rPr lang="en-US" baseline="0" dirty="0" smtClean="0"/>
+              <a:t>HashMap</a:t>
+            </a:r>
+            <a:r>
+              <a:rPr lang="ru-RU" baseline="0" dirty="0" smtClean="0"/>
+              <a:t> = ; 256 * 50*(байт) * 50*(</a:t>
+            </a:r>
+            <a:r>
+              <a:rPr lang="ru-RU" baseline="0" dirty="0" err="1" smtClean="0"/>
+              <a:t>инт</a:t>
+            </a:r>
+            <a:r>
+              <a:rPr lang="ru-RU" baseline="0" dirty="0" smtClean="0"/>
+              <a:t>) = 256 * 50 байт * 200 байт = 2 560 000 байт = 2,56 </a:t>
+            </a:r>
+            <a:r>
+              <a:rPr lang="ru-RU" baseline="0" dirty="0" err="1" smtClean="0"/>
+              <a:t>мб</a:t>
+            </a:r>
+            <a:r>
+              <a:rPr lang="ru-RU" baseline="0" dirty="0" smtClean="0"/>
+              <a:t> + </a:t>
+            </a:r>
+            <a:r>
+              <a:rPr lang="ru-RU" baseline="0" dirty="0" err="1" smtClean="0"/>
+              <a:t>слежебка</a:t>
+            </a:r>
+            <a:endParaRPr lang="ru-RU" baseline="0" dirty="0" smtClean="0"/>
+          </a:p>
+          <a:p>
+            <a:pPr marL="0" marR="0" indent="0" algn="l" defTabSz="914400" rtl="0" eaLnBrk="1" fontAlgn="auto" latinLnBrk="0" hangingPunct="1">
+              <a:lnSpc>
+                <a:spcPct val="100000"/>
+              </a:lnSpc>
+              <a:spcBef>
+                <a:spcPts val="0"/>
+              </a:spcBef>
+              <a:spcAft>
+                <a:spcPts val="0"/>
+              </a:spcAft>
+              <a:buClrTx/>
+              <a:buSzTx/>
+              <a:buFontTx/>
+              <a:buNone/>
+              <a:tabLst/>
+              <a:defRPr/>
+            </a:pPr>
+            <a:r>
+              <a:rPr lang="ru-RU" baseline="0" dirty="0" smtClean="0"/>
+              <a:t>	Благодаря таким структурам </a:t>
+            </a:r>
+            <a:r>
+              <a:rPr lang="ru-RU" baseline="0" dirty="0" err="1" smtClean="0"/>
+              <a:t>данних</a:t>
+            </a:r>
+            <a:r>
+              <a:rPr lang="ru-RU" baseline="0" dirty="0" smtClean="0"/>
+              <a:t> сложность расчета становится константной.</a:t>
+            </a:r>
+            <a:endParaRPr lang="ru-RU" dirty="0" smtClean="0"/>
           </a:p>
         </p:txBody>
       </p:sp>
@@ -4376,7 +4736,7 @@
     </p:spTree>
     <p:extLst>
       <p:ext uri="{BB962C8B-B14F-4D97-AF65-F5344CB8AC3E}">
-        <p14:creationId xmlns:p14="http://schemas.microsoft.com/office/powerpoint/2010/main" val="2317171516"/>
+        <p14:creationId xmlns:p14="http://schemas.microsoft.com/office/powerpoint/2010/main" val="2429625256"/>
       </p:ext>
     </p:extLst>
   </p:cSld>
@@ -4435,53 +4795,6 @@
           <a:bodyPr/>
           <a:lstStyle/>
           <a:p>
-            <a:r>
-              <a:rPr lang="ru-RU" dirty="0" err="1" smtClean="0"/>
-              <a:t>DeviceConnectionListener</a:t>
-            </a:r>
-            <a:r>
-              <a:rPr lang="ru-RU" dirty="0" smtClean="0"/>
-              <a:t> - класс, задача которого сканировать систему на предмет подключений устройств через заданные промежутки времени.</a:t>
-            </a:r>
-            <a:endParaRPr lang="en-US" dirty="0" smtClean="0"/>
-          </a:p>
-          <a:p>
-            <a:r>
-              <a:rPr lang="ru-RU" dirty="0" smtClean="0"/>
-              <a:t>Класс реализует паттерн программирования </a:t>
-            </a:r>
-            <a:r>
-              <a:rPr lang="ru-RU" dirty="0" err="1" smtClean="0"/>
-              <a:t>Singleton</a:t>
-            </a:r>
-            <a:r>
-              <a:rPr lang="ru-RU" dirty="0" smtClean="0"/>
-              <a:t>, потому что нет смысла запускать в одной программе несколько экземпляров этого класса. Также реализует </a:t>
-            </a:r>
-            <a:r>
-              <a:rPr lang="ru-RU" dirty="0" err="1" smtClean="0"/>
-              <a:t>Observer</a:t>
-            </a:r>
-            <a:r>
-              <a:rPr lang="ru-RU" dirty="0" smtClean="0"/>
-              <a:t>, с помощью которого происходит нотификация подписчиков на событие подключения устройства. Класс </a:t>
-            </a:r>
-            <a:r>
-              <a:rPr lang="ru-RU" dirty="0" err="1" smtClean="0"/>
-              <a:t>DeviceConnectionHandler</a:t>
-            </a:r>
-            <a:r>
-              <a:rPr lang="ru-RU" dirty="0" smtClean="0"/>
-              <a:t> (см. Приложение 2) подписывается на событие подключения устройства, вызывает стать-</a:t>
-            </a:r>
-            <a:r>
-              <a:rPr lang="ru-RU" dirty="0" err="1" smtClean="0"/>
-              <a:t>ческий</a:t>
-            </a:r>
-            <a:r>
-              <a:rPr lang="ru-RU" dirty="0" smtClean="0"/>
-              <a:t> метод для поиска конкретного устройства, которое поддерживает программа и, в случае успеха, запускает поток для работы с устройством.</a:t>
-            </a:r>
             <a:endParaRPr lang="uk-UA" dirty="0"/>
           </a:p>
         </p:txBody>
@@ -4512,7 +4825,7 @@
     </p:spTree>
     <p:extLst>
       <p:ext uri="{BB962C8B-B14F-4D97-AF65-F5344CB8AC3E}">
-        <p14:creationId xmlns:p14="http://schemas.microsoft.com/office/powerpoint/2010/main" val="208238952"/>
+        <p14:creationId xmlns:p14="http://schemas.microsoft.com/office/powerpoint/2010/main" val="2353773462"/>
       </p:ext>
     </p:extLst>
   </p:cSld>
@@ -4653,7 +4966,7 @@
           <a:p>
             <a:fld id="{4B3FEE5C-4EFA-4EBD-A460-680EAB01F724}" type="datetimeFigureOut">
               <a:rPr lang="uk-UA" smtClean="0"/>
-              <a:t>11.04.2015</a:t>
+              <a:t>13.04.2015</a:t>
             </a:fld>
             <a:endParaRPr lang="uk-UA" dirty="0"/>
           </a:p>
@@ -4842,7 +5155,7 @@
           <a:p>
             <a:fld id="{4B3FEE5C-4EFA-4EBD-A460-680EAB01F724}" type="datetimeFigureOut">
               <a:rPr lang="uk-UA" smtClean="0"/>
-              <a:t>11.04.2015</a:t>
+              <a:t>13.04.2015</a:t>
             </a:fld>
             <a:endParaRPr lang="uk-UA" dirty="0"/>
           </a:p>
@@ -5034,7 +5347,7 @@
           <a:p>
             <a:fld id="{4B3FEE5C-4EFA-4EBD-A460-680EAB01F724}" type="datetimeFigureOut">
               <a:rPr lang="uk-UA" smtClean="0"/>
-              <a:t>11.04.2015</a:t>
+              <a:t>13.04.2015</a:t>
             </a:fld>
             <a:endParaRPr lang="uk-UA" dirty="0"/>
           </a:p>
@@ -5216,7 +5529,7 @@
           <a:p>
             <a:fld id="{4B3FEE5C-4EFA-4EBD-A460-680EAB01F724}" type="datetimeFigureOut">
               <a:rPr lang="uk-UA" smtClean="0"/>
-              <a:t>11.04.2015</a:t>
+              <a:t>13.04.2015</a:t>
             </a:fld>
             <a:endParaRPr lang="uk-UA" dirty="0"/>
           </a:p>
@@ -5481,7 +5794,7 @@
           <a:p>
             <a:fld id="{4B3FEE5C-4EFA-4EBD-A460-680EAB01F724}" type="datetimeFigureOut">
               <a:rPr lang="uk-UA" smtClean="0"/>
-              <a:t>11.04.2015</a:t>
+              <a:t>13.04.2015</a:t>
             </a:fld>
             <a:endParaRPr lang="uk-UA" dirty="0"/>
           </a:p>
@@ -5725,7 +6038,7 @@
           <a:p>
             <a:fld id="{4B3FEE5C-4EFA-4EBD-A460-680EAB01F724}" type="datetimeFigureOut">
               <a:rPr lang="uk-UA" smtClean="0"/>
-              <a:t>11.04.2015</a:t>
+              <a:t>13.04.2015</a:t>
             </a:fld>
             <a:endParaRPr lang="uk-UA" dirty="0"/>
           </a:p>
@@ -6104,7 +6417,7 @@
           <a:p>
             <a:fld id="{4B3FEE5C-4EFA-4EBD-A460-680EAB01F724}" type="datetimeFigureOut">
               <a:rPr lang="uk-UA" smtClean="0"/>
-              <a:t>11.04.2015</a:t>
+              <a:t>13.04.2015</a:t>
             </a:fld>
             <a:endParaRPr lang="uk-UA" dirty="0"/>
           </a:p>
@@ -6234,7 +6547,7 @@
           <a:p>
             <a:fld id="{4B3FEE5C-4EFA-4EBD-A460-680EAB01F724}" type="datetimeFigureOut">
               <a:rPr lang="uk-UA" smtClean="0"/>
-              <a:t>11.04.2015</a:t>
+              <a:t>13.04.2015</a:t>
             </a:fld>
             <a:endParaRPr lang="uk-UA" dirty="0"/>
           </a:p>
@@ -6348,7 +6661,7 @@
           <a:p>
             <a:fld id="{4B3FEE5C-4EFA-4EBD-A460-680EAB01F724}" type="datetimeFigureOut">
               <a:rPr lang="uk-UA" smtClean="0"/>
-              <a:t>11.04.2015</a:t>
+              <a:t>13.04.2015</a:t>
             </a:fld>
             <a:endParaRPr lang="uk-UA" dirty="0"/>
           </a:p>
@@ -6637,7 +6950,7 @@
           <a:p>
             <a:fld id="{4B3FEE5C-4EFA-4EBD-A460-680EAB01F724}" type="datetimeFigureOut">
               <a:rPr lang="uk-UA" smtClean="0"/>
-              <a:t>11.04.2015</a:t>
+              <a:t>13.04.2015</a:t>
             </a:fld>
             <a:endParaRPr lang="uk-UA" dirty="0"/>
           </a:p>
@@ -6902,7 +7215,7 @@
           <a:p>
             <a:fld id="{4B3FEE5C-4EFA-4EBD-A460-680EAB01F724}" type="datetimeFigureOut">
               <a:rPr lang="uk-UA" smtClean="0"/>
-              <a:t>11.04.2015</a:t>
+              <a:t>13.04.2015</a:t>
             </a:fld>
             <a:endParaRPr lang="uk-UA" dirty="0"/>
           </a:p>
@@ -7127,7 +7440,7 @@
           <a:p>
             <a:fld id="{4B3FEE5C-4EFA-4EBD-A460-680EAB01F724}" type="datetimeFigureOut">
               <a:rPr lang="uk-UA" smtClean="0"/>
-              <a:t>11.04.2015</a:t>
+              <a:t>13.04.2015</a:t>
             </a:fld>
             <a:endParaRPr lang="uk-UA" dirty="0"/>
           </a:p>
@@ -7627,7 +7940,15 @@
             </a:r>
             <a:r>
               <a:rPr lang="ru-RU" dirty="0" smtClean="0"/>
-              <a:t> 2,4-2,5 ГГц</a:t>
+              <a:t> 2,4-2,5 </a:t>
+            </a:r>
+            <a:r>
+              <a:rPr lang="ru-RU" dirty="0" smtClean="0"/>
+              <a:t>ГГц</a:t>
+            </a:r>
+            <a:r>
+              <a:rPr lang="en-US" dirty="0" smtClean="0"/>
+              <a:t>d</a:t>
             </a:r>
             <a:endParaRPr lang="uk-UA" dirty="0"/>
           </a:p>
@@ -7674,14 +7995,14 @@
   <p:clrMapOvr>
     <a:masterClrMapping/>
   </p:clrMapOvr>
-  <mc:AlternateContent xmlns:mc="http://schemas.openxmlformats.org/markup-compatibility/2006" xmlns:p14="http://schemas.microsoft.com/office/powerpoint/2010/main">
-    <mc:Choice Requires="p14">
-      <p:transition spd="med" p14:dur="700">
-        <p:fade/>
+  <mc:AlternateContent xmlns:mc="http://schemas.openxmlformats.org/markup-compatibility/2006">
+    <mc:Choice xmlns:p14="http://schemas.microsoft.com/office/powerpoint/2010/main" Requires="p14">
+      <p:transition spd="slow" p14:dur="900">
+        <p14:warp dir="in"/>
       </p:transition>
     </mc:Choice>
-    <mc:Fallback xmlns="">
-      <p:transition spd="med">
+    <mc:Fallback>
+      <p:transition spd="slow">
         <p:fade/>
       </p:transition>
     </mc:Fallback>
@@ -7731,158 +8052,7 @@
           <a:graphicData uri="http://schemas.openxmlformats.org/presentationml/2006/ole">
             <mc:AlternateContent xmlns:mc="http://schemas.openxmlformats.org/markup-compatibility/2006">
               <mc:Choice xmlns:v="urn:schemas-microsoft-com:vml" Requires="v">
-                <p:oleObj spid="_x0000_s9322" name="Visio" r:id="rId4" imgW="13496857" imgH="5267235" progId="Visio.Drawing.15">
-                  <p:embed/>
-                </p:oleObj>
-              </mc:Choice>
-              <mc:Fallback>
-                <p:oleObj name="Visio" r:id="rId4" imgW="13496857" imgH="5267235" progId="Visio.Drawing.15">
-                  <p:embed/>
-                  <p:pic>
-                    <p:nvPicPr>
-                      <p:cNvPr id="0" name=""/>
-                      <p:cNvPicPr/>
-                      <p:nvPr/>
-                    </p:nvPicPr>
-                    <p:blipFill>
-                      <a:blip r:embed="rId5"/>
-                      <a:stretch>
-                        <a:fillRect/>
-                      </a:stretch>
-                    </p:blipFill>
-                    <p:spPr>
-                      <a:xfrm>
-                        <a:off x="159657" y="1922920"/>
-                        <a:ext cx="11872686" cy="4633132"/>
-                      </a:xfrm>
-                      <a:prstGeom prst="rect">
-                        <a:avLst/>
-                      </a:prstGeom>
-                    </p:spPr>
-                  </p:pic>
-                </p:oleObj>
-              </mc:Fallback>
-            </mc:AlternateContent>
-          </a:graphicData>
-        </a:graphic>
-      </p:graphicFrame>
-      <p:sp>
-        <p:nvSpPr>
-          <p:cNvPr id="4" name="Title 3"/>
-          <p:cNvSpPr>
-            <a:spLocks noGrp="1"/>
-          </p:cNvSpPr>
-          <p:nvPr>
-            <p:ph type="title"/>
-          </p:nvPr>
-        </p:nvSpPr>
-        <p:spPr/>
-        <p:txBody>
-          <a:bodyPr/>
-          <a:lstStyle/>
-          <a:p>
-            <a:pPr algn="ctr"/>
-            <a:r>
-              <a:rPr lang="uk-UA" dirty="0" smtClean="0"/>
-              <a:t>Схема роботи програми</a:t>
-            </a:r>
-            <a:endParaRPr lang="uk-UA" dirty="0"/>
-          </a:p>
-        </p:txBody>
-      </p:sp>
-      <p:pic>
-        <p:nvPicPr>
-          <p:cNvPr id="6" name="Picture 5"/>
-          <p:cNvPicPr>
-            <a:picLocks noChangeAspect="1"/>
-          </p:cNvPicPr>
-          <p:nvPr/>
-        </p:nvPicPr>
-        <p:blipFill>
-          <a:blip r:embed="rId6">
-            <a:extLst>
-              <a:ext uri="{28A0092B-C50C-407E-A947-70E740481C1C}">
-                <a14:useLocalDpi xmlns:a14="http://schemas.microsoft.com/office/drawing/2010/main" val="0"/>
-              </a:ext>
-            </a:extLst>
-          </a:blip>
-          <a:stretch>
-            <a:fillRect/>
-          </a:stretch>
-        </p:blipFill>
-        <p:spPr>
-          <a:xfrm>
-            <a:off x="-5781751" y="-168103"/>
-            <a:ext cx="23622152" cy="8512637"/>
-          </a:xfrm>
-          <a:prstGeom prst="rect">
-            <a:avLst/>
-          </a:prstGeom>
-          <a:noFill/>
-          <a:ln>
-            <a:noFill/>
-          </a:ln>
-        </p:spPr>
-      </p:pic>
-    </p:spTree>
-    <p:extLst>
-      <p:ext uri="{BB962C8B-B14F-4D97-AF65-F5344CB8AC3E}">
-        <p14:creationId xmlns:p14="http://schemas.microsoft.com/office/powerpoint/2010/main" val="692297819"/>
-      </p:ext>
-    </p:extLst>
-  </p:cSld>
-  <p:clrMapOvr>
-    <a:masterClrMapping/>
-  </p:clrMapOvr>
-  <p:transition spd="med">
-    <p:fade/>
-  </p:transition>
-  <p:timing>
-    <p:tnLst>
-      <p:par>
-        <p:cTn id="1" dur="indefinite" restart="never" nodeType="tmRoot"/>
-      </p:par>
-    </p:tnLst>
-  </p:timing>
-</p:sld>
-</file>
-
-<file path=ppt/slides/slide11.xml><?xml version="1.0" encoding="utf-8"?>
-<p:sld xmlns:a="http://schemas.openxmlformats.org/drawingml/2006/main" xmlns:r="http://schemas.openxmlformats.org/officeDocument/2006/relationships" xmlns:p="http://schemas.openxmlformats.org/presentationml/2006/main">
-  <p:cSld>
-    <p:spTree>
-      <p:nvGrpSpPr>
-        <p:cNvPr id="1" name=""/>
-        <p:cNvGrpSpPr/>
-        <p:nvPr/>
-      </p:nvGrpSpPr>
-      <p:grpSpPr>
-        <a:xfrm>
-          <a:off x="0" y="0"/>
-          <a:ext cx="0" cy="0"/>
-          <a:chOff x="0" y="0"/>
-          <a:chExt cx="0" cy="0"/>
-        </a:xfrm>
-      </p:grpSpPr>
-      <p:graphicFrame>
-        <p:nvGraphicFramePr>
-          <p:cNvPr id="3" name="Object 2"/>
-          <p:cNvGraphicFramePr>
-            <a:graphicFrameLocks noChangeAspect="1"/>
-          </p:cNvGraphicFramePr>
-          <p:nvPr>
-            <p:extLst/>
-          </p:nvPr>
-        </p:nvGraphicFramePr>
-        <p:xfrm>
-          <a:off x="159657" y="1922920"/>
-          <a:ext cx="11872686" cy="4633132"/>
-        </p:xfrm>
-        <a:graphic>
-          <a:graphicData uri="http://schemas.openxmlformats.org/presentationml/2006/ole">
-            <mc:AlternateContent xmlns:mc="http://schemas.openxmlformats.org/markup-compatibility/2006">
-              <mc:Choice xmlns:v="urn:schemas-microsoft-com:vml" Requires="v">
-                <p:oleObj spid="_x0000_s10346" name="Visio" r:id="rId4" imgW="13496857" imgH="5267235" progId="Visio.Drawing.15">
+                <p:oleObj spid="_x0000_s10416" name="Visio" r:id="rId4" imgW="13496857" imgH="5267235" progId="Visio.Drawing.15">
                   <p:embed/>
                 </p:oleObj>
               </mc:Choice>
@@ -7998,7 +8168,7 @@
 </p:sld>
 </file>
 
-<file path=ppt/slides/slide12.xml><?xml version="1.0" encoding="utf-8"?>
+<file path=ppt/slides/slide11.xml><?xml version="1.0" encoding="utf-8"?>
 <p:sld xmlns:a="http://schemas.openxmlformats.org/drawingml/2006/main" xmlns:r="http://schemas.openxmlformats.org/officeDocument/2006/relationships" xmlns:p="http://schemas.openxmlformats.org/presentationml/2006/main">
   <p:cSld>
     <p:spTree>
@@ -8033,7 +8203,7 @@
           <a:graphicData uri="http://schemas.openxmlformats.org/presentationml/2006/ole">
             <mc:AlternateContent xmlns:mc="http://schemas.openxmlformats.org/markup-compatibility/2006">
               <mc:Choice xmlns:v="urn:schemas-microsoft-com:vml" Requires="v">
-                <p:oleObj spid="_x0000_s11368" name="Visio" r:id="rId4" imgW="13496857" imgH="5267235" progId="Visio.Drawing.15">
+                <p:oleObj spid="_x0000_s11438" name="Visio" r:id="rId4" imgW="13496857" imgH="5267235" progId="Visio.Drawing.15">
                   <p:embed/>
                 </p:oleObj>
               </mc:Choice>
@@ -8149,7 +8319,7 @@
 </p:sld>
 </file>
 
-<file path=ppt/slides/slide13.xml><?xml version="1.0" encoding="utf-8"?>
+<file path=ppt/slides/slide12.xml><?xml version="1.0" encoding="utf-8"?>
 <p:sld xmlns:a="http://schemas.openxmlformats.org/drawingml/2006/main" xmlns:r="http://schemas.openxmlformats.org/officeDocument/2006/relationships" xmlns:p="http://schemas.openxmlformats.org/presentationml/2006/main">
   <p:cSld>
     <p:spTree>
@@ -8184,7 +8354,7 @@
           <a:graphicData uri="http://schemas.openxmlformats.org/presentationml/2006/ole">
             <mc:AlternateContent xmlns:mc="http://schemas.openxmlformats.org/markup-compatibility/2006">
               <mc:Choice xmlns:v="urn:schemas-microsoft-com:vml" Requires="v">
-                <p:oleObj spid="_x0000_s12388" name="Visio" r:id="rId4" imgW="13496857" imgH="5267235" progId="Visio.Drawing.15">
+                <p:oleObj spid="_x0000_s12458" name="Visio" r:id="rId4" imgW="13496857" imgH="5267235" progId="Visio.Drawing.15">
                   <p:embed/>
                 </p:oleObj>
               </mc:Choice>
@@ -8300,7 +8470,7 @@
 </p:sld>
 </file>
 
-<file path=ppt/slides/slide14.xml><?xml version="1.0" encoding="utf-8"?>
+<file path=ppt/slides/slide13.xml><?xml version="1.0" encoding="utf-8"?>
 <p:sld xmlns:a="http://schemas.openxmlformats.org/drawingml/2006/main" xmlns:r="http://schemas.openxmlformats.org/officeDocument/2006/relationships" xmlns:p="http://schemas.openxmlformats.org/presentationml/2006/main">
   <p:cSld>
     <p:spTree>
@@ -8350,13 +8520,13 @@
   <p:clrMapOvr>
     <a:masterClrMapping/>
   </p:clrMapOvr>
-  <mc:AlternateContent xmlns:mc="http://schemas.openxmlformats.org/markup-compatibility/2006">
-    <mc:Choice xmlns:p14="http://schemas.microsoft.com/office/powerpoint/2010/main" Requires="p14">
+  <mc:AlternateContent xmlns:mc="http://schemas.openxmlformats.org/markup-compatibility/2006" xmlns:p14="http://schemas.microsoft.com/office/powerpoint/2010/main">
+    <mc:Choice Requires="p14">
       <p:transition spd="med" p14:dur="700">
         <p:fade/>
       </p:transition>
     </mc:Choice>
-    <mc:Fallback>
+    <mc:Fallback xmlns="">
       <p:transition spd="med">
         <p:fade/>
       </p:transition>
@@ -8396,11 +8566,7 @@
             <a:graphicFrameLocks noChangeAspect="1"/>
           </p:cNvGraphicFramePr>
           <p:nvPr>
-            <p:extLst>
-              <p:ext uri="{D42A27DB-BD31-4B8C-83A1-F6EECF244321}">
-                <p14:modId xmlns:p14="http://schemas.microsoft.com/office/powerpoint/2010/main" val="3094184098"/>
-              </p:ext>
-            </p:extLst>
+            <p:extLst/>
           </p:nvPr>
         </p:nvGraphicFramePr>
         <p:xfrm>
@@ -8411,7 +8577,7 @@
           <a:graphicData uri="http://schemas.openxmlformats.org/presentationml/2006/ole">
             <mc:AlternateContent xmlns:mc="http://schemas.openxmlformats.org/markup-compatibility/2006">
               <mc:Choice xmlns:v="urn:schemas-microsoft-com:vml" Requires="v">
-                <p:oleObj spid="_x0000_s6289" name="Visio" r:id="rId4" imgW="13496857" imgH="5267235" progId="Visio.Drawing.15">
+                <p:oleObj spid="_x0000_s7350" name="Visio" r:id="rId4" imgW="13496857" imgH="5267235" progId="Visio.Drawing.15">
                   <p:embed/>
                 </p:oleObj>
               </mc:Choice>
@@ -8492,8 +8658,8 @@
         </p:blipFill>
         <p:spPr>
           <a:xfrm>
-            <a:off x="-5715077" y="-171279"/>
-            <a:ext cx="23622154" cy="8512640"/>
+            <a:off x="-5781752" y="-168103"/>
+            <a:ext cx="23622154" cy="8512638"/>
           </a:xfrm>
           <a:prstGeom prst="rect">
             <a:avLst/>
@@ -8507,7 +8673,7 @@
     </p:spTree>
     <p:extLst>
       <p:ext uri="{BB962C8B-B14F-4D97-AF65-F5344CB8AC3E}">
-        <p14:creationId xmlns:p14="http://schemas.microsoft.com/office/powerpoint/2010/main" val="2361192849"/>
+        <p14:creationId xmlns:p14="http://schemas.microsoft.com/office/powerpoint/2010/main" val="2357001992"/>
       </p:ext>
     </p:extLst>
   </p:cSld>
@@ -8613,6 +8779,397 @@
 </file>
 
 <file path=ppt/slides/slide3.xml><?xml version="1.0" encoding="utf-8"?>
+<p:sld xmlns:a="http://schemas.openxmlformats.org/drawingml/2006/main" xmlns:r="http://schemas.openxmlformats.org/officeDocument/2006/relationships" xmlns:p="http://schemas.openxmlformats.org/presentationml/2006/main">
+  <p:cSld>
+    <p:spTree>
+      <p:nvGrpSpPr>
+        <p:cNvPr id="1" name=""/>
+        <p:cNvGrpSpPr/>
+        <p:nvPr/>
+      </p:nvGrpSpPr>
+      <p:grpSpPr>
+        <a:xfrm>
+          <a:off x="0" y="0"/>
+          <a:ext cx="0" cy="0"/>
+          <a:chOff x="0" y="0"/>
+          <a:chExt cx="0" cy="0"/>
+        </a:xfrm>
+      </p:grpSpPr>
+      <p:graphicFrame>
+        <p:nvGraphicFramePr>
+          <p:cNvPr id="3" name="Object 2"/>
+          <p:cNvGraphicFramePr>
+            <a:graphicFrameLocks noChangeAspect="1"/>
+          </p:cNvGraphicFramePr>
+          <p:nvPr>
+            <p:extLst/>
+          </p:nvPr>
+        </p:nvGraphicFramePr>
+        <p:xfrm>
+          <a:off x="159657" y="1922920"/>
+          <a:ext cx="11872686" cy="4633132"/>
+        </p:xfrm>
+        <a:graphic>
+          <a:graphicData uri="http://schemas.openxmlformats.org/presentationml/2006/ole">
+            <mc:AlternateContent xmlns:mc="http://schemas.openxmlformats.org/markup-compatibility/2006">
+              <mc:Choice xmlns:v="urn:schemas-microsoft-com:vml" Requires="v">
+                <p:oleObj spid="_x0000_s8372" name="Visio" r:id="rId4" imgW="13496857" imgH="5267235" progId="Visio.Drawing.15">
+                  <p:embed/>
+                </p:oleObj>
+              </mc:Choice>
+              <mc:Fallback>
+                <p:oleObj name="Visio" r:id="rId4" imgW="13496857" imgH="5267235" progId="Visio.Drawing.15">
+                  <p:embed/>
+                  <p:pic>
+                    <p:nvPicPr>
+                      <p:cNvPr id="0" name=""/>
+                      <p:cNvPicPr/>
+                      <p:nvPr/>
+                    </p:nvPicPr>
+                    <p:blipFill>
+                      <a:blip r:embed="rId5"/>
+                      <a:stretch>
+                        <a:fillRect/>
+                      </a:stretch>
+                    </p:blipFill>
+                    <p:spPr>
+                      <a:xfrm>
+                        <a:off x="159657" y="1922920"/>
+                        <a:ext cx="11872686" cy="4633132"/>
+                      </a:xfrm>
+                      <a:prstGeom prst="rect">
+                        <a:avLst/>
+                      </a:prstGeom>
+                    </p:spPr>
+                  </p:pic>
+                </p:oleObj>
+              </mc:Fallback>
+            </mc:AlternateContent>
+          </a:graphicData>
+        </a:graphic>
+      </p:graphicFrame>
+      <p:sp>
+        <p:nvSpPr>
+          <p:cNvPr id="4" name="Title 3"/>
+          <p:cNvSpPr>
+            <a:spLocks noGrp="1"/>
+          </p:cNvSpPr>
+          <p:nvPr>
+            <p:ph type="title"/>
+          </p:nvPr>
+        </p:nvSpPr>
+        <p:spPr/>
+        <p:txBody>
+          <a:bodyPr/>
+          <a:lstStyle/>
+          <a:p>
+            <a:pPr algn="ctr"/>
+            <a:r>
+              <a:rPr lang="uk-UA" dirty="0" smtClean="0"/>
+              <a:t>Схема роботи програми</a:t>
+            </a:r>
+            <a:endParaRPr lang="uk-UA" dirty="0"/>
+          </a:p>
+        </p:txBody>
+      </p:sp>
+      <p:pic>
+        <p:nvPicPr>
+          <p:cNvPr id="6" name="Picture 5"/>
+          <p:cNvPicPr>
+            <a:picLocks noChangeAspect="1"/>
+          </p:cNvPicPr>
+          <p:nvPr/>
+        </p:nvPicPr>
+        <p:blipFill>
+          <a:blip r:embed="rId6">
+            <a:extLst>
+              <a:ext uri="{28A0092B-C50C-407E-A947-70E740481C1C}">
+                <a14:useLocalDpi xmlns:a14="http://schemas.microsoft.com/office/drawing/2010/main" val="0"/>
+              </a:ext>
+            </a:extLst>
+          </a:blip>
+          <a:stretch>
+            <a:fillRect/>
+          </a:stretch>
+        </p:blipFill>
+        <p:spPr>
+          <a:xfrm>
+            <a:off x="-5761431" y="-168103"/>
+            <a:ext cx="23622152" cy="8512637"/>
+          </a:xfrm>
+          <a:prstGeom prst="rect">
+            <a:avLst/>
+          </a:prstGeom>
+          <a:noFill/>
+          <a:ln>
+            <a:noFill/>
+          </a:ln>
+        </p:spPr>
+      </p:pic>
+    </p:spTree>
+    <p:extLst>
+      <p:ext uri="{BB962C8B-B14F-4D97-AF65-F5344CB8AC3E}">
+        <p14:creationId xmlns:p14="http://schemas.microsoft.com/office/powerpoint/2010/main" val="3214066695"/>
+      </p:ext>
+    </p:extLst>
+  </p:cSld>
+  <p:clrMapOvr>
+    <a:masterClrMapping/>
+  </p:clrMapOvr>
+  <p:transition spd="med">
+    <p:fade/>
+  </p:transition>
+  <p:timing>
+    <p:tnLst>
+      <p:par>
+        <p:cTn id="1" dur="indefinite" restart="never" nodeType="tmRoot"/>
+      </p:par>
+    </p:tnLst>
+  </p:timing>
+</p:sld>
+</file>
+
+<file path=ppt/slides/slide4.xml><?xml version="1.0" encoding="utf-8"?>
+<p:sld xmlns:a="http://schemas.openxmlformats.org/drawingml/2006/main" xmlns:r="http://schemas.openxmlformats.org/officeDocument/2006/relationships" xmlns:p="http://schemas.openxmlformats.org/presentationml/2006/main">
+  <p:cSld>
+    <p:spTree>
+      <p:nvGrpSpPr>
+        <p:cNvPr id="1" name=""/>
+        <p:cNvGrpSpPr/>
+        <p:nvPr/>
+      </p:nvGrpSpPr>
+      <p:grpSpPr>
+        <a:xfrm>
+          <a:off x="0" y="0"/>
+          <a:ext cx="0" cy="0"/>
+          <a:chOff x="0" y="0"/>
+          <a:chExt cx="0" cy="0"/>
+        </a:xfrm>
+      </p:grpSpPr>
+      <p:graphicFrame>
+        <p:nvGraphicFramePr>
+          <p:cNvPr id="3" name="Object 2"/>
+          <p:cNvGraphicFramePr>
+            <a:graphicFrameLocks noChangeAspect="1"/>
+          </p:cNvGraphicFramePr>
+          <p:nvPr>
+            <p:extLst>
+              <p:ext uri="{D42A27DB-BD31-4B8C-83A1-F6EECF244321}">
+                <p14:modId xmlns:p14="http://schemas.microsoft.com/office/powerpoint/2010/main" val="3094184098"/>
+              </p:ext>
+            </p:extLst>
+          </p:nvPr>
+        </p:nvGraphicFramePr>
+        <p:xfrm>
+          <a:off x="159657" y="1922920"/>
+          <a:ext cx="11872686" cy="4633132"/>
+        </p:xfrm>
+        <a:graphic>
+          <a:graphicData uri="http://schemas.openxmlformats.org/presentationml/2006/ole">
+            <mc:AlternateContent xmlns:mc="http://schemas.openxmlformats.org/markup-compatibility/2006">
+              <mc:Choice xmlns:v="urn:schemas-microsoft-com:vml" Requires="v">
+                <p:oleObj spid="_x0000_s6360" name="Visio" r:id="rId4" imgW="13496857" imgH="5267235" progId="Visio.Drawing.15">
+                  <p:embed/>
+                </p:oleObj>
+              </mc:Choice>
+              <mc:Fallback>
+                <p:oleObj name="Visio" r:id="rId4" imgW="13496857" imgH="5267235" progId="Visio.Drawing.15">
+                  <p:embed/>
+                  <p:pic>
+                    <p:nvPicPr>
+                      <p:cNvPr id="0" name=""/>
+                      <p:cNvPicPr/>
+                      <p:nvPr/>
+                    </p:nvPicPr>
+                    <p:blipFill>
+                      <a:blip r:embed="rId5"/>
+                      <a:stretch>
+                        <a:fillRect/>
+                      </a:stretch>
+                    </p:blipFill>
+                    <p:spPr>
+                      <a:xfrm>
+                        <a:off x="159657" y="1922920"/>
+                        <a:ext cx="11872686" cy="4633132"/>
+                      </a:xfrm>
+                      <a:prstGeom prst="rect">
+                        <a:avLst/>
+                      </a:prstGeom>
+                    </p:spPr>
+                  </p:pic>
+                </p:oleObj>
+              </mc:Fallback>
+            </mc:AlternateContent>
+          </a:graphicData>
+        </a:graphic>
+      </p:graphicFrame>
+      <p:sp>
+        <p:nvSpPr>
+          <p:cNvPr id="4" name="Title 3"/>
+          <p:cNvSpPr>
+            <a:spLocks noGrp="1"/>
+          </p:cNvSpPr>
+          <p:nvPr>
+            <p:ph type="title"/>
+          </p:nvPr>
+        </p:nvSpPr>
+        <p:spPr/>
+        <p:txBody>
+          <a:bodyPr/>
+          <a:lstStyle/>
+          <a:p>
+            <a:pPr algn="ctr"/>
+            <a:r>
+              <a:rPr lang="uk-UA" dirty="0" smtClean="0"/>
+              <a:t>Схема роботи програми</a:t>
+            </a:r>
+            <a:endParaRPr lang="uk-UA" dirty="0"/>
+          </a:p>
+        </p:txBody>
+      </p:sp>
+      <p:pic>
+        <p:nvPicPr>
+          <p:cNvPr id="6" name="Picture 5"/>
+          <p:cNvPicPr>
+            <a:picLocks noChangeAspect="1"/>
+          </p:cNvPicPr>
+          <p:nvPr/>
+        </p:nvPicPr>
+        <p:blipFill>
+          <a:blip r:embed="rId6">
+            <a:extLst>
+              <a:ext uri="{28A0092B-C50C-407E-A947-70E740481C1C}">
+                <a14:useLocalDpi xmlns:a14="http://schemas.microsoft.com/office/drawing/2010/main" val="0"/>
+              </a:ext>
+            </a:extLst>
+          </a:blip>
+          <a:stretch>
+            <a:fillRect/>
+          </a:stretch>
+        </p:blipFill>
+        <p:spPr>
+          <a:xfrm>
+            <a:off x="-5715077" y="-171279"/>
+            <a:ext cx="23622154" cy="8512640"/>
+          </a:xfrm>
+          <a:prstGeom prst="rect">
+            <a:avLst/>
+          </a:prstGeom>
+          <a:noFill/>
+          <a:ln>
+            <a:noFill/>
+          </a:ln>
+        </p:spPr>
+      </p:pic>
+    </p:spTree>
+    <p:extLst>
+      <p:ext uri="{BB962C8B-B14F-4D97-AF65-F5344CB8AC3E}">
+        <p14:creationId xmlns:p14="http://schemas.microsoft.com/office/powerpoint/2010/main" val="2361192849"/>
+      </p:ext>
+    </p:extLst>
+  </p:cSld>
+  <p:clrMapOvr>
+    <a:masterClrMapping/>
+  </p:clrMapOvr>
+  <mc:AlternateContent xmlns:mc="http://schemas.openxmlformats.org/markup-compatibility/2006">
+    <mc:Choice xmlns:p14="http://schemas.microsoft.com/office/powerpoint/2010/main" Requires="p14">
+      <p:transition spd="slow" p14:dur="900">
+        <p14:warp dir="in"/>
+      </p:transition>
+    </mc:Choice>
+    <mc:Fallback>
+      <p:transition spd="slow">
+        <p:fade/>
+      </p:transition>
+    </mc:Fallback>
+  </mc:AlternateContent>
+  <p:timing>
+    <p:tnLst>
+      <p:par>
+        <p:cTn id="1" dur="indefinite" restart="never" nodeType="tmRoot">
+          <p:childTnLst>
+            <p:seq concurrent="1" nextAc="seek">
+              <p:cTn id="2" dur="indefinite" nodeType="mainSeq">
+                <p:childTnLst>
+                  <p:par>
+                    <p:cTn id="3" fill="hold">
+                      <p:stCondLst>
+                        <p:cond delay="indefinite"/>
+                      </p:stCondLst>
+                      <p:childTnLst>
+                        <p:par>
+                          <p:cTn id="4" fill="hold">
+                            <p:stCondLst>
+                              <p:cond delay="0"/>
+                            </p:stCondLst>
+                            <p:childTnLst>
+                              <p:par>
+                                <p:cTn id="5" presetID="10" presetClass="entr" presetSubtype="0" fill="hold" nodeType="clickEffect">
+                                  <p:stCondLst>
+                                    <p:cond delay="0"/>
+                                  </p:stCondLst>
+                                  <p:childTnLst>
+                                    <p:set>
+                                      <p:cBhvr>
+                                        <p:cTn id="6" dur="1" fill="hold">
+                                          <p:stCondLst>
+                                            <p:cond delay="0"/>
+                                          </p:stCondLst>
+                                        </p:cTn>
+                                        <p:tgtEl>
+                                          <p:spTgt spid="6"/>
+                                        </p:tgtEl>
+                                        <p:attrNameLst>
+                                          <p:attrName>style.visibility</p:attrName>
+                                        </p:attrNameLst>
+                                      </p:cBhvr>
+                                      <p:to>
+                                        <p:strVal val="visible"/>
+                                      </p:to>
+                                    </p:set>
+                                    <p:animEffect transition="in" filter="fade">
+                                      <p:cBhvr>
+                                        <p:cTn id="7" dur="750"/>
+                                        <p:tgtEl>
+                                          <p:spTgt spid="6"/>
+                                        </p:tgtEl>
+                                      </p:cBhvr>
+                                    </p:animEffect>
+                                  </p:childTnLst>
+                                </p:cTn>
+                              </p:par>
+                            </p:childTnLst>
+                          </p:cTn>
+                        </p:par>
+                      </p:childTnLst>
+                    </p:cTn>
+                  </p:par>
+                </p:childTnLst>
+              </p:cTn>
+              <p:prevCondLst>
+                <p:cond evt="onPrev" delay="0">
+                  <p:tgtEl>
+                    <p:sldTgt/>
+                  </p:tgtEl>
+                </p:cond>
+              </p:prevCondLst>
+              <p:nextCondLst>
+                <p:cond evt="onNext" delay="0">
+                  <p:tgtEl>
+                    <p:sldTgt/>
+                  </p:tgtEl>
+                </p:cond>
+              </p:nextCondLst>
+            </p:seq>
+          </p:childTnLst>
+        </p:cTn>
+      </p:par>
+    </p:tnLst>
+  </p:timing>
+</p:sld>
+</file>
+
+<file path=ppt/slides/slide5.xml><?xml version="1.0" encoding="utf-8"?>
 <p:sld xmlns:a="http://schemas.openxmlformats.org/drawingml/2006/main" xmlns:r="http://schemas.openxmlformats.org/officeDocument/2006/relationships" xmlns:p="http://schemas.openxmlformats.org/presentationml/2006/main" show="0">
   <p:cSld>
     <p:spTree>
@@ -8694,8 +9251,8 @@
           </a:graphicData>
         </a:graphic>
       </p:graphicFrame>
-      <mc:AlternateContent xmlns:mc="http://schemas.openxmlformats.org/markup-compatibility/2006">
-        <mc:Choice xmlns:a14="http://schemas.microsoft.com/office/drawing/2010/main" Requires="a14">
+      <mc:AlternateContent xmlns:mc="http://schemas.openxmlformats.org/markup-compatibility/2006" xmlns:a14="http://schemas.microsoft.com/office/drawing/2010/main">
+        <mc:Choice Requires="a14">
           <p:sp>
             <p:nvSpPr>
               <p:cNvPr id="3" name="Rectangle 2"/>
@@ -8717,6 +9274,7 @@
               </a:bodyPr>
               <a:lstStyle/>
               <a:p>
+                <a:pPr/>
                 <a14:m>
                   <m:oMathPara xmlns:m="http://schemas.openxmlformats.org/officeDocument/2006/math">
                     <m:oMathParaPr>
@@ -8726,7 +9284,7 @@
                       <m:f>
                         <m:fPr>
                           <m:ctrlPr>
-                            <a:rPr lang="uk-UA" sz="2400">
+                            <a:rPr lang="uk-UA" sz="2400" i="1">
                               <a:latin typeface="Cambria Math" panose="02040503050406030204" pitchFamily="18" charset="0"/>
                             </a:rPr>
                           </m:ctrlPr>
@@ -8816,7 +9374,7 @@
             </p:txBody>
           </p:sp>
         </mc:Choice>
-        <mc:Fallback>
+        <mc:Fallback xmlns="">
           <p:sp>
             <p:nvSpPr>
               <p:cNvPr id="3" name="Rectangle 2"/>
@@ -8855,8 +9413,8 @@
           </p:sp>
         </mc:Fallback>
       </mc:AlternateContent>
-      <mc:AlternateContent xmlns:mc="http://schemas.openxmlformats.org/markup-compatibility/2006">
-        <mc:Choice xmlns:a14="http://schemas.microsoft.com/office/drawing/2010/main" Requires="a14">
+      <mc:AlternateContent xmlns:mc="http://schemas.openxmlformats.org/markup-compatibility/2006" xmlns:a14="http://schemas.microsoft.com/office/drawing/2010/main">
+        <mc:Choice Requires="a14">
           <p:sp>
             <p:nvSpPr>
               <p:cNvPr id="6" name="Rectangle 5"/>
@@ -8878,6 +9436,7 @@
               </a:bodyPr>
               <a:lstStyle/>
               <a:p>
+                <a:pPr/>
                 <a14:m>
                   <m:oMathPara xmlns:m="http://schemas.openxmlformats.org/officeDocument/2006/math">
                     <m:oMathParaPr>
@@ -9095,7 +9654,7 @@
             </p:txBody>
           </p:sp>
         </mc:Choice>
-        <mc:Fallback>
+        <mc:Fallback xmlns="">
           <p:sp>
             <p:nvSpPr>
               <p:cNvPr id="6" name="Rectangle 5"/>
@@ -9144,13 +9703,13 @@
   <p:clrMapOvr>
     <a:masterClrMapping/>
   </p:clrMapOvr>
-  <mc:AlternateContent xmlns:mc="http://schemas.openxmlformats.org/markup-compatibility/2006">
-    <mc:Choice xmlns:p14="http://schemas.microsoft.com/office/powerpoint/2010/main" Requires="p14">
+  <mc:AlternateContent xmlns:mc="http://schemas.openxmlformats.org/markup-compatibility/2006" xmlns:p14="http://schemas.microsoft.com/office/powerpoint/2010/main">
+    <mc:Choice Requires="p14">
       <p:transition spd="med" p14:dur="700">
         <p:fade/>
       </p:transition>
     </mc:Choice>
-    <mc:Fallback>
+    <mc:Fallback xmlns="">
       <p:transition spd="med">
         <p:fade/>
       </p:transition>
@@ -9510,7 +10069,7 @@
 </p:sld>
 </file>
 
-<file path=ppt/slides/slide4.xml><?xml version="1.0" encoding="utf-8"?>
+<file path=ppt/slides/slide6.xml><?xml version="1.0" encoding="utf-8"?>
 <p:sld xmlns:a="http://schemas.openxmlformats.org/drawingml/2006/main" xmlns:r="http://schemas.openxmlformats.org/officeDocument/2006/relationships" xmlns:p="http://schemas.openxmlformats.org/presentationml/2006/main">
   <p:cSld>
     <p:spTree>
@@ -9594,13 +10153,13 @@
   <p:clrMapOvr>
     <a:masterClrMapping/>
   </p:clrMapOvr>
-  <mc:AlternateContent xmlns:mc="http://schemas.openxmlformats.org/markup-compatibility/2006">
-    <mc:Choice xmlns:p14="http://schemas.microsoft.com/office/powerpoint/2010/main" Requires="p14">
+  <mc:AlternateContent xmlns:mc="http://schemas.openxmlformats.org/markup-compatibility/2006" xmlns:p14="http://schemas.microsoft.com/office/powerpoint/2010/main">
+    <mc:Choice Requires="p14">
       <p:transition spd="med" p14:dur="700">
         <p:fade/>
       </p:transition>
     </mc:Choice>
-    <mc:Fallback>
+    <mc:Fallback xmlns="">
       <p:transition spd="med">
         <p:fade/>
       </p:transition>
@@ -9816,7 +10375,7 @@
 </p:sld>
 </file>
 
-<file path=ppt/slides/slide5.xml><?xml version="1.0" encoding="utf-8"?>
+<file path=ppt/slides/slide7.xml><?xml version="1.0" encoding="utf-8"?>
 <p:sld xmlns:a="http://schemas.openxmlformats.org/drawingml/2006/main" xmlns:r="http://schemas.openxmlformats.org/officeDocument/2006/relationships" xmlns:p="http://schemas.openxmlformats.org/presentationml/2006/main">
   <p:cSld>
     <p:spTree>
@@ -9891,20 +10450,20 @@
           <p:nvPr>
             <p:extLst>
               <p:ext uri="{D42A27DB-BD31-4B8C-83A1-F6EECF244321}">
-                <p14:modId xmlns:p14="http://schemas.microsoft.com/office/powerpoint/2010/main" val="2330371525"/>
+                <p14:modId xmlns:p14="http://schemas.microsoft.com/office/powerpoint/2010/main" val="541079710"/>
               </p:ext>
             </p:extLst>
           </p:nvPr>
         </p:nvGraphicFramePr>
         <p:xfrm>
-          <a:off x="365760" y="1208928"/>
+          <a:off x="384048" y="1188720"/>
           <a:ext cx="8083296" cy="5349240"/>
         </p:xfrm>
         <a:graphic>
           <a:graphicData uri="http://schemas.openxmlformats.org/presentationml/2006/ole">
             <mc:AlternateContent xmlns:mc="http://schemas.openxmlformats.org/markup-compatibility/2006">
               <mc:Choice xmlns:v="urn:schemas-microsoft-com:vml" Requires="v">
-                <p:oleObj spid="_x0000_s3439" name="Visio" r:id="rId4" imgW="12039600" imgH="10124985" progId="Visio.Drawing.15">
+                <p:oleObj spid="_x0000_s3723" name="Visio" r:id="rId4" imgW="12039600" imgH="10124985" progId="Visio.Drawing.15">
                   <p:embed/>
                 </p:oleObj>
               </mc:Choice>
@@ -9928,7 +10487,7 @@
                     </p:blipFill>
                     <p:spPr bwMode="auto">
                       <a:xfrm>
-                        <a:off x="365760" y="1208928"/>
+                        <a:off x="384048" y="1188720"/>
                         <a:ext cx="8083296" cy="5349240"/>
                       </a:xfrm>
                       <a:prstGeom prst="rect">
@@ -9943,8 +10502,8 @@
           </a:graphicData>
         </a:graphic>
       </p:graphicFrame>
-      <mc:AlternateContent xmlns:mc="http://schemas.openxmlformats.org/markup-compatibility/2006">
-        <mc:Choice xmlns:a14="http://schemas.microsoft.com/office/drawing/2010/main" Requires="a14">
+      <mc:AlternateContent xmlns:mc="http://schemas.openxmlformats.org/markup-compatibility/2006" xmlns:a14="http://schemas.microsoft.com/office/drawing/2010/main">
+        <mc:Choice Requires="a14">
           <p:sp>
             <p:nvSpPr>
               <p:cNvPr id="29" name="TextBox 28"/>
@@ -10007,7 +10566,7 @@
             </p:txBody>
           </p:sp>
         </mc:Choice>
-        <mc:Fallback>
+        <mc:Fallback xmlns="">
           <p:sp>
             <p:nvSpPr>
               <p:cNvPr id="29" name="TextBox 28"/>
@@ -10075,8 +10634,8 @@
           </a:p>
         </p:txBody>
       </p:sp>
-      <mc:AlternateContent xmlns:mc="http://schemas.openxmlformats.org/markup-compatibility/2006">
-        <mc:Choice xmlns:a14="http://schemas.microsoft.com/office/drawing/2010/main" Requires="a14">
+      <mc:AlternateContent xmlns:mc="http://schemas.openxmlformats.org/markup-compatibility/2006" xmlns:a14="http://schemas.microsoft.com/office/drawing/2010/main">
+        <mc:Choice Requires="a14">
           <p:sp>
             <p:nvSpPr>
               <p:cNvPr id="31" name="TextBox 30"/>
@@ -10139,7 +10698,7 @@
             </p:txBody>
           </p:sp>
         </mc:Choice>
-        <mc:Fallback>
+        <mc:Fallback xmlns="">
           <p:sp>
             <p:nvSpPr>
               <p:cNvPr id="31" name="TextBox 30"/>
@@ -10310,8 +10869,8 @@
           </p:style>
         </p:cxnSp>
       </p:grpSp>
-      <mc:AlternateContent xmlns:mc="http://schemas.openxmlformats.org/markup-compatibility/2006">
-        <mc:Choice xmlns:a14="http://schemas.microsoft.com/office/drawing/2010/main" Requires="a14">
+      <mc:AlternateContent xmlns:mc="http://schemas.openxmlformats.org/markup-compatibility/2006" xmlns:a14="http://schemas.microsoft.com/office/drawing/2010/main">
+        <mc:Choice Requires="a14">
           <p:sp>
             <p:nvSpPr>
               <p:cNvPr id="2" name="Rectangle 1"/>
@@ -10333,6 +10892,7 @@
               </a:bodyPr>
               <a:lstStyle/>
               <a:p>
+                <a:pPr/>
                 <a14:m>
                   <m:oMathPara xmlns:m="http://schemas.openxmlformats.org/officeDocument/2006/math">
                     <m:oMathParaPr>
@@ -10378,7 +10938,7 @@
             </p:txBody>
           </p:sp>
         </mc:Choice>
-        <mc:Fallback>
+        <mc:Fallback xmlns="">
           <p:sp>
             <p:nvSpPr>
               <p:cNvPr id="2" name="Rectangle 1"/>
@@ -10417,8 +10977,8 @@
           </p:sp>
         </mc:Fallback>
       </mc:AlternateContent>
-      <mc:AlternateContent xmlns:mc="http://schemas.openxmlformats.org/markup-compatibility/2006">
-        <mc:Choice xmlns:a14="http://schemas.microsoft.com/office/drawing/2010/main" Requires="a14">
+      <mc:AlternateContent xmlns:mc="http://schemas.openxmlformats.org/markup-compatibility/2006" xmlns:a14="http://schemas.microsoft.com/office/drawing/2010/main">
+        <mc:Choice Requires="a14">
           <p:sp>
             <p:nvSpPr>
               <p:cNvPr id="12" name="Rectangle 11"/>
@@ -10440,6 +11000,7 @@
               </a:bodyPr>
               <a:lstStyle/>
               <a:p>
+                <a:pPr/>
                 <a14:m>
                   <m:oMathPara xmlns:m="http://schemas.openxmlformats.org/officeDocument/2006/math">
                     <m:oMathParaPr>
@@ -10485,7 +11046,7 @@
             </p:txBody>
           </p:sp>
         </mc:Choice>
-        <mc:Fallback>
+        <mc:Fallback xmlns="">
           <p:sp>
             <p:nvSpPr>
               <p:cNvPr id="12" name="Rectangle 11"/>
@@ -10533,20 +11094,20 @@
           <p:nvPr>
             <p:extLst>
               <p:ext uri="{D42A27DB-BD31-4B8C-83A1-F6EECF244321}">
-                <p14:modId xmlns:p14="http://schemas.microsoft.com/office/powerpoint/2010/main" val="620057835"/>
+                <p14:modId xmlns:p14="http://schemas.microsoft.com/office/powerpoint/2010/main" val="3365328185"/>
               </p:ext>
             </p:extLst>
           </p:nvPr>
         </p:nvGraphicFramePr>
         <p:xfrm>
-          <a:off x="365760" y="1212525"/>
+          <a:off x="384048" y="1188720"/>
           <a:ext cx="8083296" cy="5349240"/>
         </p:xfrm>
         <a:graphic>
           <a:graphicData uri="http://schemas.openxmlformats.org/presentationml/2006/ole">
             <mc:AlternateContent xmlns:mc="http://schemas.openxmlformats.org/markup-compatibility/2006">
               <mc:Choice xmlns:v="urn:schemas-microsoft-com:vml" Requires="v">
-                <p:oleObj spid="_x0000_s3440" name="Visio" r:id="rId10" imgW="12039600" imgH="10124985" progId="Visio.Drawing.15">
+                <p:oleObj spid="_x0000_s3724" name="Visio" r:id="rId10" imgW="12039600" imgH="10124985" progId="Visio.Drawing.15">
                   <p:embed/>
                 </p:oleObj>
               </mc:Choice>
@@ -10576,7 +11137,7 @@
                     </p:blipFill>
                     <p:spPr bwMode="auto">
                       <a:xfrm>
-                        <a:off x="365760" y="1212525"/>
+                        <a:off x="384048" y="1188720"/>
                         <a:ext cx="8083296" cy="5349240"/>
                       </a:xfrm>
                       <a:prstGeom prst="rect">
@@ -10600,20 +11161,20 @@
           <p:nvPr>
             <p:extLst>
               <p:ext uri="{D42A27DB-BD31-4B8C-83A1-F6EECF244321}">
-                <p14:modId xmlns:p14="http://schemas.microsoft.com/office/powerpoint/2010/main" val="2569813681"/>
+                <p14:modId xmlns:p14="http://schemas.microsoft.com/office/powerpoint/2010/main" val="3641327965"/>
               </p:ext>
             </p:extLst>
           </p:nvPr>
         </p:nvGraphicFramePr>
         <p:xfrm>
-          <a:off x="365760" y="1208926"/>
+          <a:off x="384048" y="1188720"/>
           <a:ext cx="8083296" cy="5349240"/>
         </p:xfrm>
         <a:graphic>
           <a:graphicData uri="http://schemas.openxmlformats.org/presentationml/2006/ole">
             <mc:AlternateContent xmlns:mc="http://schemas.openxmlformats.org/markup-compatibility/2006">
               <mc:Choice xmlns:v="urn:schemas-microsoft-com:vml" Requires="v">
-                <p:oleObj spid="_x0000_s3441" name="Visio" r:id="rId12" imgW="12039600" imgH="10124985" progId="Visio.Drawing.15">
+                <p:oleObj spid="_x0000_s3725" name="Visio" r:id="rId12" imgW="12039600" imgH="10124985" progId="Visio.Drawing.15">
                   <p:embed/>
                 </p:oleObj>
               </mc:Choice>
@@ -10637,7 +11198,7 @@
                     </p:blipFill>
                     <p:spPr bwMode="auto">
                       <a:xfrm>
-                        <a:off x="365760" y="1208926"/>
+                        <a:off x="384048" y="1188720"/>
                         <a:ext cx="8083296" cy="5349240"/>
                       </a:xfrm>
                       <a:prstGeom prst="rect">
@@ -10661,20 +11222,20 @@
           <p:nvPr>
             <p:extLst>
               <p:ext uri="{D42A27DB-BD31-4B8C-83A1-F6EECF244321}">
-                <p14:modId xmlns:p14="http://schemas.microsoft.com/office/powerpoint/2010/main" val="3280996536"/>
+                <p14:modId xmlns:p14="http://schemas.microsoft.com/office/powerpoint/2010/main" val="2923387133"/>
               </p:ext>
             </p:extLst>
           </p:nvPr>
         </p:nvGraphicFramePr>
         <p:xfrm>
-          <a:off x="365760" y="1208926"/>
+          <a:off x="384048" y="1188720"/>
           <a:ext cx="8083296" cy="5349240"/>
         </p:xfrm>
         <a:graphic>
           <a:graphicData uri="http://schemas.openxmlformats.org/presentationml/2006/ole">
             <mc:AlternateContent xmlns:mc="http://schemas.openxmlformats.org/markup-compatibility/2006">
               <mc:Choice xmlns:v="urn:schemas-microsoft-com:vml" Requires="v">
-                <p:oleObj spid="_x0000_s3442" name="Visio" r:id="rId14" imgW="12039600" imgH="10124985" progId="Visio.Drawing.15">
+                <p:oleObj spid="_x0000_s3726" name="Visio" r:id="rId14" imgW="12039600" imgH="10124985" progId="Visio.Drawing.15">
                   <p:embed/>
                 </p:oleObj>
               </mc:Choice>
@@ -10698,7 +11259,7 @@
                     </p:blipFill>
                     <p:spPr bwMode="auto">
                       <a:xfrm>
-                        <a:off x="365760" y="1208926"/>
+                        <a:off x="384048" y="1188720"/>
                         <a:ext cx="8083296" cy="5349240"/>
                       </a:xfrm>
                       <a:prstGeom prst="rect">
@@ -11019,7 +11580,7 @@
 </p:sld>
 </file>
 
-<file path=ppt/slides/slide6.xml><?xml version="1.0" encoding="utf-8"?>
+<file path=ppt/slides/slide8.xml><?xml version="1.0" encoding="utf-8"?>
 <p:sld xmlns:a="http://schemas.openxmlformats.org/drawingml/2006/main" xmlns:r="http://schemas.openxmlformats.org/officeDocument/2006/relationships" xmlns:p="http://schemas.openxmlformats.org/presentationml/2006/main">
   <p:cSld>
     <p:spTree>
@@ -11046,7 +11607,7 @@
         </p:nvSpPr>
         <p:spPr>
           <a:xfrm>
-            <a:off x="838200" y="0"/>
+            <a:off x="857250" y="-19050"/>
             <a:ext cx="10515600" cy="1005711"/>
           </a:xfrm>
           <a:prstGeom prst="rect">
@@ -11079,8 +11640,20 @@
           <a:p>
             <a:pPr algn="ctr"/>
             <a:r>
-              <a:rPr lang="ru-RU" dirty="0"/>
+              <a:rPr lang="ru-RU" dirty="0" smtClean="0"/>
               <a:t>Мода</a:t>
+            </a:r>
+            <a:r>
+              <a:rPr lang="en-US" dirty="0" smtClean="0"/>
+              <a:t> </a:t>
+            </a:r>
+            <a:r>
+              <a:rPr lang="uk-UA" dirty="0" smtClean="0"/>
+              <a:t>і м</a:t>
+            </a:r>
+            <a:r>
+              <a:rPr lang="uk-UA" dirty="0" smtClean="0"/>
+              <a:t>едіана</a:t>
             </a:r>
             <a:endParaRPr lang="uk-UA" dirty="0"/>
           </a:p>
@@ -11095,20 +11668,20 @@
           <p:nvPr>
             <p:extLst>
               <p:ext uri="{D42A27DB-BD31-4B8C-83A1-F6EECF244321}">
-                <p14:modId xmlns:p14="http://schemas.microsoft.com/office/powerpoint/2010/main" val="3594999234"/>
+                <p14:modId xmlns:p14="http://schemas.microsoft.com/office/powerpoint/2010/main" val="913470533"/>
               </p:ext>
             </p:extLst>
           </p:nvPr>
         </p:nvGraphicFramePr>
         <p:xfrm>
-          <a:off x="365760" y="1207008"/>
+          <a:off x="384810" y="1187958"/>
           <a:ext cx="8080375" cy="5353050"/>
         </p:xfrm>
         <a:graphic>
           <a:graphicData uri="http://schemas.openxmlformats.org/presentationml/2006/ole">
             <mc:AlternateContent xmlns:mc="http://schemas.openxmlformats.org/markup-compatibility/2006">
               <mc:Choice xmlns:v="urn:schemas-microsoft-com:vml" Requires="v">
-                <p:oleObj spid="_x0000_s4253" name="Visio" r:id="rId4" imgW="12039600" imgH="10124985" progId="Visio.Drawing.15">
+                <p:oleObj spid="_x0000_s4326" name="Visio" r:id="rId4" imgW="12039600" imgH="10124985" progId="Visio.Drawing.15">
                   <p:embed/>
                 </p:oleObj>
               </mc:Choice>
@@ -11138,7 +11711,7 @@
                     </p:blipFill>
                     <p:spPr bwMode="auto">
                       <a:xfrm>
-                        <a:off x="365760" y="1207008"/>
+                        <a:off x="384810" y="1187958"/>
                         <a:ext cx="8080375" cy="5353050"/>
                       </a:xfrm>
                       <a:prstGeom prst="rect">
@@ -11161,7 +11734,7 @@
         </p:nvGrpSpPr>
         <p:grpSpPr>
           <a:xfrm>
-            <a:off x="8975218" y="1819551"/>
+            <a:off x="8994268" y="1800501"/>
             <a:ext cx="1216505" cy="1471560"/>
             <a:chOff x="8975218" y="1819551"/>
             <a:chExt cx="1216505" cy="1471560"/>
@@ -11468,7 +12041,7 @@
         </p:nvGrpSpPr>
         <p:grpSpPr>
           <a:xfrm>
-            <a:off x="7505700" y="3287893"/>
+            <a:off x="7524750" y="3268843"/>
             <a:ext cx="4190306" cy="610701"/>
             <a:chOff x="9177534" y="1495079"/>
             <a:chExt cx="914400" cy="610701"/>
@@ -11552,7 +12125,7 @@
         </p:nvGrpSpPr>
         <p:grpSpPr>
           <a:xfrm>
-            <a:off x="8634945" y="3898594"/>
+            <a:off x="8653995" y="3879544"/>
             <a:ext cx="1897044" cy="610701"/>
             <a:chOff x="9177534" y="1495079"/>
             <a:chExt cx="914400" cy="610701"/>
@@ -11636,7 +12209,7 @@
         </p:nvGrpSpPr>
         <p:grpSpPr>
           <a:xfrm>
-            <a:off x="7585475" y="4153636"/>
+            <a:off x="7604525" y="4134586"/>
             <a:ext cx="541188" cy="325040"/>
             <a:chOff x="9333532" y="1369115"/>
             <a:chExt cx="602409" cy="750618"/>
@@ -11720,7 +12293,7 @@
         </p:nvSpPr>
         <p:spPr>
           <a:xfrm>
-            <a:off x="7641917" y="4478673"/>
+            <a:off x="7660967" y="4459623"/>
             <a:ext cx="428322" cy="230832"/>
           </a:xfrm>
           <a:prstGeom prst="rect">
@@ -11753,7 +12326,7 @@
         </p:nvGrpSpPr>
         <p:grpSpPr>
           <a:xfrm>
-            <a:off x="11043288" y="4161043"/>
+            <a:off x="11062338" y="4141993"/>
             <a:ext cx="541186" cy="325041"/>
             <a:chOff x="9333530" y="1369113"/>
             <a:chExt cx="602406" cy="750620"/>
@@ -11837,7 +12410,7 @@
         </p:nvSpPr>
         <p:spPr>
           <a:xfrm>
-            <a:off x="11099721" y="4486080"/>
+            <a:off x="11118771" y="4467030"/>
             <a:ext cx="428322" cy="230832"/>
           </a:xfrm>
           <a:prstGeom prst="rect">
@@ -11870,7 +12443,7 @@
         </p:nvGrpSpPr>
         <p:grpSpPr>
           <a:xfrm>
-            <a:off x="8634945" y="4506527"/>
+            <a:off x="8653995" y="4487477"/>
             <a:ext cx="1895438" cy="1440987"/>
             <a:chOff x="8634945" y="4506527"/>
             <a:chExt cx="1895438" cy="1440987"/>
@@ -12110,6 +12683,126 @@
           </p:txBody>
         </p:sp>
       </p:grpSp>
+      <p:pic>
+        <p:nvPicPr>
+          <p:cNvPr id="133" name="Picture 132"/>
+          <p:cNvPicPr>
+            <a:picLocks noChangeAspect="1"/>
+          </p:cNvPicPr>
+          <p:nvPr/>
+        </p:nvPicPr>
+        <p:blipFill>
+          <a:blip r:embed="rId7">
+            <a:extLst>
+              <a:ext uri="{28A0092B-C50C-407E-A947-70E740481C1C}">
+                <a14:useLocalDpi xmlns:a14="http://schemas.microsoft.com/office/drawing/2010/main" val="0"/>
+              </a:ext>
+            </a:extLst>
+          </a:blip>
+          <a:stretch>
+            <a:fillRect/>
+          </a:stretch>
+        </p:blipFill>
+        <p:spPr>
+          <a:xfrm>
+            <a:off x="0" y="0"/>
+            <a:ext cx="12192000" cy="6858000"/>
+          </a:xfrm>
+          <a:prstGeom prst="rect">
+            <a:avLst/>
+          </a:prstGeom>
+        </p:spPr>
+      </p:pic>
+      <p:pic>
+        <p:nvPicPr>
+          <p:cNvPr id="134" name="Picture 133"/>
+          <p:cNvPicPr>
+            <a:picLocks noChangeAspect="1"/>
+          </p:cNvPicPr>
+          <p:nvPr/>
+        </p:nvPicPr>
+        <p:blipFill>
+          <a:blip r:embed="rId8">
+            <a:extLst>
+              <a:ext uri="{28A0092B-C50C-407E-A947-70E740481C1C}">
+                <a14:useLocalDpi xmlns:a14="http://schemas.microsoft.com/office/drawing/2010/main" val="0"/>
+              </a:ext>
+            </a:extLst>
+          </a:blip>
+          <a:stretch>
+            <a:fillRect/>
+          </a:stretch>
+        </p:blipFill>
+        <p:spPr>
+          <a:xfrm>
+            <a:off x="0" y="0"/>
+            <a:ext cx="12192000" cy="6858000"/>
+          </a:xfrm>
+          <a:prstGeom prst="rect">
+            <a:avLst/>
+          </a:prstGeom>
+        </p:spPr>
+      </p:pic>
+      <p:pic>
+        <p:nvPicPr>
+          <p:cNvPr id="135" name="Picture 134"/>
+          <p:cNvPicPr>
+            <a:picLocks noChangeAspect="1"/>
+          </p:cNvPicPr>
+          <p:nvPr/>
+        </p:nvPicPr>
+        <p:blipFill>
+          <a:blip r:embed="rId9">
+            <a:extLst>
+              <a:ext uri="{28A0092B-C50C-407E-A947-70E740481C1C}">
+                <a14:useLocalDpi xmlns:a14="http://schemas.microsoft.com/office/drawing/2010/main" val="0"/>
+              </a:ext>
+            </a:extLst>
+          </a:blip>
+          <a:stretch>
+            <a:fillRect/>
+          </a:stretch>
+        </p:blipFill>
+        <p:spPr>
+          <a:xfrm>
+            <a:off x="0" y="0"/>
+            <a:ext cx="12192000" cy="6858000"/>
+          </a:xfrm>
+          <a:prstGeom prst="rect">
+            <a:avLst/>
+          </a:prstGeom>
+        </p:spPr>
+      </p:pic>
+      <p:pic>
+        <p:nvPicPr>
+          <p:cNvPr id="2" name="Picture 1"/>
+          <p:cNvPicPr>
+            <a:picLocks noChangeAspect="1"/>
+          </p:cNvPicPr>
+          <p:nvPr/>
+        </p:nvPicPr>
+        <p:blipFill>
+          <a:blip r:embed="rId10">
+            <a:extLst>
+              <a:ext uri="{28A0092B-C50C-407E-A947-70E740481C1C}">
+                <a14:useLocalDpi xmlns:a14="http://schemas.microsoft.com/office/drawing/2010/main" val="0"/>
+              </a:ext>
+            </a:extLst>
+          </a:blip>
+          <a:stretch>
+            <a:fillRect/>
+          </a:stretch>
+        </p:blipFill>
+        <p:spPr>
+          <a:xfrm>
+            <a:off x="0" y="-36576"/>
+            <a:ext cx="12192000" cy="6858000"/>
+          </a:xfrm>
+          <a:prstGeom prst="rect">
+            <a:avLst/>
+          </a:prstGeom>
+        </p:spPr>
+      </p:pic>
     </p:spTree>
     <p:extLst>
       <p:ext uri="{BB962C8B-B14F-4D97-AF65-F5344CB8AC3E}">
@@ -12289,24 +12982,15 @@
                                   </p:childTnLst>
                                 </p:cTn>
                               </p:par>
-                            </p:childTnLst>
-                          </p:cTn>
-                        </p:par>
-                        <p:par>
-                          <p:cTn id="15" fill="hold">
-                            <p:stCondLst>
-                              <p:cond delay="500"/>
-                            </p:stCondLst>
-                            <p:childTnLst>
                               <p:par>
-                                <p:cTn id="16" presetID="10" presetClass="entr" presetSubtype="0" fill="hold" nodeType="afterEffect">
+                                <p:cTn id="15" presetID="10" presetClass="entr" presetSubtype="0" fill="hold" nodeType="withEffect">
                                   <p:stCondLst>
                                     <p:cond delay="0"/>
                                   </p:stCondLst>
                                   <p:childTnLst>
                                     <p:set>
                                       <p:cBhvr>
-                                        <p:cTn id="17" dur="1" fill="hold">
+                                        <p:cTn id="16" dur="1" fill="hold">
                                           <p:stCondLst>
                                             <p:cond delay="0"/>
                                           </p:stCondLst>
@@ -12324,7 +13008,7 @@
                                     </p:set>
                                     <p:animEffect transition="in" filter="fade">
                                       <p:cBhvr>
-                                        <p:cTn id="18" dur="500"/>
+                                        <p:cTn id="17" dur="500"/>
                                         <p:tgtEl>
                                           <p:spTgt spid="45"/>
                                         </p:tgtEl>
@@ -12340,26 +13024,26 @@
                     </p:cTn>
                   </p:par>
                   <p:par>
-                    <p:cTn id="19" fill="hold">
+                    <p:cTn id="18" fill="hold">
                       <p:stCondLst>
                         <p:cond delay="indefinite"/>
                       </p:stCondLst>
                       <p:childTnLst>
                         <p:par>
-                          <p:cTn id="20" fill="hold">
+                          <p:cTn id="19" fill="hold">
                             <p:stCondLst>
                               <p:cond delay="0"/>
                             </p:stCondLst>
                             <p:childTnLst>
                               <p:par>
-                                <p:cTn id="21" presetID="10" presetClass="entr" presetSubtype="0" fill="hold" nodeType="clickEffect">
+                                <p:cTn id="20" presetID="10" presetClass="entr" presetSubtype="0" fill="hold" nodeType="clickEffect">
                                   <p:stCondLst>
                                     <p:cond delay="0"/>
                                   </p:stCondLst>
                                   <p:childTnLst>
                                     <p:set>
                                       <p:cBhvr>
-                                        <p:cTn id="22" dur="1" fill="hold">
+                                        <p:cTn id="21" dur="1" fill="hold">
                                           <p:stCondLst>
                                             <p:cond delay="0"/>
                                           </p:stCondLst>
@@ -12377,7 +13061,7 @@
                                     </p:set>
                                     <p:animEffect transition="in" filter="fade">
                                       <p:cBhvr>
-                                        <p:cTn id="23" dur="500"/>
+                                        <p:cTn id="22" dur="500"/>
                                         <p:tgtEl>
                                           <p:spTgt spid="123"/>
                                         </p:tgtEl>
@@ -12387,14 +13071,14 @@
                                 </p:cTn>
                               </p:par>
                               <p:par>
-                                <p:cTn id="24" presetID="10" presetClass="entr" presetSubtype="0" fill="hold" nodeType="withEffect">
+                                <p:cTn id="23" presetID="10" presetClass="entr" presetSubtype="0" fill="hold" nodeType="withEffect">
                                   <p:stCondLst>
                                     <p:cond delay="0"/>
                                   </p:stCondLst>
                                   <p:childTnLst>
                                     <p:set>
                                       <p:cBhvr>
-                                        <p:cTn id="25" dur="1" fill="hold">
+                                        <p:cTn id="24" dur="1" fill="hold">
                                           <p:stCondLst>
                                             <p:cond delay="0"/>
                                           </p:stCondLst>
@@ -12412,7 +13096,7 @@
                                     </p:set>
                                     <p:animEffect transition="in" filter="fade">
                                       <p:cBhvr>
-                                        <p:cTn id="26" dur="500"/>
+                                        <p:cTn id="25" dur="500"/>
                                         <p:tgtEl>
                                           <p:spTgt spid="55"/>
                                         </p:tgtEl>
@@ -12422,14 +13106,14 @@
                                 </p:cTn>
                               </p:par>
                               <p:par>
-                                <p:cTn id="27" presetID="10" presetClass="entr" presetSubtype="0" fill="hold" nodeType="withEffect">
+                                <p:cTn id="26" presetID="10" presetClass="entr" presetSubtype="0" fill="hold" nodeType="withEffect">
                                   <p:stCondLst>
                                     <p:cond delay="0"/>
                                   </p:stCondLst>
                                   <p:childTnLst>
                                     <p:set>
                                       <p:cBhvr>
-                                        <p:cTn id="28" dur="1" fill="hold">
+                                        <p:cTn id="27" dur="1" fill="hold">
                                           <p:stCondLst>
                                             <p:cond delay="0"/>
                                           </p:stCondLst>
@@ -12447,7 +13131,7 @@
                                     </p:set>
                                     <p:animEffect transition="in" filter="fade">
                                       <p:cBhvr>
-                                        <p:cTn id="29" dur="500"/>
+                                        <p:cTn id="28" dur="500"/>
                                         <p:tgtEl>
                                           <p:spTgt spid="115"/>
                                         </p:tgtEl>
@@ -12463,26 +13147,26 @@
                     </p:cTn>
                   </p:par>
                   <p:par>
-                    <p:cTn id="30" fill="hold">
+                    <p:cTn id="29" fill="hold">
                       <p:stCondLst>
                         <p:cond delay="indefinite"/>
                       </p:stCondLst>
                       <p:childTnLst>
                         <p:par>
-                          <p:cTn id="31" fill="hold">
+                          <p:cTn id="30" fill="hold">
                             <p:stCondLst>
                               <p:cond delay="0"/>
                             </p:stCondLst>
                             <p:childTnLst>
                               <p:par>
-                                <p:cTn id="32" presetID="10" presetClass="entr" presetSubtype="0" fill="hold" nodeType="clickEffect">
+                                <p:cTn id="31" presetID="10" presetClass="entr" presetSubtype="0" fill="hold" nodeType="clickEffect">
                                   <p:stCondLst>
                                     <p:cond delay="0"/>
                                   </p:stCondLst>
                                   <p:childTnLst>
                                     <p:set>
                                       <p:cBhvr>
-                                        <p:cTn id="33" dur="1" fill="hold">
+                                        <p:cTn id="32" dur="1" fill="hold">
                                           <p:stCondLst>
                                             <p:cond delay="0"/>
                                           </p:stCondLst>
@@ -12500,7 +13184,7 @@
                                     </p:set>
                                     <p:animEffect transition="in" filter="fade">
                                       <p:cBhvr>
-                                        <p:cTn id="34" dur="500"/>
+                                        <p:cTn id="33" dur="500"/>
                                         <p:tgtEl>
                                           <p:spTgt spid="132"/>
                                         </p:tgtEl>
@@ -12510,14 +13194,14 @@
                                 </p:cTn>
                               </p:par>
                               <p:par>
-                                <p:cTn id="35" presetID="10" presetClass="entr" presetSubtype="0" fill="hold" grpId="0" nodeType="withEffect">
+                                <p:cTn id="34" presetID="10" presetClass="entr" presetSubtype="0" fill="hold" grpId="0" nodeType="withEffect">
                                   <p:stCondLst>
                                     <p:cond delay="0"/>
                                   </p:stCondLst>
                                   <p:childTnLst>
                                     <p:set>
                                       <p:cBhvr>
-                                        <p:cTn id="36" dur="1" fill="hold">
+                                        <p:cTn id="35" dur="1" fill="hold">
                                           <p:stCondLst>
                                             <p:cond delay="0"/>
                                           </p:stCondLst>
@@ -12535,7 +13219,7 @@
                                     </p:set>
                                     <p:animEffect transition="in" filter="fade">
                                       <p:cBhvr>
-                                        <p:cTn id="37" dur="500"/>
+                                        <p:cTn id="36" dur="500"/>
                                         <p:tgtEl>
                                           <p:spTgt spid="124"/>
                                         </p:tgtEl>
@@ -12545,14 +13229,14 @@
                                 </p:cTn>
                               </p:par>
                               <p:par>
-                                <p:cTn id="38" presetID="10" presetClass="entr" presetSubtype="0" fill="hold" grpId="0" nodeType="withEffect">
+                                <p:cTn id="37" presetID="10" presetClass="entr" presetSubtype="0" fill="hold" grpId="0" nodeType="withEffect">
                                   <p:stCondLst>
                                     <p:cond delay="0"/>
                                   </p:stCondLst>
                                   <p:childTnLst>
                                     <p:set>
                                       <p:cBhvr>
-                                        <p:cTn id="39" dur="1" fill="hold">
+                                        <p:cTn id="38" dur="1" fill="hold">
                                           <p:stCondLst>
                                             <p:cond delay="0"/>
                                           </p:stCondLst>
@@ -12570,9 +13254,317 @@
                                     </p:set>
                                     <p:animEffect transition="in" filter="fade">
                                       <p:cBhvr>
-                                        <p:cTn id="40" dur="500"/>
+                                        <p:cTn id="39" dur="500"/>
                                         <p:tgtEl>
                                           <p:spTgt spid="119"/>
+                                        </p:tgtEl>
+                                      </p:cBhvr>
+                                    </p:animEffect>
+                                  </p:childTnLst>
+                                </p:cTn>
+                              </p:par>
+                            </p:childTnLst>
+                          </p:cTn>
+                        </p:par>
+                      </p:childTnLst>
+                    </p:cTn>
+                  </p:par>
+                  <p:par>
+                    <p:cTn id="40" fill="hold">
+                      <p:stCondLst>
+                        <p:cond delay="indefinite"/>
+                      </p:stCondLst>
+                      <p:childTnLst>
+                        <p:par>
+                          <p:cTn id="41" fill="hold">
+                            <p:stCondLst>
+                              <p:cond delay="0"/>
+                            </p:stCondLst>
+                            <p:childTnLst>
+                              <p:par>
+                                <p:cTn id="42" presetID="10" presetClass="entr" presetSubtype="0" fill="hold" nodeType="clickEffect">
+                                  <p:stCondLst>
+                                    <p:cond delay="0"/>
+                                  </p:stCondLst>
+                                  <p:childTnLst>
+                                    <p:set>
+                                      <p:cBhvr>
+                                        <p:cTn id="43" dur="1" fill="hold">
+                                          <p:stCondLst>
+                                            <p:cond delay="0"/>
+                                          </p:stCondLst>
+                                        </p:cTn>
+                                        <p:tgtEl>
+                                          <p:spTgt spid="133"/>
+                                        </p:tgtEl>
+                                        <p:attrNameLst>
+                                          <p:attrName>style.visibility</p:attrName>
+                                        </p:attrNameLst>
+                                      </p:cBhvr>
+                                      <p:to>
+                                        <p:strVal val="visible"/>
+                                      </p:to>
+                                    </p:set>
+                                    <p:animEffect transition="in" filter="fade">
+                                      <p:cBhvr>
+                                        <p:cTn id="44" dur="1250"/>
+                                        <p:tgtEl>
+                                          <p:spTgt spid="133"/>
+                                        </p:tgtEl>
+                                      </p:cBhvr>
+                                    </p:animEffect>
+                                  </p:childTnLst>
+                                </p:cTn>
+                              </p:par>
+                            </p:childTnLst>
+                          </p:cTn>
+                        </p:par>
+                        <p:par>
+                          <p:cTn id="45" fill="hold">
+                            <p:stCondLst>
+                              <p:cond delay="1250"/>
+                            </p:stCondLst>
+                            <p:childTnLst>
+                              <p:par>
+                                <p:cTn id="46" presetID="10" presetClass="exit" presetSubtype="0" fill="hold" nodeType="afterEffect">
+                                  <p:stCondLst>
+                                    <p:cond delay="1250"/>
+                                  </p:stCondLst>
+                                  <p:childTnLst>
+                                    <p:animEffect transition="out" filter="fade">
+                                      <p:cBhvr>
+                                        <p:cTn id="47" dur="1000"/>
+                                        <p:tgtEl>
+                                          <p:spTgt spid="133"/>
+                                        </p:tgtEl>
+                                      </p:cBhvr>
+                                    </p:animEffect>
+                                    <p:set>
+                                      <p:cBhvr>
+                                        <p:cTn id="48" dur="1" fill="hold">
+                                          <p:stCondLst>
+                                            <p:cond delay="999"/>
+                                          </p:stCondLst>
+                                        </p:cTn>
+                                        <p:tgtEl>
+                                          <p:spTgt spid="133"/>
+                                        </p:tgtEl>
+                                        <p:attrNameLst>
+                                          <p:attrName>style.visibility</p:attrName>
+                                        </p:attrNameLst>
+                                      </p:cBhvr>
+                                      <p:to>
+                                        <p:strVal val="hidden"/>
+                                      </p:to>
+                                    </p:set>
+                                  </p:childTnLst>
+                                </p:cTn>
+                              </p:par>
+                              <p:par>
+                                <p:cTn id="49" presetID="10" presetClass="entr" presetSubtype="0" fill="hold" nodeType="withEffect">
+                                  <p:stCondLst>
+                                    <p:cond delay="1250"/>
+                                  </p:stCondLst>
+                                  <p:childTnLst>
+                                    <p:set>
+                                      <p:cBhvr>
+                                        <p:cTn id="50" dur="1" fill="hold">
+                                          <p:stCondLst>
+                                            <p:cond delay="0"/>
+                                          </p:stCondLst>
+                                        </p:cTn>
+                                        <p:tgtEl>
+                                          <p:spTgt spid="134"/>
+                                        </p:tgtEl>
+                                        <p:attrNameLst>
+                                          <p:attrName>style.visibility</p:attrName>
+                                        </p:attrNameLst>
+                                      </p:cBhvr>
+                                      <p:to>
+                                        <p:strVal val="visible"/>
+                                      </p:to>
+                                    </p:set>
+                                    <p:animEffect transition="in" filter="fade">
+                                      <p:cBhvr>
+                                        <p:cTn id="51" dur="1000"/>
+                                        <p:tgtEl>
+                                          <p:spTgt spid="134"/>
+                                        </p:tgtEl>
+                                      </p:cBhvr>
+                                    </p:animEffect>
+                                  </p:childTnLst>
+                                </p:cTn>
+                              </p:par>
+                            </p:childTnLst>
+                          </p:cTn>
+                        </p:par>
+                        <p:par>
+                          <p:cTn id="52" fill="hold">
+                            <p:stCondLst>
+                              <p:cond delay="3500"/>
+                            </p:stCondLst>
+                            <p:childTnLst>
+                              <p:par>
+                                <p:cTn id="53" presetID="10" presetClass="exit" presetSubtype="0" fill="hold" nodeType="afterEffect">
+                                  <p:stCondLst>
+                                    <p:cond delay="1250"/>
+                                  </p:stCondLst>
+                                  <p:childTnLst>
+                                    <p:animEffect transition="out" filter="fade">
+                                      <p:cBhvr>
+                                        <p:cTn id="54" dur="1000"/>
+                                        <p:tgtEl>
+                                          <p:spTgt spid="134"/>
+                                        </p:tgtEl>
+                                      </p:cBhvr>
+                                    </p:animEffect>
+                                    <p:set>
+                                      <p:cBhvr>
+                                        <p:cTn id="55" dur="1" fill="hold">
+                                          <p:stCondLst>
+                                            <p:cond delay="999"/>
+                                          </p:stCondLst>
+                                        </p:cTn>
+                                        <p:tgtEl>
+                                          <p:spTgt spid="134"/>
+                                        </p:tgtEl>
+                                        <p:attrNameLst>
+                                          <p:attrName>style.visibility</p:attrName>
+                                        </p:attrNameLst>
+                                      </p:cBhvr>
+                                      <p:to>
+                                        <p:strVal val="hidden"/>
+                                      </p:to>
+                                    </p:set>
+                                  </p:childTnLst>
+                                </p:cTn>
+                              </p:par>
+                              <p:par>
+                                <p:cTn id="56" presetID="10" presetClass="entr" presetSubtype="0" fill="hold" nodeType="withEffect">
+                                  <p:stCondLst>
+                                    <p:cond delay="1250"/>
+                                  </p:stCondLst>
+                                  <p:childTnLst>
+                                    <p:set>
+                                      <p:cBhvr>
+                                        <p:cTn id="57" dur="1" fill="hold">
+                                          <p:stCondLst>
+                                            <p:cond delay="0"/>
+                                          </p:stCondLst>
+                                        </p:cTn>
+                                        <p:tgtEl>
+                                          <p:spTgt spid="135"/>
+                                        </p:tgtEl>
+                                        <p:attrNameLst>
+                                          <p:attrName>style.visibility</p:attrName>
+                                        </p:attrNameLst>
+                                      </p:cBhvr>
+                                      <p:to>
+                                        <p:strVal val="visible"/>
+                                      </p:to>
+                                    </p:set>
+                                    <p:animEffect transition="in" filter="fade">
+                                      <p:cBhvr>
+                                        <p:cTn id="58" dur="1000"/>
+                                        <p:tgtEl>
+                                          <p:spTgt spid="135"/>
+                                        </p:tgtEl>
+                                      </p:cBhvr>
+                                    </p:animEffect>
+                                  </p:childTnLst>
+                                </p:cTn>
+                              </p:par>
+                            </p:childTnLst>
+                          </p:cTn>
+                        </p:par>
+                        <p:par>
+                          <p:cTn id="59" fill="hold">
+                            <p:stCondLst>
+                              <p:cond delay="5750"/>
+                            </p:stCondLst>
+                            <p:childTnLst>
+                              <p:par>
+                                <p:cTn id="60" presetID="10" presetClass="exit" presetSubtype="0" fill="hold" nodeType="afterEffect">
+                                  <p:stCondLst>
+                                    <p:cond delay="1250"/>
+                                  </p:stCondLst>
+                                  <p:childTnLst>
+                                    <p:animEffect transition="out" filter="fade">
+                                      <p:cBhvr>
+                                        <p:cTn id="61" dur="1000"/>
+                                        <p:tgtEl>
+                                          <p:spTgt spid="135"/>
+                                        </p:tgtEl>
+                                      </p:cBhvr>
+                                    </p:animEffect>
+                                    <p:set>
+                                      <p:cBhvr>
+                                        <p:cTn id="62" dur="1" fill="hold">
+                                          <p:stCondLst>
+                                            <p:cond delay="999"/>
+                                          </p:stCondLst>
+                                        </p:cTn>
+                                        <p:tgtEl>
+                                          <p:spTgt spid="135"/>
+                                        </p:tgtEl>
+                                        <p:attrNameLst>
+                                          <p:attrName>style.visibility</p:attrName>
+                                        </p:attrNameLst>
+                                      </p:cBhvr>
+                                      <p:to>
+                                        <p:strVal val="hidden"/>
+                                      </p:to>
+                                    </p:set>
+                                  </p:childTnLst>
+                                </p:cTn>
+                              </p:par>
+                            </p:childTnLst>
+                          </p:cTn>
+                        </p:par>
+                      </p:childTnLst>
+                    </p:cTn>
+                  </p:par>
+                  <p:par>
+                    <p:cTn id="63" fill="hold">
+                      <p:stCondLst>
+                        <p:cond delay="indefinite"/>
+                      </p:stCondLst>
+                      <p:childTnLst>
+                        <p:par>
+                          <p:cTn id="64" fill="hold">
+                            <p:stCondLst>
+                              <p:cond delay="0"/>
+                            </p:stCondLst>
+                            <p:childTnLst>
+                              <p:par>
+                                <p:cTn id="65" presetID="10" presetClass="entr" presetSubtype="0" fill="hold" nodeType="clickEffect">
+                                  <p:stCondLst>
+                                    <p:cond delay="0"/>
+                                  </p:stCondLst>
+                                  <p:childTnLst>
+                                    <p:set>
+                                      <p:cBhvr>
+                                        <p:cTn id="66" dur="1" fill="hold">
+                                          <p:stCondLst>
+                                            <p:cond delay="0"/>
+                                          </p:stCondLst>
+                                        </p:cTn>
+                                        <p:tgtEl>
+                                          <p:spTgt spid="2"/>
+                                        </p:tgtEl>
+                                        <p:attrNameLst>
+                                          <p:attrName>style.visibility</p:attrName>
+                                        </p:attrNameLst>
+                                      </p:cBhvr>
+                                      <p:to>
+                                        <p:strVal val="visible"/>
+                                      </p:to>
+                                    </p:set>
+                                    <p:animEffect transition="in" filter="fade">
+                                      <p:cBhvr>
+                                        <p:cTn id="67" dur="1000"/>
+                                        <p:tgtEl>
+                                          <p:spTgt spid="2"/>
                                         </p:tgtEl>
                                       </p:cBhvr>
                                     </p:animEffect>
@@ -12615,300 +13607,7 @@
 </p:sld>
 </file>
 
-<file path=ppt/slides/slide7.xml><?xml version="1.0" encoding="utf-8"?>
-<p:sld xmlns:a="http://schemas.openxmlformats.org/drawingml/2006/main" xmlns:r="http://schemas.openxmlformats.org/officeDocument/2006/relationships" xmlns:p="http://schemas.openxmlformats.org/presentationml/2006/main">
-  <p:cSld>
-    <p:spTree>
-      <p:nvGrpSpPr>
-        <p:cNvPr id="1" name=""/>
-        <p:cNvGrpSpPr/>
-        <p:nvPr/>
-      </p:nvGrpSpPr>
-      <p:grpSpPr>
-        <a:xfrm>
-          <a:off x="0" y="0"/>
-          <a:ext cx="0" cy="0"/>
-          <a:chOff x="0" y="0"/>
-          <a:chExt cx="0" cy="0"/>
-        </a:xfrm>
-      </p:grpSpPr>
-      <p:sp>
-        <p:nvSpPr>
-          <p:cNvPr id="19" name="Title 12"/>
-          <p:cNvSpPr txBox="1">
-            <a:spLocks/>
-          </p:cNvSpPr>
-          <p:nvPr/>
-        </p:nvSpPr>
-        <p:spPr>
-          <a:xfrm>
-            <a:off x="838202" y="0"/>
-            <a:ext cx="10515600" cy="1005711"/>
-          </a:xfrm>
-          <a:prstGeom prst="rect">
-            <a:avLst/>
-          </a:prstGeom>
-        </p:spPr>
-        <p:txBody>
-          <a:bodyPr vert="horz" lIns="91440" tIns="45720" rIns="91440" bIns="45720" rtlCol="0" anchor="ctr">
-            <a:normAutofit/>
-          </a:bodyPr>
-          <a:lstStyle>
-            <a:lvl1pPr algn="l" defTabSz="914400" rtl="0" eaLnBrk="1" latinLnBrk="0" hangingPunct="1">
-              <a:lnSpc>
-                <a:spcPct val="90000"/>
-              </a:lnSpc>
-              <a:spcBef>
-                <a:spcPct val="0"/>
-              </a:spcBef>
-              <a:buNone/>
-              <a:defRPr sz="4400" kern="1200">
-                <a:solidFill>
-                  <a:schemeClr val="tx1"/>
-                </a:solidFill>
-                <a:latin typeface="+mj-lt"/>
-                <a:ea typeface="+mj-ea"/>
-                <a:cs typeface="+mj-cs"/>
-              </a:defRPr>
-            </a:lvl1pPr>
-          </a:lstStyle>
-          <a:p>
-            <a:pPr algn="ctr"/>
-            <a:r>
-              <a:rPr lang="uk-UA" dirty="0"/>
-              <a:t>Медіана</a:t>
-            </a:r>
-          </a:p>
-        </p:txBody>
-      </p:sp>
-      <p:graphicFrame>
-        <p:nvGraphicFramePr>
-          <p:cNvPr id="24" name="Object 23"/>
-          <p:cNvGraphicFramePr>
-            <a:graphicFrameLocks noChangeAspect="1"/>
-          </p:cNvGraphicFramePr>
-          <p:nvPr>
-            <p:extLst>
-              <p:ext uri="{D42A27DB-BD31-4B8C-83A1-F6EECF244321}">
-                <p14:modId xmlns:p14="http://schemas.microsoft.com/office/powerpoint/2010/main" val="2106694571"/>
-              </p:ext>
-            </p:extLst>
-          </p:nvPr>
-        </p:nvGraphicFramePr>
-        <p:xfrm>
-          <a:off x="2055842" y="1504477"/>
-          <a:ext cx="8080315" cy="5353523"/>
-        </p:xfrm>
-        <a:graphic>
-          <a:graphicData uri="http://schemas.openxmlformats.org/presentationml/2006/ole">
-            <mc:AlternateContent xmlns:mc="http://schemas.openxmlformats.org/markup-compatibility/2006">
-              <mc:Choice xmlns:v="urn:schemas-microsoft-com:vml" Requires="v">
-                <p:oleObj spid="_x0000_s5277" name="Visio" r:id="rId4" imgW="12039600" imgH="10124985" progId="Visio.Drawing.15">
-                  <p:embed/>
-                </p:oleObj>
-              </mc:Choice>
-              <mc:Fallback>
-                <p:oleObj name="Visio" r:id="rId4" imgW="12039600" imgH="10124985" progId="Visio.Drawing.15">
-                  <p:embed/>
-                  <p:pic>
-                    <p:nvPicPr>
-                      <p:cNvPr id="0" name=""/>
-                      <p:cNvPicPr>
-                        <a:picLocks noChangeAspect="1" noChangeArrowheads="1"/>
-                      </p:cNvPicPr>
-                      <p:nvPr/>
-                    </p:nvPicPr>
-                    <p:blipFill>
-                      <a:blip r:embed="rId5">
-                        <a:extLst>
-                          <a:ext uri="{28A0092B-C50C-407E-A947-70E740481C1C}">
-                            <a14:useLocalDpi xmlns:a14="http://schemas.microsoft.com/office/drawing/2010/main" val="0"/>
-                          </a:ext>
-                        </a:extLst>
-                      </a:blip>
-                      <a:srcRect t="21144"/>
-                      <a:stretch>
-                        <a:fillRect/>
-                      </a:stretch>
-                    </p:blipFill>
-                    <p:spPr bwMode="auto">
-                      <a:xfrm>
-                        <a:off x="2055842" y="1504477"/>
-                        <a:ext cx="8080315" cy="5353523"/>
-                      </a:xfrm>
-                      <a:prstGeom prst="rect">
-                        <a:avLst/>
-                      </a:prstGeom>
-                      <a:noFill/>
-                    </p:spPr>
-                  </p:pic>
-                </p:oleObj>
-              </mc:Fallback>
-            </mc:AlternateContent>
-          </a:graphicData>
-        </a:graphic>
-      </p:graphicFrame>
-    </p:spTree>
-    <p:extLst>
-      <p:ext uri="{BB962C8B-B14F-4D97-AF65-F5344CB8AC3E}">
-        <p14:creationId xmlns:p14="http://schemas.microsoft.com/office/powerpoint/2010/main" val="2646627634"/>
-      </p:ext>
-    </p:extLst>
-  </p:cSld>
-  <p:clrMapOvr>
-    <a:masterClrMapping/>
-  </p:clrMapOvr>
-  <mc:AlternateContent xmlns:mc="http://schemas.openxmlformats.org/markup-compatibility/2006" xmlns:p14="http://schemas.microsoft.com/office/powerpoint/2010/main">
-    <mc:Choice Requires="p14">
-      <p:transition spd="med" p14:dur="700">
-        <p:fade/>
-      </p:transition>
-    </mc:Choice>
-    <mc:Fallback xmlns="">
-      <p:transition spd="med">
-        <p:fade/>
-      </p:transition>
-    </mc:Fallback>
-  </mc:AlternateContent>
-  <p:timing>
-    <p:tnLst>
-      <p:par>
-        <p:cTn id="1" dur="indefinite" restart="never" nodeType="tmRoot">
-          <p:childTnLst>
-            <p:seq concurrent="1" nextAc="seek">
-              <p:cTn id="2" dur="indefinite" nodeType="mainSeq">
-                <p:childTnLst>
-                  <p:par>
-                    <p:cTn id="3" fill="hold">
-                      <p:stCondLst>
-                        <p:cond delay="indefinite"/>
-                        <p:cond evt="onBegin" delay="0">
-                          <p:tn val="2"/>
-                        </p:cond>
-                      </p:stCondLst>
-                      <p:childTnLst>
-                        <p:par>
-                          <p:cTn id="4" fill="hold">
-                            <p:stCondLst>
-                              <p:cond delay="0"/>
-                            </p:stCondLst>
-                            <p:childTnLst>
-                              <p:par>
-                                <p:cTn id="5" presetID="47" presetClass="entr" presetSubtype="0" fill="hold" grpId="0" nodeType="withEffect">
-                                  <p:stCondLst>
-                                    <p:cond delay="0"/>
-                                  </p:stCondLst>
-                                  <p:childTnLst>
-                                    <p:set>
-                                      <p:cBhvr>
-                                        <p:cTn id="6" dur="1" fill="hold">
-                                          <p:stCondLst>
-                                            <p:cond delay="0"/>
-                                          </p:stCondLst>
-                                        </p:cTn>
-                                        <p:tgtEl>
-                                          <p:spTgt spid="19"/>
-                                        </p:tgtEl>
-                                        <p:attrNameLst>
-                                          <p:attrName>style.visibility</p:attrName>
-                                        </p:attrNameLst>
-                                      </p:cBhvr>
-                                      <p:to>
-                                        <p:strVal val="visible"/>
-                                      </p:to>
-                                    </p:set>
-                                    <p:animEffect transition="in" filter="fade">
-                                      <p:cBhvr>
-                                        <p:cTn id="7" dur="1000"/>
-                                        <p:tgtEl>
-                                          <p:spTgt spid="19"/>
-                                        </p:tgtEl>
-                                      </p:cBhvr>
-                                    </p:animEffect>
-                                    <p:anim calcmode="lin" valueType="num">
-                                      <p:cBhvr>
-                                        <p:cTn id="8" dur="1000" fill="hold"/>
-                                        <p:tgtEl>
-                                          <p:spTgt spid="19"/>
-                                        </p:tgtEl>
-                                        <p:attrNameLst>
-                                          <p:attrName>ppt_x</p:attrName>
-                                        </p:attrNameLst>
-                                      </p:cBhvr>
-                                      <p:tavLst>
-                                        <p:tav tm="0">
-                                          <p:val>
-                                            <p:strVal val="#ppt_x"/>
-                                          </p:val>
-                                        </p:tav>
-                                        <p:tav tm="100000">
-                                          <p:val>
-                                            <p:strVal val="#ppt_x"/>
-                                          </p:val>
-                                        </p:tav>
-                                      </p:tavLst>
-                                    </p:anim>
-                                    <p:anim calcmode="lin" valueType="num">
-                                      <p:cBhvr>
-                                        <p:cTn id="9" dur="1000" fill="hold"/>
-                                        <p:tgtEl>
-                                          <p:spTgt spid="19"/>
-                                        </p:tgtEl>
-                                        <p:attrNameLst>
-                                          <p:attrName>ppt_y</p:attrName>
-                                        </p:attrNameLst>
-                                      </p:cBhvr>
-                                      <p:tavLst>
-                                        <p:tav tm="0">
-                                          <p:val>
-                                            <p:strVal val="#ppt_y-.1"/>
-                                          </p:val>
-                                        </p:tav>
-                                        <p:tav tm="100000">
-                                          <p:val>
-                                            <p:strVal val="#ppt_y"/>
-                                          </p:val>
-                                        </p:tav>
-                                      </p:tavLst>
-                                    </p:anim>
-                                  </p:childTnLst>
-                                </p:cTn>
-                              </p:par>
-                            </p:childTnLst>
-                          </p:cTn>
-                        </p:par>
-                      </p:childTnLst>
-                    </p:cTn>
-                  </p:par>
-                </p:childTnLst>
-              </p:cTn>
-              <p:prevCondLst>
-                <p:cond evt="onPrev" delay="0">
-                  <p:tgtEl>
-                    <p:sldTgt/>
-                  </p:tgtEl>
-                </p:cond>
-              </p:prevCondLst>
-              <p:nextCondLst>
-                <p:cond evt="onNext" delay="0">
-                  <p:tgtEl>
-                    <p:sldTgt/>
-                  </p:tgtEl>
-                </p:cond>
-              </p:nextCondLst>
-            </p:seq>
-          </p:childTnLst>
-        </p:cTn>
-      </p:par>
-    </p:tnLst>
-    <p:bldLst>
-      <p:bldP spid="19" grpId="0"/>
-    </p:bldLst>
-  </p:timing>
-</p:sld>
-</file>
-
-<file path=ppt/slides/slide8.xml><?xml version="1.0" encoding="utf-8"?>
+<file path=ppt/slides/slide9.xml><?xml version="1.0" encoding="utf-8"?>
 <p:sld xmlns:a="http://schemas.openxmlformats.org/drawingml/2006/main" xmlns:r="http://schemas.openxmlformats.org/officeDocument/2006/relationships" xmlns:p="http://schemas.openxmlformats.org/presentationml/2006/main">
   <p:cSld>
     <p:spTree>
@@ -12943,7 +13642,7 @@
           <a:graphicData uri="http://schemas.openxmlformats.org/presentationml/2006/ole">
             <mc:AlternateContent xmlns:mc="http://schemas.openxmlformats.org/markup-compatibility/2006">
               <mc:Choice xmlns:v="urn:schemas-microsoft-com:vml" Requires="v">
-                <p:oleObj spid="_x0000_s7280" name="Visio" r:id="rId4" imgW="13496857" imgH="5267235" progId="Visio.Drawing.15">
+                <p:oleObj spid="_x0000_s9392" name="Visio" r:id="rId4" imgW="13496857" imgH="5267235" progId="Visio.Drawing.15">
                   <p:embed/>
                 </p:oleObj>
               </mc:Choice>
@@ -13024,8 +13723,8 @@
         </p:blipFill>
         <p:spPr>
           <a:xfrm>
-            <a:off x="-5781752" y="-168103"/>
-            <a:ext cx="23622154" cy="8512638"/>
+            <a:off x="-5781751" y="-168103"/>
+            <a:ext cx="23622152" cy="8512637"/>
           </a:xfrm>
           <a:prstGeom prst="rect">
             <a:avLst/>
@@ -13039,243 +13738,7 @@
     </p:spTree>
     <p:extLst>
       <p:ext uri="{BB962C8B-B14F-4D97-AF65-F5344CB8AC3E}">
-        <p14:creationId xmlns:p14="http://schemas.microsoft.com/office/powerpoint/2010/main" val="2357001992"/>
-      </p:ext>
-    </p:extLst>
-  </p:cSld>
-  <p:clrMapOvr>
-    <a:masterClrMapping/>
-  </p:clrMapOvr>
-  <mc:AlternateContent xmlns:mc="http://schemas.openxmlformats.org/markup-compatibility/2006" xmlns:p14="http://schemas.microsoft.com/office/powerpoint/2010/main">
-    <mc:Choice Requires="p14">
-      <p:transition spd="med" p14:dur="700">
-        <p:fade/>
-      </p:transition>
-    </mc:Choice>
-    <mc:Fallback xmlns="">
-      <p:transition spd="med">
-        <p:fade/>
-      </p:transition>
-    </mc:Fallback>
-  </mc:AlternateContent>
-  <p:timing>
-    <p:tnLst>
-      <p:par>
-        <p:cTn id="1" dur="indefinite" restart="never" nodeType="tmRoot">
-          <p:childTnLst>
-            <p:seq concurrent="1" nextAc="seek">
-              <p:cTn id="2" dur="indefinite" nodeType="mainSeq">
-                <p:childTnLst>
-                  <p:par>
-                    <p:cTn id="3" fill="hold">
-                      <p:stCondLst>
-                        <p:cond delay="indefinite"/>
-                      </p:stCondLst>
-                      <p:childTnLst>
-                        <p:par>
-                          <p:cTn id="4" fill="hold">
-                            <p:stCondLst>
-                              <p:cond delay="0"/>
-                            </p:stCondLst>
-                            <p:childTnLst>
-                              <p:par>
-                                <p:cTn id="5" presetID="10" presetClass="entr" presetSubtype="0" fill="hold" nodeType="clickEffect">
-                                  <p:stCondLst>
-                                    <p:cond delay="0"/>
-                                  </p:stCondLst>
-                                  <p:childTnLst>
-                                    <p:set>
-                                      <p:cBhvr>
-                                        <p:cTn id="6" dur="1" fill="hold">
-                                          <p:stCondLst>
-                                            <p:cond delay="0"/>
-                                          </p:stCondLst>
-                                        </p:cTn>
-                                        <p:tgtEl>
-                                          <p:spTgt spid="6"/>
-                                        </p:tgtEl>
-                                        <p:attrNameLst>
-                                          <p:attrName>style.visibility</p:attrName>
-                                        </p:attrNameLst>
-                                      </p:cBhvr>
-                                      <p:to>
-                                        <p:strVal val="visible"/>
-                                      </p:to>
-                                    </p:set>
-                                    <p:animEffect transition="in" filter="fade">
-                                      <p:cBhvr>
-                                        <p:cTn id="7" dur="750"/>
-                                        <p:tgtEl>
-                                          <p:spTgt spid="6"/>
-                                        </p:tgtEl>
-                                      </p:cBhvr>
-                                    </p:animEffect>
-                                  </p:childTnLst>
-                                </p:cTn>
-                              </p:par>
-                            </p:childTnLst>
-                          </p:cTn>
-                        </p:par>
-                      </p:childTnLst>
-                    </p:cTn>
-                  </p:par>
-                </p:childTnLst>
-              </p:cTn>
-              <p:prevCondLst>
-                <p:cond evt="onPrev" delay="0">
-                  <p:tgtEl>
-                    <p:sldTgt/>
-                  </p:tgtEl>
-                </p:cond>
-              </p:prevCondLst>
-              <p:nextCondLst>
-                <p:cond evt="onNext" delay="0">
-                  <p:tgtEl>
-                    <p:sldTgt/>
-                  </p:tgtEl>
-                </p:cond>
-              </p:nextCondLst>
-            </p:seq>
-          </p:childTnLst>
-        </p:cTn>
-      </p:par>
-    </p:tnLst>
-  </p:timing>
-</p:sld>
-</file>
-
-<file path=ppt/slides/slide9.xml><?xml version="1.0" encoding="utf-8"?>
-<p:sld xmlns:a="http://schemas.openxmlformats.org/drawingml/2006/main" xmlns:r="http://schemas.openxmlformats.org/officeDocument/2006/relationships" xmlns:p="http://schemas.openxmlformats.org/presentationml/2006/main">
-  <p:cSld>
-    <p:spTree>
-      <p:nvGrpSpPr>
-        <p:cNvPr id="1" name=""/>
-        <p:cNvGrpSpPr/>
-        <p:nvPr/>
-      </p:nvGrpSpPr>
-      <p:grpSpPr>
-        <a:xfrm>
-          <a:off x="0" y="0"/>
-          <a:ext cx="0" cy="0"/>
-          <a:chOff x="0" y="0"/>
-          <a:chExt cx="0" cy="0"/>
-        </a:xfrm>
-      </p:grpSpPr>
-      <p:graphicFrame>
-        <p:nvGraphicFramePr>
-          <p:cNvPr id="3" name="Object 2"/>
-          <p:cNvGraphicFramePr>
-            <a:graphicFrameLocks noChangeAspect="1"/>
-          </p:cNvGraphicFramePr>
-          <p:nvPr>
-            <p:extLst/>
-          </p:nvPr>
-        </p:nvGraphicFramePr>
-        <p:xfrm>
-          <a:off x="159657" y="1922920"/>
-          <a:ext cx="11872686" cy="4633132"/>
-        </p:xfrm>
-        <a:graphic>
-          <a:graphicData uri="http://schemas.openxmlformats.org/presentationml/2006/ole">
-            <mc:AlternateContent xmlns:mc="http://schemas.openxmlformats.org/markup-compatibility/2006">
-              <mc:Choice xmlns:v="urn:schemas-microsoft-com:vml" Requires="v">
-                <p:oleObj spid="_x0000_s8302" name="Visio" r:id="rId4" imgW="13496857" imgH="5267235" progId="Visio.Drawing.15">
-                  <p:embed/>
-                </p:oleObj>
-              </mc:Choice>
-              <mc:Fallback>
-                <p:oleObj name="Visio" r:id="rId4" imgW="13496857" imgH="5267235" progId="Visio.Drawing.15">
-                  <p:embed/>
-                  <p:pic>
-                    <p:nvPicPr>
-                      <p:cNvPr id="0" name=""/>
-                      <p:cNvPicPr/>
-                      <p:nvPr/>
-                    </p:nvPicPr>
-                    <p:blipFill>
-                      <a:blip r:embed="rId5"/>
-                      <a:stretch>
-                        <a:fillRect/>
-                      </a:stretch>
-                    </p:blipFill>
-                    <p:spPr>
-                      <a:xfrm>
-                        <a:off x="159657" y="1922920"/>
-                        <a:ext cx="11872686" cy="4633132"/>
-                      </a:xfrm>
-                      <a:prstGeom prst="rect">
-                        <a:avLst/>
-                      </a:prstGeom>
-                    </p:spPr>
-                  </p:pic>
-                </p:oleObj>
-              </mc:Fallback>
-            </mc:AlternateContent>
-          </a:graphicData>
-        </a:graphic>
-      </p:graphicFrame>
-      <p:sp>
-        <p:nvSpPr>
-          <p:cNvPr id="4" name="Title 3"/>
-          <p:cNvSpPr>
-            <a:spLocks noGrp="1"/>
-          </p:cNvSpPr>
-          <p:nvPr>
-            <p:ph type="title"/>
-          </p:nvPr>
-        </p:nvSpPr>
-        <p:spPr/>
-        <p:txBody>
-          <a:bodyPr/>
-          <a:lstStyle/>
-          <a:p>
-            <a:pPr algn="ctr"/>
-            <a:r>
-              <a:rPr lang="uk-UA" dirty="0" smtClean="0"/>
-              <a:t>Схема роботи програми</a:t>
-            </a:r>
-            <a:endParaRPr lang="uk-UA" dirty="0"/>
-          </a:p>
-        </p:txBody>
-      </p:sp>
-      <p:pic>
-        <p:nvPicPr>
-          <p:cNvPr id="6" name="Picture 5"/>
-          <p:cNvPicPr>
-            <a:picLocks noChangeAspect="1"/>
-          </p:cNvPicPr>
-          <p:nvPr/>
-        </p:nvPicPr>
-        <p:blipFill>
-          <a:blip r:embed="rId6">
-            <a:extLst>
-              <a:ext uri="{28A0092B-C50C-407E-A947-70E740481C1C}">
-                <a14:useLocalDpi xmlns:a14="http://schemas.microsoft.com/office/drawing/2010/main" val="0"/>
-              </a:ext>
-            </a:extLst>
-          </a:blip>
-          <a:stretch>
-            <a:fillRect/>
-          </a:stretch>
-        </p:blipFill>
-        <p:spPr>
-          <a:xfrm>
-            <a:off x="-5781751" y="-168103"/>
-            <a:ext cx="23622152" cy="8512638"/>
-          </a:xfrm>
-          <a:prstGeom prst="rect">
-            <a:avLst/>
-          </a:prstGeom>
-          <a:noFill/>
-          <a:ln>
-            <a:noFill/>
-          </a:ln>
-        </p:spPr>
-      </p:pic>
-    </p:spTree>
-    <p:extLst>
-      <p:ext uri="{BB962C8B-B14F-4D97-AF65-F5344CB8AC3E}">
-        <p14:creationId xmlns:p14="http://schemas.microsoft.com/office/powerpoint/2010/main" val="3214066695"/>
+        <p14:creationId xmlns:p14="http://schemas.microsoft.com/office/powerpoint/2010/main" val="692297819"/>
       </p:ext>
     </p:extLst>
   </p:cSld>

--- a/Presentation.pptx
+++ b/Presentation.pptx
@@ -5,25 +5,28 @@
     <p:sldMasterId id="2147483648" r:id="rId1"/>
   </p:sldMasterIdLst>
   <p:notesMasterIdLst>
-    <p:notesMasterId r:id="rId15"/>
+    <p:notesMasterId r:id="rId18"/>
   </p:notesMasterIdLst>
   <p:handoutMasterIdLst>
-    <p:handoutMasterId r:id="rId16"/>
+    <p:handoutMasterId r:id="rId19"/>
   </p:handoutMasterIdLst>
   <p:sldIdLst>
     <p:sldId id="256" r:id="rId2"/>
-    <p:sldId id="265" r:id="rId3"/>
+    <p:sldId id="273" r:id="rId3"/>
     <p:sldId id="266" r:id="rId4"/>
-    <p:sldId id="263" r:id="rId5"/>
-    <p:sldId id="264" r:id="rId6"/>
-    <p:sldId id="272" r:id="rId7"/>
-    <p:sldId id="260" r:id="rId8"/>
-    <p:sldId id="261" r:id="rId9"/>
-    <p:sldId id="267" r:id="rId10"/>
-    <p:sldId id="268" r:id="rId11"/>
-    <p:sldId id="269" r:id="rId12"/>
-    <p:sldId id="271" r:id="rId13"/>
-    <p:sldId id="270" r:id="rId14"/>
+    <p:sldId id="274" r:id="rId5"/>
+    <p:sldId id="276" r:id="rId6"/>
+    <p:sldId id="277" r:id="rId7"/>
+    <p:sldId id="263" r:id="rId8"/>
+    <p:sldId id="264" r:id="rId9"/>
+    <p:sldId id="272" r:id="rId10"/>
+    <p:sldId id="260" r:id="rId11"/>
+    <p:sldId id="261" r:id="rId12"/>
+    <p:sldId id="267" r:id="rId13"/>
+    <p:sldId id="268" r:id="rId14"/>
+    <p:sldId id="269" r:id="rId15"/>
+    <p:sldId id="271" r:id="rId16"/>
+    <p:sldId id="270" r:id="rId17"/>
   </p:sldIdLst>
   <p:sldSz cx="12192000" cy="6858000"/>
   <p:notesSz cx="6858000" cy="9144000"/>
@@ -132,12 +135,23 @@
         </p14:section>
         <p14:section name="Customer" id="{9C7CD03C-3DF0-4F8F-A320-2BD38E055EC2}">
           <p14:sldIdLst>
-            <p14:sldId id="265"/>
+            <p14:sldId id="273"/>
           </p14:sldIdLst>
         </p14:section>
         <p14:section name="DevConnListr" id="{99C6B153-6052-4C7B-9895-7249EED57C16}">
           <p14:sldIdLst>
             <p14:sldId id="266"/>
+          </p14:sldIdLst>
+        </p14:section>
+        <p14:section name="Device" id="{D101F06D-3967-4C5A-AF78-AB4FEBD389D3}">
+          <p14:sldIdLst>
+            <p14:sldId id="274"/>
+            <p14:sldId id="276"/>
+          </p14:sldIdLst>
+        </p14:section>
+        <p14:section name="PacketLogger" id="{8D355BD8-3A54-4565-B566-6D9BE932C9B4}">
+          <p14:sldIdLst>
+            <p14:sldId id="277"/>
           </p14:sldIdLst>
         </p14:section>
         <p14:section name="PacketAnalysis" id="{5189F836-8D31-4CC0-A95E-37C2928C4300}">
@@ -170,7 +184,7 @@
     </p:ext>
     <p:ext uri="{EFAFB233-063F-42B5-8137-9DF3F51BA10A}">
       <p15:sldGuideLst xmlns:p15="http://schemas.microsoft.com/office/powerpoint/2012/main">
-        <p15:guide id="1" orient="horz" pos="2160" userDrawn="1">
+        <p15:guide id="1" orient="horz" pos="2136" userDrawn="1">
           <p15:clr>
             <a:srgbClr val="A4A3A4"/>
           </p15:clr>
@@ -414,11 +428,11 @@
           <c:showPercent val="0"/>
           <c:showBubbleSize val="0"/>
         </c:dLbls>
-        <c:axId val="168639776"/>
-        <c:axId val="168640168"/>
+        <c:axId val="176934400"/>
+        <c:axId val="176934008"/>
       </c:scatterChart>
       <c:valAx>
-        <c:axId val="168639776"/>
+        <c:axId val="176934400"/>
         <c:scaling>
           <c:orientation val="minMax"/>
         </c:scaling>
@@ -519,12 +533,12 @@
             <a:endParaRPr lang="uk-UA"/>
           </a:p>
         </c:txPr>
-        <c:crossAx val="168640168"/>
+        <c:crossAx val="176934008"/>
         <c:crosses val="autoZero"/>
         <c:crossBetween val="midCat"/>
       </c:valAx>
       <c:valAx>
-        <c:axId val="168640168"/>
+        <c:axId val="176934008"/>
         <c:scaling>
           <c:orientation val="minMax"/>
         </c:scaling>
@@ -625,7 +639,7 @@
             <a:endParaRPr lang="uk-UA"/>
           </a:p>
         </c:txPr>
-        <c:crossAx val="168639776"/>
+        <c:crossAx val="176934400"/>
         <c:crosses val="autoZero"/>
         <c:crossBetween val="midCat"/>
       </c:valAx>
@@ -878,11 +892,11 @@
           <c:showPercent val="0"/>
           <c:showBubbleSize val="0"/>
         </c:dLbls>
-        <c:axId val="168640952"/>
-        <c:axId val="168641344"/>
+        <c:axId val="176935184"/>
+        <c:axId val="176934792"/>
       </c:scatterChart>
       <c:valAx>
-        <c:axId val="168640952"/>
+        <c:axId val="176935184"/>
         <c:scaling>
           <c:orientation val="minMax"/>
         </c:scaling>
@@ -983,12 +997,12 @@
             <a:endParaRPr lang="uk-UA"/>
           </a:p>
         </c:txPr>
-        <c:crossAx val="168641344"/>
+        <c:crossAx val="176934792"/>
         <c:crosses val="autoZero"/>
         <c:crossBetween val="midCat"/>
       </c:valAx>
       <c:valAx>
-        <c:axId val="168641344"/>
+        <c:axId val="176934792"/>
         <c:scaling>
           <c:orientation val="minMax"/>
         </c:scaling>
@@ -1089,7 +1103,7 @@
             <a:endParaRPr lang="uk-UA"/>
           </a:p>
         </c:txPr>
-        <c:crossAx val="168640952"/>
+        <c:crossAx val="176935184"/>
         <c:crosses val="autoZero"/>
         <c:crossBetween val="midCat"/>
       </c:valAx>
@@ -2322,7 +2336,7 @@
           <a:p>
             <a:fld id="{AF540B8D-410A-4478-BECA-94BC9C67F289}" type="datetimeFigureOut">
               <a:rPr lang="uk-UA" smtClean="0"/>
-              <a:t>13.04.2015</a:t>
+              <a:t>15.04.2015</a:t>
             </a:fld>
             <a:endParaRPr lang="uk-UA"/>
           </a:p>
@@ -2487,7 +2501,7 @@
           <a:p>
             <a:fld id="{69190D90-451E-4BE2-A181-68566B6D9411}" type="datetimeFigureOut">
               <a:rPr lang="uk-UA" smtClean="0"/>
-              <a:t>13.04.2015</a:t>
+              <a:t>15.04.2015</a:t>
             </a:fld>
             <a:endParaRPr lang="uk-UA" dirty="0"/>
           </a:p>
@@ -2928,6 +2942,209 @@
           <a:bodyPr/>
           <a:lstStyle/>
           <a:p>
+            <a:pPr marL="0" marR="0" indent="0" algn="l" defTabSz="914400" rtl="0" eaLnBrk="1" fontAlgn="auto" latinLnBrk="0" hangingPunct="1">
+              <a:lnSpc>
+                <a:spcPct val="100000"/>
+              </a:lnSpc>
+              <a:spcBef>
+                <a:spcPts val="0"/>
+              </a:spcBef>
+              <a:spcAft>
+                <a:spcPts val="0"/>
+              </a:spcAft>
+              <a:buClrTx/>
+              <a:buSzTx/>
+              <a:buFontTx/>
+              <a:buNone/>
+              <a:tabLst/>
+              <a:defRPr/>
+            </a:pPr>
+            <a:r>
+              <a:rPr lang="ru-RU" b="1" dirty="0" smtClean="0"/>
+              <a:t>Зачем</a:t>
+            </a:r>
+            <a:r>
+              <a:rPr lang="ru-RU" b="1" baseline="0" dirty="0" smtClean="0"/>
+              <a:t> нужно</a:t>
+            </a:r>
+            <a:r>
+              <a:rPr lang="ru-RU" b="1" dirty="0" smtClean="0"/>
+              <a:t>?</a:t>
+            </a:r>
+            <a:endParaRPr lang="uk-UA" b="1" dirty="0" smtClean="0"/>
+          </a:p>
+          <a:p>
+            <a:pPr marL="0" marR="0" indent="0" algn="l" defTabSz="914400" rtl="0" eaLnBrk="1" fontAlgn="auto" latinLnBrk="0" hangingPunct="1">
+              <a:lnSpc>
+                <a:spcPct val="100000"/>
+              </a:lnSpc>
+              <a:spcBef>
+                <a:spcPts val="0"/>
+              </a:spcBef>
+              <a:spcAft>
+                <a:spcPts val="0"/>
+              </a:spcAft>
+              <a:buClrTx/>
+              <a:buSzTx/>
+              <a:buFontTx/>
+              <a:buNone/>
+              <a:tabLst/>
+              <a:defRPr/>
+            </a:pPr>
+            <a:r>
+              <a:rPr lang="ru-RU" dirty="0" smtClean="0"/>
+              <a:t>	Среднее</a:t>
+            </a:r>
+            <a:r>
+              <a:rPr lang="ru-RU" baseline="0" dirty="0" smtClean="0"/>
+              <a:t> значение показывает интенсивность сигнала за определенный временной интервал.</a:t>
+            </a:r>
+            <a:endParaRPr lang="ru-RU" dirty="0" smtClean="0"/>
+          </a:p>
+          <a:p>
+            <a:pPr marL="0" marR="0" indent="0" algn="l" defTabSz="914400" rtl="0" eaLnBrk="1" fontAlgn="auto" latinLnBrk="0" hangingPunct="1">
+              <a:lnSpc>
+                <a:spcPct val="100000"/>
+              </a:lnSpc>
+              <a:spcBef>
+                <a:spcPts val="0"/>
+              </a:spcBef>
+              <a:spcAft>
+                <a:spcPts val="0"/>
+              </a:spcAft>
+              <a:buClrTx/>
+              <a:buSzTx/>
+              <a:buFontTx/>
+              <a:buNone/>
+              <a:tabLst/>
+              <a:defRPr/>
+            </a:pPr>
+            <a:endParaRPr lang="ru-RU" dirty="0" smtClean="0"/>
+          </a:p>
+          <a:p>
+            <a:pPr marL="0" marR="0" indent="0" algn="l" defTabSz="914400" rtl="0" eaLnBrk="1" fontAlgn="auto" latinLnBrk="0" hangingPunct="1">
+              <a:lnSpc>
+                <a:spcPct val="100000"/>
+              </a:lnSpc>
+              <a:spcBef>
+                <a:spcPts val="0"/>
+              </a:spcBef>
+              <a:spcAft>
+                <a:spcPts val="0"/>
+              </a:spcAft>
+              <a:buClrTx/>
+              <a:buSzTx/>
+              <a:buFontTx/>
+              <a:buNone/>
+              <a:tabLst/>
+              <a:defRPr/>
+            </a:pPr>
+            <a:r>
+              <a:rPr lang="ru-RU" b="1" dirty="0" smtClean="0"/>
+              <a:t>Алгоритм:</a:t>
+            </a:r>
+          </a:p>
+          <a:p>
+            <a:pPr marL="0" marR="0" indent="0" algn="l" defTabSz="914400" rtl="0" eaLnBrk="1" fontAlgn="auto" latinLnBrk="0" hangingPunct="1">
+              <a:lnSpc>
+                <a:spcPct val="100000"/>
+              </a:lnSpc>
+              <a:spcBef>
+                <a:spcPts val="0"/>
+              </a:spcBef>
+              <a:spcAft>
+                <a:spcPts val="0"/>
+              </a:spcAft>
+              <a:buClrTx/>
+              <a:buSzTx/>
+              <a:buFontTx/>
+              <a:buNone/>
+              <a:tabLst/>
+              <a:defRPr/>
+            </a:pPr>
+            <a:r>
+              <a:rPr lang="ru-RU" dirty="0" smtClean="0"/>
+              <a:t>	На</a:t>
+            </a:r>
+            <a:r>
+              <a:rPr lang="ru-RU" baseline="0" dirty="0" smtClean="0"/>
+              <a:t> примере массивов </a:t>
+            </a:r>
+            <a:r>
+              <a:rPr lang="en-US" baseline="0" dirty="0" err="1" smtClean="0"/>
+              <a:t>L1</a:t>
+            </a:r>
+            <a:r>
+              <a:rPr lang="ru-RU" baseline="0" dirty="0" smtClean="0"/>
+              <a:t>,</a:t>
+            </a:r>
+            <a:r>
+              <a:rPr lang="en-US" baseline="0" dirty="0" smtClean="0"/>
+              <a:t> </a:t>
+            </a:r>
+            <a:r>
+              <a:rPr lang="en-US" baseline="0" dirty="0" err="1" smtClean="0"/>
+              <a:t>L2</a:t>
+            </a:r>
+            <a:r>
+              <a:rPr lang="ru-RU" baseline="0" dirty="0" smtClean="0"/>
+              <a:t> и </a:t>
+            </a:r>
+            <a:r>
+              <a:rPr lang="en-US" baseline="0" dirty="0" err="1" smtClean="0"/>
+              <a:t>L3</a:t>
+            </a:r>
+            <a:r>
+              <a:rPr lang="ru-RU" baseline="0" dirty="0" smtClean="0"/>
+              <a:t>, которые распределены по временной шкале (</a:t>
+            </a:r>
+            <a:r>
+              <a:rPr lang="en-US" baseline="0" dirty="0" err="1" smtClean="0"/>
+              <a:t>L1</a:t>
+            </a:r>
+            <a:r>
+              <a:rPr lang="ru-RU" baseline="0" dirty="0" smtClean="0"/>
+              <a:t> сформирован первым, </a:t>
+            </a:r>
+            <a:r>
+              <a:rPr lang="en-US" baseline="0" dirty="0" err="1" smtClean="0"/>
+              <a:t>L2</a:t>
+            </a:r>
+            <a:r>
+              <a:rPr lang="ru-RU" baseline="0" dirty="0" smtClean="0"/>
+              <a:t>  вторым) рассмотрим алгоритмы нахождения среднего арифметического, медианного и модального значений.</a:t>
+            </a:r>
+            <a:endParaRPr lang="en-US" dirty="0" smtClean="0"/>
+          </a:p>
+          <a:p>
+            <a:pPr marL="0" marR="0" indent="0" algn="l" defTabSz="914400" rtl="0" eaLnBrk="1" fontAlgn="auto" latinLnBrk="0" hangingPunct="1">
+              <a:lnSpc>
+                <a:spcPct val="100000"/>
+              </a:lnSpc>
+              <a:spcBef>
+                <a:spcPts val="0"/>
+              </a:spcBef>
+              <a:spcAft>
+                <a:spcPts val="0"/>
+              </a:spcAft>
+              <a:buClrTx/>
+              <a:buSzTx/>
+              <a:buFontTx/>
+              <a:buNone/>
+              <a:tabLst/>
+              <a:defRPr/>
+            </a:pPr>
+            <a:r>
+              <a:rPr lang="ru-RU" dirty="0" smtClean="0"/>
+              <a:t>	Основная идея: </a:t>
+            </a:r>
+            <a:r>
+              <a:rPr lang="ru-RU" baseline="0" dirty="0" smtClean="0"/>
+              <a:t>сохранять последнее подсчитанное среднее арифметическое во вспомогательную структуру данных, что бы потом просто прибавлять новые значения и делить на количество элементов в базе.</a:t>
+            </a:r>
+            <a:endParaRPr lang="en-US" dirty="0" smtClean="0"/>
+          </a:p>
+          <a:p>
             <a:endParaRPr lang="uk-UA" dirty="0"/>
           </a:p>
         </p:txBody>
@@ -2958,7 +3175,7 @@
     </p:spTree>
     <p:extLst>
       <p:ext uri="{BB962C8B-B14F-4D97-AF65-F5344CB8AC3E}">
-        <p14:creationId xmlns:p14="http://schemas.microsoft.com/office/powerpoint/2010/main" val="2679478294"/>
+        <p14:creationId xmlns:p14="http://schemas.microsoft.com/office/powerpoint/2010/main" val="3283955315"/>
       </p:ext>
     </p:extLst>
   </p:cSld>
@@ -3017,7 +3234,265 @@
           <a:bodyPr/>
           <a:lstStyle/>
           <a:p>
-            <a:endParaRPr lang="uk-UA" dirty="0"/>
+            <a:pPr marL="0" marR="0" indent="0" algn="l" defTabSz="914400" rtl="0" eaLnBrk="1" fontAlgn="auto" latinLnBrk="0" hangingPunct="1">
+              <a:lnSpc>
+                <a:spcPct val="100000"/>
+              </a:lnSpc>
+              <a:spcBef>
+                <a:spcPts val="0"/>
+              </a:spcBef>
+              <a:spcAft>
+                <a:spcPts val="0"/>
+              </a:spcAft>
+              <a:buClrTx/>
+              <a:buSzTx/>
+              <a:buFontTx/>
+              <a:buNone/>
+              <a:tabLst/>
+              <a:defRPr/>
+            </a:pPr>
+            <a:r>
+              <a:rPr lang="ru-RU" b="1" dirty="0" smtClean="0"/>
+              <a:t>Зачем</a:t>
+            </a:r>
+            <a:r>
+              <a:rPr lang="ru-RU" b="1" baseline="0" dirty="0" smtClean="0"/>
+              <a:t> нужно</a:t>
+            </a:r>
+            <a:r>
+              <a:rPr lang="ru-RU" b="1" dirty="0" smtClean="0"/>
+              <a:t>?</a:t>
+            </a:r>
+            <a:endParaRPr lang="uk-UA" b="1" dirty="0" smtClean="0"/>
+          </a:p>
+          <a:p>
+            <a:pPr marL="0" marR="0" indent="0" algn="l" defTabSz="914400" rtl="0" eaLnBrk="1" fontAlgn="auto" latinLnBrk="0" hangingPunct="1">
+              <a:lnSpc>
+                <a:spcPct val="100000"/>
+              </a:lnSpc>
+              <a:spcBef>
+                <a:spcPts val="0"/>
+              </a:spcBef>
+              <a:spcAft>
+                <a:spcPts val="0"/>
+              </a:spcAft>
+              <a:buClrTx/>
+              <a:buSzTx/>
+              <a:buFontTx/>
+              <a:buNone/>
+              <a:tabLst/>
+              <a:defRPr/>
+            </a:pPr>
+            <a:r>
+              <a:rPr lang="ru-RU" dirty="0" smtClean="0"/>
+              <a:t>	Мода нужна для обнаружения регулярных помех.</a:t>
+            </a:r>
+          </a:p>
+          <a:p>
+            <a:pPr marL="0" marR="0" indent="0" algn="l" defTabSz="914400" rtl="0" eaLnBrk="1" fontAlgn="auto" latinLnBrk="0" hangingPunct="1">
+              <a:lnSpc>
+                <a:spcPct val="100000"/>
+              </a:lnSpc>
+              <a:spcBef>
+                <a:spcPts val="0"/>
+              </a:spcBef>
+              <a:spcAft>
+                <a:spcPts val="0"/>
+              </a:spcAft>
+              <a:buClrTx/>
+              <a:buSzTx/>
+              <a:buFontTx/>
+              <a:buNone/>
+              <a:tabLst/>
+              <a:defRPr/>
+            </a:pPr>
+            <a:r>
+              <a:rPr lang="ru-RU" dirty="0" smtClean="0"/>
+              <a:t>	</a:t>
+            </a:r>
+            <a:r>
+              <a:rPr lang="ru-RU" b="1" dirty="0" smtClean="0"/>
+              <a:t>Медиана</a:t>
+            </a:r>
+            <a:r>
+              <a:rPr lang="ru-RU" dirty="0" smtClean="0"/>
+              <a:t> используется для обнаружения </a:t>
+            </a:r>
+            <a:r>
+              <a:rPr lang="ru-RU" b="1" dirty="0" smtClean="0"/>
+              <a:t>спонтанных помех? ЧТО,</a:t>
+            </a:r>
+            <a:r>
+              <a:rPr lang="ru-RU" b="1" baseline="0" dirty="0" smtClean="0"/>
+              <a:t> СЕРЬЕЗНО? -90 -89 -88 -87 -86 = -88 и тут БАХ -50 = -87.5</a:t>
+            </a:r>
+            <a:endParaRPr lang="ru-RU" b="1" dirty="0" smtClean="0"/>
+          </a:p>
+          <a:p>
+            <a:pPr marL="0" marR="0" indent="0" algn="l" defTabSz="914400" rtl="0" eaLnBrk="1" fontAlgn="auto" latinLnBrk="0" hangingPunct="1">
+              <a:lnSpc>
+                <a:spcPct val="100000"/>
+              </a:lnSpc>
+              <a:spcBef>
+                <a:spcPts val="0"/>
+              </a:spcBef>
+              <a:spcAft>
+                <a:spcPts val="0"/>
+              </a:spcAft>
+              <a:buClrTx/>
+              <a:buSzTx/>
+              <a:buFontTx/>
+              <a:buNone/>
+              <a:tabLst/>
+              <a:defRPr/>
+            </a:pPr>
+            <a:endParaRPr lang="ru-RU" dirty="0" smtClean="0"/>
+          </a:p>
+          <a:p>
+            <a:pPr marL="0" marR="0" indent="0" algn="l" defTabSz="914400" rtl="0" eaLnBrk="1" fontAlgn="auto" latinLnBrk="0" hangingPunct="1">
+              <a:lnSpc>
+                <a:spcPct val="100000"/>
+              </a:lnSpc>
+              <a:spcBef>
+                <a:spcPts val="0"/>
+              </a:spcBef>
+              <a:spcAft>
+                <a:spcPts val="0"/>
+              </a:spcAft>
+              <a:buClrTx/>
+              <a:buSzTx/>
+              <a:buFontTx/>
+              <a:buNone/>
+              <a:tabLst/>
+              <a:defRPr/>
+            </a:pPr>
+            <a:r>
+              <a:rPr lang="ru-RU" b="1" dirty="0" smtClean="0"/>
+              <a:t>Алгоритм:</a:t>
+            </a:r>
+          </a:p>
+          <a:p>
+            <a:r>
+              <a:rPr lang="uk-UA" dirty="0" smtClean="0"/>
+              <a:t>	</a:t>
+            </a:r>
+            <a:r>
+              <a:rPr lang="ru-RU" b="1" dirty="0" smtClean="0"/>
+              <a:t>АНИМАЦИЯ:</a:t>
+            </a:r>
+            <a:r>
+              <a:rPr lang="ru-RU" b="1" baseline="0" dirty="0" smtClean="0"/>
+              <a:t> </a:t>
+            </a:r>
+            <a:r>
+              <a:rPr lang="ru-RU" dirty="0" smtClean="0"/>
+              <a:t>Каждому конкретному устройству соответствует массив карт с RSSI в качестве ключа и количеством значений RSSI в качестве значения.</a:t>
+            </a:r>
+          </a:p>
+          <a:p>
+            <a:r>
+              <a:rPr lang="ru-RU" dirty="0" smtClean="0"/>
+              <a:t>	</a:t>
+            </a:r>
+            <a:r>
+              <a:rPr lang="ru-RU" b="1" dirty="0" smtClean="0"/>
+              <a:t>АНИМАЦИЯ:</a:t>
+            </a:r>
+            <a:r>
+              <a:rPr lang="ru-RU" b="1" baseline="0" dirty="0" smtClean="0"/>
+              <a:t> </a:t>
+            </a:r>
+            <a:r>
+              <a:rPr lang="ru-RU" dirty="0" smtClean="0"/>
+              <a:t>При этом каждая</a:t>
+            </a:r>
+            <a:r>
+              <a:rPr lang="ru-RU" baseline="0" dirty="0" smtClean="0"/>
+              <a:t> </a:t>
+            </a:r>
+            <a:r>
+              <a:rPr lang="en-US" baseline="0" dirty="0" smtClean="0"/>
+              <a:t>HashMap</a:t>
+            </a:r>
+            <a:r>
+              <a:rPr lang="ru-RU" baseline="0" dirty="0" smtClean="0"/>
+              <a:t> отвечает за точки на одной конкретной частоте. То есть количество </a:t>
+            </a:r>
+            <a:r>
+              <a:rPr lang="en-US" baseline="0" dirty="0" smtClean="0"/>
+              <a:t>HashMap</a:t>
+            </a:r>
+            <a:r>
+              <a:rPr lang="ru-RU" baseline="0" dirty="0" smtClean="0"/>
+              <a:t> равно количеству дискрет.</a:t>
+            </a:r>
+          </a:p>
+          <a:p>
+            <a:r>
+              <a:rPr lang="ru-RU" baseline="0" dirty="0" smtClean="0"/>
+              <a:t>	Может показаться, что в структуре слишком много значений, но расчеты таковы: 256 дискрет, от -100 до -50, при максимально возможном заполнении: 256 </a:t>
+            </a:r>
+            <a:r>
+              <a:rPr lang="en-US" baseline="0" dirty="0" smtClean="0"/>
+              <a:t>HashMap</a:t>
+            </a:r>
+            <a:r>
+              <a:rPr lang="ru-RU" baseline="0" dirty="0" smtClean="0"/>
+              <a:t> = ; 256 * 50*(байт) * 50*(</a:t>
+            </a:r>
+            <a:r>
+              <a:rPr lang="ru-RU" baseline="0" dirty="0" err="1" smtClean="0"/>
+              <a:t>инт</a:t>
+            </a:r>
+            <a:r>
+              <a:rPr lang="ru-RU" baseline="0" dirty="0" smtClean="0"/>
+              <a:t>) = 256 * 50 байт * 200 байт = 2 560 000 байт = 2,56 </a:t>
+            </a:r>
+            <a:r>
+              <a:rPr lang="ru-RU" baseline="0" dirty="0" err="1" smtClean="0"/>
+              <a:t>мб</a:t>
+            </a:r>
+            <a:r>
+              <a:rPr lang="ru-RU" baseline="0" dirty="0" smtClean="0"/>
+              <a:t> + </a:t>
+            </a:r>
+            <a:r>
+              <a:rPr lang="ru-RU" baseline="0" dirty="0" err="1" smtClean="0"/>
+              <a:t>слежебка</a:t>
+            </a:r>
+            <a:endParaRPr lang="ru-RU" baseline="0" dirty="0" smtClean="0"/>
+          </a:p>
+          <a:p>
+            <a:pPr marL="0" marR="0" indent="0" algn="l" defTabSz="914400" rtl="0" eaLnBrk="1" fontAlgn="auto" latinLnBrk="0" hangingPunct="1">
+              <a:lnSpc>
+                <a:spcPct val="100000"/>
+              </a:lnSpc>
+              <a:spcBef>
+                <a:spcPts val="0"/>
+              </a:spcBef>
+              <a:spcAft>
+                <a:spcPts val="0"/>
+              </a:spcAft>
+              <a:buClrTx/>
+              <a:buSzTx/>
+              <a:buFontTx/>
+              <a:buNone/>
+              <a:tabLst/>
+              <a:defRPr/>
+            </a:pPr>
+            <a:r>
+              <a:rPr lang="ru-RU" baseline="0" dirty="0" smtClean="0"/>
+              <a:t>	Благодаря таким структурам </a:t>
+            </a:r>
+            <a:r>
+              <a:rPr lang="ru-RU" baseline="0" dirty="0" err="1" smtClean="0"/>
+              <a:t>данних</a:t>
+            </a:r>
+            <a:r>
+              <a:rPr lang="ru-RU" baseline="0" dirty="0" smtClean="0"/>
+              <a:t> сложность расчета становится константной.</a:t>
+            </a:r>
+            <a:endParaRPr lang="ru-RU" dirty="0" smtClean="0"/>
           </a:p>
         </p:txBody>
       </p:sp>
@@ -3047,7 +3522,7 @@
     </p:spTree>
     <p:extLst>
       <p:ext uri="{BB962C8B-B14F-4D97-AF65-F5344CB8AC3E}">
-        <p14:creationId xmlns:p14="http://schemas.microsoft.com/office/powerpoint/2010/main" val="1699580199"/>
+        <p14:creationId xmlns:p14="http://schemas.microsoft.com/office/powerpoint/2010/main" val="2429625256"/>
       </p:ext>
     </p:extLst>
   </p:cSld>
@@ -3106,6 +3581,22 @@
           <a:bodyPr/>
           <a:lstStyle/>
           <a:p>
+            <a:r>
+              <a:rPr lang="ru-RU" dirty="0" smtClean="0"/>
+              <a:t>	Пользователь также может</a:t>
+            </a:r>
+            <a:r>
+              <a:rPr lang="ru-RU" baseline="0" dirty="0" smtClean="0"/>
+              <a:t> активировать встроенную сетевую карту для просмотра загруженности </a:t>
+            </a:r>
+            <a:r>
+              <a:rPr lang="ru-RU" baseline="0" dirty="0" err="1" smtClean="0"/>
+              <a:t>занналов</a:t>
+            </a:r>
+            <a:r>
+              <a:rPr lang="ru-RU" baseline="0" dirty="0" smtClean="0"/>
+              <a:t> в реальном времени.</a:t>
+            </a:r>
             <a:endParaRPr lang="uk-UA" dirty="0"/>
           </a:p>
         </p:txBody>
@@ -3128,6 +3619,437 @@
             <a:fld id="{B730E3BF-72D6-4816-BF16-513E75DD0D9E}" type="slidenum">
               <a:rPr lang="uk-UA" smtClean="0"/>
               <a:t>12</a:t>
+            </a:fld>
+            <a:endParaRPr lang="uk-UA" dirty="0"/>
+          </a:p>
+        </p:txBody>
+      </p:sp>
+    </p:spTree>
+    <p:extLst>
+      <p:ext uri="{BB962C8B-B14F-4D97-AF65-F5344CB8AC3E}">
+        <p14:creationId xmlns:p14="http://schemas.microsoft.com/office/powerpoint/2010/main" val="2353773462"/>
+      </p:ext>
+    </p:extLst>
+  </p:cSld>
+  <p:clrMapOvr>
+    <a:masterClrMapping/>
+  </p:clrMapOvr>
+</p:notes>
+</file>
+
+<file path=ppt/notesSlides/notesSlide13.xml><?xml version="1.0" encoding="utf-8"?>
+<p:notes xmlns:a="http://schemas.openxmlformats.org/drawingml/2006/main" xmlns:r="http://schemas.openxmlformats.org/officeDocument/2006/relationships" xmlns:p="http://schemas.openxmlformats.org/presentationml/2006/main">
+  <p:cSld>
+    <p:spTree>
+      <p:nvGrpSpPr>
+        <p:cNvPr id="1" name=""/>
+        <p:cNvGrpSpPr/>
+        <p:nvPr/>
+      </p:nvGrpSpPr>
+      <p:grpSpPr>
+        <a:xfrm>
+          <a:off x="0" y="0"/>
+          <a:ext cx="0" cy="0"/>
+          <a:chOff x="0" y="0"/>
+          <a:chExt cx="0" cy="0"/>
+        </a:xfrm>
+      </p:grpSpPr>
+      <p:sp>
+        <p:nvSpPr>
+          <p:cNvPr id="2" name="Slide Image Placeholder 1"/>
+          <p:cNvSpPr>
+            <a:spLocks noGrp="1" noRot="1" noChangeAspect="1"/>
+          </p:cNvSpPr>
+          <p:nvPr>
+            <p:ph type="sldImg"/>
+          </p:nvPr>
+        </p:nvSpPr>
+        <p:spPr>
+          <a:xfrm>
+            <a:off x="685800" y="1143000"/>
+            <a:ext cx="5486400" cy="3086100"/>
+          </a:xfrm>
+        </p:spPr>
+      </p:sp>
+      <p:sp>
+        <p:nvSpPr>
+          <p:cNvPr id="3" name="Notes Placeholder 2"/>
+          <p:cNvSpPr>
+            <a:spLocks noGrp="1"/>
+          </p:cNvSpPr>
+          <p:nvPr>
+            <p:ph type="body" idx="1"/>
+          </p:nvPr>
+        </p:nvSpPr>
+        <p:spPr/>
+        <p:txBody>
+          <a:bodyPr/>
+          <a:lstStyle/>
+          <a:p>
+            <a:r>
+              <a:rPr lang="ru-RU" dirty="0" smtClean="0"/>
+              <a:t>	Модуль работает</a:t>
+            </a:r>
+            <a:r>
+              <a:rPr lang="ru-RU" baseline="0" dirty="0" smtClean="0"/>
+              <a:t> только под ОС </a:t>
+            </a:r>
+            <a:r>
+              <a:rPr lang="en-US" baseline="0" dirty="0" smtClean="0"/>
+              <a:t>Linux</a:t>
+            </a:r>
+            <a:r>
+              <a:rPr lang="ru-RU" baseline="0" dirty="0" smtClean="0"/>
+              <a:t> из за сложности перевести адаптер в режим монитора под </a:t>
+            </a:r>
+            <a:r>
+              <a:rPr lang="en-US" baseline="0" dirty="0" smtClean="0"/>
+              <a:t>Win</a:t>
+            </a:r>
+            <a:r>
+              <a:rPr lang="uk-UA" baseline="0" dirty="0" smtClean="0"/>
+              <a:t>. </a:t>
+            </a:r>
+            <a:r>
+              <a:rPr lang="ru-RU" baseline="0" noProof="0" dirty="0" smtClean="0"/>
+              <a:t>Для перевода адаптера в режим монитора, а также для переключения каналов, используются</a:t>
+            </a:r>
+            <a:r>
+              <a:rPr lang="uk-UA" baseline="0" dirty="0" smtClean="0"/>
+              <a:t> </a:t>
+            </a:r>
+            <a:r>
+              <a:rPr lang="ru-RU" baseline="0" dirty="0" smtClean="0"/>
+              <a:t>программы </a:t>
+            </a:r>
+            <a:r>
+              <a:rPr lang="uk-UA" sz="1200" kern="1200" dirty="0" err="1" smtClean="0">
+                <a:solidFill>
+                  <a:schemeClr val="tx1"/>
+                </a:solidFill>
+                <a:effectLst/>
+                <a:latin typeface="+mn-lt"/>
+                <a:ea typeface="+mn-ea"/>
+                <a:cs typeface="+mn-cs"/>
+              </a:rPr>
+              <a:t>ifconfig</a:t>
+            </a:r>
+            <a:r>
+              <a:rPr lang="uk-UA" sz="1200" kern="1200" dirty="0" smtClean="0">
+                <a:solidFill>
+                  <a:schemeClr val="tx1"/>
+                </a:solidFill>
+                <a:effectLst/>
+                <a:latin typeface="+mn-lt"/>
+                <a:ea typeface="+mn-ea"/>
+                <a:cs typeface="+mn-cs"/>
+              </a:rPr>
+              <a:t> и</a:t>
+            </a:r>
+            <a:r>
+              <a:rPr lang="uk-UA" sz="1200" kern="1200" baseline="0" dirty="0" smtClean="0">
+                <a:solidFill>
+                  <a:schemeClr val="tx1"/>
+                </a:solidFill>
+                <a:effectLst/>
+                <a:latin typeface="+mn-lt"/>
+                <a:ea typeface="+mn-ea"/>
+                <a:cs typeface="+mn-cs"/>
+              </a:rPr>
+              <a:t> </a:t>
+            </a:r>
+            <a:r>
+              <a:rPr lang="uk-UA" sz="1200" kern="1200" dirty="0" err="1" smtClean="0">
+                <a:solidFill>
+                  <a:schemeClr val="tx1"/>
+                </a:solidFill>
+                <a:effectLst/>
+                <a:latin typeface="+mn-lt"/>
+                <a:ea typeface="+mn-ea"/>
+                <a:cs typeface="+mn-cs"/>
+              </a:rPr>
+              <a:t>iw</a:t>
+            </a:r>
+            <a:r>
+              <a:rPr lang="ru-RU" sz="1200" kern="1200" baseline="0" dirty="0" smtClean="0">
+                <a:solidFill>
+                  <a:schemeClr val="tx1"/>
+                </a:solidFill>
+                <a:effectLst/>
+                <a:latin typeface="+mn-lt"/>
+                <a:ea typeface="+mn-ea"/>
+                <a:cs typeface="+mn-cs"/>
+              </a:rPr>
+              <a:t>. Траффик отлавливается программой </a:t>
+            </a:r>
+            <a:r>
+              <a:rPr lang="uk-UA" sz="1200" kern="1200" dirty="0" err="1" smtClean="0">
+                <a:solidFill>
+                  <a:schemeClr val="tx1"/>
+                </a:solidFill>
+                <a:effectLst/>
+                <a:latin typeface="+mn-lt"/>
+                <a:ea typeface="+mn-ea"/>
+                <a:cs typeface="+mn-cs"/>
+              </a:rPr>
+              <a:t>tcpdump</a:t>
+            </a:r>
+            <a:r>
+              <a:rPr lang="uk-UA" sz="1200" kern="1200" dirty="0" smtClean="0">
+                <a:solidFill>
+                  <a:schemeClr val="tx1"/>
+                </a:solidFill>
+                <a:effectLst/>
+                <a:latin typeface="+mn-lt"/>
+                <a:ea typeface="+mn-ea"/>
+                <a:cs typeface="+mn-cs"/>
+              </a:rPr>
+              <a:t> и </a:t>
+            </a:r>
+            <a:r>
+              <a:rPr lang="ru-RU" sz="1200" kern="1200" noProof="0" dirty="0" err="1" smtClean="0">
+                <a:solidFill>
+                  <a:schemeClr val="tx1"/>
+                </a:solidFill>
+                <a:effectLst/>
+                <a:latin typeface="+mn-lt"/>
+                <a:ea typeface="+mn-ea"/>
+                <a:cs typeface="+mn-cs"/>
+              </a:rPr>
+              <a:t>парсится</a:t>
+            </a:r>
+            <a:r>
+              <a:rPr lang="ru-RU" sz="1200" kern="1200" noProof="0" dirty="0" smtClean="0">
+                <a:solidFill>
+                  <a:schemeClr val="tx1"/>
+                </a:solidFill>
+                <a:effectLst/>
+                <a:latin typeface="+mn-lt"/>
+                <a:ea typeface="+mn-ea"/>
+                <a:cs typeface="+mn-cs"/>
+              </a:rPr>
+              <a:t> в форму пригодную</a:t>
+            </a:r>
+            <a:r>
+              <a:rPr lang="ru-RU" sz="1200" kern="1200" baseline="0" noProof="0" dirty="0" smtClean="0">
+                <a:solidFill>
+                  <a:schemeClr val="tx1"/>
+                </a:solidFill>
+                <a:effectLst/>
+                <a:latin typeface="+mn-lt"/>
+                <a:ea typeface="+mn-ea"/>
+                <a:cs typeface="+mn-cs"/>
+              </a:rPr>
+              <a:t> для обработки.</a:t>
+            </a:r>
+            <a:endParaRPr lang="ru-RU" noProof="0" dirty="0"/>
+          </a:p>
+        </p:txBody>
+      </p:sp>
+      <p:sp>
+        <p:nvSpPr>
+          <p:cNvPr id="4" name="Slide Number Placeholder 3"/>
+          <p:cNvSpPr>
+            <a:spLocks noGrp="1"/>
+          </p:cNvSpPr>
+          <p:nvPr>
+            <p:ph type="sldNum" sz="quarter" idx="10"/>
+          </p:nvPr>
+        </p:nvSpPr>
+        <p:spPr/>
+        <p:txBody>
+          <a:bodyPr/>
+          <a:lstStyle/>
+          <a:p>
+            <a:fld id="{B730E3BF-72D6-4816-BF16-513E75DD0D9E}" type="slidenum">
+              <a:rPr lang="uk-UA" smtClean="0"/>
+              <a:t>13</a:t>
+            </a:fld>
+            <a:endParaRPr lang="uk-UA" dirty="0"/>
+          </a:p>
+        </p:txBody>
+      </p:sp>
+    </p:spTree>
+    <p:extLst>
+      <p:ext uri="{BB962C8B-B14F-4D97-AF65-F5344CB8AC3E}">
+        <p14:creationId xmlns:p14="http://schemas.microsoft.com/office/powerpoint/2010/main" val="2679478294"/>
+      </p:ext>
+    </p:extLst>
+  </p:cSld>
+  <p:clrMapOvr>
+    <a:masterClrMapping/>
+  </p:clrMapOvr>
+</p:notes>
+</file>
+
+<file path=ppt/notesSlides/notesSlide14.xml><?xml version="1.0" encoding="utf-8"?>
+<p:notes xmlns:a="http://schemas.openxmlformats.org/drawingml/2006/main" xmlns:r="http://schemas.openxmlformats.org/officeDocument/2006/relationships" xmlns:p="http://schemas.openxmlformats.org/presentationml/2006/main">
+  <p:cSld>
+    <p:spTree>
+      <p:nvGrpSpPr>
+        <p:cNvPr id="1" name=""/>
+        <p:cNvGrpSpPr/>
+        <p:nvPr/>
+      </p:nvGrpSpPr>
+      <p:grpSpPr>
+        <a:xfrm>
+          <a:off x="0" y="0"/>
+          <a:ext cx="0" cy="0"/>
+          <a:chOff x="0" y="0"/>
+          <a:chExt cx="0" cy="0"/>
+        </a:xfrm>
+      </p:grpSpPr>
+      <p:sp>
+        <p:nvSpPr>
+          <p:cNvPr id="2" name="Slide Image Placeholder 1"/>
+          <p:cNvSpPr>
+            <a:spLocks noGrp="1" noRot="1" noChangeAspect="1"/>
+          </p:cNvSpPr>
+          <p:nvPr>
+            <p:ph type="sldImg"/>
+          </p:nvPr>
+        </p:nvSpPr>
+        <p:spPr>
+          <a:xfrm>
+            <a:off x="685800" y="1143000"/>
+            <a:ext cx="5486400" cy="3086100"/>
+          </a:xfrm>
+        </p:spPr>
+      </p:sp>
+      <p:sp>
+        <p:nvSpPr>
+          <p:cNvPr id="3" name="Notes Placeholder 2"/>
+          <p:cNvSpPr>
+            <a:spLocks noGrp="1"/>
+          </p:cNvSpPr>
+          <p:nvPr>
+            <p:ph type="body" idx="1"/>
+          </p:nvPr>
+        </p:nvSpPr>
+        <p:spPr/>
+        <p:txBody>
+          <a:bodyPr/>
+          <a:lstStyle/>
+          <a:p>
+            <a:r>
+              <a:rPr lang="ru-RU" noProof="1" smtClean="0"/>
+              <a:t>	Как проанализированные</a:t>
+            </a:r>
+            <a:r>
+              <a:rPr lang="ru-RU" baseline="0" noProof="1" smtClean="0"/>
+              <a:t> данные так и загруженность канала отображаются через интерфейсе пользователя.</a:t>
+            </a:r>
+            <a:endParaRPr lang="ru-RU" noProof="1"/>
+          </a:p>
+        </p:txBody>
+      </p:sp>
+      <p:sp>
+        <p:nvSpPr>
+          <p:cNvPr id="4" name="Slide Number Placeholder 3"/>
+          <p:cNvSpPr>
+            <a:spLocks noGrp="1"/>
+          </p:cNvSpPr>
+          <p:nvPr>
+            <p:ph type="sldNum" sz="quarter" idx="10"/>
+          </p:nvPr>
+        </p:nvSpPr>
+        <p:spPr/>
+        <p:txBody>
+          <a:bodyPr/>
+          <a:lstStyle/>
+          <a:p>
+            <a:fld id="{B730E3BF-72D6-4816-BF16-513E75DD0D9E}" type="slidenum">
+              <a:rPr lang="uk-UA" smtClean="0"/>
+              <a:t>14</a:t>
+            </a:fld>
+            <a:endParaRPr lang="uk-UA" dirty="0"/>
+          </a:p>
+        </p:txBody>
+      </p:sp>
+    </p:spTree>
+    <p:extLst>
+      <p:ext uri="{BB962C8B-B14F-4D97-AF65-F5344CB8AC3E}">
+        <p14:creationId xmlns:p14="http://schemas.microsoft.com/office/powerpoint/2010/main" val="1699580199"/>
+      </p:ext>
+    </p:extLst>
+  </p:cSld>
+  <p:clrMapOvr>
+    <a:masterClrMapping/>
+  </p:clrMapOvr>
+</p:notes>
+</file>
+
+<file path=ppt/notesSlides/notesSlide15.xml><?xml version="1.0" encoding="utf-8"?>
+<p:notes xmlns:a="http://schemas.openxmlformats.org/drawingml/2006/main" xmlns:r="http://schemas.openxmlformats.org/officeDocument/2006/relationships" xmlns:p="http://schemas.openxmlformats.org/presentationml/2006/main">
+  <p:cSld>
+    <p:spTree>
+      <p:nvGrpSpPr>
+        <p:cNvPr id="1" name=""/>
+        <p:cNvGrpSpPr/>
+        <p:nvPr/>
+      </p:nvGrpSpPr>
+      <p:grpSpPr>
+        <a:xfrm>
+          <a:off x="0" y="0"/>
+          <a:ext cx="0" cy="0"/>
+          <a:chOff x="0" y="0"/>
+          <a:chExt cx="0" cy="0"/>
+        </a:xfrm>
+      </p:grpSpPr>
+      <p:sp>
+        <p:nvSpPr>
+          <p:cNvPr id="2" name="Slide Image Placeholder 1"/>
+          <p:cNvSpPr>
+            <a:spLocks noGrp="1" noRot="1" noChangeAspect="1"/>
+          </p:cNvSpPr>
+          <p:nvPr>
+            <p:ph type="sldImg"/>
+          </p:nvPr>
+        </p:nvSpPr>
+        <p:spPr>
+          <a:xfrm>
+            <a:off x="685800" y="1143000"/>
+            <a:ext cx="5486400" cy="3086100"/>
+          </a:xfrm>
+        </p:spPr>
+      </p:sp>
+      <p:sp>
+        <p:nvSpPr>
+          <p:cNvPr id="3" name="Notes Placeholder 2"/>
+          <p:cNvSpPr>
+            <a:spLocks noGrp="1"/>
+          </p:cNvSpPr>
+          <p:nvPr>
+            <p:ph type="body" idx="1"/>
+          </p:nvPr>
+        </p:nvSpPr>
+        <p:spPr/>
+        <p:txBody>
+          <a:bodyPr/>
+          <a:lstStyle/>
+          <a:p>
+            <a:endParaRPr lang="uk-UA" dirty="0"/>
+          </a:p>
+        </p:txBody>
+      </p:sp>
+      <p:sp>
+        <p:nvSpPr>
+          <p:cNvPr id="4" name="Slide Number Placeholder 3"/>
+          <p:cNvSpPr>
+            <a:spLocks noGrp="1"/>
+          </p:cNvSpPr>
+          <p:nvPr>
+            <p:ph type="sldNum" sz="quarter" idx="10"/>
+          </p:nvPr>
+        </p:nvSpPr>
+        <p:spPr/>
+        <p:txBody>
+          <a:bodyPr/>
+          <a:lstStyle/>
+          <a:p>
+            <a:fld id="{B730E3BF-72D6-4816-BF16-513E75DD0D9E}" type="slidenum">
+              <a:rPr lang="uk-UA" smtClean="0"/>
+              <a:t>15</a:t>
             </a:fld>
             <a:endParaRPr lang="uk-UA" dirty="0"/>
           </a:p>
@@ -3363,7 +4285,7 @@
     </p:spTree>
     <p:extLst>
       <p:ext uri="{BB962C8B-B14F-4D97-AF65-F5344CB8AC3E}">
-        <p14:creationId xmlns:p14="http://schemas.microsoft.com/office/powerpoint/2010/main" val="2317171516"/>
+        <p14:creationId xmlns:p14="http://schemas.microsoft.com/office/powerpoint/2010/main" val="913772057"/>
       </p:ext>
     </p:extLst>
   </p:cSld>
@@ -3430,15 +4352,7 @@
           <a:p>
             <a:r>
               <a:rPr lang="ru-RU" dirty="0" smtClean="0"/>
-              <a:t>	Модуль сканирует </a:t>
-            </a:r>
-            <a:r>
-              <a:rPr lang="ru-RU" dirty="0" smtClean="0"/>
-              <a:t>систему на предмет подключений </a:t>
-            </a:r>
-            <a:r>
-              <a:rPr lang="ru-RU" dirty="0" smtClean="0"/>
-              <a:t>устройств.</a:t>
+              <a:t>	Модуль сканирует систему на предмет подключений устройств.</a:t>
             </a:r>
             <a:r>
               <a:rPr lang="ru-RU" baseline="0" dirty="0" smtClean="0"/>
@@ -3446,11 +4360,7 @@
             </a:r>
             <a:r>
               <a:rPr lang="ru-RU" dirty="0" smtClean="0"/>
-              <a:t>Класс </a:t>
-            </a:r>
-            <a:r>
-              <a:rPr lang="ru-RU" dirty="0" smtClean="0"/>
-              <a:t>реализует паттерн программирования </a:t>
+              <a:t>Класс реализует паттерн программирования </a:t>
             </a:r>
             <a:r>
               <a:rPr lang="ru-RU" dirty="0" err="1" smtClean="0"/>
@@ -3472,6 +4382,31 @@
               <a:rPr lang="ru-RU" dirty="0" smtClean="0"/>
               <a:t>.</a:t>
             </a:r>
+            <a:r>
+              <a:rPr lang="en-US" dirty="0" smtClean="0"/>
+              <a:t> </a:t>
+            </a:r>
+            <a:r>
+              <a:rPr lang="ru-RU" dirty="0" err="1" smtClean="0"/>
+              <a:t>Observer</a:t>
+            </a:r>
+            <a:r>
+              <a:rPr lang="en-US" dirty="0" smtClean="0"/>
+              <a:t> </a:t>
+            </a:r>
+            <a:r>
+              <a:rPr lang="ru-RU" dirty="0" err="1" smtClean="0"/>
+              <a:t>используеться</a:t>
+            </a:r>
+            <a:r>
+              <a:rPr lang="ru-RU" dirty="0" smtClean="0"/>
+              <a:t> довольно часто так</a:t>
+            </a:r>
+            <a:r>
+              <a:rPr lang="ru-RU" baseline="0" dirty="0" smtClean="0"/>
+              <a:t> как позволяет отделить части программы друг от друга.</a:t>
+            </a:r>
+            <a:endParaRPr lang="ru-RU" dirty="0" smtClean="0"/>
           </a:p>
           <a:p>
             <a:r>
@@ -3516,11 +4451,27 @@
           <a:p>
             <a:r>
               <a:rPr lang="ru-RU" dirty="0" smtClean="0"/>
-              <a:t>	Также модуль – инициализирует</a:t>
+              <a:t>	Также </a:t>
+            </a:r>
+            <a:r>
+              <a:rPr lang="ru-RU" dirty="0" smtClean="0"/>
+              <a:t>модуль </a:t>
+            </a:r>
+            <a:r>
+              <a:rPr lang="ru-RU" dirty="0" smtClean="0"/>
+              <a:t>инициализирует</a:t>
             </a:r>
             <a:r>
               <a:rPr lang="ru-RU" baseline="0" dirty="0" smtClean="0"/>
-              <a:t> класс конкретного устройства, и запускает его в отдельный поток.</a:t>
+              <a:t> класс конкретного устройства, и запускает его </a:t>
+            </a:r>
+            <a:r>
+              <a:rPr lang="ru-RU" baseline="0" dirty="0" smtClean="0"/>
+              <a:t>для работы в </a:t>
+            </a:r>
+            <a:r>
+              <a:rPr lang="ru-RU" baseline="0" dirty="0" smtClean="0"/>
+              <a:t>отдельный поток.</a:t>
             </a:r>
             <a:endParaRPr lang="uk-UA" dirty="0"/>
           </a:p>
@@ -3611,149 +4562,116 @@
           <a:bodyPr/>
           <a:lstStyle/>
           <a:p>
-            <a:pPr marL="0" marR="0" indent="0" algn="l" defTabSz="914400" rtl="0" eaLnBrk="1" fontAlgn="auto" latinLnBrk="0" hangingPunct="1">
-              <a:lnSpc>
-                <a:spcPct val="100000"/>
-              </a:lnSpc>
-              <a:spcBef>
-                <a:spcPts val="0"/>
-              </a:spcBef>
-              <a:spcAft>
-                <a:spcPts val="0"/>
-              </a:spcAft>
-              <a:buClrTx/>
-              <a:buSzTx/>
-              <a:buFontTx/>
-              <a:buNone/>
-              <a:tabLst/>
-              <a:defRPr/>
-            </a:pPr>
-            <a:r>
-              <a:rPr lang="ru-RU" b="1" dirty="0" smtClean="0"/>
-              <a:t>Зачем</a:t>
+            <a:r>
+              <a:rPr lang="ru-RU" dirty="0" smtClean="0"/>
+              <a:t>	Поскольку</a:t>
+            </a:r>
+            <a:r>
+              <a:rPr lang="ru-RU" baseline="0" dirty="0" smtClean="0"/>
+              <a:t> программа должна поддерживать устройства от разных производителей, а также разных типов (</a:t>
+            </a:r>
+            <a:r>
+              <a:rPr lang="en-US" baseline="0" dirty="0" err="1" smtClean="0"/>
+              <a:t>HHIDUSB</a:t>
+            </a:r>
+            <a:r>
+              <a:rPr lang="en-US" baseline="0" dirty="0" smtClean="0"/>
+              <a:t> </a:t>
+            </a:r>
+            <a:r>
+              <a:rPr lang="ru-RU" baseline="0" dirty="0" smtClean="0"/>
+              <a:t>и </a:t>
+            </a:r>
+            <a:r>
+              <a:rPr lang="en-US" baseline="0" dirty="0" smtClean="0"/>
+              <a:t>COM</a:t>
+            </a:r>
+            <a:r>
+              <a:rPr lang="ru-RU" baseline="0" dirty="0" smtClean="0"/>
+              <a:t>)</a:t>
+            </a:r>
+            <a:r>
+              <a:rPr lang="en-US" baseline="0" dirty="0" smtClean="0"/>
+              <a:t> </a:t>
+            </a:r>
+            <a:r>
+              <a:rPr lang="ru-RU" baseline="0" dirty="0" smtClean="0"/>
+              <a:t>было решено </a:t>
             </a:r>
             <a:r>
               <a:rPr lang="ru-RU" b="1" baseline="0" dirty="0" smtClean="0"/>
-              <a:t> нужно</a:t>
-            </a:r>
-            <a:r>
-              <a:rPr lang="ru-RU" b="1" dirty="0" smtClean="0"/>
-              <a:t>?</a:t>
-            </a:r>
-            <a:endParaRPr lang="uk-UA" b="1" dirty="0" smtClean="0"/>
-          </a:p>
-          <a:p>
-            <a:pPr marL="0" marR="0" indent="0" algn="l" defTabSz="914400" rtl="0" eaLnBrk="1" fontAlgn="auto" latinLnBrk="0" hangingPunct="1">
-              <a:lnSpc>
-                <a:spcPct val="100000"/>
-              </a:lnSpc>
-              <a:spcBef>
-                <a:spcPts val="0"/>
-              </a:spcBef>
-              <a:spcAft>
-                <a:spcPts val="0"/>
-              </a:spcAft>
-              <a:buClrTx/>
-              <a:buSzTx/>
-              <a:buFontTx/>
-              <a:buNone/>
-              <a:tabLst/>
-              <a:defRPr/>
-            </a:pPr>
+              <a:t>унифицировать</a:t>
+            </a:r>
+            <a:r>
+              <a:rPr lang="ru-RU" baseline="0" dirty="0" smtClean="0"/>
+              <a:t> поведение устройств в абстрактном классе </a:t>
+            </a:r>
             <a:r>
               <a:rPr lang="ru-RU" dirty="0" smtClean="0"/>
-              <a:t>	За анализ данных отвечает класс PacketAnalysis. Он принимает</a:t>
+              <a:t>Device. Используется</a:t>
             </a:r>
             <a:r>
               <a:rPr lang="ru-RU" baseline="0" dirty="0" smtClean="0"/>
               <a:t> </a:t>
             </a:r>
             <a:r>
+              <a:rPr lang="ru-RU" b="1" baseline="0" dirty="0" smtClean="0"/>
+              <a:t>статичный фабричный метод</a:t>
+            </a:r>
+            <a:r>
+              <a:rPr lang="ru-RU" baseline="0" dirty="0" smtClean="0"/>
+              <a:t>, который позволяет, в отличие от конструктора класса, возвращать объекты потомков, которые и являются классами конкретных устройств.</a:t>
+            </a:r>
+          </a:p>
+          <a:p>
+            <a:r>
+              <a:rPr lang="ru-RU" baseline="0" dirty="0" smtClean="0"/>
+              <a:t>	Такой подход позволяет легко добавлять новые устройства в программу – для этого нужно заполнить в шаблоне такие параметры как </a:t>
+            </a:r>
+            <a:r>
+              <a:rPr lang="en-US" baseline="0" dirty="0" err="1" smtClean="0"/>
+              <a:t>PID</a:t>
+            </a:r>
+            <a:r>
               <a:rPr lang="en-US" baseline="0" dirty="0" smtClean="0"/>
-              <a:t>RSSI </a:t>
+              <a:t>, VID, </a:t>
             </a:r>
             <a:r>
               <a:rPr lang="ru-RU" baseline="0" dirty="0" smtClean="0"/>
-              <a:t>и генерирует массивы с модой, медианой, средним и максимальными значениями. С помощью паттерна проектирования</a:t>
+              <a:t>минимальную частоту, расстояние между </a:t>
+            </a:r>
+            <a:r>
+              <a:rPr lang="ru-RU" baseline="0" dirty="0" err="1" smtClean="0"/>
+              <a:t>дискретами</a:t>
+            </a:r>
+            <a:r>
+              <a:rPr lang="ru-RU" baseline="0" dirty="0" smtClean="0"/>
+              <a:t>.</a:t>
+            </a:r>
+          </a:p>
+          <a:p>
+            <a:endParaRPr lang="ru-RU" baseline="0" dirty="0" smtClean="0"/>
+          </a:p>
+          <a:p>
+            <a:r>
+              <a:rPr lang="ru-RU" baseline="0" dirty="0" smtClean="0"/>
+              <a:t>	После инициализации устройство начинает отсылать данные. Программа принимает их и, в соответствии с заданными параметрами, формирует массивы </a:t>
             </a:r>
             <a:r>
               <a:rPr lang="en-US" baseline="0" dirty="0" smtClean="0"/>
-              <a:t> Observer</a:t>
+              <a:t>RSSI</a:t>
             </a:r>
             <a:r>
               <a:rPr lang="ru-RU" baseline="0" dirty="0" smtClean="0"/>
-              <a:t> данные рассылаются всем подписчикам.</a:t>
-            </a:r>
-          </a:p>
-          <a:p>
-            <a:pPr marL="0" marR="0" indent="0" algn="l" defTabSz="914400" rtl="0" eaLnBrk="1" fontAlgn="auto" latinLnBrk="0" hangingPunct="1">
-              <a:lnSpc>
-                <a:spcPct val="100000"/>
-              </a:lnSpc>
-              <a:spcBef>
-                <a:spcPts val="0"/>
-              </a:spcBef>
-              <a:spcAft>
-                <a:spcPts val="0"/>
-              </a:spcAft>
-              <a:buClrTx/>
-              <a:buSzTx/>
-              <a:buFontTx/>
-              <a:buNone/>
-              <a:tabLst/>
-              <a:defRPr/>
-            </a:pPr>
-            <a:endParaRPr lang="ru-RU" baseline="0" dirty="0" smtClean="0"/>
-          </a:p>
-          <a:p>
-            <a:pPr marL="0" marR="0" indent="0" algn="l" defTabSz="914400" rtl="0" eaLnBrk="1" fontAlgn="auto" latinLnBrk="0" hangingPunct="1">
-              <a:lnSpc>
-                <a:spcPct val="100000"/>
-              </a:lnSpc>
-              <a:spcBef>
-                <a:spcPts val="0"/>
-              </a:spcBef>
-              <a:spcAft>
-                <a:spcPts val="0"/>
-              </a:spcAft>
-              <a:buClrTx/>
-              <a:buSzTx/>
-              <a:buFontTx/>
-              <a:buNone/>
-              <a:tabLst/>
-              <a:defRPr/>
-            </a:pPr>
-            <a:r>
-              <a:rPr lang="ru-RU" b="1" baseline="0" dirty="0" smtClean="0"/>
-              <a:t>Проблематика:</a:t>
-            </a:r>
-          </a:p>
-          <a:p>
-            <a:pPr marL="0" marR="0" indent="0" algn="l" defTabSz="914400" rtl="0" eaLnBrk="1" fontAlgn="auto" latinLnBrk="0" hangingPunct="1">
-              <a:lnSpc>
-                <a:spcPct val="100000"/>
-              </a:lnSpc>
-              <a:spcBef>
-                <a:spcPts val="0"/>
-              </a:spcBef>
-              <a:spcAft>
-                <a:spcPts val="0"/>
-              </a:spcAft>
-              <a:buClrTx/>
-              <a:buSzTx/>
-              <a:buFontTx/>
-              <a:buNone/>
-              <a:tabLst/>
-              <a:defRPr/>
-            </a:pPr>
-            <a:r>
-              <a:rPr lang="ru-RU" b="0" baseline="0" dirty="0" smtClean="0"/>
-              <a:t>	Основная проблема на данном этапе – выбор корректного алгоритма расчета. Дело в том, что …</a:t>
-            </a:r>
-            <a:r>
-              <a:rPr lang="en-US" b="0" baseline="0" dirty="0" smtClean="0"/>
-              <a:t> -&gt;</a:t>
-            </a:r>
+              <a:t>, которые рассылает подписчикам.</a:t>
+            </a:r>
+          </a:p>
+          <a:p>
+            <a:r>
+              <a:rPr lang="ru-RU" baseline="0" dirty="0" smtClean="0"/>
+              <a:t>	Одним из таких подписчиков является модуль анализа данных.</a:t>
+            </a:r>
+            <a:endParaRPr lang="ru-RU" dirty="0" smtClean="0"/>
           </a:p>
         </p:txBody>
       </p:sp>
@@ -3783,7 +4701,7 @@
     </p:spTree>
     <p:extLst>
       <p:ext uri="{BB962C8B-B14F-4D97-AF65-F5344CB8AC3E}">
-        <p14:creationId xmlns:p14="http://schemas.microsoft.com/office/powerpoint/2010/main" val="1171698748"/>
+        <p14:creationId xmlns:p14="http://schemas.microsoft.com/office/powerpoint/2010/main" val="2700565716"/>
       </p:ext>
     </p:extLst>
   </p:cSld>
@@ -3820,12 +4738,7 @@
             <p:ph type="sldImg"/>
           </p:nvPr>
         </p:nvSpPr>
-        <p:spPr>
-          <a:xfrm>
-            <a:off x="685800" y="1143000"/>
-            <a:ext cx="5486400" cy="3086100"/>
-          </a:xfrm>
-        </p:spPr>
+        <p:spPr/>
       </p:sp>
       <p:sp>
         <p:nvSpPr>
@@ -3843,68 +4756,10 @@
           <a:lstStyle/>
           <a:p>
             <a:r>
-              <a:rPr lang="ru-RU" sz="1400" b="1" dirty="0" smtClean="0"/>
-              <a:t>Проблематика:</a:t>
-            </a:r>
-          </a:p>
-          <a:p>
-            <a:r>
-              <a:rPr lang="ru-RU" sz="1400" b="0" dirty="0" smtClean="0"/>
-              <a:t>	Используя стандартные формулы мы получаем Линейное увеличение времени при расчете</a:t>
-            </a:r>
-            <a:r>
-              <a:rPr lang="ru-RU" sz="1400" b="0" baseline="0" dirty="0" smtClean="0"/>
-              <a:t> (моды, медианы, среднего и максимального значений) из за того, что объём данных постоянно увеличивается. В этом случае, на определенном этапе своей работы, программа просто захлебнется значениями, которые нужно обработать.</a:t>
-            </a:r>
-          </a:p>
-          <a:p>
-            <a:endParaRPr lang="ru-RU" sz="1400" b="0" baseline="0" dirty="0" smtClean="0"/>
-          </a:p>
-          <a:p>
-            <a:r>
-              <a:rPr lang="ru-RU" sz="1600" b="1" dirty="0" smtClean="0"/>
-              <a:t>АНИМАЦИЯ</a:t>
-            </a:r>
-          </a:p>
-          <a:p>
-            <a:r>
-              <a:rPr lang="ru-RU" sz="1600" b="1" dirty="0" smtClean="0"/>
-              <a:t>Что</a:t>
-            </a:r>
-            <a:r>
-              <a:rPr lang="ru-RU" sz="1600" b="1" baseline="0" dirty="0" smtClean="0"/>
-              <a:t> нужно достичь:</a:t>
-            </a:r>
-          </a:p>
-          <a:p>
-            <a:r>
-              <a:rPr lang="ru-RU" sz="1600" b="0" baseline="0" dirty="0" smtClean="0"/>
-              <a:t>	В идеале нужно достичь </a:t>
-            </a:r>
-            <a:r>
-              <a:rPr lang="ru-RU" sz="1600" b="1" baseline="0" dirty="0" smtClean="0"/>
-              <a:t>константного </a:t>
-            </a:r>
-            <a:r>
-              <a:rPr lang="ru-RU" sz="1600" b="0" baseline="0" dirty="0" smtClean="0"/>
-              <a:t>времени расчета моды, медианы, среднего и максимального значений в условии прироста данных.</a:t>
-            </a:r>
-          </a:p>
-          <a:p>
-            <a:endParaRPr lang="ru-RU" sz="1600" b="0" baseline="0" dirty="0" smtClean="0"/>
-          </a:p>
-          <a:p>
-            <a:r>
-              <a:rPr lang="ru-RU" sz="1600" b="1" baseline="0" dirty="0" smtClean="0"/>
-              <a:t>Решение:</a:t>
-            </a:r>
-          </a:p>
-          <a:p>
-            <a:r>
-              <a:rPr lang="ru-RU" sz="1600" b="0" baseline="0" dirty="0" smtClean="0"/>
-              <a:t>	Для решения проблемы было использовано </a:t>
-            </a:r>
-            <a:endParaRPr lang="uk-UA" sz="1600" b="0" dirty="0"/>
+              <a:rPr lang="ru-RU" dirty="0" smtClean="0"/>
+              <a:t>	</a:t>
+            </a:r>
+            <a:endParaRPr lang="uk-UA" dirty="0"/>
           </a:p>
         </p:txBody>
       </p:sp>
@@ -3934,7 +4789,7 @@
     </p:spTree>
     <p:extLst>
       <p:ext uri="{BB962C8B-B14F-4D97-AF65-F5344CB8AC3E}">
-        <p14:creationId xmlns:p14="http://schemas.microsoft.com/office/powerpoint/2010/main" val="660375725"/>
+        <p14:creationId xmlns:p14="http://schemas.microsoft.com/office/powerpoint/2010/main" val="708018554"/>
       </p:ext>
     </p:extLst>
   </p:cSld>
@@ -3994,68 +4849,89 @@
           <a:lstStyle/>
           <a:p>
             <a:r>
-              <a:rPr lang="ru-RU" sz="1400" b="1" dirty="0" smtClean="0"/>
-              <a:t>Проблематика:</a:t>
-            </a:r>
-          </a:p>
-          <a:p>
-            <a:r>
-              <a:rPr lang="ru-RU" sz="1400" b="0" dirty="0" smtClean="0"/>
-              <a:t>	Используя стандартные формулы мы получаем Линейное увеличение времени при расчете</a:t>
-            </a:r>
-            <a:r>
-              <a:rPr lang="ru-RU" sz="1400" b="0" baseline="0" dirty="0" smtClean="0"/>
-              <a:t> (моды, медианы, среднего и максимального значений) из за того, что объём данных постоянно увеличивается. В этом случае, на определенном этапе своей работы, программа просто захлебнется значениями, которые нужно обработать.</a:t>
-            </a:r>
-          </a:p>
-          <a:p>
-            <a:endParaRPr lang="ru-RU" sz="1400" b="0" baseline="0" dirty="0" smtClean="0"/>
-          </a:p>
-          <a:p>
-            <a:r>
-              <a:rPr lang="ru-RU" sz="1600" b="1" dirty="0" smtClean="0"/>
-              <a:t>АНИМАЦИЯ</a:t>
-            </a:r>
-          </a:p>
-          <a:p>
-            <a:r>
-              <a:rPr lang="ru-RU" sz="1600" b="1" dirty="0" smtClean="0"/>
-              <a:t>Что</a:t>
-            </a:r>
-            <a:r>
-              <a:rPr lang="ru-RU" sz="1600" b="1" baseline="0" dirty="0" smtClean="0"/>
-              <a:t> нужно достичь:</a:t>
-            </a:r>
-          </a:p>
-          <a:p>
-            <a:r>
-              <a:rPr lang="ru-RU" sz="1600" b="0" baseline="0" dirty="0" smtClean="0"/>
-              <a:t>	В идеале нужно достичь </a:t>
-            </a:r>
-            <a:r>
-              <a:rPr lang="ru-RU" sz="1600" b="1" baseline="0" dirty="0" smtClean="0"/>
-              <a:t>константного </a:t>
-            </a:r>
-            <a:r>
-              <a:rPr lang="ru-RU" sz="1600" b="0" baseline="0" dirty="0" smtClean="0"/>
-              <a:t>времени расчета моды, медианы, среднего и максимального значений в условии прироста данных.</a:t>
-            </a:r>
-          </a:p>
-          <a:p>
-            <a:endParaRPr lang="ru-RU" sz="1600" b="0" baseline="0" dirty="0" smtClean="0"/>
-          </a:p>
-          <a:p>
-            <a:r>
-              <a:rPr lang="ru-RU" sz="1600" b="1" baseline="0" dirty="0" smtClean="0"/>
-              <a:t>Решение:</a:t>
-            </a:r>
-          </a:p>
-          <a:p>
-            <a:r>
-              <a:rPr lang="ru-RU" sz="1600" b="0" baseline="0" dirty="0" smtClean="0"/>
-              <a:t>	Для решения проблемы было использовано </a:t>
-            </a:r>
-            <a:endParaRPr lang="uk-UA" sz="1600" b="0" dirty="0"/>
+              <a:rPr lang="ru-RU" dirty="0" smtClean="0"/>
+              <a:t>	Также</a:t>
+            </a:r>
+            <a:r>
+              <a:rPr lang="ru-RU" baseline="0" dirty="0" smtClean="0"/>
+              <a:t> на рассылку </a:t>
+            </a:r>
+            <a:r>
+              <a:rPr lang="en-US" baseline="0" dirty="0" smtClean="0"/>
+              <a:t>RSSI </a:t>
+            </a:r>
+            <a:r>
+              <a:rPr lang="ru-RU" baseline="0" dirty="0" smtClean="0"/>
+              <a:t>подписан модуль </a:t>
+            </a:r>
+            <a:r>
+              <a:rPr lang="ru-RU" baseline="0" dirty="0" err="1" smtClean="0"/>
+              <a:t>логирования</a:t>
+            </a:r>
+            <a:r>
+              <a:rPr lang="ru-RU" baseline="0" dirty="0" smtClean="0"/>
+              <a:t>. </a:t>
+            </a:r>
+          </a:p>
+          <a:p>
+            <a:r>
+              <a:rPr lang="ru-RU" baseline="0" dirty="0" smtClean="0"/>
+              <a:t>	Задача модуля – записывать в файл массивы </a:t>
+            </a:r>
+            <a:r>
+              <a:rPr lang="en-US" baseline="0" dirty="0" smtClean="0"/>
+              <a:t>RSSI </a:t>
+            </a:r>
+            <a:r>
+              <a:rPr lang="ru-RU" baseline="0" dirty="0" smtClean="0"/>
+              <a:t>в такой форме, что бы их можно было загрузить в программу (используется </a:t>
+            </a:r>
+            <a:r>
+              <a:rPr lang="uk-UA" sz="1200" kern="1200" dirty="0" err="1" smtClean="0">
+                <a:solidFill>
+                  <a:schemeClr val="tx1"/>
+                </a:solidFill>
+                <a:effectLst/>
+                <a:latin typeface="+mn-lt"/>
+                <a:ea typeface="+mn-ea"/>
+                <a:cs typeface="+mn-cs"/>
+              </a:rPr>
+              <a:t>JSON</a:t>
+            </a:r>
+            <a:r>
+              <a:rPr lang="ru-RU" baseline="0" dirty="0" smtClean="0"/>
+              <a:t>).</a:t>
+            </a:r>
+          </a:p>
+          <a:p>
+            <a:endParaRPr lang="ru-RU" baseline="0" dirty="0" smtClean="0"/>
+          </a:p>
+          <a:p>
+            <a:r>
+              <a:rPr lang="ru-RU" baseline="0" dirty="0" smtClean="0"/>
+              <a:t>	Основной проблемой функции </a:t>
+            </a:r>
+            <a:r>
+              <a:rPr lang="ru-RU" baseline="0" dirty="0" err="1" smtClean="0"/>
+              <a:t>Replay</a:t>
+            </a:r>
+            <a:r>
+              <a:rPr lang="ru-RU" baseline="0" dirty="0" smtClean="0"/>
+              <a:t> является пропорциональный рост времени на открытие файла в соответствии с его размером. Эта проблема не решена в текущей версии программы. Возможный путь решения - открытие не целого файла, а его части с </a:t>
+            </a:r>
+            <a:r>
+              <a:rPr lang="ru-RU" baseline="0" smtClean="0"/>
+              <a:t>помощью потокового (</a:t>
+            </a:r>
+            <a:r>
+              <a:rPr lang="ru-RU" baseline="0" dirty="0" err="1" smtClean="0"/>
+              <a:t>Streaming</a:t>
+            </a:r>
+            <a:r>
+              <a:rPr lang="ru-RU" baseline="0" dirty="0" smtClean="0"/>
+              <a:t>) считывания.</a:t>
+            </a:r>
+            <a:endParaRPr lang="ru-RU" dirty="0" smtClean="0"/>
           </a:p>
         </p:txBody>
       </p:sp>
@@ -4085,7 +4961,7 @@
     </p:spTree>
     <p:extLst>
       <p:ext uri="{BB962C8B-B14F-4D97-AF65-F5344CB8AC3E}">
-        <p14:creationId xmlns:p14="http://schemas.microsoft.com/office/powerpoint/2010/main" val="1779894229"/>
+        <p14:creationId xmlns:p14="http://schemas.microsoft.com/office/powerpoint/2010/main" val="3878967647"/>
       </p:ext>
     </p:extLst>
   </p:cSld>
@@ -4195,17 +5071,28 @@
             </a:pPr>
             <a:r>
               <a:rPr lang="ru-RU" dirty="0" smtClean="0"/>
-              <a:t>	</a:t>
-            </a:r>
-            <a:r>
-              <a:rPr lang="ru-RU" dirty="0" smtClean="0"/>
-              <a:t>Среднее</a:t>
+              <a:t>	За анализ данных отвечает класс PacketAnalysis. Он принимает</a:t>
             </a:r>
             <a:r>
               <a:rPr lang="ru-RU" baseline="0" dirty="0" smtClean="0"/>
-              <a:t> значение показывает интенсивность сигнала за определенный временной интервал.</a:t>
-            </a:r>
-            <a:endParaRPr lang="ru-RU" dirty="0" smtClean="0"/>
+              <a:t> </a:t>
+            </a:r>
+            <a:r>
+              <a:rPr lang="en-US" baseline="0" dirty="0" smtClean="0"/>
+              <a:t>RSSI </a:t>
+            </a:r>
+            <a:r>
+              <a:rPr lang="ru-RU" baseline="0" dirty="0" smtClean="0"/>
+              <a:t>и генерирует массивы с модой, медианой, средним и максимальными значениями. С помощью паттерна проектирования</a:t>
+            </a:r>
+            <a:r>
+              <a:rPr lang="en-US" baseline="0" dirty="0" smtClean="0"/>
+              <a:t> Observer</a:t>
+            </a:r>
+            <a:r>
+              <a:rPr lang="ru-RU" baseline="0" dirty="0" smtClean="0"/>
+              <a:t> данные рассылаются всем подписчикам.</a:t>
+            </a:r>
           </a:p>
           <a:p>
             <a:pPr marL="0" marR="0" indent="0" algn="l" defTabSz="914400" rtl="0" eaLnBrk="1" fontAlgn="auto" latinLnBrk="0" hangingPunct="1">
@@ -4225,7 +5112,7 @@
               <a:tabLst/>
               <a:defRPr/>
             </a:pPr>
-            <a:endParaRPr lang="ru-RU" dirty="0" smtClean="0"/>
+            <a:endParaRPr lang="ru-RU" baseline="0" dirty="0" smtClean="0"/>
           </a:p>
           <a:p>
             <a:pPr marL="0" marR="0" indent="0" algn="l" defTabSz="914400" rtl="0" eaLnBrk="1" fontAlgn="auto" latinLnBrk="0" hangingPunct="1">
@@ -4246,8 +5133,8 @@
               <a:defRPr/>
             </a:pPr>
             <a:r>
-              <a:rPr lang="ru-RU" b="1" dirty="0" smtClean="0"/>
-              <a:t>Алгоритм:</a:t>
+              <a:rPr lang="ru-RU" b="1" baseline="0" dirty="0" smtClean="0"/>
+              <a:t>Проблематика:</a:t>
             </a:r>
           </a:p>
           <a:p>
@@ -4269,93 +5156,13 @@
               <a:defRPr/>
             </a:pPr>
             <a:r>
-              <a:rPr lang="ru-RU" dirty="0" smtClean="0"/>
-              <a:t>	На</a:t>
-            </a:r>
-            <a:r>
-              <a:rPr lang="ru-RU" baseline="0" dirty="0" smtClean="0"/>
-              <a:t> примере массивов </a:t>
-            </a:r>
-            <a:r>
-              <a:rPr lang="en-US" baseline="0" dirty="0" err="1" smtClean="0"/>
-              <a:t>L1</a:t>
-            </a:r>
-            <a:r>
-              <a:rPr lang="ru-RU" baseline="0" dirty="0" smtClean="0"/>
-              <a:t>,</a:t>
-            </a:r>
-            <a:r>
-              <a:rPr lang="en-US" baseline="0" dirty="0" smtClean="0"/>
-              <a:t> </a:t>
-            </a:r>
-            <a:r>
-              <a:rPr lang="en-US" baseline="0" dirty="0" err="1" smtClean="0"/>
-              <a:t>L2</a:t>
-            </a:r>
-            <a:r>
-              <a:rPr lang="ru-RU" baseline="0" dirty="0" smtClean="0"/>
-              <a:t> и </a:t>
-            </a:r>
-            <a:r>
-              <a:rPr lang="en-US" baseline="0" dirty="0" err="1" smtClean="0"/>
-              <a:t>L3</a:t>
-            </a:r>
-            <a:r>
-              <a:rPr lang="ru-RU" baseline="0" dirty="0" smtClean="0"/>
-              <a:t>, которые распределены по временной шкале (</a:t>
-            </a:r>
-            <a:r>
-              <a:rPr lang="en-US" baseline="0" dirty="0" err="1" smtClean="0"/>
-              <a:t>L1</a:t>
-            </a:r>
-            <a:r>
-              <a:rPr lang="ru-RU" baseline="0" dirty="0" smtClean="0"/>
-              <a:t> сформирован первым, </a:t>
-            </a:r>
-            <a:r>
-              <a:rPr lang="en-US" baseline="0" dirty="0" err="1" smtClean="0"/>
-              <a:t>L2</a:t>
-            </a:r>
-            <a:r>
-              <a:rPr lang="ru-RU" baseline="0" dirty="0" smtClean="0"/>
-              <a:t>  вторым) рассмотрим алгоритмы нахождения среднего арифметического, медианного и модального значений.</a:t>
-            </a:r>
-            <a:endParaRPr lang="en-US" dirty="0" smtClean="0"/>
-          </a:p>
-          <a:p>
-            <a:pPr marL="0" marR="0" indent="0" algn="l" defTabSz="914400" rtl="0" eaLnBrk="1" fontAlgn="auto" latinLnBrk="0" hangingPunct="1">
-              <a:lnSpc>
-                <a:spcPct val="100000"/>
-              </a:lnSpc>
-              <a:spcBef>
-                <a:spcPts val="0"/>
-              </a:spcBef>
-              <a:spcAft>
-                <a:spcPts val="0"/>
-              </a:spcAft>
-              <a:buClrTx/>
-              <a:buSzTx/>
-              <a:buFontTx/>
-              <a:buNone/>
-              <a:tabLst/>
-              <a:defRPr/>
-            </a:pPr>
-            <a:r>
-              <a:rPr lang="ru-RU" dirty="0" smtClean="0"/>
-              <a:t>	Основная идея: </a:t>
-            </a:r>
-            <a:r>
-              <a:rPr lang="ru-RU" baseline="0" dirty="0" smtClean="0"/>
-              <a:t>сохранять последнее подсчитанное среднее арифметическое во вспомогательную структуру данных, что бы потом просто прибавлять новые значения и делить на количество элементов в </a:t>
-            </a:r>
-            <a:r>
-              <a:rPr lang="ru-RU" baseline="0" dirty="0" smtClean="0"/>
-              <a:t>базе.</a:t>
-            </a:r>
-            <a:endParaRPr lang="en-US" dirty="0" smtClean="0"/>
-          </a:p>
-          <a:p>
-            <a:endParaRPr lang="uk-UA" dirty="0"/>
+              <a:rPr lang="ru-RU" b="0" baseline="0" dirty="0" smtClean="0"/>
+              <a:t>	Основная проблема на данном этапе – выбор корректного алгоритма расчета. Дело в том, что …</a:t>
+            </a:r>
+            <a:r>
+              <a:rPr lang="en-US" b="0" baseline="0" dirty="0" smtClean="0"/>
+              <a:t> -&gt;</a:t>
+            </a:r>
           </a:p>
         </p:txBody>
       </p:sp>
@@ -4385,7 +5192,7 @@
     </p:spTree>
     <p:extLst>
       <p:ext uri="{BB962C8B-B14F-4D97-AF65-F5344CB8AC3E}">
-        <p14:creationId xmlns:p14="http://schemas.microsoft.com/office/powerpoint/2010/main" val="3283955315"/>
+        <p14:creationId xmlns:p14="http://schemas.microsoft.com/office/powerpoint/2010/main" val="1171698748"/>
       </p:ext>
     </p:extLst>
   </p:cSld>
@@ -4444,269 +5251,69 @@
           <a:bodyPr/>
           <a:lstStyle/>
           <a:p>
-            <a:pPr marL="0" marR="0" indent="0" algn="l" defTabSz="914400" rtl="0" eaLnBrk="1" fontAlgn="auto" latinLnBrk="0" hangingPunct="1">
-              <a:lnSpc>
-                <a:spcPct val="100000"/>
-              </a:lnSpc>
-              <a:spcBef>
-                <a:spcPts val="0"/>
-              </a:spcBef>
-              <a:spcAft>
-                <a:spcPts val="0"/>
-              </a:spcAft>
-              <a:buClrTx/>
-              <a:buSzTx/>
-              <a:buFontTx/>
-              <a:buNone/>
-              <a:tabLst/>
-              <a:defRPr/>
-            </a:pPr>
-            <a:r>
-              <a:rPr lang="ru-RU" b="1" dirty="0" smtClean="0"/>
-              <a:t>Зачем</a:t>
-            </a:r>
-            <a:r>
-              <a:rPr lang="ru-RU" b="1" baseline="0" dirty="0" smtClean="0"/>
-              <a:t> нужно</a:t>
-            </a:r>
-            <a:r>
-              <a:rPr lang="ru-RU" b="1" dirty="0" smtClean="0"/>
-              <a:t>?</a:t>
-            </a:r>
-            <a:endParaRPr lang="uk-UA" b="1" dirty="0" smtClean="0"/>
-          </a:p>
-          <a:p>
-            <a:pPr marL="0" marR="0" indent="0" algn="l" defTabSz="914400" rtl="0" eaLnBrk="1" fontAlgn="auto" latinLnBrk="0" hangingPunct="1">
-              <a:lnSpc>
-                <a:spcPct val="100000"/>
-              </a:lnSpc>
-              <a:spcBef>
-                <a:spcPts val="0"/>
-              </a:spcBef>
-              <a:spcAft>
-                <a:spcPts val="0"/>
-              </a:spcAft>
-              <a:buClrTx/>
-              <a:buSzTx/>
-              <a:buFontTx/>
-              <a:buNone/>
-              <a:tabLst/>
-              <a:defRPr/>
-            </a:pPr>
-            <a:r>
-              <a:rPr lang="ru-RU" dirty="0" smtClean="0"/>
-              <a:t>	</a:t>
-            </a:r>
-            <a:r>
-              <a:rPr lang="ru-RU" dirty="0" smtClean="0"/>
-              <a:t>Мода нужна для обнаружения регулярных помех.</a:t>
-            </a:r>
-          </a:p>
-          <a:p>
-            <a:pPr marL="0" marR="0" indent="0" algn="l" defTabSz="914400" rtl="0" eaLnBrk="1" fontAlgn="auto" latinLnBrk="0" hangingPunct="1">
-              <a:lnSpc>
-                <a:spcPct val="100000"/>
-              </a:lnSpc>
-              <a:spcBef>
-                <a:spcPts val="0"/>
-              </a:spcBef>
-              <a:spcAft>
-                <a:spcPts val="0"/>
-              </a:spcAft>
-              <a:buClrTx/>
-              <a:buSzTx/>
-              <a:buFontTx/>
-              <a:buNone/>
-              <a:tabLst/>
-              <a:defRPr/>
-            </a:pPr>
-            <a:r>
-              <a:rPr lang="ru-RU" dirty="0" smtClean="0"/>
-              <a:t>	</a:t>
-            </a:r>
-            <a:r>
-              <a:rPr lang="ru-RU" b="1" dirty="0" smtClean="0"/>
-              <a:t>Медиана</a:t>
-            </a:r>
-            <a:r>
-              <a:rPr lang="ru-RU" dirty="0" smtClean="0"/>
-              <a:t> используется для обнаружения </a:t>
-            </a:r>
-            <a:r>
-              <a:rPr lang="ru-RU" b="1" dirty="0" smtClean="0"/>
-              <a:t>спонтанных помех? ЧТО,</a:t>
-            </a:r>
-            <a:r>
-              <a:rPr lang="ru-RU" b="1" baseline="0" dirty="0" smtClean="0"/>
-              <a:t> СЕРЬЕЗНО? -90 -89 -88 -87 -86 = -88 и тут БАХ -50 = -87.5</a:t>
-            </a:r>
-            <a:endParaRPr lang="ru-RU" b="1" dirty="0" smtClean="0"/>
-          </a:p>
-          <a:p>
-            <a:pPr marL="0" marR="0" indent="0" algn="l" defTabSz="914400" rtl="0" eaLnBrk="1" fontAlgn="auto" latinLnBrk="0" hangingPunct="1">
-              <a:lnSpc>
-                <a:spcPct val="100000"/>
-              </a:lnSpc>
-              <a:spcBef>
-                <a:spcPts val="0"/>
-              </a:spcBef>
-              <a:spcAft>
-                <a:spcPts val="0"/>
-              </a:spcAft>
-              <a:buClrTx/>
-              <a:buSzTx/>
-              <a:buFontTx/>
-              <a:buNone/>
-              <a:tabLst/>
-              <a:defRPr/>
-            </a:pPr>
-            <a:endParaRPr lang="ru-RU" dirty="0" smtClean="0"/>
-          </a:p>
-          <a:p>
-            <a:pPr marL="0" marR="0" indent="0" algn="l" defTabSz="914400" rtl="0" eaLnBrk="1" fontAlgn="auto" latinLnBrk="0" hangingPunct="1">
-              <a:lnSpc>
-                <a:spcPct val="100000"/>
-              </a:lnSpc>
-              <a:spcBef>
-                <a:spcPts val="0"/>
-              </a:spcBef>
-              <a:spcAft>
-                <a:spcPts val="0"/>
-              </a:spcAft>
-              <a:buClrTx/>
-              <a:buSzTx/>
-              <a:buFontTx/>
-              <a:buNone/>
-              <a:tabLst/>
-              <a:defRPr/>
-            </a:pPr>
-            <a:r>
-              <a:rPr lang="ru-RU" b="1" dirty="0" smtClean="0"/>
-              <a:t>Алгоритм:</a:t>
-            </a:r>
-          </a:p>
-          <a:p>
-            <a:r>
-              <a:rPr lang="uk-UA" dirty="0" smtClean="0"/>
-              <a:t>	</a:t>
-            </a:r>
-            <a:r>
-              <a:rPr lang="ru-RU" b="1" dirty="0" smtClean="0"/>
-              <a:t>АНИМАЦИЯ:</a:t>
-            </a:r>
-            <a:r>
-              <a:rPr lang="ru-RU" b="1" baseline="0" dirty="0" smtClean="0"/>
-              <a:t> </a:t>
-            </a:r>
-            <a:r>
-              <a:rPr lang="ru-RU" dirty="0" smtClean="0"/>
-              <a:t>Каждому конкретному устройству соответствует массив карт с RSSI в качестве ключа и количеством значений RSSI в качестве значения.</a:t>
-            </a:r>
-          </a:p>
-          <a:p>
-            <a:r>
-              <a:rPr lang="ru-RU" dirty="0" smtClean="0"/>
-              <a:t>	</a:t>
-            </a:r>
-            <a:r>
-              <a:rPr lang="ru-RU" b="1" dirty="0" smtClean="0"/>
-              <a:t>АНИМАЦИЯ:</a:t>
-            </a:r>
-            <a:r>
-              <a:rPr lang="ru-RU" b="1" baseline="0" dirty="0" smtClean="0"/>
-              <a:t> </a:t>
-            </a:r>
-            <a:r>
-              <a:rPr lang="ru-RU" dirty="0" smtClean="0"/>
-              <a:t>При этом каждая</a:t>
-            </a:r>
-            <a:r>
-              <a:rPr lang="ru-RU" baseline="0" dirty="0" smtClean="0"/>
-              <a:t> </a:t>
-            </a:r>
-            <a:r>
-              <a:rPr lang="en-US" baseline="0" dirty="0" smtClean="0"/>
-              <a:t>HashMap</a:t>
-            </a:r>
-            <a:r>
-              <a:rPr lang="ru-RU" baseline="0" dirty="0" smtClean="0"/>
-              <a:t> отвечает за точки на одной конкретной частоте. То есть количество </a:t>
-            </a:r>
-            <a:r>
-              <a:rPr lang="en-US" baseline="0" dirty="0" smtClean="0"/>
-              <a:t>HashMap</a:t>
-            </a:r>
-            <a:r>
-              <a:rPr lang="ru-RU" baseline="0" dirty="0" smtClean="0"/>
-              <a:t> равно количеству дискрет.</a:t>
-            </a:r>
-          </a:p>
-          <a:p>
-            <a:r>
-              <a:rPr lang="ru-RU" baseline="0" dirty="0" smtClean="0"/>
-              <a:t>	Может показаться, что в структуре слишком много значений, но расчеты таковы: 256 дискрет, от -100 до -50, при максимально возможном заполнении: 256 </a:t>
-            </a:r>
-            <a:r>
-              <a:rPr lang="en-US" baseline="0" dirty="0" smtClean="0"/>
-              <a:t>HashMap</a:t>
-            </a:r>
-            <a:r>
-              <a:rPr lang="ru-RU" baseline="0" dirty="0" smtClean="0"/>
-              <a:t> = ; 256 * 50*(байт) * 50*(</a:t>
-            </a:r>
-            <a:r>
-              <a:rPr lang="ru-RU" baseline="0" dirty="0" err="1" smtClean="0"/>
-              <a:t>инт</a:t>
-            </a:r>
-            <a:r>
-              <a:rPr lang="ru-RU" baseline="0" dirty="0" smtClean="0"/>
-              <a:t>) = 256 * 50 байт * 200 байт = 2 560 000 байт = 2,56 </a:t>
-            </a:r>
-            <a:r>
-              <a:rPr lang="ru-RU" baseline="0" dirty="0" err="1" smtClean="0"/>
-              <a:t>мб</a:t>
-            </a:r>
-            <a:r>
-              <a:rPr lang="ru-RU" baseline="0" dirty="0" smtClean="0"/>
-              <a:t> + </a:t>
-            </a:r>
-            <a:r>
-              <a:rPr lang="ru-RU" baseline="0" dirty="0" err="1" smtClean="0"/>
-              <a:t>слежебка</a:t>
-            </a:r>
-            <a:endParaRPr lang="ru-RU" baseline="0" dirty="0" smtClean="0"/>
-          </a:p>
-          <a:p>
-            <a:pPr marL="0" marR="0" indent="0" algn="l" defTabSz="914400" rtl="0" eaLnBrk="1" fontAlgn="auto" latinLnBrk="0" hangingPunct="1">
-              <a:lnSpc>
-                <a:spcPct val="100000"/>
-              </a:lnSpc>
-              <a:spcBef>
-                <a:spcPts val="0"/>
-              </a:spcBef>
-              <a:spcAft>
-                <a:spcPts val="0"/>
-              </a:spcAft>
-              <a:buClrTx/>
-              <a:buSzTx/>
-              <a:buFontTx/>
-              <a:buNone/>
-              <a:tabLst/>
-              <a:defRPr/>
-            </a:pPr>
-            <a:r>
-              <a:rPr lang="ru-RU" baseline="0" dirty="0" smtClean="0"/>
-              <a:t>	Благодаря таким структурам </a:t>
-            </a:r>
-            <a:r>
-              <a:rPr lang="ru-RU" baseline="0" dirty="0" err="1" smtClean="0"/>
-              <a:t>данних</a:t>
-            </a:r>
-            <a:r>
-              <a:rPr lang="ru-RU" baseline="0" dirty="0" smtClean="0"/>
-              <a:t> сложность расчета становится константной.</a:t>
-            </a:r>
-            <a:endParaRPr lang="ru-RU" dirty="0" smtClean="0"/>
+            <a:r>
+              <a:rPr lang="ru-RU" sz="1400" b="1" dirty="0" smtClean="0"/>
+              <a:t>Проблематика:</a:t>
+            </a:r>
+          </a:p>
+          <a:p>
+            <a:r>
+              <a:rPr lang="ru-RU" sz="1400" b="0" dirty="0" smtClean="0"/>
+              <a:t>	Используя стандартные формулы мы получаем Линейное увеличение времени при расчете</a:t>
+            </a:r>
+            <a:r>
+              <a:rPr lang="ru-RU" sz="1400" b="0" baseline="0" dirty="0" smtClean="0"/>
+              <a:t> (моды, медианы, среднего и максимального значений) из за того, что объём данных постоянно увеличивается. В этом случае, на определенном этапе своей работы, программа просто захлебнется значениями, которые нужно обработать.</a:t>
+            </a:r>
+          </a:p>
+          <a:p>
+            <a:endParaRPr lang="ru-RU" sz="1400" b="0" baseline="0" dirty="0" smtClean="0"/>
+          </a:p>
+          <a:p>
+            <a:r>
+              <a:rPr lang="ru-RU" sz="1600" b="1" dirty="0" smtClean="0"/>
+              <a:t>АНИМАЦИЯ</a:t>
+            </a:r>
+          </a:p>
+          <a:p>
+            <a:r>
+              <a:rPr lang="ru-RU" sz="1600" b="1" dirty="0" smtClean="0"/>
+              <a:t>Что</a:t>
+            </a:r>
+            <a:r>
+              <a:rPr lang="ru-RU" sz="1600" b="1" baseline="0" dirty="0" smtClean="0"/>
+              <a:t> нужно достичь:</a:t>
+            </a:r>
+          </a:p>
+          <a:p>
+            <a:r>
+              <a:rPr lang="ru-RU" sz="1600" b="0" baseline="0" dirty="0" smtClean="0"/>
+              <a:t>	В идеале нужно достичь </a:t>
+            </a:r>
+            <a:r>
+              <a:rPr lang="ru-RU" sz="1600" b="1" baseline="0" dirty="0" smtClean="0"/>
+              <a:t>константного </a:t>
+            </a:r>
+            <a:r>
+              <a:rPr lang="ru-RU" sz="1600" b="0" baseline="0" dirty="0" smtClean="0"/>
+              <a:t>времени расчета моды, медианы, среднего и максимального значений в условии прироста данных.</a:t>
+            </a:r>
+          </a:p>
+          <a:p>
+            <a:endParaRPr lang="ru-RU" sz="1600" b="0" baseline="0" dirty="0" smtClean="0"/>
+          </a:p>
+          <a:p>
+            <a:r>
+              <a:rPr lang="ru-RU" sz="1600" b="1" baseline="0" dirty="0" smtClean="0"/>
+              <a:t>Решение:</a:t>
+            </a:r>
+          </a:p>
+          <a:p>
+            <a:r>
+              <a:rPr lang="ru-RU" sz="1600" b="0" baseline="0" dirty="0" smtClean="0"/>
+              <a:t>	Для решения проблемы было использовано </a:t>
+            </a:r>
+            <a:endParaRPr lang="uk-UA" sz="1600" b="0" dirty="0"/>
           </a:p>
         </p:txBody>
       </p:sp>
@@ -4736,7 +5343,7 @@
     </p:spTree>
     <p:extLst>
       <p:ext uri="{BB962C8B-B14F-4D97-AF65-F5344CB8AC3E}">
-        <p14:creationId xmlns:p14="http://schemas.microsoft.com/office/powerpoint/2010/main" val="2429625256"/>
+        <p14:creationId xmlns:p14="http://schemas.microsoft.com/office/powerpoint/2010/main" val="660375725"/>
       </p:ext>
     </p:extLst>
   </p:cSld>
@@ -4795,7 +5402,85 @@
           <a:bodyPr/>
           <a:lstStyle/>
           <a:p>
-            <a:endParaRPr lang="uk-UA" dirty="0"/>
+            <a:r>
+              <a:rPr lang="ru-RU" sz="1400" b="1" dirty="0" smtClean="0"/>
+              <a:t>Проблематика:</a:t>
+            </a:r>
+          </a:p>
+          <a:p>
+            <a:r>
+              <a:rPr lang="ru-RU" sz="1400" b="0" dirty="0" smtClean="0"/>
+              <a:t>	</a:t>
+            </a:r>
+            <a:r>
+              <a:rPr lang="ru-RU" sz="1400" b="0" dirty="0" smtClean="0"/>
+              <a:t>… слишком много данных.</a:t>
+            </a:r>
+            <a:r>
+              <a:rPr lang="ru-RU" sz="1400" b="0" baseline="0" dirty="0" smtClean="0"/>
+              <a:t> </a:t>
+            </a:r>
+            <a:r>
+              <a:rPr lang="ru-RU" sz="1400" b="0" dirty="0" smtClean="0"/>
+              <a:t>Используя </a:t>
+            </a:r>
+            <a:r>
+              <a:rPr lang="ru-RU" sz="1400" b="0" dirty="0" smtClean="0"/>
+              <a:t>стандартные формулы мы получаем Линейное увеличение времени при расчете</a:t>
+            </a:r>
+            <a:r>
+              <a:rPr lang="ru-RU" sz="1400" b="0" baseline="0" dirty="0" smtClean="0"/>
+              <a:t> (моды, медианы, среднего и максимального значений) из за того, что объём данных постоянно увеличивается. В этом случае, на определенном этапе своей работы, программа просто захлебнется значениями, которые нужно обработать.</a:t>
+            </a:r>
+          </a:p>
+          <a:p>
+            <a:endParaRPr lang="ru-RU" sz="1400" b="0" baseline="0" dirty="0" smtClean="0"/>
+          </a:p>
+          <a:p>
+            <a:r>
+              <a:rPr lang="ru-RU" sz="1600" b="1" dirty="0" smtClean="0"/>
+              <a:t>АНИМАЦИЯ</a:t>
+            </a:r>
+          </a:p>
+          <a:p>
+            <a:r>
+              <a:rPr lang="ru-RU" sz="1600" b="1" dirty="0" smtClean="0"/>
+              <a:t>Что</a:t>
+            </a:r>
+            <a:r>
+              <a:rPr lang="ru-RU" sz="1600" b="1" baseline="0" dirty="0" smtClean="0"/>
+              <a:t> нужно достичь:</a:t>
+            </a:r>
+          </a:p>
+          <a:p>
+            <a:r>
+              <a:rPr lang="ru-RU" sz="1600" b="0" baseline="0" dirty="0" smtClean="0"/>
+              <a:t>	В идеале нужно достичь </a:t>
+            </a:r>
+            <a:r>
+              <a:rPr lang="ru-RU" sz="1600" b="1" baseline="0" dirty="0" smtClean="0"/>
+              <a:t>константного </a:t>
+            </a:r>
+            <a:r>
+              <a:rPr lang="ru-RU" sz="1600" b="0" baseline="0" dirty="0" smtClean="0"/>
+              <a:t>времени расчета моды, медианы, среднего и максимального значений в условии прироста данных.</a:t>
+            </a:r>
+          </a:p>
+          <a:p>
+            <a:endParaRPr lang="ru-RU" sz="1600" b="0" baseline="0" dirty="0" smtClean="0"/>
+          </a:p>
+          <a:p>
+            <a:r>
+              <a:rPr lang="ru-RU" sz="1600" b="1" baseline="0" dirty="0" smtClean="0"/>
+              <a:t>Решение:</a:t>
+            </a:r>
+          </a:p>
+          <a:p>
+            <a:r>
+              <a:rPr lang="ru-RU" sz="1600" b="0" baseline="0" dirty="0" smtClean="0"/>
+              <a:t>	Для решения проблемы было использовано </a:t>
+            </a:r>
+            <a:endParaRPr lang="uk-UA" sz="1600" b="0" dirty="0"/>
           </a:p>
         </p:txBody>
       </p:sp>
@@ -4825,7 +5510,7 @@
     </p:spTree>
     <p:extLst>
       <p:ext uri="{BB962C8B-B14F-4D97-AF65-F5344CB8AC3E}">
-        <p14:creationId xmlns:p14="http://schemas.microsoft.com/office/powerpoint/2010/main" val="2353773462"/>
+        <p14:creationId xmlns:p14="http://schemas.microsoft.com/office/powerpoint/2010/main" val="1779894229"/>
       </p:ext>
     </p:extLst>
   </p:cSld>
@@ -4966,7 +5651,7 @@
           <a:p>
             <a:fld id="{4B3FEE5C-4EFA-4EBD-A460-680EAB01F724}" type="datetimeFigureOut">
               <a:rPr lang="uk-UA" smtClean="0"/>
-              <a:t>13.04.2015</a:t>
+              <a:t>15.04.2015</a:t>
             </a:fld>
             <a:endParaRPr lang="uk-UA" dirty="0"/>
           </a:p>
@@ -5155,7 +5840,7 @@
           <a:p>
             <a:fld id="{4B3FEE5C-4EFA-4EBD-A460-680EAB01F724}" type="datetimeFigureOut">
               <a:rPr lang="uk-UA" smtClean="0"/>
-              <a:t>13.04.2015</a:t>
+              <a:t>15.04.2015</a:t>
             </a:fld>
             <a:endParaRPr lang="uk-UA" dirty="0"/>
           </a:p>
@@ -5347,7 +6032,7 @@
           <a:p>
             <a:fld id="{4B3FEE5C-4EFA-4EBD-A460-680EAB01F724}" type="datetimeFigureOut">
               <a:rPr lang="uk-UA" smtClean="0"/>
-              <a:t>13.04.2015</a:t>
+              <a:t>15.04.2015</a:t>
             </a:fld>
             <a:endParaRPr lang="uk-UA" dirty="0"/>
           </a:p>
@@ -5529,7 +6214,7 @@
           <a:p>
             <a:fld id="{4B3FEE5C-4EFA-4EBD-A460-680EAB01F724}" type="datetimeFigureOut">
               <a:rPr lang="uk-UA" smtClean="0"/>
-              <a:t>13.04.2015</a:t>
+              <a:t>15.04.2015</a:t>
             </a:fld>
             <a:endParaRPr lang="uk-UA" dirty="0"/>
           </a:p>
@@ -5794,7 +6479,7 @@
           <a:p>
             <a:fld id="{4B3FEE5C-4EFA-4EBD-A460-680EAB01F724}" type="datetimeFigureOut">
               <a:rPr lang="uk-UA" smtClean="0"/>
-              <a:t>13.04.2015</a:t>
+              <a:t>15.04.2015</a:t>
             </a:fld>
             <a:endParaRPr lang="uk-UA" dirty="0"/>
           </a:p>
@@ -6038,7 +6723,7 @@
           <a:p>
             <a:fld id="{4B3FEE5C-4EFA-4EBD-A460-680EAB01F724}" type="datetimeFigureOut">
               <a:rPr lang="uk-UA" smtClean="0"/>
-              <a:t>13.04.2015</a:t>
+              <a:t>15.04.2015</a:t>
             </a:fld>
             <a:endParaRPr lang="uk-UA" dirty="0"/>
           </a:p>
@@ -6417,7 +7102,7 @@
           <a:p>
             <a:fld id="{4B3FEE5C-4EFA-4EBD-A460-680EAB01F724}" type="datetimeFigureOut">
               <a:rPr lang="uk-UA" smtClean="0"/>
-              <a:t>13.04.2015</a:t>
+              <a:t>15.04.2015</a:t>
             </a:fld>
             <a:endParaRPr lang="uk-UA" dirty="0"/>
           </a:p>
@@ -6547,7 +7232,7 @@
           <a:p>
             <a:fld id="{4B3FEE5C-4EFA-4EBD-A460-680EAB01F724}" type="datetimeFigureOut">
               <a:rPr lang="uk-UA" smtClean="0"/>
-              <a:t>13.04.2015</a:t>
+              <a:t>15.04.2015</a:t>
             </a:fld>
             <a:endParaRPr lang="uk-UA" dirty="0"/>
           </a:p>
@@ -6661,7 +7346,7 @@
           <a:p>
             <a:fld id="{4B3FEE5C-4EFA-4EBD-A460-680EAB01F724}" type="datetimeFigureOut">
               <a:rPr lang="uk-UA" smtClean="0"/>
-              <a:t>13.04.2015</a:t>
+              <a:t>15.04.2015</a:t>
             </a:fld>
             <a:endParaRPr lang="uk-UA" dirty="0"/>
           </a:p>
@@ -6950,7 +7635,7 @@
           <a:p>
             <a:fld id="{4B3FEE5C-4EFA-4EBD-A460-680EAB01F724}" type="datetimeFigureOut">
               <a:rPr lang="uk-UA" smtClean="0"/>
-              <a:t>13.04.2015</a:t>
+              <a:t>15.04.2015</a:t>
             </a:fld>
             <a:endParaRPr lang="uk-UA" dirty="0"/>
           </a:p>
@@ -7215,7 +7900,7 @@
           <a:p>
             <a:fld id="{4B3FEE5C-4EFA-4EBD-A460-680EAB01F724}" type="datetimeFigureOut">
               <a:rPr lang="uk-UA" smtClean="0"/>
-              <a:t>13.04.2015</a:t>
+              <a:t>15.04.2015</a:t>
             </a:fld>
             <a:endParaRPr lang="uk-UA" dirty="0"/>
           </a:p>
@@ -7440,7 +8125,7 @@
           <a:p>
             <a:fld id="{4B3FEE5C-4EFA-4EBD-A460-680EAB01F724}" type="datetimeFigureOut">
               <a:rPr lang="uk-UA" smtClean="0"/>
-              <a:t>13.04.2015</a:t>
+              <a:t>15.04.2015</a:t>
             </a:fld>
             <a:endParaRPr lang="uk-UA" dirty="0"/>
           </a:p>
@@ -7940,11 +8625,7 @@
             </a:r>
             <a:r>
               <a:rPr lang="ru-RU" dirty="0" smtClean="0"/>
-              <a:t> 2,4-2,5 </a:t>
-            </a:r>
-            <a:r>
-              <a:rPr lang="ru-RU" dirty="0" smtClean="0"/>
-              <a:t>ГГц</a:t>
+              <a:t> 2,4-2,5 ГГц</a:t>
             </a:r>
             <a:r>
               <a:rPr lang="en-US" dirty="0" smtClean="0"/>
@@ -7995,13 +8676,13 @@
   <p:clrMapOvr>
     <a:masterClrMapping/>
   </p:clrMapOvr>
-  <mc:AlternateContent xmlns:mc="http://schemas.openxmlformats.org/markup-compatibility/2006">
-    <mc:Choice xmlns:p14="http://schemas.microsoft.com/office/powerpoint/2010/main" Requires="p14">
+  <mc:AlternateContent xmlns:mc="http://schemas.openxmlformats.org/markup-compatibility/2006" xmlns:p14="http://schemas.microsoft.com/office/powerpoint/2010/main">
+    <mc:Choice Requires="p14">
       <p:transition spd="slow" p14:dur="900">
         <p14:warp dir="in"/>
       </p:transition>
     </mc:Choice>
-    <mc:Fallback>
+    <mc:Fallback xmlns="">
       <p:transition spd="slow">
         <p:fade/>
       </p:transition>
@@ -8018,2364 +8699,6 @@
 </file>
 
 <file path=ppt/slides/slide10.xml><?xml version="1.0" encoding="utf-8"?>
-<p:sld xmlns:a="http://schemas.openxmlformats.org/drawingml/2006/main" xmlns:r="http://schemas.openxmlformats.org/officeDocument/2006/relationships" xmlns:p="http://schemas.openxmlformats.org/presentationml/2006/main">
-  <p:cSld>
-    <p:spTree>
-      <p:nvGrpSpPr>
-        <p:cNvPr id="1" name=""/>
-        <p:cNvGrpSpPr/>
-        <p:nvPr/>
-      </p:nvGrpSpPr>
-      <p:grpSpPr>
-        <a:xfrm>
-          <a:off x="0" y="0"/>
-          <a:ext cx="0" cy="0"/>
-          <a:chOff x="0" y="0"/>
-          <a:chExt cx="0" cy="0"/>
-        </a:xfrm>
-      </p:grpSpPr>
-      <p:graphicFrame>
-        <p:nvGraphicFramePr>
-          <p:cNvPr id="3" name="Object 2"/>
-          <p:cNvGraphicFramePr>
-            <a:graphicFrameLocks noChangeAspect="1"/>
-          </p:cNvGraphicFramePr>
-          <p:nvPr>
-            <p:extLst/>
-          </p:nvPr>
-        </p:nvGraphicFramePr>
-        <p:xfrm>
-          <a:off x="159657" y="1922920"/>
-          <a:ext cx="11872686" cy="4633132"/>
-        </p:xfrm>
-        <a:graphic>
-          <a:graphicData uri="http://schemas.openxmlformats.org/presentationml/2006/ole">
-            <mc:AlternateContent xmlns:mc="http://schemas.openxmlformats.org/markup-compatibility/2006">
-              <mc:Choice xmlns:v="urn:schemas-microsoft-com:vml" Requires="v">
-                <p:oleObj spid="_x0000_s10416" name="Visio" r:id="rId4" imgW="13496857" imgH="5267235" progId="Visio.Drawing.15">
-                  <p:embed/>
-                </p:oleObj>
-              </mc:Choice>
-              <mc:Fallback>
-                <p:oleObj name="Visio" r:id="rId4" imgW="13496857" imgH="5267235" progId="Visio.Drawing.15">
-                  <p:embed/>
-                  <p:pic>
-                    <p:nvPicPr>
-                      <p:cNvPr id="0" name=""/>
-                      <p:cNvPicPr/>
-                      <p:nvPr/>
-                    </p:nvPicPr>
-                    <p:blipFill>
-                      <a:blip r:embed="rId5"/>
-                      <a:stretch>
-                        <a:fillRect/>
-                      </a:stretch>
-                    </p:blipFill>
-                    <p:spPr>
-                      <a:xfrm>
-                        <a:off x="159657" y="1922920"/>
-                        <a:ext cx="11872686" cy="4633132"/>
-                      </a:xfrm>
-                      <a:prstGeom prst="rect">
-                        <a:avLst/>
-                      </a:prstGeom>
-                    </p:spPr>
-                  </p:pic>
-                </p:oleObj>
-              </mc:Fallback>
-            </mc:AlternateContent>
-          </a:graphicData>
-        </a:graphic>
-      </p:graphicFrame>
-      <p:sp>
-        <p:nvSpPr>
-          <p:cNvPr id="4" name="Title 3"/>
-          <p:cNvSpPr>
-            <a:spLocks noGrp="1"/>
-          </p:cNvSpPr>
-          <p:nvPr>
-            <p:ph type="title"/>
-          </p:nvPr>
-        </p:nvSpPr>
-        <p:spPr/>
-        <p:txBody>
-          <a:bodyPr/>
-          <a:lstStyle/>
-          <a:p>
-            <a:pPr algn="ctr"/>
-            <a:r>
-              <a:rPr lang="uk-UA" dirty="0" smtClean="0"/>
-              <a:t>Схема роботи програми</a:t>
-            </a:r>
-            <a:endParaRPr lang="uk-UA" dirty="0"/>
-          </a:p>
-        </p:txBody>
-      </p:sp>
-      <p:pic>
-        <p:nvPicPr>
-          <p:cNvPr id="6" name="Picture 5"/>
-          <p:cNvPicPr>
-            <a:picLocks noChangeAspect="1"/>
-          </p:cNvPicPr>
-          <p:nvPr/>
-        </p:nvPicPr>
-        <p:blipFill>
-          <a:blip r:embed="rId6">
-            <a:extLst>
-              <a:ext uri="{28A0092B-C50C-407E-A947-70E740481C1C}">
-                <a14:useLocalDpi xmlns:a14="http://schemas.microsoft.com/office/drawing/2010/main" val="0"/>
-              </a:ext>
-            </a:extLst>
-          </a:blip>
-          <a:stretch>
-            <a:fillRect/>
-          </a:stretch>
-        </p:blipFill>
-        <p:spPr>
-          <a:xfrm>
-            <a:off x="-5781750" y="-168103"/>
-            <a:ext cx="23622150" cy="8512637"/>
-          </a:xfrm>
-          <a:prstGeom prst="rect">
-            <a:avLst/>
-          </a:prstGeom>
-          <a:noFill/>
-          <a:ln>
-            <a:noFill/>
-          </a:ln>
-        </p:spPr>
-      </p:pic>
-    </p:spTree>
-    <p:extLst>
-      <p:ext uri="{BB962C8B-B14F-4D97-AF65-F5344CB8AC3E}">
-        <p14:creationId xmlns:p14="http://schemas.microsoft.com/office/powerpoint/2010/main" val="353111281"/>
-      </p:ext>
-    </p:extLst>
-  </p:cSld>
-  <p:clrMapOvr>
-    <a:masterClrMapping/>
-  </p:clrMapOvr>
-  <p:transition spd="med">
-    <p:fade/>
-  </p:transition>
-  <p:timing>
-    <p:tnLst>
-      <p:par>
-        <p:cTn id="1" dur="indefinite" restart="never" nodeType="tmRoot"/>
-      </p:par>
-    </p:tnLst>
-  </p:timing>
-</p:sld>
-</file>
-
-<file path=ppt/slides/slide11.xml><?xml version="1.0" encoding="utf-8"?>
-<p:sld xmlns:a="http://schemas.openxmlformats.org/drawingml/2006/main" xmlns:r="http://schemas.openxmlformats.org/officeDocument/2006/relationships" xmlns:p="http://schemas.openxmlformats.org/presentationml/2006/main">
-  <p:cSld>
-    <p:spTree>
-      <p:nvGrpSpPr>
-        <p:cNvPr id="1" name=""/>
-        <p:cNvGrpSpPr/>
-        <p:nvPr/>
-      </p:nvGrpSpPr>
-      <p:grpSpPr>
-        <a:xfrm>
-          <a:off x="0" y="0"/>
-          <a:ext cx="0" cy="0"/>
-          <a:chOff x="0" y="0"/>
-          <a:chExt cx="0" cy="0"/>
-        </a:xfrm>
-      </p:grpSpPr>
-      <p:graphicFrame>
-        <p:nvGraphicFramePr>
-          <p:cNvPr id="3" name="Object 2"/>
-          <p:cNvGraphicFramePr>
-            <a:graphicFrameLocks noChangeAspect="1"/>
-          </p:cNvGraphicFramePr>
-          <p:nvPr>
-            <p:extLst/>
-          </p:nvPr>
-        </p:nvGraphicFramePr>
-        <p:xfrm>
-          <a:off x="159657" y="1922920"/>
-          <a:ext cx="11872686" cy="4633132"/>
-        </p:xfrm>
-        <a:graphic>
-          <a:graphicData uri="http://schemas.openxmlformats.org/presentationml/2006/ole">
-            <mc:AlternateContent xmlns:mc="http://schemas.openxmlformats.org/markup-compatibility/2006">
-              <mc:Choice xmlns:v="urn:schemas-microsoft-com:vml" Requires="v">
-                <p:oleObj spid="_x0000_s11438" name="Visio" r:id="rId4" imgW="13496857" imgH="5267235" progId="Visio.Drawing.15">
-                  <p:embed/>
-                </p:oleObj>
-              </mc:Choice>
-              <mc:Fallback>
-                <p:oleObj name="Visio" r:id="rId4" imgW="13496857" imgH="5267235" progId="Visio.Drawing.15">
-                  <p:embed/>
-                  <p:pic>
-                    <p:nvPicPr>
-                      <p:cNvPr id="0" name=""/>
-                      <p:cNvPicPr/>
-                      <p:nvPr/>
-                    </p:nvPicPr>
-                    <p:blipFill>
-                      <a:blip r:embed="rId5"/>
-                      <a:stretch>
-                        <a:fillRect/>
-                      </a:stretch>
-                    </p:blipFill>
-                    <p:spPr>
-                      <a:xfrm>
-                        <a:off x="159657" y="1922920"/>
-                        <a:ext cx="11872686" cy="4633132"/>
-                      </a:xfrm>
-                      <a:prstGeom prst="rect">
-                        <a:avLst/>
-                      </a:prstGeom>
-                    </p:spPr>
-                  </p:pic>
-                </p:oleObj>
-              </mc:Fallback>
-            </mc:AlternateContent>
-          </a:graphicData>
-        </a:graphic>
-      </p:graphicFrame>
-      <p:sp>
-        <p:nvSpPr>
-          <p:cNvPr id="4" name="Title 3"/>
-          <p:cNvSpPr>
-            <a:spLocks noGrp="1"/>
-          </p:cNvSpPr>
-          <p:nvPr>
-            <p:ph type="title"/>
-          </p:nvPr>
-        </p:nvSpPr>
-        <p:spPr/>
-        <p:txBody>
-          <a:bodyPr/>
-          <a:lstStyle/>
-          <a:p>
-            <a:pPr algn="ctr"/>
-            <a:r>
-              <a:rPr lang="uk-UA" dirty="0" smtClean="0"/>
-              <a:t>Схема роботи програми</a:t>
-            </a:r>
-            <a:endParaRPr lang="uk-UA" dirty="0"/>
-          </a:p>
-        </p:txBody>
-      </p:sp>
-      <p:pic>
-        <p:nvPicPr>
-          <p:cNvPr id="6" name="Picture 5"/>
-          <p:cNvPicPr>
-            <a:picLocks noChangeAspect="1"/>
-          </p:cNvPicPr>
-          <p:nvPr/>
-        </p:nvPicPr>
-        <p:blipFill>
-          <a:blip r:embed="rId6">
-            <a:extLst>
-              <a:ext uri="{28A0092B-C50C-407E-A947-70E740481C1C}">
-                <a14:useLocalDpi xmlns:a14="http://schemas.microsoft.com/office/drawing/2010/main" val="0"/>
-              </a:ext>
-            </a:extLst>
-          </a:blip>
-          <a:stretch>
-            <a:fillRect/>
-          </a:stretch>
-        </p:blipFill>
-        <p:spPr>
-          <a:xfrm>
-            <a:off x="-5676975" y="-182391"/>
-            <a:ext cx="23622150" cy="8512636"/>
-          </a:xfrm>
-          <a:prstGeom prst="rect">
-            <a:avLst/>
-          </a:prstGeom>
-          <a:noFill/>
-          <a:ln>
-            <a:noFill/>
-          </a:ln>
-        </p:spPr>
-      </p:pic>
-    </p:spTree>
-    <p:extLst>
-      <p:ext uri="{BB962C8B-B14F-4D97-AF65-F5344CB8AC3E}">
-        <p14:creationId xmlns:p14="http://schemas.microsoft.com/office/powerpoint/2010/main" val="3111252702"/>
-      </p:ext>
-    </p:extLst>
-  </p:cSld>
-  <p:clrMapOvr>
-    <a:masterClrMapping/>
-  </p:clrMapOvr>
-  <p:transition spd="med">
-    <p:fade/>
-  </p:transition>
-  <p:timing>
-    <p:tnLst>
-      <p:par>
-        <p:cTn id="1" dur="indefinite" restart="never" nodeType="tmRoot"/>
-      </p:par>
-    </p:tnLst>
-  </p:timing>
-</p:sld>
-</file>
-
-<file path=ppt/slides/slide12.xml><?xml version="1.0" encoding="utf-8"?>
-<p:sld xmlns:a="http://schemas.openxmlformats.org/drawingml/2006/main" xmlns:r="http://schemas.openxmlformats.org/officeDocument/2006/relationships" xmlns:p="http://schemas.openxmlformats.org/presentationml/2006/main">
-  <p:cSld>
-    <p:spTree>
-      <p:nvGrpSpPr>
-        <p:cNvPr id="1" name=""/>
-        <p:cNvGrpSpPr/>
-        <p:nvPr/>
-      </p:nvGrpSpPr>
-      <p:grpSpPr>
-        <a:xfrm>
-          <a:off x="0" y="0"/>
-          <a:ext cx="0" cy="0"/>
-          <a:chOff x="0" y="0"/>
-          <a:chExt cx="0" cy="0"/>
-        </a:xfrm>
-      </p:grpSpPr>
-      <p:graphicFrame>
-        <p:nvGraphicFramePr>
-          <p:cNvPr id="3" name="Object 2"/>
-          <p:cNvGraphicFramePr>
-            <a:graphicFrameLocks noChangeAspect="1"/>
-          </p:cNvGraphicFramePr>
-          <p:nvPr>
-            <p:extLst/>
-          </p:nvPr>
-        </p:nvGraphicFramePr>
-        <p:xfrm>
-          <a:off x="159657" y="1922920"/>
-          <a:ext cx="11872686" cy="4633132"/>
-        </p:xfrm>
-        <a:graphic>
-          <a:graphicData uri="http://schemas.openxmlformats.org/presentationml/2006/ole">
-            <mc:AlternateContent xmlns:mc="http://schemas.openxmlformats.org/markup-compatibility/2006">
-              <mc:Choice xmlns:v="urn:schemas-microsoft-com:vml" Requires="v">
-                <p:oleObj spid="_x0000_s12458" name="Visio" r:id="rId4" imgW="13496857" imgH="5267235" progId="Visio.Drawing.15">
-                  <p:embed/>
-                </p:oleObj>
-              </mc:Choice>
-              <mc:Fallback>
-                <p:oleObj name="Visio" r:id="rId4" imgW="13496857" imgH="5267235" progId="Visio.Drawing.15">
-                  <p:embed/>
-                  <p:pic>
-                    <p:nvPicPr>
-                      <p:cNvPr id="0" name=""/>
-                      <p:cNvPicPr/>
-                      <p:nvPr/>
-                    </p:nvPicPr>
-                    <p:blipFill>
-                      <a:blip r:embed="rId5"/>
-                      <a:stretch>
-                        <a:fillRect/>
-                      </a:stretch>
-                    </p:blipFill>
-                    <p:spPr>
-                      <a:xfrm>
-                        <a:off x="159657" y="1922920"/>
-                        <a:ext cx="11872686" cy="4633132"/>
-                      </a:xfrm>
-                      <a:prstGeom prst="rect">
-                        <a:avLst/>
-                      </a:prstGeom>
-                    </p:spPr>
-                  </p:pic>
-                </p:oleObj>
-              </mc:Fallback>
-            </mc:AlternateContent>
-          </a:graphicData>
-        </a:graphic>
-      </p:graphicFrame>
-      <p:sp>
-        <p:nvSpPr>
-          <p:cNvPr id="4" name="Title 3"/>
-          <p:cNvSpPr>
-            <a:spLocks noGrp="1"/>
-          </p:cNvSpPr>
-          <p:nvPr>
-            <p:ph type="title"/>
-          </p:nvPr>
-        </p:nvSpPr>
-        <p:spPr/>
-        <p:txBody>
-          <a:bodyPr/>
-          <a:lstStyle/>
-          <a:p>
-            <a:pPr algn="ctr"/>
-            <a:r>
-              <a:rPr lang="uk-UA" dirty="0" smtClean="0"/>
-              <a:t>Схема роботи програми</a:t>
-            </a:r>
-            <a:endParaRPr lang="uk-UA" dirty="0"/>
-          </a:p>
-        </p:txBody>
-      </p:sp>
-      <p:pic>
-        <p:nvPicPr>
-          <p:cNvPr id="6" name="Picture 5"/>
-          <p:cNvPicPr>
-            <a:picLocks noChangeAspect="1"/>
-          </p:cNvPicPr>
-          <p:nvPr/>
-        </p:nvPicPr>
-        <p:blipFill>
-          <a:blip r:embed="rId6">
-            <a:extLst>
-              <a:ext uri="{28A0092B-C50C-407E-A947-70E740481C1C}">
-                <a14:useLocalDpi xmlns:a14="http://schemas.microsoft.com/office/drawing/2010/main" val="0"/>
-              </a:ext>
-            </a:extLst>
-          </a:blip>
-          <a:stretch>
-            <a:fillRect/>
-          </a:stretch>
-        </p:blipFill>
-        <p:spPr>
-          <a:xfrm>
-            <a:off x="-5676974" y="-182391"/>
-            <a:ext cx="23622147" cy="8512636"/>
-          </a:xfrm>
-          <a:prstGeom prst="rect">
-            <a:avLst/>
-          </a:prstGeom>
-          <a:noFill/>
-          <a:ln>
-            <a:noFill/>
-          </a:ln>
-        </p:spPr>
-      </p:pic>
-    </p:spTree>
-    <p:extLst>
-      <p:ext uri="{BB962C8B-B14F-4D97-AF65-F5344CB8AC3E}">
-        <p14:creationId xmlns:p14="http://schemas.microsoft.com/office/powerpoint/2010/main" val="3340711927"/>
-      </p:ext>
-    </p:extLst>
-  </p:cSld>
-  <p:clrMapOvr>
-    <a:masterClrMapping/>
-  </p:clrMapOvr>
-  <p:transition spd="med">
-    <p:fade/>
-  </p:transition>
-  <p:timing>
-    <p:tnLst>
-      <p:par>
-        <p:cTn id="1" dur="indefinite" restart="never" nodeType="tmRoot"/>
-      </p:par>
-    </p:tnLst>
-  </p:timing>
-</p:sld>
-</file>
-
-<file path=ppt/slides/slide13.xml><?xml version="1.0" encoding="utf-8"?>
-<p:sld xmlns:a="http://schemas.openxmlformats.org/drawingml/2006/main" xmlns:r="http://schemas.openxmlformats.org/officeDocument/2006/relationships" xmlns:p="http://schemas.openxmlformats.org/presentationml/2006/main">
-  <p:cSld>
-    <p:spTree>
-      <p:nvGrpSpPr>
-        <p:cNvPr id="1" name=""/>
-        <p:cNvGrpSpPr/>
-        <p:nvPr/>
-      </p:nvGrpSpPr>
-      <p:grpSpPr>
-        <a:xfrm>
-          <a:off x="0" y="0"/>
-          <a:ext cx="0" cy="0"/>
-          <a:chOff x="0" y="0"/>
-          <a:chExt cx="0" cy="0"/>
-        </a:xfrm>
-      </p:grpSpPr>
-      <p:sp>
-        <p:nvSpPr>
-          <p:cNvPr id="2" name="Title 1"/>
-          <p:cNvSpPr>
-            <a:spLocks noGrp="1"/>
-          </p:cNvSpPr>
-          <p:nvPr>
-            <p:ph type="title"/>
-          </p:nvPr>
-        </p:nvSpPr>
-        <p:spPr/>
-        <p:txBody>
-          <a:bodyPr/>
-          <a:lstStyle/>
-          <a:p>
-            <a:r>
-              <a:rPr lang="en-US" dirty="0" smtClean="0"/>
-              <a:t>END</a:t>
-            </a:r>
-            <a:endParaRPr lang="uk-UA" dirty="0"/>
-          </a:p>
-        </p:txBody>
-      </p:sp>
-    </p:spTree>
-    <p:extLst>
-      <p:ext uri="{BB962C8B-B14F-4D97-AF65-F5344CB8AC3E}">
-        <p14:creationId xmlns:p14="http://schemas.microsoft.com/office/powerpoint/2010/main" val="1097746435"/>
-      </p:ext>
-    </p:extLst>
-  </p:cSld>
-  <p:clrMapOvr>
-    <a:masterClrMapping/>
-  </p:clrMapOvr>
-  <mc:AlternateContent xmlns:mc="http://schemas.openxmlformats.org/markup-compatibility/2006" xmlns:p14="http://schemas.microsoft.com/office/powerpoint/2010/main">
-    <mc:Choice Requires="p14">
-      <p:transition spd="med" p14:dur="700">
-        <p:fade/>
-      </p:transition>
-    </mc:Choice>
-    <mc:Fallback xmlns="">
-      <p:transition spd="med">
-        <p:fade/>
-      </p:transition>
-    </mc:Fallback>
-  </mc:AlternateContent>
-  <p:timing>
-    <p:tnLst>
-      <p:par>
-        <p:cTn id="1" dur="indefinite" restart="never" nodeType="tmRoot"/>
-      </p:par>
-    </p:tnLst>
-  </p:timing>
-</p:sld>
-</file>
-
-<file path=ppt/slides/slide2.xml><?xml version="1.0" encoding="utf-8"?>
-<p:sld xmlns:a="http://schemas.openxmlformats.org/drawingml/2006/main" xmlns:r="http://schemas.openxmlformats.org/officeDocument/2006/relationships" xmlns:p="http://schemas.openxmlformats.org/presentationml/2006/main">
-  <p:cSld>
-    <p:spTree>
-      <p:nvGrpSpPr>
-        <p:cNvPr id="1" name=""/>
-        <p:cNvGrpSpPr/>
-        <p:nvPr/>
-      </p:nvGrpSpPr>
-      <p:grpSpPr>
-        <a:xfrm>
-          <a:off x="0" y="0"/>
-          <a:ext cx="0" cy="0"/>
-          <a:chOff x="0" y="0"/>
-          <a:chExt cx="0" cy="0"/>
-        </a:xfrm>
-      </p:grpSpPr>
-      <p:graphicFrame>
-        <p:nvGraphicFramePr>
-          <p:cNvPr id="3" name="Object 2"/>
-          <p:cNvGraphicFramePr>
-            <a:graphicFrameLocks noChangeAspect="1"/>
-          </p:cNvGraphicFramePr>
-          <p:nvPr>
-            <p:extLst/>
-          </p:nvPr>
-        </p:nvGraphicFramePr>
-        <p:xfrm>
-          <a:off x="159657" y="1922920"/>
-          <a:ext cx="11872686" cy="4633132"/>
-        </p:xfrm>
-        <a:graphic>
-          <a:graphicData uri="http://schemas.openxmlformats.org/presentationml/2006/ole">
-            <mc:AlternateContent xmlns:mc="http://schemas.openxmlformats.org/markup-compatibility/2006">
-              <mc:Choice xmlns:v="urn:schemas-microsoft-com:vml" Requires="v">
-                <p:oleObj spid="_x0000_s7350" name="Visio" r:id="rId4" imgW="13496857" imgH="5267235" progId="Visio.Drawing.15">
-                  <p:embed/>
-                </p:oleObj>
-              </mc:Choice>
-              <mc:Fallback>
-                <p:oleObj name="Visio" r:id="rId4" imgW="13496857" imgH="5267235" progId="Visio.Drawing.15">
-                  <p:embed/>
-                  <p:pic>
-                    <p:nvPicPr>
-                      <p:cNvPr id="0" name=""/>
-                      <p:cNvPicPr/>
-                      <p:nvPr/>
-                    </p:nvPicPr>
-                    <p:blipFill>
-                      <a:blip r:embed="rId5"/>
-                      <a:stretch>
-                        <a:fillRect/>
-                      </a:stretch>
-                    </p:blipFill>
-                    <p:spPr>
-                      <a:xfrm>
-                        <a:off x="159657" y="1922920"/>
-                        <a:ext cx="11872686" cy="4633132"/>
-                      </a:xfrm>
-                      <a:prstGeom prst="rect">
-                        <a:avLst/>
-                      </a:prstGeom>
-                    </p:spPr>
-                  </p:pic>
-                </p:oleObj>
-              </mc:Fallback>
-            </mc:AlternateContent>
-          </a:graphicData>
-        </a:graphic>
-      </p:graphicFrame>
-      <p:sp>
-        <p:nvSpPr>
-          <p:cNvPr id="4" name="Title 3"/>
-          <p:cNvSpPr>
-            <a:spLocks noGrp="1"/>
-          </p:cNvSpPr>
-          <p:nvPr>
-            <p:ph type="title"/>
-          </p:nvPr>
-        </p:nvSpPr>
-        <p:spPr/>
-        <p:txBody>
-          <a:bodyPr/>
-          <a:lstStyle/>
-          <a:p>
-            <a:pPr algn="ctr"/>
-            <a:r>
-              <a:rPr lang="uk-UA" dirty="0" smtClean="0"/>
-              <a:t>Схема роботи програми</a:t>
-            </a:r>
-            <a:endParaRPr lang="uk-UA" dirty="0"/>
-          </a:p>
-        </p:txBody>
-      </p:sp>
-      <p:pic>
-        <p:nvPicPr>
-          <p:cNvPr id="6" name="Picture 5"/>
-          <p:cNvPicPr>
-            <a:picLocks noChangeAspect="1"/>
-          </p:cNvPicPr>
-          <p:nvPr/>
-        </p:nvPicPr>
-        <p:blipFill>
-          <a:blip r:embed="rId6">
-            <a:extLst>
-              <a:ext uri="{28A0092B-C50C-407E-A947-70E740481C1C}">
-                <a14:useLocalDpi xmlns:a14="http://schemas.microsoft.com/office/drawing/2010/main" val="0"/>
-              </a:ext>
-            </a:extLst>
-          </a:blip>
-          <a:stretch>
-            <a:fillRect/>
-          </a:stretch>
-        </p:blipFill>
-        <p:spPr>
-          <a:xfrm>
-            <a:off x="-5781752" y="-168103"/>
-            <a:ext cx="23622154" cy="8512638"/>
-          </a:xfrm>
-          <a:prstGeom prst="rect">
-            <a:avLst/>
-          </a:prstGeom>
-          <a:noFill/>
-          <a:ln>
-            <a:noFill/>
-          </a:ln>
-        </p:spPr>
-      </p:pic>
-    </p:spTree>
-    <p:extLst>
-      <p:ext uri="{BB962C8B-B14F-4D97-AF65-F5344CB8AC3E}">
-        <p14:creationId xmlns:p14="http://schemas.microsoft.com/office/powerpoint/2010/main" val="2357001992"/>
-      </p:ext>
-    </p:extLst>
-  </p:cSld>
-  <p:clrMapOvr>
-    <a:masterClrMapping/>
-  </p:clrMapOvr>
-  <mc:AlternateContent xmlns:mc="http://schemas.openxmlformats.org/markup-compatibility/2006" xmlns:p14="http://schemas.microsoft.com/office/powerpoint/2010/main">
-    <mc:Choice Requires="p14">
-      <p:transition spd="med" p14:dur="700">
-        <p:fade/>
-      </p:transition>
-    </mc:Choice>
-    <mc:Fallback xmlns="">
-      <p:transition spd="med">
-        <p:fade/>
-      </p:transition>
-    </mc:Fallback>
-  </mc:AlternateContent>
-  <p:timing>
-    <p:tnLst>
-      <p:par>
-        <p:cTn id="1" dur="indefinite" restart="never" nodeType="tmRoot">
-          <p:childTnLst>
-            <p:seq concurrent="1" nextAc="seek">
-              <p:cTn id="2" dur="indefinite" nodeType="mainSeq">
-                <p:childTnLst>
-                  <p:par>
-                    <p:cTn id="3" fill="hold">
-                      <p:stCondLst>
-                        <p:cond delay="indefinite"/>
-                      </p:stCondLst>
-                      <p:childTnLst>
-                        <p:par>
-                          <p:cTn id="4" fill="hold">
-                            <p:stCondLst>
-                              <p:cond delay="0"/>
-                            </p:stCondLst>
-                            <p:childTnLst>
-                              <p:par>
-                                <p:cTn id="5" presetID="10" presetClass="entr" presetSubtype="0" fill="hold" nodeType="clickEffect">
-                                  <p:stCondLst>
-                                    <p:cond delay="0"/>
-                                  </p:stCondLst>
-                                  <p:childTnLst>
-                                    <p:set>
-                                      <p:cBhvr>
-                                        <p:cTn id="6" dur="1" fill="hold">
-                                          <p:stCondLst>
-                                            <p:cond delay="0"/>
-                                          </p:stCondLst>
-                                        </p:cTn>
-                                        <p:tgtEl>
-                                          <p:spTgt spid="6"/>
-                                        </p:tgtEl>
-                                        <p:attrNameLst>
-                                          <p:attrName>style.visibility</p:attrName>
-                                        </p:attrNameLst>
-                                      </p:cBhvr>
-                                      <p:to>
-                                        <p:strVal val="visible"/>
-                                      </p:to>
-                                    </p:set>
-                                    <p:animEffect transition="in" filter="fade">
-                                      <p:cBhvr>
-                                        <p:cTn id="7" dur="750"/>
-                                        <p:tgtEl>
-                                          <p:spTgt spid="6"/>
-                                        </p:tgtEl>
-                                      </p:cBhvr>
-                                    </p:animEffect>
-                                  </p:childTnLst>
-                                </p:cTn>
-                              </p:par>
-                            </p:childTnLst>
-                          </p:cTn>
-                        </p:par>
-                      </p:childTnLst>
-                    </p:cTn>
-                  </p:par>
-                </p:childTnLst>
-              </p:cTn>
-              <p:prevCondLst>
-                <p:cond evt="onPrev" delay="0">
-                  <p:tgtEl>
-                    <p:sldTgt/>
-                  </p:tgtEl>
-                </p:cond>
-              </p:prevCondLst>
-              <p:nextCondLst>
-                <p:cond evt="onNext" delay="0">
-                  <p:tgtEl>
-                    <p:sldTgt/>
-                  </p:tgtEl>
-                </p:cond>
-              </p:nextCondLst>
-            </p:seq>
-          </p:childTnLst>
-        </p:cTn>
-      </p:par>
-    </p:tnLst>
-  </p:timing>
-</p:sld>
-</file>
-
-<file path=ppt/slides/slide3.xml><?xml version="1.0" encoding="utf-8"?>
-<p:sld xmlns:a="http://schemas.openxmlformats.org/drawingml/2006/main" xmlns:r="http://schemas.openxmlformats.org/officeDocument/2006/relationships" xmlns:p="http://schemas.openxmlformats.org/presentationml/2006/main">
-  <p:cSld>
-    <p:spTree>
-      <p:nvGrpSpPr>
-        <p:cNvPr id="1" name=""/>
-        <p:cNvGrpSpPr/>
-        <p:nvPr/>
-      </p:nvGrpSpPr>
-      <p:grpSpPr>
-        <a:xfrm>
-          <a:off x="0" y="0"/>
-          <a:ext cx="0" cy="0"/>
-          <a:chOff x="0" y="0"/>
-          <a:chExt cx="0" cy="0"/>
-        </a:xfrm>
-      </p:grpSpPr>
-      <p:graphicFrame>
-        <p:nvGraphicFramePr>
-          <p:cNvPr id="3" name="Object 2"/>
-          <p:cNvGraphicFramePr>
-            <a:graphicFrameLocks noChangeAspect="1"/>
-          </p:cNvGraphicFramePr>
-          <p:nvPr>
-            <p:extLst/>
-          </p:nvPr>
-        </p:nvGraphicFramePr>
-        <p:xfrm>
-          <a:off x="159657" y="1922920"/>
-          <a:ext cx="11872686" cy="4633132"/>
-        </p:xfrm>
-        <a:graphic>
-          <a:graphicData uri="http://schemas.openxmlformats.org/presentationml/2006/ole">
-            <mc:AlternateContent xmlns:mc="http://schemas.openxmlformats.org/markup-compatibility/2006">
-              <mc:Choice xmlns:v="urn:schemas-microsoft-com:vml" Requires="v">
-                <p:oleObj spid="_x0000_s8372" name="Visio" r:id="rId4" imgW="13496857" imgH="5267235" progId="Visio.Drawing.15">
-                  <p:embed/>
-                </p:oleObj>
-              </mc:Choice>
-              <mc:Fallback>
-                <p:oleObj name="Visio" r:id="rId4" imgW="13496857" imgH="5267235" progId="Visio.Drawing.15">
-                  <p:embed/>
-                  <p:pic>
-                    <p:nvPicPr>
-                      <p:cNvPr id="0" name=""/>
-                      <p:cNvPicPr/>
-                      <p:nvPr/>
-                    </p:nvPicPr>
-                    <p:blipFill>
-                      <a:blip r:embed="rId5"/>
-                      <a:stretch>
-                        <a:fillRect/>
-                      </a:stretch>
-                    </p:blipFill>
-                    <p:spPr>
-                      <a:xfrm>
-                        <a:off x="159657" y="1922920"/>
-                        <a:ext cx="11872686" cy="4633132"/>
-                      </a:xfrm>
-                      <a:prstGeom prst="rect">
-                        <a:avLst/>
-                      </a:prstGeom>
-                    </p:spPr>
-                  </p:pic>
-                </p:oleObj>
-              </mc:Fallback>
-            </mc:AlternateContent>
-          </a:graphicData>
-        </a:graphic>
-      </p:graphicFrame>
-      <p:sp>
-        <p:nvSpPr>
-          <p:cNvPr id="4" name="Title 3"/>
-          <p:cNvSpPr>
-            <a:spLocks noGrp="1"/>
-          </p:cNvSpPr>
-          <p:nvPr>
-            <p:ph type="title"/>
-          </p:nvPr>
-        </p:nvSpPr>
-        <p:spPr/>
-        <p:txBody>
-          <a:bodyPr/>
-          <a:lstStyle/>
-          <a:p>
-            <a:pPr algn="ctr"/>
-            <a:r>
-              <a:rPr lang="uk-UA" dirty="0" smtClean="0"/>
-              <a:t>Схема роботи програми</a:t>
-            </a:r>
-            <a:endParaRPr lang="uk-UA" dirty="0"/>
-          </a:p>
-        </p:txBody>
-      </p:sp>
-      <p:pic>
-        <p:nvPicPr>
-          <p:cNvPr id="6" name="Picture 5"/>
-          <p:cNvPicPr>
-            <a:picLocks noChangeAspect="1"/>
-          </p:cNvPicPr>
-          <p:nvPr/>
-        </p:nvPicPr>
-        <p:blipFill>
-          <a:blip r:embed="rId6">
-            <a:extLst>
-              <a:ext uri="{28A0092B-C50C-407E-A947-70E740481C1C}">
-                <a14:useLocalDpi xmlns:a14="http://schemas.microsoft.com/office/drawing/2010/main" val="0"/>
-              </a:ext>
-            </a:extLst>
-          </a:blip>
-          <a:stretch>
-            <a:fillRect/>
-          </a:stretch>
-        </p:blipFill>
-        <p:spPr>
-          <a:xfrm>
-            <a:off x="-5761431" y="-168103"/>
-            <a:ext cx="23622152" cy="8512637"/>
-          </a:xfrm>
-          <a:prstGeom prst="rect">
-            <a:avLst/>
-          </a:prstGeom>
-          <a:noFill/>
-          <a:ln>
-            <a:noFill/>
-          </a:ln>
-        </p:spPr>
-      </p:pic>
-    </p:spTree>
-    <p:extLst>
-      <p:ext uri="{BB962C8B-B14F-4D97-AF65-F5344CB8AC3E}">
-        <p14:creationId xmlns:p14="http://schemas.microsoft.com/office/powerpoint/2010/main" val="3214066695"/>
-      </p:ext>
-    </p:extLst>
-  </p:cSld>
-  <p:clrMapOvr>
-    <a:masterClrMapping/>
-  </p:clrMapOvr>
-  <p:transition spd="med">
-    <p:fade/>
-  </p:transition>
-  <p:timing>
-    <p:tnLst>
-      <p:par>
-        <p:cTn id="1" dur="indefinite" restart="never" nodeType="tmRoot"/>
-      </p:par>
-    </p:tnLst>
-  </p:timing>
-</p:sld>
-</file>
-
-<file path=ppt/slides/slide4.xml><?xml version="1.0" encoding="utf-8"?>
-<p:sld xmlns:a="http://schemas.openxmlformats.org/drawingml/2006/main" xmlns:r="http://schemas.openxmlformats.org/officeDocument/2006/relationships" xmlns:p="http://schemas.openxmlformats.org/presentationml/2006/main">
-  <p:cSld>
-    <p:spTree>
-      <p:nvGrpSpPr>
-        <p:cNvPr id="1" name=""/>
-        <p:cNvGrpSpPr/>
-        <p:nvPr/>
-      </p:nvGrpSpPr>
-      <p:grpSpPr>
-        <a:xfrm>
-          <a:off x="0" y="0"/>
-          <a:ext cx="0" cy="0"/>
-          <a:chOff x="0" y="0"/>
-          <a:chExt cx="0" cy="0"/>
-        </a:xfrm>
-      </p:grpSpPr>
-      <p:graphicFrame>
-        <p:nvGraphicFramePr>
-          <p:cNvPr id="3" name="Object 2"/>
-          <p:cNvGraphicFramePr>
-            <a:graphicFrameLocks noChangeAspect="1"/>
-          </p:cNvGraphicFramePr>
-          <p:nvPr>
-            <p:extLst>
-              <p:ext uri="{D42A27DB-BD31-4B8C-83A1-F6EECF244321}">
-                <p14:modId xmlns:p14="http://schemas.microsoft.com/office/powerpoint/2010/main" val="3094184098"/>
-              </p:ext>
-            </p:extLst>
-          </p:nvPr>
-        </p:nvGraphicFramePr>
-        <p:xfrm>
-          <a:off x="159657" y="1922920"/>
-          <a:ext cx="11872686" cy="4633132"/>
-        </p:xfrm>
-        <a:graphic>
-          <a:graphicData uri="http://schemas.openxmlformats.org/presentationml/2006/ole">
-            <mc:AlternateContent xmlns:mc="http://schemas.openxmlformats.org/markup-compatibility/2006">
-              <mc:Choice xmlns:v="urn:schemas-microsoft-com:vml" Requires="v">
-                <p:oleObj spid="_x0000_s6360" name="Visio" r:id="rId4" imgW="13496857" imgH="5267235" progId="Visio.Drawing.15">
-                  <p:embed/>
-                </p:oleObj>
-              </mc:Choice>
-              <mc:Fallback>
-                <p:oleObj name="Visio" r:id="rId4" imgW="13496857" imgH="5267235" progId="Visio.Drawing.15">
-                  <p:embed/>
-                  <p:pic>
-                    <p:nvPicPr>
-                      <p:cNvPr id="0" name=""/>
-                      <p:cNvPicPr/>
-                      <p:nvPr/>
-                    </p:nvPicPr>
-                    <p:blipFill>
-                      <a:blip r:embed="rId5"/>
-                      <a:stretch>
-                        <a:fillRect/>
-                      </a:stretch>
-                    </p:blipFill>
-                    <p:spPr>
-                      <a:xfrm>
-                        <a:off x="159657" y="1922920"/>
-                        <a:ext cx="11872686" cy="4633132"/>
-                      </a:xfrm>
-                      <a:prstGeom prst="rect">
-                        <a:avLst/>
-                      </a:prstGeom>
-                    </p:spPr>
-                  </p:pic>
-                </p:oleObj>
-              </mc:Fallback>
-            </mc:AlternateContent>
-          </a:graphicData>
-        </a:graphic>
-      </p:graphicFrame>
-      <p:sp>
-        <p:nvSpPr>
-          <p:cNvPr id="4" name="Title 3"/>
-          <p:cNvSpPr>
-            <a:spLocks noGrp="1"/>
-          </p:cNvSpPr>
-          <p:nvPr>
-            <p:ph type="title"/>
-          </p:nvPr>
-        </p:nvSpPr>
-        <p:spPr/>
-        <p:txBody>
-          <a:bodyPr/>
-          <a:lstStyle/>
-          <a:p>
-            <a:pPr algn="ctr"/>
-            <a:r>
-              <a:rPr lang="uk-UA" dirty="0" smtClean="0"/>
-              <a:t>Схема роботи програми</a:t>
-            </a:r>
-            <a:endParaRPr lang="uk-UA" dirty="0"/>
-          </a:p>
-        </p:txBody>
-      </p:sp>
-      <p:pic>
-        <p:nvPicPr>
-          <p:cNvPr id="6" name="Picture 5"/>
-          <p:cNvPicPr>
-            <a:picLocks noChangeAspect="1"/>
-          </p:cNvPicPr>
-          <p:nvPr/>
-        </p:nvPicPr>
-        <p:blipFill>
-          <a:blip r:embed="rId6">
-            <a:extLst>
-              <a:ext uri="{28A0092B-C50C-407E-A947-70E740481C1C}">
-                <a14:useLocalDpi xmlns:a14="http://schemas.microsoft.com/office/drawing/2010/main" val="0"/>
-              </a:ext>
-            </a:extLst>
-          </a:blip>
-          <a:stretch>
-            <a:fillRect/>
-          </a:stretch>
-        </p:blipFill>
-        <p:spPr>
-          <a:xfrm>
-            <a:off x="-5715077" y="-171279"/>
-            <a:ext cx="23622154" cy="8512640"/>
-          </a:xfrm>
-          <a:prstGeom prst="rect">
-            <a:avLst/>
-          </a:prstGeom>
-          <a:noFill/>
-          <a:ln>
-            <a:noFill/>
-          </a:ln>
-        </p:spPr>
-      </p:pic>
-    </p:spTree>
-    <p:extLst>
-      <p:ext uri="{BB962C8B-B14F-4D97-AF65-F5344CB8AC3E}">
-        <p14:creationId xmlns:p14="http://schemas.microsoft.com/office/powerpoint/2010/main" val="2361192849"/>
-      </p:ext>
-    </p:extLst>
-  </p:cSld>
-  <p:clrMapOvr>
-    <a:masterClrMapping/>
-  </p:clrMapOvr>
-  <mc:AlternateContent xmlns:mc="http://schemas.openxmlformats.org/markup-compatibility/2006">
-    <mc:Choice xmlns:p14="http://schemas.microsoft.com/office/powerpoint/2010/main" Requires="p14">
-      <p:transition spd="slow" p14:dur="900">
-        <p14:warp dir="in"/>
-      </p:transition>
-    </mc:Choice>
-    <mc:Fallback>
-      <p:transition spd="slow">
-        <p:fade/>
-      </p:transition>
-    </mc:Fallback>
-  </mc:AlternateContent>
-  <p:timing>
-    <p:tnLst>
-      <p:par>
-        <p:cTn id="1" dur="indefinite" restart="never" nodeType="tmRoot">
-          <p:childTnLst>
-            <p:seq concurrent="1" nextAc="seek">
-              <p:cTn id="2" dur="indefinite" nodeType="mainSeq">
-                <p:childTnLst>
-                  <p:par>
-                    <p:cTn id="3" fill="hold">
-                      <p:stCondLst>
-                        <p:cond delay="indefinite"/>
-                      </p:stCondLst>
-                      <p:childTnLst>
-                        <p:par>
-                          <p:cTn id="4" fill="hold">
-                            <p:stCondLst>
-                              <p:cond delay="0"/>
-                            </p:stCondLst>
-                            <p:childTnLst>
-                              <p:par>
-                                <p:cTn id="5" presetID="10" presetClass="entr" presetSubtype="0" fill="hold" nodeType="clickEffect">
-                                  <p:stCondLst>
-                                    <p:cond delay="0"/>
-                                  </p:stCondLst>
-                                  <p:childTnLst>
-                                    <p:set>
-                                      <p:cBhvr>
-                                        <p:cTn id="6" dur="1" fill="hold">
-                                          <p:stCondLst>
-                                            <p:cond delay="0"/>
-                                          </p:stCondLst>
-                                        </p:cTn>
-                                        <p:tgtEl>
-                                          <p:spTgt spid="6"/>
-                                        </p:tgtEl>
-                                        <p:attrNameLst>
-                                          <p:attrName>style.visibility</p:attrName>
-                                        </p:attrNameLst>
-                                      </p:cBhvr>
-                                      <p:to>
-                                        <p:strVal val="visible"/>
-                                      </p:to>
-                                    </p:set>
-                                    <p:animEffect transition="in" filter="fade">
-                                      <p:cBhvr>
-                                        <p:cTn id="7" dur="750"/>
-                                        <p:tgtEl>
-                                          <p:spTgt spid="6"/>
-                                        </p:tgtEl>
-                                      </p:cBhvr>
-                                    </p:animEffect>
-                                  </p:childTnLst>
-                                </p:cTn>
-                              </p:par>
-                            </p:childTnLst>
-                          </p:cTn>
-                        </p:par>
-                      </p:childTnLst>
-                    </p:cTn>
-                  </p:par>
-                </p:childTnLst>
-              </p:cTn>
-              <p:prevCondLst>
-                <p:cond evt="onPrev" delay="0">
-                  <p:tgtEl>
-                    <p:sldTgt/>
-                  </p:tgtEl>
-                </p:cond>
-              </p:prevCondLst>
-              <p:nextCondLst>
-                <p:cond evt="onNext" delay="0">
-                  <p:tgtEl>
-                    <p:sldTgt/>
-                  </p:tgtEl>
-                </p:cond>
-              </p:nextCondLst>
-            </p:seq>
-          </p:childTnLst>
-        </p:cTn>
-      </p:par>
-    </p:tnLst>
-  </p:timing>
-</p:sld>
-</file>
-
-<file path=ppt/slides/slide5.xml><?xml version="1.0" encoding="utf-8"?>
-<p:sld xmlns:a="http://schemas.openxmlformats.org/drawingml/2006/main" xmlns:r="http://schemas.openxmlformats.org/officeDocument/2006/relationships" xmlns:p="http://schemas.openxmlformats.org/presentationml/2006/main" show="0">
-  <p:cSld>
-    <p:spTree>
-      <p:nvGrpSpPr>
-        <p:cNvPr id="1" name=""/>
-        <p:cNvGrpSpPr/>
-        <p:nvPr/>
-      </p:nvGrpSpPr>
-      <p:grpSpPr>
-        <a:xfrm>
-          <a:off x="0" y="0"/>
-          <a:ext cx="0" cy="0"/>
-          <a:chOff x="0" y="0"/>
-          <a:chExt cx="0" cy="0"/>
-        </a:xfrm>
-      </p:grpSpPr>
-      <p:sp>
-        <p:nvSpPr>
-          <p:cNvPr id="2" name="Title 1"/>
-          <p:cNvSpPr>
-            <a:spLocks noGrp="1"/>
-          </p:cNvSpPr>
-          <p:nvPr>
-            <p:ph type="title"/>
-          </p:nvPr>
-        </p:nvSpPr>
-        <p:spPr/>
-        <p:txBody>
-          <a:bodyPr/>
-          <a:lstStyle/>
-          <a:p>
-            <a:pPr algn="ctr"/>
-            <a:r>
-              <a:rPr lang="uk-UA" dirty="0" smtClean="0">
-                <a:solidFill>
-                  <a:srgbClr val="FF0000"/>
-                </a:solidFill>
-              </a:rPr>
-              <a:t>Занадто багато</a:t>
-            </a:r>
-            <a:r>
-              <a:rPr lang="ru-RU" dirty="0" smtClean="0">
-                <a:solidFill>
-                  <a:srgbClr val="FF0000"/>
-                </a:solidFill>
-              </a:rPr>
-              <a:t> </a:t>
-            </a:r>
-            <a:r>
-              <a:rPr lang="uk-UA" dirty="0" smtClean="0"/>
-              <a:t>даних</a:t>
-            </a:r>
-            <a:endParaRPr lang="uk-UA" dirty="0"/>
-          </a:p>
-        </p:txBody>
-      </p:sp>
-      <p:graphicFrame>
-        <p:nvGraphicFramePr>
-          <p:cNvPr id="7" name="Content Placeholder 8"/>
-          <p:cNvGraphicFramePr>
-            <a:graphicFrameLocks noGrp="1"/>
-          </p:cNvGraphicFramePr>
-          <p:nvPr>
-            <p:ph idx="1"/>
-            <p:extLst>
-              <p:ext uri="{D42A27DB-BD31-4B8C-83A1-F6EECF244321}">
-                <p14:modId xmlns:p14="http://schemas.microsoft.com/office/powerpoint/2010/main" val="2248160762"/>
-              </p:ext>
-            </p:extLst>
-          </p:nvPr>
-        </p:nvGraphicFramePr>
-        <p:xfrm>
-          <a:off x="838200" y="1825625"/>
-          <a:ext cx="10515600" cy="4351338"/>
-        </p:xfrm>
-        <a:graphic>
-          <a:graphicData uri="http://schemas.openxmlformats.org/drawingml/2006/chart">
-            <c:chart xmlns:c="http://schemas.openxmlformats.org/drawingml/2006/chart" xmlns:r="http://schemas.openxmlformats.org/officeDocument/2006/relationships" r:id="rId3"/>
-          </a:graphicData>
-        </a:graphic>
-      </p:graphicFrame>
-      <mc:AlternateContent xmlns:mc="http://schemas.openxmlformats.org/markup-compatibility/2006" xmlns:a14="http://schemas.microsoft.com/office/drawing/2010/main">
-        <mc:Choice Requires="a14">
-          <p:sp>
-            <p:nvSpPr>
-              <p:cNvPr id="3" name="Rectangle 2"/>
-              <p:cNvSpPr/>
-              <p:nvPr/>
-            </p:nvSpPr>
-            <p:spPr>
-              <a:xfrm>
-                <a:off x="4084459" y="3759460"/>
-                <a:ext cx="1205266" cy="1100558"/>
-              </a:xfrm>
-              <a:prstGeom prst="rect">
-                <a:avLst/>
-              </a:prstGeom>
-            </p:spPr>
-            <p:txBody>
-              <a:bodyPr wrap="none">
-                <a:spAutoFit/>
-              </a:bodyPr>
-              <a:lstStyle/>
-              <a:p>
-                <a:pPr/>
-                <a14:m>
-                  <m:oMathPara xmlns:m="http://schemas.openxmlformats.org/officeDocument/2006/math">
-                    <m:oMathParaPr>
-                      <m:jc m:val="centerGroup"/>
-                    </m:oMathParaPr>
-                    <m:oMath xmlns:m="http://schemas.openxmlformats.org/officeDocument/2006/math">
-                      <m:f>
-                        <m:fPr>
-                          <m:ctrlPr>
-                            <a:rPr lang="uk-UA" sz="2400" i="1">
-                              <a:latin typeface="Cambria Math" panose="02040503050406030204" pitchFamily="18" charset="0"/>
-                            </a:rPr>
-                          </m:ctrlPr>
-                        </m:fPr>
-                        <m:num>
-                          <m:r>
-                            <a:rPr lang="uk-UA" sz="2400">
-                              <a:latin typeface="Cambria Math" panose="02040503050406030204" pitchFamily="18" charset="0"/>
-                            </a:rPr>
-                            <m:t>1</m:t>
-                          </m:r>
-                        </m:num>
-                        <m:den>
-                          <m:r>
-                            <a:rPr lang="uk-UA" sz="2400" i="1">
-                              <a:latin typeface="Cambria Math" panose="02040503050406030204" pitchFamily="18" charset="0"/>
-                            </a:rPr>
-                            <m:t>𝑛</m:t>
-                          </m:r>
-                        </m:den>
-                      </m:f>
-                      <m:nary>
-                        <m:naryPr>
-                          <m:chr m:val="∑"/>
-                          <m:limLoc m:val="undOvr"/>
-                          <m:ctrlPr>
-                            <a:rPr lang="uk-UA" sz="2400" i="1">
-                              <a:latin typeface="Cambria Math" panose="02040503050406030204" pitchFamily="18" charset="0"/>
-                            </a:rPr>
-                          </m:ctrlPr>
-                        </m:naryPr>
-                        <m:sub>
-                          <m:r>
-                            <a:rPr lang="uk-UA" sz="2400" i="1">
-                              <a:latin typeface="Cambria Math" panose="02040503050406030204" pitchFamily="18" charset="0"/>
-                            </a:rPr>
-                            <m:t>𝑖</m:t>
-                          </m:r>
-                          <m:r>
-                            <a:rPr lang="uk-UA" sz="2400" i="0">
-                              <a:latin typeface="Cambria Math" panose="02040503050406030204" pitchFamily="18" charset="0"/>
-                            </a:rPr>
-                            <m:t>=1</m:t>
-                          </m:r>
-                        </m:sub>
-                        <m:sup>
-                          <m:r>
-                            <a:rPr lang="uk-UA" sz="2400" i="1">
-                              <a:latin typeface="Cambria Math" panose="02040503050406030204" pitchFamily="18" charset="0"/>
-                            </a:rPr>
-                            <m:t>𝑛</m:t>
-                          </m:r>
-                        </m:sup>
-                        <m:e>
-                          <m:sSub>
-                            <m:sSubPr>
-                              <m:ctrlPr>
-                                <a:rPr lang="uk-UA" sz="2400" i="1">
-                                  <a:latin typeface="Cambria Math" panose="02040503050406030204" pitchFamily="18" charset="0"/>
-                                </a:rPr>
-                              </m:ctrlPr>
-                            </m:sSubPr>
-                            <m:e>
-                              <m:r>
-                                <a:rPr lang="uk-UA" sz="2400" i="1">
-                                  <a:latin typeface="Cambria Math" panose="02040503050406030204" pitchFamily="18" charset="0"/>
-                                </a:rPr>
-                                <m:t>𝑥</m:t>
-                              </m:r>
-                            </m:e>
-                            <m:sub>
-                              <m:r>
-                                <a:rPr lang="uk-UA" sz="2400" i="1">
-                                  <a:latin typeface="Cambria Math" panose="02040503050406030204" pitchFamily="18" charset="0"/>
-                                </a:rPr>
-                                <m:t>𝑖</m:t>
-                              </m:r>
-                            </m:sub>
-                          </m:sSub>
-                        </m:e>
-                      </m:nary>
-                    </m:oMath>
-                  </m:oMathPara>
-                </a14:m>
-                <a:endParaRPr lang="uk-UA" sz="2400" dirty="0"/>
-              </a:p>
-            </p:txBody>
-          </p:sp>
-        </mc:Choice>
-        <mc:Fallback xmlns="">
-          <p:sp>
-            <p:nvSpPr>
-              <p:cNvPr id="3" name="Rectangle 2"/>
-              <p:cNvSpPr>
-                <a:spLocks noRot="1" noChangeAspect="1" noMove="1" noResize="1" noEditPoints="1" noAdjustHandles="1" noChangeArrowheads="1" noChangeShapeType="1" noTextEdit="1"/>
-              </p:cNvSpPr>
-              <p:nvPr/>
-            </p:nvSpPr>
-            <p:spPr>
-              <a:xfrm>
-                <a:off x="4084459" y="3759460"/>
-                <a:ext cx="1205266" cy="1100558"/>
-              </a:xfrm>
-              <a:prstGeom prst="rect">
-                <a:avLst/>
-              </a:prstGeom>
-              <a:blipFill rotWithShape="0">
-                <a:blip r:embed="rId4"/>
-                <a:stretch>
-                  <a:fillRect/>
-                </a:stretch>
-              </a:blipFill>
-            </p:spPr>
-            <p:txBody>
-              <a:bodyPr/>
-              <a:lstStyle/>
-              <a:p>
-                <a:r>
-                  <a:rPr lang="uk-UA">
-                    <a:noFill/>
-                  </a:rPr>
-                  <a:t> </a:t>
-                </a:r>
-              </a:p>
-            </p:txBody>
-          </p:sp>
-        </mc:Fallback>
-      </mc:AlternateContent>
-      <mc:AlternateContent xmlns:mc="http://schemas.openxmlformats.org/markup-compatibility/2006" xmlns:a14="http://schemas.microsoft.com/office/drawing/2010/main">
-        <mc:Choice Requires="a14">
-          <p:sp>
-            <p:nvSpPr>
-              <p:cNvPr id="6" name="Rectangle 5"/>
-              <p:cNvSpPr/>
-              <p:nvPr/>
-            </p:nvSpPr>
-            <p:spPr>
-              <a:xfrm>
-                <a:off x="6631715" y="3574473"/>
-                <a:ext cx="4011033" cy="1285545"/>
-              </a:xfrm>
-              <a:prstGeom prst="rect">
-                <a:avLst/>
-              </a:prstGeom>
-            </p:spPr>
-            <p:txBody>
-              <a:bodyPr wrap="none">
-                <a:spAutoFit/>
-              </a:bodyPr>
-              <a:lstStyle/>
-              <a:p>
-                <a:pPr/>
-                <a14:m>
-                  <m:oMathPara xmlns:m="http://schemas.openxmlformats.org/officeDocument/2006/math">
-                    <m:oMathParaPr>
-                      <m:jc m:val="centerGroup"/>
-                    </m:oMathParaPr>
-                    <m:oMath xmlns:m="http://schemas.openxmlformats.org/officeDocument/2006/math">
-                      <m:sSub>
-                        <m:sSubPr>
-                          <m:ctrlPr>
-                            <a:rPr lang="uk-UA" sz="2800" i="1" smtClean="0">
-                              <a:latin typeface="Cambria Math" panose="02040503050406030204" pitchFamily="18" charset="0"/>
-                            </a:rPr>
-                          </m:ctrlPr>
-                        </m:sSubPr>
-                        <m:e>
-                          <m:r>
-                            <a:rPr lang="en-US" sz="2800" b="0" i="1" smtClean="0">
-                              <a:latin typeface="Cambria Math" panose="02040503050406030204" pitchFamily="18" charset="0"/>
-                            </a:rPr>
-                            <m:t>𝑀</m:t>
-                          </m:r>
-                        </m:e>
-                        <m:sub>
-                          <m:r>
-                            <a:rPr lang="en-US" sz="2800" b="0" i="1" smtClean="0">
-                              <a:latin typeface="Cambria Math" panose="02040503050406030204" pitchFamily="18" charset="0"/>
-                            </a:rPr>
-                            <m:t>𝑒</m:t>
-                          </m:r>
-                        </m:sub>
-                      </m:sSub>
-                      <m:r>
-                        <a:rPr lang="en-US" sz="2800" b="0" i="1" smtClean="0">
-                          <a:latin typeface="Cambria Math" panose="02040503050406030204" pitchFamily="18" charset="0"/>
-                        </a:rPr>
-                        <m:t>=</m:t>
-                      </m:r>
-                      <m:sSub>
-                        <m:sSubPr>
-                          <m:ctrlPr>
-                            <a:rPr lang="uk-UA" sz="2800" i="1" smtClean="0">
-                              <a:latin typeface="Cambria Math" panose="02040503050406030204" pitchFamily="18" charset="0"/>
-                            </a:rPr>
-                          </m:ctrlPr>
-                        </m:sSubPr>
-                        <m:e>
-                          <m:r>
-                            <a:rPr lang="en-US" sz="2800" b="0" i="1" smtClean="0">
-                              <a:latin typeface="Cambria Math" panose="02040503050406030204" pitchFamily="18" charset="0"/>
-                            </a:rPr>
-                            <m:t>𝑥</m:t>
-                          </m:r>
-                        </m:e>
-                        <m:sub>
-                          <m:r>
-                            <a:rPr lang="en-US" sz="2800" b="0" i="1" smtClean="0">
-                              <a:latin typeface="Cambria Math" panose="02040503050406030204" pitchFamily="18" charset="0"/>
-                            </a:rPr>
-                            <m:t>0</m:t>
-                          </m:r>
-                        </m:sub>
-                      </m:sSub>
-                      <m:r>
-                        <a:rPr lang="en-US" sz="2800" b="0" i="1" smtClean="0">
-                          <a:latin typeface="Cambria Math" panose="02040503050406030204" pitchFamily="18" charset="0"/>
-                        </a:rPr>
-                        <m:t>+</m:t>
-                      </m:r>
-                      <m:r>
-                        <a:rPr lang="en-US" sz="2800" b="0" i="1" smtClean="0">
-                          <a:latin typeface="Cambria Math" panose="02040503050406030204" pitchFamily="18" charset="0"/>
-                        </a:rPr>
-                        <m:t>h</m:t>
-                      </m:r>
-                      <m:f>
-                        <m:fPr>
-                          <m:ctrlPr>
-                            <a:rPr lang="uk-UA" sz="2800" i="1" smtClean="0">
-                              <a:latin typeface="Cambria Math" panose="02040503050406030204" pitchFamily="18" charset="0"/>
-                            </a:rPr>
-                          </m:ctrlPr>
-                        </m:fPr>
-                        <m:num>
-                          <m:f>
-                            <m:fPr>
-                              <m:ctrlPr>
-                                <a:rPr lang="uk-UA" sz="2800" i="1" smtClean="0">
-                                  <a:latin typeface="Cambria Math" panose="02040503050406030204" pitchFamily="18" charset="0"/>
-                                </a:rPr>
-                              </m:ctrlPr>
-                            </m:fPr>
-                            <m:num>
-                              <m:nary>
-                                <m:naryPr>
-                                  <m:chr m:val="∑"/>
-                                  <m:subHide m:val="on"/>
-                                  <m:supHide m:val="on"/>
-                                  <m:ctrlPr>
-                                    <a:rPr lang="uk-UA" sz="2800" i="1" smtClean="0">
-                                      <a:latin typeface="Cambria Math" panose="02040503050406030204" pitchFamily="18" charset="0"/>
-                                    </a:rPr>
-                                  </m:ctrlPr>
-                                </m:naryPr>
-                                <m:sub/>
-                                <m:sup/>
-                                <m:e>
-                                  <m:sSub>
-                                    <m:sSubPr>
-                                      <m:ctrlPr>
-                                        <a:rPr lang="en-US" sz="2800" i="1">
-                                          <a:latin typeface="Cambria Math" panose="02040503050406030204" pitchFamily="18" charset="0"/>
-                                        </a:rPr>
-                                      </m:ctrlPr>
-                                    </m:sSubPr>
-                                    <m:e>
-                                      <m:r>
-                                        <a:rPr lang="en-US" sz="2800" i="1">
-                                          <a:latin typeface="Cambria Math" panose="02040503050406030204" pitchFamily="18" charset="0"/>
-                                        </a:rPr>
-                                        <m:t>𝑓</m:t>
-                                      </m:r>
-                                    </m:e>
-                                    <m:sub>
-                                      <m:r>
-                                        <a:rPr lang="en-US" sz="2800" i="1">
-                                          <a:latin typeface="Cambria Math" panose="02040503050406030204" pitchFamily="18" charset="0"/>
-                                        </a:rPr>
-                                        <m:t>𝑖</m:t>
-                                      </m:r>
-                                    </m:sub>
-                                  </m:sSub>
-                                </m:e>
-                              </m:nary>
-                            </m:num>
-                            <m:den>
-                              <m:r>
-                                <a:rPr lang="en-US" sz="2800" b="0" i="1" smtClean="0">
-                                  <a:latin typeface="Cambria Math" panose="02040503050406030204" pitchFamily="18" charset="0"/>
-                                </a:rPr>
-                                <m:t>2</m:t>
-                              </m:r>
-                            </m:den>
-                          </m:f>
-                          <m:r>
-                            <a:rPr lang="en-US" sz="2800" b="0" i="1" smtClean="0">
-                              <a:latin typeface="Cambria Math" panose="02040503050406030204" pitchFamily="18" charset="0"/>
-                            </a:rPr>
-                            <m:t>−</m:t>
-                          </m:r>
-                          <m:sSub>
-                            <m:sSubPr>
-                              <m:ctrlPr>
-                                <a:rPr lang="en-US" sz="2800" i="1">
-                                  <a:latin typeface="Cambria Math" panose="02040503050406030204" pitchFamily="18" charset="0"/>
-                                </a:rPr>
-                              </m:ctrlPr>
-                            </m:sSubPr>
-                            <m:e>
-                              <m:r>
-                                <a:rPr lang="en-US" sz="2800" i="1">
-                                  <a:latin typeface="Cambria Math" panose="02040503050406030204" pitchFamily="18" charset="0"/>
-                                </a:rPr>
-                                <m:t>𝑆</m:t>
-                              </m:r>
-                            </m:e>
-                            <m:sub>
-                              <m:r>
-                                <a:rPr lang="en-US" sz="2800" i="1">
-                                  <a:latin typeface="Cambria Math" panose="02040503050406030204" pitchFamily="18" charset="0"/>
-                                </a:rPr>
-                                <m:t>𝑚</m:t>
-                              </m:r>
-                              <m:r>
-                                <a:rPr lang="en-US" sz="2800" i="1">
-                                  <a:latin typeface="Cambria Math" panose="02040503050406030204" pitchFamily="18" charset="0"/>
-                                </a:rPr>
-                                <m:t>−1</m:t>
-                              </m:r>
-                            </m:sub>
-                          </m:sSub>
-                        </m:num>
-                        <m:den>
-                          <m:sSub>
-                            <m:sSubPr>
-                              <m:ctrlPr>
-                                <a:rPr lang="en-US" sz="2800" i="1">
-                                  <a:latin typeface="Cambria Math" panose="02040503050406030204" pitchFamily="18" charset="0"/>
-                                </a:rPr>
-                              </m:ctrlPr>
-                            </m:sSubPr>
-                            <m:e>
-                              <m:r>
-                                <a:rPr lang="en-US" sz="2800" i="1">
-                                  <a:latin typeface="Cambria Math" panose="02040503050406030204" pitchFamily="18" charset="0"/>
-                                </a:rPr>
-                                <m:t>𝑓</m:t>
-                              </m:r>
-                            </m:e>
-                            <m:sub>
-                              <m:r>
-                                <a:rPr lang="en-US" sz="2800" b="0" i="1" smtClean="0">
-                                  <a:latin typeface="Cambria Math" panose="02040503050406030204" pitchFamily="18" charset="0"/>
-                                </a:rPr>
-                                <m:t>𝑚</m:t>
-                              </m:r>
-                            </m:sub>
-                          </m:sSub>
-                        </m:den>
-                      </m:f>
-                    </m:oMath>
-                  </m:oMathPara>
-                </a14:m>
-                <a:endParaRPr lang="uk-UA" sz="2800" dirty="0"/>
-              </a:p>
-            </p:txBody>
-          </p:sp>
-        </mc:Choice>
-        <mc:Fallback xmlns="">
-          <p:sp>
-            <p:nvSpPr>
-              <p:cNvPr id="6" name="Rectangle 5"/>
-              <p:cNvSpPr>
-                <a:spLocks noRot="1" noChangeAspect="1" noMove="1" noResize="1" noEditPoints="1" noAdjustHandles="1" noChangeArrowheads="1" noChangeShapeType="1" noTextEdit="1"/>
-              </p:cNvSpPr>
-              <p:nvPr/>
-            </p:nvSpPr>
-            <p:spPr>
-              <a:xfrm>
-                <a:off x="6631715" y="3574473"/>
-                <a:ext cx="4011033" cy="1285545"/>
-              </a:xfrm>
-              <a:prstGeom prst="rect">
-                <a:avLst/>
-              </a:prstGeom>
-              <a:blipFill rotWithShape="0">
-                <a:blip r:embed="rId5"/>
-                <a:stretch>
-                  <a:fillRect/>
-                </a:stretch>
-              </a:blipFill>
-            </p:spPr>
-            <p:txBody>
-              <a:bodyPr/>
-              <a:lstStyle/>
-              <a:p>
-                <a:r>
-                  <a:rPr lang="uk-UA">
-                    <a:noFill/>
-                  </a:rPr>
-                  <a:t> </a:t>
-                </a:r>
-              </a:p>
-            </p:txBody>
-          </p:sp>
-        </mc:Fallback>
-      </mc:AlternateContent>
-    </p:spTree>
-    <p:extLst>
-      <p:ext uri="{BB962C8B-B14F-4D97-AF65-F5344CB8AC3E}">
-        <p14:creationId xmlns:p14="http://schemas.microsoft.com/office/powerpoint/2010/main" val="2367452766"/>
-      </p:ext>
-    </p:extLst>
-  </p:cSld>
-  <p:clrMapOvr>
-    <a:masterClrMapping/>
-  </p:clrMapOvr>
-  <mc:AlternateContent xmlns:mc="http://schemas.openxmlformats.org/markup-compatibility/2006" xmlns:p14="http://schemas.microsoft.com/office/powerpoint/2010/main">
-    <mc:Choice Requires="p14">
-      <p:transition spd="med" p14:dur="700">
-        <p:fade/>
-      </p:transition>
-    </mc:Choice>
-    <mc:Fallback xmlns="">
-      <p:transition spd="med">
-        <p:fade/>
-      </p:transition>
-    </mc:Fallback>
-  </mc:AlternateContent>
-  <p:timing>
-    <p:tnLst>
-      <p:par>
-        <p:cTn id="1" dur="indefinite" restart="never" nodeType="tmRoot">
-          <p:childTnLst>
-            <p:seq concurrent="1" nextAc="seek">
-              <p:cTn id="2" dur="indefinite" nodeType="mainSeq">
-                <p:childTnLst>
-                  <p:par>
-                    <p:cTn id="3" fill="hold">
-                      <p:stCondLst>
-                        <p:cond delay="indefinite"/>
-                      </p:stCondLst>
-                      <p:childTnLst>
-                        <p:par>
-                          <p:cTn id="4" fill="hold">
-                            <p:stCondLst>
-                              <p:cond delay="0"/>
-                            </p:stCondLst>
-                            <p:childTnLst>
-                              <p:par>
-                                <p:cTn id="5" presetID="22" presetClass="entr" presetSubtype="8" fill="hold" grpId="0" nodeType="clickEffect">
-                                  <p:stCondLst>
-                                    <p:cond delay="0"/>
-                                  </p:stCondLst>
-                                  <p:childTnLst>
-                                    <p:set>
-                                      <p:cBhvr>
-                                        <p:cTn id="6" dur="1" fill="hold">
-                                          <p:stCondLst>
-                                            <p:cond delay="0"/>
-                                          </p:stCondLst>
-                                        </p:cTn>
-                                        <p:tgtEl>
-                                          <p:spTgt spid="7">
-                                            <p:graphicEl>
-                                              <a:chart seriesIdx="0" categoryIdx="-4" bldStep="series"/>
-                                            </p:graphicEl>
-                                          </p:spTgt>
-                                        </p:tgtEl>
-                                        <p:attrNameLst>
-                                          <p:attrName>style.visibility</p:attrName>
-                                        </p:attrNameLst>
-                                      </p:cBhvr>
-                                      <p:to>
-                                        <p:strVal val="visible"/>
-                                      </p:to>
-                                    </p:set>
-                                    <p:animEffect transition="in" filter="wipe(left)">
-                                      <p:cBhvr>
-                                        <p:cTn id="7" dur="750"/>
-                                        <p:tgtEl>
-                                          <p:spTgt spid="7">
-                                            <p:graphicEl>
-                                              <a:chart seriesIdx="0" categoryIdx="-4" bldStep="series"/>
-                                            </p:graphicEl>
-                                          </p:spTgt>
-                                        </p:tgtEl>
-                                      </p:cBhvr>
-                                    </p:animEffect>
-                                  </p:childTnLst>
-                                </p:cTn>
-                              </p:par>
-                              <p:par>
-                                <p:cTn id="8" presetID="10" presetClass="entr" presetSubtype="0" fill="hold" grpId="0" nodeType="withEffect">
-                                  <p:stCondLst>
-                                    <p:cond delay="0"/>
-                                  </p:stCondLst>
-                                  <p:childTnLst>
-                                    <p:set>
-                                      <p:cBhvr>
-                                        <p:cTn id="9" dur="1" fill="hold">
-                                          <p:stCondLst>
-                                            <p:cond delay="0"/>
-                                          </p:stCondLst>
-                                        </p:cTn>
-                                        <p:tgtEl>
-                                          <p:spTgt spid="3"/>
-                                        </p:tgtEl>
-                                        <p:attrNameLst>
-                                          <p:attrName>style.visibility</p:attrName>
-                                        </p:attrNameLst>
-                                      </p:cBhvr>
-                                      <p:to>
-                                        <p:strVal val="visible"/>
-                                      </p:to>
-                                    </p:set>
-                                    <p:animEffect transition="in" filter="fade">
-                                      <p:cBhvr>
-                                        <p:cTn id="10" dur="500"/>
-                                        <p:tgtEl>
-                                          <p:spTgt spid="3"/>
-                                        </p:tgtEl>
-                                      </p:cBhvr>
-                                    </p:animEffect>
-                                  </p:childTnLst>
-                                </p:cTn>
-                              </p:par>
-                              <p:par>
-                                <p:cTn id="11" presetID="10" presetClass="entr" presetSubtype="0" fill="hold" grpId="2" nodeType="withEffect">
-                                  <p:stCondLst>
-                                    <p:cond delay="500"/>
-                                  </p:stCondLst>
-                                  <p:childTnLst>
-                                    <p:set>
-                                      <p:cBhvr>
-                                        <p:cTn id="12" dur="1" fill="hold">
-                                          <p:stCondLst>
-                                            <p:cond delay="0"/>
-                                          </p:stCondLst>
-                                        </p:cTn>
-                                        <p:tgtEl>
-                                          <p:spTgt spid="6"/>
-                                        </p:tgtEl>
-                                        <p:attrNameLst>
-                                          <p:attrName>style.visibility</p:attrName>
-                                        </p:attrNameLst>
-                                      </p:cBhvr>
-                                      <p:to>
-                                        <p:strVal val="visible"/>
-                                      </p:to>
-                                    </p:set>
-                                    <p:animEffect transition="in" filter="fade">
-                                      <p:cBhvr>
-                                        <p:cTn id="13" dur="500"/>
-                                        <p:tgtEl>
-                                          <p:spTgt spid="6"/>
-                                        </p:tgtEl>
-                                      </p:cBhvr>
-                                    </p:animEffect>
-                                  </p:childTnLst>
-                                </p:cTn>
-                              </p:par>
-                            </p:childTnLst>
-                          </p:cTn>
-                        </p:par>
-                      </p:childTnLst>
-                    </p:cTn>
-                  </p:par>
-                  <p:par>
-                    <p:cTn id="14" fill="hold">
-                      <p:stCondLst>
-                        <p:cond delay="indefinite"/>
-                      </p:stCondLst>
-                      <p:childTnLst>
-                        <p:par>
-                          <p:cTn id="15" fill="hold">
-                            <p:stCondLst>
-                              <p:cond delay="0"/>
-                            </p:stCondLst>
-                            <p:childTnLst>
-                              <p:par>
-                                <p:cTn id="16" presetID="10" presetClass="exit" presetSubtype="0" fill="hold" grpId="1" nodeType="clickEffect">
-                                  <p:stCondLst>
-                                    <p:cond delay="0"/>
-                                  </p:stCondLst>
-                                  <p:childTnLst>
-                                    <p:animEffect transition="out" filter="fade">
-                                      <p:cBhvr>
-                                        <p:cTn id="17" dur="500"/>
-                                        <p:tgtEl>
-                                          <p:spTgt spid="7">
-                                            <p:graphicEl>
-                                              <a:chart seriesIdx="0" categoryIdx="-4" bldStep="series"/>
-                                            </p:graphicEl>
-                                          </p:spTgt>
-                                        </p:tgtEl>
-                                      </p:cBhvr>
-                                    </p:animEffect>
-                                    <p:set>
-                                      <p:cBhvr>
-                                        <p:cTn id="18" dur="1" fill="hold">
-                                          <p:stCondLst>
-                                            <p:cond delay="499"/>
-                                          </p:stCondLst>
-                                        </p:cTn>
-                                        <p:tgtEl>
-                                          <p:spTgt spid="7">
-                                            <p:graphicEl>
-                                              <a:chart seriesIdx="0" categoryIdx="-4" bldStep="series"/>
-                                            </p:graphicEl>
-                                          </p:spTgt>
-                                        </p:tgtEl>
-                                        <p:attrNameLst>
-                                          <p:attrName>style.visibility</p:attrName>
-                                        </p:attrNameLst>
-                                      </p:cBhvr>
-                                      <p:to>
-                                        <p:strVal val="hidden"/>
-                                      </p:to>
-                                    </p:set>
-                                  </p:childTnLst>
-                                </p:cTn>
-                              </p:par>
-                              <p:par>
-                                <p:cTn id="19" presetID="10" presetClass="exit" presetSubtype="0" fill="hold" grpId="1" nodeType="withEffect">
-                                  <p:stCondLst>
-                                    <p:cond delay="0"/>
-                                  </p:stCondLst>
-                                  <p:childTnLst>
-                                    <p:animEffect transition="out" filter="fade">
-                                      <p:cBhvr>
-                                        <p:cTn id="20" dur="500"/>
-                                        <p:tgtEl>
-                                          <p:spTgt spid="3"/>
-                                        </p:tgtEl>
-                                      </p:cBhvr>
-                                    </p:animEffect>
-                                    <p:set>
-                                      <p:cBhvr>
-                                        <p:cTn id="21" dur="1" fill="hold">
-                                          <p:stCondLst>
-                                            <p:cond delay="499"/>
-                                          </p:stCondLst>
-                                        </p:cTn>
-                                        <p:tgtEl>
-                                          <p:spTgt spid="3"/>
-                                        </p:tgtEl>
-                                        <p:attrNameLst>
-                                          <p:attrName>style.visibility</p:attrName>
-                                        </p:attrNameLst>
-                                      </p:cBhvr>
-                                      <p:to>
-                                        <p:strVal val="hidden"/>
-                                      </p:to>
-                                    </p:set>
-                                  </p:childTnLst>
-                                </p:cTn>
-                              </p:par>
-                              <p:par>
-                                <p:cTn id="22" presetID="10" presetClass="exit" presetSubtype="0" fill="hold" grpId="3" nodeType="withEffect">
-                                  <p:stCondLst>
-                                    <p:cond delay="0"/>
-                                  </p:stCondLst>
-                                  <p:childTnLst>
-                                    <p:animEffect transition="out" filter="fade">
-                                      <p:cBhvr>
-                                        <p:cTn id="23" dur="500"/>
-                                        <p:tgtEl>
-                                          <p:spTgt spid="6"/>
-                                        </p:tgtEl>
-                                      </p:cBhvr>
-                                    </p:animEffect>
-                                    <p:set>
-                                      <p:cBhvr>
-                                        <p:cTn id="24" dur="1" fill="hold">
-                                          <p:stCondLst>
-                                            <p:cond delay="499"/>
-                                          </p:stCondLst>
-                                        </p:cTn>
-                                        <p:tgtEl>
-                                          <p:spTgt spid="6"/>
-                                        </p:tgtEl>
-                                        <p:attrNameLst>
-                                          <p:attrName>style.visibility</p:attrName>
-                                        </p:attrNameLst>
-                                      </p:cBhvr>
-                                      <p:to>
-                                        <p:strVal val="hidden"/>
-                                      </p:to>
-                                    </p:set>
-                                  </p:childTnLst>
-                                </p:cTn>
-                              </p:par>
-                              <p:par>
-                                <p:cTn id="25" presetID="22" presetClass="entr" presetSubtype="8" fill="hold" grpId="0" nodeType="withEffect">
-                                  <p:stCondLst>
-                                    <p:cond delay="0"/>
-                                  </p:stCondLst>
-                                  <p:childTnLst>
-                                    <p:set>
-                                      <p:cBhvr>
-                                        <p:cTn id="26" dur="1" fill="hold">
-                                          <p:stCondLst>
-                                            <p:cond delay="0"/>
-                                          </p:stCondLst>
-                                        </p:cTn>
-                                        <p:tgtEl>
-                                          <p:spTgt spid="7">
-                                            <p:graphicEl>
-                                              <a:chart seriesIdx="1" categoryIdx="-4" bldStep="series"/>
-                                            </p:graphicEl>
-                                          </p:spTgt>
-                                        </p:tgtEl>
-                                        <p:attrNameLst>
-                                          <p:attrName>style.visibility</p:attrName>
-                                        </p:attrNameLst>
-                                      </p:cBhvr>
-                                      <p:to>
-                                        <p:strVal val="visible"/>
-                                      </p:to>
-                                    </p:set>
-                                    <p:animEffect transition="in" filter="wipe(left)">
-                                      <p:cBhvr>
-                                        <p:cTn id="27" dur="750"/>
-                                        <p:tgtEl>
-                                          <p:spTgt spid="7">
-                                            <p:graphicEl>
-                                              <a:chart seriesIdx="1" categoryIdx="-4" bldStep="series"/>
-                                            </p:graphicEl>
-                                          </p:spTgt>
-                                        </p:tgtEl>
-                                      </p:cBhvr>
-                                    </p:animEffect>
-                                  </p:childTnLst>
-                                </p:cTn>
-                              </p:par>
-                            </p:childTnLst>
-                          </p:cTn>
-                        </p:par>
-                      </p:childTnLst>
-                    </p:cTn>
-                  </p:par>
-                </p:childTnLst>
-              </p:cTn>
-              <p:prevCondLst>
-                <p:cond evt="onPrev" delay="0">
-                  <p:tgtEl>
-                    <p:sldTgt/>
-                  </p:tgtEl>
-                </p:cond>
-              </p:prevCondLst>
-              <p:nextCondLst>
-                <p:cond evt="onNext" delay="0">
-                  <p:tgtEl>
-                    <p:sldTgt/>
-                  </p:tgtEl>
-                </p:cond>
-              </p:nextCondLst>
-            </p:seq>
-          </p:childTnLst>
-        </p:cTn>
-      </p:par>
-    </p:tnLst>
-    <p:bldLst>
-      <p:bldGraphic spid="7" grpId="0" uiExpand="1">
-        <p:bldSub>
-          <a:bldChart bld="series"/>
-        </p:bldSub>
-      </p:bldGraphic>
-      <p:bldGraphic spid="7" grpId="1" uiExpand="1">
-        <p:bldSub>
-          <a:bldChart bld="series"/>
-        </p:bldSub>
-      </p:bldGraphic>
-      <p:bldP spid="3" grpId="0"/>
-      <p:bldP spid="3" grpId="1"/>
-      <p:bldP spid="6" grpId="2"/>
-      <p:bldP spid="6" grpId="3"/>
-    </p:bldLst>
-  </p:timing>
-</p:sld>
-</file>
-
-<file path=ppt/slides/slide6.xml><?xml version="1.0" encoding="utf-8"?>
-<p:sld xmlns:a="http://schemas.openxmlformats.org/drawingml/2006/main" xmlns:r="http://schemas.openxmlformats.org/officeDocument/2006/relationships" xmlns:p="http://schemas.openxmlformats.org/presentationml/2006/main">
-  <p:cSld>
-    <p:spTree>
-      <p:nvGrpSpPr>
-        <p:cNvPr id="1" name=""/>
-        <p:cNvGrpSpPr/>
-        <p:nvPr/>
-      </p:nvGrpSpPr>
-      <p:grpSpPr>
-        <a:xfrm>
-          <a:off x="0" y="0"/>
-          <a:ext cx="0" cy="0"/>
-          <a:chOff x="0" y="0"/>
-          <a:chExt cx="0" cy="0"/>
-        </a:xfrm>
-      </p:grpSpPr>
-      <p:sp>
-        <p:nvSpPr>
-          <p:cNvPr id="2" name="Title 1"/>
-          <p:cNvSpPr>
-            <a:spLocks noGrp="1"/>
-          </p:cNvSpPr>
-          <p:nvPr>
-            <p:ph type="title"/>
-          </p:nvPr>
-        </p:nvSpPr>
-        <p:spPr/>
-        <p:txBody>
-          <a:bodyPr/>
-          <a:lstStyle/>
-          <a:p>
-            <a:pPr algn="ctr"/>
-            <a:r>
-              <a:rPr lang="uk-UA" dirty="0" smtClean="0"/>
-              <a:t>Забагато</a:t>
-            </a:r>
-            <a:r>
-              <a:rPr lang="ru-RU" dirty="0" smtClean="0"/>
-              <a:t> </a:t>
-            </a:r>
-            <a:r>
-              <a:rPr lang="uk-UA" dirty="0" smtClean="0"/>
-              <a:t>даних</a:t>
-            </a:r>
-            <a:endParaRPr lang="uk-UA" dirty="0"/>
-          </a:p>
-        </p:txBody>
-      </p:sp>
-      <p:graphicFrame>
-        <p:nvGraphicFramePr>
-          <p:cNvPr id="7" name="Content Placeholder 8"/>
-          <p:cNvGraphicFramePr>
-            <a:graphicFrameLocks noGrp="1"/>
-          </p:cNvGraphicFramePr>
-          <p:nvPr>
-            <p:ph idx="1"/>
-            <p:extLst>
-              <p:ext uri="{D42A27DB-BD31-4B8C-83A1-F6EECF244321}">
-                <p14:modId xmlns:p14="http://schemas.microsoft.com/office/powerpoint/2010/main" val="2248160762"/>
-              </p:ext>
-            </p:extLst>
-          </p:nvPr>
-        </p:nvGraphicFramePr>
-        <p:xfrm>
-          <a:off x="838200" y="1825625"/>
-          <a:ext cx="10515600" cy="4351338"/>
-        </p:xfrm>
-        <a:graphic>
-          <a:graphicData uri="http://schemas.openxmlformats.org/drawingml/2006/chart">
-            <c:chart xmlns:c="http://schemas.openxmlformats.org/drawingml/2006/chart" xmlns:r="http://schemas.openxmlformats.org/officeDocument/2006/relationships" r:id="rId3"/>
-          </a:graphicData>
-        </a:graphic>
-      </p:graphicFrame>
-    </p:spTree>
-    <p:extLst>
-      <p:ext uri="{BB962C8B-B14F-4D97-AF65-F5344CB8AC3E}">
-        <p14:creationId xmlns:p14="http://schemas.microsoft.com/office/powerpoint/2010/main" val="2670860261"/>
-      </p:ext>
-    </p:extLst>
-  </p:cSld>
-  <p:clrMapOvr>
-    <a:masterClrMapping/>
-  </p:clrMapOvr>
-  <mc:AlternateContent xmlns:mc="http://schemas.openxmlformats.org/markup-compatibility/2006" xmlns:p14="http://schemas.microsoft.com/office/powerpoint/2010/main">
-    <mc:Choice Requires="p14">
-      <p:transition spd="med" p14:dur="700">
-        <p:fade/>
-      </p:transition>
-    </mc:Choice>
-    <mc:Fallback xmlns="">
-      <p:transition spd="med">
-        <p:fade/>
-      </p:transition>
-    </mc:Fallback>
-  </mc:AlternateContent>
-  <p:timing>
-    <p:tnLst>
-      <p:par>
-        <p:cTn id="1" dur="indefinite" restart="never" nodeType="tmRoot">
-          <p:childTnLst>
-            <p:seq concurrent="1" nextAc="seek">
-              <p:cTn id="2" dur="indefinite" nodeType="mainSeq">
-                <p:childTnLst>
-                  <p:par>
-                    <p:cTn id="3" fill="hold">
-                      <p:stCondLst>
-                        <p:cond delay="indefinite"/>
-                      </p:stCondLst>
-                      <p:childTnLst>
-                        <p:par>
-                          <p:cTn id="4" fill="hold">
-                            <p:stCondLst>
-                              <p:cond delay="0"/>
-                            </p:stCondLst>
-                            <p:childTnLst>
-                              <p:par>
-                                <p:cTn id="5" presetID="22" presetClass="entr" presetSubtype="8" fill="hold" grpId="0" nodeType="clickEffect">
-                                  <p:stCondLst>
-                                    <p:cond delay="0"/>
-                                  </p:stCondLst>
-                                  <p:childTnLst>
-                                    <p:set>
-                                      <p:cBhvr>
-                                        <p:cTn id="6" dur="1" fill="hold">
-                                          <p:stCondLst>
-                                            <p:cond delay="0"/>
-                                          </p:stCondLst>
-                                        </p:cTn>
-                                        <p:tgtEl>
-                                          <p:spTgt spid="7">
-                                            <p:graphicEl>
-                                              <a:chart seriesIdx="0" categoryIdx="-4" bldStep="series"/>
-                                            </p:graphicEl>
-                                          </p:spTgt>
-                                        </p:tgtEl>
-                                        <p:attrNameLst>
-                                          <p:attrName>style.visibility</p:attrName>
-                                        </p:attrNameLst>
-                                      </p:cBhvr>
-                                      <p:to>
-                                        <p:strVal val="visible"/>
-                                      </p:to>
-                                    </p:set>
-                                    <p:animEffect transition="in" filter="wipe(left)">
-                                      <p:cBhvr>
-                                        <p:cTn id="7" dur="750"/>
-                                        <p:tgtEl>
-                                          <p:spTgt spid="7">
-                                            <p:graphicEl>
-                                              <a:chart seriesIdx="0" categoryIdx="-4" bldStep="series"/>
-                                            </p:graphicEl>
-                                          </p:spTgt>
-                                        </p:tgtEl>
-                                      </p:cBhvr>
-                                    </p:animEffect>
-                                  </p:childTnLst>
-                                </p:cTn>
-                              </p:par>
-                            </p:childTnLst>
-                          </p:cTn>
-                        </p:par>
-                      </p:childTnLst>
-                    </p:cTn>
-                  </p:par>
-                  <p:par>
-                    <p:cTn id="8" fill="hold">
-                      <p:stCondLst>
-                        <p:cond delay="indefinite"/>
-                      </p:stCondLst>
-                      <p:childTnLst>
-                        <p:par>
-                          <p:cTn id="9" fill="hold">
-                            <p:stCondLst>
-                              <p:cond delay="0"/>
-                            </p:stCondLst>
-                            <p:childTnLst>
-                              <p:par>
-                                <p:cTn id="10" presetID="10" presetClass="exit" presetSubtype="0" fill="hold" grpId="1" nodeType="clickEffect">
-                                  <p:stCondLst>
-                                    <p:cond delay="0"/>
-                                  </p:stCondLst>
-                                  <p:childTnLst>
-                                    <p:animEffect transition="out" filter="fade">
-                                      <p:cBhvr>
-                                        <p:cTn id="11" dur="500"/>
-                                        <p:tgtEl>
-                                          <p:spTgt spid="7">
-                                            <p:graphicEl>
-                                              <a:chart seriesIdx="0" categoryIdx="-4" bldStep="series"/>
-                                            </p:graphicEl>
-                                          </p:spTgt>
-                                        </p:tgtEl>
-                                      </p:cBhvr>
-                                    </p:animEffect>
-                                    <p:set>
-                                      <p:cBhvr>
-                                        <p:cTn id="12" dur="1" fill="hold">
-                                          <p:stCondLst>
-                                            <p:cond delay="499"/>
-                                          </p:stCondLst>
-                                        </p:cTn>
-                                        <p:tgtEl>
-                                          <p:spTgt spid="7">
-                                            <p:graphicEl>
-                                              <a:chart seriesIdx="0" categoryIdx="-4" bldStep="series"/>
-                                            </p:graphicEl>
-                                          </p:spTgt>
-                                        </p:tgtEl>
-                                        <p:attrNameLst>
-                                          <p:attrName>style.visibility</p:attrName>
-                                        </p:attrNameLst>
-                                      </p:cBhvr>
-                                      <p:to>
-                                        <p:strVal val="hidden"/>
-                                      </p:to>
-                                    </p:set>
-                                  </p:childTnLst>
-                                </p:cTn>
-                              </p:par>
-                              <p:par>
-                                <p:cTn id="13" presetID="22" presetClass="entr" presetSubtype="8" fill="hold" grpId="0" nodeType="withEffect">
-                                  <p:stCondLst>
-                                    <p:cond delay="0"/>
-                                  </p:stCondLst>
-                                  <p:childTnLst>
-                                    <p:set>
-                                      <p:cBhvr>
-                                        <p:cTn id="14" dur="1" fill="hold">
-                                          <p:stCondLst>
-                                            <p:cond delay="0"/>
-                                          </p:stCondLst>
-                                        </p:cTn>
-                                        <p:tgtEl>
-                                          <p:spTgt spid="7">
-                                            <p:graphicEl>
-                                              <a:chart seriesIdx="1" categoryIdx="-4" bldStep="series"/>
-                                            </p:graphicEl>
-                                          </p:spTgt>
-                                        </p:tgtEl>
-                                        <p:attrNameLst>
-                                          <p:attrName>style.visibility</p:attrName>
-                                        </p:attrNameLst>
-                                      </p:cBhvr>
-                                      <p:to>
-                                        <p:strVal val="visible"/>
-                                      </p:to>
-                                    </p:set>
-                                    <p:animEffect transition="in" filter="wipe(left)">
-                                      <p:cBhvr>
-                                        <p:cTn id="15" dur="750"/>
-                                        <p:tgtEl>
-                                          <p:spTgt spid="7">
-                                            <p:graphicEl>
-                                              <a:chart seriesIdx="1" categoryIdx="-4" bldStep="series"/>
-                                            </p:graphicEl>
-                                          </p:spTgt>
-                                        </p:tgtEl>
-                                      </p:cBhvr>
-                                    </p:animEffect>
-                                  </p:childTnLst>
-                                </p:cTn>
-                              </p:par>
-                            </p:childTnLst>
-                          </p:cTn>
-                        </p:par>
-                      </p:childTnLst>
-                    </p:cTn>
-                  </p:par>
-                </p:childTnLst>
-              </p:cTn>
-              <p:prevCondLst>
-                <p:cond evt="onPrev" delay="0">
-                  <p:tgtEl>
-                    <p:sldTgt/>
-                  </p:tgtEl>
-                </p:cond>
-              </p:prevCondLst>
-              <p:nextCondLst>
-                <p:cond evt="onNext" delay="0">
-                  <p:tgtEl>
-                    <p:sldTgt/>
-                  </p:tgtEl>
-                </p:cond>
-              </p:nextCondLst>
-            </p:seq>
-          </p:childTnLst>
-        </p:cTn>
-      </p:par>
-    </p:tnLst>
-    <p:bldLst>
-      <p:bldGraphic spid="7" grpId="0">
-        <p:bldSub>
-          <a:bldChart bld="series"/>
-        </p:bldSub>
-      </p:bldGraphic>
-      <p:bldGraphic spid="7" grpId="1">
-        <p:bldSub>
-          <a:bldChart bld="series"/>
-        </p:bldSub>
-      </p:bldGraphic>
-    </p:bldLst>
-  </p:timing>
-</p:sld>
-</file>
-
-<file path=ppt/slides/slide7.xml><?xml version="1.0" encoding="utf-8"?>
 <p:sld xmlns:a="http://schemas.openxmlformats.org/drawingml/2006/main" xmlns:r="http://schemas.openxmlformats.org/officeDocument/2006/relationships" xmlns:p="http://schemas.openxmlformats.org/presentationml/2006/main">
   <p:cSld>
     <p:spTree>
@@ -10463,7 +8786,7 @@
           <a:graphicData uri="http://schemas.openxmlformats.org/presentationml/2006/ole">
             <mc:AlternateContent xmlns:mc="http://schemas.openxmlformats.org/markup-compatibility/2006">
               <mc:Choice xmlns:v="urn:schemas-microsoft-com:vml" Requires="v">
-                <p:oleObj spid="_x0000_s3723" name="Visio" r:id="rId4" imgW="12039600" imgH="10124985" progId="Visio.Drawing.15">
+                <p:oleObj spid="_x0000_s3903" name="Visio" r:id="rId4" imgW="12039600" imgH="10124985" progId="Visio.Drawing.15">
                   <p:embed/>
                 </p:oleObj>
               </mc:Choice>
@@ -11107,7 +9430,7 @@
           <a:graphicData uri="http://schemas.openxmlformats.org/presentationml/2006/ole">
             <mc:AlternateContent xmlns:mc="http://schemas.openxmlformats.org/markup-compatibility/2006">
               <mc:Choice xmlns:v="urn:schemas-microsoft-com:vml" Requires="v">
-                <p:oleObj spid="_x0000_s3724" name="Visio" r:id="rId10" imgW="12039600" imgH="10124985" progId="Visio.Drawing.15">
+                <p:oleObj spid="_x0000_s3904" name="Visio" r:id="rId10" imgW="12039600" imgH="10124985" progId="Visio.Drawing.15">
                   <p:embed/>
                 </p:oleObj>
               </mc:Choice>
@@ -11174,7 +9497,7 @@
           <a:graphicData uri="http://schemas.openxmlformats.org/presentationml/2006/ole">
             <mc:AlternateContent xmlns:mc="http://schemas.openxmlformats.org/markup-compatibility/2006">
               <mc:Choice xmlns:v="urn:schemas-microsoft-com:vml" Requires="v">
-                <p:oleObj spid="_x0000_s3725" name="Visio" r:id="rId12" imgW="12039600" imgH="10124985" progId="Visio.Drawing.15">
+                <p:oleObj spid="_x0000_s3905" name="Visio" r:id="rId12" imgW="12039600" imgH="10124985" progId="Visio.Drawing.15">
                   <p:embed/>
                 </p:oleObj>
               </mc:Choice>
@@ -11235,7 +9558,7 @@
           <a:graphicData uri="http://schemas.openxmlformats.org/presentationml/2006/ole">
             <mc:AlternateContent xmlns:mc="http://schemas.openxmlformats.org/markup-compatibility/2006">
               <mc:Choice xmlns:v="urn:schemas-microsoft-com:vml" Requires="v">
-                <p:oleObj spid="_x0000_s3726" name="Visio" r:id="rId14" imgW="12039600" imgH="10124985" progId="Visio.Drawing.15">
+                <p:oleObj spid="_x0000_s3906" name="Visio" r:id="rId14" imgW="12039600" imgH="10124985" progId="Visio.Drawing.15">
                   <p:embed/>
                 </p:oleObj>
               </mc:Choice>
@@ -11580,7 +9903,7 @@
 </p:sld>
 </file>
 
-<file path=ppt/slides/slide8.xml><?xml version="1.0" encoding="utf-8"?>
+<file path=ppt/slides/slide11.xml><?xml version="1.0" encoding="utf-8"?>
 <p:sld xmlns:a="http://schemas.openxmlformats.org/drawingml/2006/main" xmlns:r="http://schemas.openxmlformats.org/officeDocument/2006/relationships" xmlns:p="http://schemas.openxmlformats.org/presentationml/2006/main">
   <p:cSld>
     <p:spTree>
@@ -11649,11 +9972,7 @@
             </a:r>
             <a:r>
               <a:rPr lang="uk-UA" dirty="0" smtClean="0"/>
-              <a:t>і м</a:t>
-            </a:r>
-            <a:r>
-              <a:rPr lang="uk-UA" dirty="0" smtClean="0"/>
-              <a:t>едіана</a:t>
+              <a:t>і медіана</a:t>
             </a:r>
             <a:endParaRPr lang="uk-UA" dirty="0"/>
           </a:p>
@@ -11681,7 +10000,7 @@
           <a:graphicData uri="http://schemas.openxmlformats.org/presentationml/2006/ole">
             <mc:AlternateContent xmlns:mc="http://schemas.openxmlformats.org/markup-compatibility/2006">
               <mc:Choice xmlns:v="urn:schemas-microsoft-com:vml" Requires="v">
-                <p:oleObj spid="_x0000_s4326" name="Visio" r:id="rId4" imgW="12039600" imgH="10124985" progId="Visio.Drawing.15">
+                <p:oleObj spid="_x0000_s4371" name="Visio" r:id="rId4" imgW="12039600" imgH="10124985" progId="Visio.Drawing.15">
                   <p:embed/>
                 </p:oleObj>
               </mc:Choice>
@@ -13607,7 +11926,7 @@
 </p:sld>
 </file>
 
-<file path=ppt/slides/slide9.xml><?xml version="1.0" encoding="utf-8"?>
+<file path=ppt/slides/slide12.xml><?xml version="1.0" encoding="utf-8"?>
 <p:sld xmlns:a="http://schemas.openxmlformats.org/drawingml/2006/main" xmlns:r="http://schemas.openxmlformats.org/officeDocument/2006/relationships" xmlns:p="http://schemas.openxmlformats.org/presentationml/2006/main">
   <p:cSld>
     <p:spTree>
@@ -13626,23 +11945,27 @@
       </p:grpSpPr>
       <p:graphicFrame>
         <p:nvGraphicFramePr>
-          <p:cNvPr id="3" name="Object 2"/>
+          <p:cNvPr id="5" name="Object 4"/>
           <p:cNvGraphicFramePr>
             <a:graphicFrameLocks noChangeAspect="1"/>
           </p:cNvGraphicFramePr>
           <p:nvPr>
-            <p:extLst/>
+            <p:extLst>
+              <p:ext uri="{D42A27DB-BD31-4B8C-83A1-F6EECF244321}">
+                <p14:modId xmlns:p14="http://schemas.microsoft.com/office/powerpoint/2010/main" val="2275590299"/>
+              </p:ext>
+            </p:extLst>
           </p:nvPr>
         </p:nvGraphicFramePr>
         <p:xfrm>
-          <a:off x="159657" y="1922920"/>
-          <a:ext cx="11872686" cy="4633132"/>
+          <a:off x="164592" y="1920240"/>
+          <a:ext cx="11880061" cy="4636008"/>
         </p:xfrm>
         <a:graphic>
           <a:graphicData uri="http://schemas.openxmlformats.org/presentationml/2006/ole">
             <mc:AlternateContent xmlns:mc="http://schemas.openxmlformats.org/markup-compatibility/2006">
               <mc:Choice xmlns:v="urn:schemas-microsoft-com:vml" Requires="v">
-                <p:oleObj spid="_x0000_s9392" name="Visio" r:id="rId4" imgW="13496857" imgH="5267235" progId="Visio.Drawing.15">
+                <p:oleObj spid="_x0000_s9438" name="Visio" r:id="rId4" imgW="13496857" imgH="5267235" progId="Visio.Drawing.15">
                   <p:embed/>
                 </p:oleObj>
               </mc:Choice>
@@ -13663,8 +11986,8 @@
                     </p:blipFill>
                     <p:spPr>
                       <a:xfrm>
-                        <a:off x="159657" y="1922920"/>
-                        <a:ext cx="11872686" cy="4633132"/>
+                        <a:off x="164592" y="1920240"/>
+                        <a:ext cx="11880061" cy="4636008"/>
                       </a:xfrm>
                       <a:prstGeom prst="rect">
                         <a:avLst/>
@@ -13754,6 +12077,4191 @@
         <p:cTn id="1" dur="indefinite" restart="never" nodeType="tmRoot"/>
       </p:par>
     </p:tnLst>
+  </p:timing>
+</p:sld>
+</file>
+
+<file path=ppt/slides/slide13.xml><?xml version="1.0" encoding="utf-8"?>
+<p:sld xmlns:a="http://schemas.openxmlformats.org/drawingml/2006/main" xmlns:r="http://schemas.openxmlformats.org/officeDocument/2006/relationships" xmlns:p="http://schemas.openxmlformats.org/presentationml/2006/main">
+  <p:cSld>
+    <p:spTree>
+      <p:nvGrpSpPr>
+        <p:cNvPr id="1" name=""/>
+        <p:cNvGrpSpPr/>
+        <p:nvPr/>
+      </p:nvGrpSpPr>
+      <p:grpSpPr>
+        <a:xfrm>
+          <a:off x="0" y="0"/>
+          <a:ext cx="0" cy="0"/>
+          <a:chOff x="0" y="0"/>
+          <a:chExt cx="0" cy="0"/>
+        </a:xfrm>
+      </p:grpSpPr>
+      <p:graphicFrame>
+        <p:nvGraphicFramePr>
+          <p:cNvPr id="5" name="Object 4"/>
+          <p:cNvGraphicFramePr>
+            <a:graphicFrameLocks noChangeAspect="1"/>
+          </p:cNvGraphicFramePr>
+          <p:nvPr>
+            <p:extLst>
+              <p:ext uri="{D42A27DB-BD31-4B8C-83A1-F6EECF244321}">
+                <p14:modId xmlns:p14="http://schemas.microsoft.com/office/powerpoint/2010/main" val="3888636267"/>
+              </p:ext>
+            </p:extLst>
+          </p:nvPr>
+        </p:nvGraphicFramePr>
+        <p:xfrm>
+          <a:off x="164592" y="1920240"/>
+          <a:ext cx="11880061" cy="4636008"/>
+        </p:xfrm>
+        <a:graphic>
+          <a:graphicData uri="http://schemas.openxmlformats.org/presentationml/2006/ole">
+            <mc:AlternateContent xmlns:mc="http://schemas.openxmlformats.org/markup-compatibility/2006">
+              <mc:Choice xmlns:v="urn:schemas-microsoft-com:vml" Requires="v">
+                <p:oleObj spid="_x0000_s10462" name="Visio" r:id="rId4" imgW="13496857" imgH="5267235" progId="Visio.Drawing.15">
+                  <p:embed/>
+                </p:oleObj>
+              </mc:Choice>
+              <mc:Fallback>
+                <p:oleObj name="Visio" r:id="rId4" imgW="13496857" imgH="5267235" progId="Visio.Drawing.15">
+                  <p:embed/>
+                  <p:pic>
+                    <p:nvPicPr>
+                      <p:cNvPr id="0" name=""/>
+                      <p:cNvPicPr/>
+                      <p:nvPr/>
+                    </p:nvPicPr>
+                    <p:blipFill>
+                      <a:blip r:embed="rId5"/>
+                      <a:stretch>
+                        <a:fillRect/>
+                      </a:stretch>
+                    </p:blipFill>
+                    <p:spPr>
+                      <a:xfrm>
+                        <a:off x="164592" y="1920240"/>
+                        <a:ext cx="11880061" cy="4636008"/>
+                      </a:xfrm>
+                      <a:prstGeom prst="rect">
+                        <a:avLst/>
+                      </a:prstGeom>
+                    </p:spPr>
+                  </p:pic>
+                </p:oleObj>
+              </mc:Fallback>
+            </mc:AlternateContent>
+          </a:graphicData>
+        </a:graphic>
+      </p:graphicFrame>
+      <p:sp>
+        <p:nvSpPr>
+          <p:cNvPr id="4" name="Title 3"/>
+          <p:cNvSpPr>
+            <a:spLocks noGrp="1"/>
+          </p:cNvSpPr>
+          <p:nvPr>
+            <p:ph type="title"/>
+          </p:nvPr>
+        </p:nvSpPr>
+        <p:spPr/>
+        <p:txBody>
+          <a:bodyPr/>
+          <a:lstStyle/>
+          <a:p>
+            <a:pPr algn="ctr"/>
+            <a:r>
+              <a:rPr lang="uk-UA" dirty="0" smtClean="0"/>
+              <a:t>Схема роботи програми</a:t>
+            </a:r>
+            <a:endParaRPr lang="uk-UA" dirty="0"/>
+          </a:p>
+        </p:txBody>
+      </p:sp>
+      <p:pic>
+        <p:nvPicPr>
+          <p:cNvPr id="6" name="Picture 5"/>
+          <p:cNvPicPr>
+            <a:picLocks noChangeAspect="1"/>
+          </p:cNvPicPr>
+          <p:nvPr/>
+        </p:nvPicPr>
+        <p:blipFill>
+          <a:blip r:embed="rId6">
+            <a:extLst>
+              <a:ext uri="{28A0092B-C50C-407E-A947-70E740481C1C}">
+                <a14:useLocalDpi xmlns:a14="http://schemas.microsoft.com/office/drawing/2010/main" val="0"/>
+              </a:ext>
+            </a:extLst>
+          </a:blip>
+          <a:stretch>
+            <a:fillRect/>
+          </a:stretch>
+        </p:blipFill>
+        <p:spPr>
+          <a:xfrm>
+            <a:off x="-5781750" y="-168103"/>
+            <a:ext cx="23622150" cy="8512637"/>
+          </a:xfrm>
+          <a:prstGeom prst="rect">
+            <a:avLst/>
+          </a:prstGeom>
+          <a:noFill/>
+          <a:ln>
+            <a:noFill/>
+          </a:ln>
+        </p:spPr>
+      </p:pic>
+    </p:spTree>
+    <p:extLst>
+      <p:ext uri="{BB962C8B-B14F-4D97-AF65-F5344CB8AC3E}">
+        <p14:creationId xmlns:p14="http://schemas.microsoft.com/office/powerpoint/2010/main" val="353111281"/>
+      </p:ext>
+    </p:extLst>
+  </p:cSld>
+  <p:clrMapOvr>
+    <a:masterClrMapping/>
+  </p:clrMapOvr>
+  <p:transition spd="med">
+    <p:fade/>
+  </p:transition>
+  <p:timing>
+    <p:tnLst>
+      <p:par>
+        <p:cTn id="1" dur="indefinite" restart="never" nodeType="tmRoot"/>
+      </p:par>
+    </p:tnLst>
+  </p:timing>
+</p:sld>
+</file>
+
+<file path=ppt/slides/slide14.xml><?xml version="1.0" encoding="utf-8"?>
+<p:sld xmlns:a="http://schemas.openxmlformats.org/drawingml/2006/main" xmlns:r="http://schemas.openxmlformats.org/officeDocument/2006/relationships" xmlns:p="http://schemas.openxmlformats.org/presentationml/2006/main" show="0">
+  <p:cSld>
+    <p:spTree>
+      <p:nvGrpSpPr>
+        <p:cNvPr id="1" name=""/>
+        <p:cNvGrpSpPr/>
+        <p:nvPr/>
+      </p:nvGrpSpPr>
+      <p:grpSpPr>
+        <a:xfrm>
+          <a:off x="0" y="0"/>
+          <a:ext cx="0" cy="0"/>
+          <a:chOff x="0" y="0"/>
+          <a:chExt cx="0" cy="0"/>
+        </a:xfrm>
+      </p:grpSpPr>
+      <p:graphicFrame>
+        <p:nvGraphicFramePr>
+          <p:cNvPr id="5" name="Object 4"/>
+          <p:cNvGraphicFramePr>
+            <a:graphicFrameLocks noChangeAspect="1"/>
+          </p:cNvGraphicFramePr>
+          <p:nvPr>
+            <p:extLst>
+              <p:ext uri="{D42A27DB-BD31-4B8C-83A1-F6EECF244321}">
+                <p14:modId xmlns:p14="http://schemas.microsoft.com/office/powerpoint/2010/main" val="211684438"/>
+              </p:ext>
+            </p:extLst>
+          </p:nvPr>
+        </p:nvGraphicFramePr>
+        <p:xfrm>
+          <a:off x="164592" y="1920240"/>
+          <a:ext cx="11880061" cy="4636008"/>
+        </p:xfrm>
+        <a:graphic>
+          <a:graphicData uri="http://schemas.openxmlformats.org/presentationml/2006/ole">
+            <mc:AlternateContent xmlns:mc="http://schemas.openxmlformats.org/markup-compatibility/2006">
+              <mc:Choice xmlns:v="urn:schemas-microsoft-com:vml" Requires="v">
+                <p:oleObj spid="_x0000_s11485" name="Visio" r:id="rId4" imgW="13496857" imgH="5267235" progId="Visio.Drawing.15">
+                  <p:embed/>
+                </p:oleObj>
+              </mc:Choice>
+              <mc:Fallback>
+                <p:oleObj name="Visio" r:id="rId4" imgW="13496857" imgH="5267235" progId="Visio.Drawing.15">
+                  <p:embed/>
+                  <p:pic>
+                    <p:nvPicPr>
+                      <p:cNvPr id="0" name=""/>
+                      <p:cNvPicPr/>
+                      <p:nvPr/>
+                    </p:nvPicPr>
+                    <p:blipFill>
+                      <a:blip r:embed="rId5"/>
+                      <a:stretch>
+                        <a:fillRect/>
+                      </a:stretch>
+                    </p:blipFill>
+                    <p:spPr>
+                      <a:xfrm>
+                        <a:off x="164592" y="1920240"/>
+                        <a:ext cx="11880061" cy="4636008"/>
+                      </a:xfrm>
+                      <a:prstGeom prst="rect">
+                        <a:avLst/>
+                      </a:prstGeom>
+                    </p:spPr>
+                  </p:pic>
+                </p:oleObj>
+              </mc:Fallback>
+            </mc:AlternateContent>
+          </a:graphicData>
+        </a:graphic>
+      </p:graphicFrame>
+      <p:sp>
+        <p:nvSpPr>
+          <p:cNvPr id="4" name="Title 3"/>
+          <p:cNvSpPr>
+            <a:spLocks noGrp="1"/>
+          </p:cNvSpPr>
+          <p:nvPr>
+            <p:ph type="title"/>
+          </p:nvPr>
+        </p:nvSpPr>
+        <p:spPr/>
+        <p:txBody>
+          <a:bodyPr/>
+          <a:lstStyle/>
+          <a:p>
+            <a:pPr algn="ctr"/>
+            <a:r>
+              <a:rPr lang="uk-UA" dirty="0" smtClean="0"/>
+              <a:t>Схема роботи програми</a:t>
+            </a:r>
+            <a:endParaRPr lang="uk-UA" dirty="0"/>
+          </a:p>
+        </p:txBody>
+      </p:sp>
+      <p:pic>
+        <p:nvPicPr>
+          <p:cNvPr id="6" name="Picture 5"/>
+          <p:cNvPicPr>
+            <a:picLocks noChangeAspect="1"/>
+          </p:cNvPicPr>
+          <p:nvPr/>
+        </p:nvPicPr>
+        <p:blipFill>
+          <a:blip r:embed="rId6">
+            <a:extLst>
+              <a:ext uri="{28A0092B-C50C-407E-A947-70E740481C1C}">
+                <a14:useLocalDpi xmlns:a14="http://schemas.microsoft.com/office/drawing/2010/main" val="0"/>
+              </a:ext>
+            </a:extLst>
+          </a:blip>
+          <a:stretch>
+            <a:fillRect/>
+          </a:stretch>
+        </p:blipFill>
+        <p:spPr>
+          <a:xfrm>
+            <a:off x="-5676975" y="-182391"/>
+            <a:ext cx="23622150" cy="8512636"/>
+          </a:xfrm>
+          <a:prstGeom prst="rect">
+            <a:avLst/>
+          </a:prstGeom>
+          <a:noFill/>
+          <a:ln>
+            <a:noFill/>
+          </a:ln>
+        </p:spPr>
+      </p:pic>
+    </p:spTree>
+    <p:extLst>
+      <p:ext uri="{BB962C8B-B14F-4D97-AF65-F5344CB8AC3E}">
+        <p14:creationId xmlns:p14="http://schemas.microsoft.com/office/powerpoint/2010/main" val="3111252702"/>
+      </p:ext>
+    </p:extLst>
+  </p:cSld>
+  <p:clrMapOvr>
+    <a:masterClrMapping/>
+  </p:clrMapOvr>
+  <p:transition spd="med">
+    <p:fade/>
+  </p:transition>
+  <p:timing>
+    <p:tnLst>
+      <p:par>
+        <p:cTn id="1" dur="indefinite" restart="never" nodeType="tmRoot"/>
+      </p:par>
+    </p:tnLst>
+  </p:timing>
+</p:sld>
+</file>
+
+<file path=ppt/slides/slide15.xml><?xml version="1.0" encoding="utf-8"?>
+<p:sld xmlns:a="http://schemas.openxmlformats.org/drawingml/2006/main" xmlns:r="http://schemas.openxmlformats.org/officeDocument/2006/relationships" xmlns:p="http://schemas.openxmlformats.org/presentationml/2006/main">
+  <p:cSld>
+    <p:spTree>
+      <p:nvGrpSpPr>
+        <p:cNvPr id="1" name=""/>
+        <p:cNvGrpSpPr/>
+        <p:nvPr/>
+      </p:nvGrpSpPr>
+      <p:grpSpPr>
+        <a:xfrm>
+          <a:off x="0" y="0"/>
+          <a:ext cx="0" cy="0"/>
+          <a:chOff x="0" y="0"/>
+          <a:chExt cx="0" cy="0"/>
+        </a:xfrm>
+      </p:grpSpPr>
+      <p:graphicFrame>
+        <p:nvGraphicFramePr>
+          <p:cNvPr id="5" name="Object 4"/>
+          <p:cNvGraphicFramePr>
+            <a:graphicFrameLocks noChangeAspect="1"/>
+          </p:cNvGraphicFramePr>
+          <p:nvPr>
+            <p:extLst>
+              <p:ext uri="{D42A27DB-BD31-4B8C-83A1-F6EECF244321}">
+                <p14:modId xmlns:p14="http://schemas.microsoft.com/office/powerpoint/2010/main" val="104902973"/>
+              </p:ext>
+            </p:extLst>
+          </p:nvPr>
+        </p:nvGraphicFramePr>
+        <p:xfrm>
+          <a:off x="164592" y="1920240"/>
+          <a:ext cx="11880061" cy="4636008"/>
+        </p:xfrm>
+        <a:graphic>
+          <a:graphicData uri="http://schemas.openxmlformats.org/presentationml/2006/ole">
+            <mc:AlternateContent xmlns:mc="http://schemas.openxmlformats.org/markup-compatibility/2006">
+              <mc:Choice xmlns:v="urn:schemas-microsoft-com:vml" Requires="v">
+                <p:oleObj spid="_x0000_s12503" name="Visio" r:id="rId4" imgW="13496857" imgH="5267235" progId="Visio.Drawing.15">
+                  <p:embed/>
+                </p:oleObj>
+              </mc:Choice>
+              <mc:Fallback>
+                <p:oleObj name="Visio" r:id="rId4" imgW="13496857" imgH="5267235" progId="Visio.Drawing.15">
+                  <p:embed/>
+                  <p:pic>
+                    <p:nvPicPr>
+                      <p:cNvPr id="0" name=""/>
+                      <p:cNvPicPr/>
+                      <p:nvPr/>
+                    </p:nvPicPr>
+                    <p:blipFill>
+                      <a:blip r:embed="rId5"/>
+                      <a:stretch>
+                        <a:fillRect/>
+                      </a:stretch>
+                    </p:blipFill>
+                    <p:spPr>
+                      <a:xfrm>
+                        <a:off x="164592" y="1920240"/>
+                        <a:ext cx="11880061" cy="4636008"/>
+                      </a:xfrm>
+                      <a:prstGeom prst="rect">
+                        <a:avLst/>
+                      </a:prstGeom>
+                    </p:spPr>
+                  </p:pic>
+                </p:oleObj>
+              </mc:Fallback>
+            </mc:AlternateContent>
+          </a:graphicData>
+        </a:graphic>
+      </p:graphicFrame>
+      <p:sp>
+        <p:nvSpPr>
+          <p:cNvPr id="4" name="Title 3"/>
+          <p:cNvSpPr>
+            <a:spLocks noGrp="1"/>
+          </p:cNvSpPr>
+          <p:nvPr>
+            <p:ph type="title"/>
+          </p:nvPr>
+        </p:nvSpPr>
+        <p:spPr/>
+        <p:txBody>
+          <a:bodyPr/>
+          <a:lstStyle/>
+          <a:p>
+            <a:pPr algn="ctr"/>
+            <a:r>
+              <a:rPr lang="uk-UA" dirty="0" smtClean="0"/>
+              <a:t>Схема роботи програми</a:t>
+            </a:r>
+            <a:endParaRPr lang="uk-UA" dirty="0"/>
+          </a:p>
+        </p:txBody>
+      </p:sp>
+      <p:pic>
+        <p:nvPicPr>
+          <p:cNvPr id="6" name="Picture 5"/>
+          <p:cNvPicPr>
+            <a:picLocks noChangeAspect="1"/>
+          </p:cNvPicPr>
+          <p:nvPr/>
+        </p:nvPicPr>
+        <p:blipFill>
+          <a:blip r:embed="rId6">
+            <a:extLst>
+              <a:ext uri="{28A0092B-C50C-407E-A947-70E740481C1C}">
+                <a14:useLocalDpi xmlns:a14="http://schemas.microsoft.com/office/drawing/2010/main" val="0"/>
+              </a:ext>
+            </a:extLst>
+          </a:blip>
+          <a:stretch>
+            <a:fillRect/>
+          </a:stretch>
+        </p:blipFill>
+        <p:spPr>
+          <a:xfrm>
+            <a:off x="-5676974" y="-182391"/>
+            <a:ext cx="23622147" cy="8512636"/>
+          </a:xfrm>
+          <a:prstGeom prst="rect">
+            <a:avLst/>
+          </a:prstGeom>
+          <a:noFill/>
+          <a:ln>
+            <a:noFill/>
+          </a:ln>
+        </p:spPr>
+      </p:pic>
+    </p:spTree>
+    <p:extLst>
+      <p:ext uri="{BB962C8B-B14F-4D97-AF65-F5344CB8AC3E}">
+        <p14:creationId xmlns:p14="http://schemas.microsoft.com/office/powerpoint/2010/main" val="3340711927"/>
+      </p:ext>
+    </p:extLst>
+  </p:cSld>
+  <p:clrMapOvr>
+    <a:masterClrMapping/>
+  </p:clrMapOvr>
+  <p:transition spd="med">
+    <p:fade/>
+  </p:transition>
+  <p:timing>
+    <p:tnLst>
+      <p:par>
+        <p:cTn id="1" dur="indefinite" restart="never" nodeType="tmRoot"/>
+      </p:par>
+    </p:tnLst>
+  </p:timing>
+</p:sld>
+</file>
+
+<file path=ppt/slides/slide16.xml><?xml version="1.0" encoding="utf-8"?>
+<p:sld xmlns:a="http://schemas.openxmlformats.org/drawingml/2006/main" xmlns:r="http://schemas.openxmlformats.org/officeDocument/2006/relationships" xmlns:p="http://schemas.openxmlformats.org/presentationml/2006/main">
+  <p:cSld>
+    <p:spTree>
+      <p:nvGrpSpPr>
+        <p:cNvPr id="1" name=""/>
+        <p:cNvGrpSpPr/>
+        <p:nvPr/>
+      </p:nvGrpSpPr>
+      <p:grpSpPr>
+        <a:xfrm>
+          <a:off x="0" y="0"/>
+          <a:ext cx="0" cy="0"/>
+          <a:chOff x="0" y="0"/>
+          <a:chExt cx="0" cy="0"/>
+        </a:xfrm>
+      </p:grpSpPr>
+      <p:sp>
+        <p:nvSpPr>
+          <p:cNvPr id="2" name="Title 1"/>
+          <p:cNvSpPr>
+            <a:spLocks noGrp="1"/>
+          </p:cNvSpPr>
+          <p:nvPr>
+            <p:ph type="title"/>
+          </p:nvPr>
+        </p:nvSpPr>
+        <p:spPr/>
+        <p:txBody>
+          <a:bodyPr/>
+          <a:lstStyle/>
+          <a:p>
+            <a:r>
+              <a:rPr lang="en-US" dirty="0" smtClean="0"/>
+              <a:t>END</a:t>
+            </a:r>
+            <a:endParaRPr lang="uk-UA" dirty="0"/>
+          </a:p>
+        </p:txBody>
+      </p:sp>
+    </p:spTree>
+    <p:extLst>
+      <p:ext uri="{BB962C8B-B14F-4D97-AF65-F5344CB8AC3E}">
+        <p14:creationId xmlns:p14="http://schemas.microsoft.com/office/powerpoint/2010/main" val="1097746435"/>
+      </p:ext>
+    </p:extLst>
+  </p:cSld>
+  <p:clrMapOvr>
+    <a:masterClrMapping/>
+  </p:clrMapOvr>
+  <mc:AlternateContent xmlns:mc="http://schemas.openxmlformats.org/markup-compatibility/2006" xmlns:p14="http://schemas.microsoft.com/office/powerpoint/2010/main">
+    <mc:Choice Requires="p14">
+      <p:transition spd="med" p14:dur="700">
+        <p:fade/>
+      </p:transition>
+    </mc:Choice>
+    <mc:Fallback xmlns="">
+      <p:transition spd="med">
+        <p:fade/>
+      </p:transition>
+    </mc:Fallback>
+  </mc:AlternateContent>
+  <p:timing>
+    <p:tnLst>
+      <p:par>
+        <p:cTn id="1" dur="indefinite" restart="never" nodeType="tmRoot"/>
+      </p:par>
+    </p:tnLst>
+  </p:timing>
+</p:sld>
+</file>
+
+<file path=ppt/slides/slide2.xml><?xml version="1.0" encoding="utf-8"?>
+<p:sld xmlns:a="http://schemas.openxmlformats.org/drawingml/2006/main" xmlns:r="http://schemas.openxmlformats.org/officeDocument/2006/relationships" xmlns:p="http://schemas.openxmlformats.org/presentationml/2006/main">
+  <p:cSld>
+    <p:spTree>
+      <p:nvGrpSpPr>
+        <p:cNvPr id="1" name=""/>
+        <p:cNvGrpSpPr/>
+        <p:nvPr/>
+      </p:nvGrpSpPr>
+      <p:grpSpPr>
+        <a:xfrm>
+          <a:off x="0" y="0"/>
+          <a:ext cx="0" cy="0"/>
+          <a:chOff x="0" y="0"/>
+          <a:chExt cx="0" cy="0"/>
+        </a:xfrm>
+      </p:grpSpPr>
+      <p:graphicFrame>
+        <p:nvGraphicFramePr>
+          <p:cNvPr id="2" name="Object 1"/>
+          <p:cNvGraphicFramePr>
+            <a:graphicFrameLocks noChangeAspect="1"/>
+          </p:cNvGraphicFramePr>
+          <p:nvPr>
+            <p:extLst>
+              <p:ext uri="{D42A27DB-BD31-4B8C-83A1-F6EECF244321}">
+                <p14:modId xmlns:p14="http://schemas.microsoft.com/office/powerpoint/2010/main" val="3419790132"/>
+              </p:ext>
+            </p:extLst>
+          </p:nvPr>
+        </p:nvGraphicFramePr>
+        <p:xfrm>
+          <a:off x="164592" y="1920240"/>
+          <a:ext cx="11880061" cy="4636008"/>
+        </p:xfrm>
+        <a:graphic>
+          <a:graphicData uri="http://schemas.openxmlformats.org/presentationml/2006/ole">
+            <mc:AlternateContent xmlns:mc="http://schemas.openxmlformats.org/markup-compatibility/2006">
+              <mc:Choice xmlns:v="urn:schemas-microsoft-com:vml" Requires="v">
+                <p:oleObj spid="_x0000_s13356" name="Visio" r:id="rId4" imgW="13496857" imgH="5267235" progId="Visio.Drawing.15">
+                  <p:embed/>
+                </p:oleObj>
+              </mc:Choice>
+              <mc:Fallback>
+                <p:oleObj name="Visio" r:id="rId4" imgW="13496857" imgH="5267235" progId="Visio.Drawing.15">
+                  <p:embed/>
+                  <p:pic>
+                    <p:nvPicPr>
+                      <p:cNvPr id="0" name=""/>
+                      <p:cNvPicPr/>
+                      <p:nvPr/>
+                    </p:nvPicPr>
+                    <p:blipFill>
+                      <a:blip r:embed="rId5"/>
+                      <a:stretch>
+                        <a:fillRect/>
+                      </a:stretch>
+                    </p:blipFill>
+                    <p:spPr>
+                      <a:xfrm>
+                        <a:off x="164592" y="1920240"/>
+                        <a:ext cx="11880061" cy="4636008"/>
+                      </a:xfrm>
+                      <a:prstGeom prst="rect">
+                        <a:avLst/>
+                      </a:prstGeom>
+                    </p:spPr>
+                  </p:pic>
+                </p:oleObj>
+              </mc:Fallback>
+            </mc:AlternateContent>
+          </a:graphicData>
+        </a:graphic>
+      </p:graphicFrame>
+      <p:sp>
+        <p:nvSpPr>
+          <p:cNvPr id="4" name="Title 3"/>
+          <p:cNvSpPr>
+            <a:spLocks noGrp="1"/>
+          </p:cNvSpPr>
+          <p:nvPr>
+            <p:ph type="title"/>
+          </p:nvPr>
+        </p:nvSpPr>
+        <p:spPr/>
+        <p:txBody>
+          <a:bodyPr/>
+          <a:lstStyle/>
+          <a:p>
+            <a:pPr algn="ctr"/>
+            <a:r>
+              <a:rPr lang="uk-UA" dirty="0" smtClean="0"/>
+              <a:t>Схема роботи програми</a:t>
+            </a:r>
+            <a:endParaRPr lang="uk-UA" dirty="0"/>
+          </a:p>
+        </p:txBody>
+      </p:sp>
+      <p:pic>
+        <p:nvPicPr>
+          <p:cNvPr id="6" name="Picture 5"/>
+          <p:cNvPicPr>
+            <a:picLocks noChangeAspect="1"/>
+          </p:cNvPicPr>
+          <p:nvPr/>
+        </p:nvPicPr>
+        <p:blipFill>
+          <a:blip r:embed="rId6">
+            <a:extLst>
+              <a:ext uri="{28A0092B-C50C-407E-A947-70E740481C1C}">
+                <a14:useLocalDpi xmlns:a14="http://schemas.microsoft.com/office/drawing/2010/main" val="0"/>
+              </a:ext>
+            </a:extLst>
+          </a:blip>
+          <a:stretch>
+            <a:fillRect/>
+          </a:stretch>
+        </p:blipFill>
+        <p:spPr>
+          <a:xfrm>
+            <a:off x="-5781752" y="-168103"/>
+            <a:ext cx="23622154" cy="8512638"/>
+          </a:xfrm>
+          <a:prstGeom prst="rect">
+            <a:avLst/>
+          </a:prstGeom>
+          <a:noFill/>
+          <a:ln>
+            <a:noFill/>
+          </a:ln>
+        </p:spPr>
+      </p:pic>
+    </p:spTree>
+    <p:extLst>
+      <p:ext uri="{BB962C8B-B14F-4D97-AF65-F5344CB8AC3E}">
+        <p14:creationId xmlns:p14="http://schemas.microsoft.com/office/powerpoint/2010/main" val="1129391654"/>
+      </p:ext>
+    </p:extLst>
+  </p:cSld>
+  <p:clrMapOvr>
+    <a:masterClrMapping/>
+  </p:clrMapOvr>
+  <mc:AlternateContent xmlns:mc="http://schemas.openxmlformats.org/markup-compatibility/2006">
+    <mc:Choice xmlns:p14="http://schemas.microsoft.com/office/powerpoint/2010/main" Requires="p14">
+      <p:transition spd="med" p14:dur="700">
+        <p:fade/>
+      </p:transition>
+    </mc:Choice>
+    <mc:Fallback>
+      <p:transition spd="med">
+        <p:fade/>
+      </p:transition>
+    </mc:Fallback>
+  </mc:AlternateContent>
+  <p:timing>
+    <p:tnLst>
+      <p:par>
+        <p:cTn id="1" dur="indefinite" restart="never" nodeType="tmRoot">
+          <p:childTnLst>
+            <p:seq concurrent="1" nextAc="seek">
+              <p:cTn id="2" dur="indefinite" nodeType="mainSeq">
+                <p:childTnLst>
+                  <p:par>
+                    <p:cTn id="3" fill="hold">
+                      <p:stCondLst>
+                        <p:cond delay="indefinite"/>
+                      </p:stCondLst>
+                      <p:childTnLst>
+                        <p:par>
+                          <p:cTn id="4" fill="hold">
+                            <p:stCondLst>
+                              <p:cond delay="0"/>
+                            </p:stCondLst>
+                            <p:childTnLst>
+                              <p:par>
+                                <p:cTn id="5" presetID="10" presetClass="entr" presetSubtype="0" fill="hold" nodeType="clickEffect">
+                                  <p:stCondLst>
+                                    <p:cond delay="0"/>
+                                  </p:stCondLst>
+                                  <p:childTnLst>
+                                    <p:set>
+                                      <p:cBhvr>
+                                        <p:cTn id="6" dur="1" fill="hold">
+                                          <p:stCondLst>
+                                            <p:cond delay="0"/>
+                                          </p:stCondLst>
+                                        </p:cTn>
+                                        <p:tgtEl>
+                                          <p:spTgt spid="6"/>
+                                        </p:tgtEl>
+                                        <p:attrNameLst>
+                                          <p:attrName>style.visibility</p:attrName>
+                                        </p:attrNameLst>
+                                      </p:cBhvr>
+                                      <p:to>
+                                        <p:strVal val="visible"/>
+                                      </p:to>
+                                    </p:set>
+                                    <p:animEffect transition="in" filter="fade">
+                                      <p:cBhvr>
+                                        <p:cTn id="7" dur="750"/>
+                                        <p:tgtEl>
+                                          <p:spTgt spid="6"/>
+                                        </p:tgtEl>
+                                      </p:cBhvr>
+                                    </p:animEffect>
+                                  </p:childTnLst>
+                                </p:cTn>
+                              </p:par>
+                            </p:childTnLst>
+                          </p:cTn>
+                        </p:par>
+                      </p:childTnLst>
+                    </p:cTn>
+                  </p:par>
+                </p:childTnLst>
+              </p:cTn>
+              <p:prevCondLst>
+                <p:cond evt="onPrev" delay="0">
+                  <p:tgtEl>
+                    <p:sldTgt/>
+                  </p:tgtEl>
+                </p:cond>
+              </p:prevCondLst>
+              <p:nextCondLst>
+                <p:cond evt="onNext" delay="0">
+                  <p:tgtEl>
+                    <p:sldTgt/>
+                  </p:tgtEl>
+                </p:cond>
+              </p:nextCondLst>
+            </p:seq>
+          </p:childTnLst>
+        </p:cTn>
+      </p:par>
+    </p:tnLst>
+  </p:timing>
+</p:sld>
+</file>
+
+<file path=ppt/slides/slide3.xml><?xml version="1.0" encoding="utf-8"?>
+<p:sld xmlns:a="http://schemas.openxmlformats.org/drawingml/2006/main" xmlns:r="http://schemas.openxmlformats.org/officeDocument/2006/relationships" xmlns:p="http://schemas.openxmlformats.org/presentationml/2006/main">
+  <p:cSld>
+    <p:spTree>
+      <p:nvGrpSpPr>
+        <p:cNvPr id="1" name=""/>
+        <p:cNvGrpSpPr/>
+        <p:nvPr/>
+      </p:nvGrpSpPr>
+      <p:grpSpPr>
+        <a:xfrm>
+          <a:off x="0" y="0"/>
+          <a:ext cx="0" cy="0"/>
+          <a:chOff x="0" y="0"/>
+          <a:chExt cx="0" cy="0"/>
+        </a:xfrm>
+      </p:grpSpPr>
+      <p:graphicFrame>
+        <p:nvGraphicFramePr>
+          <p:cNvPr id="7" name="Object 6"/>
+          <p:cNvGraphicFramePr>
+            <a:graphicFrameLocks noChangeAspect="1"/>
+          </p:cNvGraphicFramePr>
+          <p:nvPr>
+            <p:extLst>
+              <p:ext uri="{D42A27DB-BD31-4B8C-83A1-F6EECF244321}">
+                <p14:modId xmlns:p14="http://schemas.microsoft.com/office/powerpoint/2010/main" val="2305755280"/>
+              </p:ext>
+            </p:extLst>
+          </p:nvPr>
+        </p:nvGraphicFramePr>
+        <p:xfrm>
+          <a:off x="164592" y="1920240"/>
+          <a:ext cx="11880061" cy="4636008"/>
+        </p:xfrm>
+        <a:graphic>
+          <a:graphicData uri="http://schemas.openxmlformats.org/presentationml/2006/ole">
+            <mc:AlternateContent xmlns:mc="http://schemas.openxmlformats.org/markup-compatibility/2006">
+              <mc:Choice xmlns:v="urn:schemas-microsoft-com:vml" Requires="v">
+                <p:oleObj spid="_x0000_s8417" name="Visio" r:id="rId4" imgW="13496857" imgH="5267235" progId="Visio.Drawing.15">
+                  <p:embed/>
+                </p:oleObj>
+              </mc:Choice>
+              <mc:Fallback>
+                <p:oleObj name="Visio" r:id="rId4" imgW="13496857" imgH="5267235" progId="Visio.Drawing.15">
+                  <p:embed/>
+                  <p:pic>
+                    <p:nvPicPr>
+                      <p:cNvPr id="0" name=""/>
+                      <p:cNvPicPr/>
+                      <p:nvPr/>
+                    </p:nvPicPr>
+                    <p:blipFill>
+                      <a:blip r:embed="rId5"/>
+                      <a:stretch>
+                        <a:fillRect/>
+                      </a:stretch>
+                    </p:blipFill>
+                    <p:spPr>
+                      <a:xfrm>
+                        <a:off x="164592" y="1920240"/>
+                        <a:ext cx="11880061" cy="4636008"/>
+                      </a:xfrm>
+                      <a:prstGeom prst="rect">
+                        <a:avLst/>
+                      </a:prstGeom>
+                    </p:spPr>
+                  </p:pic>
+                </p:oleObj>
+              </mc:Fallback>
+            </mc:AlternateContent>
+          </a:graphicData>
+        </a:graphic>
+      </p:graphicFrame>
+      <p:sp>
+        <p:nvSpPr>
+          <p:cNvPr id="4" name="Title 3"/>
+          <p:cNvSpPr>
+            <a:spLocks noGrp="1"/>
+          </p:cNvSpPr>
+          <p:nvPr>
+            <p:ph type="title"/>
+          </p:nvPr>
+        </p:nvSpPr>
+        <p:spPr/>
+        <p:txBody>
+          <a:bodyPr/>
+          <a:lstStyle/>
+          <a:p>
+            <a:pPr algn="ctr"/>
+            <a:r>
+              <a:rPr lang="uk-UA" dirty="0" smtClean="0"/>
+              <a:t>Схема роботи програми</a:t>
+            </a:r>
+            <a:endParaRPr lang="uk-UA" dirty="0"/>
+          </a:p>
+        </p:txBody>
+      </p:sp>
+      <p:pic>
+        <p:nvPicPr>
+          <p:cNvPr id="6" name="Picture 5"/>
+          <p:cNvPicPr>
+            <a:picLocks noChangeAspect="1"/>
+          </p:cNvPicPr>
+          <p:nvPr/>
+        </p:nvPicPr>
+        <p:blipFill>
+          <a:blip r:embed="rId6">
+            <a:extLst>
+              <a:ext uri="{28A0092B-C50C-407E-A947-70E740481C1C}">
+                <a14:useLocalDpi xmlns:a14="http://schemas.microsoft.com/office/drawing/2010/main" val="0"/>
+              </a:ext>
+            </a:extLst>
+          </a:blip>
+          <a:stretch>
+            <a:fillRect/>
+          </a:stretch>
+        </p:blipFill>
+        <p:spPr>
+          <a:xfrm>
+            <a:off x="-5761431" y="-168103"/>
+            <a:ext cx="23622152" cy="8512637"/>
+          </a:xfrm>
+          <a:prstGeom prst="rect">
+            <a:avLst/>
+          </a:prstGeom>
+          <a:noFill/>
+          <a:ln>
+            <a:noFill/>
+          </a:ln>
+        </p:spPr>
+      </p:pic>
+    </p:spTree>
+    <p:extLst>
+      <p:ext uri="{BB962C8B-B14F-4D97-AF65-F5344CB8AC3E}">
+        <p14:creationId xmlns:p14="http://schemas.microsoft.com/office/powerpoint/2010/main" val="3214066695"/>
+      </p:ext>
+    </p:extLst>
+  </p:cSld>
+  <p:clrMapOvr>
+    <a:masterClrMapping/>
+  </p:clrMapOvr>
+  <p:transition spd="med">
+    <p:fade/>
+  </p:transition>
+  <p:timing>
+    <p:tnLst>
+      <p:par>
+        <p:cTn id="1" dur="indefinite" restart="never" nodeType="tmRoot"/>
+      </p:par>
+    </p:tnLst>
+  </p:timing>
+</p:sld>
+</file>
+
+<file path=ppt/slides/slide4.xml><?xml version="1.0" encoding="utf-8"?>
+<p:sld xmlns:a="http://schemas.openxmlformats.org/drawingml/2006/main" xmlns:r="http://schemas.openxmlformats.org/officeDocument/2006/relationships" xmlns:p="http://schemas.openxmlformats.org/presentationml/2006/main">
+  <p:cSld>
+    <p:spTree>
+      <p:nvGrpSpPr>
+        <p:cNvPr id="1" name=""/>
+        <p:cNvGrpSpPr/>
+        <p:nvPr/>
+      </p:nvGrpSpPr>
+      <p:grpSpPr>
+        <a:xfrm>
+          <a:off x="0" y="0"/>
+          <a:ext cx="0" cy="0"/>
+          <a:chOff x="0" y="0"/>
+          <a:chExt cx="0" cy="0"/>
+        </a:xfrm>
+      </p:grpSpPr>
+      <p:graphicFrame>
+        <p:nvGraphicFramePr>
+          <p:cNvPr id="7" name="Object 6"/>
+          <p:cNvGraphicFramePr>
+            <a:graphicFrameLocks noChangeAspect="1"/>
+          </p:cNvGraphicFramePr>
+          <p:nvPr>
+            <p:extLst>
+              <p:ext uri="{D42A27DB-BD31-4B8C-83A1-F6EECF244321}">
+                <p14:modId xmlns:p14="http://schemas.microsoft.com/office/powerpoint/2010/main" val="2305755280"/>
+              </p:ext>
+            </p:extLst>
+          </p:nvPr>
+        </p:nvGraphicFramePr>
+        <p:xfrm>
+          <a:off x="164592" y="1920240"/>
+          <a:ext cx="11880061" cy="4636008"/>
+        </p:xfrm>
+        <a:graphic>
+          <a:graphicData uri="http://schemas.openxmlformats.org/presentationml/2006/ole">
+            <mc:AlternateContent xmlns:mc="http://schemas.openxmlformats.org/markup-compatibility/2006">
+              <mc:Choice xmlns:v="urn:schemas-microsoft-com:vml" Requires="v">
+                <p:oleObj spid="_x0000_s14379" name="Visio" r:id="rId4" imgW="13496857" imgH="5267235" progId="Visio.Drawing.15">
+                  <p:embed/>
+                </p:oleObj>
+              </mc:Choice>
+              <mc:Fallback>
+                <p:oleObj name="Visio" r:id="rId4" imgW="13496857" imgH="5267235" progId="Visio.Drawing.15">
+                  <p:embed/>
+                  <p:pic>
+                    <p:nvPicPr>
+                      <p:cNvPr id="0" name=""/>
+                      <p:cNvPicPr/>
+                      <p:nvPr/>
+                    </p:nvPicPr>
+                    <p:blipFill>
+                      <a:blip r:embed="rId5"/>
+                      <a:stretch>
+                        <a:fillRect/>
+                      </a:stretch>
+                    </p:blipFill>
+                    <p:spPr>
+                      <a:xfrm>
+                        <a:off x="164592" y="1920240"/>
+                        <a:ext cx="11880061" cy="4636008"/>
+                      </a:xfrm>
+                      <a:prstGeom prst="rect">
+                        <a:avLst/>
+                      </a:prstGeom>
+                    </p:spPr>
+                  </p:pic>
+                </p:oleObj>
+              </mc:Fallback>
+            </mc:AlternateContent>
+          </a:graphicData>
+        </a:graphic>
+      </p:graphicFrame>
+      <p:sp>
+        <p:nvSpPr>
+          <p:cNvPr id="4" name="Title 3"/>
+          <p:cNvSpPr>
+            <a:spLocks noGrp="1"/>
+          </p:cNvSpPr>
+          <p:nvPr>
+            <p:ph type="title"/>
+          </p:nvPr>
+        </p:nvSpPr>
+        <p:spPr/>
+        <p:txBody>
+          <a:bodyPr/>
+          <a:lstStyle/>
+          <a:p>
+            <a:pPr algn="ctr"/>
+            <a:r>
+              <a:rPr lang="uk-UA" dirty="0" smtClean="0"/>
+              <a:t>Схема роботи програми</a:t>
+            </a:r>
+            <a:endParaRPr lang="uk-UA" dirty="0"/>
+          </a:p>
+        </p:txBody>
+      </p:sp>
+      <p:pic>
+        <p:nvPicPr>
+          <p:cNvPr id="6" name="Picture 5"/>
+          <p:cNvPicPr>
+            <a:picLocks noChangeAspect="1"/>
+          </p:cNvPicPr>
+          <p:nvPr/>
+        </p:nvPicPr>
+        <p:blipFill>
+          <a:blip r:embed="rId6">
+            <a:extLst>
+              <a:ext uri="{28A0092B-C50C-407E-A947-70E740481C1C}">
+                <a14:useLocalDpi xmlns:a14="http://schemas.microsoft.com/office/drawing/2010/main" val="0"/>
+              </a:ext>
+            </a:extLst>
+          </a:blip>
+          <a:stretch>
+            <a:fillRect/>
+          </a:stretch>
+        </p:blipFill>
+        <p:spPr>
+          <a:xfrm>
+            <a:off x="-5727775" y="-168103"/>
+            <a:ext cx="23622150" cy="8512637"/>
+          </a:xfrm>
+          <a:prstGeom prst="rect">
+            <a:avLst/>
+          </a:prstGeom>
+          <a:noFill/>
+          <a:ln>
+            <a:noFill/>
+          </a:ln>
+        </p:spPr>
+      </p:pic>
+    </p:spTree>
+    <p:extLst>
+      <p:ext uri="{BB962C8B-B14F-4D97-AF65-F5344CB8AC3E}">
+        <p14:creationId xmlns:p14="http://schemas.microsoft.com/office/powerpoint/2010/main" val="2382023659"/>
+      </p:ext>
+    </p:extLst>
+  </p:cSld>
+  <p:clrMapOvr>
+    <a:masterClrMapping/>
+  </p:clrMapOvr>
+  <p:transition spd="med">
+    <p:fade/>
+  </p:transition>
+  <p:timing>
+    <p:tnLst>
+      <p:par>
+        <p:cTn id="1" dur="indefinite" restart="never" nodeType="tmRoot"/>
+      </p:par>
+    </p:tnLst>
+  </p:timing>
+</p:sld>
+</file>
+
+<file path=ppt/slides/slide5.xml><?xml version="1.0" encoding="utf-8"?>
+<p:sld xmlns:a="http://schemas.openxmlformats.org/drawingml/2006/main" xmlns:r="http://schemas.openxmlformats.org/officeDocument/2006/relationships" xmlns:p="http://schemas.openxmlformats.org/presentationml/2006/main">
+  <p:cSld>
+    <p:spTree>
+      <p:nvGrpSpPr>
+        <p:cNvPr id="1" name=""/>
+        <p:cNvGrpSpPr/>
+        <p:nvPr/>
+      </p:nvGrpSpPr>
+      <p:grpSpPr>
+        <a:xfrm>
+          <a:off x="0" y="0"/>
+          <a:ext cx="0" cy="0"/>
+          <a:chOff x="0" y="0"/>
+          <a:chExt cx="0" cy="0"/>
+        </a:xfrm>
+      </p:grpSpPr>
+      <p:sp>
+        <p:nvSpPr>
+          <p:cNvPr id="7" name="Rectangle 5"/>
+          <p:cNvSpPr>
+            <a:spLocks noChangeArrowheads="1"/>
+          </p:cNvSpPr>
+          <p:nvPr/>
+        </p:nvSpPr>
+        <p:spPr bwMode="auto">
+          <a:xfrm>
+            <a:off x="2074707" y="197347"/>
+            <a:ext cx="8042586" cy="6463308"/>
+          </a:xfrm>
+          <a:prstGeom prst="rect">
+            <a:avLst/>
+          </a:prstGeom>
+          <a:solidFill>
+            <a:srgbClr val="FFFFFF"/>
+          </a:solidFill>
+          <a:ln>
+            <a:noFill/>
+          </a:ln>
+          <a:effectLst/>
+          <a:extLst>
+            <a:ext uri="{91240B29-F687-4F45-9708-019B960494DF}">
+              <a14:hiddenLine xmlns:a14="http://schemas.microsoft.com/office/drawing/2010/main" w="9525">
+                <a:solidFill>
+                  <a:schemeClr val="tx1"/>
+                </a:solidFill>
+                <a:miter lim="800000"/>
+                <a:headEnd/>
+                <a:tailEnd/>
+              </a14:hiddenLine>
+            </a:ext>
+            <a:ext uri="{AF507438-7753-43E0-B8FC-AC1667EBCBE1}">
+              <a14:hiddenEffects xmlns:a14="http://schemas.microsoft.com/office/drawing/2010/main">
+                <a:effectLst>
+                  <a:outerShdw dist="35921" dir="2700000" algn="ctr" rotWithShape="0">
+                    <a:schemeClr val="bg2"/>
+                  </a:outerShdw>
+                </a:effectLst>
+              </a14:hiddenEffects>
+            </a:ext>
+          </a:extLst>
+        </p:spPr>
+        <p:txBody>
+          <a:bodyPr vert="horz" wrap="none" lIns="91440" tIns="45720" rIns="91440" bIns="45720" numCol="1" anchor="ctr" anchorCtr="0" compatLnSpc="1">
+            <a:prstTxWarp prst="textNoShape">
+              <a:avLst/>
+            </a:prstTxWarp>
+            <a:spAutoFit/>
+          </a:bodyPr>
+          <a:lstStyle/>
+          <a:p>
+            <a:pPr marL="0" marR="0" lvl="0" indent="0" defTabSz="914400" rtl="0" eaLnBrk="0" fontAlgn="base" latinLnBrk="0" hangingPunct="0">
+              <a:lnSpc>
+                <a:spcPct val="100000"/>
+              </a:lnSpc>
+              <a:spcBef>
+                <a:spcPct val="0"/>
+              </a:spcBef>
+              <a:spcAft>
+                <a:spcPct val="0"/>
+              </a:spcAft>
+              <a:buClrTx/>
+              <a:buSzTx/>
+              <a:buFontTx/>
+              <a:buNone/>
+              <a:tabLst/>
+            </a:pPr>
+            <a:r>
+              <a:rPr kumimoji="0" lang="en-US" altLang="uk-UA" b="1" i="0" u="none" strike="noStrike" cap="none" normalizeH="0" baseline="0" dirty="0" smtClean="0">
+                <a:ln>
+                  <a:noFill/>
+                </a:ln>
+                <a:solidFill>
+                  <a:srgbClr val="000080"/>
+                </a:solidFill>
+                <a:effectLst/>
+                <a:latin typeface="Courier New" panose="02070309020205020404" pitchFamily="49" charset="0"/>
+                <a:cs typeface="Courier New" panose="02070309020205020404" pitchFamily="49" charset="0"/>
+              </a:rPr>
+              <a:t>class </a:t>
+            </a:r>
+            <a:r>
+              <a:rPr kumimoji="0" lang="en-US" altLang="uk-UA" b="0" i="1" u="none" strike="noStrike" cap="none" normalizeH="0" baseline="0" dirty="0" smtClean="0">
+                <a:ln>
+                  <a:noFill/>
+                </a:ln>
+                <a:solidFill>
+                  <a:srgbClr val="0060FF"/>
+                </a:solidFill>
+                <a:effectLst/>
+                <a:latin typeface="Courier New" panose="02070309020205020404" pitchFamily="49" charset="0"/>
+                <a:cs typeface="Courier New" panose="02070309020205020404" pitchFamily="49" charset="0"/>
+              </a:rPr>
+              <a:t>DeviceTemplate </a:t>
+            </a:r>
+            <a:r>
+              <a:rPr kumimoji="0" lang="en-US" altLang="uk-UA" b="1" i="0" u="none" strike="noStrike" cap="none" normalizeH="0" baseline="0" dirty="0" smtClean="0">
+                <a:ln>
+                  <a:noFill/>
+                </a:ln>
+                <a:solidFill>
+                  <a:srgbClr val="000080"/>
+                </a:solidFill>
+                <a:effectLst/>
+                <a:latin typeface="Courier New" panose="02070309020205020404" pitchFamily="49" charset="0"/>
+                <a:cs typeface="Courier New" panose="02070309020205020404" pitchFamily="49" charset="0"/>
+              </a:rPr>
+              <a:t>extends </a:t>
+            </a:r>
+            <a:r>
+              <a:rPr kumimoji="0" lang="en-US" altLang="uk-UA" b="0" i="0" u="none" strike="noStrike" cap="none" normalizeH="0" baseline="0" dirty="0" smtClean="0">
+                <a:ln>
+                  <a:noFill/>
+                </a:ln>
+                <a:solidFill>
+                  <a:srgbClr val="009AFF"/>
+                </a:solidFill>
+                <a:effectLst/>
+                <a:latin typeface="Courier New" panose="02070309020205020404" pitchFamily="49" charset="0"/>
+                <a:cs typeface="Courier New" panose="02070309020205020404" pitchFamily="49" charset="0"/>
+              </a:rPr>
+              <a:t>Device</a:t>
+            </a:r>
+            <a:br>
+              <a:rPr kumimoji="0" lang="en-US" altLang="uk-UA" b="0" i="0" u="none" strike="noStrike" cap="none" normalizeH="0" baseline="0" dirty="0" smtClean="0">
+                <a:ln>
+                  <a:noFill/>
+                </a:ln>
+                <a:solidFill>
+                  <a:srgbClr val="009AFF"/>
+                </a:solidFill>
+                <a:effectLst/>
+                <a:latin typeface="Courier New" panose="02070309020205020404" pitchFamily="49" charset="0"/>
+                <a:cs typeface="Courier New" panose="02070309020205020404" pitchFamily="49" charset="0"/>
+              </a:rPr>
+            </a:br>
+            <a:r>
+              <a:rPr kumimoji="0" lang="en-US" altLang="uk-UA" b="0" i="0" u="none" strike="noStrike" cap="none" normalizeH="0" baseline="0" dirty="0" smtClean="0">
+                <a:ln>
+                  <a:noFill/>
+                </a:ln>
+                <a:solidFill>
+                  <a:srgbClr val="000000"/>
+                </a:solidFill>
+                <a:effectLst/>
+                <a:latin typeface="Courier New" panose="02070309020205020404" pitchFamily="49" charset="0"/>
+                <a:cs typeface="Courier New" panose="02070309020205020404" pitchFamily="49" charset="0"/>
+              </a:rPr>
+              <a:t>{</a:t>
+            </a:r>
+            <a:br>
+              <a:rPr kumimoji="0" lang="en-US" altLang="uk-UA" b="0" i="0" u="none" strike="noStrike" cap="none" normalizeH="0" baseline="0" dirty="0" smtClean="0">
+                <a:ln>
+                  <a:noFill/>
+                </a:ln>
+                <a:solidFill>
+                  <a:srgbClr val="000000"/>
+                </a:solidFill>
+                <a:effectLst/>
+                <a:latin typeface="Courier New" panose="02070309020205020404" pitchFamily="49" charset="0"/>
+                <a:cs typeface="Courier New" panose="02070309020205020404" pitchFamily="49" charset="0"/>
+              </a:rPr>
+            </a:br>
+            <a:r>
+              <a:rPr kumimoji="0" lang="en-US" altLang="uk-UA" b="0" i="0" u="none" strike="noStrike" cap="none" normalizeH="0" baseline="0" dirty="0" smtClean="0">
+                <a:ln>
+                  <a:noFill/>
+                </a:ln>
+                <a:solidFill>
+                  <a:srgbClr val="000000"/>
+                </a:solidFill>
+                <a:effectLst/>
+                <a:latin typeface="Courier New" panose="02070309020205020404" pitchFamily="49" charset="0"/>
+                <a:cs typeface="Courier New" panose="02070309020205020404" pitchFamily="49" charset="0"/>
+              </a:rPr>
+              <a:t>    </a:t>
+            </a:r>
+            <a:r>
+              <a:rPr kumimoji="0" lang="en-US" altLang="uk-UA" b="0" i="1" u="none" strike="noStrike" cap="none" normalizeH="0" baseline="0" dirty="0" smtClean="0">
+                <a:ln>
+                  <a:noFill/>
+                </a:ln>
+                <a:solidFill>
+                  <a:srgbClr val="0060FF"/>
+                </a:solidFill>
+                <a:effectLst/>
+                <a:latin typeface="Courier New" panose="02070309020205020404" pitchFamily="49" charset="0"/>
+                <a:cs typeface="Courier New" panose="02070309020205020404" pitchFamily="49" charset="0"/>
+              </a:rPr>
+              <a:t>String  </a:t>
+            </a:r>
+            <a:r>
+              <a:rPr kumimoji="0" lang="en-US" altLang="uk-UA" b="1" i="0" u="none" strike="noStrike" cap="none" normalizeH="0" baseline="0" dirty="0" smtClean="0">
+                <a:ln>
+                  <a:noFill/>
+                </a:ln>
+                <a:solidFill>
+                  <a:srgbClr val="660E7A"/>
+                </a:solidFill>
+                <a:effectLst/>
+                <a:latin typeface="Courier New" panose="02070309020205020404" pitchFamily="49" charset="0"/>
+                <a:cs typeface="Courier New" panose="02070309020205020404" pitchFamily="49" charset="0"/>
+              </a:rPr>
+              <a:t>FRIENDLY_NAME           </a:t>
+            </a:r>
+            <a:r>
+              <a:rPr kumimoji="0" lang="en-US" altLang="uk-UA" b="0" i="0" u="none" strike="noStrike" cap="none" normalizeH="0" baseline="0" dirty="0" smtClean="0">
+                <a:ln>
+                  <a:noFill/>
+                </a:ln>
+                <a:solidFill>
+                  <a:srgbClr val="000000"/>
+                </a:solidFill>
+                <a:effectLst/>
+                <a:latin typeface="Courier New" panose="02070309020205020404" pitchFamily="49" charset="0"/>
+                <a:cs typeface="Courier New" panose="02070309020205020404" pitchFamily="49" charset="0"/>
+              </a:rPr>
+              <a:t>= </a:t>
+            </a:r>
+            <a:r>
+              <a:rPr kumimoji="0" lang="en-US" altLang="uk-UA" b="1" i="0" u="none" strike="noStrike" cap="none" normalizeH="0" baseline="0" dirty="0" smtClean="0">
+                <a:ln>
+                  <a:noFill/>
+                </a:ln>
+                <a:solidFill>
+                  <a:srgbClr val="008000"/>
+                </a:solidFill>
+                <a:effectLst/>
+                <a:latin typeface="Courier New" panose="02070309020205020404" pitchFamily="49" charset="0"/>
+                <a:cs typeface="Courier New" panose="02070309020205020404" pitchFamily="49" charset="0"/>
+              </a:rPr>
+              <a:t>""</a:t>
+            </a:r>
+            <a:r>
+              <a:rPr kumimoji="0" lang="en-US" altLang="uk-UA" b="0" i="0" u="none" strike="noStrike" cap="none" normalizeH="0" baseline="0" dirty="0" smtClean="0">
+                <a:ln>
+                  <a:noFill/>
+                </a:ln>
+                <a:solidFill>
+                  <a:srgbClr val="000000"/>
+                </a:solidFill>
+                <a:effectLst/>
+                <a:latin typeface="Courier New" panose="02070309020205020404" pitchFamily="49" charset="0"/>
+                <a:cs typeface="Courier New" panose="02070309020205020404" pitchFamily="49" charset="0"/>
+              </a:rPr>
+              <a:t>;</a:t>
+            </a:r>
+            <a:br>
+              <a:rPr kumimoji="0" lang="en-US" altLang="uk-UA" b="0" i="0" u="none" strike="noStrike" cap="none" normalizeH="0" baseline="0" dirty="0" smtClean="0">
+                <a:ln>
+                  <a:noFill/>
+                </a:ln>
+                <a:solidFill>
+                  <a:srgbClr val="000000"/>
+                </a:solidFill>
+                <a:effectLst/>
+                <a:latin typeface="Courier New" panose="02070309020205020404" pitchFamily="49" charset="0"/>
+                <a:cs typeface="Courier New" panose="02070309020205020404" pitchFamily="49" charset="0"/>
+              </a:rPr>
+            </a:br>
+            <a:r>
+              <a:rPr kumimoji="0" lang="en-US" altLang="uk-UA" b="0" i="0" u="none" strike="noStrike" cap="none" normalizeH="0" baseline="0" dirty="0" smtClean="0">
+                <a:ln>
+                  <a:noFill/>
+                </a:ln>
+                <a:solidFill>
+                  <a:srgbClr val="000000"/>
+                </a:solidFill>
+                <a:effectLst/>
+                <a:latin typeface="Courier New" panose="02070309020205020404" pitchFamily="49" charset="0"/>
+                <a:cs typeface="Courier New" panose="02070309020205020404" pitchFamily="49" charset="0"/>
+              </a:rPr>
+              <a:t/>
+            </a:r>
+            <a:br>
+              <a:rPr kumimoji="0" lang="en-US" altLang="uk-UA" b="0" i="0" u="none" strike="noStrike" cap="none" normalizeH="0" baseline="0" dirty="0" smtClean="0">
+                <a:ln>
+                  <a:noFill/>
+                </a:ln>
+                <a:solidFill>
+                  <a:srgbClr val="000000"/>
+                </a:solidFill>
+                <a:effectLst/>
+                <a:latin typeface="Courier New" panose="02070309020205020404" pitchFamily="49" charset="0"/>
+                <a:cs typeface="Courier New" panose="02070309020205020404" pitchFamily="49" charset="0"/>
+              </a:rPr>
+            </a:br>
+            <a:r>
+              <a:rPr kumimoji="0" lang="en-US" altLang="uk-UA" b="0" i="0" u="none" strike="noStrike" cap="none" normalizeH="0" baseline="0" dirty="0" smtClean="0">
+                <a:ln>
+                  <a:noFill/>
+                </a:ln>
+                <a:solidFill>
+                  <a:srgbClr val="000000"/>
+                </a:solidFill>
+                <a:effectLst/>
+                <a:latin typeface="Courier New" panose="02070309020205020404" pitchFamily="49" charset="0"/>
+                <a:cs typeface="Courier New" panose="02070309020205020404" pitchFamily="49" charset="0"/>
+              </a:rPr>
+              <a:t>    </a:t>
+            </a:r>
+            <a:r>
+              <a:rPr kumimoji="0" lang="en-US" altLang="uk-UA" b="0" i="1" u="none" strike="noStrike" cap="none" normalizeH="0" baseline="0" dirty="0" smtClean="0">
+                <a:ln>
+                  <a:noFill/>
+                </a:ln>
+                <a:solidFill>
+                  <a:srgbClr val="0060FF"/>
+                </a:solidFill>
+                <a:effectLst/>
+                <a:latin typeface="Courier New" panose="02070309020205020404" pitchFamily="49" charset="0"/>
+                <a:cs typeface="Courier New" panose="02070309020205020404" pitchFamily="49" charset="0"/>
+              </a:rPr>
+              <a:t>String  </a:t>
+            </a:r>
+            <a:r>
+              <a:rPr kumimoji="0" lang="en-US" altLang="uk-UA" b="1" i="0" u="none" strike="noStrike" cap="none" normalizeH="0" baseline="0" dirty="0" smtClean="0">
+                <a:ln>
+                  <a:noFill/>
+                </a:ln>
+                <a:solidFill>
+                  <a:srgbClr val="660E7A"/>
+                </a:solidFill>
+                <a:effectLst/>
+                <a:latin typeface="Courier New" panose="02070309020205020404" pitchFamily="49" charset="0"/>
+                <a:cs typeface="Courier New" panose="02070309020205020404" pitchFamily="49" charset="0"/>
+              </a:rPr>
+              <a:t>VENDOR_ID               </a:t>
+            </a:r>
+            <a:r>
+              <a:rPr kumimoji="0" lang="en-US" altLang="uk-UA" b="0" i="0" u="none" strike="noStrike" cap="none" normalizeH="0" baseline="0" dirty="0" smtClean="0">
+                <a:ln>
+                  <a:noFill/>
+                </a:ln>
+                <a:solidFill>
+                  <a:srgbClr val="000000"/>
+                </a:solidFill>
+                <a:effectLst/>
+                <a:latin typeface="Courier New" panose="02070309020205020404" pitchFamily="49" charset="0"/>
+                <a:cs typeface="Courier New" panose="02070309020205020404" pitchFamily="49" charset="0"/>
+              </a:rPr>
+              <a:t>= </a:t>
+            </a:r>
+            <a:r>
+              <a:rPr kumimoji="0" lang="en-US" altLang="uk-UA" b="1" i="0" u="none" strike="noStrike" cap="none" normalizeH="0" baseline="0" dirty="0" smtClean="0">
+                <a:ln>
+                  <a:noFill/>
+                </a:ln>
+                <a:solidFill>
+                  <a:srgbClr val="008000"/>
+                </a:solidFill>
+                <a:effectLst/>
+                <a:latin typeface="Courier New" panose="02070309020205020404" pitchFamily="49" charset="0"/>
+                <a:cs typeface="Courier New" panose="02070309020205020404" pitchFamily="49" charset="0"/>
+              </a:rPr>
+              <a:t>""</a:t>
+            </a:r>
+            <a:r>
+              <a:rPr kumimoji="0" lang="en-US" altLang="uk-UA" b="0" i="0" u="none" strike="noStrike" cap="none" normalizeH="0" baseline="0" dirty="0" smtClean="0">
+                <a:ln>
+                  <a:noFill/>
+                </a:ln>
+                <a:solidFill>
+                  <a:srgbClr val="000000"/>
+                </a:solidFill>
+                <a:effectLst/>
+                <a:latin typeface="Courier New" panose="02070309020205020404" pitchFamily="49" charset="0"/>
+                <a:cs typeface="Courier New" panose="02070309020205020404" pitchFamily="49" charset="0"/>
+              </a:rPr>
+              <a:t>;</a:t>
+            </a:r>
+            <a:br>
+              <a:rPr kumimoji="0" lang="en-US" altLang="uk-UA" b="0" i="0" u="none" strike="noStrike" cap="none" normalizeH="0" baseline="0" dirty="0" smtClean="0">
+                <a:ln>
+                  <a:noFill/>
+                </a:ln>
+                <a:solidFill>
+                  <a:srgbClr val="000000"/>
+                </a:solidFill>
+                <a:effectLst/>
+                <a:latin typeface="Courier New" panose="02070309020205020404" pitchFamily="49" charset="0"/>
+                <a:cs typeface="Courier New" panose="02070309020205020404" pitchFamily="49" charset="0"/>
+              </a:rPr>
+            </a:br>
+            <a:r>
+              <a:rPr kumimoji="0" lang="en-US" altLang="uk-UA" b="0" i="0" u="none" strike="noStrike" cap="none" normalizeH="0" baseline="0" dirty="0" smtClean="0">
+                <a:ln>
+                  <a:noFill/>
+                </a:ln>
+                <a:solidFill>
+                  <a:srgbClr val="000000"/>
+                </a:solidFill>
+                <a:effectLst/>
+                <a:latin typeface="Courier New" panose="02070309020205020404" pitchFamily="49" charset="0"/>
+                <a:cs typeface="Courier New" panose="02070309020205020404" pitchFamily="49" charset="0"/>
+              </a:rPr>
+              <a:t/>
+            </a:r>
+            <a:br>
+              <a:rPr kumimoji="0" lang="en-US" altLang="uk-UA" b="0" i="0" u="none" strike="noStrike" cap="none" normalizeH="0" baseline="0" dirty="0" smtClean="0">
+                <a:ln>
+                  <a:noFill/>
+                </a:ln>
+                <a:solidFill>
+                  <a:srgbClr val="000000"/>
+                </a:solidFill>
+                <a:effectLst/>
+                <a:latin typeface="Courier New" panose="02070309020205020404" pitchFamily="49" charset="0"/>
+                <a:cs typeface="Courier New" panose="02070309020205020404" pitchFamily="49" charset="0"/>
+              </a:rPr>
+            </a:br>
+            <a:r>
+              <a:rPr kumimoji="0" lang="en-US" altLang="uk-UA" b="0" i="0" u="none" strike="noStrike" cap="none" normalizeH="0" baseline="0" dirty="0" smtClean="0">
+                <a:ln>
+                  <a:noFill/>
+                </a:ln>
+                <a:solidFill>
+                  <a:srgbClr val="000000"/>
+                </a:solidFill>
+                <a:effectLst/>
+                <a:latin typeface="Courier New" panose="02070309020205020404" pitchFamily="49" charset="0"/>
+                <a:cs typeface="Courier New" panose="02070309020205020404" pitchFamily="49" charset="0"/>
+              </a:rPr>
+              <a:t>    </a:t>
+            </a:r>
+            <a:r>
+              <a:rPr kumimoji="0" lang="en-US" altLang="uk-UA" b="0" i="1" u="none" strike="noStrike" cap="none" normalizeH="0" baseline="0" dirty="0" smtClean="0">
+                <a:ln>
+                  <a:noFill/>
+                </a:ln>
+                <a:solidFill>
+                  <a:srgbClr val="0060FF"/>
+                </a:solidFill>
+                <a:effectLst/>
+                <a:latin typeface="Courier New" panose="02070309020205020404" pitchFamily="49" charset="0"/>
+                <a:cs typeface="Courier New" panose="02070309020205020404" pitchFamily="49" charset="0"/>
+              </a:rPr>
+              <a:t>String  </a:t>
+            </a:r>
+            <a:r>
+              <a:rPr kumimoji="0" lang="en-US" altLang="uk-UA" b="1" i="0" u="none" strike="noStrike" cap="none" normalizeH="0" baseline="0" dirty="0" smtClean="0">
+                <a:ln>
+                  <a:noFill/>
+                </a:ln>
+                <a:solidFill>
+                  <a:srgbClr val="660E7A"/>
+                </a:solidFill>
+                <a:effectLst/>
+                <a:latin typeface="Courier New" panose="02070309020205020404" pitchFamily="49" charset="0"/>
+                <a:cs typeface="Courier New" panose="02070309020205020404" pitchFamily="49" charset="0"/>
+              </a:rPr>
+              <a:t>PRODUCT_ID              </a:t>
+            </a:r>
+            <a:r>
+              <a:rPr kumimoji="0" lang="en-US" altLang="uk-UA" b="0" i="0" u="none" strike="noStrike" cap="none" normalizeH="0" baseline="0" dirty="0" smtClean="0">
+                <a:ln>
+                  <a:noFill/>
+                </a:ln>
+                <a:solidFill>
+                  <a:srgbClr val="000000"/>
+                </a:solidFill>
+                <a:effectLst/>
+                <a:latin typeface="Courier New" panose="02070309020205020404" pitchFamily="49" charset="0"/>
+                <a:cs typeface="Courier New" panose="02070309020205020404" pitchFamily="49" charset="0"/>
+              </a:rPr>
+              <a:t>= </a:t>
+            </a:r>
+            <a:r>
+              <a:rPr kumimoji="0" lang="en-US" altLang="uk-UA" b="1" i="0" u="none" strike="noStrike" cap="none" normalizeH="0" baseline="0" dirty="0" smtClean="0">
+                <a:ln>
+                  <a:noFill/>
+                </a:ln>
+                <a:solidFill>
+                  <a:srgbClr val="008000"/>
+                </a:solidFill>
+                <a:effectLst/>
+                <a:latin typeface="Courier New" panose="02070309020205020404" pitchFamily="49" charset="0"/>
+                <a:cs typeface="Courier New" panose="02070309020205020404" pitchFamily="49" charset="0"/>
+              </a:rPr>
+              <a:t>""</a:t>
+            </a:r>
+            <a:r>
+              <a:rPr kumimoji="0" lang="en-US" altLang="uk-UA" b="0" i="0" u="none" strike="noStrike" cap="none" normalizeH="0" baseline="0" dirty="0" smtClean="0">
+                <a:ln>
+                  <a:noFill/>
+                </a:ln>
+                <a:solidFill>
+                  <a:srgbClr val="000000"/>
+                </a:solidFill>
+                <a:effectLst/>
+                <a:latin typeface="Courier New" panose="02070309020205020404" pitchFamily="49" charset="0"/>
+                <a:cs typeface="Courier New" panose="02070309020205020404" pitchFamily="49" charset="0"/>
+              </a:rPr>
+              <a:t>;</a:t>
+            </a:r>
+            <a:br>
+              <a:rPr kumimoji="0" lang="en-US" altLang="uk-UA" b="0" i="0" u="none" strike="noStrike" cap="none" normalizeH="0" baseline="0" dirty="0" smtClean="0">
+                <a:ln>
+                  <a:noFill/>
+                </a:ln>
+                <a:solidFill>
+                  <a:srgbClr val="000000"/>
+                </a:solidFill>
+                <a:effectLst/>
+                <a:latin typeface="Courier New" panose="02070309020205020404" pitchFamily="49" charset="0"/>
+                <a:cs typeface="Courier New" panose="02070309020205020404" pitchFamily="49" charset="0"/>
+              </a:rPr>
+            </a:br>
+            <a:r>
+              <a:rPr kumimoji="0" lang="en-US" altLang="uk-UA" b="0" i="0" u="none" strike="noStrike" cap="none" normalizeH="0" baseline="0" dirty="0" smtClean="0">
+                <a:ln>
+                  <a:noFill/>
+                </a:ln>
+                <a:solidFill>
+                  <a:srgbClr val="000000"/>
+                </a:solidFill>
+                <a:effectLst/>
+                <a:latin typeface="Courier New" panose="02070309020205020404" pitchFamily="49" charset="0"/>
+                <a:cs typeface="Courier New" panose="02070309020205020404" pitchFamily="49" charset="0"/>
+              </a:rPr>
+              <a:t/>
+            </a:r>
+            <a:br>
+              <a:rPr kumimoji="0" lang="en-US" altLang="uk-UA" b="0" i="0" u="none" strike="noStrike" cap="none" normalizeH="0" baseline="0" dirty="0" smtClean="0">
+                <a:ln>
+                  <a:noFill/>
+                </a:ln>
+                <a:solidFill>
+                  <a:srgbClr val="000000"/>
+                </a:solidFill>
+                <a:effectLst/>
+                <a:latin typeface="Courier New" panose="02070309020205020404" pitchFamily="49" charset="0"/>
+                <a:cs typeface="Courier New" panose="02070309020205020404" pitchFamily="49" charset="0"/>
+              </a:rPr>
+            </a:br>
+            <a:r>
+              <a:rPr kumimoji="0" lang="en-US" altLang="uk-UA" b="0" i="0" u="none" strike="noStrike" cap="none" normalizeH="0" baseline="0" dirty="0" smtClean="0">
+                <a:ln>
+                  <a:noFill/>
+                </a:ln>
+                <a:solidFill>
+                  <a:srgbClr val="000000"/>
+                </a:solidFill>
+                <a:effectLst/>
+                <a:latin typeface="Courier New" panose="02070309020205020404" pitchFamily="49" charset="0"/>
+                <a:cs typeface="Courier New" panose="02070309020205020404" pitchFamily="49" charset="0"/>
+              </a:rPr>
+              <a:t>    </a:t>
+            </a:r>
+            <a:r>
+              <a:rPr kumimoji="0" lang="en-US" altLang="uk-UA" b="1" i="0" u="none" strike="noStrike" cap="none" normalizeH="0" baseline="0" dirty="0" smtClean="0">
+                <a:ln>
+                  <a:noFill/>
+                </a:ln>
+                <a:solidFill>
+                  <a:srgbClr val="000080"/>
+                </a:solidFill>
+                <a:effectLst/>
+                <a:latin typeface="Courier New" panose="02070309020205020404" pitchFamily="49" charset="0"/>
+                <a:cs typeface="Courier New" panose="02070309020205020404" pitchFamily="49" charset="0"/>
+              </a:rPr>
+              <a:t>float   </a:t>
+            </a:r>
+            <a:r>
+              <a:rPr kumimoji="0" lang="en-US" altLang="uk-UA" b="1" i="0" u="none" strike="noStrike" cap="none" normalizeH="0" baseline="0" dirty="0" smtClean="0">
+                <a:ln>
+                  <a:noFill/>
+                </a:ln>
+                <a:solidFill>
+                  <a:srgbClr val="660E7A"/>
+                </a:solidFill>
+                <a:effectLst/>
+                <a:latin typeface="Courier New" panose="02070309020205020404" pitchFamily="49" charset="0"/>
+                <a:cs typeface="Courier New" panose="02070309020205020404" pitchFamily="49" charset="0"/>
+              </a:rPr>
+              <a:t>INITIAL_FREQUENCY       </a:t>
+            </a:r>
+            <a:r>
+              <a:rPr kumimoji="0" lang="en-US" altLang="uk-UA" b="0" i="0" u="none" strike="noStrike" cap="none" normalizeH="0" baseline="0" dirty="0" smtClean="0">
+                <a:ln>
+                  <a:noFill/>
+                </a:ln>
+                <a:solidFill>
+                  <a:srgbClr val="000000"/>
+                </a:solidFill>
+                <a:effectLst/>
+                <a:latin typeface="Courier New" panose="02070309020205020404" pitchFamily="49" charset="0"/>
+                <a:cs typeface="Courier New" panose="02070309020205020404" pitchFamily="49" charset="0"/>
+              </a:rPr>
+              <a:t>= </a:t>
+            </a:r>
+            <a:r>
+              <a:rPr kumimoji="0" lang="en-US" altLang="uk-UA" b="0" i="0" u="none" strike="noStrike" cap="none" normalizeH="0" baseline="0" dirty="0" smtClean="0">
+                <a:ln>
+                  <a:noFill/>
+                </a:ln>
+                <a:solidFill>
+                  <a:srgbClr val="0000FF"/>
+                </a:solidFill>
+                <a:effectLst/>
+                <a:latin typeface="Courier New" panose="02070309020205020404" pitchFamily="49" charset="0"/>
+                <a:cs typeface="Courier New" panose="02070309020205020404" pitchFamily="49" charset="0"/>
+              </a:rPr>
+              <a:t>2400f</a:t>
+            </a:r>
+            <a:r>
+              <a:rPr kumimoji="0" lang="en-US" altLang="uk-UA" b="0" i="0" u="none" strike="noStrike" cap="none" normalizeH="0" baseline="0" dirty="0" smtClean="0">
+                <a:ln>
+                  <a:noFill/>
+                </a:ln>
+                <a:solidFill>
+                  <a:srgbClr val="000000"/>
+                </a:solidFill>
+                <a:effectLst/>
+                <a:latin typeface="Courier New" panose="02070309020205020404" pitchFamily="49" charset="0"/>
+                <a:cs typeface="Courier New" panose="02070309020205020404" pitchFamily="49" charset="0"/>
+              </a:rPr>
+              <a:t>;</a:t>
+            </a:r>
+            <a:br>
+              <a:rPr kumimoji="0" lang="en-US" altLang="uk-UA" b="0" i="0" u="none" strike="noStrike" cap="none" normalizeH="0" baseline="0" dirty="0" smtClean="0">
+                <a:ln>
+                  <a:noFill/>
+                </a:ln>
+                <a:solidFill>
+                  <a:srgbClr val="000000"/>
+                </a:solidFill>
+                <a:effectLst/>
+                <a:latin typeface="Courier New" panose="02070309020205020404" pitchFamily="49" charset="0"/>
+                <a:cs typeface="Courier New" panose="02070309020205020404" pitchFamily="49" charset="0"/>
+              </a:rPr>
+            </a:br>
+            <a:r>
+              <a:rPr kumimoji="0" lang="en-US" altLang="uk-UA" b="0" i="0" u="none" strike="noStrike" cap="none" normalizeH="0" baseline="0" dirty="0" smtClean="0">
+                <a:ln>
+                  <a:noFill/>
+                </a:ln>
+                <a:solidFill>
+                  <a:srgbClr val="000000"/>
+                </a:solidFill>
+                <a:effectLst/>
+                <a:latin typeface="Courier New" panose="02070309020205020404" pitchFamily="49" charset="0"/>
+                <a:cs typeface="Courier New" panose="02070309020205020404" pitchFamily="49" charset="0"/>
+              </a:rPr>
+              <a:t/>
+            </a:r>
+            <a:br>
+              <a:rPr kumimoji="0" lang="en-US" altLang="uk-UA" b="0" i="0" u="none" strike="noStrike" cap="none" normalizeH="0" baseline="0" dirty="0" smtClean="0">
+                <a:ln>
+                  <a:noFill/>
+                </a:ln>
+                <a:solidFill>
+                  <a:srgbClr val="000000"/>
+                </a:solidFill>
+                <a:effectLst/>
+                <a:latin typeface="Courier New" panose="02070309020205020404" pitchFamily="49" charset="0"/>
+                <a:cs typeface="Courier New" panose="02070309020205020404" pitchFamily="49" charset="0"/>
+              </a:rPr>
+            </a:br>
+            <a:r>
+              <a:rPr kumimoji="0" lang="en-US" altLang="uk-UA" b="0" i="0" u="none" strike="noStrike" cap="none" normalizeH="0" baseline="0" dirty="0" smtClean="0">
+                <a:ln>
+                  <a:noFill/>
+                </a:ln>
+                <a:solidFill>
+                  <a:srgbClr val="000000"/>
+                </a:solidFill>
+                <a:effectLst/>
+                <a:latin typeface="Courier New" panose="02070309020205020404" pitchFamily="49" charset="0"/>
+                <a:cs typeface="Courier New" panose="02070309020205020404" pitchFamily="49" charset="0"/>
+              </a:rPr>
+              <a:t>    </a:t>
+            </a:r>
+            <a:r>
+              <a:rPr kumimoji="0" lang="en-US" altLang="uk-UA" b="1" i="0" u="none" strike="noStrike" cap="none" normalizeH="0" baseline="0" dirty="0" smtClean="0">
+                <a:ln>
+                  <a:noFill/>
+                </a:ln>
+                <a:solidFill>
+                  <a:srgbClr val="000080"/>
+                </a:solidFill>
+                <a:effectLst/>
+                <a:latin typeface="Courier New" panose="02070309020205020404" pitchFamily="49" charset="0"/>
+                <a:cs typeface="Courier New" panose="02070309020205020404" pitchFamily="49" charset="0"/>
+              </a:rPr>
+              <a:t>float   </a:t>
+            </a:r>
+            <a:r>
+              <a:rPr kumimoji="0" lang="en-US" altLang="uk-UA" b="1" i="0" u="none" strike="noStrike" cap="none" normalizeH="0" baseline="0" dirty="0" smtClean="0">
+                <a:ln>
+                  <a:noFill/>
+                </a:ln>
+                <a:solidFill>
+                  <a:srgbClr val="660E7A"/>
+                </a:solidFill>
+                <a:effectLst/>
+                <a:latin typeface="Courier New" panose="02070309020205020404" pitchFamily="49" charset="0"/>
+                <a:cs typeface="Courier New" panose="02070309020205020404" pitchFamily="49" charset="0"/>
+              </a:rPr>
+              <a:t>CHANNEL_SPACING         </a:t>
+            </a:r>
+            <a:r>
+              <a:rPr kumimoji="0" lang="en-US" altLang="uk-UA" b="0" i="0" u="none" strike="noStrike" cap="none" normalizeH="0" baseline="0" dirty="0" smtClean="0">
+                <a:ln>
+                  <a:noFill/>
+                </a:ln>
+                <a:solidFill>
+                  <a:srgbClr val="000000"/>
+                </a:solidFill>
+                <a:effectLst/>
+                <a:latin typeface="Courier New" panose="02070309020205020404" pitchFamily="49" charset="0"/>
+                <a:cs typeface="Courier New" panose="02070309020205020404" pitchFamily="49" charset="0"/>
+              </a:rPr>
+              <a:t>= </a:t>
+            </a:r>
+            <a:r>
+              <a:rPr kumimoji="0" lang="en-US" altLang="uk-UA" b="0" i="0" u="none" strike="noStrike" cap="none" normalizeH="0" baseline="0" dirty="0" smtClean="0">
+                <a:ln>
+                  <a:noFill/>
+                </a:ln>
+                <a:solidFill>
+                  <a:srgbClr val="0000FF"/>
+                </a:solidFill>
+                <a:effectLst/>
+                <a:latin typeface="Courier New" panose="02070309020205020404" pitchFamily="49" charset="0"/>
+                <a:cs typeface="Courier New" panose="02070309020205020404" pitchFamily="49" charset="0"/>
+              </a:rPr>
+              <a:t>0f</a:t>
+            </a:r>
+            <a:r>
+              <a:rPr kumimoji="0" lang="en-US" altLang="uk-UA" b="0" i="0" u="none" strike="noStrike" cap="none" normalizeH="0" baseline="0" dirty="0" smtClean="0">
+                <a:ln>
+                  <a:noFill/>
+                </a:ln>
+                <a:solidFill>
+                  <a:srgbClr val="000000"/>
+                </a:solidFill>
+                <a:effectLst/>
+                <a:latin typeface="Courier New" panose="02070309020205020404" pitchFamily="49" charset="0"/>
+                <a:cs typeface="Courier New" panose="02070309020205020404" pitchFamily="49" charset="0"/>
+              </a:rPr>
+              <a:t>;</a:t>
+            </a:r>
+            <a:br>
+              <a:rPr kumimoji="0" lang="en-US" altLang="uk-UA" b="0" i="0" u="none" strike="noStrike" cap="none" normalizeH="0" baseline="0" dirty="0" smtClean="0">
+                <a:ln>
+                  <a:noFill/>
+                </a:ln>
+                <a:solidFill>
+                  <a:srgbClr val="000000"/>
+                </a:solidFill>
+                <a:effectLst/>
+                <a:latin typeface="Courier New" panose="02070309020205020404" pitchFamily="49" charset="0"/>
+                <a:cs typeface="Courier New" panose="02070309020205020404" pitchFamily="49" charset="0"/>
+              </a:rPr>
+            </a:br>
+            <a:r>
+              <a:rPr kumimoji="0" lang="en-US" altLang="uk-UA" b="0" i="0" u="none" strike="noStrike" cap="none" normalizeH="0" baseline="0" dirty="0" smtClean="0">
+                <a:ln>
+                  <a:noFill/>
+                </a:ln>
+                <a:solidFill>
+                  <a:srgbClr val="000000"/>
+                </a:solidFill>
+                <a:effectLst/>
+                <a:latin typeface="Courier New" panose="02070309020205020404" pitchFamily="49" charset="0"/>
+                <a:cs typeface="Courier New" panose="02070309020205020404" pitchFamily="49" charset="0"/>
+              </a:rPr>
+              <a:t/>
+            </a:r>
+            <a:br>
+              <a:rPr kumimoji="0" lang="en-US" altLang="uk-UA" b="0" i="0" u="none" strike="noStrike" cap="none" normalizeH="0" baseline="0" dirty="0" smtClean="0">
+                <a:ln>
+                  <a:noFill/>
+                </a:ln>
+                <a:solidFill>
+                  <a:srgbClr val="000000"/>
+                </a:solidFill>
+                <a:effectLst/>
+                <a:latin typeface="Courier New" panose="02070309020205020404" pitchFamily="49" charset="0"/>
+                <a:cs typeface="Courier New" panose="02070309020205020404" pitchFamily="49" charset="0"/>
+              </a:rPr>
+            </a:br>
+            <a:r>
+              <a:rPr kumimoji="0" lang="en-US" altLang="uk-UA" b="0" i="0" u="none" strike="noStrike" cap="none" normalizeH="0" baseline="0" dirty="0" smtClean="0">
+                <a:ln>
+                  <a:noFill/>
+                </a:ln>
+                <a:solidFill>
+                  <a:srgbClr val="000000"/>
+                </a:solidFill>
+                <a:effectLst/>
+                <a:latin typeface="Courier New" panose="02070309020205020404" pitchFamily="49" charset="0"/>
+                <a:cs typeface="Courier New" panose="02070309020205020404" pitchFamily="49" charset="0"/>
+              </a:rPr>
+              <a:t>    </a:t>
+            </a:r>
+            <a:r>
+              <a:rPr kumimoji="0" lang="en-US" altLang="uk-UA" b="1" i="0" u="none" strike="noStrike" cap="none" normalizeH="0" baseline="0" dirty="0" smtClean="0">
+                <a:ln>
+                  <a:noFill/>
+                </a:ln>
+                <a:solidFill>
+                  <a:srgbClr val="000080"/>
+                </a:solidFill>
+                <a:effectLst/>
+                <a:latin typeface="Courier New" panose="02070309020205020404" pitchFamily="49" charset="0"/>
+                <a:cs typeface="Courier New" panose="02070309020205020404" pitchFamily="49" charset="0"/>
+              </a:rPr>
+              <a:t>byte</a:t>
+            </a:r>
+            <a:r>
+              <a:rPr kumimoji="0" lang="en-US" altLang="uk-UA" b="0" i="0" u="none" strike="noStrike" cap="none" normalizeH="0" baseline="0" dirty="0" smtClean="0">
+                <a:ln>
+                  <a:noFill/>
+                </a:ln>
+                <a:solidFill>
+                  <a:srgbClr val="000000"/>
+                </a:solidFill>
+                <a:effectLst/>
+                <a:latin typeface="Courier New" panose="02070309020205020404" pitchFamily="49" charset="0"/>
+                <a:cs typeface="Courier New" panose="02070309020205020404" pitchFamily="49" charset="0"/>
+              </a:rPr>
+              <a:t>[]  </a:t>
+            </a:r>
+            <a:r>
+              <a:rPr kumimoji="0" lang="en-US" altLang="uk-UA" b="1" i="0" u="none" strike="noStrike" cap="none" normalizeH="0" baseline="0" dirty="0" smtClean="0">
+                <a:ln>
+                  <a:noFill/>
+                </a:ln>
+                <a:solidFill>
+                  <a:srgbClr val="660E7A"/>
+                </a:solidFill>
+                <a:effectLst/>
+                <a:latin typeface="Courier New" panose="02070309020205020404" pitchFamily="49" charset="0"/>
+                <a:cs typeface="Courier New" panose="02070309020205020404" pitchFamily="49" charset="0"/>
+              </a:rPr>
+              <a:t>END_PACKET_SEQUENCE     </a:t>
+            </a:r>
+            <a:r>
+              <a:rPr kumimoji="0" lang="en-US" altLang="uk-UA" b="0" i="0" u="none" strike="noStrike" cap="none" normalizeH="0" baseline="0" dirty="0" smtClean="0">
+                <a:ln>
+                  <a:noFill/>
+                </a:ln>
+                <a:solidFill>
+                  <a:srgbClr val="000000"/>
+                </a:solidFill>
+                <a:effectLst/>
+                <a:latin typeface="Courier New" panose="02070309020205020404" pitchFamily="49" charset="0"/>
+                <a:cs typeface="Courier New" panose="02070309020205020404" pitchFamily="49" charset="0"/>
+              </a:rPr>
+              <a:t>= </a:t>
+            </a:r>
+            <a:r>
+              <a:rPr kumimoji="0" lang="en-US" altLang="uk-UA" b="1" i="0" u="none" strike="noStrike" cap="none" normalizeH="0" baseline="0" dirty="0" smtClean="0">
+                <a:ln>
+                  <a:noFill/>
+                </a:ln>
+                <a:solidFill>
+                  <a:srgbClr val="000080"/>
+                </a:solidFill>
+                <a:effectLst/>
+                <a:latin typeface="Courier New" panose="02070309020205020404" pitchFamily="49" charset="0"/>
+                <a:cs typeface="Courier New" panose="02070309020205020404" pitchFamily="49" charset="0"/>
+              </a:rPr>
+              <a:t>new byte</a:t>
+            </a:r>
+            <a:r>
+              <a:rPr kumimoji="0" lang="en-US" altLang="uk-UA" b="0" i="0" u="none" strike="noStrike" cap="none" normalizeH="0" baseline="0" dirty="0" smtClean="0">
+                <a:ln>
+                  <a:noFill/>
+                </a:ln>
+                <a:solidFill>
+                  <a:srgbClr val="000000"/>
+                </a:solidFill>
+                <a:effectLst/>
+                <a:latin typeface="Courier New" panose="02070309020205020404" pitchFamily="49" charset="0"/>
+                <a:cs typeface="Courier New" panose="02070309020205020404" pitchFamily="49" charset="0"/>
+              </a:rPr>
+              <a:t>[]{};</a:t>
+            </a:r>
+            <a:br>
+              <a:rPr kumimoji="0" lang="en-US" altLang="uk-UA" b="0" i="0" u="none" strike="noStrike" cap="none" normalizeH="0" baseline="0" dirty="0" smtClean="0">
+                <a:ln>
+                  <a:noFill/>
+                </a:ln>
+                <a:solidFill>
+                  <a:srgbClr val="000000"/>
+                </a:solidFill>
+                <a:effectLst/>
+                <a:latin typeface="Courier New" panose="02070309020205020404" pitchFamily="49" charset="0"/>
+                <a:cs typeface="Courier New" panose="02070309020205020404" pitchFamily="49" charset="0"/>
+              </a:rPr>
+            </a:br>
+            <a:r>
+              <a:rPr kumimoji="0" lang="en-US" altLang="uk-UA" b="0" i="0" u="none" strike="noStrike" cap="none" normalizeH="0" baseline="0" dirty="0" smtClean="0">
+                <a:ln>
+                  <a:noFill/>
+                </a:ln>
+                <a:solidFill>
+                  <a:srgbClr val="000000"/>
+                </a:solidFill>
+                <a:effectLst/>
+                <a:latin typeface="Courier New" panose="02070309020205020404" pitchFamily="49" charset="0"/>
+                <a:cs typeface="Courier New" panose="02070309020205020404" pitchFamily="49" charset="0"/>
+              </a:rPr>
+              <a:t/>
+            </a:r>
+            <a:br>
+              <a:rPr kumimoji="0" lang="en-US" altLang="uk-UA" b="0" i="0" u="none" strike="noStrike" cap="none" normalizeH="0" baseline="0" dirty="0" smtClean="0">
+                <a:ln>
+                  <a:noFill/>
+                </a:ln>
+                <a:solidFill>
+                  <a:srgbClr val="000000"/>
+                </a:solidFill>
+                <a:effectLst/>
+                <a:latin typeface="Courier New" panose="02070309020205020404" pitchFamily="49" charset="0"/>
+                <a:cs typeface="Courier New" panose="02070309020205020404" pitchFamily="49" charset="0"/>
+              </a:rPr>
+            </a:br>
+            <a:r>
+              <a:rPr kumimoji="0" lang="en-US" altLang="uk-UA" b="0" i="0" u="none" strike="noStrike" cap="none" normalizeH="0" baseline="0" dirty="0" smtClean="0">
+                <a:ln>
+                  <a:noFill/>
+                </a:ln>
+                <a:solidFill>
+                  <a:srgbClr val="000000"/>
+                </a:solidFill>
+                <a:effectLst/>
+                <a:latin typeface="Courier New" panose="02070309020205020404" pitchFamily="49" charset="0"/>
+                <a:cs typeface="Courier New" panose="02070309020205020404" pitchFamily="49" charset="0"/>
+              </a:rPr>
+              <a:t>    </a:t>
+            </a:r>
+            <a:r>
+              <a:rPr kumimoji="0" lang="en-US" altLang="uk-UA" b="1" i="0" u="none" strike="noStrike" cap="none" normalizeH="0" baseline="0" dirty="0" smtClean="0">
+                <a:ln>
+                  <a:noFill/>
+                </a:ln>
+                <a:solidFill>
+                  <a:srgbClr val="000080"/>
+                </a:solidFill>
+                <a:effectLst/>
+                <a:latin typeface="Courier New" panose="02070309020205020404" pitchFamily="49" charset="0"/>
+                <a:cs typeface="Courier New" panose="02070309020205020404" pitchFamily="49" charset="0"/>
+              </a:rPr>
+              <a:t>boolean </a:t>
+            </a:r>
+            <a:r>
+              <a:rPr kumimoji="0" lang="en-US" altLang="uk-UA" b="1" i="0" u="none" strike="noStrike" cap="none" normalizeH="0" baseline="0" dirty="0" smtClean="0">
+                <a:ln>
+                  <a:noFill/>
+                </a:ln>
+                <a:solidFill>
+                  <a:srgbClr val="660E7A"/>
+                </a:solidFill>
+                <a:effectLst/>
+                <a:latin typeface="Courier New" panose="02070309020205020404" pitchFamily="49" charset="0"/>
+                <a:cs typeface="Courier New" panose="02070309020205020404" pitchFamily="49" charset="0"/>
+              </a:rPr>
+              <a:t>MANUAL_DEVICE_CONTROL   </a:t>
+            </a:r>
+            <a:r>
+              <a:rPr kumimoji="0" lang="en-US" altLang="uk-UA" b="0" i="0" u="none" strike="noStrike" cap="none" normalizeH="0" baseline="0" dirty="0" smtClean="0">
+                <a:ln>
+                  <a:noFill/>
+                </a:ln>
+                <a:solidFill>
+                  <a:srgbClr val="000000"/>
+                </a:solidFill>
+                <a:effectLst/>
+                <a:latin typeface="Courier New" panose="02070309020205020404" pitchFamily="49" charset="0"/>
+                <a:cs typeface="Courier New" panose="02070309020205020404" pitchFamily="49" charset="0"/>
+              </a:rPr>
+              <a:t>= </a:t>
+            </a:r>
+            <a:r>
+              <a:rPr kumimoji="0" lang="en-US" altLang="uk-UA" b="1" i="0" u="none" strike="noStrike" cap="none" normalizeH="0" baseline="0" dirty="0" smtClean="0">
+                <a:ln>
+                  <a:noFill/>
+                </a:ln>
+                <a:solidFill>
+                  <a:srgbClr val="000080"/>
+                </a:solidFill>
+                <a:effectLst/>
+                <a:latin typeface="Courier New" panose="02070309020205020404" pitchFamily="49" charset="0"/>
+                <a:cs typeface="Courier New" panose="02070309020205020404" pitchFamily="49" charset="0"/>
+              </a:rPr>
+              <a:t>false</a:t>
+            </a:r>
+            <a:r>
+              <a:rPr kumimoji="0" lang="en-US" altLang="uk-UA" b="0" i="0" u="none" strike="noStrike" cap="none" normalizeH="0" baseline="0" dirty="0" smtClean="0">
+                <a:ln>
+                  <a:noFill/>
+                </a:ln>
+                <a:solidFill>
+                  <a:srgbClr val="000000"/>
+                </a:solidFill>
+                <a:effectLst/>
+                <a:latin typeface="Courier New" panose="02070309020205020404" pitchFamily="49" charset="0"/>
+                <a:cs typeface="Courier New" panose="02070309020205020404" pitchFamily="49" charset="0"/>
+              </a:rPr>
+              <a:t>;</a:t>
+            </a:r>
+            <a:br>
+              <a:rPr kumimoji="0" lang="en-US" altLang="uk-UA" b="0" i="0" u="none" strike="noStrike" cap="none" normalizeH="0" baseline="0" dirty="0" smtClean="0">
+                <a:ln>
+                  <a:noFill/>
+                </a:ln>
+                <a:solidFill>
+                  <a:srgbClr val="000000"/>
+                </a:solidFill>
+                <a:effectLst/>
+                <a:latin typeface="Courier New" panose="02070309020205020404" pitchFamily="49" charset="0"/>
+                <a:cs typeface="Courier New" panose="02070309020205020404" pitchFamily="49" charset="0"/>
+              </a:rPr>
+            </a:br>
+            <a:endParaRPr kumimoji="0" lang="ru-RU" altLang="uk-UA" b="0" i="0" u="none" strike="noStrike" cap="none" normalizeH="0" baseline="0" dirty="0" smtClean="0">
+              <a:ln>
+                <a:noFill/>
+              </a:ln>
+              <a:solidFill>
+                <a:srgbClr val="000000"/>
+              </a:solidFill>
+              <a:effectLst/>
+              <a:latin typeface="Courier New" panose="02070309020205020404" pitchFamily="49" charset="0"/>
+              <a:cs typeface="Courier New" panose="02070309020205020404" pitchFamily="49" charset="0"/>
+            </a:endParaRPr>
+          </a:p>
+          <a:p>
+            <a:pPr marL="0" marR="0" lvl="0" indent="0" defTabSz="914400" rtl="0" eaLnBrk="0" fontAlgn="base" latinLnBrk="0" hangingPunct="0">
+              <a:lnSpc>
+                <a:spcPct val="100000"/>
+              </a:lnSpc>
+              <a:spcBef>
+                <a:spcPct val="0"/>
+              </a:spcBef>
+              <a:spcAft>
+                <a:spcPct val="0"/>
+              </a:spcAft>
+              <a:buClrTx/>
+              <a:buSzTx/>
+              <a:buFontTx/>
+              <a:buNone/>
+              <a:tabLst/>
+            </a:pPr>
+            <a:r>
+              <a:rPr kumimoji="0" lang="en-US" altLang="uk-UA" b="0" i="0" u="none" strike="noStrike" cap="none" normalizeH="0" baseline="0" dirty="0" smtClean="0">
+                <a:ln>
+                  <a:noFill/>
+                </a:ln>
+                <a:solidFill>
+                  <a:srgbClr val="000000"/>
+                </a:solidFill>
+                <a:effectLst/>
+                <a:latin typeface="Courier New" panose="02070309020205020404" pitchFamily="49" charset="0"/>
+                <a:cs typeface="Courier New" panose="02070309020205020404" pitchFamily="49" charset="0"/>
+              </a:rPr>
+              <a:t/>
+            </a:r>
+            <a:br>
+              <a:rPr kumimoji="0" lang="en-US" altLang="uk-UA" b="0" i="0" u="none" strike="noStrike" cap="none" normalizeH="0" baseline="0" dirty="0" smtClean="0">
+                <a:ln>
+                  <a:noFill/>
+                </a:ln>
+                <a:solidFill>
+                  <a:srgbClr val="000000"/>
+                </a:solidFill>
+                <a:effectLst/>
+                <a:latin typeface="Courier New" panose="02070309020205020404" pitchFamily="49" charset="0"/>
+                <a:cs typeface="Courier New" panose="02070309020205020404" pitchFamily="49" charset="0"/>
+              </a:rPr>
+            </a:br>
+            <a:r>
+              <a:rPr kumimoji="0" lang="en-US" altLang="uk-UA" b="0" i="0" u="none" strike="noStrike" cap="none" normalizeH="0" baseline="0" dirty="0" smtClean="0">
+                <a:ln>
+                  <a:noFill/>
+                </a:ln>
+                <a:solidFill>
+                  <a:srgbClr val="000000"/>
+                </a:solidFill>
+                <a:effectLst/>
+                <a:latin typeface="Courier New" panose="02070309020205020404" pitchFamily="49" charset="0"/>
+                <a:cs typeface="Courier New" panose="02070309020205020404" pitchFamily="49" charset="0"/>
+              </a:rPr>
+              <a:t>    </a:t>
+            </a:r>
+            <a:r>
+              <a:rPr kumimoji="0" lang="en-US" altLang="uk-UA" b="1" i="0" u="none" strike="noStrike" cap="none" normalizeH="0" baseline="0" dirty="0" smtClean="0">
+                <a:ln>
+                  <a:noFill/>
+                </a:ln>
+                <a:solidFill>
+                  <a:srgbClr val="000080"/>
+                </a:solidFill>
+                <a:effectLst/>
+                <a:latin typeface="Courier New" panose="02070309020205020404" pitchFamily="49" charset="0"/>
+                <a:cs typeface="Courier New" panose="02070309020205020404" pitchFamily="49" charset="0"/>
+              </a:rPr>
+              <a:t>void            </a:t>
+            </a:r>
+            <a:r>
+              <a:rPr kumimoji="0" lang="en-US" altLang="uk-UA" b="0" i="0" u="none" strike="noStrike" cap="none" normalizeH="0" baseline="0" dirty="0" smtClean="0">
+                <a:ln>
+                  <a:noFill/>
+                </a:ln>
+                <a:solidFill>
+                  <a:srgbClr val="000000"/>
+                </a:solidFill>
+                <a:effectLst/>
+                <a:latin typeface="Courier New" panose="02070309020205020404" pitchFamily="49" charset="0"/>
+                <a:cs typeface="Courier New" panose="02070309020205020404" pitchFamily="49" charset="0"/>
+              </a:rPr>
+              <a:t>initializeDevice() {}</a:t>
+            </a:r>
+            <a:br>
+              <a:rPr kumimoji="0" lang="en-US" altLang="uk-UA" b="0" i="0" u="none" strike="noStrike" cap="none" normalizeH="0" baseline="0" dirty="0" smtClean="0">
+                <a:ln>
+                  <a:noFill/>
+                </a:ln>
+                <a:solidFill>
+                  <a:srgbClr val="000000"/>
+                </a:solidFill>
+                <a:effectLst/>
+                <a:latin typeface="Courier New" panose="02070309020205020404" pitchFamily="49" charset="0"/>
+                <a:cs typeface="Courier New" panose="02070309020205020404" pitchFamily="49" charset="0"/>
+              </a:rPr>
+            </a:br>
+            <a:r>
+              <a:rPr kumimoji="0" lang="en-US" altLang="uk-UA" b="0" i="0" u="none" strike="noStrike" cap="none" normalizeH="0" baseline="0" dirty="0" smtClean="0">
+                <a:ln>
+                  <a:noFill/>
+                </a:ln>
+                <a:solidFill>
+                  <a:srgbClr val="000000"/>
+                </a:solidFill>
+                <a:effectLst/>
+                <a:latin typeface="Courier New" panose="02070309020205020404" pitchFamily="49" charset="0"/>
+                <a:cs typeface="Courier New" panose="02070309020205020404" pitchFamily="49" charset="0"/>
+              </a:rPr>
+              <a:t/>
+            </a:r>
+            <a:br>
+              <a:rPr kumimoji="0" lang="en-US" altLang="uk-UA" b="0" i="0" u="none" strike="noStrike" cap="none" normalizeH="0" baseline="0" dirty="0" smtClean="0">
+                <a:ln>
+                  <a:noFill/>
+                </a:ln>
+                <a:solidFill>
+                  <a:srgbClr val="000000"/>
+                </a:solidFill>
+                <a:effectLst/>
+                <a:latin typeface="Courier New" panose="02070309020205020404" pitchFamily="49" charset="0"/>
+                <a:cs typeface="Courier New" panose="02070309020205020404" pitchFamily="49" charset="0"/>
+              </a:rPr>
+            </a:br>
+            <a:r>
+              <a:rPr kumimoji="0" lang="en-US" altLang="uk-UA" b="0" i="0" u="none" strike="noStrike" cap="none" normalizeH="0" baseline="0" dirty="0" smtClean="0">
+                <a:ln>
+                  <a:noFill/>
+                </a:ln>
+                <a:solidFill>
+                  <a:srgbClr val="000000"/>
+                </a:solidFill>
+                <a:effectLst/>
+                <a:latin typeface="Courier New" panose="02070309020205020404" pitchFamily="49" charset="0"/>
+                <a:cs typeface="Courier New" panose="02070309020205020404" pitchFamily="49" charset="0"/>
+              </a:rPr>
+              <a:t>    </a:t>
+            </a:r>
+            <a:r>
+              <a:rPr kumimoji="0" lang="en-US" altLang="uk-UA" b="0" i="1" u="none" strike="noStrike" cap="none" normalizeH="0" baseline="0" dirty="0" smtClean="0">
+                <a:ln>
+                  <a:noFill/>
+                </a:ln>
+                <a:solidFill>
+                  <a:srgbClr val="0060FF"/>
+                </a:solidFill>
+                <a:effectLst/>
+                <a:latin typeface="Courier New" panose="02070309020205020404" pitchFamily="49" charset="0"/>
+                <a:cs typeface="Courier New" panose="02070309020205020404" pitchFamily="49" charset="0"/>
+              </a:rPr>
+              <a:t>ArrayList</a:t>
+            </a:r>
+            <a:r>
+              <a:rPr kumimoji="0" lang="en-US" altLang="uk-UA" b="0" i="0" u="none" strike="noStrike" cap="none" normalizeH="0" baseline="0" dirty="0" smtClean="0">
+                <a:ln>
+                  <a:noFill/>
+                </a:ln>
+                <a:solidFill>
+                  <a:srgbClr val="000000"/>
+                </a:solidFill>
+                <a:effectLst/>
+                <a:latin typeface="Courier New" panose="02070309020205020404" pitchFamily="49" charset="0"/>
+                <a:cs typeface="Courier New" panose="02070309020205020404" pitchFamily="49" charset="0"/>
+              </a:rPr>
+              <a:t>&lt;</a:t>
+            </a:r>
+            <a:r>
+              <a:rPr kumimoji="0" lang="en-US" altLang="uk-UA" b="0" i="1" u="none" strike="noStrike" cap="none" normalizeH="0" baseline="0" dirty="0" smtClean="0">
+                <a:ln>
+                  <a:noFill/>
+                </a:ln>
+                <a:solidFill>
+                  <a:srgbClr val="0060FF"/>
+                </a:solidFill>
+                <a:effectLst/>
+                <a:latin typeface="Courier New" panose="02070309020205020404" pitchFamily="49" charset="0"/>
+                <a:cs typeface="Courier New" panose="02070309020205020404" pitchFamily="49" charset="0"/>
+              </a:rPr>
+              <a:t>Byte</a:t>
+            </a:r>
+            <a:r>
+              <a:rPr kumimoji="0" lang="en-US" altLang="uk-UA" b="0" i="0" u="none" strike="noStrike" cap="none" normalizeH="0" baseline="0" dirty="0" smtClean="0">
+                <a:ln>
+                  <a:noFill/>
+                </a:ln>
+                <a:solidFill>
+                  <a:srgbClr val="000000"/>
+                </a:solidFill>
+                <a:effectLst/>
+                <a:latin typeface="Courier New" panose="02070309020205020404" pitchFamily="49" charset="0"/>
+                <a:cs typeface="Courier New" panose="02070309020205020404" pitchFamily="49" charset="0"/>
+              </a:rPr>
+              <a:t>&gt; parse(</a:t>
+            </a:r>
+            <a:r>
+              <a:rPr kumimoji="0" lang="en-US" altLang="uk-UA" b="0" i="1" u="none" strike="noStrike" cap="none" normalizeH="0" baseline="0" dirty="0" smtClean="0">
+                <a:ln>
+                  <a:noFill/>
+                </a:ln>
+                <a:solidFill>
+                  <a:srgbClr val="0060FF"/>
+                </a:solidFill>
+                <a:effectLst/>
+                <a:latin typeface="Courier New" panose="02070309020205020404" pitchFamily="49" charset="0"/>
+                <a:cs typeface="Courier New" panose="02070309020205020404" pitchFamily="49" charset="0"/>
+              </a:rPr>
+              <a:t>ArrayList</a:t>
+            </a:r>
+            <a:r>
+              <a:rPr kumimoji="0" lang="en-US" altLang="uk-UA" b="0" i="0" u="none" strike="noStrike" cap="none" normalizeH="0" baseline="0" dirty="0" smtClean="0">
+                <a:ln>
+                  <a:noFill/>
+                </a:ln>
+                <a:solidFill>
+                  <a:srgbClr val="000000"/>
+                </a:solidFill>
+                <a:effectLst/>
+                <a:latin typeface="Courier New" panose="02070309020205020404" pitchFamily="49" charset="0"/>
+                <a:cs typeface="Courier New" panose="02070309020205020404" pitchFamily="49" charset="0"/>
+              </a:rPr>
+              <a:t>&lt;</a:t>
+            </a:r>
+            <a:r>
+              <a:rPr kumimoji="0" lang="en-US" altLang="uk-UA" b="0" i="1" u="none" strike="noStrike" cap="none" normalizeH="0" baseline="0" dirty="0" smtClean="0">
+                <a:ln>
+                  <a:noFill/>
+                </a:ln>
+                <a:solidFill>
+                  <a:srgbClr val="0060FF"/>
+                </a:solidFill>
+                <a:effectLst/>
+                <a:latin typeface="Courier New" panose="02070309020205020404" pitchFamily="49" charset="0"/>
+                <a:cs typeface="Courier New" panose="02070309020205020404" pitchFamily="49" charset="0"/>
+              </a:rPr>
+              <a:t>Byte</a:t>
+            </a:r>
+            <a:r>
+              <a:rPr kumimoji="0" lang="en-US" altLang="uk-UA" b="0" i="0" u="none" strike="noStrike" cap="none" normalizeH="0" baseline="0" dirty="0" smtClean="0">
+                <a:ln>
+                  <a:noFill/>
+                </a:ln>
+                <a:solidFill>
+                  <a:srgbClr val="000000"/>
+                </a:solidFill>
+                <a:effectLst/>
+                <a:latin typeface="Courier New" panose="02070309020205020404" pitchFamily="49" charset="0"/>
+                <a:cs typeface="Courier New" panose="02070309020205020404" pitchFamily="49" charset="0"/>
+              </a:rPr>
+              <a:t>&gt; dataToParse) {}</a:t>
+            </a:r>
+            <a:br>
+              <a:rPr kumimoji="0" lang="en-US" altLang="uk-UA" b="0" i="0" u="none" strike="noStrike" cap="none" normalizeH="0" baseline="0" dirty="0" smtClean="0">
+                <a:ln>
+                  <a:noFill/>
+                </a:ln>
+                <a:solidFill>
+                  <a:srgbClr val="000000"/>
+                </a:solidFill>
+                <a:effectLst/>
+                <a:latin typeface="Courier New" panose="02070309020205020404" pitchFamily="49" charset="0"/>
+                <a:cs typeface="Courier New" panose="02070309020205020404" pitchFamily="49" charset="0"/>
+              </a:rPr>
+            </a:br>
+            <a:r>
+              <a:rPr kumimoji="0" lang="en-US" altLang="uk-UA" b="0" i="0" u="none" strike="noStrike" cap="none" normalizeH="0" baseline="0" dirty="0" smtClean="0">
+                <a:ln>
+                  <a:noFill/>
+                </a:ln>
+                <a:solidFill>
+                  <a:srgbClr val="000000"/>
+                </a:solidFill>
+                <a:effectLst/>
+                <a:latin typeface="Courier New" panose="02070309020205020404" pitchFamily="49" charset="0"/>
+                <a:cs typeface="Courier New" panose="02070309020205020404" pitchFamily="49" charset="0"/>
+              </a:rPr>
+              <a:t/>
+            </a:r>
+            <a:br>
+              <a:rPr kumimoji="0" lang="en-US" altLang="uk-UA" b="0" i="0" u="none" strike="noStrike" cap="none" normalizeH="0" baseline="0" dirty="0" smtClean="0">
+                <a:ln>
+                  <a:noFill/>
+                </a:ln>
+                <a:solidFill>
+                  <a:srgbClr val="000000"/>
+                </a:solidFill>
+                <a:effectLst/>
+                <a:latin typeface="Courier New" panose="02070309020205020404" pitchFamily="49" charset="0"/>
+                <a:cs typeface="Courier New" panose="02070309020205020404" pitchFamily="49" charset="0"/>
+              </a:rPr>
+            </a:br>
+            <a:r>
+              <a:rPr kumimoji="0" lang="en-US" altLang="uk-UA" b="0" i="0" u="none" strike="noStrike" cap="none" normalizeH="0" baseline="0" dirty="0" smtClean="0">
+                <a:ln>
+                  <a:noFill/>
+                </a:ln>
+                <a:solidFill>
+                  <a:srgbClr val="000000"/>
+                </a:solidFill>
+                <a:effectLst/>
+                <a:latin typeface="Courier New" panose="02070309020205020404" pitchFamily="49" charset="0"/>
+                <a:cs typeface="Courier New" panose="02070309020205020404" pitchFamily="49" charset="0"/>
+              </a:rPr>
+              <a:t>    </a:t>
+            </a:r>
+            <a:r>
+              <a:rPr kumimoji="0" lang="en-US" altLang="uk-UA" b="1" i="0" u="none" strike="noStrike" cap="none" normalizeH="0" baseline="0" dirty="0" smtClean="0">
+                <a:ln>
+                  <a:noFill/>
+                </a:ln>
+                <a:solidFill>
+                  <a:srgbClr val="000080"/>
+                </a:solidFill>
+                <a:effectLst/>
+                <a:latin typeface="Courier New" panose="02070309020205020404" pitchFamily="49" charset="0"/>
+                <a:cs typeface="Courier New" panose="02070309020205020404" pitchFamily="49" charset="0"/>
+              </a:rPr>
+              <a:t>byte</a:t>
+            </a:r>
+            <a:r>
+              <a:rPr kumimoji="0" lang="en-US" altLang="uk-UA" b="0" i="0" u="none" strike="noStrike" cap="none" normalizeH="0" baseline="0" dirty="0" smtClean="0">
+                <a:ln>
+                  <a:noFill/>
+                </a:ln>
+                <a:solidFill>
+                  <a:srgbClr val="000000"/>
+                </a:solidFill>
+                <a:effectLst/>
+                <a:latin typeface="Courier New" panose="02070309020205020404" pitchFamily="49" charset="0"/>
+                <a:cs typeface="Courier New" panose="02070309020205020404" pitchFamily="49" charset="0"/>
+              </a:rPr>
+              <a:t>[]          customReadMethod() {}</a:t>
+            </a:r>
+            <a:br>
+              <a:rPr kumimoji="0" lang="en-US" altLang="uk-UA" b="0" i="0" u="none" strike="noStrike" cap="none" normalizeH="0" baseline="0" dirty="0" smtClean="0">
+                <a:ln>
+                  <a:noFill/>
+                </a:ln>
+                <a:solidFill>
+                  <a:srgbClr val="000000"/>
+                </a:solidFill>
+                <a:effectLst/>
+                <a:latin typeface="Courier New" panose="02070309020205020404" pitchFamily="49" charset="0"/>
+                <a:cs typeface="Courier New" panose="02070309020205020404" pitchFamily="49" charset="0"/>
+              </a:rPr>
+            </a:br>
+            <a:r>
+              <a:rPr kumimoji="0" lang="en-US" altLang="uk-UA" b="0" i="0" u="none" strike="noStrike" cap="none" normalizeH="0" baseline="0" dirty="0" smtClean="0">
+                <a:ln>
+                  <a:noFill/>
+                </a:ln>
+                <a:solidFill>
+                  <a:srgbClr val="000000"/>
+                </a:solidFill>
+                <a:effectLst/>
+                <a:latin typeface="Courier New" panose="02070309020205020404" pitchFamily="49" charset="0"/>
+                <a:cs typeface="Courier New" panose="02070309020205020404" pitchFamily="49" charset="0"/>
+              </a:rPr>
+              <a:t>}</a:t>
+            </a:r>
+            <a:endParaRPr kumimoji="0" lang="en-US" altLang="uk-UA" sz="2800" b="0" i="0" u="none" strike="noStrike" cap="none" normalizeH="0" baseline="0" dirty="0" smtClean="0">
+              <a:ln>
+                <a:noFill/>
+              </a:ln>
+              <a:solidFill>
+                <a:schemeClr val="tx1"/>
+              </a:solidFill>
+              <a:effectLst/>
+              <a:latin typeface="Arial" panose="020B0604020202020204" pitchFamily="34" charset="0"/>
+            </a:endParaRPr>
+          </a:p>
+        </p:txBody>
+      </p:sp>
+      <p:sp>
+        <p:nvSpPr>
+          <p:cNvPr id="8" name="TextBox 7"/>
+          <p:cNvSpPr txBox="1"/>
+          <p:nvPr/>
+        </p:nvSpPr>
+        <p:spPr>
+          <a:xfrm>
+            <a:off x="1282023" y="1851645"/>
+            <a:ext cx="9614578" cy="2554545"/>
+          </a:xfrm>
+          <a:prstGeom prst="rect">
+            <a:avLst/>
+          </a:prstGeom>
+          <a:noFill/>
+        </p:spPr>
+        <p:txBody>
+          <a:bodyPr wrap="square" rtlCol="0">
+            <a:spAutoFit/>
+          </a:bodyPr>
+          <a:lstStyle/>
+          <a:p>
+            <a:r>
+              <a:rPr lang="ru-RU" sz="8000" dirty="0" smtClean="0">
+                <a:solidFill>
+                  <a:srgbClr val="FF0000"/>
+                </a:solidFill>
+              </a:rPr>
+              <a:t>Нужен ли слайд о структуре шаблона?</a:t>
+            </a:r>
+            <a:endParaRPr lang="uk-UA" sz="8000" dirty="0">
+              <a:solidFill>
+                <a:srgbClr val="FF0000"/>
+              </a:solidFill>
+            </a:endParaRPr>
+          </a:p>
+        </p:txBody>
+      </p:sp>
+    </p:spTree>
+    <p:extLst>
+      <p:ext uri="{BB962C8B-B14F-4D97-AF65-F5344CB8AC3E}">
+        <p14:creationId xmlns:p14="http://schemas.microsoft.com/office/powerpoint/2010/main" val="3830326260"/>
+      </p:ext>
+    </p:extLst>
+  </p:cSld>
+  <p:clrMapOvr>
+    <a:masterClrMapping/>
+  </p:clrMapOvr>
+  <mc:AlternateContent xmlns:mc="http://schemas.openxmlformats.org/markup-compatibility/2006">
+    <mc:Choice xmlns:p14="http://schemas.microsoft.com/office/powerpoint/2010/main" Requires="p14">
+      <p:transition spd="med" p14:dur="700">
+        <p:fade/>
+      </p:transition>
+    </mc:Choice>
+    <mc:Fallback>
+      <p:transition spd="med">
+        <p:fade/>
+      </p:transition>
+    </mc:Fallback>
+  </mc:AlternateContent>
+  <p:timing>
+    <p:tnLst>
+      <p:par>
+        <p:cTn id="1" dur="indefinite" restart="never" nodeType="tmRoot"/>
+      </p:par>
+    </p:tnLst>
+  </p:timing>
+</p:sld>
+</file>
+
+<file path=ppt/slides/slide6.xml><?xml version="1.0" encoding="utf-8"?>
+<p:sld xmlns:a="http://schemas.openxmlformats.org/drawingml/2006/main" xmlns:r="http://schemas.openxmlformats.org/officeDocument/2006/relationships" xmlns:p="http://schemas.openxmlformats.org/presentationml/2006/main">
+  <p:cSld>
+    <p:spTree>
+      <p:nvGrpSpPr>
+        <p:cNvPr id="1" name=""/>
+        <p:cNvGrpSpPr/>
+        <p:nvPr/>
+      </p:nvGrpSpPr>
+      <p:grpSpPr>
+        <a:xfrm>
+          <a:off x="0" y="0"/>
+          <a:ext cx="0" cy="0"/>
+          <a:chOff x="0" y="0"/>
+          <a:chExt cx="0" cy="0"/>
+        </a:xfrm>
+      </p:grpSpPr>
+      <p:graphicFrame>
+        <p:nvGraphicFramePr>
+          <p:cNvPr id="7" name="Object 6"/>
+          <p:cNvGraphicFramePr>
+            <a:graphicFrameLocks noChangeAspect="1"/>
+          </p:cNvGraphicFramePr>
+          <p:nvPr/>
+        </p:nvGraphicFramePr>
+        <p:xfrm>
+          <a:off x="164592" y="1920240"/>
+          <a:ext cx="11880061" cy="4636008"/>
+        </p:xfrm>
+        <a:graphic>
+          <a:graphicData uri="http://schemas.openxmlformats.org/presentationml/2006/ole">
+            <mc:AlternateContent xmlns:mc="http://schemas.openxmlformats.org/markup-compatibility/2006">
+              <mc:Choice xmlns:v="urn:schemas-microsoft-com:vml" Requires="v">
+                <p:oleObj spid="_x0000_s16392" name="Visio" r:id="rId4" imgW="13496857" imgH="5267235" progId="Visio.Drawing.15">
+                  <p:embed/>
+                </p:oleObj>
+              </mc:Choice>
+              <mc:Fallback>
+                <p:oleObj name="Visio" r:id="rId4" imgW="13496857" imgH="5267235" progId="Visio.Drawing.15">
+                  <p:embed/>
+                  <p:pic>
+                    <p:nvPicPr>
+                      <p:cNvPr id="0" name=""/>
+                      <p:cNvPicPr/>
+                      <p:nvPr/>
+                    </p:nvPicPr>
+                    <p:blipFill>
+                      <a:blip r:embed="rId5"/>
+                      <a:stretch>
+                        <a:fillRect/>
+                      </a:stretch>
+                    </p:blipFill>
+                    <p:spPr>
+                      <a:xfrm>
+                        <a:off x="164592" y="1920240"/>
+                        <a:ext cx="11880061" cy="4636008"/>
+                      </a:xfrm>
+                      <a:prstGeom prst="rect">
+                        <a:avLst/>
+                      </a:prstGeom>
+                    </p:spPr>
+                  </p:pic>
+                </p:oleObj>
+              </mc:Fallback>
+            </mc:AlternateContent>
+          </a:graphicData>
+        </a:graphic>
+      </p:graphicFrame>
+      <p:sp>
+        <p:nvSpPr>
+          <p:cNvPr id="4" name="Title 3"/>
+          <p:cNvSpPr>
+            <a:spLocks noGrp="1"/>
+          </p:cNvSpPr>
+          <p:nvPr>
+            <p:ph type="title"/>
+          </p:nvPr>
+        </p:nvSpPr>
+        <p:spPr/>
+        <p:txBody>
+          <a:bodyPr/>
+          <a:lstStyle/>
+          <a:p>
+            <a:pPr algn="ctr"/>
+            <a:r>
+              <a:rPr lang="uk-UA" dirty="0" smtClean="0"/>
+              <a:t>Схема роботи програми</a:t>
+            </a:r>
+            <a:endParaRPr lang="uk-UA" dirty="0"/>
+          </a:p>
+        </p:txBody>
+      </p:sp>
+      <p:pic>
+        <p:nvPicPr>
+          <p:cNvPr id="6" name="Picture 5"/>
+          <p:cNvPicPr>
+            <a:picLocks noChangeAspect="1"/>
+          </p:cNvPicPr>
+          <p:nvPr/>
+        </p:nvPicPr>
+        <p:blipFill>
+          <a:blip r:embed="rId6">
+            <a:extLst>
+              <a:ext uri="{28A0092B-C50C-407E-A947-70E740481C1C}">
+                <a14:useLocalDpi xmlns:a14="http://schemas.microsoft.com/office/drawing/2010/main" val="0"/>
+              </a:ext>
+            </a:extLst>
+          </a:blip>
+          <a:stretch>
+            <a:fillRect/>
+          </a:stretch>
+        </p:blipFill>
+        <p:spPr>
+          <a:xfrm>
+            <a:off x="-5680477" y="-168103"/>
+            <a:ext cx="23622150" cy="8512636"/>
+          </a:xfrm>
+          <a:prstGeom prst="rect">
+            <a:avLst/>
+          </a:prstGeom>
+          <a:noFill/>
+          <a:ln>
+            <a:noFill/>
+          </a:ln>
+        </p:spPr>
+      </p:pic>
+    </p:spTree>
+    <p:extLst>
+      <p:ext uri="{BB962C8B-B14F-4D97-AF65-F5344CB8AC3E}">
+        <p14:creationId xmlns:p14="http://schemas.microsoft.com/office/powerpoint/2010/main" val="1110609177"/>
+      </p:ext>
+    </p:extLst>
+  </p:cSld>
+  <p:clrMapOvr>
+    <a:masterClrMapping/>
+  </p:clrMapOvr>
+  <mc:AlternateContent xmlns:mc="http://schemas.openxmlformats.org/markup-compatibility/2006" xmlns:p14="http://schemas.microsoft.com/office/powerpoint/2010/main">
+    <mc:Choice Requires="p14">
+      <p:transition spd="med" p14:dur="700">
+        <p:fade/>
+      </p:transition>
+    </mc:Choice>
+    <mc:Fallback xmlns="">
+      <p:transition spd="med">
+        <p:fade/>
+      </p:transition>
+    </mc:Fallback>
+  </mc:AlternateContent>
+  <p:timing>
+    <p:tnLst>
+      <p:par>
+        <p:cTn id="1" dur="indefinite" restart="never" nodeType="tmRoot"/>
+      </p:par>
+    </p:tnLst>
+  </p:timing>
+</p:sld>
+</file>
+
+<file path=ppt/slides/slide7.xml><?xml version="1.0" encoding="utf-8"?>
+<p:sld xmlns:a="http://schemas.openxmlformats.org/drawingml/2006/main" xmlns:r="http://schemas.openxmlformats.org/officeDocument/2006/relationships" xmlns:p="http://schemas.openxmlformats.org/presentationml/2006/main">
+  <p:cSld>
+    <p:spTree>
+      <p:nvGrpSpPr>
+        <p:cNvPr id="1" name=""/>
+        <p:cNvGrpSpPr/>
+        <p:nvPr/>
+      </p:nvGrpSpPr>
+      <p:grpSpPr>
+        <a:xfrm>
+          <a:off x="0" y="0"/>
+          <a:ext cx="0" cy="0"/>
+          <a:chOff x="0" y="0"/>
+          <a:chExt cx="0" cy="0"/>
+        </a:xfrm>
+      </p:grpSpPr>
+      <p:graphicFrame>
+        <p:nvGraphicFramePr>
+          <p:cNvPr id="5" name="Object 4"/>
+          <p:cNvGraphicFramePr>
+            <a:graphicFrameLocks noChangeAspect="1"/>
+          </p:cNvGraphicFramePr>
+          <p:nvPr>
+            <p:extLst>
+              <p:ext uri="{D42A27DB-BD31-4B8C-83A1-F6EECF244321}">
+                <p14:modId xmlns:p14="http://schemas.microsoft.com/office/powerpoint/2010/main" val="2714844389"/>
+              </p:ext>
+            </p:extLst>
+          </p:nvPr>
+        </p:nvGraphicFramePr>
+        <p:xfrm>
+          <a:off x="164592" y="1920240"/>
+          <a:ext cx="11880061" cy="4636008"/>
+        </p:xfrm>
+        <a:graphic>
+          <a:graphicData uri="http://schemas.openxmlformats.org/presentationml/2006/ole">
+            <mc:AlternateContent xmlns:mc="http://schemas.openxmlformats.org/markup-compatibility/2006">
+              <mc:Choice xmlns:v="urn:schemas-microsoft-com:vml" Requires="v">
+                <p:oleObj spid="_x0000_s6405" name="Visio" r:id="rId4" imgW="13496857" imgH="5267235" progId="Visio.Drawing.15">
+                  <p:embed/>
+                </p:oleObj>
+              </mc:Choice>
+              <mc:Fallback>
+                <p:oleObj name="Visio" r:id="rId4" imgW="13496857" imgH="5267235" progId="Visio.Drawing.15">
+                  <p:embed/>
+                  <p:pic>
+                    <p:nvPicPr>
+                      <p:cNvPr id="0" name=""/>
+                      <p:cNvPicPr/>
+                      <p:nvPr/>
+                    </p:nvPicPr>
+                    <p:blipFill>
+                      <a:blip r:embed="rId5"/>
+                      <a:stretch>
+                        <a:fillRect/>
+                      </a:stretch>
+                    </p:blipFill>
+                    <p:spPr>
+                      <a:xfrm>
+                        <a:off x="164592" y="1920240"/>
+                        <a:ext cx="11880061" cy="4636008"/>
+                      </a:xfrm>
+                      <a:prstGeom prst="rect">
+                        <a:avLst/>
+                      </a:prstGeom>
+                    </p:spPr>
+                  </p:pic>
+                </p:oleObj>
+              </mc:Fallback>
+            </mc:AlternateContent>
+          </a:graphicData>
+        </a:graphic>
+      </p:graphicFrame>
+      <p:sp>
+        <p:nvSpPr>
+          <p:cNvPr id="4" name="Title 3"/>
+          <p:cNvSpPr>
+            <a:spLocks noGrp="1"/>
+          </p:cNvSpPr>
+          <p:nvPr>
+            <p:ph type="title"/>
+          </p:nvPr>
+        </p:nvSpPr>
+        <p:spPr/>
+        <p:txBody>
+          <a:bodyPr/>
+          <a:lstStyle/>
+          <a:p>
+            <a:pPr algn="ctr"/>
+            <a:r>
+              <a:rPr lang="uk-UA" dirty="0" smtClean="0"/>
+              <a:t>Схема роботи програми</a:t>
+            </a:r>
+            <a:endParaRPr lang="uk-UA" dirty="0"/>
+          </a:p>
+        </p:txBody>
+      </p:sp>
+      <p:pic>
+        <p:nvPicPr>
+          <p:cNvPr id="6" name="Picture 5"/>
+          <p:cNvPicPr>
+            <a:picLocks noChangeAspect="1"/>
+          </p:cNvPicPr>
+          <p:nvPr/>
+        </p:nvPicPr>
+        <p:blipFill>
+          <a:blip r:embed="rId6">
+            <a:extLst>
+              <a:ext uri="{28A0092B-C50C-407E-A947-70E740481C1C}">
+                <a14:useLocalDpi xmlns:a14="http://schemas.microsoft.com/office/drawing/2010/main" val="0"/>
+              </a:ext>
+            </a:extLst>
+          </a:blip>
+          <a:stretch>
+            <a:fillRect/>
+          </a:stretch>
+        </p:blipFill>
+        <p:spPr>
+          <a:xfrm>
+            <a:off x="-5715077" y="-171279"/>
+            <a:ext cx="23622154" cy="8512640"/>
+          </a:xfrm>
+          <a:prstGeom prst="rect">
+            <a:avLst/>
+          </a:prstGeom>
+          <a:noFill/>
+          <a:ln>
+            <a:noFill/>
+          </a:ln>
+        </p:spPr>
+      </p:pic>
+    </p:spTree>
+    <p:extLst>
+      <p:ext uri="{BB962C8B-B14F-4D97-AF65-F5344CB8AC3E}">
+        <p14:creationId xmlns:p14="http://schemas.microsoft.com/office/powerpoint/2010/main" val="2361192849"/>
+      </p:ext>
+    </p:extLst>
+  </p:cSld>
+  <p:clrMapOvr>
+    <a:masterClrMapping/>
+  </p:clrMapOvr>
+  <mc:AlternateContent xmlns:mc="http://schemas.openxmlformats.org/markup-compatibility/2006" xmlns:p14="http://schemas.microsoft.com/office/powerpoint/2010/main">
+    <mc:Choice Requires="p14">
+      <p:transition spd="slow" p14:dur="900">
+        <p14:warp dir="in"/>
+      </p:transition>
+    </mc:Choice>
+    <mc:Fallback xmlns="">
+      <p:transition spd="slow">
+        <p:fade/>
+      </p:transition>
+    </mc:Fallback>
+  </mc:AlternateContent>
+  <p:timing>
+    <p:tnLst>
+      <p:par>
+        <p:cTn id="1" dur="indefinite" restart="never" nodeType="tmRoot">
+          <p:childTnLst>
+            <p:seq concurrent="1" nextAc="seek">
+              <p:cTn id="2" dur="indefinite" nodeType="mainSeq">
+                <p:childTnLst>
+                  <p:par>
+                    <p:cTn id="3" fill="hold">
+                      <p:stCondLst>
+                        <p:cond delay="indefinite"/>
+                      </p:stCondLst>
+                      <p:childTnLst>
+                        <p:par>
+                          <p:cTn id="4" fill="hold">
+                            <p:stCondLst>
+                              <p:cond delay="0"/>
+                            </p:stCondLst>
+                            <p:childTnLst>
+                              <p:par>
+                                <p:cTn id="5" presetID="10" presetClass="entr" presetSubtype="0" fill="hold" nodeType="clickEffect">
+                                  <p:stCondLst>
+                                    <p:cond delay="0"/>
+                                  </p:stCondLst>
+                                  <p:childTnLst>
+                                    <p:set>
+                                      <p:cBhvr>
+                                        <p:cTn id="6" dur="1" fill="hold">
+                                          <p:stCondLst>
+                                            <p:cond delay="0"/>
+                                          </p:stCondLst>
+                                        </p:cTn>
+                                        <p:tgtEl>
+                                          <p:spTgt spid="6"/>
+                                        </p:tgtEl>
+                                        <p:attrNameLst>
+                                          <p:attrName>style.visibility</p:attrName>
+                                        </p:attrNameLst>
+                                      </p:cBhvr>
+                                      <p:to>
+                                        <p:strVal val="visible"/>
+                                      </p:to>
+                                    </p:set>
+                                    <p:animEffect transition="in" filter="fade">
+                                      <p:cBhvr>
+                                        <p:cTn id="7" dur="750"/>
+                                        <p:tgtEl>
+                                          <p:spTgt spid="6"/>
+                                        </p:tgtEl>
+                                      </p:cBhvr>
+                                    </p:animEffect>
+                                  </p:childTnLst>
+                                </p:cTn>
+                              </p:par>
+                            </p:childTnLst>
+                          </p:cTn>
+                        </p:par>
+                      </p:childTnLst>
+                    </p:cTn>
+                  </p:par>
+                </p:childTnLst>
+              </p:cTn>
+              <p:prevCondLst>
+                <p:cond evt="onPrev" delay="0">
+                  <p:tgtEl>
+                    <p:sldTgt/>
+                  </p:tgtEl>
+                </p:cond>
+              </p:prevCondLst>
+              <p:nextCondLst>
+                <p:cond evt="onNext" delay="0">
+                  <p:tgtEl>
+                    <p:sldTgt/>
+                  </p:tgtEl>
+                </p:cond>
+              </p:nextCondLst>
+            </p:seq>
+          </p:childTnLst>
+        </p:cTn>
+      </p:par>
+    </p:tnLst>
+  </p:timing>
+</p:sld>
+</file>
+
+<file path=ppt/slides/slide8.xml><?xml version="1.0" encoding="utf-8"?>
+<p:sld xmlns:a="http://schemas.openxmlformats.org/drawingml/2006/main" xmlns:r="http://schemas.openxmlformats.org/officeDocument/2006/relationships" xmlns:p="http://schemas.openxmlformats.org/presentationml/2006/main" show="0">
+  <p:cSld>
+    <p:spTree>
+      <p:nvGrpSpPr>
+        <p:cNvPr id="1" name=""/>
+        <p:cNvGrpSpPr/>
+        <p:nvPr/>
+      </p:nvGrpSpPr>
+      <p:grpSpPr>
+        <a:xfrm>
+          <a:off x="0" y="0"/>
+          <a:ext cx="0" cy="0"/>
+          <a:chOff x="0" y="0"/>
+          <a:chExt cx="0" cy="0"/>
+        </a:xfrm>
+      </p:grpSpPr>
+      <p:sp>
+        <p:nvSpPr>
+          <p:cNvPr id="2" name="Title 1"/>
+          <p:cNvSpPr>
+            <a:spLocks noGrp="1"/>
+          </p:cNvSpPr>
+          <p:nvPr>
+            <p:ph type="title"/>
+          </p:nvPr>
+        </p:nvSpPr>
+        <p:spPr/>
+        <p:txBody>
+          <a:bodyPr/>
+          <a:lstStyle/>
+          <a:p>
+            <a:pPr algn="ctr"/>
+            <a:r>
+              <a:rPr lang="uk-UA" dirty="0" smtClean="0">
+                <a:solidFill>
+                  <a:srgbClr val="FF0000"/>
+                </a:solidFill>
+              </a:rPr>
+              <a:t>Занадто багато</a:t>
+            </a:r>
+            <a:r>
+              <a:rPr lang="ru-RU" dirty="0" smtClean="0">
+                <a:solidFill>
+                  <a:srgbClr val="FF0000"/>
+                </a:solidFill>
+              </a:rPr>
+              <a:t> </a:t>
+            </a:r>
+            <a:r>
+              <a:rPr lang="uk-UA" dirty="0" smtClean="0"/>
+              <a:t>даних</a:t>
+            </a:r>
+            <a:endParaRPr lang="uk-UA" dirty="0"/>
+          </a:p>
+        </p:txBody>
+      </p:sp>
+      <p:graphicFrame>
+        <p:nvGraphicFramePr>
+          <p:cNvPr id="7" name="Content Placeholder 8"/>
+          <p:cNvGraphicFramePr>
+            <a:graphicFrameLocks noGrp="1"/>
+          </p:cNvGraphicFramePr>
+          <p:nvPr>
+            <p:ph idx="1"/>
+            <p:extLst>
+              <p:ext uri="{D42A27DB-BD31-4B8C-83A1-F6EECF244321}">
+                <p14:modId xmlns:p14="http://schemas.microsoft.com/office/powerpoint/2010/main" val="2248160762"/>
+              </p:ext>
+            </p:extLst>
+          </p:nvPr>
+        </p:nvGraphicFramePr>
+        <p:xfrm>
+          <a:off x="838200" y="1825625"/>
+          <a:ext cx="10515600" cy="4351338"/>
+        </p:xfrm>
+        <a:graphic>
+          <a:graphicData uri="http://schemas.openxmlformats.org/drawingml/2006/chart">
+            <c:chart xmlns:c="http://schemas.openxmlformats.org/drawingml/2006/chart" xmlns:r="http://schemas.openxmlformats.org/officeDocument/2006/relationships" r:id="rId3"/>
+          </a:graphicData>
+        </a:graphic>
+      </p:graphicFrame>
+      <mc:AlternateContent xmlns:mc="http://schemas.openxmlformats.org/markup-compatibility/2006" xmlns:a14="http://schemas.microsoft.com/office/drawing/2010/main">
+        <mc:Choice Requires="a14">
+          <p:sp>
+            <p:nvSpPr>
+              <p:cNvPr id="3" name="Rectangle 2"/>
+              <p:cNvSpPr/>
+              <p:nvPr/>
+            </p:nvSpPr>
+            <p:spPr>
+              <a:xfrm>
+                <a:off x="4084459" y="3759460"/>
+                <a:ext cx="1205266" cy="1100558"/>
+              </a:xfrm>
+              <a:prstGeom prst="rect">
+                <a:avLst/>
+              </a:prstGeom>
+            </p:spPr>
+            <p:txBody>
+              <a:bodyPr wrap="none">
+                <a:spAutoFit/>
+              </a:bodyPr>
+              <a:lstStyle/>
+              <a:p>
+                <a:pPr/>
+                <a14:m>
+                  <m:oMathPara xmlns:m="http://schemas.openxmlformats.org/officeDocument/2006/math">
+                    <m:oMathParaPr>
+                      <m:jc m:val="centerGroup"/>
+                    </m:oMathParaPr>
+                    <m:oMath xmlns:m="http://schemas.openxmlformats.org/officeDocument/2006/math">
+                      <m:f>
+                        <m:fPr>
+                          <m:ctrlPr>
+                            <a:rPr lang="uk-UA" sz="2400" i="1">
+                              <a:latin typeface="Cambria Math" panose="02040503050406030204" pitchFamily="18" charset="0"/>
+                            </a:rPr>
+                          </m:ctrlPr>
+                        </m:fPr>
+                        <m:num>
+                          <m:r>
+                            <a:rPr lang="uk-UA" sz="2400">
+                              <a:latin typeface="Cambria Math" panose="02040503050406030204" pitchFamily="18" charset="0"/>
+                            </a:rPr>
+                            <m:t>1</m:t>
+                          </m:r>
+                        </m:num>
+                        <m:den>
+                          <m:r>
+                            <a:rPr lang="uk-UA" sz="2400" i="1">
+                              <a:latin typeface="Cambria Math" panose="02040503050406030204" pitchFamily="18" charset="0"/>
+                            </a:rPr>
+                            <m:t>𝑛</m:t>
+                          </m:r>
+                        </m:den>
+                      </m:f>
+                      <m:nary>
+                        <m:naryPr>
+                          <m:chr m:val="∑"/>
+                          <m:limLoc m:val="undOvr"/>
+                          <m:ctrlPr>
+                            <a:rPr lang="uk-UA" sz="2400" i="1">
+                              <a:latin typeface="Cambria Math" panose="02040503050406030204" pitchFamily="18" charset="0"/>
+                            </a:rPr>
+                          </m:ctrlPr>
+                        </m:naryPr>
+                        <m:sub>
+                          <m:r>
+                            <a:rPr lang="uk-UA" sz="2400" i="1">
+                              <a:latin typeface="Cambria Math" panose="02040503050406030204" pitchFamily="18" charset="0"/>
+                            </a:rPr>
+                            <m:t>𝑖</m:t>
+                          </m:r>
+                          <m:r>
+                            <a:rPr lang="uk-UA" sz="2400" i="0">
+                              <a:latin typeface="Cambria Math" panose="02040503050406030204" pitchFamily="18" charset="0"/>
+                            </a:rPr>
+                            <m:t>=1</m:t>
+                          </m:r>
+                        </m:sub>
+                        <m:sup>
+                          <m:r>
+                            <a:rPr lang="uk-UA" sz="2400" i="1">
+                              <a:latin typeface="Cambria Math" panose="02040503050406030204" pitchFamily="18" charset="0"/>
+                            </a:rPr>
+                            <m:t>𝑛</m:t>
+                          </m:r>
+                        </m:sup>
+                        <m:e>
+                          <m:sSub>
+                            <m:sSubPr>
+                              <m:ctrlPr>
+                                <a:rPr lang="uk-UA" sz="2400" i="1">
+                                  <a:latin typeface="Cambria Math" panose="02040503050406030204" pitchFamily="18" charset="0"/>
+                                </a:rPr>
+                              </m:ctrlPr>
+                            </m:sSubPr>
+                            <m:e>
+                              <m:r>
+                                <a:rPr lang="uk-UA" sz="2400" i="1">
+                                  <a:latin typeface="Cambria Math" panose="02040503050406030204" pitchFamily="18" charset="0"/>
+                                </a:rPr>
+                                <m:t>𝑥</m:t>
+                              </m:r>
+                            </m:e>
+                            <m:sub>
+                              <m:r>
+                                <a:rPr lang="uk-UA" sz="2400" i="1">
+                                  <a:latin typeface="Cambria Math" panose="02040503050406030204" pitchFamily="18" charset="0"/>
+                                </a:rPr>
+                                <m:t>𝑖</m:t>
+                              </m:r>
+                            </m:sub>
+                          </m:sSub>
+                        </m:e>
+                      </m:nary>
+                    </m:oMath>
+                  </m:oMathPara>
+                </a14:m>
+                <a:endParaRPr lang="uk-UA" sz="2400" dirty="0"/>
+              </a:p>
+            </p:txBody>
+          </p:sp>
+        </mc:Choice>
+        <mc:Fallback xmlns="">
+          <p:sp>
+            <p:nvSpPr>
+              <p:cNvPr id="3" name="Rectangle 2"/>
+              <p:cNvSpPr>
+                <a:spLocks noRot="1" noChangeAspect="1" noMove="1" noResize="1" noEditPoints="1" noAdjustHandles="1" noChangeArrowheads="1" noChangeShapeType="1" noTextEdit="1"/>
+              </p:cNvSpPr>
+              <p:nvPr/>
+            </p:nvSpPr>
+            <p:spPr>
+              <a:xfrm>
+                <a:off x="4084459" y="3759460"/>
+                <a:ext cx="1205266" cy="1100558"/>
+              </a:xfrm>
+              <a:prstGeom prst="rect">
+                <a:avLst/>
+              </a:prstGeom>
+              <a:blipFill rotWithShape="0">
+                <a:blip r:embed="rId4"/>
+                <a:stretch>
+                  <a:fillRect/>
+                </a:stretch>
+              </a:blipFill>
+            </p:spPr>
+            <p:txBody>
+              <a:bodyPr/>
+              <a:lstStyle/>
+              <a:p>
+                <a:r>
+                  <a:rPr lang="uk-UA">
+                    <a:noFill/>
+                  </a:rPr>
+                  <a:t> </a:t>
+                </a:r>
+              </a:p>
+            </p:txBody>
+          </p:sp>
+        </mc:Fallback>
+      </mc:AlternateContent>
+      <mc:AlternateContent xmlns:mc="http://schemas.openxmlformats.org/markup-compatibility/2006" xmlns:a14="http://schemas.microsoft.com/office/drawing/2010/main">
+        <mc:Choice Requires="a14">
+          <p:sp>
+            <p:nvSpPr>
+              <p:cNvPr id="6" name="Rectangle 5"/>
+              <p:cNvSpPr/>
+              <p:nvPr/>
+            </p:nvSpPr>
+            <p:spPr>
+              <a:xfrm>
+                <a:off x="6631715" y="3574473"/>
+                <a:ext cx="4011033" cy="1285545"/>
+              </a:xfrm>
+              <a:prstGeom prst="rect">
+                <a:avLst/>
+              </a:prstGeom>
+            </p:spPr>
+            <p:txBody>
+              <a:bodyPr wrap="none">
+                <a:spAutoFit/>
+              </a:bodyPr>
+              <a:lstStyle/>
+              <a:p>
+                <a:pPr/>
+                <a14:m>
+                  <m:oMathPara xmlns:m="http://schemas.openxmlformats.org/officeDocument/2006/math">
+                    <m:oMathParaPr>
+                      <m:jc m:val="centerGroup"/>
+                    </m:oMathParaPr>
+                    <m:oMath xmlns:m="http://schemas.openxmlformats.org/officeDocument/2006/math">
+                      <m:sSub>
+                        <m:sSubPr>
+                          <m:ctrlPr>
+                            <a:rPr lang="uk-UA" sz="2800" i="1" smtClean="0">
+                              <a:latin typeface="Cambria Math" panose="02040503050406030204" pitchFamily="18" charset="0"/>
+                            </a:rPr>
+                          </m:ctrlPr>
+                        </m:sSubPr>
+                        <m:e>
+                          <m:r>
+                            <a:rPr lang="en-US" sz="2800" b="0" i="1" smtClean="0">
+                              <a:latin typeface="Cambria Math" panose="02040503050406030204" pitchFamily="18" charset="0"/>
+                            </a:rPr>
+                            <m:t>𝑀</m:t>
+                          </m:r>
+                        </m:e>
+                        <m:sub>
+                          <m:r>
+                            <a:rPr lang="en-US" sz="2800" b="0" i="1" smtClean="0">
+                              <a:latin typeface="Cambria Math" panose="02040503050406030204" pitchFamily="18" charset="0"/>
+                            </a:rPr>
+                            <m:t>𝑒</m:t>
+                          </m:r>
+                        </m:sub>
+                      </m:sSub>
+                      <m:r>
+                        <a:rPr lang="en-US" sz="2800" b="0" i="1" smtClean="0">
+                          <a:latin typeface="Cambria Math" panose="02040503050406030204" pitchFamily="18" charset="0"/>
+                        </a:rPr>
+                        <m:t>=</m:t>
+                      </m:r>
+                      <m:sSub>
+                        <m:sSubPr>
+                          <m:ctrlPr>
+                            <a:rPr lang="uk-UA" sz="2800" i="1" smtClean="0">
+                              <a:latin typeface="Cambria Math" panose="02040503050406030204" pitchFamily="18" charset="0"/>
+                            </a:rPr>
+                          </m:ctrlPr>
+                        </m:sSubPr>
+                        <m:e>
+                          <m:r>
+                            <a:rPr lang="en-US" sz="2800" b="0" i="1" smtClean="0">
+                              <a:latin typeface="Cambria Math" panose="02040503050406030204" pitchFamily="18" charset="0"/>
+                            </a:rPr>
+                            <m:t>𝑥</m:t>
+                          </m:r>
+                        </m:e>
+                        <m:sub>
+                          <m:r>
+                            <a:rPr lang="en-US" sz="2800" b="0" i="1" smtClean="0">
+                              <a:latin typeface="Cambria Math" panose="02040503050406030204" pitchFamily="18" charset="0"/>
+                            </a:rPr>
+                            <m:t>0</m:t>
+                          </m:r>
+                        </m:sub>
+                      </m:sSub>
+                      <m:r>
+                        <a:rPr lang="en-US" sz="2800" b="0" i="1" smtClean="0">
+                          <a:latin typeface="Cambria Math" panose="02040503050406030204" pitchFamily="18" charset="0"/>
+                        </a:rPr>
+                        <m:t>+</m:t>
+                      </m:r>
+                      <m:r>
+                        <a:rPr lang="en-US" sz="2800" b="0" i="1" smtClean="0">
+                          <a:latin typeface="Cambria Math" panose="02040503050406030204" pitchFamily="18" charset="0"/>
+                        </a:rPr>
+                        <m:t>h</m:t>
+                      </m:r>
+                      <m:f>
+                        <m:fPr>
+                          <m:ctrlPr>
+                            <a:rPr lang="uk-UA" sz="2800" i="1" smtClean="0">
+                              <a:latin typeface="Cambria Math" panose="02040503050406030204" pitchFamily="18" charset="0"/>
+                            </a:rPr>
+                          </m:ctrlPr>
+                        </m:fPr>
+                        <m:num>
+                          <m:f>
+                            <m:fPr>
+                              <m:ctrlPr>
+                                <a:rPr lang="uk-UA" sz="2800" i="1" smtClean="0">
+                                  <a:latin typeface="Cambria Math" panose="02040503050406030204" pitchFamily="18" charset="0"/>
+                                </a:rPr>
+                              </m:ctrlPr>
+                            </m:fPr>
+                            <m:num>
+                              <m:nary>
+                                <m:naryPr>
+                                  <m:chr m:val="∑"/>
+                                  <m:subHide m:val="on"/>
+                                  <m:supHide m:val="on"/>
+                                  <m:ctrlPr>
+                                    <a:rPr lang="uk-UA" sz="2800" i="1" smtClean="0">
+                                      <a:latin typeface="Cambria Math" panose="02040503050406030204" pitchFamily="18" charset="0"/>
+                                    </a:rPr>
+                                  </m:ctrlPr>
+                                </m:naryPr>
+                                <m:sub/>
+                                <m:sup/>
+                                <m:e>
+                                  <m:sSub>
+                                    <m:sSubPr>
+                                      <m:ctrlPr>
+                                        <a:rPr lang="en-US" sz="2800" i="1">
+                                          <a:latin typeface="Cambria Math" panose="02040503050406030204" pitchFamily="18" charset="0"/>
+                                        </a:rPr>
+                                      </m:ctrlPr>
+                                    </m:sSubPr>
+                                    <m:e>
+                                      <m:r>
+                                        <a:rPr lang="en-US" sz="2800" i="1">
+                                          <a:latin typeface="Cambria Math" panose="02040503050406030204" pitchFamily="18" charset="0"/>
+                                        </a:rPr>
+                                        <m:t>𝑓</m:t>
+                                      </m:r>
+                                    </m:e>
+                                    <m:sub>
+                                      <m:r>
+                                        <a:rPr lang="en-US" sz="2800" i="1">
+                                          <a:latin typeface="Cambria Math" panose="02040503050406030204" pitchFamily="18" charset="0"/>
+                                        </a:rPr>
+                                        <m:t>𝑖</m:t>
+                                      </m:r>
+                                    </m:sub>
+                                  </m:sSub>
+                                </m:e>
+                              </m:nary>
+                            </m:num>
+                            <m:den>
+                              <m:r>
+                                <a:rPr lang="en-US" sz="2800" b="0" i="1" smtClean="0">
+                                  <a:latin typeface="Cambria Math" panose="02040503050406030204" pitchFamily="18" charset="0"/>
+                                </a:rPr>
+                                <m:t>2</m:t>
+                              </m:r>
+                            </m:den>
+                          </m:f>
+                          <m:r>
+                            <a:rPr lang="en-US" sz="2800" b="0" i="1" smtClean="0">
+                              <a:latin typeface="Cambria Math" panose="02040503050406030204" pitchFamily="18" charset="0"/>
+                            </a:rPr>
+                            <m:t>−</m:t>
+                          </m:r>
+                          <m:sSub>
+                            <m:sSubPr>
+                              <m:ctrlPr>
+                                <a:rPr lang="en-US" sz="2800" i="1">
+                                  <a:latin typeface="Cambria Math" panose="02040503050406030204" pitchFamily="18" charset="0"/>
+                                </a:rPr>
+                              </m:ctrlPr>
+                            </m:sSubPr>
+                            <m:e>
+                              <m:r>
+                                <a:rPr lang="en-US" sz="2800" i="1">
+                                  <a:latin typeface="Cambria Math" panose="02040503050406030204" pitchFamily="18" charset="0"/>
+                                </a:rPr>
+                                <m:t>𝑆</m:t>
+                              </m:r>
+                            </m:e>
+                            <m:sub>
+                              <m:r>
+                                <a:rPr lang="en-US" sz="2800" i="1">
+                                  <a:latin typeface="Cambria Math" panose="02040503050406030204" pitchFamily="18" charset="0"/>
+                                </a:rPr>
+                                <m:t>𝑚</m:t>
+                              </m:r>
+                              <m:r>
+                                <a:rPr lang="en-US" sz="2800" i="1">
+                                  <a:latin typeface="Cambria Math" panose="02040503050406030204" pitchFamily="18" charset="0"/>
+                                </a:rPr>
+                                <m:t>−1</m:t>
+                              </m:r>
+                            </m:sub>
+                          </m:sSub>
+                        </m:num>
+                        <m:den>
+                          <m:sSub>
+                            <m:sSubPr>
+                              <m:ctrlPr>
+                                <a:rPr lang="en-US" sz="2800" i="1">
+                                  <a:latin typeface="Cambria Math" panose="02040503050406030204" pitchFamily="18" charset="0"/>
+                                </a:rPr>
+                              </m:ctrlPr>
+                            </m:sSubPr>
+                            <m:e>
+                              <m:r>
+                                <a:rPr lang="en-US" sz="2800" i="1">
+                                  <a:latin typeface="Cambria Math" panose="02040503050406030204" pitchFamily="18" charset="0"/>
+                                </a:rPr>
+                                <m:t>𝑓</m:t>
+                              </m:r>
+                            </m:e>
+                            <m:sub>
+                              <m:r>
+                                <a:rPr lang="en-US" sz="2800" b="0" i="1" smtClean="0">
+                                  <a:latin typeface="Cambria Math" panose="02040503050406030204" pitchFamily="18" charset="0"/>
+                                </a:rPr>
+                                <m:t>𝑚</m:t>
+                              </m:r>
+                            </m:sub>
+                          </m:sSub>
+                        </m:den>
+                      </m:f>
+                    </m:oMath>
+                  </m:oMathPara>
+                </a14:m>
+                <a:endParaRPr lang="uk-UA" sz="2800" dirty="0"/>
+              </a:p>
+            </p:txBody>
+          </p:sp>
+        </mc:Choice>
+        <mc:Fallback xmlns="">
+          <p:sp>
+            <p:nvSpPr>
+              <p:cNvPr id="6" name="Rectangle 5"/>
+              <p:cNvSpPr>
+                <a:spLocks noRot="1" noChangeAspect="1" noMove="1" noResize="1" noEditPoints="1" noAdjustHandles="1" noChangeArrowheads="1" noChangeShapeType="1" noTextEdit="1"/>
+              </p:cNvSpPr>
+              <p:nvPr/>
+            </p:nvSpPr>
+            <p:spPr>
+              <a:xfrm>
+                <a:off x="6631715" y="3574473"/>
+                <a:ext cx="4011033" cy="1285545"/>
+              </a:xfrm>
+              <a:prstGeom prst="rect">
+                <a:avLst/>
+              </a:prstGeom>
+              <a:blipFill rotWithShape="0">
+                <a:blip r:embed="rId5"/>
+                <a:stretch>
+                  <a:fillRect/>
+                </a:stretch>
+              </a:blipFill>
+            </p:spPr>
+            <p:txBody>
+              <a:bodyPr/>
+              <a:lstStyle/>
+              <a:p>
+                <a:r>
+                  <a:rPr lang="uk-UA">
+                    <a:noFill/>
+                  </a:rPr>
+                  <a:t> </a:t>
+                </a:r>
+              </a:p>
+            </p:txBody>
+          </p:sp>
+        </mc:Fallback>
+      </mc:AlternateContent>
+    </p:spTree>
+    <p:extLst>
+      <p:ext uri="{BB962C8B-B14F-4D97-AF65-F5344CB8AC3E}">
+        <p14:creationId xmlns:p14="http://schemas.microsoft.com/office/powerpoint/2010/main" val="2367452766"/>
+      </p:ext>
+    </p:extLst>
+  </p:cSld>
+  <p:clrMapOvr>
+    <a:masterClrMapping/>
+  </p:clrMapOvr>
+  <mc:AlternateContent xmlns:mc="http://schemas.openxmlformats.org/markup-compatibility/2006" xmlns:p14="http://schemas.microsoft.com/office/powerpoint/2010/main">
+    <mc:Choice Requires="p14">
+      <p:transition spd="med" p14:dur="700">
+        <p:fade/>
+      </p:transition>
+    </mc:Choice>
+    <mc:Fallback xmlns="">
+      <p:transition spd="med">
+        <p:fade/>
+      </p:transition>
+    </mc:Fallback>
+  </mc:AlternateContent>
+  <p:timing>
+    <p:tnLst>
+      <p:par>
+        <p:cTn id="1" dur="indefinite" restart="never" nodeType="tmRoot">
+          <p:childTnLst>
+            <p:seq concurrent="1" nextAc="seek">
+              <p:cTn id="2" dur="indefinite" nodeType="mainSeq">
+                <p:childTnLst>
+                  <p:par>
+                    <p:cTn id="3" fill="hold">
+                      <p:stCondLst>
+                        <p:cond delay="indefinite"/>
+                      </p:stCondLst>
+                      <p:childTnLst>
+                        <p:par>
+                          <p:cTn id="4" fill="hold">
+                            <p:stCondLst>
+                              <p:cond delay="0"/>
+                            </p:stCondLst>
+                            <p:childTnLst>
+                              <p:par>
+                                <p:cTn id="5" presetID="22" presetClass="entr" presetSubtype="8" fill="hold" grpId="0" nodeType="clickEffect">
+                                  <p:stCondLst>
+                                    <p:cond delay="0"/>
+                                  </p:stCondLst>
+                                  <p:childTnLst>
+                                    <p:set>
+                                      <p:cBhvr>
+                                        <p:cTn id="6" dur="1" fill="hold">
+                                          <p:stCondLst>
+                                            <p:cond delay="0"/>
+                                          </p:stCondLst>
+                                        </p:cTn>
+                                        <p:tgtEl>
+                                          <p:spTgt spid="7">
+                                            <p:graphicEl>
+                                              <a:chart seriesIdx="0" categoryIdx="-4" bldStep="series"/>
+                                            </p:graphicEl>
+                                          </p:spTgt>
+                                        </p:tgtEl>
+                                        <p:attrNameLst>
+                                          <p:attrName>style.visibility</p:attrName>
+                                        </p:attrNameLst>
+                                      </p:cBhvr>
+                                      <p:to>
+                                        <p:strVal val="visible"/>
+                                      </p:to>
+                                    </p:set>
+                                    <p:animEffect transition="in" filter="wipe(left)">
+                                      <p:cBhvr>
+                                        <p:cTn id="7" dur="750"/>
+                                        <p:tgtEl>
+                                          <p:spTgt spid="7">
+                                            <p:graphicEl>
+                                              <a:chart seriesIdx="0" categoryIdx="-4" bldStep="series"/>
+                                            </p:graphicEl>
+                                          </p:spTgt>
+                                        </p:tgtEl>
+                                      </p:cBhvr>
+                                    </p:animEffect>
+                                  </p:childTnLst>
+                                </p:cTn>
+                              </p:par>
+                              <p:par>
+                                <p:cTn id="8" presetID="10" presetClass="entr" presetSubtype="0" fill="hold" grpId="0" nodeType="withEffect">
+                                  <p:stCondLst>
+                                    <p:cond delay="0"/>
+                                  </p:stCondLst>
+                                  <p:childTnLst>
+                                    <p:set>
+                                      <p:cBhvr>
+                                        <p:cTn id="9" dur="1" fill="hold">
+                                          <p:stCondLst>
+                                            <p:cond delay="0"/>
+                                          </p:stCondLst>
+                                        </p:cTn>
+                                        <p:tgtEl>
+                                          <p:spTgt spid="3"/>
+                                        </p:tgtEl>
+                                        <p:attrNameLst>
+                                          <p:attrName>style.visibility</p:attrName>
+                                        </p:attrNameLst>
+                                      </p:cBhvr>
+                                      <p:to>
+                                        <p:strVal val="visible"/>
+                                      </p:to>
+                                    </p:set>
+                                    <p:animEffect transition="in" filter="fade">
+                                      <p:cBhvr>
+                                        <p:cTn id="10" dur="500"/>
+                                        <p:tgtEl>
+                                          <p:spTgt spid="3"/>
+                                        </p:tgtEl>
+                                      </p:cBhvr>
+                                    </p:animEffect>
+                                  </p:childTnLst>
+                                </p:cTn>
+                              </p:par>
+                              <p:par>
+                                <p:cTn id="11" presetID="10" presetClass="entr" presetSubtype="0" fill="hold" grpId="2" nodeType="withEffect">
+                                  <p:stCondLst>
+                                    <p:cond delay="500"/>
+                                  </p:stCondLst>
+                                  <p:childTnLst>
+                                    <p:set>
+                                      <p:cBhvr>
+                                        <p:cTn id="12" dur="1" fill="hold">
+                                          <p:stCondLst>
+                                            <p:cond delay="0"/>
+                                          </p:stCondLst>
+                                        </p:cTn>
+                                        <p:tgtEl>
+                                          <p:spTgt spid="6"/>
+                                        </p:tgtEl>
+                                        <p:attrNameLst>
+                                          <p:attrName>style.visibility</p:attrName>
+                                        </p:attrNameLst>
+                                      </p:cBhvr>
+                                      <p:to>
+                                        <p:strVal val="visible"/>
+                                      </p:to>
+                                    </p:set>
+                                    <p:animEffect transition="in" filter="fade">
+                                      <p:cBhvr>
+                                        <p:cTn id="13" dur="500"/>
+                                        <p:tgtEl>
+                                          <p:spTgt spid="6"/>
+                                        </p:tgtEl>
+                                      </p:cBhvr>
+                                    </p:animEffect>
+                                  </p:childTnLst>
+                                </p:cTn>
+                              </p:par>
+                            </p:childTnLst>
+                          </p:cTn>
+                        </p:par>
+                      </p:childTnLst>
+                    </p:cTn>
+                  </p:par>
+                  <p:par>
+                    <p:cTn id="14" fill="hold">
+                      <p:stCondLst>
+                        <p:cond delay="indefinite"/>
+                      </p:stCondLst>
+                      <p:childTnLst>
+                        <p:par>
+                          <p:cTn id="15" fill="hold">
+                            <p:stCondLst>
+                              <p:cond delay="0"/>
+                            </p:stCondLst>
+                            <p:childTnLst>
+                              <p:par>
+                                <p:cTn id="16" presetID="10" presetClass="exit" presetSubtype="0" fill="hold" grpId="1" nodeType="clickEffect">
+                                  <p:stCondLst>
+                                    <p:cond delay="0"/>
+                                  </p:stCondLst>
+                                  <p:childTnLst>
+                                    <p:animEffect transition="out" filter="fade">
+                                      <p:cBhvr>
+                                        <p:cTn id="17" dur="500"/>
+                                        <p:tgtEl>
+                                          <p:spTgt spid="7">
+                                            <p:graphicEl>
+                                              <a:chart seriesIdx="0" categoryIdx="-4" bldStep="series"/>
+                                            </p:graphicEl>
+                                          </p:spTgt>
+                                        </p:tgtEl>
+                                      </p:cBhvr>
+                                    </p:animEffect>
+                                    <p:set>
+                                      <p:cBhvr>
+                                        <p:cTn id="18" dur="1" fill="hold">
+                                          <p:stCondLst>
+                                            <p:cond delay="499"/>
+                                          </p:stCondLst>
+                                        </p:cTn>
+                                        <p:tgtEl>
+                                          <p:spTgt spid="7">
+                                            <p:graphicEl>
+                                              <a:chart seriesIdx="0" categoryIdx="-4" bldStep="series"/>
+                                            </p:graphicEl>
+                                          </p:spTgt>
+                                        </p:tgtEl>
+                                        <p:attrNameLst>
+                                          <p:attrName>style.visibility</p:attrName>
+                                        </p:attrNameLst>
+                                      </p:cBhvr>
+                                      <p:to>
+                                        <p:strVal val="hidden"/>
+                                      </p:to>
+                                    </p:set>
+                                  </p:childTnLst>
+                                </p:cTn>
+                              </p:par>
+                              <p:par>
+                                <p:cTn id="19" presetID="10" presetClass="exit" presetSubtype="0" fill="hold" grpId="1" nodeType="withEffect">
+                                  <p:stCondLst>
+                                    <p:cond delay="0"/>
+                                  </p:stCondLst>
+                                  <p:childTnLst>
+                                    <p:animEffect transition="out" filter="fade">
+                                      <p:cBhvr>
+                                        <p:cTn id="20" dur="500"/>
+                                        <p:tgtEl>
+                                          <p:spTgt spid="3"/>
+                                        </p:tgtEl>
+                                      </p:cBhvr>
+                                    </p:animEffect>
+                                    <p:set>
+                                      <p:cBhvr>
+                                        <p:cTn id="21" dur="1" fill="hold">
+                                          <p:stCondLst>
+                                            <p:cond delay="499"/>
+                                          </p:stCondLst>
+                                        </p:cTn>
+                                        <p:tgtEl>
+                                          <p:spTgt spid="3"/>
+                                        </p:tgtEl>
+                                        <p:attrNameLst>
+                                          <p:attrName>style.visibility</p:attrName>
+                                        </p:attrNameLst>
+                                      </p:cBhvr>
+                                      <p:to>
+                                        <p:strVal val="hidden"/>
+                                      </p:to>
+                                    </p:set>
+                                  </p:childTnLst>
+                                </p:cTn>
+                              </p:par>
+                              <p:par>
+                                <p:cTn id="22" presetID="10" presetClass="exit" presetSubtype="0" fill="hold" grpId="3" nodeType="withEffect">
+                                  <p:stCondLst>
+                                    <p:cond delay="0"/>
+                                  </p:stCondLst>
+                                  <p:childTnLst>
+                                    <p:animEffect transition="out" filter="fade">
+                                      <p:cBhvr>
+                                        <p:cTn id="23" dur="500"/>
+                                        <p:tgtEl>
+                                          <p:spTgt spid="6"/>
+                                        </p:tgtEl>
+                                      </p:cBhvr>
+                                    </p:animEffect>
+                                    <p:set>
+                                      <p:cBhvr>
+                                        <p:cTn id="24" dur="1" fill="hold">
+                                          <p:stCondLst>
+                                            <p:cond delay="499"/>
+                                          </p:stCondLst>
+                                        </p:cTn>
+                                        <p:tgtEl>
+                                          <p:spTgt spid="6"/>
+                                        </p:tgtEl>
+                                        <p:attrNameLst>
+                                          <p:attrName>style.visibility</p:attrName>
+                                        </p:attrNameLst>
+                                      </p:cBhvr>
+                                      <p:to>
+                                        <p:strVal val="hidden"/>
+                                      </p:to>
+                                    </p:set>
+                                  </p:childTnLst>
+                                </p:cTn>
+                              </p:par>
+                              <p:par>
+                                <p:cTn id="25" presetID="22" presetClass="entr" presetSubtype="8" fill="hold" grpId="0" nodeType="withEffect">
+                                  <p:stCondLst>
+                                    <p:cond delay="0"/>
+                                  </p:stCondLst>
+                                  <p:childTnLst>
+                                    <p:set>
+                                      <p:cBhvr>
+                                        <p:cTn id="26" dur="1" fill="hold">
+                                          <p:stCondLst>
+                                            <p:cond delay="0"/>
+                                          </p:stCondLst>
+                                        </p:cTn>
+                                        <p:tgtEl>
+                                          <p:spTgt spid="7">
+                                            <p:graphicEl>
+                                              <a:chart seriesIdx="1" categoryIdx="-4" bldStep="series"/>
+                                            </p:graphicEl>
+                                          </p:spTgt>
+                                        </p:tgtEl>
+                                        <p:attrNameLst>
+                                          <p:attrName>style.visibility</p:attrName>
+                                        </p:attrNameLst>
+                                      </p:cBhvr>
+                                      <p:to>
+                                        <p:strVal val="visible"/>
+                                      </p:to>
+                                    </p:set>
+                                    <p:animEffect transition="in" filter="wipe(left)">
+                                      <p:cBhvr>
+                                        <p:cTn id="27" dur="750"/>
+                                        <p:tgtEl>
+                                          <p:spTgt spid="7">
+                                            <p:graphicEl>
+                                              <a:chart seriesIdx="1" categoryIdx="-4" bldStep="series"/>
+                                            </p:graphicEl>
+                                          </p:spTgt>
+                                        </p:tgtEl>
+                                      </p:cBhvr>
+                                    </p:animEffect>
+                                  </p:childTnLst>
+                                </p:cTn>
+                              </p:par>
+                            </p:childTnLst>
+                          </p:cTn>
+                        </p:par>
+                      </p:childTnLst>
+                    </p:cTn>
+                  </p:par>
+                </p:childTnLst>
+              </p:cTn>
+              <p:prevCondLst>
+                <p:cond evt="onPrev" delay="0">
+                  <p:tgtEl>
+                    <p:sldTgt/>
+                  </p:tgtEl>
+                </p:cond>
+              </p:prevCondLst>
+              <p:nextCondLst>
+                <p:cond evt="onNext" delay="0">
+                  <p:tgtEl>
+                    <p:sldTgt/>
+                  </p:tgtEl>
+                </p:cond>
+              </p:nextCondLst>
+            </p:seq>
+          </p:childTnLst>
+        </p:cTn>
+      </p:par>
+    </p:tnLst>
+    <p:bldLst>
+      <p:bldGraphic spid="7" grpId="0" uiExpand="1">
+        <p:bldSub>
+          <a:bldChart bld="series"/>
+        </p:bldSub>
+      </p:bldGraphic>
+      <p:bldGraphic spid="7" grpId="1" uiExpand="1">
+        <p:bldSub>
+          <a:bldChart bld="series"/>
+        </p:bldSub>
+      </p:bldGraphic>
+      <p:bldP spid="3" grpId="0"/>
+      <p:bldP spid="3" grpId="1"/>
+      <p:bldP spid="6" grpId="2"/>
+      <p:bldP spid="6" grpId="3"/>
+    </p:bldLst>
+  </p:timing>
+</p:sld>
+</file>
+
+<file path=ppt/slides/slide9.xml><?xml version="1.0" encoding="utf-8"?>
+<p:sld xmlns:a="http://schemas.openxmlformats.org/drawingml/2006/main" xmlns:r="http://schemas.openxmlformats.org/officeDocument/2006/relationships" xmlns:p="http://schemas.openxmlformats.org/presentationml/2006/main">
+  <p:cSld>
+    <p:spTree>
+      <p:nvGrpSpPr>
+        <p:cNvPr id="1" name=""/>
+        <p:cNvGrpSpPr/>
+        <p:nvPr/>
+      </p:nvGrpSpPr>
+      <p:grpSpPr>
+        <a:xfrm>
+          <a:off x="0" y="0"/>
+          <a:ext cx="0" cy="0"/>
+          <a:chOff x="0" y="0"/>
+          <a:chExt cx="0" cy="0"/>
+        </a:xfrm>
+      </p:grpSpPr>
+      <p:sp>
+        <p:nvSpPr>
+          <p:cNvPr id="2" name="Title 1"/>
+          <p:cNvSpPr>
+            <a:spLocks noGrp="1"/>
+          </p:cNvSpPr>
+          <p:nvPr>
+            <p:ph type="title"/>
+          </p:nvPr>
+        </p:nvSpPr>
+        <p:spPr/>
+        <p:txBody>
+          <a:bodyPr/>
+          <a:lstStyle/>
+          <a:p>
+            <a:pPr algn="ctr"/>
+            <a:r>
+              <a:rPr lang="uk-UA" dirty="0" smtClean="0"/>
+              <a:t>Забагато</a:t>
+            </a:r>
+            <a:r>
+              <a:rPr lang="ru-RU" dirty="0" smtClean="0"/>
+              <a:t> </a:t>
+            </a:r>
+            <a:r>
+              <a:rPr lang="uk-UA" dirty="0" smtClean="0"/>
+              <a:t>даних</a:t>
+            </a:r>
+            <a:endParaRPr lang="uk-UA" dirty="0"/>
+          </a:p>
+        </p:txBody>
+      </p:sp>
+      <p:graphicFrame>
+        <p:nvGraphicFramePr>
+          <p:cNvPr id="7" name="Content Placeholder 8"/>
+          <p:cNvGraphicFramePr>
+            <a:graphicFrameLocks noGrp="1"/>
+          </p:cNvGraphicFramePr>
+          <p:nvPr>
+            <p:ph idx="1"/>
+            <p:extLst>
+              <p:ext uri="{D42A27DB-BD31-4B8C-83A1-F6EECF244321}">
+                <p14:modId xmlns:p14="http://schemas.microsoft.com/office/powerpoint/2010/main" val="2248160762"/>
+              </p:ext>
+            </p:extLst>
+          </p:nvPr>
+        </p:nvGraphicFramePr>
+        <p:xfrm>
+          <a:off x="838200" y="1825625"/>
+          <a:ext cx="10515600" cy="4351338"/>
+        </p:xfrm>
+        <a:graphic>
+          <a:graphicData uri="http://schemas.openxmlformats.org/drawingml/2006/chart">
+            <c:chart xmlns:c="http://schemas.openxmlformats.org/drawingml/2006/chart" xmlns:r="http://schemas.openxmlformats.org/officeDocument/2006/relationships" r:id="rId3"/>
+          </a:graphicData>
+        </a:graphic>
+      </p:graphicFrame>
+    </p:spTree>
+    <p:extLst>
+      <p:ext uri="{BB962C8B-B14F-4D97-AF65-F5344CB8AC3E}">
+        <p14:creationId xmlns:p14="http://schemas.microsoft.com/office/powerpoint/2010/main" val="2670860261"/>
+      </p:ext>
+    </p:extLst>
+  </p:cSld>
+  <p:clrMapOvr>
+    <a:masterClrMapping/>
+  </p:clrMapOvr>
+  <mc:AlternateContent xmlns:mc="http://schemas.openxmlformats.org/markup-compatibility/2006" xmlns:p14="http://schemas.microsoft.com/office/powerpoint/2010/main">
+    <mc:Choice Requires="p14">
+      <p:transition spd="med" p14:dur="700">
+        <p:fade/>
+      </p:transition>
+    </mc:Choice>
+    <mc:Fallback xmlns="">
+      <p:transition spd="med">
+        <p:fade/>
+      </p:transition>
+    </mc:Fallback>
+  </mc:AlternateContent>
+  <p:timing>
+    <p:tnLst>
+      <p:par>
+        <p:cTn id="1" dur="indefinite" restart="never" nodeType="tmRoot">
+          <p:childTnLst>
+            <p:seq concurrent="1" nextAc="seek">
+              <p:cTn id="2" dur="indefinite" nodeType="mainSeq">
+                <p:childTnLst>
+                  <p:par>
+                    <p:cTn id="3" fill="hold">
+                      <p:stCondLst>
+                        <p:cond delay="indefinite"/>
+                      </p:stCondLst>
+                      <p:childTnLst>
+                        <p:par>
+                          <p:cTn id="4" fill="hold">
+                            <p:stCondLst>
+                              <p:cond delay="0"/>
+                            </p:stCondLst>
+                            <p:childTnLst>
+                              <p:par>
+                                <p:cTn id="5" presetID="22" presetClass="entr" presetSubtype="8" fill="hold" grpId="0" nodeType="clickEffect">
+                                  <p:stCondLst>
+                                    <p:cond delay="0"/>
+                                  </p:stCondLst>
+                                  <p:childTnLst>
+                                    <p:set>
+                                      <p:cBhvr>
+                                        <p:cTn id="6" dur="1" fill="hold">
+                                          <p:stCondLst>
+                                            <p:cond delay="0"/>
+                                          </p:stCondLst>
+                                        </p:cTn>
+                                        <p:tgtEl>
+                                          <p:spTgt spid="7">
+                                            <p:graphicEl>
+                                              <a:chart seriesIdx="0" categoryIdx="-4" bldStep="series"/>
+                                            </p:graphicEl>
+                                          </p:spTgt>
+                                        </p:tgtEl>
+                                        <p:attrNameLst>
+                                          <p:attrName>style.visibility</p:attrName>
+                                        </p:attrNameLst>
+                                      </p:cBhvr>
+                                      <p:to>
+                                        <p:strVal val="visible"/>
+                                      </p:to>
+                                    </p:set>
+                                    <p:animEffect transition="in" filter="wipe(left)">
+                                      <p:cBhvr>
+                                        <p:cTn id="7" dur="750"/>
+                                        <p:tgtEl>
+                                          <p:spTgt spid="7">
+                                            <p:graphicEl>
+                                              <a:chart seriesIdx="0" categoryIdx="-4" bldStep="series"/>
+                                            </p:graphicEl>
+                                          </p:spTgt>
+                                        </p:tgtEl>
+                                      </p:cBhvr>
+                                    </p:animEffect>
+                                  </p:childTnLst>
+                                </p:cTn>
+                              </p:par>
+                            </p:childTnLst>
+                          </p:cTn>
+                        </p:par>
+                      </p:childTnLst>
+                    </p:cTn>
+                  </p:par>
+                  <p:par>
+                    <p:cTn id="8" fill="hold">
+                      <p:stCondLst>
+                        <p:cond delay="indefinite"/>
+                      </p:stCondLst>
+                      <p:childTnLst>
+                        <p:par>
+                          <p:cTn id="9" fill="hold">
+                            <p:stCondLst>
+                              <p:cond delay="0"/>
+                            </p:stCondLst>
+                            <p:childTnLst>
+                              <p:par>
+                                <p:cTn id="10" presetID="10" presetClass="exit" presetSubtype="0" fill="hold" grpId="1" nodeType="clickEffect">
+                                  <p:stCondLst>
+                                    <p:cond delay="0"/>
+                                  </p:stCondLst>
+                                  <p:childTnLst>
+                                    <p:animEffect transition="out" filter="fade">
+                                      <p:cBhvr>
+                                        <p:cTn id="11" dur="500"/>
+                                        <p:tgtEl>
+                                          <p:spTgt spid="7">
+                                            <p:graphicEl>
+                                              <a:chart seriesIdx="0" categoryIdx="-4" bldStep="series"/>
+                                            </p:graphicEl>
+                                          </p:spTgt>
+                                        </p:tgtEl>
+                                      </p:cBhvr>
+                                    </p:animEffect>
+                                    <p:set>
+                                      <p:cBhvr>
+                                        <p:cTn id="12" dur="1" fill="hold">
+                                          <p:stCondLst>
+                                            <p:cond delay="499"/>
+                                          </p:stCondLst>
+                                        </p:cTn>
+                                        <p:tgtEl>
+                                          <p:spTgt spid="7">
+                                            <p:graphicEl>
+                                              <a:chart seriesIdx="0" categoryIdx="-4" bldStep="series"/>
+                                            </p:graphicEl>
+                                          </p:spTgt>
+                                        </p:tgtEl>
+                                        <p:attrNameLst>
+                                          <p:attrName>style.visibility</p:attrName>
+                                        </p:attrNameLst>
+                                      </p:cBhvr>
+                                      <p:to>
+                                        <p:strVal val="hidden"/>
+                                      </p:to>
+                                    </p:set>
+                                  </p:childTnLst>
+                                </p:cTn>
+                              </p:par>
+                              <p:par>
+                                <p:cTn id="13" presetID="22" presetClass="entr" presetSubtype="8" fill="hold" grpId="0" nodeType="withEffect">
+                                  <p:stCondLst>
+                                    <p:cond delay="0"/>
+                                  </p:stCondLst>
+                                  <p:childTnLst>
+                                    <p:set>
+                                      <p:cBhvr>
+                                        <p:cTn id="14" dur="1" fill="hold">
+                                          <p:stCondLst>
+                                            <p:cond delay="0"/>
+                                          </p:stCondLst>
+                                        </p:cTn>
+                                        <p:tgtEl>
+                                          <p:spTgt spid="7">
+                                            <p:graphicEl>
+                                              <a:chart seriesIdx="1" categoryIdx="-4" bldStep="series"/>
+                                            </p:graphicEl>
+                                          </p:spTgt>
+                                        </p:tgtEl>
+                                        <p:attrNameLst>
+                                          <p:attrName>style.visibility</p:attrName>
+                                        </p:attrNameLst>
+                                      </p:cBhvr>
+                                      <p:to>
+                                        <p:strVal val="visible"/>
+                                      </p:to>
+                                    </p:set>
+                                    <p:animEffect transition="in" filter="wipe(left)">
+                                      <p:cBhvr>
+                                        <p:cTn id="15" dur="750"/>
+                                        <p:tgtEl>
+                                          <p:spTgt spid="7">
+                                            <p:graphicEl>
+                                              <a:chart seriesIdx="1" categoryIdx="-4" bldStep="series"/>
+                                            </p:graphicEl>
+                                          </p:spTgt>
+                                        </p:tgtEl>
+                                      </p:cBhvr>
+                                    </p:animEffect>
+                                  </p:childTnLst>
+                                </p:cTn>
+                              </p:par>
+                            </p:childTnLst>
+                          </p:cTn>
+                        </p:par>
+                      </p:childTnLst>
+                    </p:cTn>
+                  </p:par>
+                </p:childTnLst>
+              </p:cTn>
+              <p:prevCondLst>
+                <p:cond evt="onPrev" delay="0">
+                  <p:tgtEl>
+                    <p:sldTgt/>
+                  </p:tgtEl>
+                </p:cond>
+              </p:prevCondLst>
+              <p:nextCondLst>
+                <p:cond evt="onNext" delay="0">
+                  <p:tgtEl>
+                    <p:sldTgt/>
+                  </p:tgtEl>
+                </p:cond>
+              </p:nextCondLst>
+            </p:seq>
+          </p:childTnLst>
+        </p:cTn>
+      </p:par>
+    </p:tnLst>
+    <p:bldLst>
+      <p:bldGraphic spid="7" grpId="0">
+        <p:bldSub>
+          <a:bldChart bld="series"/>
+        </p:bldSub>
+      </p:bldGraphic>
+      <p:bldGraphic spid="7" grpId="1">
+        <p:bldSub>
+          <a:bldChart bld="series"/>
+        </p:bldSub>
+      </p:bldGraphic>
+    </p:bldLst>
   </p:timing>
 </p:sld>
 </file>

--- a/Presentation.pptx
+++ b/Presentation.pptx
@@ -184,7 +184,7 @@
     </p:ext>
     <p:ext uri="{EFAFB233-063F-42B5-8137-9DF3F51BA10A}">
       <p15:sldGuideLst xmlns:p15="http://schemas.microsoft.com/office/powerpoint/2012/main">
-        <p15:guide id="1" orient="horz" pos="2136" userDrawn="1">
+        <p15:guide id="1" orient="horz" pos="2112" userDrawn="1">
           <p15:clr>
             <a:srgbClr val="A4A3A4"/>
           </p15:clr>
@@ -1944,15 +1944,6 @@
           <a:p>
             <a:endParaRPr lang="ru-RU" baseline="0" dirty="0" smtClean="0"/>
           </a:p>
-          <a:p>
-            <a:r>
-              <a:rPr lang="ru-RU" b="1" baseline="0" dirty="0" smtClean="0"/>
-              <a:t>Почему я?</a:t>
-            </a:r>
-          </a:p>
-          <a:p>
-            <a:endParaRPr lang="uk-UA" dirty="0"/>
-          </a:p>
         </p:txBody>
       </p:sp>
       <p:sp>
@@ -3246,13 +3237,23 @@
           <a:p>
             <a:r>
               <a:rPr lang="ru-RU" dirty="0" smtClean="0"/>
-              <a:t>	</a:t>
-            </a:r>
-          </a:p>
-          <a:p>
+              <a:t>	Программа работает с Анализаторами спектра, которые позволяют проводить сканирование частотного диапазона в режиме реального времени. Используются устройства от разных</a:t>
+            </a:r>
+            <a:r>
+              <a:rPr lang="ru-RU" baseline="0" dirty="0" smtClean="0"/>
+              <a:t> производителей и поэтому каждое имеет свои особенности: работают </a:t>
+            </a:r>
             <a:r>
               <a:rPr lang="ru-RU" dirty="0" smtClean="0"/>
-              <a:t>	</a:t>
+              <a:t>в разных программных средах с различной частотой обновления, используют различные</a:t>
+            </a:r>
+            <a:r>
+              <a:rPr lang="ru-RU" baseline="0" dirty="0" smtClean="0"/>
+              <a:t> интерфейсы для передачи данных</a:t>
+            </a:r>
+            <a:r>
+              <a:rPr lang="ru-RU" dirty="0" smtClean="0"/>
+              <a:t>.</a:t>
             </a:r>
             <a:endParaRPr lang="ru-RU" dirty="0"/>
           </a:p>
@@ -3807,11 +3808,19 @@
             </a:r>
             <a:r>
               <a:rPr lang="ru-RU" baseline="0" dirty="0" smtClean="0"/>
-              <a:t> поведение устройств в абстрактном классе </a:t>
+              <a:t> поведение устройств </a:t>
+            </a:r>
+            <a:r>
+              <a:rPr lang="ru-RU" baseline="0" dirty="0" smtClean="0"/>
+              <a:t>через абстрактный класс </a:t>
             </a:r>
             <a:r>
               <a:rPr lang="ru-RU" dirty="0" smtClean="0"/>
-              <a:t>Device. Используется</a:t>
+              <a:t>Device. </a:t>
+            </a:r>
+            <a:r>
+              <a:rPr lang="ru-RU" dirty="0" smtClean="0"/>
+              <a:t>Для создания экземпляра используется</a:t>
             </a:r>
             <a:r>
               <a:rPr lang="ru-RU" baseline="0" dirty="0" smtClean="0"/>
@@ -7903,7 +7912,7 @@
           <a:graphicData uri="http://schemas.openxmlformats.org/presentationml/2006/ole">
             <mc:AlternateContent xmlns:mc="http://schemas.openxmlformats.org/markup-compatibility/2006">
               <mc:Choice xmlns:v="urn:schemas-microsoft-com:vml" Requires="v">
-                <p:oleObj spid="_x0000_s4422" name="Visio" r:id="rId4" imgW="12039600" imgH="10124985" progId="Visio.Drawing.15">
+                <p:oleObj spid="_x0000_s4460" name="Visio" r:id="rId4" imgW="12039600" imgH="10124985" progId="Visio.Drawing.15">
                   <p:embed/>
                 </p:oleObj>
               </mc:Choice>
@@ -9852,17 +9861,23 @@
           <p:cNvGraphicFramePr>
             <a:graphicFrameLocks noChangeAspect="1"/>
           </p:cNvGraphicFramePr>
-          <p:nvPr/>
+          <p:nvPr>
+            <p:extLst>
+              <p:ext uri="{D42A27DB-BD31-4B8C-83A1-F6EECF244321}">
+                <p14:modId xmlns:p14="http://schemas.microsoft.com/office/powerpoint/2010/main" val="2497124163"/>
+              </p:ext>
+            </p:extLst>
+          </p:nvPr>
         </p:nvGraphicFramePr>
         <p:xfrm>
-          <a:off x="164592" y="1920240"/>
+          <a:off x="164592" y="1222925"/>
           <a:ext cx="11880061" cy="4636008"/>
         </p:xfrm>
         <a:graphic>
           <a:graphicData uri="http://schemas.openxmlformats.org/presentationml/2006/ole">
             <mc:AlternateContent xmlns:mc="http://schemas.openxmlformats.org/markup-compatibility/2006">
               <mc:Choice xmlns:v="urn:schemas-microsoft-com:vml" Requires="v">
-                <p:oleObj spid="_x0000_s16443" name="Visio" r:id="rId4" imgW="13496857" imgH="5267235" progId="Visio.Drawing.15">
+                <p:oleObj spid="_x0000_s16481" name="Visio" r:id="rId4" imgW="13496857" imgH="5267235" progId="Visio.Drawing.15">
                   <p:embed/>
                 </p:oleObj>
               </mc:Choice>
@@ -9883,7 +9898,7 @@
                     </p:blipFill>
                     <p:spPr>
                       <a:xfrm>
-                        <a:off x="164592" y="1920240"/>
+                        <a:off x="164592" y="1222925"/>
                         <a:ext cx="11880061" cy="4636008"/>
                       </a:xfrm>
                       <a:prstGeom prst="rect">
@@ -9897,30 +9912,6 @@
           </a:graphicData>
         </a:graphic>
       </p:graphicFrame>
-      <p:sp>
-        <p:nvSpPr>
-          <p:cNvPr id="4" name="Title 3"/>
-          <p:cNvSpPr>
-            <a:spLocks noGrp="1"/>
-          </p:cNvSpPr>
-          <p:nvPr>
-            <p:ph type="title"/>
-          </p:nvPr>
-        </p:nvSpPr>
-        <p:spPr/>
-        <p:txBody>
-          <a:bodyPr/>
-          <a:lstStyle/>
-          <a:p>
-            <a:pPr algn="ctr"/>
-            <a:r>
-              <a:rPr lang="uk-UA" dirty="0" smtClean="0"/>
-              <a:t>Схема роботи програми</a:t>
-            </a:r>
-            <a:endParaRPr lang="uk-UA" dirty="0"/>
-          </a:p>
-        </p:txBody>
-      </p:sp>
       <p:pic>
         <p:nvPicPr>
           <p:cNvPr id="6" name="Picture 5"/>
@@ -9943,7 +9934,7 @@
         </p:blipFill>
         <p:spPr>
           <a:xfrm>
-            <a:off x="-5680477" y="-168103"/>
+            <a:off x="-5680477" y="-865418"/>
             <a:ext cx="23622150" cy="8512636"/>
           </a:xfrm>
           <a:prstGeom prst="rect">
@@ -10013,20 +10004,20 @@
           <p:nvPr>
             <p:extLst>
               <p:ext uri="{D42A27DB-BD31-4B8C-83A1-F6EECF244321}">
-                <p14:modId xmlns:p14="http://schemas.microsoft.com/office/powerpoint/2010/main" val="2275590299"/>
+                <p14:modId xmlns:p14="http://schemas.microsoft.com/office/powerpoint/2010/main" val="1999681344"/>
               </p:ext>
             </p:extLst>
           </p:nvPr>
         </p:nvGraphicFramePr>
         <p:xfrm>
-          <a:off x="164592" y="1920240"/>
+          <a:off x="164592" y="1222924"/>
           <a:ext cx="11880061" cy="4636008"/>
         </p:xfrm>
         <a:graphic>
           <a:graphicData uri="http://schemas.openxmlformats.org/presentationml/2006/ole">
             <mc:AlternateContent xmlns:mc="http://schemas.openxmlformats.org/markup-compatibility/2006">
               <mc:Choice xmlns:v="urn:schemas-microsoft-com:vml" Requires="v">
-                <p:oleObj spid="_x0000_s9489" name="Visio" r:id="rId4" imgW="13496857" imgH="5267235" progId="Visio.Drawing.15">
+                <p:oleObj spid="_x0000_s9527" name="Visio" r:id="rId4" imgW="13496857" imgH="5267235" progId="Visio.Drawing.15">
                   <p:embed/>
                 </p:oleObj>
               </mc:Choice>
@@ -10047,7 +10038,7 @@
                     </p:blipFill>
                     <p:spPr>
                       <a:xfrm>
-                        <a:off x="164592" y="1920240"/>
+                        <a:off x="164592" y="1222924"/>
                         <a:ext cx="11880061" cy="4636008"/>
                       </a:xfrm>
                       <a:prstGeom prst="rect">
@@ -10061,30 +10052,6 @@
           </a:graphicData>
         </a:graphic>
       </p:graphicFrame>
-      <p:sp>
-        <p:nvSpPr>
-          <p:cNvPr id="4" name="Title 3"/>
-          <p:cNvSpPr>
-            <a:spLocks noGrp="1"/>
-          </p:cNvSpPr>
-          <p:nvPr>
-            <p:ph type="title"/>
-          </p:nvPr>
-        </p:nvSpPr>
-        <p:spPr/>
-        <p:txBody>
-          <a:bodyPr/>
-          <a:lstStyle/>
-          <a:p>
-            <a:pPr algn="ctr"/>
-            <a:r>
-              <a:rPr lang="uk-UA" dirty="0" smtClean="0"/>
-              <a:t>Схема роботи програми</a:t>
-            </a:r>
-            <a:endParaRPr lang="uk-UA" dirty="0"/>
-          </a:p>
-        </p:txBody>
-      </p:sp>
       <p:pic>
         <p:nvPicPr>
           <p:cNvPr id="6" name="Picture 5"/>
@@ -10107,7 +10074,7 @@
         </p:blipFill>
         <p:spPr>
           <a:xfrm>
-            <a:off x="-5781751" y="-168103"/>
+            <a:off x="-5781751" y="-865419"/>
             <a:ext cx="23622152" cy="8512637"/>
           </a:xfrm>
           <a:prstGeom prst="rect">
@@ -10168,20 +10135,20 @@
           <p:nvPr>
             <p:extLst>
               <p:ext uri="{D42A27DB-BD31-4B8C-83A1-F6EECF244321}">
-                <p14:modId xmlns:p14="http://schemas.microsoft.com/office/powerpoint/2010/main" val="3888636267"/>
+                <p14:modId xmlns:p14="http://schemas.microsoft.com/office/powerpoint/2010/main" val="371786961"/>
               </p:ext>
             </p:extLst>
           </p:nvPr>
         </p:nvGraphicFramePr>
         <p:xfrm>
-          <a:off x="164592" y="1920240"/>
+          <a:off x="164592" y="1222924"/>
           <a:ext cx="11880061" cy="4636008"/>
         </p:xfrm>
         <a:graphic>
           <a:graphicData uri="http://schemas.openxmlformats.org/presentationml/2006/ole">
             <mc:AlternateContent xmlns:mc="http://schemas.openxmlformats.org/markup-compatibility/2006">
               <mc:Choice xmlns:v="urn:schemas-microsoft-com:vml" Requires="v">
-                <p:oleObj spid="_x0000_s10513" name="Visio" r:id="rId4" imgW="13496857" imgH="5267235" progId="Visio.Drawing.15">
+                <p:oleObj spid="_x0000_s10551" name="Visio" r:id="rId4" imgW="13496857" imgH="5267235" progId="Visio.Drawing.15">
                   <p:embed/>
                 </p:oleObj>
               </mc:Choice>
@@ -10202,7 +10169,7 @@
                     </p:blipFill>
                     <p:spPr>
                       <a:xfrm>
-                        <a:off x="164592" y="1920240"/>
+                        <a:off x="164592" y="1222924"/>
                         <a:ext cx="11880061" cy="4636008"/>
                       </a:xfrm>
                       <a:prstGeom prst="rect">
@@ -10216,30 +10183,6 @@
           </a:graphicData>
         </a:graphic>
       </p:graphicFrame>
-      <p:sp>
-        <p:nvSpPr>
-          <p:cNvPr id="4" name="Title 3"/>
-          <p:cNvSpPr>
-            <a:spLocks noGrp="1"/>
-          </p:cNvSpPr>
-          <p:nvPr>
-            <p:ph type="title"/>
-          </p:nvPr>
-        </p:nvSpPr>
-        <p:spPr/>
-        <p:txBody>
-          <a:bodyPr/>
-          <a:lstStyle/>
-          <a:p>
-            <a:pPr algn="ctr"/>
-            <a:r>
-              <a:rPr lang="uk-UA" dirty="0" smtClean="0"/>
-              <a:t>Схема роботи програми</a:t>
-            </a:r>
-            <a:endParaRPr lang="uk-UA" dirty="0"/>
-          </a:p>
-        </p:txBody>
-      </p:sp>
       <p:pic>
         <p:nvPicPr>
           <p:cNvPr id="6" name="Picture 5"/>
@@ -10262,7 +10205,7 @@
         </p:blipFill>
         <p:spPr>
           <a:xfrm>
-            <a:off x="-5781750" y="-168103"/>
+            <a:off x="-5781750" y="-865419"/>
             <a:ext cx="23622150" cy="8512637"/>
           </a:xfrm>
           <a:prstGeom prst="rect">
@@ -10298,7 +10241,7 @@
 </file>
 
 <file path=ppt/slides/slide14.xml><?xml version="1.0" encoding="utf-8"?>
-<p:sld xmlns:a="http://schemas.openxmlformats.org/drawingml/2006/main" xmlns:r="http://schemas.openxmlformats.org/officeDocument/2006/relationships" xmlns:p="http://schemas.openxmlformats.org/presentationml/2006/main" show="0">
+<p:sld xmlns:a="http://schemas.openxmlformats.org/drawingml/2006/main" xmlns:r="http://schemas.openxmlformats.org/officeDocument/2006/relationships" xmlns:p="http://schemas.openxmlformats.org/presentationml/2006/main">
   <p:cSld>
     <p:spTree>
       <p:nvGrpSpPr>
@@ -10323,20 +10266,20 @@
           <p:nvPr>
             <p:extLst>
               <p:ext uri="{D42A27DB-BD31-4B8C-83A1-F6EECF244321}">
-                <p14:modId xmlns:p14="http://schemas.microsoft.com/office/powerpoint/2010/main" val="211684438"/>
+                <p14:modId xmlns:p14="http://schemas.microsoft.com/office/powerpoint/2010/main" val="3589204678"/>
               </p:ext>
             </p:extLst>
           </p:nvPr>
         </p:nvGraphicFramePr>
         <p:xfrm>
-          <a:off x="164592" y="1920240"/>
+          <a:off x="164592" y="1237213"/>
           <a:ext cx="11880061" cy="4636008"/>
         </p:xfrm>
         <a:graphic>
           <a:graphicData uri="http://schemas.openxmlformats.org/presentationml/2006/ole">
             <mc:AlternateContent xmlns:mc="http://schemas.openxmlformats.org/markup-compatibility/2006">
               <mc:Choice xmlns:v="urn:schemas-microsoft-com:vml" Requires="v">
-                <p:oleObj spid="_x0000_s11536" name="Visio" r:id="rId4" imgW="13496857" imgH="5267235" progId="Visio.Drawing.15">
+                <p:oleObj spid="_x0000_s11574" name="Visio" r:id="rId4" imgW="13496857" imgH="5267235" progId="Visio.Drawing.15">
                   <p:embed/>
                 </p:oleObj>
               </mc:Choice>
@@ -10357,7 +10300,7 @@
                     </p:blipFill>
                     <p:spPr>
                       <a:xfrm>
-                        <a:off x="164592" y="1920240"/>
+                        <a:off x="164592" y="1237213"/>
                         <a:ext cx="11880061" cy="4636008"/>
                       </a:xfrm>
                       <a:prstGeom prst="rect">
@@ -10371,30 +10314,6 @@
           </a:graphicData>
         </a:graphic>
       </p:graphicFrame>
-      <p:sp>
-        <p:nvSpPr>
-          <p:cNvPr id="4" name="Title 3"/>
-          <p:cNvSpPr>
-            <a:spLocks noGrp="1"/>
-          </p:cNvSpPr>
-          <p:nvPr>
-            <p:ph type="title"/>
-          </p:nvPr>
-        </p:nvSpPr>
-        <p:spPr/>
-        <p:txBody>
-          <a:bodyPr/>
-          <a:lstStyle/>
-          <a:p>
-            <a:pPr algn="ctr"/>
-            <a:r>
-              <a:rPr lang="uk-UA" dirty="0" smtClean="0"/>
-              <a:t>Схема роботи програми</a:t>
-            </a:r>
-            <a:endParaRPr lang="uk-UA" dirty="0"/>
-          </a:p>
-        </p:txBody>
-      </p:sp>
       <p:pic>
         <p:nvPicPr>
           <p:cNvPr id="6" name="Picture 5"/>
@@ -10417,7 +10336,7 @@
         </p:blipFill>
         <p:spPr>
           <a:xfrm>
-            <a:off x="-5676975" y="-182391"/>
+            <a:off x="-5676975" y="-865418"/>
             <a:ext cx="23622150" cy="8512636"/>
           </a:xfrm>
           <a:prstGeom prst="rect">
@@ -10478,20 +10397,20 @@
           <p:nvPr>
             <p:extLst>
               <p:ext uri="{D42A27DB-BD31-4B8C-83A1-F6EECF244321}">
-                <p14:modId xmlns:p14="http://schemas.microsoft.com/office/powerpoint/2010/main" val="104902973"/>
+                <p14:modId xmlns:p14="http://schemas.microsoft.com/office/powerpoint/2010/main" val="1886839324"/>
               </p:ext>
             </p:extLst>
           </p:nvPr>
         </p:nvGraphicFramePr>
         <p:xfrm>
-          <a:off x="164592" y="1920240"/>
+          <a:off x="164592" y="1237213"/>
           <a:ext cx="11880061" cy="4636008"/>
         </p:xfrm>
         <a:graphic>
           <a:graphicData uri="http://schemas.openxmlformats.org/presentationml/2006/ole">
             <mc:AlternateContent xmlns:mc="http://schemas.openxmlformats.org/markup-compatibility/2006">
               <mc:Choice xmlns:v="urn:schemas-microsoft-com:vml" Requires="v">
-                <p:oleObj spid="_x0000_s12554" name="Visio" r:id="rId4" imgW="13496857" imgH="5267235" progId="Visio.Drawing.15">
+                <p:oleObj spid="_x0000_s12592" name="Visio" r:id="rId4" imgW="13496857" imgH="5267235" progId="Visio.Drawing.15">
                   <p:embed/>
                 </p:oleObj>
               </mc:Choice>
@@ -10512,7 +10431,7 @@
                     </p:blipFill>
                     <p:spPr>
                       <a:xfrm>
-                        <a:off x="164592" y="1920240"/>
+                        <a:off x="164592" y="1237213"/>
                         <a:ext cx="11880061" cy="4636008"/>
                       </a:xfrm>
                       <a:prstGeom prst="rect">
@@ -10526,30 +10445,6 @@
           </a:graphicData>
         </a:graphic>
       </p:graphicFrame>
-      <p:sp>
-        <p:nvSpPr>
-          <p:cNvPr id="4" name="Title 3"/>
-          <p:cNvSpPr>
-            <a:spLocks noGrp="1"/>
-          </p:cNvSpPr>
-          <p:nvPr>
-            <p:ph type="title"/>
-          </p:nvPr>
-        </p:nvSpPr>
-        <p:spPr/>
-        <p:txBody>
-          <a:bodyPr/>
-          <a:lstStyle/>
-          <a:p>
-            <a:pPr algn="ctr"/>
-            <a:r>
-              <a:rPr lang="uk-UA" dirty="0" smtClean="0"/>
-              <a:t>Схема роботи програми</a:t>
-            </a:r>
-            <a:endParaRPr lang="uk-UA" dirty="0"/>
-          </a:p>
-        </p:txBody>
-      </p:sp>
       <p:pic>
         <p:nvPicPr>
           <p:cNvPr id="6" name="Picture 5"/>
@@ -10572,7 +10467,7 @@
         </p:blipFill>
         <p:spPr>
           <a:xfrm>
-            <a:off x="-5676974" y="-182391"/>
+            <a:off x="-5676974" y="-865418"/>
             <a:ext cx="23622147" cy="8512636"/>
           </a:xfrm>
           <a:prstGeom prst="rect">
@@ -10704,246 +10599,404 @@
           <a:chExt cx="0" cy="0"/>
         </a:xfrm>
       </p:grpSpPr>
-      <p:grpSp>
-        <p:nvGrpSpPr>
-          <p:cNvPr id="12" name="Group 11"/>
-          <p:cNvGrpSpPr/>
+      <p:pic>
+        <p:nvPicPr>
+          <p:cNvPr id="4" name="Picture 3"/>
+          <p:cNvPicPr>
+            <a:picLocks noChangeAspect="1"/>
+          </p:cNvPicPr>
           <p:nvPr/>
-        </p:nvGrpSpPr>
-        <p:grpSpPr>
+        </p:nvPicPr>
+        <p:blipFill>
+          <a:blip r:embed="rId3" cstate="print">
+            <a:extLst>
+              <a:ext uri="{28A0092B-C50C-407E-A947-70E740481C1C}">
+                <a14:useLocalDpi xmlns:a14="http://schemas.microsoft.com/office/drawing/2010/main" val="0"/>
+              </a:ext>
+            </a:extLst>
+          </a:blip>
+          <a:stretch>
+            <a:fillRect/>
+          </a:stretch>
+        </p:blipFill>
+        <p:spPr>
           <a:xfrm>
-            <a:off x="494383" y="3655846"/>
-            <a:ext cx="11203234" cy="3014683"/>
-            <a:chOff x="722066" y="3541546"/>
-            <a:chExt cx="11203234" cy="3014683"/>
+            <a:off x="8455644" y="4165767"/>
+            <a:ext cx="2629473" cy="2336379"/>
           </a:xfrm>
-        </p:grpSpPr>
-        <p:pic>
-          <p:nvPicPr>
-            <p:cNvPr id="4" name="Picture 3"/>
-            <p:cNvPicPr>
-              <a:picLocks noChangeAspect="1"/>
-            </p:cNvPicPr>
-            <p:nvPr/>
-          </p:nvPicPr>
-          <p:blipFill>
-            <a:blip r:embed="rId3" cstate="print">
-              <a:extLst>
-                <a:ext uri="{28A0092B-C50C-407E-A947-70E740481C1C}">
-                  <a14:useLocalDpi xmlns:a14="http://schemas.microsoft.com/office/drawing/2010/main" val="0"/>
-                </a:ext>
-              </a:extLst>
-            </a:blip>
-            <a:stretch>
-              <a:fillRect/>
-            </a:stretch>
-          </p:blipFill>
-          <p:spPr>
-            <a:xfrm>
-              <a:off x="6519173" y="3853642"/>
-              <a:ext cx="2629473" cy="2336379"/>
-            </a:xfrm>
-            <a:prstGeom prst="rect">
-              <a:avLst/>
-            </a:prstGeom>
-          </p:spPr>
-        </p:pic>
-        <p:pic>
-          <p:nvPicPr>
-            <p:cNvPr id="5" name="Picture 4"/>
-            <p:cNvPicPr>
-              <a:picLocks noChangeAspect="1"/>
-            </p:cNvPicPr>
-            <p:nvPr/>
-          </p:nvPicPr>
-          <p:blipFill>
-            <a:blip r:embed="rId4" cstate="print">
-              <a:extLst>
-                <a:ext uri="{28A0092B-C50C-407E-A947-70E740481C1C}">
-                  <a14:useLocalDpi xmlns:a14="http://schemas.microsoft.com/office/drawing/2010/main" val="0"/>
-                </a:ext>
-              </a:extLst>
-            </a:blip>
-            <a:stretch>
-              <a:fillRect/>
-            </a:stretch>
-          </p:blipFill>
-          <p:spPr>
-            <a:xfrm>
-              <a:off x="9417727" y="3541546"/>
-              <a:ext cx="2507573" cy="3014683"/>
-            </a:xfrm>
-            <a:prstGeom prst="rect">
-              <a:avLst/>
-            </a:prstGeom>
-          </p:spPr>
-        </p:pic>
-        <p:pic>
-          <p:nvPicPr>
-            <p:cNvPr id="6" name="Picture 5"/>
-            <p:cNvPicPr>
-              <a:picLocks noChangeAspect="1"/>
-            </p:cNvPicPr>
-            <p:nvPr/>
-          </p:nvPicPr>
-          <p:blipFill>
-            <a:blip r:embed="rId5" cstate="print">
-              <a:extLst>
-                <a:ext uri="{28A0092B-C50C-407E-A947-70E740481C1C}">
-                  <a14:useLocalDpi xmlns:a14="http://schemas.microsoft.com/office/drawing/2010/main" val="0"/>
-                </a:ext>
-              </a:extLst>
-            </a:blip>
-            <a:stretch>
-              <a:fillRect/>
-            </a:stretch>
-          </p:blipFill>
-          <p:spPr>
-            <a:xfrm>
-              <a:off x="722066" y="3734197"/>
-              <a:ext cx="3186352" cy="2595977"/>
-            </a:xfrm>
-            <a:prstGeom prst="rect">
-              <a:avLst/>
-            </a:prstGeom>
-          </p:spPr>
-        </p:pic>
-        <p:pic>
-          <p:nvPicPr>
-            <p:cNvPr id="7" name="Picture 6"/>
-            <p:cNvPicPr>
-              <a:picLocks noChangeAspect="1"/>
-            </p:cNvPicPr>
-            <p:nvPr/>
-          </p:nvPicPr>
-          <p:blipFill>
-            <a:blip r:embed="rId6" cstate="print">
-              <a:extLst>
-                <a:ext uri="{28A0092B-C50C-407E-A947-70E740481C1C}">
-                  <a14:useLocalDpi xmlns:a14="http://schemas.microsoft.com/office/drawing/2010/main" val="0"/>
-                </a:ext>
-              </a:extLst>
-            </a:blip>
-            <a:stretch>
-              <a:fillRect/>
-            </a:stretch>
-          </p:blipFill>
-          <p:spPr>
-            <a:xfrm>
-              <a:off x="4133071" y="3853642"/>
-              <a:ext cx="2072594" cy="2336379"/>
-            </a:xfrm>
-            <a:prstGeom prst="rect">
-              <a:avLst/>
-            </a:prstGeom>
-          </p:spPr>
-        </p:pic>
-      </p:grpSp>
-      <p:grpSp>
-        <p:nvGrpSpPr>
-          <p:cNvPr id="11" name="Group 10"/>
-          <p:cNvGrpSpPr/>
+          <a:prstGeom prst="rect">
+            <a:avLst/>
+          </a:prstGeom>
+        </p:spPr>
+      </p:pic>
+      <p:pic>
+        <p:nvPicPr>
+          <p:cNvPr id="6" name="Picture 5"/>
+          <p:cNvPicPr>
+            <a:picLocks noChangeAspect="1"/>
+          </p:cNvPicPr>
           <p:nvPr/>
-        </p:nvGrpSpPr>
-        <p:grpSpPr>
+        </p:nvPicPr>
+        <p:blipFill>
+          <a:blip r:embed="rId4" cstate="print">
+            <a:extLst>
+              <a:ext uri="{28A0092B-C50C-407E-A947-70E740481C1C}">
+                <a14:useLocalDpi xmlns:a14="http://schemas.microsoft.com/office/drawing/2010/main" val="0"/>
+              </a:ext>
+            </a:extLst>
+          </a:blip>
+          <a:stretch>
+            <a:fillRect/>
+          </a:stretch>
+        </p:blipFill>
+        <p:spPr>
           <a:xfrm>
-            <a:off x="885062" y="229939"/>
-            <a:ext cx="10421876" cy="3033961"/>
-            <a:chOff x="1224023" y="507585"/>
-            <a:chExt cx="10421876" cy="3033961"/>
+            <a:off x="494383" y="4035968"/>
+            <a:ext cx="3186352" cy="2595977"/>
           </a:xfrm>
-        </p:grpSpPr>
-        <p:pic>
-          <p:nvPicPr>
-            <p:cNvPr id="8" name="Picture 7"/>
-            <p:cNvPicPr>
-              <a:picLocks noChangeAspect="1"/>
-            </p:cNvPicPr>
-            <p:nvPr/>
-          </p:nvPicPr>
-          <p:blipFill>
-            <a:blip r:embed="rId7" cstate="print">
-              <a:extLst>
-                <a:ext uri="{28A0092B-C50C-407E-A947-70E740481C1C}">
-                  <a14:useLocalDpi xmlns:a14="http://schemas.microsoft.com/office/drawing/2010/main" val="0"/>
-                </a:ext>
-              </a:extLst>
-            </a:blip>
-            <a:stretch>
-              <a:fillRect/>
-            </a:stretch>
-          </p:blipFill>
-          <p:spPr>
-            <a:xfrm>
-              <a:off x="8572790" y="507585"/>
-              <a:ext cx="3073109" cy="3033961"/>
-            </a:xfrm>
-            <a:prstGeom prst="rect">
-              <a:avLst/>
-            </a:prstGeom>
-          </p:spPr>
-        </p:pic>
-        <p:pic>
-          <p:nvPicPr>
-            <p:cNvPr id="9" name="Picture 8"/>
-            <p:cNvPicPr>
-              <a:picLocks noChangeAspect="1"/>
-            </p:cNvPicPr>
-            <p:nvPr/>
-          </p:nvPicPr>
-          <p:blipFill>
-            <a:blip r:embed="rId8" cstate="print">
-              <a:extLst>
-                <a:ext uri="{28A0092B-C50C-407E-A947-70E740481C1C}">
-                  <a14:useLocalDpi xmlns:a14="http://schemas.microsoft.com/office/drawing/2010/main" val="0"/>
-                </a:ext>
-              </a:extLst>
-            </a:blip>
-            <a:stretch>
-              <a:fillRect/>
-            </a:stretch>
-          </p:blipFill>
-          <p:spPr>
-            <a:xfrm>
-              <a:off x="5241325" y="627030"/>
-              <a:ext cx="1771442" cy="2730565"/>
-            </a:xfrm>
-            <a:prstGeom prst="rect">
-              <a:avLst/>
-            </a:prstGeom>
-          </p:spPr>
-        </p:pic>
-        <p:pic>
-          <p:nvPicPr>
-            <p:cNvPr id="10" name="Picture 9"/>
-            <p:cNvPicPr>
-              <a:picLocks noChangeAspect="1"/>
-            </p:cNvPicPr>
-            <p:nvPr/>
-          </p:nvPicPr>
-          <p:blipFill>
-            <a:blip r:embed="rId9" cstate="print">
-              <a:extLst>
-                <a:ext uri="{28A0092B-C50C-407E-A947-70E740481C1C}">
-                  <a14:useLocalDpi xmlns:a14="http://schemas.microsoft.com/office/drawing/2010/main" val="0"/>
-                </a:ext>
-              </a:extLst>
-            </a:blip>
-            <a:stretch>
-              <a:fillRect/>
-            </a:stretch>
-          </p:blipFill>
-          <p:spPr>
-            <a:xfrm>
-              <a:off x="1224023" y="627030"/>
-              <a:ext cx="2642483" cy="2730565"/>
-            </a:xfrm>
-            <a:prstGeom prst="rect">
-              <a:avLst/>
-            </a:prstGeom>
-          </p:spPr>
-        </p:pic>
-      </p:grpSp>
+          <a:prstGeom prst="rect">
+            <a:avLst/>
+          </a:prstGeom>
+        </p:spPr>
+      </p:pic>
+      <p:pic>
+        <p:nvPicPr>
+          <p:cNvPr id="7" name="Picture 6"/>
+          <p:cNvPicPr>
+            <a:picLocks noChangeAspect="1"/>
+          </p:cNvPicPr>
+          <p:nvPr/>
+        </p:nvPicPr>
+        <p:blipFill>
+          <a:blip r:embed="rId5" cstate="print">
+            <a:extLst>
+              <a:ext uri="{28A0092B-C50C-407E-A947-70E740481C1C}">
+                <a14:useLocalDpi xmlns:a14="http://schemas.microsoft.com/office/drawing/2010/main" val="0"/>
+              </a:ext>
+            </a:extLst>
+          </a:blip>
+          <a:stretch>
+            <a:fillRect/>
+          </a:stretch>
+        </p:blipFill>
+        <p:spPr>
+          <a:xfrm>
+            <a:off x="5031893" y="4165767"/>
+            <a:ext cx="2072594" cy="2336379"/>
+          </a:xfrm>
+          <a:prstGeom prst="rect">
+            <a:avLst/>
+          </a:prstGeom>
+        </p:spPr>
+      </p:pic>
+      <p:pic>
+        <p:nvPicPr>
+          <p:cNvPr id="8" name="Picture 7"/>
+          <p:cNvPicPr>
+            <a:picLocks noChangeAspect="1"/>
+          </p:cNvPicPr>
+          <p:nvPr/>
+        </p:nvPicPr>
+        <p:blipFill>
+          <a:blip r:embed="rId6" cstate="print">
+            <a:extLst>
+              <a:ext uri="{28A0092B-C50C-407E-A947-70E740481C1C}">
+                <a14:useLocalDpi xmlns:a14="http://schemas.microsoft.com/office/drawing/2010/main" val="0"/>
+              </a:ext>
+            </a:extLst>
+          </a:blip>
+          <a:stretch>
+            <a:fillRect/>
+          </a:stretch>
+        </p:blipFill>
+        <p:spPr>
+          <a:xfrm>
+            <a:off x="8422824" y="186587"/>
+            <a:ext cx="2695120" cy="2660788"/>
+          </a:xfrm>
+          <a:prstGeom prst="rect">
+            <a:avLst/>
+          </a:prstGeom>
+        </p:spPr>
+      </p:pic>
+      <p:pic>
+        <p:nvPicPr>
+          <p:cNvPr id="9" name="Picture 8"/>
+          <p:cNvPicPr>
+            <a:picLocks noChangeAspect="1"/>
+          </p:cNvPicPr>
+          <p:nvPr/>
+        </p:nvPicPr>
+        <p:blipFill>
+          <a:blip r:embed="rId7" cstate="print">
+            <a:extLst>
+              <a:ext uri="{28A0092B-C50C-407E-A947-70E740481C1C}">
+                <a14:useLocalDpi xmlns:a14="http://schemas.microsoft.com/office/drawing/2010/main" val="0"/>
+              </a:ext>
+            </a:extLst>
+          </a:blip>
+          <a:stretch>
+            <a:fillRect/>
+          </a:stretch>
+        </p:blipFill>
+        <p:spPr>
+          <a:xfrm>
+            <a:off x="5117151" y="319627"/>
+            <a:ext cx="1553556" cy="2394708"/>
+          </a:xfrm>
+          <a:prstGeom prst="rect">
+            <a:avLst/>
+          </a:prstGeom>
+        </p:spPr>
+      </p:pic>
+      <p:pic>
+        <p:nvPicPr>
+          <p:cNvPr id="10" name="Picture 9"/>
+          <p:cNvPicPr>
+            <a:picLocks noChangeAspect="1"/>
+          </p:cNvPicPr>
+          <p:nvPr/>
+        </p:nvPicPr>
+        <p:blipFill>
+          <a:blip r:embed="rId8" cstate="print">
+            <a:extLst>
+              <a:ext uri="{28A0092B-C50C-407E-A947-70E740481C1C}">
+                <a14:useLocalDpi xmlns:a14="http://schemas.microsoft.com/office/drawing/2010/main" val="0"/>
+              </a:ext>
+            </a:extLst>
+          </a:blip>
+          <a:stretch>
+            <a:fillRect/>
+          </a:stretch>
+        </p:blipFill>
+        <p:spPr>
+          <a:xfrm>
+            <a:off x="1047574" y="319627"/>
+            <a:ext cx="2317460" cy="2394708"/>
+          </a:xfrm>
+          <a:prstGeom prst="rect">
+            <a:avLst/>
+          </a:prstGeom>
+        </p:spPr>
+      </p:pic>
+      <p:sp>
+        <p:nvSpPr>
+          <p:cNvPr id="13" name="TextBox 12"/>
+          <p:cNvSpPr txBox="1"/>
+          <p:nvPr/>
+        </p:nvSpPr>
+        <p:spPr>
+          <a:xfrm>
+            <a:off x="5124899" y="2847375"/>
+            <a:ext cx="1726884" cy="461665"/>
+          </a:xfrm>
+          <a:prstGeom prst="rect">
+            <a:avLst/>
+          </a:prstGeom>
+          <a:noFill/>
+        </p:spPr>
+        <p:txBody>
+          <a:bodyPr wrap="none" rtlCol="0" anchor="ctr">
+            <a:spAutoFit/>
+          </a:bodyPr>
+          <a:lstStyle/>
+          <a:p>
+            <a:pPr algn="ctr"/>
+            <a:r>
+              <a:rPr lang="en-US" sz="2400" dirty="0"/>
+              <a:t>Pololu </a:t>
+            </a:r>
+            <a:r>
+              <a:rPr lang="en-US" sz="2400" dirty="0" smtClean="0"/>
+              <a:t>Wixel</a:t>
+            </a:r>
+            <a:endParaRPr lang="ru-RU" sz="2400" dirty="0"/>
+          </a:p>
+        </p:txBody>
+      </p:sp>
+      <p:sp>
+        <p:nvSpPr>
+          <p:cNvPr id="14" name="TextBox 13"/>
+          <p:cNvSpPr txBox="1"/>
+          <p:nvPr/>
+        </p:nvSpPr>
+        <p:spPr>
+          <a:xfrm>
+            <a:off x="586563" y="2847375"/>
+            <a:ext cx="3239477" cy="461665"/>
+          </a:xfrm>
+          <a:prstGeom prst="rect">
+            <a:avLst/>
+          </a:prstGeom>
+          <a:noFill/>
+        </p:spPr>
+        <p:txBody>
+          <a:bodyPr wrap="none" rtlCol="0" anchor="ctr">
+            <a:spAutoFit/>
+          </a:bodyPr>
+          <a:lstStyle/>
+          <a:p>
+            <a:pPr algn="ctr"/>
+            <a:r>
+              <a:rPr lang="en-US" sz="2400" dirty="0" smtClean="0"/>
+              <a:t>MetaGeek </a:t>
+            </a:r>
+            <a:r>
+              <a:rPr lang="en-US" sz="2400" dirty="0"/>
+              <a:t>Wi-Spy Gen 1</a:t>
+            </a:r>
+            <a:endParaRPr lang="ru-RU" sz="2400" dirty="0"/>
+          </a:p>
+        </p:txBody>
+      </p:sp>
+      <p:sp>
+        <p:nvSpPr>
+          <p:cNvPr id="15" name="TextBox 14"/>
+          <p:cNvSpPr txBox="1"/>
+          <p:nvPr/>
+        </p:nvSpPr>
+        <p:spPr>
+          <a:xfrm>
+            <a:off x="7638452" y="2847375"/>
+            <a:ext cx="4263860" cy="461665"/>
+          </a:xfrm>
+          <a:prstGeom prst="rect">
+            <a:avLst/>
+          </a:prstGeom>
+          <a:noFill/>
+        </p:spPr>
+        <p:txBody>
+          <a:bodyPr wrap="none" rtlCol="0" anchor="ctr">
+            <a:spAutoFit/>
+          </a:bodyPr>
+          <a:lstStyle/>
+          <a:p>
+            <a:pPr algn="ctr"/>
+            <a:r>
+              <a:rPr lang="nl-NL" sz="2400" dirty="0" smtClean="0"/>
+              <a:t>Unigen </a:t>
+            </a:r>
+            <a:r>
+              <a:rPr lang="nl-NL" sz="2400" dirty="0"/>
+              <a:t>ISM Sniffer (Wi-detector)</a:t>
+            </a:r>
+            <a:endParaRPr lang="ru-RU" sz="2400" dirty="0"/>
+          </a:p>
+        </p:txBody>
+      </p:sp>
+      <p:sp>
+        <p:nvSpPr>
+          <p:cNvPr id="23" name="TextBox 22"/>
+          <p:cNvSpPr txBox="1"/>
+          <p:nvPr/>
+        </p:nvSpPr>
+        <p:spPr>
+          <a:xfrm>
+            <a:off x="4798689" y="3566571"/>
+            <a:ext cx="2379306" cy="461665"/>
+          </a:xfrm>
+          <a:prstGeom prst="rect">
+            <a:avLst/>
+          </a:prstGeom>
+          <a:noFill/>
+        </p:spPr>
+        <p:txBody>
+          <a:bodyPr wrap="none" rtlCol="0" anchor="ctr">
+            <a:spAutoFit/>
+          </a:bodyPr>
+          <a:lstStyle/>
+          <a:p>
+            <a:pPr algn="ctr"/>
+            <a:r>
+              <a:rPr lang="en-US" sz="2400" dirty="0" smtClean="0"/>
+              <a:t>Ubiquiti </a:t>
+            </a:r>
+            <a:r>
+              <a:rPr lang="en-US" sz="2400" dirty="0" err="1"/>
+              <a:t>AirView2</a:t>
+            </a:r>
+            <a:endParaRPr lang="ru-RU" sz="2400" dirty="0"/>
+          </a:p>
+        </p:txBody>
+      </p:sp>
+      <p:sp>
+        <p:nvSpPr>
+          <p:cNvPr id="24" name="TextBox 23"/>
+          <p:cNvSpPr txBox="1"/>
+          <p:nvPr/>
+        </p:nvSpPr>
+        <p:spPr>
+          <a:xfrm>
+            <a:off x="2270" y="3566571"/>
+            <a:ext cx="4408066" cy="461665"/>
+          </a:xfrm>
+          <a:prstGeom prst="rect">
+            <a:avLst/>
+          </a:prstGeom>
+          <a:noFill/>
+        </p:spPr>
+        <p:txBody>
+          <a:bodyPr wrap="none" rtlCol="0" anchor="ctr">
+            <a:spAutoFit/>
+          </a:bodyPr>
+          <a:lstStyle/>
+          <a:p>
+            <a:pPr algn="ctr"/>
+            <a:r>
+              <a:rPr lang="en-US" sz="2400" dirty="0" smtClean="0"/>
+              <a:t>Texas </a:t>
+            </a:r>
+            <a:r>
+              <a:rPr lang="en-US" sz="2400" dirty="0"/>
+              <a:t>Instruments </a:t>
+            </a:r>
+            <a:r>
+              <a:rPr lang="en-US" sz="2400" dirty="0" err="1"/>
+              <a:t>ez430-RF2500</a:t>
+            </a:r>
+            <a:endParaRPr lang="ru-RU" sz="2400" dirty="0"/>
+          </a:p>
+        </p:txBody>
+      </p:sp>
+      <p:sp>
+        <p:nvSpPr>
+          <p:cNvPr id="25" name="TextBox 24"/>
+          <p:cNvSpPr txBox="1"/>
+          <p:nvPr/>
+        </p:nvSpPr>
+        <p:spPr>
+          <a:xfrm>
+            <a:off x="8257242" y="3566571"/>
+            <a:ext cx="3026278" cy="461665"/>
+          </a:xfrm>
+          <a:prstGeom prst="rect">
+            <a:avLst/>
+          </a:prstGeom>
+          <a:noFill/>
+        </p:spPr>
+        <p:txBody>
+          <a:bodyPr wrap="none" rtlCol="0" anchor="ctr">
+            <a:spAutoFit/>
+          </a:bodyPr>
+          <a:lstStyle/>
+          <a:p>
+            <a:pPr algn="ctr"/>
+            <a:r>
+              <a:rPr lang="en-US" sz="2400" dirty="0" smtClean="0"/>
+              <a:t>MetaGeek </a:t>
+            </a:r>
+            <a:r>
+              <a:rPr lang="en-US" sz="2400" dirty="0"/>
+              <a:t>Wi-Spy </a:t>
+            </a:r>
+            <a:r>
+              <a:rPr lang="en-US" sz="2400" dirty="0" err="1"/>
+              <a:t>2.4x</a:t>
+            </a:r>
+            <a:endParaRPr lang="ru-RU" sz="2400" dirty="0"/>
+          </a:p>
+        </p:txBody>
+      </p:sp>
     </p:spTree>
     <p:extLst>
       <p:ext uri="{BB962C8B-B14F-4D97-AF65-F5344CB8AC3E}">
@@ -11002,20 +11055,20 @@
           <p:nvPr>
             <p:extLst>
               <p:ext uri="{D42A27DB-BD31-4B8C-83A1-F6EECF244321}">
-                <p14:modId xmlns:p14="http://schemas.microsoft.com/office/powerpoint/2010/main" val="3419790132"/>
+                <p14:modId xmlns:p14="http://schemas.microsoft.com/office/powerpoint/2010/main" val="223184126"/>
               </p:ext>
             </p:extLst>
           </p:nvPr>
         </p:nvGraphicFramePr>
         <p:xfrm>
-          <a:off x="164592" y="1920240"/>
+          <a:off x="164592" y="1222924"/>
           <a:ext cx="11880061" cy="4636008"/>
         </p:xfrm>
         <a:graphic>
           <a:graphicData uri="http://schemas.openxmlformats.org/presentationml/2006/ole">
             <mc:AlternateContent xmlns:mc="http://schemas.openxmlformats.org/markup-compatibility/2006">
               <mc:Choice xmlns:v="urn:schemas-microsoft-com:vml" Requires="v">
-                <p:oleObj spid="_x0000_s13407" name="Visio" r:id="rId4" imgW="13496857" imgH="5267235" progId="Visio.Drawing.15">
+                <p:oleObj spid="_x0000_s13445" name="Visio" r:id="rId4" imgW="13496857" imgH="5267235" progId="Visio.Drawing.15">
                   <p:embed/>
                 </p:oleObj>
               </mc:Choice>
@@ -11036,7 +11089,7 @@
                     </p:blipFill>
                     <p:spPr>
                       <a:xfrm>
-                        <a:off x="164592" y="1920240"/>
+                        <a:off x="164592" y="1222924"/>
                         <a:ext cx="11880061" cy="4636008"/>
                       </a:xfrm>
                       <a:prstGeom prst="rect">
@@ -11050,30 +11103,6 @@
           </a:graphicData>
         </a:graphic>
       </p:graphicFrame>
-      <p:sp>
-        <p:nvSpPr>
-          <p:cNvPr id="4" name="Title 3"/>
-          <p:cNvSpPr>
-            <a:spLocks noGrp="1"/>
-          </p:cNvSpPr>
-          <p:nvPr>
-            <p:ph type="title"/>
-          </p:nvPr>
-        </p:nvSpPr>
-        <p:spPr/>
-        <p:txBody>
-          <a:bodyPr/>
-          <a:lstStyle/>
-          <a:p>
-            <a:pPr algn="ctr"/>
-            <a:r>
-              <a:rPr lang="uk-UA" dirty="0" smtClean="0"/>
-              <a:t>Схема роботи програми</a:t>
-            </a:r>
-            <a:endParaRPr lang="uk-UA" dirty="0"/>
-          </a:p>
-        </p:txBody>
-      </p:sp>
       <p:pic>
         <p:nvPicPr>
           <p:cNvPr id="6" name="Picture 5"/>
@@ -11096,7 +11125,7 @@
         </p:blipFill>
         <p:spPr>
           <a:xfrm>
-            <a:off x="-5781752" y="-168103"/>
+            <a:off x="-5760720" y="-865419"/>
             <a:ext cx="23622154" cy="8512638"/>
           </a:xfrm>
           <a:prstGeom prst="rect">
@@ -11242,20 +11271,20 @@
           <p:nvPr>
             <p:extLst>
               <p:ext uri="{D42A27DB-BD31-4B8C-83A1-F6EECF244321}">
-                <p14:modId xmlns:p14="http://schemas.microsoft.com/office/powerpoint/2010/main" val="2305755280"/>
+                <p14:modId xmlns:p14="http://schemas.microsoft.com/office/powerpoint/2010/main" val="808308739"/>
               </p:ext>
             </p:extLst>
           </p:nvPr>
         </p:nvGraphicFramePr>
         <p:xfrm>
-          <a:off x="164592" y="1920240"/>
+          <a:off x="164592" y="1222924"/>
           <a:ext cx="11880061" cy="4636008"/>
         </p:xfrm>
         <a:graphic>
           <a:graphicData uri="http://schemas.openxmlformats.org/presentationml/2006/ole">
             <mc:AlternateContent xmlns:mc="http://schemas.openxmlformats.org/markup-compatibility/2006">
               <mc:Choice xmlns:v="urn:schemas-microsoft-com:vml" Requires="v">
-                <p:oleObj spid="_x0000_s8468" name="Visio" r:id="rId4" imgW="13496857" imgH="5267235" progId="Visio.Drawing.15">
+                <p:oleObj spid="_x0000_s8506" name="Visio" r:id="rId4" imgW="13496857" imgH="5267235" progId="Visio.Drawing.15">
                   <p:embed/>
                 </p:oleObj>
               </mc:Choice>
@@ -11276,7 +11305,7 @@
                     </p:blipFill>
                     <p:spPr>
                       <a:xfrm>
-                        <a:off x="164592" y="1920240"/>
+                        <a:off x="164592" y="1222924"/>
                         <a:ext cx="11880061" cy="4636008"/>
                       </a:xfrm>
                       <a:prstGeom prst="rect">
@@ -11290,30 +11319,6 @@
           </a:graphicData>
         </a:graphic>
       </p:graphicFrame>
-      <p:sp>
-        <p:nvSpPr>
-          <p:cNvPr id="4" name="Title 3"/>
-          <p:cNvSpPr>
-            <a:spLocks noGrp="1"/>
-          </p:cNvSpPr>
-          <p:nvPr>
-            <p:ph type="title"/>
-          </p:nvPr>
-        </p:nvSpPr>
-        <p:spPr/>
-        <p:txBody>
-          <a:bodyPr/>
-          <a:lstStyle/>
-          <a:p>
-            <a:pPr algn="ctr"/>
-            <a:r>
-              <a:rPr lang="uk-UA" dirty="0" smtClean="0"/>
-              <a:t>Схема роботи програми</a:t>
-            </a:r>
-            <a:endParaRPr lang="uk-UA" dirty="0"/>
-          </a:p>
-        </p:txBody>
-      </p:sp>
       <p:pic>
         <p:nvPicPr>
           <p:cNvPr id="6" name="Picture 5"/>
@@ -11336,7 +11341,7 @@
         </p:blipFill>
         <p:spPr>
           <a:xfrm>
-            <a:off x="-5761431" y="-168103"/>
+            <a:off x="-5761431" y="-865419"/>
             <a:ext cx="23622152" cy="8512637"/>
           </a:xfrm>
           <a:prstGeom prst="rect">
@@ -11397,20 +11402,20 @@
           <p:nvPr>
             <p:extLst>
               <p:ext uri="{D42A27DB-BD31-4B8C-83A1-F6EECF244321}">
-                <p14:modId xmlns:p14="http://schemas.microsoft.com/office/powerpoint/2010/main" val="2305755280"/>
+                <p14:modId xmlns:p14="http://schemas.microsoft.com/office/powerpoint/2010/main" val="4114190989"/>
               </p:ext>
             </p:extLst>
           </p:nvPr>
         </p:nvGraphicFramePr>
         <p:xfrm>
-          <a:off x="164592" y="1920240"/>
+          <a:off x="164592" y="1222924"/>
           <a:ext cx="11880061" cy="4636008"/>
         </p:xfrm>
         <a:graphic>
           <a:graphicData uri="http://schemas.openxmlformats.org/presentationml/2006/ole">
             <mc:AlternateContent xmlns:mc="http://schemas.openxmlformats.org/markup-compatibility/2006">
               <mc:Choice xmlns:v="urn:schemas-microsoft-com:vml" Requires="v">
-                <p:oleObj spid="_x0000_s14430" name="Visio" r:id="rId4" imgW="13496857" imgH="5267235" progId="Visio.Drawing.15">
+                <p:oleObj spid="_x0000_s14468" name="Visio" r:id="rId4" imgW="13496857" imgH="5267235" progId="Visio.Drawing.15">
                   <p:embed/>
                 </p:oleObj>
               </mc:Choice>
@@ -11431,7 +11436,7 @@
                     </p:blipFill>
                     <p:spPr>
                       <a:xfrm>
-                        <a:off x="164592" y="1920240"/>
+                        <a:off x="164592" y="1222924"/>
                         <a:ext cx="11880061" cy="4636008"/>
                       </a:xfrm>
                       <a:prstGeom prst="rect">
@@ -11445,30 +11450,6 @@
           </a:graphicData>
         </a:graphic>
       </p:graphicFrame>
-      <p:sp>
-        <p:nvSpPr>
-          <p:cNvPr id="4" name="Title 3"/>
-          <p:cNvSpPr>
-            <a:spLocks noGrp="1"/>
-          </p:cNvSpPr>
-          <p:nvPr>
-            <p:ph type="title"/>
-          </p:nvPr>
-        </p:nvSpPr>
-        <p:spPr/>
-        <p:txBody>
-          <a:bodyPr/>
-          <a:lstStyle/>
-          <a:p>
-            <a:pPr algn="ctr"/>
-            <a:r>
-              <a:rPr lang="uk-UA" dirty="0" smtClean="0"/>
-              <a:t>Схема роботи програми</a:t>
-            </a:r>
-            <a:endParaRPr lang="uk-UA" dirty="0"/>
-          </a:p>
-        </p:txBody>
-      </p:sp>
       <p:pic>
         <p:nvPicPr>
           <p:cNvPr id="6" name="Picture 5"/>
@@ -11491,7 +11472,7 @@
         </p:blipFill>
         <p:spPr>
           <a:xfrm>
-            <a:off x="-5727775" y="-168103"/>
+            <a:off x="-5727775" y="-865419"/>
             <a:ext cx="23622150" cy="8512637"/>
           </a:xfrm>
           <a:prstGeom prst="rect">
@@ -13046,20 +13027,20 @@
           <p:nvPr>
             <p:extLst>
               <p:ext uri="{D42A27DB-BD31-4B8C-83A1-F6EECF244321}">
-                <p14:modId xmlns:p14="http://schemas.microsoft.com/office/powerpoint/2010/main" val="2714844389"/>
+                <p14:modId xmlns:p14="http://schemas.microsoft.com/office/powerpoint/2010/main" val="2759436523"/>
               </p:ext>
             </p:extLst>
           </p:nvPr>
         </p:nvGraphicFramePr>
         <p:xfrm>
-          <a:off x="164592" y="1920240"/>
+          <a:off x="164592" y="1226099"/>
           <a:ext cx="11880061" cy="4636008"/>
         </p:xfrm>
         <a:graphic>
           <a:graphicData uri="http://schemas.openxmlformats.org/presentationml/2006/ole">
             <mc:AlternateContent xmlns:mc="http://schemas.openxmlformats.org/markup-compatibility/2006">
               <mc:Choice xmlns:v="urn:schemas-microsoft-com:vml" Requires="v">
-                <p:oleObj spid="_x0000_s6456" name="Visio" r:id="rId4" imgW="13496857" imgH="5267235" progId="Visio.Drawing.15">
+                <p:oleObj spid="_x0000_s6494" name="Visio" r:id="rId4" imgW="13496857" imgH="5267235" progId="Visio.Drawing.15">
                   <p:embed/>
                 </p:oleObj>
               </mc:Choice>
@@ -13080,7 +13061,7 @@
                     </p:blipFill>
                     <p:spPr>
                       <a:xfrm>
-                        <a:off x="164592" y="1920240"/>
+                        <a:off x="164592" y="1226099"/>
                         <a:ext cx="11880061" cy="4636008"/>
                       </a:xfrm>
                       <a:prstGeom prst="rect">
@@ -13094,30 +13075,6 @@
           </a:graphicData>
         </a:graphic>
       </p:graphicFrame>
-      <p:sp>
-        <p:nvSpPr>
-          <p:cNvPr id="4" name="Title 3"/>
-          <p:cNvSpPr>
-            <a:spLocks noGrp="1"/>
-          </p:cNvSpPr>
-          <p:nvPr>
-            <p:ph type="title"/>
-          </p:nvPr>
-        </p:nvSpPr>
-        <p:spPr/>
-        <p:txBody>
-          <a:bodyPr/>
-          <a:lstStyle/>
-          <a:p>
-            <a:pPr algn="ctr"/>
-            <a:r>
-              <a:rPr lang="uk-UA" dirty="0" smtClean="0"/>
-              <a:t>Схема роботи програми</a:t>
-            </a:r>
-            <a:endParaRPr lang="uk-UA" dirty="0"/>
-          </a:p>
-        </p:txBody>
-      </p:sp>
       <p:pic>
         <p:nvPicPr>
           <p:cNvPr id="6" name="Picture 5"/>
@@ -13140,7 +13097,7 @@
         </p:blipFill>
         <p:spPr>
           <a:xfrm>
-            <a:off x="-5699311" y="-171279"/>
+            <a:off x="-5699311" y="-865420"/>
             <a:ext cx="23622154" cy="8512640"/>
           </a:xfrm>
           <a:prstGeom prst="rect">
@@ -13654,7 +13611,7 @@
           <a:graphicData uri="http://schemas.openxmlformats.org/presentationml/2006/ole">
             <mc:AlternateContent xmlns:mc="http://schemas.openxmlformats.org/markup-compatibility/2006">
               <mc:Choice xmlns:v="urn:schemas-microsoft-com:vml" Requires="v">
-                <p:oleObj spid="_x0000_s17419" name="Visio" r:id="rId4" imgW="12039600" imgH="10124985" progId="Visio.Drawing.15">
+                <p:oleObj spid="_x0000_s17571" name="Visio" r:id="rId4" imgW="12039600" imgH="10124985" progId="Visio.Drawing.15">
                   <p:embed/>
                 </p:oleObj>
               </mc:Choice>
@@ -14298,7 +14255,7 @@
           <a:graphicData uri="http://schemas.openxmlformats.org/presentationml/2006/ole">
             <mc:AlternateContent xmlns:mc="http://schemas.openxmlformats.org/markup-compatibility/2006">
               <mc:Choice xmlns:v="urn:schemas-microsoft-com:vml" Requires="v">
-                <p:oleObj spid="_x0000_s17420" name="Visio" r:id="rId10" imgW="12039600" imgH="10124985" progId="Visio.Drawing.15">
+                <p:oleObj spid="_x0000_s17572" name="Visio" r:id="rId10" imgW="12039600" imgH="10124985" progId="Visio.Drawing.15">
                   <p:embed/>
                 </p:oleObj>
               </mc:Choice>
@@ -14365,7 +14322,7 @@
           <a:graphicData uri="http://schemas.openxmlformats.org/presentationml/2006/ole">
             <mc:AlternateContent xmlns:mc="http://schemas.openxmlformats.org/markup-compatibility/2006">
               <mc:Choice xmlns:v="urn:schemas-microsoft-com:vml" Requires="v">
-                <p:oleObj spid="_x0000_s17421" name="Visio" r:id="rId12" imgW="12039600" imgH="10124985" progId="Visio.Drawing.15">
+                <p:oleObj spid="_x0000_s17573" name="Visio" r:id="rId12" imgW="12039600" imgH="10124985" progId="Visio.Drawing.15">
                   <p:embed/>
                 </p:oleObj>
               </mc:Choice>
@@ -14426,7 +14383,7 @@
           <a:graphicData uri="http://schemas.openxmlformats.org/presentationml/2006/ole">
             <mc:AlternateContent xmlns:mc="http://schemas.openxmlformats.org/markup-compatibility/2006">
               <mc:Choice xmlns:v="urn:schemas-microsoft-com:vml" Requires="v">
-                <p:oleObj spid="_x0000_s17422" name="Visio" r:id="rId14" imgW="12039600" imgH="10124985" progId="Visio.Drawing.15">
+                <p:oleObj spid="_x0000_s17574" name="Visio" r:id="rId14" imgW="12039600" imgH="10124985" progId="Visio.Drawing.15">
                   <p:embed/>
                 </p:oleObj>
               </mc:Choice>

--- a/Presentation.pptx
+++ b/Presentation.pptx
@@ -428,11 +428,11 @@
           <c:showPercent val="0"/>
           <c:showBubbleSize val="0"/>
         </c:dLbls>
-        <c:axId val="145143784"/>
-        <c:axId val="145143392"/>
+        <c:axId val="138239552"/>
+        <c:axId val="138239944"/>
       </c:scatterChart>
       <c:valAx>
-        <c:axId val="145143784"/>
+        <c:axId val="138239552"/>
         <c:scaling>
           <c:orientation val="minMax"/>
         </c:scaling>
@@ -533,12 +533,12 @@
             <a:endParaRPr lang="uk-UA"/>
           </a:p>
         </c:txPr>
-        <c:crossAx val="145143392"/>
+        <c:crossAx val="138239944"/>
         <c:crosses val="autoZero"/>
         <c:crossBetween val="midCat"/>
       </c:valAx>
       <c:valAx>
-        <c:axId val="145143392"/>
+        <c:axId val="138239944"/>
         <c:scaling>
           <c:orientation val="minMax"/>
         </c:scaling>
@@ -639,7 +639,7 @@
             <a:endParaRPr lang="uk-UA"/>
           </a:p>
         </c:txPr>
-        <c:crossAx val="145143784"/>
+        <c:crossAx val="138239552"/>
         <c:crosses val="autoZero"/>
         <c:crossBetween val="midCat"/>
       </c:valAx>
@@ -1316,7 +1316,7 @@
           <a:p>
             <a:fld id="{AF540B8D-410A-4478-BECA-94BC9C67F289}" type="datetimeFigureOut">
               <a:rPr lang="uk-UA" smtClean="0"/>
-              <a:t>26.04.2015</a:t>
+              <a:t>08.05.2015</a:t>
             </a:fld>
             <a:endParaRPr lang="uk-UA"/>
           </a:p>
@@ -1481,7 +1481,7 @@
           <a:p>
             <a:fld id="{69190D90-451E-4BE2-A181-68566B6D9411}" type="datetimeFigureOut">
               <a:rPr lang="uk-UA" smtClean="0"/>
-              <a:t>26.04.2015</a:t>
+              <a:t>08.05.2015</a:t>
             </a:fld>
             <a:endParaRPr lang="uk-UA" dirty="0"/>
           </a:p>
@@ -1830,7 +1830,23 @@
           <a:p>
             <a:r>
               <a:rPr lang="ru-RU" baseline="0" dirty="0" smtClean="0"/>
-              <a:t>Сегодня я расскажу про то, как разрабатывался комплекс сравнительного анализа целостности передачи данных в беспроводных каналах связи.</a:t>
+              <a:t>Сегодня я расскажу про то, как разрабатывался </a:t>
+            </a:r>
+            <a:r>
+              <a:rPr lang="ru-RU" baseline="0" dirty="0" smtClean="0"/>
+              <a:t>комплекс</a:t>
+            </a:r>
+            <a:r>
+              <a:rPr lang="en-US" baseline="0" dirty="0" smtClean="0"/>
+              <a:t> </a:t>
+            </a:r>
+            <a:r>
+              <a:rPr lang="ru-RU" baseline="0" dirty="0" smtClean="0"/>
+              <a:t>для </a:t>
+            </a:r>
+            <a:r>
+              <a:rPr lang="ru-RU" baseline="0" dirty="0" smtClean="0"/>
+              <a:t>сравнительного анализа целостности передачи данных в беспроводных каналах связи.</a:t>
             </a:r>
             <a:endParaRPr lang="uk-UA" baseline="0" dirty="0" smtClean="0"/>
           </a:p>
@@ -1852,27 +1868,15 @@
           <a:p>
             <a:r>
               <a:rPr lang="ru-RU" baseline="0" dirty="0" smtClean="0"/>
-              <a:t>	Быстрое </a:t>
+              <a:t>	Быстрое развитие беспроводных технологий привело к заполнению рабочих частот и увеличению взаимного влияния беспроводных сетей друг на </a:t>
             </a:r>
             <a:r>
               <a:rPr lang="ru-RU" baseline="0" dirty="0" smtClean="0"/>
-              <a:t>развитие беспроводных технологий привело к заполнению рабочих частот и </a:t>
+              <a:t>друга - коллизий. </a:t>
             </a:r>
             <a:r>
               <a:rPr lang="ru-RU" baseline="0" dirty="0" smtClean="0"/>
-              <a:t>увеличению </a:t>
-            </a:r>
-            <a:r>
-              <a:rPr lang="ru-RU" baseline="0" dirty="0" smtClean="0"/>
-              <a:t>взаимного влияния беспроводных сетей друг </a:t>
-            </a:r>
-            <a:r>
-              <a:rPr lang="ru-RU" baseline="0" dirty="0" smtClean="0"/>
-              <a:t>на друга. Такое негативное </a:t>
-            </a:r>
-            <a:r>
-              <a:rPr lang="ru-RU" baseline="0" dirty="0" smtClean="0"/>
-              <a:t>влияние приводит к ухудшению условий передачи данных, то есть ухудшение целостности обмена информацией в таких сетях. </a:t>
+              <a:t>Такое негативное влияние приводит к ухудшению условий передачи данных, то есть ухудшение целостности обмена информацией в таких сетях. </a:t>
             </a:r>
             <a:r>
               <a:rPr lang="ru-RU" b="1" baseline="0" dirty="0" smtClean="0"/>
@@ -1880,13 +1884,8 @@
             </a:r>
             <a:r>
               <a:rPr lang="ru-RU" baseline="0" dirty="0" smtClean="0"/>
-              <a:t>в диапазоне позволяет динамически перестраивать сеть, повышая целостность данных (как одного из элементов обеспечения безопасности</a:t>
-            </a:r>
-            <a:r>
-              <a:rPr lang="ru-RU" baseline="0" dirty="0" smtClean="0"/>
-              <a:t>).</a:t>
-            </a:r>
-            <a:endParaRPr lang="ru-RU" baseline="0" dirty="0" smtClean="0"/>
+              <a:t>в диапазоне позволяет динамически перестраивать сеть, повышая целостность данных (как одного из элементов обеспечения безопасности).</a:t>
+            </a:r>
           </a:p>
           <a:p>
             <a:r>
@@ -1922,10 +1921,14 @@
             </a:r>
             <a:r>
               <a:rPr lang="ru-RU" baseline="0" dirty="0" smtClean="0"/>
-              <a:t> про принципы работы </a:t>
-            </a:r>
-            <a:r>
-              <a:rPr lang="ru-RU" sz="1200" i="1" baseline="0" dirty="0" smtClean="0">
+              <a:t> про </a:t>
+            </a:r>
+            <a:r>
+              <a:rPr lang="ru-RU" i="0" baseline="0" dirty="0" smtClean="0"/>
+              <a:t>принципы работы </a:t>
+            </a:r>
+            <a:r>
+              <a:rPr lang="ru-RU" sz="1200" i="0" baseline="0" dirty="0" smtClean="0">
                 <a:solidFill>
                   <a:srgbClr val="FF0000"/>
                 </a:solidFill>
@@ -1938,7 +1941,15 @@
             </a:r>
             <a:r>
               <a:rPr lang="ru-RU" baseline="0" dirty="0" smtClean="0"/>
-              <a:t>я покажу то, с чем она работает.</a:t>
+              <a:t>я покажу то, </a:t>
+            </a:r>
+            <a:r>
+              <a:rPr lang="ru-RU" b="1" i="0" baseline="0" dirty="0" smtClean="0"/>
+              <a:t>с чем </a:t>
+            </a:r>
+            <a:r>
+              <a:rPr lang="ru-RU" baseline="0" dirty="0" smtClean="0"/>
+              <a:t>она работает.</a:t>
             </a:r>
           </a:p>
           <a:p>
@@ -2183,7 +2194,35 @@
             </a:r>
             <a:r>
               <a:rPr lang="ru-RU" dirty="0" smtClean="0"/>
-              <a:t>Каждому конкретному устройству соответствует массив карт с RSSI в качестве ключа и количеством значений RSSI в качестве значения.</a:t>
+              <a:t>Каждому конкретному устройству соответствует массив </a:t>
+            </a:r>
+            <a:r>
+              <a:rPr lang="ru-RU" dirty="0" smtClean="0"/>
+              <a:t>карт (</a:t>
+            </a:r>
+            <a:r>
+              <a:rPr lang="ru-RU" b="1" dirty="0" smtClean="0"/>
+              <a:t>АНИМАЦИЯ</a:t>
+            </a:r>
+            <a:r>
+              <a:rPr lang="ru-RU" dirty="0" smtClean="0"/>
+              <a:t>) </a:t>
+            </a:r>
+            <a:r>
+              <a:rPr lang="ru-RU" dirty="0" smtClean="0"/>
+              <a:t>с RSSI в качестве ключа и количеством </a:t>
+            </a:r>
+            <a:r>
+              <a:rPr lang="ru-RU" dirty="0" smtClean="0"/>
+              <a:t>RSSI </a:t>
+            </a:r>
+            <a:r>
+              <a:rPr lang="ru-RU" dirty="0" smtClean="0"/>
+              <a:t>в качестве значения</a:t>
+            </a:r>
+            <a:r>
+              <a:rPr lang="ru-RU" dirty="0" smtClean="0"/>
+              <a:t>.</a:t>
             </a:r>
           </a:p>
           <a:p>
@@ -2221,8 +2260,15 @@
             </a:r>
             <a:r>
               <a:rPr lang="ru-RU" baseline="0" dirty="0" smtClean="0"/>
-              <a:t> равно количеству дискрет.</a:t>
-            </a:r>
+              <a:t> равно количеству </a:t>
+            </a:r>
+            <a:r>
+              <a:rPr lang="ru-RU" baseline="0" smtClean="0"/>
+              <a:t>дискрет.</a:t>
+            </a:r>
+          </a:p>
+          <a:p>
+            <a:endParaRPr lang="ru-RU" baseline="0" dirty="0" smtClean="0"/>
           </a:p>
           <a:p>
             <a:r>
@@ -2285,11 +2331,7 @@
             </a:pPr>
             <a:r>
               <a:rPr lang="ru-RU" baseline="0" dirty="0" smtClean="0"/>
-              <a:t>	Благодаря таким структурам данных сложность расчета становится </a:t>
-            </a:r>
-            <a:r>
-              <a:rPr lang="ru-RU" baseline="0" dirty="0" smtClean="0"/>
-              <a:t>константной, а память при накоплении данных не расходуется.</a:t>
+              <a:t>	Благодаря таким структурам данных сложность расчета становится константной, а память при накоплении данных не расходуется.</a:t>
             </a:r>
             <a:endParaRPr lang="ru-RU" dirty="0" smtClean="0"/>
           </a:p>
@@ -3249,11 +3291,17 @@
             </a:r>
             <a:r>
               <a:rPr lang="ru-RU" baseline="0" dirty="0" smtClean="0"/>
-              <a:t> интерфейсы для передачи данных</a:t>
-            </a:r>
-            <a:r>
-              <a:rPr lang="ru-RU" dirty="0" smtClean="0"/>
-              <a:t>.</a:t>
+              <a:t> интерфейсы для передачи </a:t>
+            </a:r>
+            <a:r>
+              <a:rPr lang="ru-RU" baseline="0" dirty="0" smtClean="0"/>
+              <a:t>данных, имеют разный уровень чувствительности.</a:t>
+            </a:r>
+          </a:p>
+          <a:p>
+            <a:r>
+              <a:rPr lang="ru-RU" baseline="0" dirty="0" smtClean="0"/>
+              <a:t>	Также программа работает со беспроводными адаптерами, как встроенными так и внешними.</a:t>
             </a:r>
             <a:endParaRPr lang="ru-RU" dirty="0"/>
           </a:p>
@@ -3347,11 +3395,7 @@
             <a:pPr lvl="0"/>
             <a:r>
               <a:rPr lang="ru-RU" dirty="0" smtClean="0"/>
-              <a:t>	</a:t>
-            </a:r>
-            <a:r>
-              <a:rPr lang="ru-RU" dirty="0" smtClean="0"/>
-              <a:t>Для разбора</a:t>
+              <a:t>	Для разбора</a:t>
             </a:r>
             <a:r>
               <a:rPr lang="ru-RU" baseline="0" dirty="0" smtClean="0"/>
@@ -3419,19 +3463,7 @@
                 <a:ea typeface="+mn-ea"/>
                 <a:cs typeface="+mn-cs"/>
               </a:rPr>
-              <a:t> </a:t>
-            </a:r>
-            <a:r>
-              <a:rPr lang="ru-RU" sz="1200" b="0" i="0" kern="1200" baseline="0" dirty="0" smtClean="0">
-                <a:solidFill>
-                  <a:schemeClr val="tx1"/>
-                </a:solidFill>
-                <a:effectLst/>
-                <a:latin typeface="+mn-lt"/>
-                <a:ea typeface="+mn-ea"/>
-                <a:cs typeface="+mn-cs"/>
-              </a:rPr>
-              <a:t>легкости доработки, сопровождения и повторного использования.</a:t>
+              <a:t> легкости доработки, сопровождения и повторного использования.</a:t>
             </a:r>
             <a:endParaRPr lang="ru-RU" dirty="0" smtClean="0"/>
           </a:p>
@@ -3661,7 +3693,15 @@
             </a:r>
             <a:r>
               <a:rPr lang="ru-RU" baseline="0" dirty="0" smtClean="0"/>
-              <a:t> устройства, но поиск устройств реализован с использованием двух разных библиотек.</a:t>
+              <a:t> устройства, </a:t>
+            </a:r>
+            <a:r>
+              <a:rPr lang="ru-RU" baseline="0" dirty="0" smtClean="0"/>
+              <a:t>то </a:t>
+            </a:r>
+            <a:r>
+              <a:rPr lang="ru-RU" baseline="0" dirty="0" smtClean="0"/>
+              <a:t>поиск устройств реализован с использованием двух разных библиотек.</a:t>
             </a:r>
             <a:endParaRPr lang="ru-RU" dirty="0" smtClean="0"/>
           </a:p>
@@ -3808,19 +3848,11 @@
             </a:r>
             <a:r>
               <a:rPr lang="ru-RU" baseline="0" dirty="0" smtClean="0"/>
-              <a:t> поведение устройств </a:t>
-            </a:r>
-            <a:r>
-              <a:rPr lang="ru-RU" baseline="0" dirty="0" smtClean="0"/>
-              <a:t>через абстрактный класс </a:t>
+              <a:t> поведение устройств через абстрактный класс </a:t>
             </a:r>
             <a:r>
               <a:rPr lang="ru-RU" dirty="0" smtClean="0"/>
-              <a:t>Device. </a:t>
-            </a:r>
-            <a:r>
-              <a:rPr lang="ru-RU" dirty="0" smtClean="0"/>
-              <a:t>Для создания экземпляра используется</a:t>
+              <a:t>Device. Для создания экземпляра используется</a:t>
             </a:r>
             <a:r>
               <a:rPr lang="ru-RU" baseline="0" dirty="0" smtClean="0"/>
@@ -3858,8 +3890,17 @@
             </a:r>
             <a:r>
               <a:rPr lang="ru-RU" baseline="0" dirty="0" smtClean="0"/>
-              <a:t>.</a:t>
-            </a:r>
+              <a:t>, а  также функцию для </a:t>
+            </a:r>
+            <a:r>
+              <a:rPr lang="ru-RU" baseline="0" dirty="0" err="1" smtClean="0"/>
+              <a:t>парсинга</a:t>
+            </a:r>
+            <a:r>
+              <a:rPr lang="ru-RU" baseline="0" dirty="0" smtClean="0"/>
+              <a:t> результата работы устройства.</a:t>
+            </a:r>
+            <a:endParaRPr lang="ru-RU" baseline="0" dirty="0" smtClean="0"/>
           </a:p>
           <a:p>
             <a:endParaRPr lang="ru-RU" baseline="0" dirty="0" smtClean="0"/>
@@ -4123,16 +4164,13 @@
             </a:r>
             <a:r>
               <a:rPr lang="ru-RU" baseline="0" dirty="0" smtClean="0"/>
-              <a:t>и генерирует массивы с модой, медианой, средним и максимальными значениями. С помощью паттерна проектирования</a:t>
-            </a:r>
-            <a:r>
-              <a:rPr lang="en-US" baseline="0" dirty="0" smtClean="0"/>
-              <a:t> Observer</a:t>
+              <a:t>и генерирует массивы с модой, медианой, средним и максимальными </a:t>
             </a:r>
             <a:r>
               <a:rPr lang="ru-RU" baseline="0" dirty="0" smtClean="0"/>
-              <a:t> данные рассылаются всем подписчикам.</a:t>
-            </a:r>
+              <a:t>значениями.</a:t>
+            </a:r>
+            <a:endParaRPr lang="ru-RU" baseline="0" dirty="0" smtClean="0"/>
           </a:p>
           <a:p>
             <a:pPr marL="0" marR="0" indent="0" algn="l" defTabSz="914400" rtl="0" eaLnBrk="1" fontAlgn="auto" latinLnBrk="0" hangingPunct="1">
@@ -4344,7 +4382,15 @@
             </a:r>
             <a:r>
               <a:rPr lang="ru-RU" sz="1600" b="0" baseline="0" dirty="0" smtClean="0"/>
-              <a:t>времени расчета моды, медианы, среднего и максимального значений в условии прироста данных.</a:t>
+              <a:t>времени расчета </a:t>
+            </a:r>
+            <a:r>
+              <a:rPr lang="ru-RU" sz="1600" b="0" baseline="0" dirty="0" smtClean="0"/>
+              <a:t>в </a:t>
+            </a:r>
+            <a:r>
+              <a:rPr lang="ru-RU" sz="1600" b="0" baseline="0" dirty="0" smtClean="0"/>
+              <a:t>условии прироста данных.</a:t>
             </a:r>
           </a:p>
           <a:p>
@@ -4360,6 +4406,10 @@
             <a:r>
               <a:rPr lang="ru-RU" sz="1600" b="0" baseline="0" dirty="0" smtClean="0"/>
               <a:t>	Для решения проблемы было использовано </a:t>
+            </a:r>
+            <a:r>
+              <a:rPr lang="ru-RU" sz="1600" b="0" baseline="0" dirty="0" smtClean="0"/>
+              <a:t>специальные структуры данных.</a:t>
             </a:r>
             <a:endParaRPr lang="uk-UA" sz="1600" b="0" dirty="0"/>
           </a:p>
@@ -4505,9 +4555,17 @@
             </a:r>
             <a:r>
               <a:rPr lang="ru-RU" baseline="0" dirty="0" smtClean="0"/>
-              <a:t> значение показывает интенсивность сигнала за определенный временной интервал.</a:t>
-            </a:r>
-            <a:endParaRPr lang="ru-RU" dirty="0" smtClean="0"/>
+              <a:t> значение показывает интенсивность сигнала за определенный временной интервал</a:t>
+            </a:r>
+            <a:r>
+              <a:rPr lang="ru-RU" baseline="0" dirty="0" smtClean="0"/>
+              <a:t>. </a:t>
+            </a:r>
+            <a:r>
+              <a:rPr lang="ru-RU" b="1" baseline="0" dirty="0" smtClean="0"/>
+              <a:t>(?)</a:t>
+            </a:r>
+            <a:endParaRPr lang="ru-RU" b="1" dirty="0" smtClean="0"/>
           </a:p>
           <a:p>
             <a:pPr marL="0" marR="0" indent="0" algn="l" defTabSz="914400" rtl="0" eaLnBrk="1" fontAlgn="auto" latinLnBrk="0" hangingPunct="1">
@@ -4824,7 +4882,7 @@
           <a:p>
             <a:fld id="{4B3FEE5C-4EFA-4EBD-A460-680EAB01F724}" type="datetimeFigureOut">
               <a:rPr lang="uk-UA" smtClean="0"/>
-              <a:t>26.04.2015</a:t>
+              <a:t>08.05.2015</a:t>
             </a:fld>
             <a:endParaRPr lang="uk-UA" dirty="0"/>
           </a:p>
@@ -5013,7 +5071,7 @@
           <a:p>
             <a:fld id="{4B3FEE5C-4EFA-4EBD-A460-680EAB01F724}" type="datetimeFigureOut">
               <a:rPr lang="uk-UA" smtClean="0"/>
-              <a:t>26.04.2015</a:t>
+              <a:t>08.05.2015</a:t>
             </a:fld>
             <a:endParaRPr lang="uk-UA" dirty="0"/>
           </a:p>
@@ -5205,7 +5263,7 @@
           <a:p>
             <a:fld id="{4B3FEE5C-4EFA-4EBD-A460-680EAB01F724}" type="datetimeFigureOut">
               <a:rPr lang="uk-UA" smtClean="0"/>
-              <a:t>26.04.2015</a:t>
+              <a:t>08.05.2015</a:t>
             </a:fld>
             <a:endParaRPr lang="uk-UA" dirty="0"/>
           </a:p>
@@ -5387,7 +5445,7 @@
           <a:p>
             <a:fld id="{4B3FEE5C-4EFA-4EBD-A460-680EAB01F724}" type="datetimeFigureOut">
               <a:rPr lang="uk-UA" smtClean="0"/>
-              <a:t>26.04.2015</a:t>
+              <a:t>08.05.2015</a:t>
             </a:fld>
             <a:endParaRPr lang="uk-UA" dirty="0"/>
           </a:p>
@@ -5652,7 +5710,7 @@
           <a:p>
             <a:fld id="{4B3FEE5C-4EFA-4EBD-A460-680EAB01F724}" type="datetimeFigureOut">
               <a:rPr lang="uk-UA" smtClean="0"/>
-              <a:t>26.04.2015</a:t>
+              <a:t>08.05.2015</a:t>
             </a:fld>
             <a:endParaRPr lang="uk-UA" dirty="0"/>
           </a:p>
@@ -5896,7 +5954,7 @@
           <a:p>
             <a:fld id="{4B3FEE5C-4EFA-4EBD-A460-680EAB01F724}" type="datetimeFigureOut">
               <a:rPr lang="uk-UA" smtClean="0"/>
-              <a:t>26.04.2015</a:t>
+              <a:t>08.05.2015</a:t>
             </a:fld>
             <a:endParaRPr lang="uk-UA" dirty="0"/>
           </a:p>
@@ -6275,7 +6333,7 @@
           <a:p>
             <a:fld id="{4B3FEE5C-4EFA-4EBD-A460-680EAB01F724}" type="datetimeFigureOut">
               <a:rPr lang="uk-UA" smtClean="0"/>
-              <a:t>26.04.2015</a:t>
+              <a:t>08.05.2015</a:t>
             </a:fld>
             <a:endParaRPr lang="uk-UA" dirty="0"/>
           </a:p>
@@ -6405,7 +6463,7 @@
           <a:p>
             <a:fld id="{4B3FEE5C-4EFA-4EBD-A460-680EAB01F724}" type="datetimeFigureOut">
               <a:rPr lang="uk-UA" smtClean="0"/>
-              <a:t>26.04.2015</a:t>
+              <a:t>08.05.2015</a:t>
             </a:fld>
             <a:endParaRPr lang="uk-UA" dirty="0"/>
           </a:p>
@@ -6519,7 +6577,7 @@
           <a:p>
             <a:fld id="{4B3FEE5C-4EFA-4EBD-A460-680EAB01F724}" type="datetimeFigureOut">
               <a:rPr lang="uk-UA" smtClean="0"/>
-              <a:t>26.04.2015</a:t>
+              <a:t>08.05.2015</a:t>
             </a:fld>
             <a:endParaRPr lang="uk-UA" dirty="0"/>
           </a:p>
@@ -6808,7 +6866,7 @@
           <a:p>
             <a:fld id="{4B3FEE5C-4EFA-4EBD-A460-680EAB01F724}" type="datetimeFigureOut">
               <a:rPr lang="uk-UA" smtClean="0"/>
-              <a:t>26.04.2015</a:t>
+              <a:t>08.05.2015</a:t>
             </a:fld>
             <a:endParaRPr lang="uk-UA" dirty="0"/>
           </a:p>
@@ -7073,7 +7131,7 @@
           <a:p>
             <a:fld id="{4B3FEE5C-4EFA-4EBD-A460-680EAB01F724}" type="datetimeFigureOut">
               <a:rPr lang="uk-UA" smtClean="0"/>
-              <a:t>26.04.2015</a:t>
+              <a:t>08.05.2015</a:t>
             </a:fld>
             <a:endParaRPr lang="uk-UA" dirty="0"/>
           </a:p>
@@ -7298,7 +7356,7 @@
           <a:p>
             <a:fld id="{4B3FEE5C-4EFA-4EBD-A460-680EAB01F724}" type="datetimeFigureOut">
               <a:rPr lang="uk-UA" smtClean="0"/>
-              <a:t>26.04.2015</a:t>
+              <a:t>08.05.2015</a:t>
             </a:fld>
             <a:endParaRPr lang="uk-UA" dirty="0"/>
           </a:p>
@@ -7912,7 +7970,7 @@
           <a:graphicData uri="http://schemas.openxmlformats.org/presentationml/2006/ole">
             <mc:AlternateContent xmlns:mc="http://schemas.openxmlformats.org/markup-compatibility/2006">
               <mc:Choice xmlns:v="urn:schemas-microsoft-com:vml" Requires="v">
-                <p:oleObj spid="_x0000_s4460" name="Visio" r:id="rId4" imgW="12039600" imgH="10124985" progId="Visio.Drawing.15">
+                <p:oleObj spid="_x0000_s4465" name="Visio" r:id="rId4" imgW="12039600" imgH="10124985" progId="Visio.Drawing.15">
                   <p:embed/>
                 </p:oleObj>
               </mc:Choice>
@@ -9248,33 +9306,15 @@
                                   </p:childTnLst>
                                 </p:cTn>
                               </p:par>
-                            </p:childTnLst>
-                          </p:cTn>
-                        </p:par>
-                      </p:childTnLst>
-                    </p:cTn>
-                  </p:par>
-                  <p:par>
-                    <p:cTn id="18" fill="hold">
-                      <p:stCondLst>
-                        <p:cond delay="indefinite"/>
-                      </p:stCondLst>
-                      <p:childTnLst>
-                        <p:par>
-                          <p:cTn id="19" fill="hold">
-                            <p:stCondLst>
-                              <p:cond delay="0"/>
-                            </p:stCondLst>
-                            <p:childTnLst>
                               <p:par>
-                                <p:cTn id="20" presetID="10" presetClass="entr" presetSubtype="0" fill="hold" nodeType="clickEffect">
+                                <p:cTn id="18" presetID="10" presetClass="entr" presetSubtype="0" fill="hold" nodeType="withEffect">
                                   <p:stCondLst>
                                     <p:cond delay="0"/>
                                   </p:stCondLst>
                                   <p:childTnLst>
                                     <p:set>
                                       <p:cBhvr>
-                                        <p:cTn id="21" dur="1" fill="hold">
+                                        <p:cTn id="19" dur="1" fill="hold">
                                           <p:stCondLst>
                                             <p:cond delay="0"/>
                                           </p:stCondLst>
@@ -9292,7 +9332,7 @@
                                     </p:set>
                                     <p:animEffect transition="in" filter="fade">
                                       <p:cBhvr>
-                                        <p:cTn id="22" dur="500"/>
+                                        <p:cTn id="20" dur="500"/>
                                         <p:tgtEl>
                                           <p:spTgt spid="123"/>
                                         </p:tgtEl>
@@ -9302,14 +9342,14 @@
                                 </p:cTn>
                               </p:par>
                               <p:par>
-                                <p:cTn id="23" presetID="10" presetClass="entr" presetSubtype="0" fill="hold" nodeType="withEffect">
+                                <p:cTn id="21" presetID="10" presetClass="entr" presetSubtype="0" fill="hold" nodeType="withEffect">
                                   <p:stCondLst>
                                     <p:cond delay="0"/>
                                   </p:stCondLst>
                                   <p:childTnLst>
                                     <p:set>
                                       <p:cBhvr>
-                                        <p:cTn id="24" dur="1" fill="hold">
+                                        <p:cTn id="22" dur="1" fill="hold">
                                           <p:stCondLst>
                                             <p:cond delay="0"/>
                                           </p:stCondLst>
@@ -9327,7 +9367,7 @@
                                     </p:set>
                                     <p:animEffect transition="in" filter="fade">
                                       <p:cBhvr>
-                                        <p:cTn id="25" dur="500"/>
+                                        <p:cTn id="23" dur="500"/>
                                         <p:tgtEl>
                                           <p:spTgt spid="55"/>
                                         </p:tgtEl>
@@ -9337,14 +9377,14 @@
                                 </p:cTn>
                               </p:par>
                               <p:par>
-                                <p:cTn id="26" presetID="10" presetClass="entr" presetSubtype="0" fill="hold" nodeType="withEffect">
+                                <p:cTn id="24" presetID="10" presetClass="entr" presetSubtype="0" fill="hold" nodeType="withEffect">
                                   <p:stCondLst>
                                     <p:cond delay="0"/>
                                   </p:stCondLst>
                                   <p:childTnLst>
                                     <p:set>
                                       <p:cBhvr>
-                                        <p:cTn id="27" dur="1" fill="hold">
+                                        <p:cTn id="25" dur="1" fill="hold">
                                           <p:stCondLst>
                                             <p:cond delay="0"/>
                                           </p:stCondLst>
@@ -9362,7 +9402,7 @@
                                     </p:set>
                                     <p:animEffect transition="in" filter="fade">
                                       <p:cBhvr>
-                                        <p:cTn id="28" dur="500"/>
+                                        <p:cTn id="26" dur="500"/>
                                         <p:tgtEl>
                                           <p:spTgt spid="115"/>
                                         </p:tgtEl>
@@ -9378,26 +9418,26 @@
                     </p:cTn>
                   </p:par>
                   <p:par>
-                    <p:cTn id="29" fill="hold">
+                    <p:cTn id="27" fill="hold">
                       <p:stCondLst>
                         <p:cond delay="indefinite"/>
                       </p:stCondLst>
                       <p:childTnLst>
                         <p:par>
-                          <p:cTn id="30" fill="hold">
+                          <p:cTn id="28" fill="hold">
                             <p:stCondLst>
                               <p:cond delay="0"/>
                             </p:stCondLst>
                             <p:childTnLst>
                               <p:par>
-                                <p:cTn id="31" presetID="10" presetClass="entr" presetSubtype="0" fill="hold" nodeType="clickEffect">
+                                <p:cTn id="29" presetID="10" presetClass="entr" presetSubtype="0" fill="hold" nodeType="clickEffect">
                                   <p:stCondLst>
                                     <p:cond delay="0"/>
                                   </p:stCondLst>
                                   <p:childTnLst>
                                     <p:set>
                                       <p:cBhvr>
-                                        <p:cTn id="32" dur="1" fill="hold">
+                                        <p:cTn id="30" dur="1" fill="hold">
                                           <p:stCondLst>
                                             <p:cond delay="0"/>
                                           </p:stCondLst>
@@ -9415,7 +9455,7 @@
                                     </p:set>
                                     <p:animEffect transition="in" filter="fade">
                                       <p:cBhvr>
-                                        <p:cTn id="33" dur="500"/>
+                                        <p:cTn id="31" dur="500"/>
                                         <p:tgtEl>
                                           <p:spTgt spid="132"/>
                                         </p:tgtEl>
@@ -9425,14 +9465,14 @@
                                 </p:cTn>
                               </p:par>
                               <p:par>
-                                <p:cTn id="34" presetID="10" presetClass="entr" presetSubtype="0" fill="hold" grpId="0" nodeType="withEffect">
+                                <p:cTn id="32" presetID="10" presetClass="entr" presetSubtype="0" fill="hold" grpId="0" nodeType="withEffect">
                                   <p:stCondLst>
                                     <p:cond delay="0"/>
                                   </p:stCondLst>
                                   <p:childTnLst>
                                     <p:set>
                                       <p:cBhvr>
-                                        <p:cTn id="35" dur="1" fill="hold">
+                                        <p:cTn id="33" dur="1" fill="hold">
                                           <p:stCondLst>
                                             <p:cond delay="0"/>
                                           </p:stCondLst>
@@ -9450,7 +9490,7 @@
                                     </p:set>
                                     <p:animEffect transition="in" filter="fade">
                                       <p:cBhvr>
-                                        <p:cTn id="36" dur="500"/>
+                                        <p:cTn id="34" dur="500"/>
                                         <p:tgtEl>
                                           <p:spTgt spid="124"/>
                                         </p:tgtEl>
@@ -9460,14 +9500,14 @@
                                 </p:cTn>
                               </p:par>
                               <p:par>
-                                <p:cTn id="37" presetID="10" presetClass="entr" presetSubtype="0" fill="hold" grpId="0" nodeType="withEffect">
+                                <p:cTn id="35" presetID="10" presetClass="entr" presetSubtype="0" fill="hold" grpId="0" nodeType="withEffect">
                                   <p:stCondLst>
                                     <p:cond delay="0"/>
                                   </p:stCondLst>
                                   <p:childTnLst>
                                     <p:set>
                                       <p:cBhvr>
-                                        <p:cTn id="38" dur="1" fill="hold">
+                                        <p:cTn id="36" dur="1" fill="hold">
                                           <p:stCondLst>
                                             <p:cond delay="0"/>
                                           </p:stCondLst>
@@ -9485,7 +9525,7 @@
                                     </p:set>
                                     <p:animEffect transition="in" filter="fade">
                                       <p:cBhvr>
-                                        <p:cTn id="39" dur="500"/>
+                                        <p:cTn id="37" dur="500"/>
                                         <p:tgtEl>
                                           <p:spTgt spid="119"/>
                                         </p:tgtEl>
@@ -9501,26 +9541,26 @@
                     </p:cTn>
                   </p:par>
                   <p:par>
-                    <p:cTn id="40" fill="hold">
+                    <p:cTn id="38" fill="hold">
                       <p:stCondLst>
                         <p:cond delay="indefinite"/>
                       </p:stCondLst>
                       <p:childTnLst>
                         <p:par>
-                          <p:cTn id="41" fill="hold">
+                          <p:cTn id="39" fill="hold">
                             <p:stCondLst>
                               <p:cond delay="0"/>
                             </p:stCondLst>
                             <p:childTnLst>
                               <p:par>
-                                <p:cTn id="42" presetID="10" presetClass="entr" presetSubtype="0" fill="hold" nodeType="clickEffect">
+                                <p:cTn id="40" presetID="10" presetClass="entr" presetSubtype="0" fill="hold" nodeType="clickEffect">
                                   <p:stCondLst>
                                     <p:cond delay="0"/>
                                   </p:stCondLst>
                                   <p:childTnLst>
                                     <p:set>
                                       <p:cBhvr>
-                                        <p:cTn id="43" dur="1" fill="hold">
+                                        <p:cTn id="41" dur="1" fill="hold">
                                           <p:stCondLst>
                                             <p:cond delay="0"/>
                                           </p:stCondLst>
@@ -9538,7 +9578,7 @@
                                     </p:set>
                                     <p:animEffect transition="in" filter="fade">
                                       <p:cBhvr>
-                                        <p:cTn id="44" dur="1250"/>
+                                        <p:cTn id="42" dur="1250"/>
                                         <p:tgtEl>
                                           <p:spTgt spid="133"/>
                                         </p:tgtEl>
@@ -9551,20 +9591,20 @@
                           </p:cTn>
                         </p:par>
                         <p:par>
-                          <p:cTn id="45" fill="hold">
+                          <p:cTn id="43" fill="hold">
                             <p:stCondLst>
                               <p:cond delay="1250"/>
                             </p:stCondLst>
                             <p:childTnLst>
                               <p:par>
-                                <p:cTn id="46" presetID="10" presetClass="exit" presetSubtype="0" fill="hold" nodeType="afterEffect">
+                                <p:cTn id="44" presetID="10" presetClass="exit" presetSubtype="0" fill="hold" nodeType="afterEffect">
                                   <p:stCondLst>
                                     <p:cond delay="1250"/>
                                   </p:stCondLst>
                                   <p:childTnLst>
                                     <p:animEffect transition="out" filter="fade">
                                       <p:cBhvr>
-                                        <p:cTn id="47" dur="1000"/>
+                                        <p:cTn id="45" dur="1000"/>
                                         <p:tgtEl>
                                           <p:spTgt spid="133"/>
                                         </p:tgtEl>
@@ -9572,7 +9612,7 @@
                                     </p:animEffect>
                                     <p:set>
                                       <p:cBhvr>
-                                        <p:cTn id="48" dur="1" fill="hold">
+                                        <p:cTn id="46" dur="1" fill="hold">
                                           <p:stCondLst>
                                             <p:cond delay="999"/>
                                           </p:stCondLst>
@@ -9592,14 +9632,14 @@
                                 </p:cTn>
                               </p:par>
                               <p:par>
-                                <p:cTn id="49" presetID="10" presetClass="entr" presetSubtype="0" fill="hold" nodeType="withEffect">
+                                <p:cTn id="47" presetID="10" presetClass="entr" presetSubtype="0" fill="hold" nodeType="withEffect">
                                   <p:stCondLst>
                                     <p:cond delay="1250"/>
                                   </p:stCondLst>
                                   <p:childTnLst>
                                     <p:set>
                                       <p:cBhvr>
-                                        <p:cTn id="50" dur="1" fill="hold">
+                                        <p:cTn id="48" dur="1" fill="hold">
                                           <p:stCondLst>
                                             <p:cond delay="0"/>
                                           </p:stCondLst>
@@ -9617,7 +9657,7 @@
                                     </p:set>
                                     <p:animEffect transition="in" filter="fade">
                                       <p:cBhvr>
-                                        <p:cTn id="51" dur="1000"/>
+                                        <p:cTn id="49" dur="1000"/>
                                         <p:tgtEl>
                                           <p:spTgt spid="134"/>
                                         </p:tgtEl>
@@ -9630,20 +9670,20 @@
                           </p:cTn>
                         </p:par>
                         <p:par>
-                          <p:cTn id="52" fill="hold">
+                          <p:cTn id="50" fill="hold">
                             <p:stCondLst>
                               <p:cond delay="3500"/>
                             </p:stCondLst>
                             <p:childTnLst>
                               <p:par>
-                                <p:cTn id="53" presetID="10" presetClass="exit" presetSubtype="0" fill="hold" nodeType="afterEffect">
+                                <p:cTn id="51" presetID="10" presetClass="exit" presetSubtype="0" fill="hold" nodeType="afterEffect">
                                   <p:stCondLst>
                                     <p:cond delay="1250"/>
                                   </p:stCondLst>
                                   <p:childTnLst>
                                     <p:animEffect transition="out" filter="fade">
                                       <p:cBhvr>
-                                        <p:cTn id="54" dur="1000"/>
+                                        <p:cTn id="52" dur="1000"/>
                                         <p:tgtEl>
                                           <p:spTgt spid="134"/>
                                         </p:tgtEl>
@@ -9651,7 +9691,7 @@
                                     </p:animEffect>
                                     <p:set>
                                       <p:cBhvr>
-                                        <p:cTn id="55" dur="1" fill="hold">
+                                        <p:cTn id="53" dur="1" fill="hold">
                                           <p:stCondLst>
                                             <p:cond delay="999"/>
                                           </p:stCondLst>
@@ -9671,14 +9711,14 @@
                                 </p:cTn>
                               </p:par>
                               <p:par>
-                                <p:cTn id="56" presetID="10" presetClass="entr" presetSubtype="0" fill="hold" nodeType="withEffect">
+                                <p:cTn id="54" presetID="10" presetClass="entr" presetSubtype="0" fill="hold" nodeType="withEffect">
                                   <p:stCondLst>
                                     <p:cond delay="1250"/>
                                   </p:stCondLst>
                                   <p:childTnLst>
                                     <p:set>
                                       <p:cBhvr>
-                                        <p:cTn id="57" dur="1" fill="hold">
+                                        <p:cTn id="55" dur="1" fill="hold">
                                           <p:stCondLst>
                                             <p:cond delay="0"/>
                                           </p:stCondLst>
@@ -9696,7 +9736,7 @@
                                     </p:set>
                                     <p:animEffect transition="in" filter="fade">
                                       <p:cBhvr>
-                                        <p:cTn id="58" dur="1000"/>
+                                        <p:cTn id="56" dur="1000"/>
                                         <p:tgtEl>
                                           <p:spTgt spid="135"/>
                                         </p:tgtEl>
@@ -9709,20 +9749,20 @@
                           </p:cTn>
                         </p:par>
                         <p:par>
-                          <p:cTn id="59" fill="hold">
+                          <p:cTn id="57" fill="hold">
                             <p:stCondLst>
                               <p:cond delay="5750"/>
                             </p:stCondLst>
                             <p:childTnLst>
                               <p:par>
-                                <p:cTn id="60" presetID="10" presetClass="exit" presetSubtype="0" fill="hold" nodeType="afterEffect">
+                                <p:cTn id="58" presetID="10" presetClass="exit" presetSubtype="0" fill="hold" nodeType="afterEffect">
                                   <p:stCondLst>
                                     <p:cond delay="1250"/>
                                   </p:stCondLst>
                                   <p:childTnLst>
                                     <p:animEffect transition="out" filter="fade">
                                       <p:cBhvr>
-                                        <p:cTn id="61" dur="1000"/>
+                                        <p:cTn id="59" dur="1000"/>
                                         <p:tgtEl>
                                           <p:spTgt spid="135"/>
                                         </p:tgtEl>
@@ -9730,7 +9770,7 @@
                                     </p:animEffect>
                                     <p:set>
                                       <p:cBhvr>
-                                        <p:cTn id="62" dur="1" fill="hold">
+                                        <p:cTn id="60" dur="1" fill="hold">
                                           <p:stCondLst>
                                             <p:cond delay="999"/>
                                           </p:stCondLst>
@@ -9756,26 +9796,26 @@
                     </p:cTn>
                   </p:par>
                   <p:par>
-                    <p:cTn id="63" fill="hold">
+                    <p:cTn id="61" fill="hold">
                       <p:stCondLst>
                         <p:cond delay="indefinite"/>
                       </p:stCondLst>
                       <p:childTnLst>
                         <p:par>
-                          <p:cTn id="64" fill="hold">
+                          <p:cTn id="62" fill="hold">
                             <p:stCondLst>
                               <p:cond delay="0"/>
                             </p:stCondLst>
                             <p:childTnLst>
                               <p:par>
-                                <p:cTn id="65" presetID="10" presetClass="entr" presetSubtype="0" fill="hold" nodeType="clickEffect">
+                                <p:cTn id="63" presetID="10" presetClass="entr" presetSubtype="0" fill="hold" nodeType="clickEffect">
                                   <p:stCondLst>
                                     <p:cond delay="0"/>
                                   </p:stCondLst>
                                   <p:childTnLst>
                                     <p:set>
                                       <p:cBhvr>
-                                        <p:cTn id="66" dur="1" fill="hold">
+                                        <p:cTn id="64" dur="1" fill="hold">
                                           <p:stCondLst>
                                             <p:cond delay="0"/>
                                           </p:stCondLst>
@@ -9793,7 +9833,7 @@
                                     </p:set>
                                     <p:animEffect transition="in" filter="fade">
                                       <p:cBhvr>
-                                        <p:cTn id="67" dur="1000"/>
+                                        <p:cTn id="65" dur="1000"/>
                                         <p:tgtEl>
                                           <p:spTgt spid="2"/>
                                         </p:tgtEl>
@@ -9877,7 +9917,7 @@
           <a:graphicData uri="http://schemas.openxmlformats.org/presentationml/2006/ole">
             <mc:AlternateContent xmlns:mc="http://schemas.openxmlformats.org/markup-compatibility/2006">
               <mc:Choice xmlns:v="urn:schemas-microsoft-com:vml" Requires="v">
-                <p:oleObj spid="_x0000_s16481" name="Visio" r:id="rId4" imgW="13496857" imgH="5267235" progId="Visio.Drawing.15">
+                <p:oleObj spid="_x0000_s16486" name="Visio" r:id="rId4" imgW="13496857" imgH="5267235" progId="Visio.Drawing.15">
                   <p:embed/>
                 </p:oleObj>
               </mc:Choice>
@@ -10017,7 +10057,7 @@
           <a:graphicData uri="http://schemas.openxmlformats.org/presentationml/2006/ole">
             <mc:AlternateContent xmlns:mc="http://schemas.openxmlformats.org/markup-compatibility/2006">
               <mc:Choice xmlns:v="urn:schemas-microsoft-com:vml" Requires="v">
-                <p:oleObj spid="_x0000_s9527" name="Visio" r:id="rId4" imgW="13496857" imgH="5267235" progId="Visio.Drawing.15">
+                <p:oleObj spid="_x0000_s9532" name="Visio" r:id="rId4" imgW="13496857" imgH="5267235" progId="Visio.Drawing.15">
                   <p:embed/>
                 </p:oleObj>
               </mc:Choice>
@@ -10148,7 +10188,7 @@
           <a:graphicData uri="http://schemas.openxmlformats.org/presentationml/2006/ole">
             <mc:AlternateContent xmlns:mc="http://schemas.openxmlformats.org/markup-compatibility/2006">
               <mc:Choice xmlns:v="urn:schemas-microsoft-com:vml" Requires="v">
-                <p:oleObj spid="_x0000_s10551" name="Visio" r:id="rId4" imgW="13496857" imgH="5267235" progId="Visio.Drawing.15">
+                <p:oleObj spid="_x0000_s10556" name="Visio" r:id="rId4" imgW="13496857" imgH="5267235" progId="Visio.Drawing.15">
                   <p:embed/>
                 </p:oleObj>
               </mc:Choice>
@@ -10279,7 +10319,7 @@
           <a:graphicData uri="http://schemas.openxmlformats.org/presentationml/2006/ole">
             <mc:AlternateContent xmlns:mc="http://schemas.openxmlformats.org/markup-compatibility/2006">
               <mc:Choice xmlns:v="urn:schemas-microsoft-com:vml" Requires="v">
-                <p:oleObj spid="_x0000_s11574" name="Visio" r:id="rId4" imgW="13496857" imgH="5267235" progId="Visio.Drawing.15">
+                <p:oleObj spid="_x0000_s11579" name="Visio" r:id="rId4" imgW="13496857" imgH="5267235" progId="Visio.Drawing.15">
                   <p:embed/>
                 </p:oleObj>
               </mc:Choice>
@@ -10410,7 +10450,7 @@
           <a:graphicData uri="http://schemas.openxmlformats.org/presentationml/2006/ole">
             <mc:AlternateContent xmlns:mc="http://schemas.openxmlformats.org/markup-compatibility/2006">
               <mc:Choice xmlns:v="urn:schemas-microsoft-com:vml" Requires="v">
-                <p:oleObj spid="_x0000_s12592" name="Visio" r:id="rId4" imgW="13496857" imgH="5267235" progId="Visio.Drawing.15">
+                <p:oleObj spid="_x0000_s12597" name="Visio" r:id="rId4" imgW="13496857" imgH="5267235" progId="Visio.Drawing.15">
                   <p:embed/>
                 </p:oleObj>
               </mc:Choice>
@@ -11007,13 +11047,13 @@
   <p:clrMapOvr>
     <a:masterClrMapping/>
   </p:clrMapOvr>
-  <mc:AlternateContent xmlns:mc="http://schemas.openxmlformats.org/markup-compatibility/2006">
-    <mc:Choice xmlns:p14="http://schemas.microsoft.com/office/powerpoint/2010/main" Requires="p14">
+  <mc:AlternateContent xmlns:mc="http://schemas.openxmlformats.org/markup-compatibility/2006" xmlns:p14="http://schemas.microsoft.com/office/powerpoint/2010/main">
+    <mc:Choice Requires="p14">
       <p:transition spd="med" p14:dur="700">
         <p:fade/>
       </p:transition>
     </mc:Choice>
-    <mc:Fallback>
+    <mc:Fallback xmlns="">
       <p:transition spd="med">
         <p:fade/>
       </p:transition>
@@ -11068,7 +11108,7 @@
           <a:graphicData uri="http://schemas.openxmlformats.org/presentationml/2006/ole">
             <mc:AlternateContent xmlns:mc="http://schemas.openxmlformats.org/markup-compatibility/2006">
               <mc:Choice xmlns:v="urn:schemas-microsoft-com:vml" Requires="v">
-                <p:oleObj spid="_x0000_s13445" name="Visio" r:id="rId4" imgW="13496857" imgH="5267235" progId="Visio.Drawing.15">
+                <p:oleObj spid="_x0000_s13450" name="Visio" r:id="rId4" imgW="13496857" imgH="5267235" progId="Visio.Drawing.15">
                   <p:embed/>
                 </p:oleObj>
               </mc:Choice>
@@ -11284,7 +11324,7 @@
           <a:graphicData uri="http://schemas.openxmlformats.org/presentationml/2006/ole">
             <mc:AlternateContent xmlns:mc="http://schemas.openxmlformats.org/markup-compatibility/2006">
               <mc:Choice xmlns:v="urn:schemas-microsoft-com:vml" Requires="v">
-                <p:oleObj spid="_x0000_s8506" name="Visio" r:id="rId4" imgW="13496857" imgH="5267235" progId="Visio.Drawing.15">
+                <p:oleObj spid="_x0000_s8511" name="Visio" r:id="rId4" imgW="13496857" imgH="5267235" progId="Visio.Drawing.15">
                   <p:embed/>
                 </p:oleObj>
               </mc:Choice>
@@ -11415,7 +11455,7 @@
           <a:graphicData uri="http://schemas.openxmlformats.org/presentationml/2006/ole">
             <mc:AlternateContent xmlns:mc="http://schemas.openxmlformats.org/markup-compatibility/2006">
               <mc:Choice xmlns:v="urn:schemas-microsoft-com:vml" Requires="v">
-                <p:oleObj spid="_x0000_s14468" name="Visio" r:id="rId4" imgW="13496857" imgH="5267235" progId="Visio.Drawing.15">
+                <p:oleObj spid="_x0000_s14473" name="Visio" r:id="rId4" imgW="13496857" imgH="5267235" progId="Visio.Drawing.15">
                   <p:embed/>
                 </p:oleObj>
               </mc:Choice>
@@ -13040,7 +13080,7 @@
           <a:graphicData uri="http://schemas.openxmlformats.org/presentationml/2006/ole">
             <mc:AlternateContent xmlns:mc="http://schemas.openxmlformats.org/markup-compatibility/2006">
               <mc:Choice xmlns:v="urn:schemas-microsoft-com:vml" Requires="v">
-                <p:oleObj spid="_x0000_s6494" name="Visio" r:id="rId4" imgW="13496857" imgH="5267235" progId="Visio.Drawing.15">
+                <p:oleObj spid="_x0000_s6499" name="Visio" r:id="rId4" imgW="13496857" imgH="5267235" progId="Visio.Drawing.15">
                   <p:embed/>
                 </p:oleObj>
               </mc:Choice>
@@ -13611,7 +13651,7 @@
           <a:graphicData uri="http://schemas.openxmlformats.org/presentationml/2006/ole">
             <mc:AlternateContent xmlns:mc="http://schemas.openxmlformats.org/markup-compatibility/2006">
               <mc:Choice xmlns:v="urn:schemas-microsoft-com:vml" Requires="v">
-                <p:oleObj spid="_x0000_s17571" name="Visio" r:id="rId4" imgW="12039600" imgH="10124985" progId="Visio.Drawing.15">
+                <p:oleObj spid="_x0000_s17595" name="Visio" r:id="rId4" imgW="12039600" imgH="10124985" progId="Visio.Drawing.15">
                   <p:embed/>
                 </p:oleObj>
               </mc:Choice>
@@ -14255,7 +14295,7 @@
           <a:graphicData uri="http://schemas.openxmlformats.org/presentationml/2006/ole">
             <mc:AlternateContent xmlns:mc="http://schemas.openxmlformats.org/markup-compatibility/2006">
               <mc:Choice xmlns:v="urn:schemas-microsoft-com:vml" Requires="v">
-                <p:oleObj spid="_x0000_s17572" name="Visio" r:id="rId10" imgW="12039600" imgH="10124985" progId="Visio.Drawing.15">
+                <p:oleObj spid="_x0000_s17596" name="Visio" r:id="rId10" imgW="12039600" imgH="10124985" progId="Visio.Drawing.15">
                   <p:embed/>
                 </p:oleObj>
               </mc:Choice>
@@ -14322,7 +14362,7 @@
           <a:graphicData uri="http://schemas.openxmlformats.org/presentationml/2006/ole">
             <mc:AlternateContent xmlns:mc="http://schemas.openxmlformats.org/markup-compatibility/2006">
               <mc:Choice xmlns:v="urn:schemas-microsoft-com:vml" Requires="v">
-                <p:oleObj spid="_x0000_s17573" name="Visio" r:id="rId12" imgW="12039600" imgH="10124985" progId="Visio.Drawing.15">
+                <p:oleObj spid="_x0000_s17597" name="Visio" r:id="rId12" imgW="12039600" imgH="10124985" progId="Visio.Drawing.15">
                   <p:embed/>
                 </p:oleObj>
               </mc:Choice>
@@ -14383,7 +14423,7 @@
           <a:graphicData uri="http://schemas.openxmlformats.org/presentationml/2006/ole">
             <mc:AlternateContent xmlns:mc="http://schemas.openxmlformats.org/markup-compatibility/2006">
               <mc:Choice xmlns:v="urn:schemas-microsoft-com:vml" Requires="v">
-                <p:oleObj spid="_x0000_s17574" name="Visio" r:id="rId14" imgW="12039600" imgH="10124985" progId="Visio.Drawing.15">
+                <p:oleObj spid="_x0000_s17598" name="Visio" r:id="rId14" imgW="12039600" imgH="10124985" progId="Visio.Drawing.15">
                   <p:embed/>
                 </p:oleObj>
               </mc:Choice>

--- a/Presentation.pptx
+++ b/Presentation.pptx
@@ -428,11 +428,11 @@
           <c:showPercent val="0"/>
           <c:showBubbleSize val="0"/>
         </c:dLbls>
-        <c:axId val="138239552"/>
-        <c:axId val="138239944"/>
+        <c:axId val="282518608"/>
+        <c:axId val="282519000"/>
       </c:scatterChart>
       <c:valAx>
-        <c:axId val="138239552"/>
+        <c:axId val="282518608"/>
         <c:scaling>
           <c:orientation val="minMax"/>
         </c:scaling>
@@ -471,7 +471,6 @@
               </a:p>
             </c:rich>
           </c:tx>
-          <c:layout/>
           <c:overlay val="0"/>
           <c:spPr>
             <a:noFill/>
@@ -533,12 +532,12 @@
             <a:endParaRPr lang="uk-UA"/>
           </a:p>
         </c:txPr>
-        <c:crossAx val="138239944"/>
+        <c:crossAx val="282519000"/>
         <c:crosses val="autoZero"/>
         <c:crossBetween val="midCat"/>
       </c:valAx>
       <c:valAx>
-        <c:axId val="138239944"/>
+        <c:axId val="282519000"/>
         <c:scaling>
           <c:orientation val="minMax"/>
         </c:scaling>
@@ -577,7 +576,6 @@
               </a:p>
             </c:rich>
           </c:tx>
-          <c:layout/>
           <c:overlay val="0"/>
           <c:spPr>
             <a:noFill/>
@@ -639,7 +637,7 @@
             <a:endParaRPr lang="uk-UA"/>
           </a:p>
         </c:txPr>
-        <c:crossAx val="138239552"/>
+        <c:crossAx val="282518608"/>
         <c:crosses val="autoZero"/>
         <c:crossBetween val="midCat"/>
       </c:valAx>
@@ -1316,7 +1314,7 @@
           <a:p>
             <a:fld id="{AF540B8D-410A-4478-BECA-94BC9C67F289}" type="datetimeFigureOut">
               <a:rPr lang="uk-UA" smtClean="0"/>
-              <a:t>08.05.2015</a:t>
+              <a:t>10.06.2015</a:t>
             </a:fld>
             <a:endParaRPr lang="uk-UA"/>
           </a:p>
@@ -1481,7 +1479,7 @@
           <a:p>
             <a:fld id="{69190D90-451E-4BE2-A181-68566B6D9411}" type="datetimeFigureOut">
               <a:rPr lang="uk-UA" smtClean="0"/>
-              <a:t>08.05.2015</a:t>
+              <a:t>10.06.2015</a:t>
             </a:fld>
             <a:endParaRPr lang="uk-UA" dirty="0"/>
           </a:p>
@@ -1830,11 +1828,7 @@
           <a:p>
             <a:r>
               <a:rPr lang="ru-RU" baseline="0" dirty="0" smtClean="0"/>
-              <a:t>Сегодня я расскажу про то, как разрабатывался </a:t>
-            </a:r>
-            <a:r>
-              <a:rPr lang="ru-RU" baseline="0" dirty="0" smtClean="0"/>
-              <a:t>комплекс</a:t>
+              <a:t>Сегодня я расскажу про то, как разрабатывался комплекс</a:t>
             </a:r>
             <a:r>
               <a:rPr lang="en-US" baseline="0" dirty="0" smtClean="0"/>
@@ -1842,11 +1836,7 @@
             </a:r>
             <a:r>
               <a:rPr lang="ru-RU" baseline="0" dirty="0" smtClean="0"/>
-              <a:t>для </a:t>
-            </a:r>
-            <a:r>
-              <a:rPr lang="ru-RU" baseline="0" dirty="0" smtClean="0"/>
-              <a:t>сравнительного анализа целостности передачи данных в беспроводных каналах связи.</a:t>
+              <a:t>для сравнительного анализа целостности передачи данных в беспроводных каналах связи.</a:t>
             </a:r>
             <a:endParaRPr lang="uk-UA" baseline="0" dirty="0" smtClean="0"/>
           </a:p>
@@ -1868,15 +1858,7 @@
           <a:p>
             <a:r>
               <a:rPr lang="ru-RU" baseline="0" dirty="0" smtClean="0"/>
-              <a:t>	Быстрое развитие беспроводных технологий привело к заполнению рабочих частот и увеличению взаимного влияния беспроводных сетей друг на </a:t>
-            </a:r>
-            <a:r>
-              <a:rPr lang="ru-RU" baseline="0" dirty="0" smtClean="0"/>
-              <a:t>друга - коллизий. </a:t>
-            </a:r>
-            <a:r>
-              <a:rPr lang="ru-RU" baseline="0" dirty="0" smtClean="0"/>
-              <a:t>Такое негативное влияние приводит к ухудшению условий передачи данных, то есть ухудшение целостности обмена информацией в таких сетях. </a:t>
+              <a:t>	Быстрое развитие беспроводных технологий привело к заполнению рабочих частот и увеличению взаимного влияния беспроводных сетей друг на друга - коллизий. Такое негативное влияние приводит к ухудшению условий передачи данных, то есть ухудшение целостности обмена информацией в таких сетях. </a:t>
             </a:r>
             <a:r>
               <a:rPr lang="ru-RU" b="1" baseline="0" dirty="0" smtClean="0"/>
@@ -2194,11 +2176,7 @@
             </a:r>
             <a:r>
               <a:rPr lang="ru-RU" dirty="0" smtClean="0"/>
-              <a:t>Каждому конкретному устройству соответствует массив </a:t>
-            </a:r>
-            <a:r>
-              <a:rPr lang="ru-RU" dirty="0" smtClean="0"/>
-              <a:t>карт (</a:t>
+              <a:t>Каждому конкретному устройству соответствует массив карт (</a:t>
             </a:r>
             <a:r>
               <a:rPr lang="ru-RU" b="1" dirty="0" smtClean="0"/>
@@ -2206,23 +2184,7 @@
             </a:r>
             <a:r>
               <a:rPr lang="ru-RU" dirty="0" smtClean="0"/>
-              <a:t>) </a:t>
-            </a:r>
-            <a:r>
-              <a:rPr lang="ru-RU" dirty="0" smtClean="0"/>
-              <a:t>с RSSI в качестве ключа и количеством </a:t>
-            </a:r>
-            <a:r>
-              <a:rPr lang="ru-RU" dirty="0" smtClean="0"/>
-              <a:t>RSSI </a:t>
-            </a:r>
-            <a:r>
-              <a:rPr lang="ru-RU" dirty="0" smtClean="0"/>
-              <a:t>в качестве значения</a:t>
-            </a:r>
-            <a:r>
-              <a:rPr lang="ru-RU" dirty="0" smtClean="0"/>
-              <a:t>.</a:t>
+              <a:t>) с RSSI в качестве ключа и количеством RSSI в качестве значения.</a:t>
             </a:r>
           </a:p>
           <a:p>
@@ -3291,11 +3253,7 @@
             </a:r>
             <a:r>
               <a:rPr lang="ru-RU" baseline="0" dirty="0" smtClean="0"/>
-              <a:t> интерфейсы для передачи </a:t>
-            </a:r>
-            <a:r>
-              <a:rPr lang="ru-RU" baseline="0" dirty="0" smtClean="0"/>
-              <a:t>данных, имеют разный уровень чувствительности.</a:t>
+              <a:t> интерфейсы для передачи данных, имеют разный уровень чувствительности.</a:t>
             </a:r>
           </a:p>
           <a:p>
@@ -3693,15 +3651,7 @@
             </a:r>
             <a:r>
               <a:rPr lang="ru-RU" baseline="0" dirty="0" smtClean="0"/>
-              <a:t> устройства, </a:t>
-            </a:r>
-            <a:r>
-              <a:rPr lang="ru-RU" baseline="0" dirty="0" smtClean="0"/>
-              <a:t>то </a:t>
-            </a:r>
-            <a:r>
-              <a:rPr lang="ru-RU" baseline="0" dirty="0" smtClean="0"/>
-              <a:t>поиск устройств реализован с использованием двух разных библиотек.</a:t>
+              <a:t> устройства, то поиск устройств реализован с использованием двух разных библиотек.</a:t>
             </a:r>
             <a:endParaRPr lang="ru-RU" dirty="0" smtClean="0"/>
           </a:p>
@@ -3900,7 +3850,6 @@
               <a:rPr lang="ru-RU" baseline="0" dirty="0" smtClean="0"/>
               <a:t> результата работы устройства.</a:t>
             </a:r>
-            <a:endParaRPr lang="ru-RU" baseline="0" dirty="0" smtClean="0"/>
           </a:p>
           <a:p>
             <a:endParaRPr lang="ru-RU" baseline="0" dirty="0" smtClean="0"/>
@@ -4164,13 +4113,8 @@
             </a:r>
             <a:r>
               <a:rPr lang="ru-RU" baseline="0" dirty="0" smtClean="0"/>
-              <a:t>и генерирует массивы с модой, медианой, средним и максимальными </a:t>
-            </a:r>
-            <a:r>
-              <a:rPr lang="ru-RU" baseline="0" dirty="0" smtClean="0"/>
-              <a:t>значениями.</a:t>
-            </a:r>
-            <a:endParaRPr lang="ru-RU" baseline="0" dirty="0" smtClean="0"/>
+              <a:t>и генерирует массивы с модой, медианой, средним и максимальными значениями.</a:t>
+            </a:r>
           </a:p>
           <a:p>
             <a:pPr marL="0" marR="0" indent="0" algn="l" defTabSz="914400" rtl="0" eaLnBrk="1" fontAlgn="auto" latinLnBrk="0" hangingPunct="1">
@@ -4382,15 +4326,7 @@
             </a:r>
             <a:r>
               <a:rPr lang="ru-RU" sz="1600" b="0" baseline="0" dirty="0" smtClean="0"/>
-              <a:t>времени расчета </a:t>
-            </a:r>
-            <a:r>
-              <a:rPr lang="ru-RU" sz="1600" b="0" baseline="0" dirty="0" smtClean="0"/>
-              <a:t>в </a:t>
-            </a:r>
-            <a:r>
-              <a:rPr lang="ru-RU" sz="1600" b="0" baseline="0" dirty="0" smtClean="0"/>
-              <a:t>условии прироста данных.</a:t>
+              <a:t>времени расчета в условии прироста данных.</a:t>
             </a:r>
           </a:p>
           <a:p>
@@ -4405,11 +4341,7 @@
           <a:p>
             <a:r>
               <a:rPr lang="ru-RU" sz="1600" b="0" baseline="0" dirty="0" smtClean="0"/>
-              <a:t>	Для решения проблемы было использовано </a:t>
-            </a:r>
-            <a:r>
-              <a:rPr lang="ru-RU" sz="1600" b="0" baseline="0" dirty="0" smtClean="0"/>
-              <a:t>специальные структуры данных.</a:t>
+              <a:t>	Для решения проблемы было использовано специальные структуры данных.</a:t>
             </a:r>
             <a:endParaRPr lang="uk-UA" sz="1600" b="0" dirty="0"/>
           </a:p>
@@ -4555,11 +4487,7 @@
             </a:r>
             <a:r>
               <a:rPr lang="ru-RU" baseline="0" dirty="0" smtClean="0"/>
-              <a:t> значение показывает интенсивность сигнала за определенный временной интервал</a:t>
-            </a:r>
-            <a:r>
-              <a:rPr lang="ru-RU" baseline="0" dirty="0" smtClean="0"/>
-              <a:t>. </a:t>
+              <a:t> значение показывает интенсивность сигнала за определенный временной интервал. </a:t>
             </a:r>
             <a:r>
               <a:rPr lang="ru-RU" b="1" baseline="0" dirty="0" smtClean="0"/>
@@ -4882,7 +4810,7 @@
           <a:p>
             <a:fld id="{4B3FEE5C-4EFA-4EBD-A460-680EAB01F724}" type="datetimeFigureOut">
               <a:rPr lang="uk-UA" smtClean="0"/>
-              <a:t>08.05.2015</a:t>
+              <a:t>10.06.2015</a:t>
             </a:fld>
             <a:endParaRPr lang="uk-UA" dirty="0"/>
           </a:p>
@@ -5071,7 +4999,7 @@
           <a:p>
             <a:fld id="{4B3FEE5C-4EFA-4EBD-A460-680EAB01F724}" type="datetimeFigureOut">
               <a:rPr lang="uk-UA" smtClean="0"/>
-              <a:t>08.05.2015</a:t>
+              <a:t>10.06.2015</a:t>
             </a:fld>
             <a:endParaRPr lang="uk-UA" dirty="0"/>
           </a:p>
@@ -5263,7 +5191,7 @@
           <a:p>
             <a:fld id="{4B3FEE5C-4EFA-4EBD-A460-680EAB01F724}" type="datetimeFigureOut">
               <a:rPr lang="uk-UA" smtClean="0"/>
-              <a:t>08.05.2015</a:t>
+              <a:t>10.06.2015</a:t>
             </a:fld>
             <a:endParaRPr lang="uk-UA" dirty="0"/>
           </a:p>
@@ -5445,7 +5373,7 @@
           <a:p>
             <a:fld id="{4B3FEE5C-4EFA-4EBD-A460-680EAB01F724}" type="datetimeFigureOut">
               <a:rPr lang="uk-UA" smtClean="0"/>
-              <a:t>08.05.2015</a:t>
+              <a:t>10.06.2015</a:t>
             </a:fld>
             <a:endParaRPr lang="uk-UA" dirty="0"/>
           </a:p>
@@ -5710,7 +5638,7 @@
           <a:p>
             <a:fld id="{4B3FEE5C-4EFA-4EBD-A460-680EAB01F724}" type="datetimeFigureOut">
               <a:rPr lang="uk-UA" smtClean="0"/>
-              <a:t>08.05.2015</a:t>
+              <a:t>10.06.2015</a:t>
             </a:fld>
             <a:endParaRPr lang="uk-UA" dirty="0"/>
           </a:p>
@@ -5954,7 +5882,7 @@
           <a:p>
             <a:fld id="{4B3FEE5C-4EFA-4EBD-A460-680EAB01F724}" type="datetimeFigureOut">
               <a:rPr lang="uk-UA" smtClean="0"/>
-              <a:t>08.05.2015</a:t>
+              <a:t>10.06.2015</a:t>
             </a:fld>
             <a:endParaRPr lang="uk-UA" dirty="0"/>
           </a:p>
@@ -6333,7 +6261,7 @@
           <a:p>
             <a:fld id="{4B3FEE5C-4EFA-4EBD-A460-680EAB01F724}" type="datetimeFigureOut">
               <a:rPr lang="uk-UA" smtClean="0"/>
-              <a:t>08.05.2015</a:t>
+              <a:t>10.06.2015</a:t>
             </a:fld>
             <a:endParaRPr lang="uk-UA" dirty="0"/>
           </a:p>
@@ -6463,7 +6391,7 @@
           <a:p>
             <a:fld id="{4B3FEE5C-4EFA-4EBD-A460-680EAB01F724}" type="datetimeFigureOut">
               <a:rPr lang="uk-UA" smtClean="0"/>
-              <a:t>08.05.2015</a:t>
+              <a:t>10.06.2015</a:t>
             </a:fld>
             <a:endParaRPr lang="uk-UA" dirty="0"/>
           </a:p>
@@ -6577,7 +6505,7 @@
           <a:p>
             <a:fld id="{4B3FEE5C-4EFA-4EBD-A460-680EAB01F724}" type="datetimeFigureOut">
               <a:rPr lang="uk-UA" smtClean="0"/>
-              <a:t>08.05.2015</a:t>
+              <a:t>10.06.2015</a:t>
             </a:fld>
             <a:endParaRPr lang="uk-UA" dirty="0"/>
           </a:p>
@@ -6866,7 +6794,7 @@
           <a:p>
             <a:fld id="{4B3FEE5C-4EFA-4EBD-A460-680EAB01F724}" type="datetimeFigureOut">
               <a:rPr lang="uk-UA" smtClean="0"/>
-              <a:t>08.05.2015</a:t>
+              <a:t>10.06.2015</a:t>
             </a:fld>
             <a:endParaRPr lang="uk-UA" dirty="0"/>
           </a:p>
@@ -7131,7 +7059,7 @@
           <a:p>
             <a:fld id="{4B3FEE5C-4EFA-4EBD-A460-680EAB01F724}" type="datetimeFigureOut">
               <a:rPr lang="uk-UA" smtClean="0"/>
-              <a:t>08.05.2015</a:t>
+              <a:t>10.06.2015</a:t>
             </a:fld>
             <a:endParaRPr lang="uk-UA" dirty="0"/>
           </a:p>
@@ -7356,7 +7284,7 @@
           <a:p>
             <a:fld id="{4B3FEE5C-4EFA-4EBD-A460-680EAB01F724}" type="datetimeFigureOut">
               <a:rPr lang="uk-UA" smtClean="0"/>
-              <a:t>08.05.2015</a:t>
+              <a:t>10.06.2015</a:t>
             </a:fld>
             <a:endParaRPr lang="uk-UA" dirty="0"/>
           </a:p>
@@ -7970,12 +7898,12 @@
           <a:graphicData uri="http://schemas.openxmlformats.org/presentationml/2006/ole">
             <mc:AlternateContent xmlns:mc="http://schemas.openxmlformats.org/markup-compatibility/2006">
               <mc:Choice xmlns:v="urn:schemas-microsoft-com:vml" Requires="v">
-                <p:oleObj spid="_x0000_s4465" name="Visio" r:id="rId4" imgW="12039600" imgH="10124985" progId="Visio.Drawing.15">
+                <p:oleObj spid="_x0000_s4466" name="Visio" r:id="rId5" imgW="12039600" imgH="10124985" progId="Visio.Drawing.15">
                   <p:embed/>
                 </p:oleObj>
               </mc:Choice>
               <mc:Fallback>
-                <p:oleObj name="Visio" r:id="rId4" imgW="12039600" imgH="10124985" progId="Visio.Drawing.15">
+                <p:oleObj name="Visio" r:id="rId5" imgW="12039600" imgH="10124985" progId="Visio.Drawing.15">
                   <p:embed/>
                   <p:pic>
                     <p:nvPicPr>
@@ -7986,7 +7914,7 @@
                       <p:nvPr/>
                     </p:nvPicPr>
                     <p:blipFill>
-                      <a:blip r:embed="rId5">
+                      <a:blip r:embed="rId6">
                         <a:extLst>
                           <a:ext uri="{28A0092B-C50C-407E-A947-70E740481C1C}">
                             <a14:useLocalDpi xmlns:a14="http://schemas.microsoft.com/office/drawing/2010/main" val="0"/>
@@ -8052,7 +7980,7 @@
               <p:nvPr/>
             </p:nvPicPr>
             <p:blipFill>
-              <a:blip r:embed="rId6" cstate="print">
+              <a:blip r:embed="rId7" cstate="print">
                 <a:extLst>
                   <a:ext uri="{28A0092B-C50C-407E-A947-70E740481C1C}">
                     <a14:useLocalDpi xmlns:a14="http://schemas.microsoft.com/office/drawing/2010/main" val="0"/>
@@ -8082,7 +8010,7 @@
               <p:nvPr/>
             </p:nvPicPr>
             <p:blipFill>
-              <a:blip r:embed="rId6" cstate="print">
+              <a:blip r:embed="rId7" cstate="print">
                 <a:extLst>
                   <a:ext uri="{28A0092B-C50C-407E-A947-70E740481C1C}">
                     <a14:useLocalDpi xmlns:a14="http://schemas.microsoft.com/office/drawing/2010/main" val="0"/>
@@ -8112,7 +8040,7 @@
               <p:nvPr/>
             </p:nvPicPr>
             <p:blipFill>
-              <a:blip r:embed="rId6" cstate="print">
+              <a:blip r:embed="rId7" cstate="print">
                 <a:extLst>
                   <a:ext uri="{28A0092B-C50C-407E-A947-70E740481C1C}">
                     <a14:useLocalDpi xmlns:a14="http://schemas.microsoft.com/office/drawing/2010/main" val="0"/>
@@ -8981,7 +8909,7 @@
           <p:nvPr/>
         </p:nvPicPr>
         <p:blipFill>
-          <a:blip r:embed="rId7">
+          <a:blip r:embed="rId8">
             <a:extLst>
               <a:ext uri="{28A0092B-C50C-407E-A947-70E740481C1C}">
                 <a14:useLocalDpi xmlns:a14="http://schemas.microsoft.com/office/drawing/2010/main" val="0"/>
@@ -9011,7 +8939,7 @@
           <p:nvPr/>
         </p:nvPicPr>
         <p:blipFill>
-          <a:blip r:embed="rId8">
+          <a:blip r:embed="rId9">
             <a:extLst>
               <a:ext uri="{28A0092B-C50C-407E-A947-70E740481C1C}">
                 <a14:useLocalDpi xmlns:a14="http://schemas.microsoft.com/office/drawing/2010/main" val="0"/>
@@ -9041,7 +8969,7 @@
           <p:nvPr/>
         </p:nvPicPr>
         <p:blipFill>
-          <a:blip r:embed="rId9">
+          <a:blip r:embed="rId10">
             <a:extLst>
               <a:ext uri="{28A0092B-C50C-407E-A947-70E740481C1C}">
                 <a14:useLocalDpi xmlns:a14="http://schemas.microsoft.com/office/drawing/2010/main" val="0"/>
@@ -9071,7 +8999,7 @@
           <p:nvPr/>
         </p:nvPicPr>
         <p:blipFill>
-          <a:blip r:embed="rId10">
+          <a:blip r:embed="rId11">
             <a:extLst>
               <a:ext uri="{28A0092B-C50C-407E-A947-70E740481C1C}">
                 <a14:useLocalDpi xmlns:a14="http://schemas.microsoft.com/office/drawing/2010/main" val="0"/>
@@ -9917,12 +9845,12 @@
           <a:graphicData uri="http://schemas.openxmlformats.org/presentationml/2006/ole">
             <mc:AlternateContent xmlns:mc="http://schemas.openxmlformats.org/markup-compatibility/2006">
               <mc:Choice xmlns:v="urn:schemas-microsoft-com:vml" Requires="v">
-                <p:oleObj spid="_x0000_s16486" name="Visio" r:id="rId4" imgW="13496857" imgH="5267235" progId="Visio.Drawing.15">
+                <p:oleObj spid="_x0000_s16487" name="Visio" r:id="rId5" imgW="13496857" imgH="5267235" progId="Visio.Drawing.15">
                   <p:embed/>
                 </p:oleObj>
               </mc:Choice>
               <mc:Fallback>
-                <p:oleObj name="Visio" r:id="rId4" imgW="13496857" imgH="5267235" progId="Visio.Drawing.15">
+                <p:oleObj name="Visio" r:id="rId5" imgW="13496857" imgH="5267235" progId="Visio.Drawing.15">
                   <p:embed/>
                   <p:pic>
                     <p:nvPicPr>
@@ -9931,7 +9859,7 @@
                       <p:nvPr/>
                     </p:nvPicPr>
                     <p:blipFill>
-                      <a:blip r:embed="rId5"/>
+                      <a:blip r:embed="rId6"/>
                       <a:stretch>
                         <a:fillRect/>
                       </a:stretch>
@@ -9961,7 +9889,7 @@
           <p:nvPr/>
         </p:nvPicPr>
         <p:blipFill>
-          <a:blip r:embed="rId6">
+          <a:blip r:embed="rId7">
             <a:extLst>
               <a:ext uri="{28A0092B-C50C-407E-A947-70E740481C1C}">
                 <a14:useLocalDpi xmlns:a14="http://schemas.microsoft.com/office/drawing/2010/main" val="0"/>
@@ -10057,12 +9985,12 @@
           <a:graphicData uri="http://schemas.openxmlformats.org/presentationml/2006/ole">
             <mc:AlternateContent xmlns:mc="http://schemas.openxmlformats.org/markup-compatibility/2006">
               <mc:Choice xmlns:v="urn:schemas-microsoft-com:vml" Requires="v">
-                <p:oleObj spid="_x0000_s9532" name="Visio" r:id="rId4" imgW="13496857" imgH="5267235" progId="Visio.Drawing.15">
+                <p:oleObj spid="_x0000_s9533" name="Visio" r:id="rId5" imgW="13496857" imgH="5267235" progId="Visio.Drawing.15">
                   <p:embed/>
                 </p:oleObj>
               </mc:Choice>
               <mc:Fallback>
-                <p:oleObj name="Visio" r:id="rId4" imgW="13496857" imgH="5267235" progId="Visio.Drawing.15">
+                <p:oleObj name="Visio" r:id="rId5" imgW="13496857" imgH="5267235" progId="Visio.Drawing.15">
                   <p:embed/>
                   <p:pic>
                     <p:nvPicPr>
@@ -10071,7 +9999,7 @@
                       <p:nvPr/>
                     </p:nvPicPr>
                     <p:blipFill>
-                      <a:blip r:embed="rId5"/>
+                      <a:blip r:embed="rId6"/>
                       <a:stretch>
                         <a:fillRect/>
                       </a:stretch>
@@ -10101,7 +10029,7 @@
           <p:nvPr/>
         </p:nvPicPr>
         <p:blipFill>
-          <a:blip r:embed="rId6">
+          <a:blip r:embed="rId7">
             <a:extLst>
               <a:ext uri="{28A0092B-C50C-407E-A947-70E740481C1C}">
                 <a14:useLocalDpi xmlns:a14="http://schemas.microsoft.com/office/drawing/2010/main" val="0"/>
@@ -10188,12 +10116,12 @@
           <a:graphicData uri="http://schemas.openxmlformats.org/presentationml/2006/ole">
             <mc:AlternateContent xmlns:mc="http://schemas.openxmlformats.org/markup-compatibility/2006">
               <mc:Choice xmlns:v="urn:schemas-microsoft-com:vml" Requires="v">
-                <p:oleObj spid="_x0000_s10556" name="Visio" r:id="rId4" imgW="13496857" imgH="5267235" progId="Visio.Drawing.15">
+                <p:oleObj spid="_x0000_s10557" name="Visio" r:id="rId5" imgW="13496857" imgH="5267235" progId="Visio.Drawing.15">
                   <p:embed/>
                 </p:oleObj>
               </mc:Choice>
               <mc:Fallback>
-                <p:oleObj name="Visio" r:id="rId4" imgW="13496857" imgH="5267235" progId="Visio.Drawing.15">
+                <p:oleObj name="Visio" r:id="rId5" imgW="13496857" imgH="5267235" progId="Visio.Drawing.15">
                   <p:embed/>
                   <p:pic>
                     <p:nvPicPr>
@@ -10202,7 +10130,7 @@
                       <p:nvPr/>
                     </p:nvPicPr>
                     <p:blipFill>
-                      <a:blip r:embed="rId5"/>
+                      <a:blip r:embed="rId6"/>
                       <a:stretch>
                         <a:fillRect/>
                       </a:stretch>
@@ -10232,7 +10160,7 @@
           <p:nvPr/>
         </p:nvPicPr>
         <p:blipFill>
-          <a:blip r:embed="rId6">
+          <a:blip r:embed="rId7">
             <a:extLst>
               <a:ext uri="{28A0092B-C50C-407E-A947-70E740481C1C}">
                 <a14:useLocalDpi xmlns:a14="http://schemas.microsoft.com/office/drawing/2010/main" val="0"/>
@@ -10319,12 +10247,12 @@
           <a:graphicData uri="http://schemas.openxmlformats.org/presentationml/2006/ole">
             <mc:AlternateContent xmlns:mc="http://schemas.openxmlformats.org/markup-compatibility/2006">
               <mc:Choice xmlns:v="urn:schemas-microsoft-com:vml" Requires="v">
-                <p:oleObj spid="_x0000_s11579" name="Visio" r:id="rId4" imgW="13496857" imgH="5267235" progId="Visio.Drawing.15">
+                <p:oleObj spid="_x0000_s11580" name="Visio" r:id="rId5" imgW="13496857" imgH="5267235" progId="Visio.Drawing.15">
                   <p:embed/>
                 </p:oleObj>
               </mc:Choice>
               <mc:Fallback>
-                <p:oleObj name="Visio" r:id="rId4" imgW="13496857" imgH="5267235" progId="Visio.Drawing.15">
+                <p:oleObj name="Visio" r:id="rId5" imgW="13496857" imgH="5267235" progId="Visio.Drawing.15">
                   <p:embed/>
                   <p:pic>
                     <p:nvPicPr>
@@ -10333,7 +10261,7 @@
                       <p:nvPr/>
                     </p:nvPicPr>
                     <p:blipFill>
-                      <a:blip r:embed="rId5"/>
+                      <a:blip r:embed="rId6"/>
                       <a:stretch>
                         <a:fillRect/>
                       </a:stretch>
@@ -10363,7 +10291,7 @@
           <p:nvPr/>
         </p:nvPicPr>
         <p:blipFill>
-          <a:blip r:embed="rId6">
+          <a:blip r:embed="rId7">
             <a:extLst>
               <a:ext uri="{28A0092B-C50C-407E-A947-70E740481C1C}">
                 <a14:useLocalDpi xmlns:a14="http://schemas.microsoft.com/office/drawing/2010/main" val="0"/>
@@ -10450,12 +10378,12 @@
           <a:graphicData uri="http://schemas.openxmlformats.org/presentationml/2006/ole">
             <mc:AlternateContent xmlns:mc="http://schemas.openxmlformats.org/markup-compatibility/2006">
               <mc:Choice xmlns:v="urn:schemas-microsoft-com:vml" Requires="v">
-                <p:oleObj spid="_x0000_s12597" name="Visio" r:id="rId4" imgW="13496857" imgH="5267235" progId="Visio.Drawing.15">
+                <p:oleObj spid="_x0000_s12598" name="Visio" r:id="rId5" imgW="13496857" imgH="5267235" progId="Visio.Drawing.15">
                   <p:embed/>
                 </p:oleObj>
               </mc:Choice>
               <mc:Fallback>
-                <p:oleObj name="Visio" r:id="rId4" imgW="13496857" imgH="5267235" progId="Visio.Drawing.15">
+                <p:oleObj name="Visio" r:id="rId5" imgW="13496857" imgH="5267235" progId="Visio.Drawing.15">
                   <p:embed/>
                   <p:pic>
                     <p:nvPicPr>
@@ -10464,7 +10392,7 @@
                       <p:nvPr/>
                     </p:nvPicPr>
                     <p:blipFill>
-                      <a:blip r:embed="rId5"/>
+                      <a:blip r:embed="rId6"/>
                       <a:stretch>
                         <a:fillRect/>
                       </a:stretch>
@@ -10494,7 +10422,7 @@
           <p:nvPr/>
         </p:nvPicPr>
         <p:blipFill>
-          <a:blip r:embed="rId6">
+          <a:blip r:embed="rId7">
             <a:extLst>
               <a:ext uri="{28A0092B-C50C-407E-A947-70E740481C1C}">
                 <a14:useLocalDpi xmlns:a14="http://schemas.microsoft.com/office/drawing/2010/main" val="0"/>
@@ -11108,12 +11036,12 @@
           <a:graphicData uri="http://schemas.openxmlformats.org/presentationml/2006/ole">
             <mc:AlternateContent xmlns:mc="http://schemas.openxmlformats.org/markup-compatibility/2006">
               <mc:Choice xmlns:v="urn:schemas-microsoft-com:vml" Requires="v">
-                <p:oleObj spid="_x0000_s13450" name="Visio" r:id="rId4" imgW="13496857" imgH="5267235" progId="Visio.Drawing.15">
+                <p:oleObj spid="_x0000_s13451" name="Visio" r:id="rId5" imgW="13496857" imgH="5267235" progId="Visio.Drawing.15">
                   <p:embed/>
                 </p:oleObj>
               </mc:Choice>
               <mc:Fallback>
-                <p:oleObj name="Visio" r:id="rId4" imgW="13496857" imgH="5267235" progId="Visio.Drawing.15">
+                <p:oleObj name="Visio" r:id="rId5" imgW="13496857" imgH="5267235" progId="Visio.Drawing.15">
                   <p:embed/>
                   <p:pic>
                     <p:nvPicPr>
@@ -11122,7 +11050,7 @@
                       <p:nvPr/>
                     </p:nvPicPr>
                     <p:blipFill>
-                      <a:blip r:embed="rId5"/>
+                      <a:blip r:embed="rId6"/>
                       <a:stretch>
                         <a:fillRect/>
                       </a:stretch>
@@ -11152,7 +11080,7 @@
           <p:nvPr/>
         </p:nvPicPr>
         <p:blipFill>
-          <a:blip r:embed="rId6">
+          <a:blip r:embed="rId7">
             <a:extLst>
               <a:ext uri="{28A0092B-C50C-407E-A947-70E740481C1C}">
                 <a14:useLocalDpi xmlns:a14="http://schemas.microsoft.com/office/drawing/2010/main" val="0"/>
@@ -11324,12 +11252,12 @@
           <a:graphicData uri="http://schemas.openxmlformats.org/presentationml/2006/ole">
             <mc:AlternateContent xmlns:mc="http://schemas.openxmlformats.org/markup-compatibility/2006">
               <mc:Choice xmlns:v="urn:schemas-microsoft-com:vml" Requires="v">
-                <p:oleObj spid="_x0000_s8511" name="Visio" r:id="rId4" imgW="13496857" imgH="5267235" progId="Visio.Drawing.15">
+                <p:oleObj spid="_x0000_s8512" name="Visio" r:id="rId5" imgW="13496857" imgH="5267235" progId="Visio.Drawing.15">
                   <p:embed/>
                 </p:oleObj>
               </mc:Choice>
               <mc:Fallback>
-                <p:oleObj name="Visio" r:id="rId4" imgW="13496857" imgH="5267235" progId="Visio.Drawing.15">
+                <p:oleObj name="Visio" r:id="rId5" imgW="13496857" imgH="5267235" progId="Visio.Drawing.15">
                   <p:embed/>
                   <p:pic>
                     <p:nvPicPr>
@@ -11338,7 +11266,7 @@
                       <p:nvPr/>
                     </p:nvPicPr>
                     <p:blipFill>
-                      <a:blip r:embed="rId5"/>
+                      <a:blip r:embed="rId6"/>
                       <a:stretch>
                         <a:fillRect/>
                       </a:stretch>
@@ -11368,7 +11296,7 @@
           <p:nvPr/>
         </p:nvPicPr>
         <p:blipFill>
-          <a:blip r:embed="rId6">
+          <a:blip r:embed="rId7">
             <a:extLst>
               <a:ext uri="{28A0092B-C50C-407E-A947-70E740481C1C}">
                 <a14:useLocalDpi xmlns:a14="http://schemas.microsoft.com/office/drawing/2010/main" val="0"/>
@@ -11455,12 +11383,12 @@
           <a:graphicData uri="http://schemas.openxmlformats.org/presentationml/2006/ole">
             <mc:AlternateContent xmlns:mc="http://schemas.openxmlformats.org/markup-compatibility/2006">
               <mc:Choice xmlns:v="urn:schemas-microsoft-com:vml" Requires="v">
-                <p:oleObj spid="_x0000_s14473" name="Visio" r:id="rId4" imgW="13496857" imgH="5267235" progId="Visio.Drawing.15">
+                <p:oleObj spid="_x0000_s14474" name="Visio" r:id="rId5" imgW="13496857" imgH="5267235" progId="Visio.Drawing.15">
                   <p:embed/>
                 </p:oleObj>
               </mc:Choice>
               <mc:Fallback>
-                <p:oleObj name="Visio" r:id="rId4" imgW="13496857" imgH="5267235" progId="Visio.Drawing.15">
+                <p:oleObj name="Visio" r:id="rId5" imgW="13496857" imgH="5267235" progId="Visio.Drawing.15">
                   <p:embed/>
                   <p:pic>
                     <p:nvPicPr>
@@ -11469,7 +11397,7 @@
                       <p:nvPr/>
                     </p:nvPicPr>
                     <p:blipFill>
-                      <a:blip r:embed="rId5"/>
+                      <a:blip r:embed="rId6"/>
                       <a:stretch>
                         <a:fillRect/>
                       </a:stretch>
@@ -11499,7 +11427,7 @@
           <p:nvPr/>
         </p:nvPicPr>
         <p:blipFill>
-          <a:blip r:embed="rId6">
+          <a:blip r:embed="rId7">
             <a:extLst>
               <a:ext uri="{28A0092B-C50C-407E-A947-70E740481C1C}">
                 <a14:useLocalDpi xmlns:a14="http://schemas.microsoft.com/office/drawing/2010/main" val="0"/>
@@ -12971,44 +12899,6 @@
           </a:p>
         </p:txBody>
       </p:sp>
-      <p:sp>
-        <p:nvSpPr>
-          <p:cNvPr id="8" name="TextBox 7"/>
-          <p:cNvSpPr txBox="1"/>
-          <p:nvPr/>
-        </p:nvSpPr>
-        <p:spPr>
-          <a:xfrm>
-            <a:off x="1282023" y="1851645"/>
-            <a:ext cx="9614578" cy="2554545"/>
-          </a:xfrm>
-          <a:prstGeom prst="rect">
-            <a:avLst/>
-          </a:prstGeom>
-          <a:noFill/>
-        </p:spPr>
-        <p:txBody>
-          <a:bodyPr wrap="square" rtlCol="0">
-            <a:spAutoFit/>
-          </a:bodyPr>
-          <a:lstStyle/>
-          <a:p>
-            <a:r>
-              <a:rPr lang="ru-RU" sz="8000" dirty="0" smtClean="0">
-                <a:solidFill>
-                  <a:srgbClr val="FF0000"/>
-                </a:solidFill>
-              </a:rPr>
-              <a:t>Нужен ли слайд о структуре шаблона?</a:t>
-            </a:r>
-            <a:endParaRPr lang="uk-UA" sz="8000" dirty="0">
-              <a:solidFill>
-                <a:srgbClr val="FF0000"/>
-              </a:solidFill>
-            </a:endParaRPr>
-          </a:p>
-        </p:txBody>
-      </p:sp>
     </p:spTree>
     <p:extLst>
       <p:ext uri="{BB962C8B-B14F-4D97-AF65-F5344CB8AC3E}">
@@ -13080,12 +12970,12 @@
           <a:graphicData uri="http://schemas.openxmlformats.org/presentationml/2006/ole">
             <mc:AlternateContent xmlns:mc="http://schemas.openxmlformats.org/markup-compatibility/2006">
               <mc:Choice xmlns:v="urn:schemas-microsoft-com:vml" Requires="v">
-                <p:oleObj spid="_x0000_s6499" name="Visio" r:id="rId4" imgW="13496857" imgH="5267235" progId="Visio.Drawing.15">
+                <p:oleObj spid="_x0000_s6500" name="Visio" r:id="rId5" imgW="13496857" imgH="5267235" progId="Visio.Drawing.15">
                   <p:embed/>
                 </p:oleObj>
               </mc:Choice>
               <mc:Fallback>
-                <p:oleObj name="Visio" r:id="rId4" imgW="13496857" imgH="5267235" progId="Visio.Drawing.15">
+                <p:oleObj name="Visio" r:id="rId5" imgW="13496857" imgH="5267235" progId="Visio.Drawing.15">
                   <p:embed/>
                   <p:pic>
                     <p:nvPicPr>
@@ -13094,7 +12984,7 @@
                       <p:nvPr/>
                     </p:nvPicPr>
                     <p:blipFill>
-                      <a:blip r:embed="rId5"/>
+                      <a:blip r:embed="rId6"/>
                       <a:stretch>
                         <a:fillRect/>
                       </a:stretch>
@@ -13124,7 +13014,7 @@
           <p:nvPr/>
         </p:nvPicPr>
         <p:blipFill>
-          <a:blip r:embed="rId6">
+          <a:blip r:embed="rId7">
             <a:extLst>
               <a:ext uri="{28A0092B-C50C-407E-A947-70E740481C1C}">
                 <a14:useLocalDpi xmlns:a14="http://schemas.microsoft.com/office/drawing/2010/main" val="0"/>
@@ -13651,12 +13541,12 @@
           <a:graphicData uri="http://schemas.openxmlformats.org/presentationml/2006/ole">
             <mc:AlternateContent xmlns:mc="http://schemas.openxmlformats.org/markup-compatibility/2006">
               <mc:Choice xmlns:v="urn:schemas-microsoft-com:vml" Requires="v">
-                <p:oleObj spid="_x0000_s17595" name="Visio" r:id="rId4" imgW="12039600" imgH="10124985" progId="Visio.Drawing.15">
+                <p:oleObj spid="_x0000_s17599" name="Visio" r:id="rId5" imgW="12039600" imgH="10124985" progId="Visio.Drawing.15">
                   <p:embed/>
                 </p:oleObj>
               </mc:Choice>
               <mc:Fallback>
-                <p:oleObj name="Visio" r:id="rId4" imgW="12039600" imgH="10124985" progId="Visio.Drawing.15">
+                <p:oleObj name="Visio" r:id="rId5" imgW="12039600" imgH="10124985" progId="Visio.Drawing.15">
                   <p:embed/>
                   <p:pic>
                     <p:nvPicPr>
@@ -13667,7 +13557,7 @@
                       <p:nvPr/>
                     </p:nvPicPr>
                     <p:blipFill>
-                      <a:blip r:embed="rId5"/>
+                      <a:blip r:embed="rId6"/>
                       <a:srcRect t="21144"/>
                       <a:stretch>
                         <a:fillRect/>
@@ -13772,7 +13662,7 @@
                 <a:avLst/>
               </a:prstGeom>
               <a:blipFill rotWithShape="0">
-                <a:blip r:embed="rId6"/>
+                <a:blip r:embed="rId7"/>
                 <a:stretch>
                   <a:fillRect/>
                 </a:stretch>
@@ -13904,7 +13794,7 @@
                 <a:avLst/>
               </a:prstGeom>
               <a:blipFill rotWithShape="0">
-                <a:blip r:embed="rId7"/>
+                <a:blip r:embed="rId8"/>
                 <a:stretch>
                   <a:fillRect/>
                 </a:stretch>
@@ -14144,7 +14034,7 @@
                 <a:avLst/>
               </a:prstGeom>
               <a:blipFill rotWithShape="0">
-                <a:blip r:embed="rId8"/>
+                <a:blip r:embed="rId9"/>
                 <a:stretch>
                   <a:fillRect/>
                 </a:stretch>
@@ -14252,7 +14142,7 @@
                 <a:avLst/>
               </a:prstGeom>
               <a:blipFill rotWithShape="0">
-                <a:blip r:embed="rId9"/>
+                <a:blip r:embed="rId10"/>
                 <a:stretch>
                   <a:fillRect/>
                 </a:stretch>
@@ -14295,12 +14185,12 @@
           <a:graphicData uri="http://schemas.openxmlformats.org/presentationml/2006/ole">
             <mc:AlternateContent xmlns:mc="http://schemas.openxmlformats.org/markup-compatibility/2006">
               <mc:Choice xmlns:v="urn:schemas-microsoft-com:vml" Requires="v">
-                <p:oleObj spid="_x0000_s17596" name="Visio" r:id="rId10" imgW="12039600" imgH="10124985" progId="Visio.Drawing.15">
+                <p:oleObj spid="_x0000_s17600" name="Visio" r:id="rId12" imgW="12039600" imgH="10124985" progId="Visio.Drawing.15">
                   <p:embed/>
                 </p:oleObj>
               </mc:Choice>
               <mc:Fallback>
-                <p:oleObj name="Visio" r:id="rId10" imgW="12039600" imgH="10124985" progId="Visio.Drawing.15">
+                <p:oleObj name="Visio" r:id="rId12" imgW="12039600" imgH="10124985" progId="Visio.Drawing.15">
                   <p:embed/>
                   <p:pic>
                     <p:nvPicPr>
@@ -14311,7 +14201,7 @@
                       <p:nvPr/>
                     </p:nvPicPr>
                     <p:blipFill>
-                      <a:blip r:embed="rId11">
+                      <a:blip r:embed="rId13">
                         <a:extLst>
                           <a:ext uri="{28A0092B-C50C-407E-A947-70E740481C1C}">
                             <a14:useLocalDpi xmlns:a14="http://schemas.microsoft.com/office/drawing/2010/main" val="0"/>
@@ -14362,12 +14252,12 @@
           <a:graphicData uri="http://schemas.openxmlformats.org/presentationml/2006/ole">
             <mc:AlternateContent xmlns:mc="http://schemas.openxmlformats.org/markup-compatibility/2006">
               <mc:Choice xmlns:v="urn:schemas-microsoft-com:vml" Requires="v">
-                <p:oleObj spid="_x0000_s17597" name="Visio" r:id="rId12" imgW="12039600" imgH="10124985" progId="Visio.Drawing.15">
+                <p:oleObj spid="_x0000_s17601" name="Visio" r:id="rId15" imgW="12039600" imgH="10124985" progId="Visio.Drawing.15">
                   <p:embed/>
                 </p:oleObj>
               </mc:Choice>
               <mc:Fallback>
-                <p:oleObj name="Visio" r:id="rId12" imgW="12039600" imgH="10124985" progId="Visio.Drawing.15">
+                <p:oleObj name="Visio" r:id="rId15" imgW="12039600" imgH="10124985" progId="Visio.Drawing.15">
                   <p:embed/>
                   <p:pic>
                     <p:nvPicPr>
@@ -14378,7 +14268,7 @@
                       <p:nvPr/>
                     </p:nvPicPr>
                     <p:blipFill>
-                      <a:blip r:embed="rId13"/>
+                      <a:blip r:embed="rId16"/>
                       <a:srcRect t="21144"/>
                       <a:stretch>
                         <a:fillRect/>
@@ -14423,12 +14313,12 @@
           <a:graphicData uri="http://schemas.openxmlformats.org/presentationml/2006/ole">
             <mc:AlternateContent xmlns:mc="http://schemas.openxmlformats.org/markup-compatibility/2006">
               <mc:Choice xmlns:v="urn:schemas-microsoft-com:vml" Requires="v">
-                <p:oleObj spid="_x0000_s17598" name="Visio" r:id="rId14" imgW="12039600" imgH="10124985" progId="Visio.Drawing.15">
+                <p:oleObj spid="_x0000_s17602" name="Visio" r:id="rId18" imgW="12039600" imgH="10124985" progId="Visio.Drawing.15">
                   <p:embed/>
                 </p:oleObj>
               </mc:Choice>
               <mc:Fallback>
-                <p:oleObj name="Visio" r:id="rId14" imgW="12039600" imgH="10124985" progId="Visio.Drawing.15">
+                <p:oleObj name="Visio" r:id="rId18" imgW="12039600" imgH="10124985" progId="Visio.Drawing.15">
                   <p:embed/>
                   <p:pic>
                     <p:nvPicPr>
@@ -14439,7 +14329,7 @@
                       <p:nvPr/>
                     </p:nvPicPr>
                     <p:blipFill>
-                      <a:blip r:embed="rId15"/>
+                      <a:blip r:embed="rId19"/>
                       <a:srcRect t="21144"/>
                       <a:stretch>
                         <a:fillRect/>

--- a/Presentation.pptx
+++ b/Presentation.pptx
@@ -29,7 +29,7 @@
     <p:sldId id="270" r:id="rId17"/>
   </p:sldIdLst>
   <p:sldSz cx="12192000" cy="6858000"/>
-  <p:notesSz cx="6858000" cy="9144000"/>
+  <p:notesSz cx="6797675" cy="9926638"/>
   <p:defaultTextStyle>
     <a:defPPr>
       <a:defRPr lang="uk-UA"/>
@@ -198,12 +198,12 @@
     </p:ext>
     <p:ext uri="{2D200454-40CA-4A62-9FC3-DE9A4176ACB9}">
       <p15:notesGuideLst xmlns:p15="http://schemas.microsoft.com/office/powerpoint/2012/main">
-        <p15:guide id="1" orient="horz" pos="2880" userDrawn="1">
+        <p15:guide id="1" orient="horz" pos="3127" userDrawn="1">
           <p15:clr>
             <a:srgbClr val="A4A3A4"/>
           </p15:clr>
         </p15:guide>
-        <p15:guide id="2" pos="2160" userDrawn="1">
+        <p15:guide id="2" pos="2141" userDrawn="1">
           <p15:clr>
             <a:srgbClr val="A4A3A4"/>
           </p15:clr>
@@ -344,7 +344,9 @@
           <c:spPr>
             <a:ln w="22225" cap="rnd">
               <a:solidFill>
-                <a:schemeClr val="accent1"/>
+                <a:schemeClr val="accent2">
+                  <a:lumMod val="75000"/>
+                </a:schemeClr>
               </a:solidFill>
               <a:round/>
             </a:ln>
@@ -362,7 +364,9 @@
             <c:spPr>
               <a:ln w="22225" cap="rnd">
                 <a:solidFill>
-                  <a:schemeClr val="accent1"/>
+                  <a:schemeClr val="accent2">
+                    <a:lumMod val="75000"/>
+                  </a:schemeClr>
                 </a:solidFill>
                 <a:round/>
                 <a:tailEnd type="stealth" w="lg" len="lg"/>
@@ -428,11 +432,11 @@
           <c:showPercent val="0"/>
           <c:showBubbleSize val="0"/>
         </c:dLbls>
-        <c:axId val="282518608"/>
-        <c:axId val="282519000"/>
+        <c:axId val="232314672"/>
+        <c:axId val="232977928"/>
       </c:scatterChart>
       <c:valAx>
-        <c:axId val="282518608"/>
+        <c:axId val="232314672"/>
         <c:scaling>
           <c:orientation val="minMax"/>
         </c:scaling>
@@ -471,6 +475,7 @@
               </a:p>
             </c:rich>
           </c:tx>
+          <c:layout/>
           <c:overlay val="0"/>
           <c:spPr>
             <a:noFill/>
@@ -532,12 +537,12 @@
             <a:endParaRPr lang="uk-UA"/>
           </a:p>
         </c:txPr>
-        <c:crossAx val="282519000"/>
+        <c:crossAx val="232977928"/>
         <c:crosses val="autoZero"/>
         <c:crossBetween val="midCat"/>
       </c:valAx>
       <c:valAx>
-        <c:axId val="282519000"/>
+        <c:axId val="232977928"/>
         <c:scaling>
           <c:orientation val="minMax"/>
         </c:scaling>
@@ -576,6 +581,7 @@
               </a:p>
             </c:rich>
           </c:tx>
+          <c:layout/>
           <c:overlay val="0"/>
           <c:spPr>
             <a:noFill/>
@@ -637,7 +643,7 @@
             <a:endParaRPr lang="uk-UA"/>
           </a:p>
         </c:txPr>
-        <c:crossAx val="282518608"/>
+        <c:crossAx val="232314672"/>
         <c:crosses val="autoZero"/>
         <c:crossBetween val="midCat"/>
       </c:valAx>
@@ -1266,15 +1272,15 @@
         </p:nvSpPr>
         <p:spPr>
           <a:xfrm>
-            <a:off x="0" y="0"/>
-            <a:ext cx="2971800" cy="458788"/>
+            <a:off x="2" y="1"/>
+            <a:ext cx="2945659" cy="498056"/>
           </a:xfrm>
           <a:prstGeom prst="rect">
             <a:avLst/>
           </a:prstGeom>
         </p:spPr>
         <p:txBody>
-          <a:bodyPr vert="horz" lIns="91440" tIns="45720" rIns="91440" bIns="45720" rtlCol="0"/>
+          <a:bodyPr vert="horz" lIns="91430" tIns="45714" rIns="91430" bIns="45714" rtlCol="0"/>
           <a:lstStyle>
             <a:lvl1pPr algn="l">
               <a:defRPr sz="1200"/>
@@ -1297,15 +1303,15 @@
         </p:nvSpPr>
         <p:spPr>
           <a:xfrm>
-            <a:off x="3884613" y="0"/>
-            <a:ext cx="2971800" cy="458788"/>
+            <a:off x="3850444" y="1"/>
+            <a:ext cx="2945659" cy="498056"/>
           </a:xfrm>
           <a:prstGeom prst="rect">
             <a:avLst/>
           </a:prstGeom>
         </p:spPr>
         <p:txBody>
-          <a:bodyPr vert="horz" lIns="91440" tIns="45720" rIns="91440" bIns="45720" rtlCol="0"/>
+          <a:bodyPr vert="horz" lIns="91430" tIns="45714" rIns="91430" bIns="45714" rtlCol="0"/>
           <a:lstStyle>
             <a:lvl1pPr algn="r">
               <a:defRPr sz="1200"/>
@@ -1314,7 +1320,7 @@
           <a:p>
             <a:fld id="{AF540B8D-410A-4478-BECA-94BC9C67F289}" type="datetimeFigureOut">
               <a:rPr lang="uk-UA" smtClean="0"/>
-              <a:t>10.06.2015</a:t>
+              <a:t>15.06.2015</a:t>
             </a:fld>
             <a:endParaRPr lang="uk-UA"/>
           </a:p>
@@ -1332,15 +1338,15 @@
         </p:nvSpPr>
         <p:spPr>
           <a:xfrm>
-            <a:off x="0" y="8685213"/>
-            <a:ext cx="2971800" cy="458787"/>
+            <a:off x="2" y="9428585"/>
+            <a:ext cx="2945659" cy="498055"/>
           </a:xfrm>
           <a:prstGeom prst="rect">
             <a:avLst/>
           </a:prstGeom>
         </p:spPr>
         <p:txBody>
-          <a:bodyPr vert="horz" lIns="91440" tIns="45720" rIns="91440" bIns="45720" rtlCol="0" anchor="b"/>
+          <a:bodyPr vert="horz" lIns="91430" tIns="45714" rIns="91430" bIns="45714" rtlCol="0" anchor="b"/>
           <a:lstStyle>
             <a:lvl1pPr algn="l">
               <a:defRPr sz="1200"/>
@@ -1363,15 +1369,15 @@
         </p:nvSpPr>
         <p:spPr>
           <a:xfrm>
-            <a:off x="3884613" y="8685213"/>
-            <a:ext cx="2971800" cy="458787"/>
+            <a:off x="3850444" y="9428585"/>
+            <a:ext cx="2945659" cy="498055"/>
           </a:xfrm>
           <a:prstGeom prst="rect">
             <a:avLst/>
           </a:prstGeom>
         </p:spPr>
         <p:txBody>
-          <a:bodyPr vert="horz" lIns="91440" tIns="45720" rIns="91440" bIns="45720" rtlCol="0" anchor="b"/>
+          <a:bodyPr vert="horz" lIns="91430" tIns="45714" rIns="91430" bIns="45714" rtlCol="0" anchor="b"/>
           <a:lstStyle>
             <a:lvl1pPr algn="r">
               <a:defRPr sz="1200"/>
@@ -1394,6 +1400,7 @@
     </p:extLst>
   </p:cSld>
   <p:clrMap bg1="lt1" tx1="dk1" bg2="lt2" tx2="dk2" accent1="accent1" accent2="accent2" accent3="accent3" accent4="accent4" accent5="accent5" accent6="accent6" hlink="hlink" folHlink="folHlink"/>
+  <p:hf hdr="0" ftr="0" dt="0"/>
 </p:handoutMaster>
 </file>
 
@@ -1431,15 +1438,15 @@
         </p:nvSpPr>
         <p:spPr>
           <a:xfrm>
-            <a:off x="0" y="0"/>
-            <a:ext cx="2971800" cy="458788"/>
+            <a:off x="2" y="1"/>
+            <a:ext cx="2945659" cy="498056"/>
           </a:xfrm>
           <a:prstGeom prst="rect">
             <a:avLst/>
           </a:prstGeom>
         </p:spPr>
         <p:txBody>
-          <a:bodyPr vert="horz" lIns="91440" tIns="45720" rIns="91440" bIns="45720" rtlCol="0"/>
+          <a:bodyPr vert="horz" lIns="91430" tIns="45714" rIns="91430" bIns="45714" rtlCol="0"/>
           <a:lstStyle>
             <a:lvl1pPr algn="l">
               <a:defRPr sz="1200"/>
@@ -1462,15 +1469,15 @@
         </p:nvSpPr>
         <p:spPr>
           <a:xfrm>
-            <a:off x="3884613" y="0"/>
-            <a:ext cx="2971800" cy="458788"/>
+            <a:off x="3850444" y="1"/>
+            <a:ext cx="2945659" cy="498056"/>
           </a:xfrm>
           <a:prstGeom prst="rect">
             <a:avLst/>
           </a:prstGeom>
         </p:spPr>
         <p:txBody>
-          <a:bodyPr vert="horz" lIns="91440" tIns="45720" rIns="91440" bIns="45720" rtlCol="0"/>
+          <a:bodyPr vert="horz" lIns="91430" tIns="45714" rIns="91430" bIns="45714" rtlCol="0"/>
           <a:lstStyle>
             <a:lvl1pPr algn="r">
               <a:defRPr sz="1200"/>
@@ -1479,7 +1486,7 @@
           <a:p>
             <a:fld id="{69190D90-451E-4BE2-A181-68566B6D9411}" type="datetimeFigureOut">
               <a:rPr lang="uk-UA" smtClean="0"/>
-              <a:t>10.06.2015</a:t>
+              <a:t>15.06.2015</a:t>
             </a:fld>
             <a:endParaRPr lang="uk-UA" dirty="0"/>
           </a:p>
@@ -1497,8 +1504,8 @@
         </p:nvSpPr>
         <p:spPr>
           <a:xfrm>
-            <a:off x="685800" y="1143000"/>
-            <a:ext cx="5486400" cy="3086100"/>
+            <a:off x="422275" y="1241425"/>
+            <a:ext cx="5953125" cy="3348038"/>
           </a:xfrm>
           <a:prstGeom prst="rect">
             <a:avLst/>
@@ -1511,7 +1518,7 @@
           </a:ln>
         </p:spPr>
         <p:txBody>
-          <a:bodyPr vert="horz" lIns="91440" tIns="45720" rIns="91440" bIns="45720" rtlCol="0" anchor="ctr"/>
+          <a:bodyPr vert="horz" lIns="91430" tIns="45714" rIns="91430" bIns="45714" rtlCol="0" anchor="ctr"/>
           <a:lstStyle/>
           <a:p>
             <a:endParaRPr lang="uk-UA" dirty="0"/>
@@ -1530,15 +1537,15 @@
         </p:nvSpPr>
         <p:spPr>
           <a:xfrm>
-            <a:off x="685800" y="4400550"/>
-            <a:ext cx="5486400" cy="3600450"/>
+            <a:off x="679768" y="4777194"/>
+            <a:ext cx="5438140" cy="3908615"/>
           </a:xfrm>
           <a:prstGeom prst="rect">
             <a:avLst/>
           </a:prstGeom>
         </p:spPr>
         <p:txBody>
-          <a:bodyPr vert="horz" lIns="91440" tIns="45720" rIns="91440" bIns="45720" rtlCol="0"/>
+          <a:bodyPr vert="horz" lIns="91430" tIns="45714" rIns="91430" bIns="45714" rtlCol="0"/>
           <a:lstStyle/>
           <a:p>
             <a:pPr lvl="0"/>
@@ -1590,15 +1597,15 @@
         </p:nvSpPr>
         <p:spPr>
           <a:xfrm>
-            <a:off x="0" y="8685213"/>
-            <a:ext cx="2971800" cy="458787"/>
+            <a:off x="2" y="9428585"/>
+            <a:ext cx="2945659" cy="498055"/>
           </a:xfrm>
           <a:prstGeom prst="rect">
             <a:avLst/>
           </a:prstGeom>
         </p:spPr>
         <p:txBody>
-          <a:bodyPr vert="horz" lIns="91440" tIns="45720" rIns="91440" bIns="45720" rtlCol="0" anchor="b"/>
+          <a:bodyPr vert="horz" lIns="91430" tIns="45714" rIns="91430" bIns="45714" rtlCol="0" anchor="b"/>
           <a:lstStyle>
             <a:lvl1pPr algn="l">
               <a:defRPr sz="1200"/>
@@ -1621,15 +1628,15 @@
         </p:nvSpPr>
         <p:spPr>
           <a:xfrm>
-            <a:off x="3884613" y="8685213"/>
-            <a:ext cx="2971800" cy="458787"/>
+            <a:off x="3850444" y="9428585"/>
+            <a:ext cx="2945659" cy="498055"/>
           </a:xfrm>
           <a:prstGeom prst="rect">
             <a:avLst/>
           </a:prstGeom>
         </p:spPr>
         <p:txBody>
-          <a:bodyPr vert="horz" lIns="91440" tIns="45720" rIns="91440" bIns="45720" rtlCol="0" anchor="b"/>
+          <a:bodyPr vert="horz" lIns="91430" tIns="45714" rIns="91430" bIns="45714" rtlCol="0" anchor="b"/>
           <a:lstStyle>
             <a:lvl1pPr algn="r">
               <a:defRPr sz="1200"/>
@@ -1652,6 +1659,7 @@
     </p:extLst>
   </p:cSld>
   <p:clrMap bg1="lt1" tx1="dk1" bg2="lt2" tx2="dk2" accent1="accent1" accent2="accent2" accent3="accent3" accent4="accent4" accent5="accent5" accent6="accent6" hlink="hlink" folHlink="folHlink"/>
+  <p:hf hdr="0" ftr="0" dt="0"/>
   <p:notesStyle>
     <a:lvl1pPr marL="0" algn="l" defTabSz="914400" rtl="0" eaLnBrk="1" latinLnBrk="0" hangingPunct="1">
       <a:defRPr sz="1200" kern="1200">
@@ -1776,8 +1784,8 @@
         </p:nvSpPr>
         <p:spPr>
           <a:xfrm>
-            <a:off x="685800" y="1143000"/>
-            <a:ext cx="5486400" cy="3086100"/>
+            <a:off x="422275" y="1241425"/>
+            <a:ext cx="5953125" cy="3348038"/>
           </a:xfrm>
         </p:spPr>
       </p:sp>
@@ -1876,21 +1884,7 @@
             </a:r>
           </a:p>
           <a:p>
-            <a:pPr marL="0" marR="0" indent="0" algn="l" defTabSz="914400" rtl="0" eaLnBrk="1" fontAlgn="auto" latinLnBrk="0" hangingPunct="1">
-              <a:lnSpc>
-                <a:spcPct val="100000"/>
-              </a:lnSpc>
-              <a:spcBef>
-                <a:spcPts val="0"/>
-              </a:spcBef>
-              <a:spcAft>
-                <a:spcPts val="0"/>
-              </a:spcAft>
-              <a:buClrTx/>
-              <a:buSzTx/>
-              <a:buFontTx/>
-              <a:buNone/>
-              <a:tabLst/>
+            <a:pPr defTabSz="914295">
               <a:defRPr/>
             </a:pPr>
             <a:r>
@@ -1910,7 +1904,7 @@
               <a:t>принципы работы </a:t>
             </a:r>
             <a:r>
-              <a:rPr lang="ru-RU" sz="1200" i="0" baseline="0" dirty="0" smtClean="0">
+              <a:rPr lang="ru-RU" dirty="0">
                 <a:solidFill>
                   <a:srgbClr val="FF0000"/>
                 </a:solidFill>
@@ -1918,7 +1912,7 @@
               <a:t>программы</a:t>
             </a:r>
             <a:r>
-              <a:rPr lang="ru-RU" sz="1200" baseline="0" dirty="0" smtClean="0"/>
+              <a:rPr lang="ru-RU" dirty="0"/>
               <a:t> </a:t>
             </a:r>
             <a:r>
@@ -2004,8 +1998,8 @@
         </p:nvSpPr>
         <p:spPr>
           <a:xfrm>
-            <a:off x="685800" y="1143000"/>
-            <a:ext cx="5486400" cy="3086100"/>
+            <a:off x="422275" y="1241425"/>
+            <a:ext cx="5953125" cy="3348038"/>
           </a:xfrm>
         </p:spPr>
       </p:sp>
@@ -2024,21 +2018,7 @@
           <a:bodyPr/>
           <a:lstStyle/>
           <a:p>
-            <a:pPr marL="0" marR="0" indent="0" algn="l" defTabSz="914400" rtl="0" eaLnBrk="1" fontAlgn="auto" latinLnBrk="0" hangingPunct="1">
-              <a:lnSpc>
-                <a:spcPct val="100000"/>
-              </a:lnSpc>
-              <a:spcBef>
-                <a:spcPts val="0"/>
-              </a:spcBef>
-              <a:spcAft>
-                <a:spcPts val="0"/>
-              </a:spcAft>
-              <a:buClrTx/>
-              <a:buSzTx/>
-              <a:buFontTx/>
-              <a:buNone/>
-              <a:tabLst/>
+            <a:pPr defTabSz="914295">
               <a:defRPr/>
             </a:pPr>
             <a:r>
@@ -2056,21 +2036,7 @@
             <a:endParaRPr lang="uk-UA" b="1" dirty="0" smtClean="0"/>
           </a:p>
           <a:p>
-            <a:pPr marL="0" marR="0" indent="0" algn="l" defTabSz="914400" rtl="0" eaLnBrk="1" fontAlgn="auto" latinLnBrk="0" hangingPunct="1">
-              <a:lnSpc>
-                <a:spcPct val="100000"/>
-              </a:lnSpc>
-              <a:spcBef>
-                <a:spcPts val="0"/>
-              </a:spcBef>
-              <a:spcAft>
-                <a:spcPts val="0"/>
-              </a:spcAft>
-              <a:buClrTx/>
-              <a:buSzTx/>
-              <a:buFontTx/>
-              <a:buNone/>
-              <a:tabLst/>
+            <a:pPr defTabSz="914295">
               <a:defRPr/>
             </a:pPr>
             <a:r>
@@ -2079,21 +2045,7 @@
             </a:r>
           </a:p>
           <a:p>
-            <a:pPr marL="0" marR="0" indent="0" algn="l" defTabSz="914400" rtl="0" eaLnBrk="1" fontAlgn="auto" latinLnBrk="0" hangingPunct="1">
-              <a:lnSpc>
-                <a:spcPct val="100000"/>
-              </a:lnSpc>
-              <a:spcBef>
-                <a:spcPts val="0"/>
-              </a:spcBef>
-              <a:spcAft>
-                <a:spcPts val="0"/>
-              </a:spcAft>
-              <a:buClrTx/>
-              <a:buSzTx/>
-              <a:buFontTx/>
-              <a:buNone/>
-              <a:tabLst/>
+            <a:pPr defTabSz="914295">
               <a:defRPr/>
             </a:pPr>
             <a:r>
@@ -2119,41 +2071,13 @@
             <a:endParaRPr lang="ru-RU" b="1" dirty="0" smtClean="0"/>
           </a:p>
           <a:p>
-            <a:pPr marL="0" marR="0" indent="0" algn="l" defTabSz="914400" rtl="0" eaLnBrk="1" fontAlgn="auto" latinLnBrk="0" hangingPunct="1">
-              <a:lnSpc>
-                <a:spcPct val="100000"/>
-              </a:lnSpc>
-              <a:spcBef>
-                <a:spcPts val="0"/>
-              </a:spcBef>
-              <a:spcAft>
-                <a:spcPts val="0"/>
-              </a:spcAft>
-              <a:buClrTx/>
-              <a:buSzTx/>
-              <a:buFontTx/>
-              <a:buNone/>
-              <a:tabLst/>
+            <a:pPr defTabSz="914295">
               <a:defRPr/>
             </a:pPr>
             <a:endParaRPr lang="ru-RU" dirty="0" smtClean="0"/>
           </a:p>
           <a:p>
-            <a:pPr marL="0" marR="0" indent="0" algn="l" defTabSz="914400" rtl="0" eaLnBrk="1" fontAlgn="auto" latinLnBrk="0" hangingPunct="1">
-              <a:lnSpc>
-                <a:spcPct val="100000"/>
-              </a:lnSpc>
-              <a:spcBef>
-                <a:spcPts val="0"/>
-              </a:spcBef>
-              <a:spcAft>
-                <a:spcPts val="0"/>
-              </a:spcAft>
-              <a:buClrTx/>
-              <a:buSzTx/>
-              <a:buFontTx/>
-              <a:buNone/>
-              <a:tabLst/>
+            <a:pPr defTabSz="914295">
               <a:defRPr/>
             </a:pPr>
             <a:r>
@@ -2274,21 +2198,7 @@
             <a:endParaRPr lang="ru-RU" baseline="0" dirty="0" smtClean="0"/>
           </a:p>
           <a:p>
-            <a:pPr marL="0" marR="0" indent="0" algn="l" defTabSz="914400" rtl="0" eaLnBrk="1" fontAlgn="auto" latinLnBrk="0" hangingPunct="1">
-              <a:lnSpc>
-                <a:spcPct val="100000"/>
-              </a:lnSpc>
-              <a:spcBef>
-                <a:spcPts val="0"/>
-              </a:spcBef>
-              <a:spcAft>
-                <a:spcPts val="0"/>
-              </a:spcAft>
-              <a:buClrTx/>
-              <a:buSzTx/>
-              <a:buFontTx/>
-              <a:buNone/>
-              <a:tabLst/>
+            <a:pPr defTabSz="914295">
               <a:defRPr/>
             </a:pPr>
             <a:r>
@@ -2364,8 +2274,8 @@
         </p:nvSpPr>
         <p:spPr>
           <a:xfrm>
-            <a:off x="685800" y="1143000"/>
-            <a:ext cx="5486400" cy="3086100"/>
+            <a:off x="422275" y="1241425"/>
+            <a:ext cx="5953125" cy="3348038"/>
           </a:xfrm>
         </p:spPr>
       </p:sp>
@@ -2423,15 +2333,7 @@
               <a:t>в такой форме, что бы их можно было загрузить в программу (используется </a:t>
             </a:r>
             <a:r>
-              <a:rPr lang="uk-UA" sz="1200" kern="1200" dirty="0" err="1" smtClean="0">
-                <a:solidFill>
-                  <a:schemeClr val="tx1"/>
-                </a:solidFill>
-                <a:effectLst/>
-                <a:latin typeface="+mn-lt"/>
-                <a:ea typeface="+mn-ea"/>
-                <a:cs typeface="+mn-cs"/>
-              </a:rPr>
+              <a:rPr lang="uk-UA" dirty="0" err="1"/>
               <a:t>JSON</a:t>
             </a:r>
             <a:r>
@@ -2548,8 +2450,8 @@
         </p:nvSpPr>
         <p:spPr>
           <a:xfrm>
-            <a:off x="685800" y="1143000"/>
-            <a:ext cx="5486400" cy="3086100"/>
+            <a:off x="422275" y="1241425"/>
+            <a:ext cx="5953125" cy="3348038"/>
           </a:xfrm>
         </p:spPr>
       </p:sp>
@@ -2645,8 +2547,8 @@
         </p:nvSpPr>
         <p:spPr>
           <a:xfrm>
-            <a:off x="685800" y="1143000"/>
-            <a:ext cx="5486400" cy="3086100"/>
+            <a:off x="422275" y="1241425"/>
+            <a:ext cx="5953125" cy="3348038"/>
           </a:xfrm>
         </p:spPr>
       </p:sp>
@@ -2702,112 +2604,32 @@
               <a:t>программы </a:t>
             </a:r>
             <a:r>
-              <a:rPr lang="uk-UA" sz="1200" kern="1200" dirty="0" err="1" smtClean="0">
-                <a:solidFill>
-                  <a:schemeClr val="tx1"/>
-                </a:solidFill>
-                <a:effectLst/>
-                <a:latin typeface="+mn-lt"/>
-                <a:ea typeface="+mn-ea"/>
-                <a:cs typeface="+mn-cs"/>
-              </a:rPr>
+              <a:rPr lang="uk-UA" dirty="0" err="1"/>
               <a:t>ifconfig</a:t>
             </a:r>
             <a:r>
-              <a:rPr lang="uk-UA" sz="1200" kern="1200" dirty="0" smtClean="0">
-                <a:solidFill>
-                  <a:schemeClr val="tx1"/>
-                </a:solidFill>
-                <a:effectLst/>
-                <a:latin typeface="+mn-lt"/>
-                <a:ea typeface="+mn-ea"/>
-                <a:cs typeface="+mn-cs"/>
-              </a:rPr>
-              <a:t> и</a:t>
-            </a:r>
-            <a:r>
-              <a:rPr lang="uk-UA" sz="1200" kern="1200" baseline="0" dirty="0" smtClean="0">
-                <a:solidFill>
-                  <a:schemeClr val="tx1"/>
-                </a:solidFill>
-                <a:effectLst/>
-                <a:latin typeface="+mn-lt"/>
-                <a:ea typeface="+mn-ea"/>
-                <a:cs typeface="+mn-cs"/>
-              </a:rPr>
-              <a:t> </a:t>
-            </a:r>
-            <a:r>
-              <a:rPr lang="uk-UA" sz="1200" kern="1200" dirty="0" err="1" smtClean="0">
-                <a:solidFill>
-                  <a:schemeClr val="tx1"/>
-                </a:solidFill>
-                <a:effectLst/>
-                <a:latin typeface="+mn-lt"/>
-                <a:ea typeface="+mn-ea"/>
-                <a:cs typeface="+mn-cs"/>
-              </a:rPr>
+              <a:rPr lang="uk-UA" dirty="0"/>
+              <a:t> и </a:t>
+            </a:r>
+            <a:r>
+              <a:rPr lang="uk-UA" dirty="0" err="1"/>
               <a:t>iw</a:t>
             </a:r>
             <a:r>
-              <a:rPr lang="ru-RU" sz="1200" kern="1200" baseline="0" dirty="0" smtClean="0">
-                <a:solidFill>
-                  <a:schemeClr val="tx1"/>
-                </a:solidFill>
-                <a:effectLst/>
-                <a:latin typeface="+mn-lt"/>
-                <a:ea typeface="+mn-ea"/>
-                <a:cs typeface="+mn-cs"/>
-              </a:rPr>
+              <a:rPr lang="ru-RU" dirty="0"/>
               <a:t>. Траффик отлавливается программой </a:t>
             </a:r>
             <a:r>
-              <a:rPr lang="uk-UA" sz="1200" kern="1200" dirty="0" err="1" smtClean="0">
-                <a:solidFill>
-                  <a:schemeClr val="tx1"/>
-                </a:solidFill>
-                <a:effectLst/>
-                <a:latin typeface="+mn-lt"/>
-                <a:ea typeface="+mn-ea"/>
-                <a:cs typeface="+mn-cs"/>
-              </a:rPr>
+              <a:rPr lang="uk-UA" dirty="0" err="1"/>
               <a:t>tcpdump</a:t>
             </a:r>
             <a:r>
-              <a:rPr lang="uk-UA" sz="1200" kern="1200" dirty="0" smtClean="0">
-                <a:solidFill>
-                  <a:schemeClr val="tx1"/>
-                </a:solidFill>
-                <a:effectLst/>
-                <a:latin typeface="+mn-lt"/>
-                <a:ea typeface="+mn-ea"/>
-                <a:cs typeface="+mn-cs"/>
-              </a:rPr>
+              <a:rPr lang="uk-UA" dirty="0"/>
               <a:t> и </a:t>
             </a:r>
             <a:r>
-              <a:rPr lang="ru-RU" sz="1200" kern="1200" noProof="0" dirty="0" smtClean="0">
-                <a:solidFill>
-                  <a:schemeClr val="tx1"/>
-                </a:solidFill>
-                <a:effectLst/>
-                <a:latin typeface="+mn-lt"/>
-                <a:ea typeface="+mn-ea"/>
-                <a:cs typeface="+mn-cs"/>
-              </a:rPr>
-              <a:t>парсится в форму пригодную</a:t>
-            </a:r>
-            <a:r>
-              <a:rPr lang="ru-RU" sz="1200" kern="1200" baseline="0" noProof="0" dirty="0" smtClean="0">
-                <a:solidFill>
-                  <a:schemeClr val="tx1"/>
-                </a:solidFill>
-                <a:effectLst/>
-                <a:latin typeface="+mn-lt"/>
-                <a:ea typeface="+mn-ea"/>
-                <a:cs typeface="+mn-cs"/>
-              </a:rPr>
-              <a:t> для обработки.</a:t>
+              <a:rPr lang="ru-RU" dirty="0"/>
+              <a:t>парсится в форму пригодную для обработки.</a:t>
             </a:r>
             <a:endParaRPr lang="ru-RU" noProof="0" dirty="0"/>
           </a:p>
@@ -2878,8 +2700,8 @@
         </p:nvSpPr>
         <p:spPr>
           <a:xfrm>
-            <a:off x="685800" y="1143000"/>
-            <a:ext cx="5486400" cy="3086100"/>
+            <a:off x="422275" y="1241425"/>
+            <a:ext cx="5953125" cy="3348038"/>
           </a:xfrm>
         </p:spPr>
       </p:sp>
@@ -2975,8 +2797,8 @@
         </p:nvSpPr>
         <p:spPr>
           <a:xfrm>
-            <a:off x="685800" y="1143000"/>
-            <a:ext cx="5486400" cy="3086100"/>
+            <a:off x="422275" y="1241425"/>
+            <a:ext cx="5953125" cy="3348038"/>
           </a:xfrm>
         </p:spPr>
       </p:sp>
@@ -3033,7 +2855,7 @@
             </a:r>
           </a:p>
           <a:p>
-            <a:pPr marL="628650" lvl="1" indent="-171450">
+            <a:pPr marL="628577" lvl="1" indent="-171430">
               <a:buFont typeface="Arial" panose="020B0604020202020204" pitchFamily="34" charset="0"/>
               <a:buChar char="•"/>
             </a:pPr>
@@ -3043,7 +2865,7 @@
             </a:r>
           </a:p>
           <a:p>
-            <a:pPr marL="628650" lvl="1" indent="-171450">
+            <a:pPr marL="628577" lvl="1" indent="-171430">
               <a:buFont typeface="Arial" panose="020B0604020202020204" pitchFamily="34" charset="0"/>
               <a:buChar char="•"/>
             </a:pPr>
@@ -3330,8 +3152,8 @@
         </p:nvSpPr>
         <p:spPr>
           <a:xfrm>
-            <a:off x="685800" y="1143000"/>
-            <a:ext cx="5486400" cy="3086100"/>
+            <a:off x="422275" y="1241425"/>
+            <a:ext cx="5953125" cy="3348038"/>
           </a:xfrm>
         </p:spPr>
       </p:sp>
@@ -3376,52 +3198,16 @@
               <a:t>так как она хорошо показывает </a:t>
             </a:r>
             <a:r>
-              <a:rPr lang="ru-RU" sz="1200" b="0" i="0" kern="1200" noProof="0" dirty="0" smtClean="0">
-                <a:solidFill>
-                  <a:schemeClr val="tx1"/>
-                </a:solidFill>
-                <a:effectLst/>
-                <a:latin typeface="+mn-lt"/>
-                <a:ea typeface="+mn-ea"/>
-                <a:cs typeface="+mn-cs"/>
-              </a:rPr>
+              <a:rPr lang="ru-RU" dirty="0"/>
               <a:t>линии жизни каждого модуля</a:t>
             </a:r>
             <a:r>
-              <a:rPr lang="uk-UA" sz="1200" b="0" i="0" kern="1200" dirty="0" smtClean="0">
-                <a:solidFill>
-                  <a:schemeClr val="tx1"/>
-                </a:solidFill>
-                <a:effectLst/>
-                <a:latin typeface="+mn-lt"/>
-                <a:ea typeface="+mn-ea"/>
-                <a:cs typeface="+mn-cs"/>
-              </a:rPr>
+              <a:rPr lang="uk-UA" dirty="0"/>
               <a:t>. </a:t>
             </a:r>
             <a:r>
-              <a:rPr lang="ru-RU" sz="1200" b="0" i="0" kern="1200" dirty="0" smtClean="0">
-                <a:solidFill>
-                  <a:schemeClr val="tx1"/>
-                </a:solidFill>
-                <a:effectLst/>
-                <a:latin typeface="+mn-lt"/>
-                <a:ea typeface="+mn-ea"/>
-                <a:cs typeface="+mn-cs"/>
-              </a:rPr>
-              <a:t>Программа реализована модульной для</a:t>
-            </a:r>
-            <a:r>
-              <a:rPr lang="ru-RU" sz="1200" b="0" i="0" kern="1200" baseline="0" dirty="0" smtClean="0">
-                <a:solidFill>
-                  <a:schemeClr val="tx1"/>
-                </a:solidFill>
-                <a:effectLst/>
-                <a:latin typeface="+mn-lt"/>
-                <a:ea typeface="+mn-ea"/>
-                <a:cs typeface="+mn-cs"/>
-              </a:rPr>
-              <a:t> легкости доработки, сопровождения и повторного использования.</a:t>
+              <a:rPr lang="ru-RU" dirty="0"/>
+              <a:t>Программа реализована модульной для легкости доработки, сопровождения и повторного использования.</a:t>
             </a:r>
             <a:endParaRPr lang="ru-RU" dirty="0" smtClean="0"/>
           </a:p>
@@ -3538,8 +3324,8 @@
         </p:nvSpPr>
         <p:spPr>
           <a:xfrm>
-            <a:off x="685800" y="1143000"/>
-            <a:ext cx="5486400" cy="3086100"/>
+            <a:off x="422275" y="1241425"/>
+            <a:ext cx="5953125" cy="3348038"/>
           </a:xfrm>
         </p:spPr>
       </p:sp>
@@ -3736,8 +3522,8 @@
         </p:nvSpPr>
         <p:spPr>
           <a:xfrm>
-            <a:off x="685800" y="1143000"/>
-            <a:ext cx="5486400" cy="3086100"/>
+            <a:off x="422275" y="1241425"/>
+            <a:ext cx="5953125" cy="3348038"/>
           </a:xfrm>
         </p:spPr>
       </p:sp>
@@ -4030,8 +3816,8 @@
         </p:nvSpPr>
         <p:spPr>
           <a:xfrm>
-            <a:off x="685800" y="1143000"/>
-            <a:ext cx="5486400" cy="3086100"/>
+            <a:off x="422275" y="1241425"/>
+            <a:ext cx="5953125" cy="3348038"/>
           </a:xfrm>
         </p:spPr>
       </p:sp>
@@ -4050,21 +3836,7 @@
           <a:bodyPr/>
           <a:lstStyle/>
           <a:p>
-            <a:pPr marL="0" marR="0" indent="0" algn="l" defTabSz="914400" rtl="0" eaLnBrk="1" fontAlgn="auto" latinLnBrk="0" hangingPunct="1">
-              <a:lnSpc>
-                <a:spcPct val="100000"/>
-              </a:lnSpc>
-              <a:spcBef>
-                <a:spcPts val="0"/>
-              </a:spcBef>
-              <a:spcAft>
-                <a:spcPts val="0"/>
-              </a:spcAft>
-              <a:buClrTx/>
-              <a:buSzTx/>
-              <a:buFontTx/>
-              <a:buNone/>
-              <a:tabLst/>
+            <a:pPr defTabSz="914295">
               <a:defRPr/>
             </a:pPr>
             <a:r>
@@ -4082,21 +3854,7 @@
             <a:endParaRPr lang="uk-UA" b="1" dirty="0" smtClean="0"/>
           </a:p>
           <a:p>
-            <a:pPr marL="0" marR="0" indent="0" algn="l" defTabSz="914400" rtl="0" eaLnBrk="1" fontAlgn="auto" latinLnBrk="0" hangingPunct="1">
-              <a:lnSpc>
-                <a:spcPct val="100000"/>
-              </a:lnSpc>
-              <a:spcBef>
-                <a:spcPts val="0"/>
-              </a:spcBef>
-              <a:spcAft>
-                <a:spcPts val="0"/>
-              </a:spcAft>
-              <a:buClrTx/>
-              <a:buSzTx/>
-              <a:buFontTx/>
-              <a:buNone/>
-              <a:tabLst/>
+            <a:pPr defTabSz="914295">
               <a:defRPr/>
             </a:pPr>
             <a:r>
@@ -4117,41 +3875,13 @@
             </a:r>
           </a:p>
           <a:p>
-            <a:pPr marL="0" marR="0" indent="0" algn="l" defTabSz="914400" rtl="0" eaLnBrk="1" fontAlgn="auto" latinLnBrk="0" hangingPunct="1">
-              <a:lnSpc>
-                <a:spcPct val="100000"/>
-              </a:lnSpc>
-              <a:spcBef>
-                <a:spcPts val="0"/>
-              </a:spcBef>
-              <a:spcAft>
-                <a:spcPts val="0"/>
-              </a:spcAft>
-              <a:buClrTx/>
-              <a:buSzTx/>
-              <a:buFontTx/>
-              <a:buNone/>
-              <a:tabLst/>
+            <a:pPr defTabSz="914295">
               <a:defRPr/>
             </a:pPr>
             <a:endParaRPr lang="ru-RU" baseline="0" dirty="0" smtClean="0"/>
           </a:p>
           <a:p>
-            <a:pPr marL="0" marR="0" indent="0" algn="l" defTabSz="914400" rtl="0" eaLnBrk="1" fontAlgn="auto" latinLnBrk="0" hangingPunct="1">
-              <a:lnSpc>
-                <a:spcPct val="100000"/>
-              </a:lnSpc>
-              <a:spcBef>
-                <a:spcPts val="0"/>
-              </a:spcBef>
-              <a:spcAft>
-                <a:spcPts val="0"/>
-              </a:spcAft>
-              <a:buClrTx/>
-              <a:buSzTx/>
-              <a:buFontTx/>
-              <a:buNone/>
-              <a:tabLst/>
+            <a:pPr defTabSz="914295">
               <a:defRPr/>
             </a:pPr>
             <a:r>
@@ -4160,21 +3890,7 @@
             </a:r>
           </a:p>
           <a:p>
-            <a:pPr marL="0" marR="0" indent="0" algn="l" defTabSz="914400" rtl="0" eaLnBrk="1" fontAlgn="auto" latinLnBrk="0" hangingPunct="1">
-              <a:lnSpc>
-                <a:spcPct val="100000"/>
-              </a:lnSpc>
-              <a:spcBef>
-                <a:spcPts val="0"/>
-              </a:spcBef>
-              <a:spcAft>
-                <a:spcPts val="0"/>
-              </a:spcAft>
-              <a:buClrTx/>
-              <a:buSzTx/>
-              <a:buFontTx/>
-              <a:buNone/>
-              <a:tabLst/>
+            <a:pPr defTabSz="914295">
               <a:defRPr/>
             </a:pPr>
             <a:r>
@@ -4253,8 +3969,8 @@
         </p:nvSpPr>
         <p:spPr>
           <a:xfrm>
-            <a:off x="685800" y="1143000"/>
-            <a:ext cx="5486400" cy="3086100"/>
+            <a:off x="422275" y="1241425"/>
+            <a:ext cx="5953125" cy="3348038"/>
           </a:xfrm>
         </p:spPr>
       </p:sp>
@@ -4274,76 +3990,60 @@
           <a:lstStyle/>
           <a:p>
             <a:r>
-              <a:rPr lang="ru-RU" sz="1400" b="1" dirty="0" smtClean="0"/>
+              <a:rPr lang="ru-RU" b="1" dirty="0"/>
               <a:t>Проблематика:</a:t>
             </a:r>
           </a:p>
           <a:p>
             <a:r>
-              <a:rPr lang="ru-RU" sz="1400" b="0" dirty="0" smtClean="0"/>
-              <a:t>	… слишком много данных.</a:t>
-            </a:r>
-            <a:r>
-              <a:rPr lang="ru-RU" sz="1400" b="0" baseline="0" dirty="0" smtClean="0"/>
-              <a:t> </a:t>
-            </a:r>
-            <a:r>
-              <a:rPr lang="ru-RU" sz="1400" b="0" dirty="0" smtClean="0"/>
-              <a:t>Используя стандартные формулы мы получаем Линейное увеличение времени при расчете</a:t>
-            </a:r>
-            <a:r>
-              <a:rPr lang="ru-RU" sz="1400" b="0" baseline="0" dirty="0" smtClean="0"/>
-              <a:t> (моды, медианы, среднего и максимального значений) из за того, что объём данных постоянно увеличивается. В этом случае, на определенном этапе своей работы, программа просто захлебнется значениями, которые нужно обработать.</a:t>
-            </a:r>
-          </a:p>
-          <a:p>
-            <a:endParaRPr lang="ru-RU" sz="1400" b="0" baseline="0" dirty="0" smtClean="0"/>
-          </a:p>
-          <a:p>
-            <a:r>
-              <a:rPr lang="ru-RU" sz="1600" b="1" dirty="0" smtClean="0"/>
+              <a:rPr lang="ru-RU" dirty="0"/>
+              <a:t>	… слишком много данных. Используя стандартные формулы мы получаем Линейное увеличение времени при расчете (моды, медианы, среднего и максимального значений) из за того, что объём данных постоянно увеличивается. В этом случае, на определенном этапе своей работы, программа просто захлебнется значениями, которые нужно обработать.</a:t>
+            </a:r>
+          </a:p>
+          <a:p>
+            <a:endParaRPr lang="ru-RU" dirty="0"/>
+          </a:p>
+          <a:p>
+            <a:r>
+              <a:rPr lang="ru-RU" sz="1600" b="1" dirty="0"/>
               <a:t>АНИМАЦИЯ</a:t>
             </a:r>
           </a:p>
           <a:p>
             <a:r>
-              <a:rPr lang="ru-RU" sz="1600" b="1" dirty="0" smtClean="0"/>
-              <a:t>Что</a:t>
-            </a:r>
-            <a:r>
-              <a:rPr lang="ru-RU" sz="1600" b="1" baseline="0" dirty="0" smtClean="0"/>
-              <a:t> нужно достичь:</a:t>
-            </a:r>
-          </a:p>
-          <a:p>
-            <a:r>
-              <a:rPr lang="ru-RU" sz="1600" b="0" baseline="0" dirty="0" smtClean="0"/>
+              <a:rPr lang="ru-RU" sz="1600" b="1" dirty="0"/>
+              <a:t>Что нужно достичь:</a:t>
+            </a:r>
+          </a:p>
+          <a:p>
+            <a:r>
+              <a:rPr lang="ru-RU" sz="1600" dirty="0"/>
               <a:t>	В идеале нужно достичь </a:t>
             </a:r>
             <a:r>
-              <a:rPr lang="ru-RU" sz="1600" b="1" baseline="0" dirty="0" smtClean="0"/>
+              <a:rPr lang="ru-RU" sz="1600" b="1" dirty="0"/>
               <a:t>константного </a:t>
             </a:r>
             <a:r>
-              <a:rPr lang="ru-RU" sz="1600" b="0" baseline="0" dirty="0" smtClean="0"/>
+              <a:rPr lang="ru-RU" sz="1600" dirty="0"/>
               <a:t>времени расчета в условии прироста данных.</a:t>
             </a:r>
           </a:p>
           <a:p>
-            <a:endParaRPr lang="ru-RU" sz="1600" b="0" baseline="0" dirty="0" smtClean="0"/>
-          </a:p>
-          <a:p>
-            <a:r>
-              <a:rPr lang="ru-RU" sz="1600" b="1" baseline="0" dirty="0" smtClean="0"/>
+            <a:endParaRPr lang="ru-RU" sz="1600" dirty="0"/>
+          </a:p>
+          <a:p>
+            <a:r>
+              <a:rPr lang="ru-RU" sz="1600" b="1" dirty="0"/>
               <a:t>Решение:</a:t>
             </a:r>
           </a:p>
           <a:p>
             <a:r>
-              <a:rPr lang="ru-RU" sz="1600" b="0" baseline="0" dirty="0" smtClean="0"/>
+              <a:rPr lang="ru-RU" sz="1600" dirty="0"/>
               <a:t>	Для решения проблемы было использовано специальные структуры данных.</a:t>
             </a:r>
-            <a:endParaRPr lang="uk-UA" sz="1600" b="0" dirty="0"/>
+            <a:endParaRPr lang="uk-UA" sz="1600" dirty="0"/>
           </a:p>
         </p:txBody>
       </p:sp>
@@ -4412,8 +4112,8 @@
         </p:nvSpPr>
         <p:spPr>
           <a:xfrm>
-            <a:off x="685800" y="1143000"/>
-            <a:ext cx="5486400" cy="3086100"/>
+            <a:off x="422275" y="1241425"/>
+            <a:ext cx="5953125" cy="3348038"/>
           </a:xfrm>
         </p:spPr>
       </p:sp>
@@ -4432,21 +4132,7 @@
           <a:bodyPr/>
           <a:lstStyle/>
           <a:p>
-            <a:pPr marL="0" marR="0" indent="0" algn="l" defTabSz="914400" rtl="0" eaLnBrk="1" fontAlgn="auto" latinLnBrk="0" hangingPunct="1">
-              <a:lnSpc>
-                <a:spcPct val="100000"/>
-              </a:lnSpc>
-              <a:spcBef>
-                <a:spcPts val="0"/>
-              </a:spcBef>
-              <a:spcAft>
-                <a:spcPts val="0"/>
-              </a:spcAft>
-              <a:buClrTx/>
-              <a:buSzTx/>
-              <a:buFontTx/>
-              <a:buNone/>
-              <a:tabLst/>
+            <a:pPr defTabSz="914295">
               <a:defRPr/>
             </a:pPr>
             <a:r>
@@ -4464,21 +4150,7 @@
             <a:endParaRPr lang="uk-UA" b="1" dirty="0" smtClean="0"/>
           </a:p>
           <a:p>
-            <a:pPr marL="0" marR="0" indent="0" algn="l" defTabSz="914400" rtl="0" eaLnBrk="1" fontAlgn="auto" latinLnBrk="0" hangingPunct="1">
-              <a:lnSpc>
-                <a:spcPct val="100000"/>
-              </a:lnSpc>
-              <a:spcBef>
-                <a:spcPts val="0"/>
-              </a:spcBef>
-              <a:spcAft>
-                <a:spcPts val="0"/>
-              </a:spcAft>
-              <a:buClrTx/>
-              <a:buSzTx/>
-              <a:buFontTx/>
-              <a:buNone/>
-              <a:tabLst/>
+            <a:pPr defTabSz="914295">
               <a:defRPr/>
             </a:pPr>
             <a:r>
@@ -4496,41 +4168,13 @@
             <a:endParaRPr lang="ru-RU" b="1" dirty="0" smtClean="0"/>
           </a:p>
           <a:p>
-            <a:pPr marL="0" marR="0" indent="0" algn="l" defTabSz="914400" rtl="0" eaLnBrk="1" fontAlgn="auto" latinLnBrk="0" hangingPunct="1">
-              <a:lnSpc>
-                <a:spcPct val="100000"/>
-              </a:lnSpc>
-              <a:spcBef>
-                <a:spcPts val="0"/>
-              </a:spcBef>
-              <a:spcAft>
-                <a:spcPts val="0"/>
-              </a:spcAft>
-              <a:buClrTx/>
-              <a:buSzTx/>
-              <a:buFontTx/>
-              <a:buNone/>
-              <a:tabLst/>
+            <a:pPr defTabSz="914295">
               <a:defRPr/>
             </a:pPr>
             <a:endParaRPr lang="ru-RU" dirty="0" smtClean="0"/>
           </a:p>
           <a:p>
-            <a:pPr marL="0" marR="0" indent="0" algn="l" defTabSz="914400" rtl="0" eaLnBrk="1" fontAlgn="auto" latinLnBrk="0" hangingPunct="1">
-              <a:lnSpc>
-                <a:spcPct val="100000"/>
-              </a:lnSpc>
-              <a:spcBef>
-                <a:spcPts val="0"/>
-              </a:spcBef>
-              <a:spcAft>
-                <a:spcPts val="0"/>
-              </a:spcAft>
-              <a:buClrTx/>
-              <a:buSzTx/>
-              <a:buFontTx/>
-              <a:buNone/>
-              <a:tabLst/>
+            <a:pPr defTabSz="914295">
               <a:defRPr/>
             </a:pPr>
             <a:r>
@@ -4539,21 +4183,7 @@
             </a:r>
           </a:p>
           <a:p>
-            <a:pPr marL="0" marR="0" indent="0" algn="l" defTabSz="914400" rtl="0" eaLnBrk="1" fontAlgn="auto" latinLnBrk="0" hangingPunct="1">
-              <a:lnSpc>
-                <a:spcPct val="100000"/>
-              </a:lnSpc>
-              <a:spcBef>
-                <a:spcPts val="0"/>
-              </a:spcBef>
-              <a:spcAft>
-                <a:spcPts val="0"/>
-              </a:spcAft>
-              <a:buClrTx/>
-              <a:buSzTx/>
-              <a:buFontTx/>
-              <a:buNone/>
-              <a:tabLst/>
+            <a:pPr defTabSz="914295">
               <a:defRPr/>
             </a:pPr>
             <a:r>
@@ -4611,21 +4241,7 @@
             <a:endParaRPr lang="en-US" dirty="0" smtClean="0"/>
           </a:p>
           <a:p>
-            <a:pPr marL="0" marR="0" indent="0" algn="l" defTabSz="914400" rtl="0" eaLnBrk="1" fontAlgn="auto" latinLnBrk="0" hangingPunct="1">
-              <a:lnSpc>
-                <a:spcPct val="100000"/>
-              </a:lnSpc>
-              <a:spcBef>
-                <a:spcPts val="0"/>
-              </a:spcBef>
-              <a:spcAft>
-                <a:spcPts val="0"/>
-              </a:spcAft>
-              <a:buClrTx/>
-              <a:buSzTx/>
-              <a:buFontTx/>
-              <a:buNone/>
-              <a:tabLst/>
+            <a:pPr defTabSz="914295">
               <a:defRPr/>
             </a:pPr>
             <a:r>
@@ -4808,9 +4424,9 @@
           <a:bodyPr/>
           <a:lstStyle/>
           <a:p>
-            <a:fld id="{4B3FEE5C-4EFA-4EBD-A460-680EAB01F724}" type="datetimeFigureOut">
+            <a:fld id="{48C68880-1436-4586-8D8B-73DDA0FAC0D2}" type="datetime1">
               <a:rPr lang="uk-UA" smtClean="0"/>
-              <a:t>10.06.2015</a:t>
+              <a:t>15.06.2015</a:t>
             </a:fld>
             <a:endParaRPr lang="uk-UA" dirty="0"/>
           </a:p>
@@ -4997,9 +4613,9 @@
           <a:bodyPr/>
           <a:lstStyle/>
           <a:p>
-            <a:fld id="{4B3FEE5C-4EFA-4EBD-A460-680EAB01F724}" type="datetimeFigureOut">
+            <a:fld id="{0B0313AF-BEB2-4D0E-A726-811B5CB61D47}" type="datetime1">
               <a:rPr lang="uk-UA" smtClean="0"/>
-              <a:t>10.06.2015</a:t>
+              <a:t>15.06.2015</a:t>
             </a:fld>
             <a:endParaRPr lang="uk-UA" dirty="0"/>
           </a:p>
@@ -5189,9 +4805,9 @@
           <a:bodyPr/>
           <a:lstStyle/>
           <a:p>
-            <a:fld id="{4B3FEE5C-4EFA-4EBD-A460-680EAB01F724}" type="datetimeFigureOut">
+            <a:fld id="{15803336-F8EE-4052-9A57-DDBC4110CD84}" type="datetime1">
               <a:rPr lang="uk-UA" smtClean="0"/>
-              <a:t>10.06.2015</a:t>
+              <a:t>15.06.2015</a:t>
             </a:fld>
             <a:endParaRPr lang="uk-UA" dirty="0"/>
           </a:p>
@@ -5371,9 +4987,9 @@
           <a:bodyPr/>
           <a:lstStyle/>
           <a:p>
-            <a:fld id="{4B3FEE5C-4EFA-4EBD-A460-680EAB01F724}" type="datetimeFigureOut">
+            <a:fld id="{46E737D9-26CD-4000-AC9A-DA8CE36229C7}" type="datetime1">
               <a:rPr lang="uk-UA" smtClean="0"/>
-              <a:t>10.06.2015</a:t>
+              <a:t>15.06.2015</a:t>
             </a:fld>
             <a:endParaRPr lang="uk-UA" dirty="0"/>
           </a:p>
@@ -5636,9 +5252,9 @@
           <a:bodyPr/>
           <a:lstStyle/>
           <a:p>
-            <a:fld id="{4B3FEE5C-4EFA-4EBD-A460-680EAB01F724}" type="datetimeFigureOut">
+            <a:fld id="{DAACF6BA-069B-479B-B208-731E125DAFDB}" type="datetime1">
               <a:rPr lang="uk-UA" smtClean="0"/>
-              <a:t>10.06.2015</a:t>
+              <a:t>15.06.2015</a:t>
             </a:fld>
             <a:endParaRPr lang="uk-UA" dirty="0"/>
           </a:p>
@@ -5880,9 +5496,9 @@
           <a:bodyPr/>
           <a:lstStyle/>
           <a:p>
-            <a:fld id="{4B3FEE5C-4EFA-4EBD-A460-680EAB01F724}" type="datetimeFigureOut">
+            <a:fld id="{6248A8CE-8761-4A9F-B172-31D00F08E234}" type="datetime1">
               <a:rPr lang="uk-UA" smtClean="0"/>
-              <a:t>10.06.2015</a:t>
+              <a:t>15.06.2015</a:t>
             </a:fld>
             <a:endParaRPr lang="uk-UA" dirty="0"/>
           </a:p>
@@ -6259,9 +5875,9 @@
           <a:bodyPr/>
           <a:lstStyle/>
           <a:p>
-            <a:fld id="{4B3FEE5C-4EFA-4EBD-A460-680EAB01F724}" type="datetimeFigureOut">
+            <a:fld id="{2440E9FF-5EB6-42F5-B6F3-A41D2EA0A1F7}" type="datetime1">
               <a:rPr lang="uk-UA" smtClean="0"/>
-              <a:t>10.06.2015</a:t>
+              <a:t>15.06.2015</a:t>
             </a:fld>
             <a:endParaRPr lang="uk-UA" dirty="0"/>
           </a:p>
@@ -6389,9 +6005,9 @@
           <a:bodyPr/>
           <a:lstStyle/>
           <a:p>
-            <a:fld id="{4B3FEE5C-4EFA-4EBD-A460-680EAB01F724}" type="datetimeFigureOut">
+            <a:fld id="{E1611E5C-E0CB-4B92-BBF6-22593486F567}" type="datetime1">
               <a:rPr lang="uk-UA" smtClean="0"/>
-              <a:t>10.06.2015</a:t>
+              <a:t>15.06.2015</a:t>
             </a:fld>
             <a:endParaRPr lang="uk-UA" dirty="0"/>
           </a:p>
@@ -6503,9 +6119,9 @@
           <a:bodyPr/>
           <a:lstStyle/>
           <a:p>
-            <a:fld id="{4B3FEE5C-4EFA-4EBD-A460-680EAB01F724}" type="datetimeFigureOut">
+            <a:fld id="{ECE9E075-BB67-4B53-B4A0-010F76B8F986}" type="datetime1">
               <a:rPr lang="uk-UA" smtClean="0"/>
-              <a:t>10.06.2015</a:t>
+              <a:t>15.06.2015</a:t>
             </a:fld>
             <a:endParaRPr lang="uk-UA" dirty="0"/>
           </a:p>
@@ -6792,9 +6408,9 @@
           <a:bodyPr/>
           <a:lstStyle/>
           <a:p>
-            <a:fld id="{4B3FEE5C-4EFA-4EBD-A460-680EAB01F724}" type="datetimeFigureOut">
+            <a:fld id="{637A7CE1-4A5B-4769-9440-DD0AAF1A8E07}" type="datetime1">
               <a:rPr lang="uk-UA" smtClean="0"/>
-              <a:t>10.06.2015</a:t>
+              <a:t>15.06.2015</a:t>
             </a:fld>
             <a:endParaRPr lang="uk-UA" dirty="0"/>
           </a:p>
@@ -7057,9 +6673,9 @@
           <a:bodyPr/>
           <a:lstStyle/>
           <a:p>
-            <a:fld id="{4B3FEE5C-4EFA-4EBD-A460-680EAB01F724}" type="datetimeFigureOut">
+            <a:fld id="{DC25F7FB-4B06-4525-92CF-608980334B55}" type="datetime1">
               <a:rPr lang="uk-UA" smtClean="0"/>
-              <a:t>10.06.2015</a:t>
+              <a:t>15.06.2015</a:t>
             </a:fld>
             <a:endParaRPr lang="uk-UA" dirty="0"/>
           </a:p>
@@ -7282,9 +6898,9 @@
             </a:lvl1pPr>
           </a:lstStyle>
           <a:p>
-            <a:fld id="{4B3FEE5C-4EFA-4EBD-A460-680EAB01F724}" type="datetimeFigureOut">
+            <a:fld id="{2AC261D3-21FC-457C-A5C2-1AA75390CA61}" type="datetime1">
               <a:rPr lang="uk-UA" smtClean="0"/>
-              <a:t>10.06.2015</a:t>
+              <a:t>15.06.2015</a:t>
             </a:fld>
             <a:endParaRPr lang="uk-UA" dirty="0"/>
           </a:p>
@@ -7408,6 +7024,7 @@
       </p:par>
     </p:tnLst>
   </p:timing>
+  <p:hf sldNum="0" hdr="0" ftr="0" dt="0"/>
   <p:txStyles>
     <p:titleStyle>
       <a:lvl1pPr algn="l" defTabSz="914332" rtl="0" eaLnBrk="1" latinLnBrk="0" hangingPunct="1">
@@ -7742,37 +7359,6 @@
           </a:p>
         </p:txBody>
       </p:sp>
-      <p:sp>
-        <p:nvSpPr>
-          <p:cNvPr id="7" name="TextBox 6"/>
-          <p:cNvSpPr txBox="1"/>
-          <p:nvPr/>
-        </p:nvSpPr>
-        <p:spPr>
-          <a:xfrm>
-            <a:off x="3672114" y="5886790"/>
-            <a:ext cx="4847771" cy="369332"/>
-          </a:xfrm>
-          <a:prstGeom prst="rect">
-            <a:avLst/>
-          </a:prstGeom>
-          <a:noFill/>
-        </p:spPr>
-        <p:txBody>
-          <a:bodyPr wrap="square" rtlCol="0" anchor="ctr">
-            <a:spAutoFit/>
-          </a:bodyPr>
-          <a:lstStyle/>
-          <a:p>
-            <a:pPr algn="ctr"/>
-            <a:r>
-              <a:rPr lang="en-US" dirty="0" smtClean="0"/>
-              <a:t>Wall of text</a:t>
-            </a:r>
-            <a:endParaRPr lang="uk-UA" dirty="0"/>
-          </a:p>
-        </p:txBody>
-      </p:sp>
     </p:spTree>
     <p:extLst>
       <p:ext uri="{BB962C8B-B14F-4D97-AF65-F5344CB8AC3E}">
@@ -7898,7 +7484,7 @@
           <a:graphicData uri="http://schemas.openxmlformats.org/presentationml/2006/ole">
             <mc:AlternateContent xmlns:mc="http://schemas.openxmlformats.org/markup-compatibility/2006">
               <mc:Choice xmlns:v="urn:schemas-microsoft-com:vml" Requires="v">
-                <p:oleObj spid="_x0000_s4466" name="Visio" r:id="rId5" imgW="12039600" imgH="10124985" progId="Visio.Drawing.15">
+                <p:oleObj spid="_x0000_s4470" name="Visio" r:id="rId5" imgW="12039600" imgH="10124985" progId="Visio.Drawing.15">
                   <p:embed/>
                 </p:oleObj>
               </mc:Choice>
@@ -9845,7 +9431,7 @@
           <a:graphicData uri="http://schemas.openxmlformats.org/presentationml/2006/ole">
             <mc:AlternateContent xmlns:mc="http://schemas.openxmlformats.org/markup-compatibility/2006">
               <mc:Choice xmlns:v="urn:schemas-microsoft-com:vml" Requires="v">
-                <p:oleObj spid="_x0000_s16487" name="Visio" r:id="rId5" imgW="13496857" imgH="5267235" progId="Visio.Drawing.15">
+                <p:oleObj spid="_x0000_s16491" name="Visio" r:id="rId5" imgW="13496857" imgH="5267235" progId="Visio.Drawing.15">
                   <p:embed/>
                 </p:oleObj>
               </mc:Choice>
@@ -9985,7 +9571,7 @@
           <a:graphicData uri="http://schemas.openxmlformats.org/presentationml/2006/ole">
             <mc:AlternateContent xmlns:mc="http://schemas.openxmlformats.org/markup-compatibility/2006">
               <mc:Choice xmlns:v="urn:schemas-microsoft-com:vml" Requires="v">
-                <p:oleObj spid="_x0000_s9533" name="Visio" r:id="rId5" imgW="13496857" imgH="5267235" progId="Visio.Drawing.15">
+                <p:oleObj spid="_x0000_s9537" name="Visio" r:id="rId5" imgW="13496857" imgH="5267235" progId="Visio.Drawing.15">
                   <p:embed/>
                 </p:oleObj>
               </mc:Choice>
@@ -10116,7 +9702,7 @@
           <a:graphicData uri="http://schemas.openxmlformats.org/presentationml/2006/ole">
             <mc:AlternateContent xmlns:mc="http://schemas.openxmlformats.org/markup-compatibility/2006">
               <mc:Choice xmlns:v="urn:schemas-microsoft-com:vml" Requires="v">
-                <p:oleObj spid="_x0000_s10557" name="Visio" r:id="rId5" imgW="13496857" imgH="5267235" progId="Visio.Drawing.15">
+                <p:oleObj spid="_x0000_s10561" name="Visio" r:id="rId5" imgW="13496857" imgH="5267235" progId="Visio.Drawing.15">
                   <p:embed/>
                 </p:oleObj>
               </mc:Choice>
@@ -10247,7 +9833,7 @@
           <a:graphicData uri="http://schemas.openxmlformats.org/presentationml/2006/ole">
             <mc:AlternateContent xmlns:mc="http://schemas.openxmlformats.org/markup-compatibility/2006">
               <mc:Choice xmlns:v="urn:schemas-microsoft-com:vml" Requires="v">
-                <p:oleObj spid="_x0000_s11580" name="Visio" r:id="rId5" imgW="13496857" imgH="5267235" progId="Visio.Drawing.15">
+                <p:oleObj spid="_x0000_s11584" name="Visio" r:id="rId5" imgW="13496857" imgH="5267235" progId="Visio.Drawing.15">
                   <p:embed/>
                 </p:oleObj>
               </mc:Choice>
@@ -10378,7 +9964,7 @@
           <a:graphicData uri="http://schemas.openxmlformats.org/presentationml/2006/ole">
             <mc:AlternateContent xmlns:mc="http://schemas.openxmlformats.org/markup-compatibility/2006">
               <mc:Choice xmlns:v="urn:schemas-microsoft-com:vml" Requires="v">
-                <p:oleObj spid="_x0000_s12598" name="Visio" r:id="rId5" imgW="13496857" imgH="5267235" progId="Visio.Drawing.15">
+                <p:oleObj spid="_x0000_s12602" name="Visio" r:id="rId5" imgW="13496857" imgH="5267235" progId="Visio.Drawing.15">
                   <p:embed/>
                 </p:oleObj>
               </mc:Choice>
@@ -11036,7 +10622,7 @@
           <a:graphicData uri="http://schemas.openxmlformats.org/presentationml/2006/ole">
             <mc:AlternateContent xmlns:mc="http://schemas.openxmlformats.org/markup-compatibility/2006">
               <mc:Choice xmlns:v="urn:schemas-microsoft-com:vml" Requires="v">
-                <p:oleObj spid="_x0000_s13451" name="Visio" r:id="rId5" imgW="13496857" imgH="5267235" progId="Visio.Drawing.15">
+                <p:oleObj spid="_x0000_s13455" name="Visio" r:id="rId5" imgW="13496857" imgH="5267235" progId="Visio.Drawing.15">
                   <p:embed/>
                 </p:oleObj>
               </mc:Choice>
@@ -11252,7 +10838,7 @@
           <a:graphicData uri="http://schemas.openxmlformats.org/presentationml/2006/ole">
             <mc:AlternateContent xmlns:mc="http://schemas.openxmlformats.org/markup-compatibility/2006">
               <mc:Choice xmlns:v="urn:schemas-microsoft-com:vml" Requires="v">
-                <p:oleObj spid="_x0000_s8512" name="Visio" r:id="rId5" imgW="13496857" imgH="5267235" progId="Visio.Drawing.15">
+                <p:oleObj spid="_x0000_s8516" name="Visio" r:id="rId5" imgW="13496857" imgH="5267235" progId="Visio.Drawing.15">
                   <p:embed/>
                 </p:oleObj>
               </mc:Choice>
@@ -11383,7 +10969,7 @@
           <a:graphicData uri="http://schemas.openxmlformats.org/presentationml/2006/ole">
             <mc:AlternateContent xmlns:mc="http://schemas.openxmlformats.org/markup-compatibility/2006">
               <mc:Choice xmlns:v="urn:schemas-microsoft-com:vml" Requires="v">
-                <p:oleObj spid="_x0000_s14474" name="Visio" r:id="rId5" imgW="13496857" imgH="5267235" progId="Visio.Drawing.15">
+                <p:oleObj spid="_x0000_s14478" name="Visio" r:id="rId5" imgW="13496857" imgH="5267235" progId="Visio.Drawing.15">
                   <p:embed/>
                 </p:oleObj>
               </mc:Choice>
@@ -12970,7 +12556,7 @@
           <a:graphicData uri="http://schemas.openxmlformats.org/presentationml/2006/ole">
             <mc:AlternateContent xmlns:mc="http://schemas.openxmlformats.org/markup-compatibility/2006">
               <mc:Choice xmlns:v="urn:schemas-microsoft-com:vml" Requires="v">
-                <p:oleObj spid="_x0000_s6500" name="Visio" r:id="rId5" imgW="13496857" imgH="5267235" progId="Visio.Drawing.15">
+                <p:oleObj spid="_x0000_s6504" name="Visio" r:id="rId5" imgW="13496857" imgH="5267235" progId="Visio.Drawing.15">
                   <p:embed/>
                 </p:oleObj>
               </mc:Choice>
@@ -13206,7 +12792,7 @@
             <p:ph idx="1"/>
             <p:extLst>
               <p:ext uri="{D42A27DB-BD31-4B8C-83A1-F6EECF244321}">
-                <p14:modId xmlns:p14="http://schemas.microsoft.com/office/powerpoint/2010/main" val="2248160762"/>
+                <p14:modId xmlns:p14="http://schemas.microsoft.com/office/powerpoint/2010/main" val="3046898901"/>
               </p:ext>
             </p:extLst>
           </p:nvPr>
@@ -13279,7 +12865,7 @@
                                         <p:tgtEl>
                                           <p:spTgt spid="7">
                                             <p:graphicEl>
-                                              <a:chart seriesIdx="0" categoryIdx="-4" bldStep="series"/>
+                                              <a:chart seriesIdx="-3" categoryIdx="-3" bldStep="gridLegend"/>
                                             </p:graphicEl>
                                           </p:spTgt>
                                         </p:tgtEl>
@@ -13297,7 +12883,7 @@
                                         <p:tgtEl>
                                           <p:spTgt spid="7">
                                             <p:graphicEl>
-                                              <a:chart seriesIdx="0" categoryIdx="-4" bldStep="series"/>
+                                              <a:chart seriesIdx="-3" categoryIdx="-3" bldStep="gridLegend"/>
                                             </p:graphicEl>
                                           </p:spTgt>
                                         </p:tgtEl>
@@ -13325,14 +12911,136 @@
                             </p:stCondLst>
                             <p:childTnLst>
                               <p:par>
-                                <p:cTn id="10" presetID="10" presetClass="exit" presetSubtype="0" fill="hold" grpId="1" nodeType="clickEffect">
+                                <p:cTn id="10" presetID="22" presetClass="entr" presetSubtype="8" fill="hold" grpId="0" nodeType="clickEffect">
+                                  <p:stCondLst>
+                                    <p:cond delay="0"/>
+                                  </p:stCondLst>
+                                  <p:childTnLst>
+                                    <p:set>
+                                      <p:cBhvr>
+                                        <p:cTn id="11" dur="1" fill="hold">
+                                          <p:stCondLst>
+                                            <p:cond delay="0"/>
+                                          </p:stCondLst>
+                                        </p:cTn>
+                                        <p:tgtEl>
+                                          <p:spTgt spid="7">
+                                            <p:graphicEl>
+                                              <a:chart seriesIdx="0" categoryIdx="-4" bldStep="series"/>
+                                            </p:graphicEl>
+                                          </p:spTgt>
+                                        </p:tgtEl>
+                                        <p:attrNameLst>
+                                          <p:attrName>style.visibility</p:attrName>
+                                        </p:attrNameLst>
+                                      </p:cBhvr>
+                                      <p:to>
+                                        <p:strVal val="visible"/>
+                                      </p:to>
+                                    </p:set>
+                                    <p:animEffect transition="in" filter="wipe(left)">
+                                      <p:cBhvr>
+                                        <p:cTn id="12" dur="750"/>
+                                        <p:tgtEl>
+                                          <p:spTgt spid="7">
+                                            <p:graphicEl>
+                                              <a:chart seriesIdx="0" categoryIdx="-4" bldStep="series"/>
+                                            </p:graphicEl>
+                                          </p:spTgt>
+                                        </p:tgtEl>
+                                      </p:cBhvr>
+                                    </p:animEffect>
+                                  </p:childTnLst>
+                                </p:cTn>
+                              </p:par>
+                            </p:childTnLst>
+                          </p:cTn>
+                        </p:par>
+                      </p:childTnLst>
+                    </p:cTn>
+                  </p:par>
+                  <p:par>
+                    <p:cTn id="13" fill="hold">
+                      <p:stCondLst>
+                        <p:cond delay="indefinite"/>
+                      </p:stCondLst>
+                      <p:childTnLst>
+                        <p:par>
+                          <p:cTn id="14" fill="hold">
+                            <p:stCondLst>
+                              <p:cond delay="0"/>
+                            </p:stCondLst>
+                            <p:childTnLst>
+                              <p:par>
+                                <p:cTn id="15" presetID="10" presetClass="exit" presetSubtype="0" fill="hold" grpId="1" nodeType="clickEffect">
                                   <p:stCondLst>
                                     <p:cond delay="0"/>
                                   </p:stCondLst>
                                   <p:childTnLst>
                                     <p:animEffect transition="out" filter="fade">
                                       <p:cBhvr>
-                                        <p:cTn id="11" dur="500"/>
+                                        <p:cTn id="16" dur="500"/>
+                                        <p:tgtEl>
+                                          <p:spTgt spid="7">
+                                            <p:graphicEl>
+                                              <a:chart seriesIdx="1" categoryIdx="-4" bldStep="series"/>
+                                            </p:graphicEl>
+                                          </p:spTgt>
+                                        </p:tgtEl>
+                                      </p:cBhvr>
+                                    </p:animEffect>
+                                    <p:set>
+                                      <p:cBhvr>
+                                        <p:cTn id="17" dur="1" fill="hold">
+                                          <p:stCondLst>
+                                            <p:cond delay="499"/>
+                                          </p:stCondLst>
+                                        </p:cTn>
+                                        <p:tgtEl>
+                                          <p:spTgt spid="7">
+                                            <p:graphicEl>
+                                              <a:chart seriesIdx="1" categoryIdx="-4" bldStep="series"/>
+                                            </p:graphicEl>
+                                          </p:spTgt>
+                                        </p:tgtEl>
+                                        <p:attrNameLst>
+                                          <p:attrName>style.visibility</p:attrName>
+                                        </p:attrNameLst>
+                                      </p:cBhvr>
+                                      <p:to>
+                                        <p:strVal val="hidden"/>
+                                      </p:to>
+                                    </p:set>
+                                  </p:childTnLst>
+                                </p:cTn>
+                              </p:par>
+                            </p:childTnLst>
+                          </p:cTn>
+                        </p:par>
+                      </p:childTnLst>
+                    </p:cTn>
+                  </p:par>
+                  <p:par>
+                    <p:cTn id="18" fill="hold">
+                      <p:stCondLst>
+                        <p:cond delay="indefinite"/>
+                      </p:stCondLst>
+                      <p:childTnLst>
+                        <p:par>
+                          <p:cTn id="19" fill="hold">
+                            <p:stCondLst>
+                              <p:cond delay="0"/>
+                            </p:stCondLst>
+                            <p:childTnLst>
+                              <p:par>
+                                <p:cTn id="20" presetID="10" presetClass="exit" presetSubtype="0" fill="hold" grpId="1" nodeType="clickEffect">
+                                  <p:stCondLst>
+                                    <p:cond delay="0"/>
+                                  </p:stCondLst>
+                                  <p:childTnLst>
+                                    <p:animEffect transition="out" filter="fade">
+                                      <p:cBhvr>
+                                        <p:cTn id="21" dur="500"/>
                                         <p:tgtEl>
                                           <p:spTgt spid="7">
                                             <p:graphicEl>
@@ -13344,7 +13052,7 @@
                                     </p:animEffect>
                                     <p:set>
                                       <p:cBhvr>
-                                        <p:cTn id="12" dur="1" fill="hold">
+                                        <p:cTn id="22" dur="1" fill="hold">
                                           <p:stCondLst>
                                             <p:cond delay="499"/>
                                           </p:stCondLst>
@@ -13367,15 +13075,76 @@
                                   </p:childTnLst>
                                 </p:cTn>
                               </p:par>
+                            </p:childTnLst>
+                          </p:cTn>
+                        </p:par>
+                      </p:childTnLst>
+                    </p:cTn>
+                  </p:par>
+                  <p:par>
+                    <p:cTn id="23" fill="hold">
+                      <p:stCondLst>
+                        <p:cond delay="indefinite"/>
+                      </p:stCondLst>
+                      <p:childTnLst>
+                        <p:par>
+                          <p:cTn id="24" fill="hold">
+                            <p:stCondLst>
+                              <p:cond delay="0"/>
+                            </p:stCondLst>
+                            <p:childTnLst>
                               <p:par>
-                                <p:cTn id="13" presetID="22" presetClass="entr" presetSubtype="8" fill="hold" grpId="0" nodeType="withEffect">
+                                <p:cTn id="25" presetID="10" presetClass="exit" presetSubtype="0" fill="hold" grpId="1" nodeType="clickEffect">
+                                  <p:stCondLst>
+                                    <p:cond delay="0"/>
+                                  </p:stCondLst>
+                                  <p:childTnLst>
+                                    <p:animEffect transition="out" filter="fade">
+                                      <p:cBhvr>
+                                        <p:cTn id="26" dur="500"/>
+                                        <p:tgtEl>
+                                          <p:spTgt spid="7">
+                                            <p:graphicEl>
+                                              <a:chart seriesIdx="-3" categoryIdx="-3" bldStep="gridLegend"/>
+                                            </p:graphicEl>
+                                          </p:spTgt>
+                                        </p:tgtEl>
+                                      </p:cBhvr>
+                                    </p:animEffect>
+                                    <p:set>
+                                      <p:cBhvr>
+                                        <p:cTn id="27" dur="1" fill="hold">
+                                          <p:stCondLst>
+                                            <p:cond delay="499"/>
+                                          </p:stCondLst>
+                                        </p:cTn>
+                                        <p:tgtEl>
+                                          <p:spTgt spid="7">
+                                            <p:graphicEl>
+                                              <a:chart seriesIdx="-3" categoryIdx="-3" bldStep="gridLegend"/>
+                                            </p:graphicEl>
+                                          </p:spTgt>
+                                        </p:tgtEl>
+                                        <p:attrNameLst>
+                                          <p:attrName>style.visibility</p:attrName>
+                                        </p:attrNameLst>
+                                      </p:cBhvr>
+                                      <p:to>
+                                        <p:strVal val="hidden"/>
+                                      </p:to>
+                                    </p:set>
+                                  </p:childTnLst>
+                                </p:cTn>
+                              </p:par>
+                              <p:par>
+                                <p:cTn id="28" presetID="22" presetClass="entr" presetSubtype="8" fill="hold" grpId="0" nodeType="withEffect">
                                   <p:stCondLst>
                                     <p:cond delay="0"/>
                                   </p:stCondLst>
                                   <p:childTnLst>
                                     <p:set>
                                       <p:cBhvr>
-                                        <p:cTn id="14" dur="1" fill="hold">
+                                        <p:cTn id="29" dur="1" fill="hold">
                                           <p:stCondLst>
                                             <p:cond delay="0"/>
                                           </p:stCondLst>
@@ -13397,7 +13166,7 @@
                                     </p:set>
                                     <p:animEffect transition="in" filter="wipe(left)">
                                       <p:cBhvr>
-                                        <p:cTn id="15" dur="750"/>
+                                        <p:cTn id="30" dur="750"/>
                                         <p:tgtEl>
                                           <p:spTgt spid="7">
                                             <p:graphicEl>
@@ -13541,7 +13310,7 @@
           <a:graphicData uri="http://schemas.openxmlformats.org/presentationml/2006/ole">
             <mc:AlternateContent xmlns:mc="http://schemas.openxmlformats.org/markup-compatibility/2006">
               <mc:Choice xmlns:v="urn:schemas-microsoft-com:vml" Requires="v">
-                <p:oleObj spid="_x0000_s17599" name="Visio" r:id="rId5" imgW="12039600" imgH="10124985" progId="Visio.Drawing.15">
+                <p:oleObj spid="_x0000_s17615" name="Visio" r:id="rId5" imgW="12039600" imgH="10124985" progId="Visio.Drawing.15">
                   <p:embed/>
                 </p:oleObj>
               </mc:Choice>
@@ -14185,7 +13954,7 @@
           <a:graphicData uri="http://schemas.openxmlformats.org/presentationml/2006/ole">
             <mc:AlternateContent xmlns:mc="http://schemas.openxmlformats.org/markup-compatibility/2006">
               <mc:Choice xmlns:v="urn:schemas-microsoft-com:vml" Requires="v">
-                <p:oleObj spid="_x0000_s17600" name="Visio" r:id="rId12" imgW="12039600" imgH="10124985" progId="Visio.Drawing.15">
+                <p:oleObj spid="_x0000_s17616" name="Visio" r:id="rId12" imgW="12039600" imgH="10124985" progId="Visio.Drawing.15">
                   <p:embed/>
                 </p:oleObj>
               </mc:Choice>
@@ -14252,7 +14021,7 @@
           <a:graphicData uri="http://schemas.openxmlformats.org/presentationml/2006/ole">
             <mc:AlternateContent xmlns:mc="http://schemas.openxmlformats.org/markup-compatibility/2006">
               <mc:Choice xmlns:v="urn:schemas-microsoft-com:vml" Requires="v">
-                <p:oleObj spid="_x0000_s17601" name="Visio" r:id="rId15" imgW="12039600" imgH="10124985" progId="Visio.Drawing.15">
+                <p:oleObj spid="_x0000_s17617" name="Visio" r:id="rId15" imgW="12039600" imgH="10124985" progId="Visio.Drawing.15">
                   <p:embed/>
                 </p:oleObj>
               </mc:Choice>
@@ -14313,7 +14082,7 @@
           <a:graphicData uri="http://schemas.openxmlformats.org/presentationml/2006/ole">
             <mc:AlternateContent xmlns:mc="http://schemas.openxmlformats.org/markup-compatibility/2006">
               <mc:Choice xmlns:v="urn:schemas-microsoft-com:vml" Requires="v">
-                <p:oleObj spid="_x0000_s17602" name="Visio" r:id="rId18" imgW="12039600" imgH="10124985" progId="Visio.Drawing.15">
+                <p:oleObj spid="_x0000_s17618" name="Visio" r:id="rId18" imgW="12039600" imgH="10124985" progId="Visio.Drawing.15">
                   <p:embed/>
                 </p:oleObj>
               </mc:Choice>
